--- a/docs/Zappa_notes_2.pptx
+++ b/docs/Zappa_notes_2.pptx
@@ -6,10 +6,9 @@
   </p:sldMasterIdLst>
   <p:sldIdLst>
     <p:sldId id="260" r:id="rId2"/>
-    <p:sldId id="263" r:id="rId3"/>
-    <p:sldId id="266" r:id="rId4"/>
-    <p:sldId id="261" r:id="rId5"/>
-    <p:sldId id="264" r:id="rId6"/>
+    <p:sldId id="270" r:id="rId3"/>
+    <p:sldId id="271" r:id="rId4"/>
+    <p:sldId id="264" r:id="rId5"/>
   </p:sldIdLst>
   <p:sldSz cx="12192000" cy="6858000"/>
   <p:notesSz cx="6858000" cy="9144000"/>
@@ -119,13 +118,1343 @@
 <file path=ppt/revisionInfo.xml><?xml version="1.0" encoding="utf-8"?>
 <p1510:revInfo xmlns:a="http://schemas.openxmlformats.org/drawingml/2006/main" xmlns:r="http://schemas.openxmlformats.org/officeDocument/2006/relationships" xmlns:p1510="http://schemas.microsoft.com/office/powerpoint/2015/10/main">
   <p1510:revLst>
-    <p1510:client id="{19715C1B-6A5C-4480-830B-1128DB660155}" v="3652" dt="2021-09-10T22:22:18.101"/>
+    <p1510:client id="{AF3F3D11-ADD9-485B-883B-4116CF994C98}" v="655" dt="2021-09-20T22:17:31.373"/>
   </p1510:revLst>
 </p1510:revInfo>
 </file>
 
 <file path=ppt/changesInfos/changesInfo1.xml><?xml version="1.0" encoding="utf-8"?>
 <pc:chgInfo xmlns:a="http://schemas.openxmlformats.org/drawingml/2006/main" xmlns:r="http://schemas.openxmlformats.org/officeDocument/2006/relationships" xmlns:ac="http://schemas.microsoft.com/office/drawing/2013/main/command" xmlns:pc="http://schemas.microsoft.com/office/powerpoint/2013/main/command">
+  <pc:docChgLst>
+    <pc:chgData name="Craig Brinkerhoff" userId="4ca67c74-3213-4250-9c32-077ebf257a4d" providerId="ADAL" clId="{AF3F3D11-ADD9-485B-883B-4116CF994C98}"/>
+    <pc:docChg chg="undo custSel addSld modSld">
+      <pc:chgData name="Craig Brinkerhoff" userId="4ca67c74-3213-4250-9c32-077ebf257a4d" providerId="ADAL" clId="{AF3F3D11-ADD9-485B-883B-4116CF994C98}" dt="2021-09-20T22:17:31.373" v="1292" actId="20577"/>
+      <pc:docMkLst>
+        <pc:docMk/>
+      </pc:docMkLst>
+      <pc:sldChg chg="addSp delSp modSp mod">
+        <pc:chgData name="Craig Brinkerhoff" userId="4ca67c74-3213-4250-9c32-077ebf257a4d" providerId="ADAL" clId="{AF3F3D11-ADD9-485B-883B-4116CF994C98}" dt="2021-09-17T19:45:24.101" v="766" actId="20577"/>
+        <pc:sldMkLst>
+          <pc:docMk/>
+          <pc:sldMk cId="1764610376" sldId="260"/>
+        </pc:sldMkLst>
+        <pc:spChg chg="mod">
+          <ac:chgData name="Craig Brinkerhoff" userId="4ca67c74-3213-4250-9c32-077ebf257a4d" providerId="ADAL" clId="{AF3F3D11-ADD9-485B-883B-4116CF994C98}" dt="2021-09-17T19:45:24.101" v="766" actId="20577"/>
+          <ac:spMkLst>
+            <pc:docMk/>
+            <pc:sldMk cId="1764610376" sldId="260"/>
+            <ac:spMk id="3" creationId="{2E254306-EB3A-43C9-BB0E-324D8F8D533D}"/>
+          </ac:spMkLst>
+        </pc:spChg>
+        <pc:spChg chg="add mod">
+          <ac:chgData name="Craig Brinkerhoff" userId="4ca67c74-3213-4250-9c32-077ebf257a4d" providerId="ADAL" clId="{AF3F3D11-ADD9-485B-883B-4116CF994C98}" dt="2021-09-17T16:50:28.021" v="259" actId="164"/>
+          <ac:spMkLst>
+            <pc:docMk/>
+            <pc:sldMk cId="1764610376" sldId="260"/>
+            <ac:spMk id="6" creationId="{2B35ABF3-93C6-4A0C-93CF-F092B580597F}"/>
+          </ac:spMkLst>
+        </pc:spChg>
+        <pc:spChg chg="add mod">
+          <ac:chgData name="Craig Brinkerhoff" userId="4ca67c74-3213-4250-9c32-077ebf257a4d" providerId="ADAL" clId="{AF3F3D11-ADD9-485B-883B-4116CF994C98}" dt="2021-09-17T16:50:28.021" v="259" actId="164"/>
+          <ac:spMkLst>
+            <pc:docMk/>
+            <pc:sldMk cId="1764610376" sldId="260"/>
+            <ac:spMk id="9" creationId="{F4219DE6-0639-4972-9B7C-366381A86FB1}"/>
+          </ac:spMkLst>
+        </pc:spChg>
+        <pc:grpChg chg="add mod">
+          <ac:chgData name="Craig Brinkerhoff" userId="4ca67c74-3213-4250-9c32-077ebf257a4d" providerId="ADAL" clId="{AF3F3D11-ADD9-485B-883B-4116CF994C98}" dt="2021-09-17T16:50:29.800" v="260" actId="1076"/>
+          <ac:grpSpMkLst>
+            <pc:docMk/>
+            <pc:sldMk cId="1764610376" sldId="260"/>
+            <ac:grpSpMk id="12" creationId="{9F9B167A-68B9-4E3E-8859-D77744B2999B}"/>
+          </ac:grpSpMkLst>
+        </pc:grpChg>
+        <pc:picChg chg="add mod">
+          <ac:chgData name="Craig Brinkerhoff" userId="4ca67c74-3213-4250-9c32-077ebf257a4d" providerId="ADAL" clId="{AF3F3D11-ADD9-485B-883B-4116CF994C98}" dt="2021-09-17T16:50:28.021" v="259" actId="164"/>
+          <ac:picMkLst>
+            <pc:docMk/>
+            <pc:sldMk cId="1764610376" sldId="260"/>
+            <ac:picMk id="5" creationId="{2E8E06C0-CAFE-454B-8273-0682F242C0D9}"/>
+          </ac:picMkLst>
+        </pc:picChg>
+        <pc:picChg chg="add del mod">
+          <ac:chgData name="Craig Brinkerhoff" userId="4ca67c74-3213-4250-9c32-077ebf257a4d" providerId="ADAL" clId="{AF3F3D11-ADD9-485B-883B-4116CF994C98}" dt="2021-09-17T19:45:19.414" v="756" actId="478"/>
+          <ac:picMkLst>
+            <pc:docMk/>
+            <pc:sldMk cId="1764610376" sldId="260"/>
+            <ac:picMk id="11" creationId="{04267E32-EFC4-4C92-955C-CCFFD1951D3A}"/>
+          </ac:picMkLst>
+        </pc:picChg>
+        <pc:cxnChg chg="add mod">
+          <ac:chgData name="Craig Brinkerhoff" userId="4ca67c74-3213-4250-9c32-077ebf257a4d" providerId="ADAL" clId="{AF3F3D11-ADD9-485B-883B-4116CF994C98}" dt="2021-09-17T16:50:28.021" v="259" actId="164"/>
+          <ac:cxnSpMkLst>
+            <pc:docMk/>
+            <pc:sldMk cId="1764610376" sldId="260"/>
+            <ac:cxnSpMk id="8" creationId="{C73478DB-05DE-4881-BE7F-431A144885D5}"/>
+          </ac:cxnSpMkLst>
+        </pc:cxnChg>
+      </pc:sldChg>
+      <pc:sldChg chg="modSp mod">
+        <pc:chgData name="Craig Brinkerhoff" userId="4ca67c74-3213-4250-9c32-077ebf257a4d" providerId="ADAL" clId="{AF3F3D11-ADD9-485B-883B-4116CF994C98}" dt="2021-09-20T21:39:15.501" v="947" actId="20577"/>
+        <pc:sldMkLst>
+          <pc:docMk/>
+          <pc:sldMk cId="3779462781" sldId="261"/>
+        </pc:sldMkLst>
+        <pc:spChg chg="mod">
+          <ac:chgData name="Craig Brinkerhoff" userId="4ca67c74-3213-4250-9c32-077ebf257a4d" providerId="ADAL" clId="{AF3F3D11-ADD9-485B-883B-4116CF994C98}" dt="2021-09-20T21:39:15.501" v="947" actId="20577"/>
+          <ac:spMkLst>
+            <pc:docMk/>
+            <pc:sldMk cId="3779462781" sldId="261"/>
+            <ac:spMk id="20" creationId="{BA022A3F-671A-4EFA-B36F-3126EAAE6875}"/>
+          </ac:spMkLst>
+        </pc:spChg>
+        <pc:picChg chg="mod">
+          <ac:chgData name="Craig Brinkerhoff" userId="4ca67c74-3213-4250-9c32-077ebf257a4d" providerId="ADAL" clId="{AF3F3D11-ADD9-485B-883B-4116CF994C98}" dt="2021-09-17T19:21:20.913" v="651" actId="14826"/>
+          <ac:picMkLst>
+            <pc:docMk/>
+            <pc:sldMk cId="3779462781" sldId="261"/>
+            <ac:picMk id="3" creationId="{CD37A3AE-71DF-46B7-A4D4-3CBE5D6590D3}"/>
+          </ac:picMkLst>
+        </pc:picChg>
+      </pc:sldChg>
+      <pc:sldChg chg="modSp mod">
+        <pc:chgData name="Craig Brinkerhoff" userId="4ca67c74-3213-4250-9c32-077ebf257a4d" providerId="ADAL" clId="{AF3F3D11-ADD9-485B-883B-4116CF994C98}" dt="2021-09-20T21:35:14.087" v="942" actId="1036"/>
+        <pc:sldMkLst>
+          <pc:docMk/>
+          <pc:sldMk cId="3578953865" sldId="263"/>
+        </pc:sldMkLst>
+        <pc:spChg chg="mod">
+          <ac:chgData name="Craig Brinkerhoff" userId="4ca67c74-3213-4250-9c32-077ebf257a4d" providerId="ADAL" clId="{AF3F3D11-ADD9-485B-883B-4116CF994C98}" dt="2021-09-17T19:45:55.547" v="768" actId="403"/>
+          <ac:spMkLst>
+            <pc:docMk/>
+            <pc:sldMk cId="3578953865" sldId="263"/>
+            <ac:spMk id="5" creationId="{2B0ECC86-3670-4B98-9B53-EB17EDBBCC12}"/>
+          </ac:spMkLst>
+        </pc:spChg>
+        <pc:picChg chg="mod">
+          <ac:chgData name="Craig Brinkerhoff" userId="4ca67c74-3213-4250-9c32-077ebf257a4d" providerId="ADAL" clId="{AF3F3D11-ADD9-485B-883B-4116CF994C98}" dt="2021-09-20T21:35:14.087" v="942" actId="1036"/>
+          <ac:picMkLst>
+            <pc:docMk/>
+            <pc:sldMk cId="3578953865" sldId="263"/>
+            <ac:picMk id="4" creationId="{EBF82825-B6F8-4711-831E-5FF12A7329B8}"/>
+          </ac:picMkLst>
+        </pc:picChg>
+      </pc:sldChg>
+      <pc:sldChg chg="modSp mod">
+        <pc:chgData name="Craig Brinkerhoff" userId="4ca67c74-3213-4250-9c32-077ebf257a4d" providerId="ADAL" clId="{AF3F3D11-ADD9-485B-883B-4116CF994C98}" dt="2021-09-17T19:42:29.565" v="755" actId="20577"/>
+        <pc:sldMkLst>
+          <pc:docMk/>
+          <pc:sldMk cId="946737534" sldId="264"/>
+        </pc:sldMkLst>
+        <pc:spChg chg="mod">
+          <ac:chgData name="Craig Brinkerhoff" userId="4ca67c74-3213-4250-9c32-077ebf257a4d" providerId="ADAL" clId="{AF3F3D11-ADD9-485B-883B-4116CF994C98}" dt="2021-09-17T19:42:29.565" v="755" actId="20577"/>
+          <ac:spMkLst>
+            <pc:docMk/>
+            <pc:sldMk cId="946737534" sldId="264"/>
+            <ac:spMk id="3" creationId="{31C5C002-A510-4E15-B2FA-5FC09EA9A031}"/>
+          </ac:spMkLst>
+        </pc:spChg>
+      </pc:sldChg>
+      <pc:sldChg chg="addSp delSp modSp mod">
+        <pc:chgData name="Craig Brinkerhoff" userId="4ca67c74-3213-4250-9c32-077ebf257a4d" providerId="ADAL" clId="{AF3F3D11-ADD9-485B-883B-4116CF994C98}" dt="2021-09-17T19:54:03.709" v="842" actId="207"/>
+        <pc:sldMkLst>
+          <pc:docMk/>
+          <pc:sldMk cId="3557711385" sldId="266"/>
+        </pc:sldMkLst>
+        <pc:spChg chg="mod">
+          <ac:chgData name="Craig Brinkerhoff" userId="4ca67c74-3213-4250-9c32-077ebf257a4d" providerId="ADAL" clId="{AF3F3D11-ADD9-485B-883B-4116CF994C98}" dt="2021-09-17T19:46:12.307" v="772" actId="20577"/>
+          <ac:spMkLst>
+            <pc:docMk/>
+            <pc:sldMk cId="3557711385" sldId="266"/>
+            <ac:spMk id="3" creationId="{4A4E8022-2800-4DD6-9F04-A7C2FAEA2AD4}"/>
+          </ac:spMkLst>
+        </pc:spChg>
+        <pc:spChg chg="mod">
+          <ac:chgData name="Craig Brinkerhoff" userId="4ca67c74-3213-4250-9c32-077ebf257a4d" providerId="ADAL" clId="{AF3F3D11-ADD9-485B-883B-4116CF994C98}" dt="2021-09-17T19:47:53.287" v="796" actId="20577"/>
+          <ac:spMkLst>
+            <pc:docMk/>
+            <pc:sldMk cId="3557711385" sldId="266"/>
+            <ac:spMk id="4" creationId="{6555B11F-BF57-4408-AF7C-7631467B64DA}"/>
+          </ac:spMkLst>
+        </pc:spChg>
+        <pc:spChg chg="mod">
+          <ac:chgData name="Craig Brinkerhoff" userId="4ca67c74-3213-4250-9c32-077ebf257a4d" providerId="ADAL" clId="{AF3F3D11-ADD9-485B-883B-4116CF994C98}" dt="2021-09-17T19:54:03.709" v="842" actId="207"/>
+          <ac:spMkLst>
+            <pc:docMk/>
+            <pc:sldMk cId="3557711385" sldId="266"/>
+            <ac:spMk id="9" creationId="{85DA0AD0-BD1D-4130-AD2E-065E3F050122}"/>
+          </ac:spMkLst>
+        </pc:spChg>
+        <pc:spChg chg="del">
+          <ac:chgData name="Craig Brinkerhoff" userId="4ca67c74-3213-4250-9c32-077ebf257a4d" providerId="ADAL" clId="{AF3F3D11-ADD9-485B-883B-4116CF994C98}" dt="2021-09-17T19:46:36.256" v="779" actId="478"/>
+          <ac:spMkLst>
+            <pc:docMk/>
+            <pc:sldMk cId="3557711385" sldId="266"/>
+            <ac:spMk id="11" creationId="{1959BFEB-D27C-4B58-9E10-821D99C105B4}"/>
+          </ac:spMkLst>
+        </pc:spChg>
+        <pc:spChg chg="del">
+          <ac:chgData name="Craig Brinkerhoff" userId="4ca67c74-3213-4250-9c32-077ebf257a4d" providerId="ADAL" clId="{AF3F3D11-ADD9-485B-883B-4116CF994C98}" dt="2021-09-17T19:46:37.280" v="780" actId="478"/>
+          <ac:spMkLst>
+            <pc:docMk/>
+            <pc:sldMk cId="3557711385" sldId="266"/>
+            <ac:spMk id="12" creationId="{C40FD47F-0346-4C14-8DA0-5FE18D97EE83}"/>
+          </ac:spMkLst>
+        </pc:spChg>
+        <pc:picChg chg="add del mod modCrop">
+          <ac:chgData name="Craig Brinkerhoff" userId="4ca67c74-3213-4250-9c32-077ebf257a4d" providerId="ADAL" clId="{AF3F3D11-ADD9-485B-883B-4116CF994C98}" dt="2021-09-17T19:46:35.268" v="778" actId="478"/>
+          <ac:picMkLst>
+            <pc:docMk/>
+            <pc:sldMk cId="3557711385" sldId="266"/>
+            <ac:picMk id="8" creationId="{E5F3767B-0EF5-4B14-A24A-17D405D753EA}"/>
+          </ac:picMkLst>
+        </pc:picChg>
+        <pc:picChg chg="del mod">
+          <ac:chgData name="Craig Brinkerhoff" userId="4ca67c74-3213-4250-9c32-077ebf257a4d" providerId="ADAL" clId="{AF3F3D11-ADD9-485B-883B-4116CF994C98}" dt="2021-09-17T19:24:29.553" v="703" actId="478"/>
+          <ac:picMkLst>
+            <pc:docMk/>
+            <pc:sldMk cId="3557711385" sldId="266"/>
+            <ac:picMk id="10" creationId="{A21BA237-46F8-48DD-8015-508BAC7FCFEF}"/>
+          </ac:picMkLst>
+        </pc:picChg>
+      </pc:sldChg>
+      <pc:sldChg chg="addSp delSp modSp new mod">
+        <pc:chgData name="Craig Brinkerhoff" userId="4ca67c74-3213-4250-9c32-077ebf257a4d" providerId="ADAL" clId="{AF3F3D11-ADD9-485B-883B-4116CF994C98}" dt="2021-09-20T22:08:54.768" v="1115" actId="27636"/>
+        <pc:sldMkLst>
+          <pc:docMk/>
+          <pc:sldMk cId="4031493139" sldId="267"/>
+        </pc:sldMkLst>
+        <pc:spChg chg="mod">
+          <ac:chgData name="Craig Brinkerhoff" userId="4ca67c74-3213-4250-9c32-077ebf257a4d" providerId="ADAL" clId="{AF3F3D11-ADD9-485B-883B-4116CF994C98}" dt="2021-09-17T16:54:08.975" v="310" actId="1076"/>
+          <ac:spMkLst>
+            <pc:docMk/>
+            <pc:sldMk cId="4031493139" sldId="267"/>
+            <ac:spMk id="2" creationId="{DF213C5E-9AE0-49F7-8132-694D1A5E4FFE}"/>
+          </ac:spMkLst>
+        </pc:spChg>
+        <pc:spChg chg="mod">
+          <ac:chgData name="Craig Brinkerhoff" userId="4ca67c74-3213-4250-9c32-077ebf257a4d" providerId="ADAL" clId="{AF3F3D11-ADD9-485B-883B-4116CF994C98}" dt="2021-09-20T22:08:54.768" v="1115" actId="27636"/>
+          <ac:spMkLst>
+            <pc:docMk/>
+            <pc:sldMk cId="4031493139" sldId="267"/>
+            <ac:spMk id="3" creationId="{86D5B1BC-CE6E-40C5-B75C-796EF669C8F8}"/>
+          </ac:spMkLst>
+        </pc:spChg>
+        <pc:spChg chg="mod topLvl">
+          <ac:chgData name="Craig Brinkerhoff" userId="4ca67c74-3213-4250-9c32-077ebf257a4d" providerId="ADAL" clId="{AF3F3D11-ADD9-485B-883B-4116CF994C98}" dt="2021-09-17T16:55:13.361" v="326" actId="164"/>
+          <ac:spMkLst>
+            <pc:docMk/>
+            <pc:sldMk cId="4031493139" sldId="267"/>
+            <ac:spMk id="6" creationId="{F9061DFA-96D3-408C-B7D4-7ABDA8C5B670}"/>
+          </ac:spMkLst>
+        </pc:spChg>
+        <pc:spChg chg="mod topLvl">
+          <ac:chgData name="Craig Brinkerhoff" userId="4ca67c74-3213-4250-9c32-077ebf257a4d" providerId="ADAL" clId="{AF3F3D11-ADD9-485B-883B-4116CF994C98}" dt="2021-09-17T16:55:13.361" v="326" actId="164"/>
+          <ac:spMkLst>
+            <pc:docMk/>
+            <pc:sldMk cId="4031493139" sldId="267"/>
+            <ac:spMk id="8" creationId="{19004AD5-D074-4E4E-B267-5420940FAAA8}"/>
+          </ac:spMkLst>
+        </pc:spChg>
+        <pc:spChg chg="add mod">
+          <ac:chgData name="Craig Brinkerhoff" userId="4ca67c74-3213-4250-9c32-077ebf257a4d" providerId="ADAL" clId="{AF3F3D11-ADD9-485B-883B-4116CF994C98}" dt="2021-09-17T19:40:47.946" v="731" actId="207"/>
+          <ac:spMkLst>
+            <pc:docMk/>
+            <pc:sldMk cId="4031493139" sldId="267"/>
+            <ac:spMk id="9" creationId="{A7D058FE-6022-4D93-9728-D2A5DC6C403B}"/>
+          </ac:spMkLst>
+        </pc:spChg>
+        <pc:grpChg chg="add del mod">
+          <ac:chgData name="Craig Brinkerhoff" userId="4ca67c74-3213-4250-9c32-077ebf257a4d" providerId="ADAL" clId="{AF3F3D11-ADD9-485B-883B-4116CF994C98}" dt="2021-09-17T16:54:24.693" v="315" actId="165"/>
+          <ac:grpSpMkLst>
+            <pc:docMk/>
+            <pc:sldMk cId="4031493139" sldId="267"/>
+            <ac:grpSpMk id="4" creationId="{B9E072CE-38E3-465A-A779-27C9D294FE31}"/>
+          </ac:grpSpMkLst>
+        </pc:grpChg>
+        <pc:grpChg chg="add mod">
+          <ac:chgData name="Craig Brinkerhoff" userId="4ca67c74-3213-4250-9c32-077ebf257a4d" providerId="ADAL" clId="{AF3F3D11-ADD9-485B-883B-4116CF994C98}" dt="2021-09-17T16:55:13.361" v="326" actId="164"/>
+          <ac:grpSpMkLst>
+            <pc:docMk/>
+            <pc:sldMk cId="4031493139" sldId="267"/>
+            <ac:grpSpMk id="12" creationId="{ACB2DAC4-3188-4756-AEEB-7D4015A25E2C}"/>
+          </ac:grpSpMkLst>
+        </pc:grpChg>
+        <pc:picChg chg="mod topLvl">
+          <ac:chgData name="Craig Brinkerhoff" userId="4ca67c74-3213-4250-9c32-077ebf257a4d" providerId="ADAL" clId="{AF3F3D11-ADD9-485B-883B-4116CF994C98}" dt="2021-09-17T16:55:13.361" v="326" actId="164"/>
+          <ac:picMkLst>
+            <pc:docMk/>
+            <pc:sldMk cId="4031493139" sldId="267"/>
+            <ac:picMk id="5" creationId="{3B643A42-1F58-4A0C-9F0F-9FA55072CFA3}"/>
+          </ac:picMkLst>
+        </pc:picChg>
+        <pc:inkChg chg="add del">
+          <ac:chgData name="Craig Brinkerhoff" userId="4ca67c74-3213-4250-9c32-077ebf257a4d" providerId="ADAL" clId="{AF3F3D11-ADD9-485B-883B-4116CF994C98}" dt="2021-09-20T22:08:49.147" v="1113" actId="9405"/>
+          <ac:inkMkLst>
+            <pc:docMk/>
+            <pc:sldMk cId="4031493139" sldId="267"/>
+            <ac:inkMk id="4" creationId="{DE7ADC52-485D-4114-806E-36F3E605E851}"/>
+          </ac:inkMkLst>
+        </pc:inkChg>
+        <pc:inkChg chg="add del">
+          <ac:chgData name="Craig Brinkerhoff" userId="4ca67c74-3213-4250-9c32-077ebf257a4d" providerId="ADAL" clId="{AF3F3D11-ADD9-485B-883B-4116CF994C98}" dt="2021-09-20T22:08:48.935" v="1112" actId="9405"/>
+          <ac:inkMkLst>
+            <pc:docMk/>
+            <pc:sldMk cId="4031493139" sldId="267"/>
+            <ac:inkMk id="10" creationId="{E40FB193-E530-4AFF-949B-978EA8B95014}"/>
+          </ac:inkMkLst>
+        </pc:inkChg>
+        <pc:cxnChg chg="mod topLvl">
+          <ac:chgData name="Craig Brinkerhoff" userId="4ca67c74-3213-4250-9c32-077ebf257a4d" providerId="ADAL" clId="{AF3F3D11-ADD9-485B-883B-4116CF994C98}" dt="2021-09-17T16:55:13.361" v="326" actId="164"/>
+          <ac:cxnSpMkLst>
+            <pc:docMk/>
+            <pc:sldMk cId="4031493139" sldId="267"/>
+            <ac:cxnSpMk id="7" creationId="{2ADDF8D0-57DD-434D-AAED-99FCAF8541C3}"/>
+          </ac:cxnSpMkLst>
+        </pc:cxnChg>
+        <pc:cxnChg chg="add mod">
+          <ac:chgData name="Craig Brinkerhoff" userId="4ca67c74-3213-4250-9c32-077ebf257a4d" providerId="ADAL" clId="{AF3F3D11-ADD9-485B-883B-4116CF994C98}" dt="2021-09-17T19:40:43.042" v="730" actId="1582"/>
+          <ac:cxnSpMkLst>
+            <pc:docMk/>
+            <pc:sldMk cId="4031493139" sldId="267"/>
+            <ac:cxnSpMk id="11" creationId="{D8CA1CAB-5885-47E7-B1EC-7DF84CADDEBD}"/>
+          </ac:cxnSpMkLst>
+        </pc:cxnChg>
+      </pc:sldChg>
+      <pc:sldChg chg="addSp delSp modSp new mod">
+        <pc:chgData name="Craig Brinkerhoff" userId="4ca67c74-3213-4250-9c32-077ebf257a4d" providerId="ADAL" clId="{AF3F3D11-ADD9-485B-883B-4116CF994C98}" dt="2021-09-20T22:17:31.373" v="1292" actId="20577"/>
+        <pc:sldMkLst>
+          <pc:docMk/>
+          <pc:sldMk cId="4153405823" sldId="271"/>
+        </pc:sldMkLst>
+        <pc:spChg chg="add mod">
+          <ac:chgData name="Craig Brinkerhoff" userId="4ca67c74-3213-4250-9c32-077ebf257a4d" providerId="ADAL" clId="{AF3F3D11-ADD9-485B-883B-4116CF994C98}" dt="2021-09-20T22:17:31.373" v="1292" actId="20577"/>
+          <ac:spMkLst>
+            <pc:docMk/>
+            <pc:sldMk cId="4153405823" sldId="271"/>
+            <ac:spMk id="4" creationId="{33E0DA80-A2BB-4C68-AB94-7AA8545C35C4}"/>
+          </ac:spMkLst>
+        </pc:spChg>
+        <pc:grpChg chg="del mod">
+          <ac:chgData name="Craig Brinkerhoff" userId="4ca67c74-3213-4250-9c32-077ebf257a4d" providerId="ADAL" clId="{AF3F3D11-ADD9-485B-883B-4116CF994C98}" dt="2021-09-20T22:09:46.549" v="1136"/>
+          <ac:grpSpMkLst>
+            <pc:docMk/>
+            <pc:sldMk cId="4153405823" sldId="271"/>
+            <ac:grpSpMk id="9" creationId="{7B398425-38C6-42AD-8F86-570034EBFDC5}"/>
+          </ac:grpSpMkLst>
+        </pc:grpChg>
+        <pc:grpChg chg="del mod">
+          <ac:chgData name="Craig Brinkerhoff" userId="4ca67c74-3213-4250-9c32-077ebf257a4d" providerId="ADAL" clId="{AF3F3D11-ADD9-485B-883B-4116CF994C98}" dt="2021-09-20T22:09:48.942" v="1140"/>
+          <ac:grpSpMkLst>
+            <pc:docMk/>
+            <pc:sldMk cId="4153405823" sldId="271"/>
+            <ac:grpSpMk id="12" creationId="{0A93FE86-C4BE-46A9-B847-715B4AA5398E}"/>
+          </ac:grpSpMkLst>
+        </pc:grpChg>
+        <pc:grpChg chg="del mod">
+          <ac:chgData name="Craig Brinkerhoff" userId="4ca67c74-3213-4250-9c32-077ebf257a4d" providerId="ADAL" clId="{AF3F3D11-ADD9-485B-883B-4116CF994C98}" dt="2021-09-20T22:11:17.290" v="1204"/>
+          <ac:grpSpMkLst>
+            <pc:docMk/>
+            <pc:sldMk cId="4153405823" sldId="271"/>
+            <ac:grpSpMk id="16" creationId="{7AC2B58F-EFED-4452-9853-504D33D45C88}"/>
+          </ac:grpSpMkLst>
+        </pc:grpChg>
+        <pc:grpChg chg="del mod">
+          <ac:chgData name="Craig Brinkerhoff" userId="4ca67c74-3213-4250-9c32-077ebf257a4d" providerId="ADAL" clId="{AF3F3D11-ADD9-485B-883B-4116CF994C98}" dt="2021-09-20T22:09:56.285" v="1150"/>
+          <ac:grpSpMkLst>
+            <pc:docMk/>
+            <pc:sldMk cId="4153405823" sldId="271"/>
+            <ac:grpSpMk id="20" creationId="{2259566B-1CE2-46EA-BA5E-71D0CA8E9C19}"/>
+          </ac:grpSpMkLst>
+        </pc:grpChg>
+        <pc:grpChg chg="del mod">
+          <ac:chgData name="Craig Brinkerhoff" userId="4ca67c74-3213-4250-9c32-077ebf257a4d" providerId="ADAL" clId="{AF3F3D11-ADD9-485B-883B-4116CF994C98}" dt="2021-09-20T22:09:56.285" v="1150"/>
+          <ac:grpSpMkLst>
+            <pc:docMk/>
+            <pc:sldMk cId="4153405823" sldId="271"/>
+            <ac:grpSpMk id="23" creationId="{80DB3AFA-CE2E-496F-BDA7-7B434C996738}"/>
+          </ac:grpSpMkLst>
+        </pc:grpChg>
+        <pc:grpChg chg="del mod">
+          <ac:chgData name="Craig Brinkerhoff" userId="4ca67c74-3213-4250-9c32-077ebf257a4d" providerId="ADAL" clId="{AF3F3D11-ADD9-485B-883B-4116CF994C98}" dt="2021-09-20T22:09:59.722" v="1154"/>
+          <ac:grpSpMkLst>
+            <pc:docMk/>
+            <pc:sldMk cId="4153405823" sldId="271"/>
+            <ac:grpSpMk id="26" creationId="{C029ECA7-D05C-41D2-9EF3-9ED617738107}"/>
+          </ac:grpSpMkLst>
+        </pc:grpChg>
+        <pc:grpChg chg="del mod">
+          <ac:chgData name="Craig Brinkerhoff" userId="4ca67c74-3213-4250-9c32-077ebf257a4d" providerId="ADAL" clId="{AF3F3D11-ADD9-485B-883B-4116CF994C98}" dt="2021-09-20T22:11:17.290" v="1204"/>
+          <ac:grpSpMkLst>
+            <pc:docMk/>
+            <pc:sldMk cId="4153405823" sldId="271"/>
+            <ac:grpSpMk id="30" creationId="{58992DB3-6168-4260-B229-BAF81160CEFB}"/>
+          </ac:grpSpMkLst>
+        </pc:grpChg>
+        <pc:grpChg chg="del mod">
+          <ac:chgData name="Craig Brinkerhoff" userId="4ca67c74-3213-4250-9c32-077ebf257a4d" providerId="ADAL" clId="{AF3F3D11-ADD9-485B-883B-4116CF994C98}" dt="2021-09-20T22:10:41.962" v="1191"/>
+          <ac:grpSpMkLst>
+            <pc:docMk/>
+            <pc:sldMk cId="4153405823" sldId="271"/>
+            <ac:grpSpMk id="35" creationId="{0E5031E5-A8FC-4A5A-AC42-F97017327D39}"/>
+          </ac:grpSpMkLst>
+        </pc:grpChg>
+        <pc:grpChg chg="del mod">
+          <ac:chgData name="Craig Brinkerhoff" userId="4ca67c74-3213-4250-9c32-077ebf257a4d" providerId="ADAL" clId="{AF3F3D11-ADD9-485B-883B-4116CF994C98}" dt="2021-09-20T22:10:41.962" v="1191"/>
+          <ac:grpSpMkLst>
+            <pc:docMk/>
+            <pc:sldMk cId="4153405823" sldId="271"/>
+            <ac:grpSpMk id="39" creationId="{AD54E2F5-510F-4CFC-9E5E-FA7EF0980D40}"/>
+          </ac:grpSpMkLst>
+        </pc:grpChg>
+        <pc:grpChg chg="del mod">
+          <ac:chgData name="Craig Brinkerhoff" userId="4ca67c74-3213-4250-9c32-077ebf257a4d" providerId="ADAL" clId="{AF3F3D11-ADD9-485B-883B-4116CF994C98}" dt="2021-09-20T22:10:27.148" v="1176"/>
+          <ac:grpSpMkLst>
+            <pc:docMk/>
+            <pc:sldMk cId="4153405823" sldId="271"/>
+            <ac:grpSpMk id="45" creationId="{B68F4199-B91B-4C8C-9C1C-83A2D8099E31}"/>
+          </ac:grpSpMkLst>
+        </pc:grpChg>
+        <pc:grpChg chg="del mod">
+          <ac:chgData name="Craig Brinkerhoff" userId="4ca67c74-3213-4250-9c32-077ebf257a4d" providerId="ADAL" clId="{AF3F3D11-ADD9-485B-883B-4116CF994C98}" dt="2021-09-20T22:10:41.962" v="1191"/>
+          <ac:grpSpMkLst>
+            <pc:docMk/>
+            <pc:sldMk cId="4153405823" sldId="271"/>
+            <ac:grpSpMk id="52" creationId="{04425E22-DD13-4594-9024-69E987A5F71C}"/>
+          </ac:grpSpMkLst>
+        </pc:grpChg>
+        <pc:grpChg chg="del mod">
+          <ac:chgData name="Craig Brinkerhoff" userId="4ca67c74-3213-4250-9c32-077ebf257a4d" providerId="ADAL" clId="{AF3F3D11-ADD9-485B-883B-4116CF994C98}" dt="2021-09-20T22:10:41.962" v="1191"/>
+          <ac:grpSpMkLst>
+            <pc:docMk/>
+            <pc:sldMk cId="4153405823" sldId="271"/>
+            <ac:grpSpMk id="57" creationId="{C5049250-6653-4E35-B8F6-306F439C8451}"/>
+          </ac:grpSpMkLst>
+        </pc:grpChg>
+        <pc:grpChg chg="del mod">
+          <ac:chgData name="Craig Brinkerhoff" userId="4ca67c74-3213-4250-9c32-077ebf257a4d" providerId="ADAL" clId="{AF3F3D11-ADD9-485B-883B-4116CF994C98}" dt="2021-09-20T22:10:41.962" v="1191"/>
+          <ac:grpSpMkLst>
+            <pc:docMk/>
+            <pc:sldMk cId="4153405823" sldId="271"/>
+            <ac:grpSpMk id="61" creationId="{BC122C71-C8BA-4571-AAF8-80EFB2317748}"/>
+          </ac:grpSpMkLst>
+        </pc:grpChg>
+        <pc:grpChg chg="del mod">
+          <ac:chgData name="Craig Brinkerhoff" userId="4ca67c74-3213-4250-9c32-077ebf257a4d" providerId="ADAL" clId="{AF3F3D11-ADD9-485B-883B-4116CF994C98}" dt="2021-09-20T22:11:17.290" v="1204"/>
+          <ac:grpSpMkLst>
+            <pc:docMk/>
+            <pc:sldMk cId="4153405823" sldId="271"/>
+            <ac:grpSpMk id="67" creationId="{4BCD2AF8-D212-4093-B84D-A90049A2A931}"/>
+          </ac:grpSpMkLst>
+        </pc:grpChg>
+        <pc:grpChg chg="del mod">
+          <ac:chgData name="Craig Brinkerhoff" userId="4ca67c74-3213-4250-9c32-077ebf257a4d" providerId="ADAL" clId="{AF3F3D11-ADD9-485B-883B-4116CF994C98}" dt="2021-09-20T22:11:17.290" v="1204"/>
+          <ac:grpSpMkLst>
+            <pc:docMk/>
+            <pc:sldMk cId="4153405823" sldId="271"/>
+            <ac:grpSpMk id="72" creationId="{86D0DF2C-B427-43D6-8A76-87306D25DF58}"/>
+          </ac:grpSpMkLst>
+        </pc:grpChg>
+        <pc:grpChg chg="del mod">
+          <ac:chgData name="Craig Brinkerhoff" userId="4ca67c74-3213-4250-9c32-077ebf257a4d" providerId="ADAL" clId="{AF3F3D11-ADD9-485B-883B-4116CF994C98}" dt="2021-09-20T22:11:17.290" v="1204"/>
+          <ac:grpSpMkLst>
+            <pc:docMk/>
+            <pc:sldMk cId="4153405823" sldId="271"/>
+            <ac:grpSpMk id="76" creationId="{891B27B2-38F2-4744-A695-CB5F5D64046B}"/>
+          </ac:grpSpMkLst>
+        </pc:grpChg>
+        <pc:grpChg chg="add del mod">
+          <ac:chgData name="Craig Brinkerhoff" userId="4ca67c74-3213-4250-9c32-077ebf257a4d" providerId="ADAL" clId="{AF3F3D11-ADD9-485B-883B-4116CF994C98}" dt="2021-09-20T22:16:29.973" v="1279"/>
+          <ac:grpSpMkLst>
+            <pc:docMk/>
+            <pc:sldMk cId="4153405823" sldId="271"/>
+            <ac:grpSpMk id="80" creationId="{C8CA29B9-E80A-4628-96AB-7E7988F3ABC6}"/>
+          </ac:grpSpMkLst>
+        </pc:grpChg>
+        <pc:grpChg chg="del mod">
+          <ac:chgData name="Craig Brinkerhoff" userId="4ca67c74-3213-4250-9c32-077ebf257a4d" providerId="ADAL" clId="{AF3F3D11-ADD9-485B-883B-4116CF994C98}" dt="2021-09-20T22:14:37.435" v="1214"/>
+          <ac:grpSpMkLst>
+            <pc:docMk/>
+            <pc:sldMk cId="4153405823" sldId="271"/>
+            <ac:grpSpMk id="85" creationId="{C5CD9F29-AE8D-445C-8FD0-4D49BFF05E02}"/>
+          </ac:grpSpMkLst>
+        </pc:grpChg>
+        <pc:grpChg chg="add del mod">
+          <ac:chgData name="Craig Brinkerhoff" userId="4ca67c74-3213-4250-9c32-077ebf257a4d" providerId="ADAL" clId="{AF3F3D11-ADD9-485B-883B-4116CF994C98}" dt="2021-09-20T22:16:28.099" v="1264"/>
+          <ac:grpSpMkLst>
+            <pc:docMk/>
+            <pc:sldMk cId="4153405823" sldId="271"/>
+            <ac:grpSpMk id="89" creationId="{08784C37-76E6-4156-9460-4CAE7C730DEE}"/>
+          </ac:grpSpMkLst>
+        </pc:grpChg>
+        <pc:grpChg chg="add del mod">
+          <ac:chgData name="Craig Brinkerhoff" userId="4ca67c74-3213-4250-9c32-077ebf257a4d" providerId="ADAL" clId="{AF3F3D11-ADD9-485B-883B-4116CF994C98}" dt="2021-09-20T22:16:28.809" v="1270"/>
+          <ac:grpSpMkLst>
+            <pc:docMk/>
+            <pc:sldMk cId="4153405823" sldId="271"/>
+            <ac:grpSpMk id="93" creationId="{EF0BFF37-498E-40C0-AFA9-DAA16E07D602}"/>
+          </ac:grpSpMkLst>
+        </pc:grpChg>
+        <pc:grpChg chg="add del mod">
+          <ac:chgData name="Craig Brinkerhoff" userId="4ca67c74-3213-4250-9c32-077ebf257a4d" providerId="ADAL" clId="{AF3F3D11-ADD9-485B-883B-4116CF994C98}" dt="2021-09-20T22:16:29.973" v="1279"/>
+          <ac:grpSpMkLst>
+            <pc:docMk/>
+            <pc:sldMk cId="4153405823" sldId="271"/>
+            <ac:grpSpMk id="96" creationId="{D2307CCC-B8BF-4971-AF08-41B1F23D2BEA}"/>
+          </ac:grpSpMkLst>
+        </pc:grpChg>
+        <pc:grpChg chg="add del mod">
+          <ac:chgData name="Craig Brinkerhoff" userId="4ca67c74-3213-4250-9c32-077ebf257a4d" providerId="ADAL" clId="{AF3F3D11-ADD9-485B-883B-4116CF994C98}" dt="2021-09-20T22:16:29.973" v="1279"/>
+          <ac:grpSpMkLst>
+            <pc:docMk/>
+            <pc:sldMk cId="4153405823" sldId="271"/>
+            <ac:grpSpMk id="104" creationId="{5B248551-8821-44A6-BA16-69C1414A6A79}"/>
+          </ac:grpSpMkLst>
+        </pc:grpChg>
+        <pc:grpChg chg="add del mod">
+          <ac:chgData name="Craig Brinkerhoff" userId="4ca67c74-3213-4250-9c32-077ebf257a4d" providerId="ADAL" clId="{AF3F3D11-ADD9-485B-883B-4116CF994C98}" dt="2021-09-20T22:16:29.537" v="1276"/>
+          <ac:grpSpMkLst>
+            <pc:docMk/>
+            <pc:sldMk cId="4153405823" sldId="271"/>
+            <ac:grpSpMk id="107" creationId="{0643270C-E555-461B-9478-2ED72477A962}"/>
+          </ac:grpSpMkLst>
+        </pc:grpChg>
+        <pc:grpChg chg="mod">
+          <ac:chgData name="Craig Brinkerhoff" userId="4ca67c74-3213-4250-9c32-077ebf257a4d" providerId="ADAL" clId="{AF3F3D11-ADD9-485B-883B-4116CF994C98}" dt="2021-09-20T22:16:28.998" v="1272"/>
+          <ac:grpSpMkLst>
+            <pc:docMk/>
+            <pc:sldMk cId="4153405823" sldId="271"/>
+            <ac:grpSpMk id="111" creationId="{0B330B5C-7135-4BDD-98E9-DFD897544640}"/>
+          </ac:grpSpMkLst>
+        </pc:grpChg>
+        <pc:grpChg chg="add del mod">
+          <ac:chgData name="Craig Brinkerhoff" userId="4ca67c74-3213-4250-9c32-077ebf257a4d" providerId="ADAL" clId="{AF3F3D11-ADD9-485B-883B-4116CF994C98}" dt="2021-09-20T22:16:28.809" v="1270"/>
+          <ac:grpSpMkLst>
+            <pc:docMk/>
+            <pc:sldMk cId="4153405823" sldId="271"/>
+            <ac:grpSpMk id="113" creationId="{227188ED-5690-4864-8AF8-787429D09036}"/>
+          </ac:grpSpMkLst>
+        </pc:grpChg>
+        <pc:grpChg chg="add del mod">
+          <ac:chgData name="Craig Brinkerhoff" userId="4ca67c74-3213-4250-9c32-077ebf257a4d" providerId="ADAL" clId="{AF3F3D11-ADD9-485B-883B-4116CF994C98}" dt="2021-09-20T22:16:28.277" v="1266"/>
+          <ac:grpSpMkLst>
+            <pc:docMk/>
+            <pc:sldMk cId="4153405823" sldId="271"/>
+            <ac:grpSpMk id="117" creationId="{2BFD7D92-0CE0-42B2-BED5-9BD0D5B1365B}"/>
+          </ac:grpSpMkLst>
+        </pc:grpChg>
+        <pc:grpChg chg="add del mod">
+          <ac:chgData name="Craig Brinkerhoff" userId="4ca67c74-3213-4250-9c32-077ebf257a4d" providerId="ADAL" clId="{AF3F3D11-ADD9-485B-883B-4116CF994C98}" dt="2021-09-20T22:16:28.099" v="1264"/>
+          <ac:grpSpMkLst>
+            <pc:docMk/>
+            <pc:sldMk cId="4153405823" sldId="271"/>
+            <ac:grpSpMk id="119" creationId="{BACE1A71-7179-4AAB-867D-1AC8ED8F8BB5}"/>
+          </ac:grpSpMkLst>
+        </pc:grpChg>
+        <pc:grpChg chg="mod">
+          <ac:chgData name="Craig Brinkerhoff" userId="4ca67c74-3213-4250-9c32-077ebf257a4d" providerId="ADAL" clId="{AF3F3D11-ADD9-485B-883B-4116CF994C98}" dt="2021-09-20T22:16:27.459" v="1260"/>
+          <ac:grpSpMkLst>
+            <pc:docMk/>
+            <pc:sldMk cId="4153405823" sldId="271"/>
+            <ac:grpSpMk id="123" creationId="{7074860E-C063-47E8-ADC2-9B17FC542876}"/>
+          </ac:grpSpMkLst>
+        </pc:grpChg>
+        <pc:grpChg chg="mod">
+          <ac:chgData name="Craig Brinkerhoff" userId="4ca67c74-3213-4250-9c32-077ebf257a4d" providerId="ADAL" clId="{AF3F3D11-ADD9-485B-883B-4116CF994C98}" dt="2021-09-20T22:16:26.023" v="1255"/>
+          <ac:grpSpMkLst>
+            <pc:docMk/>
+            <pc:sldMk cId="4153405823" sldId="271"/>
+            <ac:grpSpMk id="128" creationId="{5F903A4B-BB2B-4F2C-B6A0-353583907E69}"/>
+          </ac:grpSpMkLst>
+        </pc:grpChg>
+        <pc:inkChg chg="add del">
+          <ac:chgData name="Craig Brinkerhoff" userId="4ca67c74-3213-4250-9c32-077ebf257a4d" providerId="ADAL" clId="{AF3F3D11-ADD9-485B-883B-4116CF994C98}" dt="2021-09-20T22:08:39.921" v="1109" actId="9405"/>
+          <ac:inkMkLst>
+            <pc:docMk/>
+            <pc:sldMk cId="4153405823" sldId="271"/>
+            <ac:inkMk id="2" creationId="{6A46230F-434E-4168-A32B-5C4A97FCFBDD}"/>
+          </ac:inkMkLst>
+        </pc:inkChg>
+        <pc:inkChg chg="add mod">
+          <ac:chgData name="Craig Brinkerhoff" userId="4ca67c74-3213-4250-9c32-077ebf257a4d" providerId="ADAL" clId="{AF3F3D11-ADD9-485B-883B-4116CF994C98}" dt="2021-09-20T22:16:29.973" v="1279"/>
+          <ac:inkMkLst>
+            <pc:docMk/>
+            <pc:sldMk cId="4153405823" sldId="271"/>
+            <ac:inkMk id="5" creationId="{702AD904-0E22-4C96-84CD-80E468BD3EC1}"/>
+          </ac:inkMkLst>
+        </pc:inkChg>
+        <pc:inkChg chg="add mod">
+          <ac:chgData name="Craig Brinkerhoff" userId="4ca67c74-3213-4250-9c32-077ebf257a4d" providerId="ADAL" clId="{AF3F3D11-ADD9-485B-883B-4116CF994C98}" dt="2021-09-20T22:16:29.973" v="1279"/>
+          <ac:inkMkLst>
+            <pc:docMk/>
+            <pc:sldMk cId="4153405823" sldId="271"/>
+            <ac:inkMk id="6" creationId="{19125946-A1BE-4896-96BB-5991BBDEEBBE}"/>
+          </ac:inkMkLst>
+        </pc:inkChg>
+        <pc:inkChg chg="add mod">
+          <ac:chgData name="Craig Brinkerhoff" userId="4ca67c74-3213-4250-9c32-077ebf257a4d" providerId="ADAL" clId="{AF3F3D11-ADD9-485B-883B-4116CF994C98}" dt="2021-09-20T22:16:29.973" v="1279"/>
+          <ac:inkMkLst>
+            <pc:docMk/>
+            <pc:sldMk cId="4153405823" sldId="271"/>
+            <ac:inkMk id="7" creationId="{F5F9AB96-F685-444B-826E-F14A04E090CA}"/>
+          </ac:inkMkLst>
+        </pc:inkChg>
+        <pc:inkChg chg="add mod">
+          <ac:chgData name="Craig Brinkerhoff" userId="4ca67c74-3213-4250-9c32-077ebf257a4d" providerId="ADAL" clId="{AF3F3D11-ADD9-485B-883B-4116CF994C98}" dt="2021-09-20T22:16:29.973" v="1279"/>
+          <ac:inkMkLst>
+            <pc:docMk/>
+            <pc:sldMk cId="4153405823" sldId="271"/>
+            <ac:inkMk id="8" creationId="{DF566397-DB4C-4B0F-814C-B51EBC2DAB38}"/>
+          </ac:inkMkLst>
+        </pc:inkChg>
+        <pc:inkChg chg="add mod">
+          <ac:chgData name="Craig Brinkerhoff" userId="4ca67c74-3213-4250-9c32-077ebf257a4d" providerId="ADAL" clId="{AF3F3D11-ADD9-485B-883B-4116CF994C98}" dt="2021-09-20T22:16:29.973" v="1279"/>
+          <ac:inkMkLst>
+            <pc:docMk/>
+            <pc:sldMk cId="4153405823" sldId="271"/>
+            <ac:inkMk id="10" creationId="{5D99B539-83D2-4D5D-93B9-AAE06AF280D6}"/>
+          </ac:inkMkLst>
+        </pc:inkChg>
+        <pc:inkChg chg="add mod">
+          <ac:chgData name="Craig Brinkerhoff" userId="4ca67c74-3213-4250-9c32-077ebf257a4d" providerId="ADAL" clId="{AF3F3D11-ADD9-485B-883B-4116CF994C98}" dt="2021-09-20T22:16:29.973" v="1279"/>
+          <ac:inkMkLst>
+            <pc:docMk/>
+            <pc:sldMk cId="4153405823" sldId="271"/>
+            <ac:inkMk id="11" creationId="{07976DC2-EB2A-4C7A-8DA9-8FFE9D27E06A}"/>
+          </ac:inkMkLst>
+        </pc:inkChg>
+        <pc:inkChg chg="add mod">
+          <ac:chgData name="Craig Brinkerhoff" userId="4ca67c74-3213-4250-9c32-077ebf257a4d" providerId="ADAL" clId="{AF3F3D11-ADD9-485B-883B-4116CF994C98}" dt="2021-09-20T22:16:29.973" v="1279"/>
+          <ac:inkMkLst>
+            <pc:docMk/>
+            <pc:sldMk cId="4153405823" sldId="271"/>
+            <ac:inkMk id="13" creationId="{3E8CC9E5-8ED4-4262-B280-4B854363884E}"/>
+          </ac:inkMkLst>
+        </pc:inkChg>
+        <pc:inkChg chg="add mod">
+          <ac:chgData name="Craig Brinkerhoff" userId="4ca67c74-3213-4250-9c32-077ebf257a4d" providerId="ADAL" clId="{AF3F3D11-ADD9-485B-883B-4116CF994C98}" dt="2021-09-20T22:16:29.973" v="1279"/>
+          <ac:inkMkLst>
+            <pc:docMk/>
+            <pc:sldMk cId="4153405823" sldId="271"/>
+            <ac:inkMk id="14" creationId="{331671AB-A6CD-4B58-921C-5ACEE026CB89}"/>
+          </ac:inkMkLst>
+        </pc:inkChg>
+        <pc:inkChg chg="add mod">
+          <ac:chgData name="Craig Brinkerhoff" userId="4ca67c74-3213-4250-9c32-077ebf257a4d" providerId="ADAL" clId="{AF3F3D11-ADD9-485B-883B-4116CF994C98}" dt="2021-09-20T22:16:29.973" v="1279"/>
+          <ac:inkMkLst>
+            <pc:docMk/>
+            <pc:sldMk cId="4153405823" sldId="271"/>
+            <ac:inkMk id="15" creationId="{EE3FC551-6D88-4B48-A8D4-A75B01B49CD0}"/>
+          </ac:inkMkLst>
+        </pc:inkChg>
+        <pc:inkChg chg="add mod">
+          <ac:chgData name="Craig Brinkerhoff" userId="4ca67c74-3213-4250-9c32-077ebf257a4d" providerId="ADAL" clId="{AF3F3D11-ADD9-485B-883B-4116CF994C98}" dt="2021-09-20T22:16:29.973" v="1279"/>
+          <ac:inkMkLst>
+            <pc:docMk/>
+            <pc:sldMk cId="4153405823" sldId="271"/>
+            <ac:inkMk id="17" creationId="{51251B26-E7EC-4233-B782-FD879FFEC91D}"/>
+          </ac:inkMkLst>
+        </pc:inkChg>
+        <pc:inkChg chg="add mod">
+          <ac:chgData name="Craig Brinkerhoff" userId="4ca67c74-3213-4250-9c32-077ebf257a4d" providerId="ADAL" clId="{AF3F3D11-ADD9-485B-883B-4116CF994C98}" dt="2021-09-20T22:16:29.973" v="1279"/>
+          <ac:inkMkLst>
+            <pc:docMk/>
+            <pc:sldMk cId="4153405823" sldId="271"/>
+            <ac:inkMk id="18" creationId="{C1683282-17BE-4FA7-97D8-8C4C0BC1EA38}"/>
+          </ac:inkMkLst>
+        </pc:inkChg>
+        <pc:inkChg chg="add mod">
+          <ac:chgData name="Craig Brinkerhoff" userId="4ca67c74-3213-4250-9c32-077ebf257a4d" providerId="ADAL" clId="{AF3F3D11-ADD9-485B-883B-4116CF994C98}" dt="2021-09-20T22:16:29.973" v="1279"/>
+          <ac:inkMkLst>
+            <pc:docMk/>
+            <pc:sldMk cId="4153405823" sldId="271"/>
+            <ac:inkMk id="19" creationId="{9D748396-E73A-448A-9F68-611B0EEE9FD8}"/>
+          </ac:inkMkLst>
+        </pc:inkChg>
+        <pc:inkChg chg="add mod">
+          <ac:chgData name="Craig Brinkerhoff" userId="4ca67c74-3213-4250-9c32-077ebf257a4d" providerId="ADAL" clId="{AF3F3D11-ADD9-485B-883B-4116CF994C98}" dt="2021-09-20T22:16:29.973" v="1279"/>
+          <ac:inkMkLst>
+            <pc:docMk/>
+            <pc:sldMk cId="4153405823" sldId="271"/>
+            <ac:inkMk id="21" creationId="{1AD2A57E-1DC7-4E7C-8C9D-B42BE0B02455}"/>
+          </ac:inkMkLst>
+        </pc:inkChg>
+        <pc:inkChg chg="add mod">
+          <ac:chgData name="Craig Brinkerhoff" userId="4ca67c74-3213-4250-9c32-077ebf257a4d" providerId="ADAL" clId="{AF3F3D11-ADD9-485B-883B-4116CF994C98}" dt="2021-09-20T22:16:29.973" v="1279"/>
+          <ac:inkMkLst>
+            <pc:docMk/>
+            <pc:sldMk cId="4153405823" sldId="271"/>
+            <ac:inkMk id="22" creationId="{F5D7B582-08A3-4010-AB2D-48A5CC85379E}"/>
+          </ac:inkMkLst>
+        </pc:inkChg>
+        <pc:inkChg chg="add mod">
+          <ac:chgData name="Craig Brinkerhoff" userId="4ca67c74-3213-4250-9c32-077ebf257a4d" providerId="ADAL" clId="{AF3F3D11-ADD9-485B-883B-4116CF994C98}" dt="2021-09-20T22:16:29.973" v="1279"/>
+          <ac:inkMkLst>
+            <pc:docMk/>
+            <pc:sldMk cId="4153405823" sldId="271"/>
+            <ac:inkMk id="24" creationId="{FE333BD6-13ED-4FEC-9928-0C7756FA6619}"/>
+          </ac:inkMkLst>
+        </pc:inkChg>
+        <pc:inkChg chg="add mod">
+          <ac:chgData name="Craig Brinkerhoff" userId="4ca67c74-3213-4250-9c32-077ebf257a4d" providerId="ADAL" clId="{AF3F3D11-ADD9-485B-883B-4116CF994C98}" dt="2021-09-20T22:16:29.973" v="1279"/>
+          <ac:inkMkLst>
+            <pc:docMk/>
+            <pc:sldMk cId="4153405823" sldId="271"/>
+            <ac:inkMk id="25" creationId="{1E5D497A-1DCC-4238-A305-87BB5E294AA5}"/>
+          </ac:inkMkLst>
+        </pc:inkChg>
+        <pc:inkChg chg="add mod">
+          <ac:chgData name="Craig Brinkerhoff" userId="4ca67c74-3213-4250-9c32-077ebf257a4d" providerId="ADAL" clId="{AF3F3D11-ADD9-485B-883B-4116CF994C98}" dt="2021-09-20T22:16:29.973" v="1279"/>
+          <ac:inkMkLst>
+            <pc:docMk/>
+            <pc:sldMk cId="4153405823" sldId="271"/>
+            <ac:inkMk id="27" creationId="{3B311C44-77FF-4D5E-BF32-B5F15B5A66D9}"/>
+          </ac:inkMkLst>
+        </pc:inkChg>
+        <pc:inkChg chg="add mod">
+          <ac:chgData name="Craig Brinkerhoff" userId="4ca67c74-3213-4250-9c32-077ebf257a4d" providerId="ADAL" clId="{AF3F3D11-ADD9-485B-883B-4116CF994C98}" dt="2021-09-20T22:16:29.973" v="1279"/>
+          <ac:inkMkLst>
+            <pc:docMk/>
+            <pc:sldMk cId="4153405823" sldId="271"/>
+            <ac:inkMk id="28" creationId="{B4DC9D0B-C360-4808-B310-920FE78C544F}"/>
+          </ac:inkMkLst>
+        </pc:inkChg>
+        <pc:inkChg chg="add mod">
+          <ac:chgData name="Craig Brinkerhoff" userId="4ca67c74-3213-4250-9c32-077ebf257a4d" providerId="ADAL" clId="{AF3F3D11-ADD9-485B-883B-4116CF994C98}" dt="2021-09-20T22:16:29.973" v="1279"/>
+          <ac:inkMkLst>
+            <pc:docMk/>
+            <pc:sldMk cId="4153405823" sldId="271"/>
+            <ac:inkMk id="29" creationId="{6BDDEBF1-EF33-4E47-88BC-946FC654E240}"/>
+          </ac:inkMkLst>
+        </pc:inkChg>
+        <pc:inkChg chg="add mod">
+          <ac:chgData name="Craig Brinkerhoff" userId="4ca67c74-3213-4250-9c32-077ebf257a4d" providerId="ADAL" clId="{AF3F3D11-ADD9-485B-883B-4116CF994C98}" dt="2021-09-20T22:16:29.973" v="1279"/>
+          <ac:inkMkLst>
+            <pc:docMk/>
+            <pc:sldMk cId="4153405823" sldId="271"/>
+            <ac:inkMk id="31" creationId="{24FC2015-567C-49B1-8C0F-91DA80389AA7}"/>
+          </ac:inkMkLst>
+        </pc:inkChg>
+        <pc:inkChg chg="add mod">
+          <ac:chgData name="Craig Brinkerhoff" userId="4ca67c74-3213-4250-9c32-077ebf257a4d" providerId="ADAL" clId="{AF3F3D11-ADD9-485B-883B-4116CF994C98}" dt="2021-09-20T22:16:29.973" v="1279"/>
+          <ac:inkMkLst>
+            <pc:docMk/>
+            <pc:sldMk cId="4153405823" sldId="271"/>
+            <ac:inkMk id="32" creationId="{A1F18BF3-B609-43A2-A326-5676BE50C5AE}"/>
+          </ac:inkMkLst>
+        </pc:inkChg>
+        <pc:inkChg chg="add mod">
+          <ac:chgData name="Craig Brinkerhoff" userId="4ca67c74-3213-4250-9c32-077ebf257a4d" providerId="ADAL" clId="{AF3F3D11-ADD9-485B-883B-4116CF994C98}" dt="2021-09-20T22:16:29.973" v="1279"/>
+          <ac:inkMkLst>
+            <pc:docMk/>
+            <pc:sldMk cId="4153405823" sldId="271"/>
+            <ac:inkMk id="33" creationId="{1F957AFB-45DA-4637-B055-39B563B59832}"/>
+          </ac:inkMkLst>
+        </pc:inkChg>
+        <pc:inkChg chg="add mod">
+          <ac:chgData name="Craig Brinkerhoff" userId="4ca67c74-3213-4250-9c32-077ebf257a4d" providerId="ADAL" clId="{AF3F3D11-ADD9-485B-883B-4116CF994C98}" dt="2021-09-20T22:16:29.973" v="1279"/>
+          <ac:inkMkLst>
+            <pc:docMk/>
+            <pc:sldMk cId="4153405823" sldId="271"/>
+            <ac:inkMk id="34" creationId="{FFB13A4F-5D0F-4BA8-A916-F5097582B728}"/>
+          </ac:inkMkLst>
+        </pc:inkChg>
+        <pc:inkChg chg="add mod">
+          <ac:chgData name="Craig Brinkerhoff" userId="4ca67c74-3213-4250-9c32-077ebf257a4d" providerId="ADAL" clId="{AF3F3D11-ADD9-485B-883B-4116CF994C98}" dt="2021-09-20T22:16:29.973" v="1279"/>
+          <ac:inkMkLst>
+            <pc:docMk/>
+            <pc:sldMk cId="4153405823" sldId="271"/>
+            <ac:inkMk id="36" creationId="{51EF3986-FF37-4270-9424-0E5963E39F66}"/>
+          </ac:inkMkLst>
+        </pc:inkChg>
+        <pc:inkChg chg="add mod">
+          <ac:chgData name="Craig Brinkerhoff" userId="4ca67c74-3213-4250-9c32-077ebf257a4d" providerId="ADAL" clId="{AF3F3D11-ADD9-485B-883B-4116CF994C98}" dt="2021-09-20T22:16:29.973" v="1279"/>
+          <ac:inkMkLst>
+            <pc:docMk/>
+            <pc:sldMk cId="4153405823" sldId="271"/>
+            <ac:inkMk id="37" creationId="{BFBFB5D6-A3D6-46E3-B774-CFF9A1FCD743}"/>
+          </ac:inkMkLst>
+        </pc:inkChg>
+        <pc:inkChg chg="add mod">
+          <ac:chgData name="Craig Brinkerhoff" userId="4ca67c74-3213-4250-9c32-077ebf257a4d" providerId="ADAL" clId="{AF3F3D11-ADD9-485B-883B-4116CF994C98}" dt="2021-09-20T22:16:29.973" v="1279"/>
+          <ac:inkMkLst>
+            <pc:docMk/>
+            <pc:sldMk cId="4153405823" sldId="271"/>
+            <ac:inkMk id="38" creationId="{353E462D-E4E9-467B-8A94-C977D9429D36}"/>
+          </ac:inkMkLst>
+        </pc:inkChg>
+        <pc:inkChg chg="add mod">
+          <ac:chgData name="Craig Brinkerhoff" userId="4ca67c74-3213-4250-9c32-077ebf257a4d" providerId="ADAL" clId="{AF3F3D11-ADD9-485B-883B-4116CF994C98}" dt="2021-09-20T22:16:29.973" v="1279"/>
+          <ac:inkMkLst>
+            <pc:docMk/>
+            <pc:sldMk cId="4153405823" sldId="271"/>
+            <ac:inkMk id="40" creationId="{344306ED-A735-44F8-A7D7-1EC8F29EACB7}"/>
+          </ac:inkMkLst>
+        </pc:inkChg>
+        <pc:inkChg chg="add mod">
+          <ac:chgData name="Craig Brinkerhoff" userId="4ca67c74-3213-4250-9c32-077ebf257a4d" providerId="ADAL" clId="{AF3F3D11-ADD9-485B-883B-4116CF994C98}" dt="2021-09-20T22:16:29.973" v="1279"/>
+          <ac:inkMkLst>
+            <pc:docMk/>
+            <pc:sldMk cId="4153405823" sldId="271"/>
+            <ac:inkMk id="41" creationId="{00DA87B4-4C08-4718-98EE-98F4CDFAAC95}"/>
+          </ac:inkMkLst>
+        </pc:inkChg>
+        <pc:inkChg chg="add mod">
+          <ac:chgData name="Craig Brinkerhoff" userId="4ca67c74-3213-4250-9c32-077ebf257a4d" providerId="ADAL" clId="{AF3F3D11-ADD9-485B-883B-4116CF994C98}" dt="2021-09-20T22:16:29.973" v="1279"/>
+          <ac:inkMkLst>
+            <pc:docMk/>
+            <pc:sldMk cId="4153405823" sldId="271"/>
+            <ac:inkMk id="42" creationId="{F34B1FCB-06D4-4159-9680-D344365B7C4B}"/>
+          </ac:inkMkLst>
+        </pc:inkChg>
+        <pc:inkChg chg="add mod">
+          <ac:chgData name="Craig Brinkerhoff" userId="4ca67c74-3213-4250-9c32-077ebf257a4d" providerId="ADAL" clId="{AF3F3D11-ADD9-485B-883B-4116CF994C98}" dt="2021-09-20T22:16:29.973" v="1279"/>
+          <ac:inkMkLst>
+            <pc:docMk/>
+            <pc:sldMk cId="4153405823" sldId="271"/>
+            <ac:inkMk id="43" creationId="{1522C95A-07DC-4026-8344-BD428229C164}"/>
+          </ac:inkMkLst>
+        </pc:inkChg>
+        <pc:inkChg chg="add mod">
+          <ac:chgData name="Craig Brinkerhoff" userId="4ca67c74-3213-4250-9c32-077ebf257a4d" providerId="ADAL" clId="{AF3F3D11-ADD9-485B-883B-4116CF994C98}" dt="2021-09-20T22:16:29.973" v="1279"/>
+          <ac:inkMkLst>
+            <pc:docMk/>
+            <pc:sldMk cId="4153405823" sldId="271"/>
+            <ac:inkMk id="44" creationId="{E8ED0409-BD4E-4B30-BF32-7D2CA13430A2}"/>
+          </ac:inkMkLst>
+        </pc:inkChg>
+        <pc:inkChg chg="add mod">
+          <ac:chgData name="Craig Brinkerhoff" userId="4ca67c74-3213-4250-9c32-077ebf257a4d" providerId="ADAL" clId="{AF3F3D11-ADD9-485B-883B-4116CF994C98}" dt="2021-09-20T22:16:29.973" v="1279"/>
+          <ac:inkMkLst>
+            <pc:docMk/>
+            <pc:sldMk cId="4153405823" sldId="271"/>
+            <ac:inkMk id="46" creationId="{AA12552E-0DC3-4226-8979-392D9143A24E}"/>
+          </ac:inkMkLst>
+        </pc:inkChg>
+        <pc:inkChg chg="add mod">
+          <ac:chgData name="Craig Brinkerhoff" userId="4ca67c74-3213-4250-9c32-077ebf257a4d" providerId="ADAL" clId="{AF3F3D11-ADD9-485B-883B-4116CF994C98}" dt="2021-09-20T22:16:29.973" v="1279"/>
+          <ac:inkMkLst>
+            <pc:docMk/>
+            <pc:sldMk cId="4153405823" sldId="271"/>
+            <ac:inkMk id="47" creationId="{864BEC22-45D9-40BE-8FB1-F243BA30FA8A}"/>
+          </ac:inkMkLst>
+        </pc:inkChg>
+        <pc:inkChg chg="add mod">
+          <ac:chgData name="Craig Brinkerhoff" userId="4ca67c74-3213-4250-9c32-077ebf257a4d" providerId="ADAL" clId="{AF3F3D11-ADD9-485B-883B-4116CF994C98}" dt="2021-09-20T22:16:29.973" v="1279"/>
+          <ac:inkMkLst>
+            <pc:docMk/>
+            <pc:sldMk cId="4153405823" sldId="271"/>
+            <ac:inkMk id="48" creationId="{693DA55E-34DB-464E-B990-8AE1BA7FEE0E}"/>
+          </ac:inkMkLst>
+        </pc:inkChg>
+        <pc:inkChg chg="add mod">
+          <ac:chgData name="Craig Brinkerhoff" userId="4ca67c74-3213-4250-9c32-077ebf257a4d" providerId="ADAL" clId="{AF3F3D11-ADD9-485B-883B-4116CF994C98}" dt="2021-09-20T22:16:29.973" v="1279"/>
+          <ac:inkMkLst>
+            <pc:docMk/>
+            <pc:sldMk cId="4153405823" sldId="271"/>
+            <ac:inkMk id="49" creationId="{EE6F09CE-3BC2-48D8-91A2-2F268D58CB0D}"/>
+          </ac:inkMkLst>
+        </pc:inkChg>
+        <pc:inkChg chg="add mod">
+          <ac:chgData name="Craig Brinkerhoff" userId="4ca67c74-3213-4250-9c32-077ebf257a4d" providerId="ADAL" clId="{AF3F3D11-ADD9-485B-883B-4116CF994C98}" dt="2021-09-20T22:16:29.973" v="1279"/>
+          <ac:inkMkLst>
+            <pc:docMk/>
+            <pc:sldMk cId="4153405823" sldId="271"/>
+            <ac:inkMk id="50" creationId="{9A02871D-B9EA-4F13-AAAE-9813F5749F07}"/>
+          </ac:inkMkLst>
+        </pc:inkChg>
+        <pc:inkChg chg="add mod">
+          <ac:chgData name="Craig Brinkerhoff" userId="4ca67c74-3213-4250-9c32-077ebf257a4d" providerId="ADAL" clId="{AF3F3D11-ADD9-485B-883B-4116CF994C98}" dt="2021-09-20T22:16:29.973" v="1279"/>
+          <ac:inkMkLst>
+            <pc:docMk/>
+            <pc:sldMk cId="4153405823" sldId="271"/>
+            <ac:inkMk id="51" creationId="{FD51B926-8E3A-4C4E-83B0-DF1D76B6F68D}"/>
+          </ac:inkMkLst>
+        </pc:inkChg>
+        <pc:inkChg chg="add mod">
+          <ac:chgData name="Craig Brinkerhoff" userId="4ca67c74-3213-4250-9c32-077ebf257a4d" providerId="ADAL" clId="{AF3F3D11-ADD9-485B-883B-4116CF994C98}" dt="2021-09-20T22:16:29.973" v="1279"/>
+          <ac:inkMkLst>
+            <pc:docMk/>
+            <pc:sldMk cId="4153405823" sldId="271"/>
+            <ac:inkMk id="53" creationId="{21C96464-7DCA-40DA-9FD0-A1D87A4F3581}"/>
+          </ac:inkMkLst>
+        </pc:inkChg>
+        <pc:inkChg chg="add mod">
+          <ac:chgData name="Craig Brinkerhoff" userId="4ca67c74-3213-4250-9c32-077ebf257a4d" providerId="ADAL" clId="{AF3F3D11-ADD9-485B-883B-4116CF994C98}" dt="2021-09-20T22:16:29.973" v="1279"/>
+          <ac:inkMkLst>
+            <pc:docMk/>
+            <pc:sldMk cId="4153405823" sldId="271"/>
+            <ac:inkMk id="54" creationId="{3CFA872C-0EDA-40D1-B82E-87C12776F3F6}"/>
+          </ac:inkMkLst>
+        </pc:inkChg>
+        <pc:inkChg chg="add mod">
+          <ac:chgData name="Craig Brinkerhoff" userId="4ca67c74-3213-4250-9c32-077ebf257a4d" providerId="ADAL" clId="{AF3F3D11-ADD9-485B-883B-4116CF994C98}" dt="2021-09-20T22:16:29.973" v="1279"/>
+          <ac:inkMkLst>
+            <pc:docMk/>
+            <pc:sldMk cId="4153405823" sldId="271"/>
+            <ac:inkMk id="55" creationId="{8B0AED64-0711-4082-8E89-8E22BD6571B9}"/>
+          </ac:inkMkLst>
+        </pc:inkChg>
+        <pc:inkChg chg="add mod">
+          <ac:chgData name="Craig Brinkerhoff" userId="4ca67c74-3213-4250-9c32-077ebf257a4d" providerId="ADAL" clId="{AF3F3D11-ADD9-485B-883B-4116CF994C98}" dt="2021-09-20T22:16:29.973" v="1279"/>
+          <ac:inkMkLst>
+            <pc:docMk/>
+            <pc:sldMk cId="4153405823" sldId="271"/>
+            <ac:inkMk id="56" creationId="{65B20AF2-805C-42D6-825D-E55088BEA2CA}"/>
+          </ac:inkMkLst>
+        </pc:inkChg>
+        <pc:inkChg chg="add mod">
+          <ac:chgData name="Craig Brinkerhoff" userId="4ca67c74-3213-4250-9c32-077ebf257a4d" providerId="ADAL" clId="{AF3F3D11-ADD9-485B-883B-4116CF994C98}" dt="2021-09-20T22:16:29.973" v="1279"/>
+          <ac:inkMkLst>
+            <pc:docMk/>
+            <pc:sldMk cId="4153405823" sldId="271"/>
+            <ac:inkMk id="58" creationId="{83DBC5E7-541B-4536-8905-99EAFEC36EFC}"/>
+          </ac:inkMkLst>
+        </pc:inkChg>
+        <pc:inkChg chg="add mod">
+          <ac:chgData name="Craig Brinkerhoff" userId="4ca67c74-3213-4250-9c32-077ebf257a4d" providerId="ADAL" clId="{AF3F3D11-ADD9-485B-883B-4116CF994C98}" dt="2021-09-20T22:16:29.973" v="1279"/>
+          <ac:inkMkLst>
+            <pc:docMk/>
+            <pc:sldMk cId="4153405823" sldId="271"/>
+            <ac:inkMk id="59" creationId="{5E1B5C52-9EF2-4D0B-8552-C05A49371C95}"/>
+          </ac:inkMkLst>
+        </pc:inkChg>
+        <pc:inkChg chg="add mod">
+          <ac:chgData name="Craig Brinkerhoff" userId="4ca67c74-3213-4250-9c32-077ebf257a4d" providerId="ADAL" clId="{AF3F3D11-ADD9-485B-883B-4116CF994C98}" dt="2021-09-20T22:16:29.973" v="1279"/>
+          <ac:inkMkLst>
+            <pc:docMk/>
+            <pc:sldMk cId="4153405823" sldId="271"/>
+            <ac:inkMk id="60" creationId="{37FE3F12-6CAC-4E51-B37E-C2B0DD0EFEBE}"/>
+          </ac:inkMkLst>
+        </pc:inkChg>
+        <pc:inkChg chg="add mod">
+          <ac:chgData name="Craig Brinkerhoff" userId="4ca67c74-3213-4250-9c32-077ebf257a4d" providerId="ADAL" clId="{AF3F3D11-ADD9-485B-883B-4116CF994C98}" dt="2021-09-20T22:16:29.973" v="1279"/>
+          <ac:inkMkLst>
+            <pc:docMk/>
+            <pc:sldMk cId="4153405823" sldId="271"/>
+            <ac:inkMk id="62" creationId="{254651F2-7EBC-44B1-9E90-3E10199CD847}"/>
+          </ac:inkMkLst>
+        </pc:inkChg>
+        <pc:inkChg chg="add mod">
+          <ac:chgData name="Craig Brinkerhoff" userId="4ca67c74-3213-4250-9c32-077ebf257a4d" providerId="ADAL" clId="{AF3F3D11-ADD9-485B-883B-4116CF994C98}" dt="2021-09-20T22:16:29.973" v="1279"/>
+          <ac:inkMkLst>
+            <pc:docMk/>
+            <pc:sldMk cId="4153405823" sldId="271"/>
+            <ac:inkMk id="63" creationId="{9724303B-D890-44C7-B4E1-B8E71D714B7A}"/>
+          </ac:inkMkLst>
+        </pc:inkChg>
+        <pc:inkChg chg="add mod">
+          <ac:chgData name="Craig Brinkerhoff" userId="4ca67c74-3213-4250-9c32-077ebf257a4d" providerId="ADAL" clId="{AF3F3D11-ADD9-485B-883B-4116CF994C98}" dt="2021-09-20T22:16:29.973" v="1279"/>
+          <ac:inkMkLst>
+            <pc:docMk/>
+            <pc:sldMk cId="4153405823" sldId="271"/>
+            <ac:inkMk id="64" creationId="{91D72E1C-822C-4A5A-959B-C1BB6D7F58DC}"/>
+          </ac:inkMkLst>
+        </pc:inkChg>
+        <pc:inkChg chg="add mod">
+          <ac:chgData name="Craig Brinkerhoff" userId="4ca67c74-3213-4250-9c32-077ebf257a4d" providerId="ADAL" clId="{AF3F3D11-ADD9-485B-883B-4116CF994C98}" dt="2021-09-20T22:16:29.973" v="1279"/>
+          <ac:inkMkLst>
+            <pc:docMk/>
+            <pc:sldMk cId="4153405823" sldId="271"/>
+            <ac:inkMk id="65" creationId="{F158913A-E9DB-4536-A69E-BA14D4ECF3A9}"/>
+          </ac:inkMkLst>
+        </pc:inkChg>
+        <pc:inkChg chg="add mod">
+          <ac:chgData name="Craig Brinkerhoff" userId="4ca67c74-3213-4250-9c32-077ebf257a4d" providerId="ADAL" clId="{AF3F3D11-ADD9-485B-883B-4116CF994C98}" dt="2021-09-20T22:16:29.973" v="1279"/>
+          <ac:inkMkLst>
+            <pc:docMk/>
+            <pc:sldMk cId="4153405823" sldId="271"/>
+            <ac:inkMk id="66" creationId="{E1FC7C65-3D28-485A-B5D6-B4800CE16915}"/>
+          </ac:inkMkLst>
+        </pc:inkChg>
+        <pc:inkChg chg="add mod">
+          <ac:chgData name="Craig Brinkerhoff" userId="4ca67c74-3213-4250-9c32-077ebf257a4d" providerId="ADAL" clId="{AF3F3D11-ADD9-485B-883B-4116CF994C98}" dt="2021-09-20T22:16:29.973" v="1279"/>
+          <ac:inkMkLst>
+            <pc:docMk/>
+            <pc:sldMk cId="4153405823" sldId="271"/>
+            <ac:inkMk id="68" creationId="{815D5C43-1A1E-4411-A08D-CAF6C39511DB}"/>
+          </ac:inkMkLst>
+        </pc:inkChg>
+        <pc:inkChg chg="add mod">
+          <ac:chgData name="Craig Brinkerhoff" userId="4ca67c74-3213-4250-9c32-077ebf257a4d" providerId="ADAL" clId="{AF3F3D11-ADD9-485B-883B-4116CF994C98}" dt="2021-09-20T22:16:29.973" v="1279"/>
+          <ac:inkMkLst>
+            <pc:docMk/>
+            <pc:sldMk cId="4153405823" sldId="271"/>
+            <ac:inkMk id="69" creationId="{A54085B7-63E8-4F35-B4E5-A02600D773B6}"/>
+          </ac:inkMkLst>
+        </pc:inkChg>
+        <pc:inkChg chg="add mod">
+          <ac:chgData name="Craig Brinkerhoff" userId="4ca67c74-3213-4250-9c32-077ebf257a4d" providerId="ADAL" clId="{AF3F3D11-ADD9-485B-883B-4116CF994C98}" dt="2021-09-20T22:16:29.973" v="1279"/>
+          <ac:inkMkLst>
+            <pc:docMk/>
+            <pc:sldMk cId="4153405823" sldId="271"/>
+            <ac:inkMk id="70" creationId="{31F2BF72-1825-4ED0-9178-4B7835913897}"/>
+          </ac:inkMkLst>
+        </pc:inkChg>
+        <pc:inkChg chg="add mod">
+          <ac:chgData name="Craig Brinkerhoff" userId="4ca67c74-3213-4250-9c32-077ebf257a4d" providerId="ADAL" clId="{AF3F3D11-ADD9-485B-883B-4116CF994C98}" dt="2021-09-20T22:16:29.973" v="1279"/>
+          <ac:inkMkLst>
+            <pc:docMk/>
+            <pc:sldMk cId="4153405823" sldId="271"/>
+            <ac:inkMk id="71" creationId="{C5A0C489-FFD7-43BC-93BC-BECF9D63978A}"/>
+          </ac:inkMkLst>
+        </pc:inkChg>
+        <pc:inkChg chg="add mod">
+          <ac:chgData name="Craig Brinkerhoff" userId="4ca67c74-3213-4250-9c32-077ebf257a4d" providerId="ADAL" clId="{AF3F3D11-ADD9-485B-883B-4116CF994C98}" dt="2021-09-20T22:16:29.973" v="1279"/>
+          <ac:inkMkLst>
+            <pc:docMk/>
+            <pc:sldMk cId="4153405823" sldId="271"/>
+            <ac:inkMk id="73" creationId="{AE1CAA11-86F6-41B8-9BDD-94300932131A}"/>
+          </ac:inkMkLst>
+        </pc:inkChg>
+        <pc:inkChg chg="add mod">
+          <ac:chgData name="Craig Brinkerhoff" userId="4ca67c74-3213-4250-9c32-077ebf257a4d" providerId="ADAL" clId="{AF3F3D11-ADD9-485B-883B-4116CF994C98}" dt="2021-09-20T22:16:29.973" v="1279"/>
+          <ac:inkMkLst>
+            <pc:docMk/>
+            <pc:sldMk cId="4153405823" sldId="271"/>
+            <ac:inkMk id="74" creationId="{8B898F5A-D799-463A-A0F6-394417140563}"/>
+          </ac:inkMkLst>
+        </pc:inkChg>
+        <pc:inkChg chg="add mod">
+          <ac:chgData name="Craig Brinkerhoff" userId="4ca67c74-3213-4250-9c32-077ebf257a4d" providerId="ADAL" clId="{AF3F3D11-ADD9-485B-883B-4116CF994C98}" dt="2021-09-20T22:16:29.973" v="1279"/>
+          <ac:inkMkLst>
+            <pc:docMk/>
+            <pc:sldMk cId="4153405823" sldId="271"/>
+            <ac:inkMk id="75" creationId="{111D1DA5-042C-4A00-9F78-7AF75511B512}"/>
+          </ac:inkMkLst>
+        </pc:inkChg>
+        <pc:inkChg chg="add mod">
+          <ac:chgData name="Craig Brinkerhoff" userId="4ca67c74-3213-4250-9c32-077ebf257a4d" providerId="ADAL" clId="{AF3F3D11-ADD9-485B-883B-4116CF994C98}" dt="2021-09-20T22:16:29.973" v="1279"/>
+          <ac:inkMkLst>
+            <pc:docMk/>
+            <pc:sldMk cId="4153405823" sldId="271"/>
+            <ac:inkMk id="77" creationId="{54559D28-A196-493A-B3AC-BAE3FF1EC7F9}"/>
+          </ac:inkMkLst>
+        </pc:inkChg>
+        <pc:inkChg chg="add mod">
+          <ac:chgData name="Craig Brinkerhoff" userId="4ca67c74-3213-4250-9c32-077ebf257a4d" providerId="ADAL" clId="{AF3F3D11-ADD9-485B-883B-4116CF994C98}" dt="2021-09-20T22:16:29.973" v="1279"/>
+          <ac:inkMkLst>
+            <pc:docMk/>
+            <pc:sldMk cId="4153405823" sldId="271"/>
+            <ac:inkMk id="78" creationId="{F1B4C545-445E-403E-9980-900B62623E01}"/>
+          </ac:inkMkLst>
+        </pc:inkChg>
+        <pc:inkChg chg="add mod">
+          <ac:chgData name="Craig Brinkerhoff" userId="4ca67c74-3213-4250-9c32-077ebf257a4d" providerId="ADAL" clId="{AF3F3D11-ADD9-485B-883B-4116CF994C98}" dt="2021-09-20T22:16:29.973" v="1279"/>
+          <ac:inkMkLst>
+            <pc:docMk/>
+            <pc:sldMk cId="4153405823" sldId="271"/>
+            <ac:inkMk id="79" creationId="{4ED626EA-412A-4DBB-A29C-71241E8E44B7}"/>
+          </ac:inkMkLst>
+        </pc:inkChg>
+        <pc:inkChg chg="add">
+          <ac:chgData name="Craig Brinkerhoff" userId="4ca67c74-3213-4250-9c32-077ebf257a4d" providerId="ADAL" clId="{AF3F3D11-ADD9-485B-883B-4116CF994C98}" dt="2021-09-20T22:13:03.785" v="1205" actId="9405"/>
+          <ac:inkMkLst>
+            <pc:docMk/>
+            <pc:sldMk cId="4153405823" sldId="271"/>
+            <ac:inkMk id="81" creationId="{F3449A53-6F85-410C-9430-3C21353BB418}"/>
+          </ac:inkMkLst>
+        </pc:inkChg>
+        <pc:inkChg chg="add del">
+          <ac:chgData name="Craig Brinkerhoff" userId="4ca67c74-3213-4250-9c32-077ebf257a4d" providerId="ADAL" clId="{AF3F3D11-ADD9-485B-883B-4116CF994C98}" dt="2021-09-20T22:14:30.033" v="1207" actId="9405"/>
+          <ac:inkMkLst>
+            <pc:docMk/>
+            <pc:sldMk cId="4153405823" sldId="271"/>
+            <ac:inkMk id="82" creationId="{CDB07723-03EE-4E32-AE69-8E2DC82983AD}"/>
+          </ac:inkMkLst>
+        </pc:inkChg>
+        <pc:inkChg chg="add mod">
+          <ac:chgData name="Craig Brinkerhoff" userId="4ca67c74-3213-4250-9c32-077ebf257a4d" providerId="ADAL" clId="{AF3F3D11-ADD9-485B-883B-4116CF994C98}" dt="2021-09-20T22:16:28.099" v="1264"/>
+          <ac:inkMkLst>
+            <pc:docMk/>
+            <pc:sldMk cId="4153405823" sldId="271"/>
+            <ac:inkMk id="83" creationId="{AFE1166E-FA07-40D5-972D-C7F67DE20669}"/>
+          </ac:inkMkLst>
+        </pc:inkChg>
+        <pc:inkChg chg="add mod">
+          <ac:chgData name="Craig Brinkerhoff" userId="4ca67c74-3213-4250-9c32-077ebf257a4d" providerId="ADAL" clId="{AF3F3D11-ADD9-485B-883B-4116CF994C98}" dt="2021-09-20T22:16:28.099" v="1264"/>
+          <ac:inkMkLst>
+            <pc:docMk/>
+            <pc:sldMk cId="4153405823" sldId="271"/>
+            <ac:inkMk id="84" creationId="{C4BD62D7-1401-4C81-B326-B7389E323822}"/>
+          </ac:inkMkLst>
+        </pc:inkChg>
+        <pc:inkChg chg="add mod">
+          <ac:chgData name="Craig Brinkerhoff" userId="4ca67c74-3213-4250-9c32-077ebf257a4d" providerId="ADAL" clId="{AF3F3D11-ADD9-485B-883B-4116CF994C98}" dt="2021-09-20T22:16:28.099" v="1264"/>
+          <ac:inkMkLst>
+            <pc:docMk/>
+            <pc:sldMk cId="4153405823" sldId="271"/>
+            <ac:inkMk id="86" creationId="{5A88EBAB-D799-407C-8CC0-322C9F63179F}"/>
+          </ac:inkMkLst>
+        </pc:inkChg>
+        <pc:inkChg chg="add mod">
+          <ac:chgData name="Craig Brinkerhoff" userId="4ca67c74-3213-4250-9c32-077ebf257a4d" providerId="ADAL" clId="{AF3F3D11-ADD9-485B-883B-4116CF994C98}" dt="2021-09-20T22:16:28.099" v="1264"/>
+          <ac:inkMkLst>
+            <pc:docMk/>
+            <pc:sldMk cId="4153405823" sldId="271"/>
+            <ac:inkMk id="87" creationId="{02579ABC-CAE4-47CF-B16D-3539581CF6D2}"/>
+          </ac:inkMkLst>
+        </pc:inkChg>
+        <pc:inkChg chg="add mod">
+          <ac:chgData name="Craig Brinkerhoff" userId="4ca67c74-3213-4250-9c32-077ebf257a4d" providerId="ADAL" clId="{AF3F3D11-ADD9-485B-883B-4116CF994C98}" dt="2021-09-20T22:16:28.809" v="1270"/>
+          <ac:inkMkLst>
+            <pc:docMk/>
+            <pc:sldMk cId="4153405823" sldId="271"/>
+            <ac:inkMk id="88" creationId="{3AD2191C-B70A-4BF1-ACEC-8F796E5BB464}"/>
+          </ac:inkMkLst>
+        </pc:inkChg>
+        <pc:inkChg chg="add mod">
+          <ac:chgData name="Craig Brinkerhoff" userId="4ca67c74-3213-4250-9c32-077ebf257a4d" providerId="ADAL" clId="{AF3F3D11-ADD9-485B-883B-4116CF994C98}" dt="2021-09-20T22:16:28.809" v="1270"/>
+          <ac:inkMkLst>
+            <pc:docMk/>
+            <pc:sldMk cId="4153405823" sldId="271"/>
+            <ac:inkMk id="90" creationId="{667C507D-190F-46F8-921D-7C989B29054C}"/>
+          </ac:inkMkLst>
+        </pc:inkChg>
+        <pc:inkChg chg="add mod">
+          <ac:chgData name="Craig Brinkerhoff" userId="4ca67c74-3213-4250-9c32-077ebf257a4d" providerId="ADAL" clId="{AF3F3D11-ADD9-485B-883B-4116CF994C98}" dt="2021-09-20T22:16:28.809" v="1270"/>
+          <ac:inkMkLst>
+            <pc:docMk/>
+            <pc:sldMk cId="4153405823" sldId="271"/>
+            <ac:inkMk id="91" creationId="{E6FBECDF-25DF-48B8-A075-A19E323A1F6A}"/>
+          </ac:inkMkLst>
+        </pc:inkChg>
+        <pc:inkChg chg="add mod">
+          <ac:chgData name="Craig Brinkerhoff" userId="4ca67c74-3213-4250-9c32-077ebf257a4d" providerId="ADAL" clId="{AF3F3D11-ADD9-485B-883B-4116CF994C98}" dt="2021-09-20T22:16:28.809" v="1270"/>
+          <ac:inkMkLst>
+            <pc:docMk/>
+            <pc:sldMk cId="4153405823" sldId="271"/>
+            <ac:inkMk id="92" creationId="{DE9C989B-C7D8-465D-8479-596475C0B824}"/>
+          </ac:inkMkLst>
+        </pc:inkChg>
+        <pc:inkChg chg="add mod">
+          <ac:chgData name="Craig Brinkerhoff" userId="4ca67c74-3213-4250-9c32-077ebf257a4d" providerId="ADAL" clId="{AF3F3D11-ADD9-485B-883B-4116CF994C98}" dt="2021-09-20T22:16:29.973" v="1279"/>
+          <ac:inkMkLst>
+            <pc:docMk/>
+            <pc:sldMk cId="4153405823" sldId="271"/>
+            <ac:inkMk id="94" creationId="{125510A8-E787-4AEC-B0BB-7493642E7C59}"/>
+          </ac:inkMkLst>
+        </pc:inkChg>
+        <pc:inkChg chg="add mod">
+          <ac:chgData name="Craig Brinkerhoff" userId="4ca67c74-3213-4250-9c32-077ebf257a4d" providerId="ADAL" clId="{AF3F3D11-ADD9-485B-883B-4116CF994C98}" dt="2021-09-20T22:16:29.973" v="1279"/>
+          <ac:inkMkLst>
+            <pc:docMk/>
+            <pc:sldMk cId="4153405823" sldId="271"/>
+            <ac:inkMk id="95" creationId="{C6215059-AEA4-4ABA-A69C-4CB78E75013A}"/>
+          </ac:inkMkLst>
+        </pc:inkChg>
+        <pc:inkChg chg="add mod">
+          <ac:chgData name="Craig Brinkerhoff" userId="4ca67c74-3213-4250-9c32-077ebf257a4d" providerId="ADAL" clId="{AF3F3D11-ADD9-485B-883B-4116CF994C98}" dt="2021-09-20T22:16:29.973" v="1279"/>
+          <ac:inkMkLst>
+            <pc:docMk/>
+            <pc:sldMk cId="4153405823" sldId="271"/>
+            <ac:inkMk id="97" creationId="{86F6B0DD-CFCA-47B9-9BA4-F945CA5D85A2}"/>
+          </ac:inkMkLst>
+        </pc:inkChg>
+        <pc:inkChg chg="add mod">
+          <ac:chgData name="Craig Brinkerhoff" userId="4ca67c74-3213-4250-9c32-077ebf257a4d" providerId="ADAL" clId="{AF3F3D11-ADD9-485B-883B-4116CF994C98}" dt="2021-09-20T22:16:29.973" v="1279"/>
+          <ac:inkMkLst>
+            <pc:docMk/>
+            <pc:sldMk cId="4153405823" sldId="271"/>
+            <ac:inkMk id="98" creationId="{E9E2B580-5C30-413E-894B-0A564C81AD08}"/>
+          </ac:inkMkLst>
+        </pc:inkChg>
+        <pc:inkChg chg="add mod">
+          <ac:chgData name="Craig Brinkerhoff" userId="4ca67c74-3213-4250-9c32-077ebf257a4d" providerId="ADAL" clId="{AF3F3D11-ADD9-485B-883B-4116CF994C98}" dt="2021-09-20T22:16:29.973" v="1279"/>
+          <ac:inkMkLst>
+            <pc:docMk/>
+            <pc:sldMk cId="4153405823" sldId="271"/>
+            <ac:inkMk id="99" creationId="{C1397753-3C4C-425E-B451-BD8AE69367AE}"/>
+          </ac:inkMkLst>
+        </pc:inkChg>
+        <pc:inkChg chg="add mod">
+          <ac:chgData name="Craig Brinkerhoff" userId="4ca67c74-3213-4250-9c32-077ebf257a4d" providerId="ADAL" clId="{AF3F3D11-ADD9-485B-883B-4116CF994C98}" dt="2021-09-20T22:16:29.973" v="1279"/>
+          <ac:inkMkLst>
+            <pc:docMk/>
+            <pc:sldMk cId="4153405823" sldId="271"/>
+            <ac:inkMk id="100" creationId="{E962FB43-63FF-403D-89C5-CA9DCA491985}"/>
+          </ac:inkMkLst>
+        </pc:inkChg>
+        <pc:inkChg chg="add del mod">
+          <ac:chgData name="Craig Brinkerhoff" userId="4ca67c74-3213-4250-9c32-077ebf257a4d" providerId="ADAL" clId="{AF3F3D11-ADD9-485B-883B-4116CF994C98}" dt="2021-09-20T22:16:30.318" v="1281" actId="9405"/>
+          <ac:inkMkLst>
+            <pc:docMk/>
+            <pc:sldMk cId="4153405823" sldId="271"/>
+            <ac:inkMk id="101" creationId="{35B7BD0D-E55A-436C-8D2E-B11115B7F644}"/>
+          </ac:inkMkLst>
+        </pc:inkChg>
+        <pc:inkChg chg="add del mod">
+          <ac:chgData name="Craig Brinkerhoff" userId="4ca67c74-3213-4250-9c32-077ebf257a4d" providerId="ADAL" clId="{AF3F3D11-ADD9-485B-883B-4116CF994C98}" dt="2021-09-20T22:16:30.123" v="1280" actId="9405"/>
+          <ac:inkMkLst>
+            <pc:docMk/>
+            <pc:sldMk cId="4153405823" sldId="271"/>
+            <ac:inkMk id="102" creationId="{1CCCD121-6645-450B-9046-6426BC4EA3B1}"/>
+          </ac:inkMkLst>
+        </pc:inkChg>
+        <pc:inkChg chg="add del mod">
+          <ac:chgData name="Craig Brinkerhoff" userId="4ca67c74-3213-4250-9c32-077ebf257a4d" providerId="ADAL" clId="{AF3F3D11-ADD9-485B-883B-4116CF994C98}" dt="2021-09-20T22:16:29.973" v="1279"/>
+          <ac:inkMkLst>
+            <pc:docMk/>
+            <pc:sldMk cId="4153405823" sldId="271"/>
+            <ac:inkMk id="103" creationId="{FE5B8D30-B9C4-455A-A07C-509965B6679F}"/>
+          </ac:inkMkLst>
+        </pc:inkChg>
+        <pc:inkChg chg="add del mod">
+          <ac:chgData name="Craig Brinkerhoff" userId="4ca67c74-3213-4250-9c32-077ebf257a4d" providerId="ADAL" clId="{AF3F3D11-ADD9-485B-883B-4116CF994C98}" dt="2021-09-20T22:16:29.739" v="1277" actId="9405"/>
+          <ac:inkMkLst>
+            <pc:docMk/>
+            <pc:sldMk cId="4153405823" sldId="271"/>
+            <ac:inkMk id="105" creationId="{A01CE859-9D33-4612-974C-950D3AA8EC87}"/>
+          </ac:inkMkLst>
+        </pc:inkChg>
+        <pc:inkChg chg="add del mod">
+          <ac:chgData name="Craig Brinkerhoff" userId="4ca67c74-3213-4250-9c32-077ebf257a4d" providerId="ADAL" clId="{AF3F3D11-ADD9-485B-883B-4116CF994C98}" dt="2021-09-20T22:16:29.537" v="1276"/>
+          <ac:inkMkLst>
+            <pc:docMk/>
+            <pc:sldMk cId="4153405823" sldId="271"/>
+            <ac:inkMk id="106" creationId="{CB12F158-E88E-4773-844A-0ECB36CC5B35}"/>
+          </ac:inkMkLst>
+        </pc:inkChg>
+        <pc:inkChg chg="add del mod">
+          <ac:chgData name="Craig Brinkerhoff" userId="4ca67c74-3213-4250-9c32-077ebf257a4d" providerId="ADAL" clId="{AF3F3D11-ADD9-485B-883B-4116CF994C98}" dt="2021-09-20T22:16:29.338" v="1274" actId="9405"/>
+          <ac:inkMkLst>
+            <pc:docMk/>
+            <pc:sldMk cId="4153405823" sldId="271"/>
+            <ac:inkMk id="108" creationId="{5D428325-3540-4FC3-BEC1-B70B93F33BC8}"/>
+          </ac:inkMkLst>
+        </pc:inkChg>
+        <pc:inkChg chg="add del mod">
+          <ac:chgData name="Craig Brinkerhoff" userId="4ca67c74-3213-4250-9c32-077ebf257a4d" providerId="ADAL" clId="{AF3F3D11-ADD9-485B-883B-4116CF994C98}" dt="2021-09-20T22:16:29.157" v="1273" actId="9405"/>
+          <ac:inkMkLst>
+            <pc:docMk/>
+            <pc:sldMk cId="4153405823" sldId="271"/>
+            <ac:inkMk id="109" creationId="{635ED72E-87B7-41AE-8D7E-80E0AC84DA93}"/>
+          </ac:inkMkLst>
+        </pc:inkChg>
+        <pc:inkChg chg="add del mod">
+          <ac:chgData name="Craig Brinkerhoff" userId="4ca67c74-3213-4250-9c32-077ebf257a4d" providerId="ADAL" clId="{AF3F3D11-ADD9-485B-883B-4116CF994C98}" dt="2021-09-20T22:16:28.998" v="1272"/>
+          <ac:inkMkLst>
+            <pc:docMk/>
+            <pc:sldMk cId="4153405823" sldId="271"/>
+            <ac:inkMk id="110" creationId="{0E375C8D-0CA6-4C10-ADEC-9474E38FD92A}"/>
+          </ac:inkMkLst>
+        </pc:inkChg>
+        <pc:inkChg chg="add del mod">
+          <ac:chgData name="Craig Brinkerhoff" userId="4ca67c74-3213-4250-9c32-077ebf257a4d" providerId="ADAL" clId="{AF3F3D11-ADD9-485B-883B-4116CF994C98}" dt="2021-09-20T22:16:28.809" v="1270"/>
+          <ac:inkMkLst>
+            <pc:docMk/>
+            <pc:sldMk cId="4153405823" sldId="271"/>
+            <ac:inkMk id="112" creationId="{BA96A72C-EB36-4E9C-AD42-14BE55B80668}"/>
+          </ac:inkMkLst>
+        </pc:inkChg>
+        <pc:inkChg chg="add del mod">
+          <ac:chgData name="Craig Brinkerhoff" userId="4ca67c74-3213-4250-9c32-077ebf257a4d" providerId="ADAL" clId="{AF3F3D11-ADD9-485B-883B-4116CF994C98}" dt="2021-09-20T22:16:28.626" v="1268" actId="9405"/>
+          <ac:inkMkLst>
+            <pc:docMk/>
+            <pc:sldMk cId="4153405823" sldId="271"/>
+            <ac:inkMk id="114" creationId="{69E79C1C-AEBA-4902-84DF-CA8D42F09532}"/>
+          </ac:inkMkLst>
+        </pc:inkChg>
+        <pc:inkChg chg="add del mod">
+          <ac:chgData name="Craig Brinkerhoff" userId="4ca67c74-3213-4250-9c32-077ebf257a4d" providerId="ADAL" clId="{AF3F3D11-ADD9-485B-883B-4116CF994C98}" dt="2021-09-20T22:16:28.447" v="1267" actId="9405"/>
+          <ac:inkMkLst>
+            <pc:docMk/>
+            <pc:sldMk cId="4153405823" sldId="271"/>
+            <ac:inkMk id="115" creationId="{042F7D5C-14D9-417C-85B7-6A7CB361A5C7}"/>
+          </ac:inkMkLst>
+        </pc:inkChg>
+        <pc:inkChg chg="add del mod">
+          <ac:chgData name="Craig Brinkerhoff" userId="4ca67c74-3213-4250-9c32-077ebf257a4d" providerId="ADAL" clId="{AF3F3D11-ADD9-485B-883B-4116CF994C98}" dt="2021-09-20T22:16:28.277" v="1266"/>
+          <ac:inkMkLst>
+            <pc:docMk/>
+            <pc:sldMk cId="4153405823" sldId="271"/>
+            <ac:inkMk id="116" creationId="{3EA43173-6AC5-4034-B672-B2DDD847A157}"/>
+          </ac:inkMkLst>
+        </pc:inkChg>
+        <pc:inkChg chg="add del mod">
+          <ac:chgData name="Craig Brinkerhoff" userId="4ca67c74-3213-4250-9c32-077ebf257a4d" providerId="ADAL" clId="{AF3F3D11-ADD9-485B-883B-4116CF994C98}" dt="2021-09-20T22:16:28.099" v="1264"/>
+          <ac:inkMkLst>
+            <pc:docMk/>
+            <pc:sldMk cId="4153405823" sldId="271"/>
+            <ac:inkMk id="118" creationId="{CB4EAEDE-7485-4D7B-B97A-F261F38605E2}"/>
+          </ac:inkMkLst>
+        </pc:inkChg>
+        <pc:inkChg chg="add del mod">
+          <ac:chgData name="Craig Brinkerhoff" userId="4ca67c74-3213-4250-9c32-077ebf257a4d" providerId="ADAL" clId="{AF3F3D11-ADD9-485B-883B-4116CF994C98}" dt="2021-09-20T22:16:27.925" v="1262" actId="9405"/>
+          <ac:inkMkLst>
+            <pc:docMk/>
+            <pc:sldMk cId="4153405823" sldId="271"/>
+            <ac:inkMk id="120" creationId="{62E3EF50-895D-4D71-83A4-A8E886B88B61}"/>
+          </ac:inkMkLst>
+        </pc:inkChg>
+        <pc:inkChg chg="add del mod">
+          <ac:chgData name="Craig Brinkerhoff" userId="4ca67c74-3213-4250-9c32-077ebf257a4d" providerId="ADAL" clId="{AF3F3D11-ADD9-485B-883B-4116CF994C98}" dt="2021-09-20T22:16:27.719" v="1261" actId="9405"/>
+          <ac:inkMkLst>
+            <pc:docMk/>
+            <pc:sldMk cId="4153405823" sldId="271"/>
+            <ac:inkMk id="121" creationId="{D6C1D1C1-BA06-4199-AE93-E8BA1429D0CA}"/>
+          </ac:inkMkLst>
+        </pc:inkChg>
+        <pc:inkChg chg="add del mod">
+          <ac:chgData name="Craig Brinkerhoff" userId="4ca67c74-3213-4250-9c32-077ebf257a4d" providerId="ADAL" clId="{AF3F3D11-ADD9-485B-883B-4116CF994C98}" dt="2021-09-20T22:16:27.459" v="1260"/>
+          <ac:inkMkLst>
+            <pc:docMk/>
+            <pc:sldMk cId="4153405823" sldId="271"/>
+            <ac:inkMk id="122" creationId="{E59EAFD1-11DB-4778-A494-5C36A892CB5F}"/>
+          </ac:inkMkLst>
+        </pc:inkChg>
+        <pc:inkChg chg="add del">
+          <ac:chgData name="Craig Brinkerhoff" userId="4ca67c74-3213-4250-9c32-077ebf257a4d" providerId="ADAL" clId="{AF3F3D11-ADD9-485B-883B-4116CF994C98}" dt="2021-09-20T22:16:27.132" v="1258" actId="9405"/>
+          <ac:inkMkLst>
+            <pc:docMk/>
+            <pc:sldMk cId="4153405823" sldId="271"/>
+            <ac:inkMk id="124" creationId="{ACCE20C0-6520-49A6-BB03-34B9A446D7F8}"/>
+          </ac:inkMkLst>
+        </pc:inkChg>
+        <pc:inkChg chg="add del mod">
+          <ac:chgData name="Craig Brinkerhoff" userId="4ca67c74-3213-4250-9c32-077ebf257a4d" providerId="ADAL" clId="{AF3F3D11-ADD9-485B-883B-4116CF994C98}" dt="2021-09-20T22:16:26.914" v="1257" actId="9405"/>
+          <ac:inkMkLst>
+            <pc:docMk/>
+            <pc:sldMk cId="4153405823" sldId="271"/>
+            <ac:inkMk id="125" creationId="{EB9D747B-5A74-4C28-BD7F-AB22B2C3495B}"/>
+          </ac:inkMkLst>
+        </pc:inkChg>
+        <pc:inkChg chg="add del">
+          <ac:chgData name="Craig Brinkerhoff" userId="4ca67c74-3213-4250-9c32-077ebf257a4d" providerId="ADAL" clId="{AF3F3D11-ADD9-485B-883B-4116CF994C98}" dt="2021-09-20T22:16:26.670" v="1256" actId="9405"/>
+          <ac:inkMkLst>
+            <pc:docMk/>
+            <pc:sldMk cId="4153405823" sldId="271"/>
+            <ac:inkMk id="126" creationId="{98E476F6-4F3A-4238-AA6C-FAC5CFB977D0}"/>
+          </ac:inkMkLst>
+        </pc:inkChg>
+        <pc:inkChg chg="add del mod">
+          <ac:chgData name="Craig Brinkerhoff" userId="4ca67c74-3213-4250-9c32-077ebf257a4d" providerId="ADAL" clId="{AF3F3D11-ADD9-485B-883B-4116CF994C98}" dt="2021-09-20T22:16:26.023" v="1255"/>
+          <ac:inkMkLst>
+            <pc:docMk/>
+            <pc:sldMk cId="4153405823" sldId="271"/>
+            <ac:inkMk id="127" creationId="{B1239887-4B01-48C6-A80A-139CBE410CC6}"/>
+          </ac:inkMkLst>
+        </pc:inkChg>
+        <pc:inkChg chg="add">
+          <ac:chgData name="Craig Brinkerhoff" userId="4ca67c74-3213-4250-9c32-077ebf257a4d" providerId="ADAL" clId="{AF3F3D11-ADD9-485B-883B-4116CF994C98}" dt="2021-09-20T22:16:34.963" v="1282" actId="9405"/>
+          <ac:inkMkLst>
+            <pc:docMk/>
+            <pc:sldMk cId="4153405823" sldId="271"/>
+            <ac:inkMk id="129" creationId="{8EFC44B0-D461-4FCF-9315-8B4EE3314E80}"/>
+          </ac:inkMkLst>
+        </pc:inkChg>
+        <pc:inkChg chg="add del">
+          <ac:chgData name="Craig Brinkerhoff" userId="4ca67c74-3213-4250-9c32-077ebf257a4d" providerId="ADAL" clId="{AF3F3D11-ADD9-485B-883B-4116CF994C98}" dt="2021-09-20T22:17:18.524" v="1284" actId="9405"/>
+          <ac:inkMkLst>
+            <pc:docMk/>
+            <pc:sldMk cId="4153405823" sldId="271"/>
+            <ac:inkMk id="130" creationId="{CC08577D-B327-4362-85F9-04E5563B491D}"/>
+          </ac:inkMkLst>
+        </pc:inkChg>
+      </pc:sldChg>
+    </pc:docChg>
+  </pc:docChgLst>
   <pc:docChgLst>
     <pc:chgData name="Craig Brinkerhoff" userId="4ca67c74-3213-4250-9c32-077ebf257a4d" providerId="ADAL" clId="{19715C1B-6A5C-4480-830B-1128DB660155}"/>
     <pc:docChg chg="undo custSel addSld delSld modSld sldOrd">
@@ -1096,7 +2425,7 @@
           <a:p>
             <a:fld id="{7AF9CD04-3810-4932-AF98-2D8DC1E115D4}" type="datetimeFigureOut">
               <a:rPr lang="en-US" smtClean="0"/>
-              <a:t>9/10/2021</a:t>
+              <a:t>9/24/2021</a:t>
             </a:fld>
             <a:endParaRPr lang="en-US"/>
           </a:p>
@@ -1294,7 +2623,7 @@
           <a:p>
             <a:fld id="{7AF9CD04-3810-4932-AF98-2D8DC1E115D4}" type="datetimeFigureOut">
               <a:rPr lang="en-US" smtClean="0"/>
-              <a:t>9/10/2021</a:t>
+              <a:t>9/24/2021</a:t>
             </a:fld>
             <a:endParaRPr lang="en-US"/>
           </a:p>
@@ -1502,7 +2831,7 @@
           <a:p>
             <a:fld id="{7AF9CD04-3810-4932-AF98-2D8DC1E115D4}" type="datetimeFigureOut">
               <a:rPr lang="en-US" smtClean="0"/>
-              <a:t>9/10/2021</a:t>
+              <a:t>9/24/2021</a:t>
             </a:fld>
             <a:endParaRPr lang="en-US"/>
           </a:p>
@@ -1700,7 +3029,7 @@
           <a:p>
             <a:fld id="{7AF9CD04-3810-4932-AF98-2D8DC1E115D4}" type="datetimeFigureOut">
               <a:rPr lang="en-US" smtClean="0"/>
-              <a:t>9/10/2021</a:t>
+              <a:t>9/24/2021</a:t>
             </a:fld>
             <a:endParaRPr lang="en-US"/>
           </a:p>
@@ -1975,7 +3304,7 @@
           <a:p>
             <a:fld id="{7AF9CD04-3810-4932-AF98-2D8DC1E115D4}" type="datetimeFigureOut">
               <a:rPr lang="en-US" smtClean="0"/>
-              <a:t>9/10/2021</a:t>
+              <a:t>9/24/2021</a:t>
             </a:fld>
             <a:endParaRPr lang="en-US"/>
           </a:p>
@@ -2240,7 +3569,7 @@
           <a:p>
             <a:fld id="{7AF9CD04-3810-4932-AF98-2D8DC1E115D4}" type="datetimeFigureOut">
               <a:rPr lang="en-US" smtClean="0"/>
-              <a:t>9/10/2021</a:t>
+              <a:t>9/24/2021</a:t>
             </a:fld>
             <a:endParaRPr lang="en-US"/>
           </a:p>
@@ -2652,7 +3981,7 @@
           <a:p>
             <a:fld id="{7AF9CD04-3810-4932-AF98-2D8DC1E115D4}" type="datetimeFigureOut">
               <a:rPr lang="en-US" smtClean="0"/>
-              <a:t>9/10/2021</a:t>
+              <a:t>9/24/2021</a:t>
             </a:fld>
             <a:endParaRPr lang="en-US"/>
           </a:p>
@@ -2793,7 +4122,7 @@
           <a:p>
             <a:fld id="{7AF9CD04-3810-4932-AF98-2D8DC1E115D4}" type="datetimeFigureOut">
               <a:rPr lang="en-US" smtClean="0"/>
-              <a:t>9/10/2021</a:t>
+              <a:t>9/24/2021</a:t>
             </a:fld>
             <a:endParaRPr lang="en-US"/>
           </a:p>
@@ -2906,7 +4235,7 @@
           <a:p>
             <a:fld id="{7AF9CD04-3810-4932-AF98-2D8DC1E115D4}" type="datetimeFigureOut">
               <a:rPr lang="en-US" smtClean="0"/>
-              <a:t>9/10/2021</a:t>
+              <a:t>9/24/2021</a:t>
             </a:fld>
             <a:endParaRPr lang="en-US"/>
           </a:p>
@@ -3217,7 +4546,7 @@
           <a:p>
             <a:fld id="{7AF9CD04-3810-4932-AF98-2D8DC1E115D4}" type="datetimeFigureOut">
               <a:rPr lang="en-US" smtClean="0"/>
-              <a:t>9/10/2021</a:t>
+              <a:t>9/24/2021</a:t>
             </a:fld>
             <a:endParaRPr lang="en-US"/>
           </a:p>
@@ -3505,7 +4834,7 @@
           <a:p>
             <a:fld id="{7AF9CD04-3810-4932-AF98-2D8DC1E115D4}" type="datetimeFigureOut">
               <a:rPr lang="en-US" smtClean="0"/>
-              <a:t>9/10/2021</a:t>
+              <a:t>9/24/2021</a:t>
             </a:fld>
             <a:endParaRPr lang="en-US"/>
           </a:p>
@@ -3746,7 +5075,7 @@
           <a:p>
             <a:fld id="{7AF9CD04-3810-4932-AF98-2D8DC1E115D4}" type="datetimeFigureOut">
               <a:rPr lang="en-US" smtClean="0"/>
-              <a:t>9/10/2021</a:t>
+              <a:t>9/24/2021</a:t>
             </a:fld>
             <a:endParaRPr lang="en-US"/>
           </a:p>
@@ -4191,8 +5520,8 @@
           </a:p>
         </p:txBody>
       </p:sp>
-      <mc:AlternateContent xmlns:mc="http://schemas.openxmlformats.org/markup-compatibility/2006">
-        <mc:Choice xmlns:a14="http://schemas.microsoft.com/office/drawing/2010/main" Requires="a14">
+      <mc:AlternateContent xmlns:mc="http://schemas.openxmlformats.org/markup-compatibility/2006" xmlns:a14="http://schemas.microsoft.com/office/drawing/2010/main">
+        <mc:Choice Requires="a14">
           <p:sp>
             <p:nvSpPr>
               <p:cNvPr id="3" name="Content Placeholder 2">
@@ -4211,8 +5540,8 @@
             </p:nvSpPr>
             <p:spPr>
               <a:xfrm>
-                <a:off x="838200" y="1825625"/>
-                <a:ext cx="10515600" cy="4667250"/>
+                <a:off x="323295" y="1278384"/>
+                <a:ext cx="5828930" cy="5134592"/>
               </a:xfrm>
             </p:spPr>
             <p:txBody>
@@ -4222,10 +5551,16 @@
               <a:lstStyle/>
               <a:p>
                 <a:r>
+                  <a:rPr lang="en-US" sz="2800" b="0" dirty="0" smtClean="0">
+                    <a:latin typeface="Cambria Math" panose="02040503050406030204" pitchFamily="18" charset="0"/>
+                  </a:rPr>
+                  <a:t>We </a:t>
+                </a:r>
+                <a:r>
                   <a:rPr lang="en-US" sz="2800" b="0" dirty="0">
                     <a:latin typeface="Cambria Math" panose="02040503050406030204" pitchFamily="18" charset="0"/>
                   </a:rPr>
-                  <a:t>We sought to model </a:t>
+                  <a:t>want to model </a:t>
                 </a:r>
                 <a:r>
                   <a:rPr lang="en-US" sz="2800" b="0" i="1" dirty="0">
@@ -4241,6 +5576,48 @@
                 </a:r>
               </a:p>
               <a:p>
+                <a:r>
+                  <a:rPr lang="en-US" sz="2800" b="0" i="1" dirty="0">
+                    <a:latin typeface="Cambria Math" panose="02040503050406030204" pitchFamily="18" charset="0"/>
+                  </a:rPr>
+                  <a:t>k  </a:t>
+                </a:r>
+                <a:r>
+                  <a:rPr lang="en-US" sz="2800" b="0" dirty="0">
+                    <a:latin typeface="Cambria Math" panose="02040503050406030204" pitchFamily="18" charset="0"/>
+                  </a:rPr>
+                  <a:t>usually modeled via turbulent energy dissipation </a:t>
+                </a:r>
+                <a14:m>
+                  <m:oMath xmlns:m="http://schemas.openxmlformats.org/officeDocument/2006/math">
+                    <m:r>
+                      <a:rPr lang="en-US" sz="2800" b="0" i="1" smtClean="0">
+                        <a:latin typeface="Cambria Math" panose="02040503050406030204" pitchFamily="18" charset="0"/>
+                        <a:ea typeface="Cambria Math" panose="02040503050406030204" pitchFamily="18" charset="0"/>
+                      </a:rPr>
+                      <m:t>𝜀</m:t>
+                    </m:r>
+                  </m:oMath>
+                </a14:m>
+                <a:r>
+                  <a:rPr lang="en-US" sz="2800" b="0" dirty="0">
+                    <a:latin typeface="Cambria Math" panose="02040503050406030204" pitchFamily="18" charset="0"/>
+                  </a:rPr>
+                  <a:t> (~opposite of energy production)</a:t>
+                </a:r>
+                <a:endParaRPr lang="en-US" sz="2800" b="0" i="1" dirty="0">
+                  <a:latin typeface="Cambria Math" panose="02040503050406030204" pitchFamily="18" charset="0"/>
+                </a:endParaRPr>
+              </a:p>
+              <a:p>
+                <a:r>
+                  <a:rPr lang="en-US" sz="2800" b="0" dirty="0"/>
+                  <a:t>Small-edd</a:t>
+                </a:r>
+                <a:r>
+                  <a:rPr lang="en-US" dirty="0"/>
+                  <a:t>y model: </a:t>
+                </a:r>
                 <a14:m>
                   <m:oMath xmlns:m="http://schemas.openxmlformats.org/officeDocument/2006/math">
                     <m:r>
@@ -4316,13 +5693,34 @@
                               </a:rPr>
                               <m:t>𝑣</m:t>
                             </m:r>
-                            <m:r>
-                              <a:rPr lang="en-US" sz="2800" b="0" i="1" smtClean="0">
-                                <a:latin typeface="Cambria Math" panose="02040503050406030204" pitchFamily="18" charset="0"/>
-                                <a:ea typeface="Cambria Math" panose="02040503050406030204" pitchFamily="18" charset="0"/>
-                              </a:rPr>
-                              <m:t>𝜀</m:t>
-                            </m:r>
+                            <m:sSub>
+                              <m:sSubPr>
+                                <m:ctrlPr>
+                                  <a:rPr lang="en-US" sz="2800" b="0" i="1" smtClean="0">
+                                    <a:latin typeface="Cambria Math" panose="02040503050406030204" pitchFamily="18" charset="0"/>
+                                    <a:ea typeface="Cambria Math" panose="02040503050406030204" pitchFamily="18" charset="0"/>
+                                  </a:rPr>
+                                </m:ctrlPr>
+                              </m:sSubPr>
+                              <m:e>
+                                <m:r>
+                                  <a:rPr lang="en-US" sz="2800" b="0" i="1" smtClean="0">
+                                    <a:latin typeface="Cambria Math" panose="02040503050406030204" pitchFamily="18" charset="0"/>
+                                    <a:ea typeface="Cambria Math" panose="02040503050406030204" pitchFamily="18" charset="0"/>
+                                  </a:rPr>
+                                  <m:t>𝜀</m:t>
+                                </m:r>
+                              </m:e>
+                              <m:sub>
+                                <m:r>
+                                  <a:rPr lang="en-US" sz="2800" b="0" i="1" smtClean="0">
+                                    <a:latin typeface="Cambria Math" panose="02040503050406030204" pitchFamily="18" charset="0"/>
+                                    <a:ea typeface="Cambria Math" panose="02040503050406030204" pitchFamily="18" charset="0"/>
+                                  </a:rPr>
+                                  <m:t>𝑆</m:t>
+                                </m:r>
+                              </m:sub>
+                            </m:sSub>
                           </m:e>
                         </m:d>
                       </m:e>
@@ -4382,242 +5780,6 @@
                 </a:r>
                 <a14:m>
                   <m:oMath xmlns:m="http://schemas.openxmlformats.org/officeDocument/2006/math">
-                    <m:r>
-                      <a:rPr lang="en-US" b="0" i="1" smtClean="0">
-                        <a:latin typeface="Cambria Math" panose="02040503050406030204" pitchFamily="18" charset="0"/>
-                        <a:ea typeface="Cambria Math" panose="02040503050406030204" pitchFamily="18" charset="0"/>
-                      </a:rPr>
-                      <m:t>𝜀</m:t>
-                    </m:r>
-                  </m:oMath>
-                </a14:m>
-                <a:endParaRPr lang="en-US" dirty="0"/>
-              </a:p>
-              <a:p>
-                <a:pPr lvl="2"/>
-                <a:r>
-                  <a:rPr lang="en-US" dirty="0"/>
-                  <a:t>Infeasible to measure directly at global scale</a:t>
-                </a:r>
-              </a:p>
-              <a:p>
-                <a:pPr lvl="2"/>
-                <a:r>
-                  <a:rPr lang="en-US" dirty="0"/>
-                  <a:t>Another common model (in rivers) is </a:t>
-                </a:r>
-                <a14:m>
-                  <m:oMath xmlns:m="http://schemas.openxmlformats.org/officeDocument/2006/math">
-                    <m:sSub>
-                      <m:sSubPr>
-                        <m:ctrlPr>
-                          <a:rPr lang="en-US" b="0" i="1" smtClean="0">
-                            <a:latin typeface="Cambria Math" panose="02040503050406030204" pitchFamily="18" charset="0"/>
-                            <a:ea typeface="Cambria Math" panose="02040503050406030204" pitchFamily="18" charset="0"/>
-                          </a:rPr>
-                        </m:ctrlPr>
-                      </m:sSubPr>
-                      <m:e>
-                        <m:r>
-                          <a:rPr lang="en-US" i="1" smtClean="0">
-                            <a:latin typeface="Cambria Math" panose="02040503050406030204" pitchFamily="18" charset="0"/>
-                            <a:ea typeface="Cambria Math" panose="02040503050406030204" pitchFamily="18" charset="0"/>
-                          </a:rPr>
-                          <m:t>𝜀</m:t>
-                        </m:r>
-                      </m:e>
-                      <m:sub>
-                        <m:r>
-                          <a:rPr lang="en-US" b="0" i="1" smtClean="0">
-                            <a:latin typeface="Cambria Math" panose="02040503050406030204" pitchFamily="18" charset="0"/>
-                            <a:ea typeface="Cambria Math" panose="02040503050406030204" pitchFamily="18" charset="0"/>
-                          </a:rPr>
-                          <m:t>𝐷</m:t>
-                        </m:r>
-                      </m:sub>
-                    </m:sSub>
-                    <m:r>
-                      <a:rPr lang="en-US" b="0" i="1" smtClean="0">
-                        <a:latin typeface="Cambria Math" panose="02040503050406030204" pitchFamily="18" charset="0"/>
-                        <a:ea typeface="Cambria Math" panose="02040503050406030204" pitchFamily="18" charset="0"/>
-                      </a:rPr>
-                      <m:t>=</m:t>
-                    </m:r>
-                    <m:r>
-                      <a:rPr lang="en-US" b="0" i="1" smtClean="0">
-                        <a:latin typeface="Cambria Math" panose="02040503050406030204" pitchFamily="18" charset="0"/>
-                        <a:ea typeface="Cambria Math" panose="02040503050406030204" pitchFamily="18" charset="0"/>
-                      </a:rPr>
-                      <m:t>𝑔𝑆</m:t>
-                    </m:r>
-                    <m:acc>
-                      <m:accPr>
-                        <m:chr m:val="̅"/>
-                        <m:ctrlPr>
-                          <a:rPr lang="en-US" b="0" i="1" smtClean="0">
-                            <a:latin typeface="Cambria Math" panose="02040503050406030204" pitchFamily="18" charset="0"/>
-                            <a:ea typeface="Cambria Math" panose="02040503050406030204" pitchFamily="18" charset="0"/>
-                          </a:rPr>
-                        </m:ctrlPr>
-                      </m:accPr>
-                      <m:e>
-                        <m:r>
-                          <a:rPr lang="en-US" b="0" i="1" smtClean="0">
-                            <a:latin typeface="Cambria Math" panose="02040503050406030204" pitchFamily="18" charset="0"/>
-                            <a:ea typeface="Cambria Math" panose="02040503050406030204" pitchFamily="18" charset="0"/>
-                          </a:rPr>
-                          <m:t>𝑈</m:t>
-                        </m:r>
-                      </m:e>
-                    </m:acc>
-                    <m:r>
-                      <a:rPr lang="en-US" b="0" i="1" smtClean="0">
-                        <a:latin typeface="Cambria Math" panose="02040503050406030204" pitchFamily="18" charset="0"/>
-                        <a:ea typeface="Cambria Math" panose="02040503050406030204" pitchFamily="18" charset="0"/>
-                      </a:rPr>
-                      <m:t>=</m:t>
-                    </m:r>
-                    <m:f>
-                      <m:fPr>
-                        <m:ctrlPr>
-                          <a:rPr lang="en-US" b="0" i="1" smtClean="0">
-                            <a:latin typeface="Cambria Math" panose="02040503050406030204" pitchFamily="18" charset="0"/>
-                            <a:ea typeface="Cambria Math" panose="02040503050406030204" pitchFamily="18" charset="0"/>
-                          </a:rPr>
-                        </m:ctrlPr>
-                      </m:fPr>
-                      <m:num>
-                        <m:r>
-                          <m:rPr>
-                            <m:sty m:val="p"/>
-                          </m:rPr>
-                          <a:rPr lang="el-GR" b="0" i="1" smtClean="0">
-                            <a:latin typeface="Cambria Math" panose="02040503050406030204" pitchFamily="18" charset="0"/>
-                            <a:ea typeface="Cambria Math" panose="02040503050406030204" pitchFamily="18" charset="0"/>
-                          </a:rPr>
-                          <m:t>Ω</m:t>
-                        </m:r>
-                      </m:num>
-                      <m:den>
-                        <m:r>
-                          <a:rPr lang="en-US" b="0" i="1" smtClean="0">
-                            <a:latin typeface="Cambria Math" panose="02040503050406030204" pitchFamily="18" charset="0"/>
-                            <a:ea typeface="Cambria Math" panose="02040503050406030204" pitchFamily="18" charset="0"/>
-                          </a:rPr>
-                          <m:t>𝑚𝑎𝑠𝑠</m:t>
-                        </m:r>
-                      </m:den>
-                    </m:f>
-                  </m:oMath>
-                </a14:m>
-                <a:r>
-                  <a:rPr lang="en-US" b="0" dirty="0">
-                    <a:ea typeface="Cambria Math" panose="02040503050406030204" pitchFamily="18" charset="0"/>
-                  </a:rPr>
-                  <a:t> </a:t>
-                </a:r>
-                <a:r>
-                  <a:rPr lang="en-US" b="0" dirty="0">
-                    <a:solidFill>
-                      <a:srgbClr val="C00000"/>
-                    </a:solidFill>
-                    <a:ea typeface="Cambria Math" panose="02040503050406030204" pitchFamily="18" charset="0"/>
-                  </a:rPr>
-                  <a:t>[Moog &amp; </a:t>
-                </a:r>
-                <a:r>
-                  <a:rPr lang="en-US" b="0" dirty="0" err="1">
-                    <a:solidFill>
-                      <a:srgbClr val="C00000"/>
-                    </a:solidFill>
-                    <a:ea typeface="Cambria Math" panose="02040503050406030204" pitchFamily="18" charset="0"/>
-                  </a:rPr>
-                  <a:t>Jirka</a:t>
-                </a:r>
-                <a:r>
-                  <a:rPr lang="en-US" b="0" dirty="0">
-                    <a:solidFill>
-                      <a:srgbClr val="C00000"/>
-                    </a:solidFill>
-                    <a:ea typeface="Cambria Math" panose="02040503050406030204" pitchFamily="18" charset="0"/>
-                  </a:rPr>
-                  <a:t> 1999]</a:t>
-                </a:r>
-              </a:p>
-              <a:p>
-                <a:pPr lvl="3"/>
-                <a:r>
-                  <a:rPr lang="en-US" dirty="0">
-                    <a:ea typeface="Cambria Math" panose="02040503050406030204" pitchFamily="18" charset="0"/>
-                  </a:rPr>
-                  <a:t>Depth-scale form-drag (i.e. meanders, bars, riverbanks, etc.) enhances turbulence production/dissipation relative to other aquatic systems. Meaning, that </a:t>
-                </a:r>
-                <a14:m>
-                  <m:oMath xmlns:m="http://schemas.openxmlformats.org/officeDocument/2006/math">
-                    <m:sSub>
-                      <m:sSubPr>
-                        <m:ctrlPr>
-                          <a:rPr lang="en-US" b="0" i="1" smtClean="0">
-                            <a:latin typeface="Cambria Math" panose="02040503050406030204" pitchFamily="18" charset="0"/>
-                            <a:ea typeface="Cambria Math" panose="02040503050406030204" pitchFamily="18" charset="0"/>
-                          </a:rPr>
-                        </m:ctrlPr>
-                      </m:sSubPr>
-                      <m:e>
-                        <m:r>
-                          <a:rPr lang="en-US" i="1" smtClean="0">
-                            <a:latin typeface="Cambria Math" panose="02040503050406030204" pitchFamily="18" charset="0"/>
-                            <a:ea typeface="Cambria Math" panose="02040503050406030204" pitchFamily="18" charset="0"/>
-                          </a:rPr>
-                          <m:t>𝜀</m:t>
-                        </m:r>
-                      </m:e>
-                      <m:sub>
-                        <m:r>
-                          <a:rPr lang="en-US" b="0" i="1" smtClean="0">
-                            <a:latin typeface="Cambria Math" panose="02040503050406030204" pitchFamily="18" charset="0"/>
-                            <a:ea typeface="Cambria Math" panose="02040503050406030204" pitchFamily="18" charset="0"/>
-                          </a:rPr>
-                          <m:t>𝐷</m:t>
-                        </m:r>
-                      </m:sub>
-                    </m:sSub>
-                  </m:oMath>
-                </a14:m>
-                <a:r>
-                  <a:rPr lang="en-US" b="0" dirty="0">
-                    <a:ea typeface="Cambria Math" panose="02040503050406030204" pitchFamily="18" charset="0"/>
-                  </a:rPr>
-                  <a:t> is a depth-scale dissipation term and is not necessarily reflective of the near-surface dissipation rate</a:t>
-                </a:r>
-              </a:p>
-              <a:p>
-                <a:pPr lvl="4"/>
-                <a:r>
-                  <a:rPr lang="en-US" dirty="0"/>
-                  <a:t>Stream power is over the entire depth, and we calculate this using reach-averaged velocity, not surface velocity</a:t>
-                </a:r>
-              </a:p>
-              <a:p>
-                <a:pPr lvl="4"/>
-                <a:r>
-                  <a:rPr lang="en-US" dirty="0"/>
-                  <a:t>This might contribute to why </a:t>
-                </a:r>
-                <a14:m>
-                  <m:oMath xmlns:m="http://schemas.openxmlformats.org/officeDocument/2006/math">
-                    <m:r>
-                      <a:rPr lang="en-US" b="0" i="1" smtClean="0">
-                        <a:latin typeface="Cambria Math" panose="02040503050406030204" pitchFamily="18" charset="0"/>
-                      </a:rPr>
-                      <m:t>𝑘</m:t>
-                    </m:r>
-                    <m:r>
-                      <a:rPr lang="en-US" b="0" i="1" smtClean="0">
-                        <a:latin typeface="Cambria Math" panose="02040503050406030204" pitchFamily="18" charset="0"/>
-                      </a:rPr>
-                      <m:t>~</m:t>
-                    </m:r>
                     <m:sSub>
                       <m:sSubPr>
                         <m:ctrlPr>
@@ -4642,114 +5804,23 @@
                             <a:latin typeface="Cambria Math" panose="02040503050406030204" pitchFamily="18" charset="0"/>
                             <a:ea typeface="Cambria Math" panose="02040503050406030204" pitchFamily="18" charset="0"/>
                           </a:rPr>
-                          <m:t>𝐷</m:t>
+                          <m:t>𝑆</m:t>
                         </m:r>
                       </m:sub>
                     </m:sSub>
                   </m:oMath>
                 </a14:m>
+                <a:endParaRPr lang="en-US" dirty="0"/>
+              </a:p>
+              <a:p>
+                <a:pPr lvl="2"/>
                 <a:r>
                   <a:rPr lang="en-US" dirty="0"/>
-                  <a:t> relations in rivers don’t scale to the ¼ power, i.e. </a:t>
-                </a:r>
-                <a14:m>
-                  <m:oMath xmlns:m="http://schemas.openxmlformats.org/officeDocument/2006/math">
-                    <m:sSub>
-                      <m:sSubPr>
-                        <m:ctrlPr>
-                          <a:rPr lang="en-US" b="0" i="1" smtClean="0">
-                            <a:latin typeface="Cambria Math" panose="02040503050406030204" pitchFamily="18" charset="0"/>
-                            <a:ea typeface="Cambria Math" panose="02040503050406030204" pitchFamily="18" charset="0"/>
-                          </a:rPr>
-                        </m:ctrlPr>
-                      </m:sSubPr>
-                      <m:e>
-                        <m:r>
-                          <a:rPr lang="en-US" i="1" smtClean="0">
-                            <a:latin typeface="Cambria Math" panose="02040503050406030204" pitchFamily="18" charset="0"/>
-                            <a:ea typeface="Cambria Math" panose="02040503050406030204" pitchFamily="18" charset="0"/>
-                          </a:rPr>
-                          <m:t>𝜀</m:t>
-                        </m:r>
-                      </m:e>
-                      <m:sub>
-                        <m:r>
-                          <a:rPr lang="en-US" b="0" i="1" smtClean="0">
-                            <a:latin typeface="Cambria Math" panose="02040503050406030204" pitchFamily="18" charset="0"/>
-                            <a:ea typeface="Cambria Math" panose="02040503050406030204" pitchFamily="18" charset="0"/>
-                          </a:rPr>
-                          <m:t>𝐻</m:t>
-                        </m:r>
-                      </m:sub>
-                    </m:sSub>
-                    <m:r>
-                      <a:rPr lang="en-US" b="0" i="1" smtClean="0">
-                        <a:latin typeface="Cambria Math" panose="02040503050406030204" pitchFamily="18" charset="0"/>
-                        <a:ea typeface="Cambria Math" panose="02040503050406030204" pitchFamily="18" charset="0"/>
-                      </a:rPr>
-                      <m:t>≠ </m:t>
-                    </m:r>
-                    <m:sSub>
-                      <m:sSubPr>
-                        <m:ctrlPr>
-                          <a:rPr lang="en-US" b="0" i="1" smtClean="0">
-                            <a:latin typeface="Cambria Math" panose="02040503050406030204" pitchFamily="18" charset="0"/>
-                            <a:ea typeface="Cambria Math" panose="02040503050406030204" pitchFamily="18" charset="0"/>
-                          </a:rPr>
-                        </m:ctrlPr>
-                      </m:sSubPr>
-                      <m:e>
-                        <m:r>
-                          <a:rPr lang="en-US" b="0" i="1" smtClean="0">
-                            <a:latin typeface="Cambria Math" panose="02040503050406030204" pitchFamily="18" charset="0"/>
-                            <a:ea typeface="Cambria Math" panose="02040503050406030204" pitchFamily="18" charset="0"/>
-                          </a:rPr>
-                          <m:t>𝜀</m:t>
-                        </m:r>
-                      </m:e>
-                      <m:sub>
-                        <m:r>
-                          <a:rPr lang="en-US" b="0" i="1" smtClean="0">
-                            <a:latin typeface="Cambria Math" panose="02040503050406030204" pitchFamily="18" charset="0"/>
-                            <a:ea typeface="Cambria Math" panose="02040503050406030204" pitchFamily="18" charset="0"/>
-                          </a:rPr>
-                          <m:t>𝐷</m:t>
-                        </m:r>
-                      </m:sub>
-                    </m:sSub>
-                  </m:oMath>
-                </a14:m>
-                <a:r>
-                  <a:rPr lang="en-US" dirty="0"/>
-                  <a:t> </a:t>
-                </a:r>
-                <a:r>
-                  <a:rPr lang="en-US" dirty="0">
-                    <a:solidFill>
-                      <a:srgbClr val="C00000"/>
-                    </a:solidFill>
-                  </a:rPr>
-                  <a:t>[Wang et al. 2021; </a:t>
-                </a:r>
-                <a:r>
-                  <a:rPr lang="en-US" dirty="0" err="1">
-                    <a:solidFill>
-                      <a:srgbClr val="C00000"/>
-                    </a:solidFill>
-                  </a:rPr>
-                  <a:t>Ulseth</a:t>
-                </a:r>
-                <a:r>
-                  <a:rPr lang="en-US" dirty="0">
-                    <a:solidFill>
-                      <a:srgbClr val="C00000"/>
-                    </a:solidFill>
-                  </a:rPr>
-                  <a:t> eta al. 2019; Raymond et al. 2012]</a:t>
+                  <a:t>Impossible to measure directly at global scale</a:t>
                 </a:r>
               </a:p>
               <a:p>
-                <a:pPr lvl="3"/>
+                <a:pPr lvl="2"/>
                 <a:endParaRPr lang="en-US" dirty="0"/>
               </a:p>
               <a:p>
@@ -4758,7 +5829,7 @@
             </p:txBody>
           </p:sp>
         </mc:Choice>
-        <mc:Fallback>
+        <mc:Fallback xmlns="">
           <p:sp>
             <p:nvSpPr>
               <p:cNvPr id="3" name="Content Placeholder 2">
@@ -4777,13 +5848,13 @@
             </p:nvSpPr>
             <p:spPr>
               <a:xfrm>
-                <a:off x="838200" y="1825625"/>
-                <a:ext cx="10515600" cy="4667250"/>
+                <a:off x="323295" y="1278384"/>
+                <a:ext cx="5828930" cy="5134592"/>
               </a:xfrm>
               <a:blipFill>
                 <a:blip r:embed="rId2"/>
                 <a:stretch>
-                  <a:fillRect l="-1043" t="-2219"/>
+                  <a:fillRect l="-1883" t="-2138" r="-209"/>
                 </a:stretch>
               </a:blipFill>
             </p:spPr>
@@ -4802,6 +5873,258 @@
           </p:sp>
         </mc:Fallback>
       </mc:AlternateContent>
+      <p:grpSp>
+        <p:nvGrpSpPr>
+          <p:cNvPr id="12" name="Group 11">
+            <a:extLst>
+              <a:ext uri="{FF2B5EF4-FFF2-40B4-BE49-F238E27FC236}">
+                <a16:creationId xmlns:a16="http://schemas.microsoft.com/office/drawing/2014/main" id="{9F9B167A-68B9-4E3E-8859-D77744B2999B}"/>
+              </a:ext>
+            </a:extLst>
+          </p:cNvPr>
+          <p:cNvGrpSpPr/>
+          <p:nvPr/>
+        </p:nvGrpSpPr>
+        <p:grpSpPr>
+          <a:xfrm>
+            <a:off x="7410801" y="1278384"/>
+            <a:ext cx="4371975" cy="4373415"/>
+            <a:chOff x="7114852" y="1492967"/>
+            <a:chExt cx="4371975" cy="4373415"/>
+          </a:xfrm>
+        </p:grpSpPr>
+        <p:pic>
+          <p:nvPicPr>
+            <p:cNvPr id="5" name="Picture 4">
+              <a:extLst>
+                <a:ext uri="{FF2B5EF4-FFF2-40B4-BE49-F238E27FC236}">
+                  <a16:creationId xmlns:a16="http://schemas.microsoft.com/office/drawing/2014/main" id="{2E8E06C0-CAFE-454B-8273-0682F242C0D9}"/>
+                </a:ext>
+              </a:extLst>
+            </p:cNvPr>
+            <p:cNvPicPr>
+              <a:picLocks noChangeAspect="1"/>
+            </p:cNvPicPr>
+            <p:nvPr/>
+          </p:nvPicPr>
+          <p:blipFill>
+            <a:blip r:embed="rId3"/>
+            <a:stretch>
+              <a:fillRect/>
+            </a:stretch>
+          </p:blipFill>
+          <p:spPr>
+            <a:xfrm>
+              <a:off x="7114852" y="1542032"/>
+              <a:ext cx="4371975" cy="4324350"/>
+            </a:xfrm>
+            <a:prstGeom prst="rect">
+              <a:avLst/>
+            </a:prstGeom>
+          </p:spPr>
+        </p:pic>
+        <p:sp>
+          <p:nvSpPr>
+            <p:cNvPr id="6" name="Isosceles Triangle 5">
+              <a:extLst>
+                <a:ext uri="{FF2B5EF4-FFF2-40B4-BE49-F238E27FC236}">
+                  <a16:creationId xmlns:a16="http://schemas.microsoft.com/office/drawing/2014/main" id="{2B35ABF3-93C6-4A0C-93CF-F092B580597F}"/>
+                </a:ext>
+              </a:extLst>
+            </p:cNvPr>
+            <p:cNvSpPr/>
+            <p:nvPr/>
+          </p:nvSpPr>
+          <p:spPr>
+            <a:xfrm rot="10800000">
+              <a:off x="9370910" y="1492967"/>
+              <a:ext cx="263242" cy="264377"/>
+            </a:xfrm>
+            <a:prstGeom prst="triangle">
+              <a:avLst/>
+            </a:prstGeom>
+          </p:spPr>
+          <p:style>
+            <a:lnRef idx="2">
+              <a:schemeClr val="dk1">
+                <a:shade val="50000"/>
+              </a:schemeClr>
+            </a:lnRef>
+            <a:fillRef idx="1">
+              <a:schemeClr val="dk1"/>
+            </a:fillRef>
+            <a:effectRef idx="0">
+              <a:schemeClr val="dk1"/>
+            </a:effectRef>
+            <a:fontRef idx="minor">
+              <a:schemeClr val="lt1"/>
+            </a:fontRef>
+          </p:style>
+          <p:txBody>
+            <a:bodyPr rtlCol="0" anchor="ctr"/>
+            <a:lstStyle/>
+            <a:p>
+              <a:pPr algn="ctr"/>
+              <a:endParaRPr lang="en-US"/>
+            </a:p>
+          </p:txBody>
+        </p:sp>
+        <p:cxnSp>
+          <p:nvCxnSpPr>
+            <p:cNvPr id="8" name="Straight Connector 7">
+              <a:extLst>
+                <a:ext uri="{FF2B5EF4-FFF2-40B4-BE49-F238E27FC236}">
+                  <a16:creationId xmlns:a16="http://schemas.microsoft.com/office/drawing/2014/main" id="{C73478DB-05DE-4881-BE7F-431A144885D5}"/>
+                </a:ext>
+              </a:extLst>
+            </p:cNvPr>
+            <p:cNvCxnSpPr/>
+            <p:nvPr/>
+          </p:nvCxnSpPr>
+          <p:spPr>
+            <a:xfrm>
+              <a:off x="9348186" y="1864311"/>
+              <a:ext cx="328474" cy="0"/>
+            </a:xfrm>
+            <a:prstGeom prst="line">
+              <a:avLst/>
+            </a:prstGeom>
+            <a:ln w="38100"/>
+          </p:spPr>
+          <p:style>
+            <a:lnRef idx="1">
+              <a:schemeClr val="dk1"/>
+            </a:lnRef>
+            <a:fillRef idx="0">
+              <a:schemeClr val="dk1"/>
+            </a:fillRef>
+            <a:effectRef idx="0">
+              <a:schemeClr val="dk1"/>
+            </a:effectRef>
+            <a:fontRef idx="minor">
+              <a:schemeClr val="tx1"/>
+            </a:fontRef>
+          </p:style>
+        </p:cxnSp>
+        <mc:AlternateContent xmlns:mc="http://schemas.openxmlformats.org/markup-compatibility/2006" xmlns:a14="http://schemas.microsoft.com/office/drawing/2010/main">
+          <mc:Choice Requires="a14">
+            <p:sp>
+              <p:nvSpPr>
+                <p:cNvPr id="9" name="TextBox 8">
+                  <a:extLst>
+                    <a:ext uri="{FF2B5EF4-FFF2-40B4-BE49-F238E27FC236}">
+                      <a16:creationId xmlns:a16="http://schemas.microsoft.com/office/drawing/2014/main" id="{F4219DE6-0639-4972-9B7C-366381A86FB1}"/>
+                    </a:ext>
+                  </a:extLst>
+                </p:cNvPr>
+                <p:cNvSpPr txBox="1"/>
+                <p:nvPr/>
+              </p:nvSpPr>
+              <p:spPr>
+                <a:xfrm>
+                  <a:off x="7794594" y="1669002"/>
+                  <a:ext cx="719092" cy="584775"/>
+                </a:xfrm>
+                <a:prstGeom prst="rect">
+                  <a:avLst/>
+                </a:prstGeom>
+                <a:noFill/>
+              </p:spPr>
+              <p:txBody>
+                <a:bodyPr wrap="square" rtlCol="0">
+                  <a:spAutoFit/>
+                </a:bodyPr>
+                <a:lstStyle/>
+                <a:p>
+                  <a:pPr/>
+                  <a14:m>
+                    <m:oMathPara xmlns:m="http://schemas.openxmlformats.org/officeDocument/2006/math">
+                      <m:oMathParaPr>
+                        <m:jc m:val="centerGroup"/>
+                      </m:oMathParaPr>
+                      <m:oMath xmlns:m="http://schemas.openxmlformats.org/officeDocument/2006/math">
+                        <m:sSub>
+                          <m:sSubPr>
+                            <m:ctrlPr>
+                              <a:rPr lang="en-US" sz="3200" b="1" i="1" smtClean="0">
+                                <a:latin typeface="Cambria Math" panose="02040503050406030204" pitchFamily="18" charset="0"/>
+                                <a:ea typeface="Cambria Math" panose="02040503050406030204" pitchFamily="18" charset="0"/>
+                              </a:rPr>
+                            </m:ctrlPr>
+                          </m:sSubPr>
+                          <m:e>
+                            <m:r>
+                              <a:rPr lang="en-US" sz="3200" b="1" i="1" smtClean="0">
+                                <a:latin typeface="Cambria Math" panose="02040503050406030204" pitchFamily="18" charset="0"/>
+                                <a:ea typeface="Cambria Math" panose="02040503050406030204" pitchFamily="18" charset="0"/>
+                              </a:rPr>
+                              <m:t>𝜺</m:t>
+                            </m:r>
+                          </m:e>
+                          <m:sub>
+                            <m:r>
+                              <a:rPr lang="en-US" sz="3200" b="1" i="1" smtClean="0">
+                                <a:latin typeface="Cambria Math" panose="02040503050406030204" pitchFamily="18" charset="0"/>
+                                <a:ea typeface="Cambria Math" panose="02040503050406030204" pitchFamily="18" charset="0"/>
+                              </a:rPr>
+                              <m:t>𝑺</m:t>
+                            </m:r>
+                          </m:sub>
+                        </m:sSub>
+                      </m:oMath>
+                    </m:oMathPara>
+                  </a14:m>
+                  <a:endParaRPr lang="en-US" sz="3200" b="1" dirty="0"/>
+                </a:p>
+              </p:txBody>
+            </p:sp>
+          </mc:Choice>
+          <mc:Fallback xmlns="">
+            <p:sp>
+              <p:nvSpPr>
+                <p:cNvPr id="9" name="TextBox 8">
+                  <a:extLst>
+                    <a:ext uri="{FF2B5EF4-FFF2-40B4-BE49-F238E27FC236}">
+                      <a16:creationId xmlns:a16="http://schemas.microsoft.com/office/drawing/2014/main" id="{F4219DE6-0639-4972-9B7C-366381A86FB1}"/>
+                    </a:ext>
+                  </a:extLst>
+                </p:cNvPr>
+                <p:cNvSpPr txBox="1">
+                  <a:spLocks noRot="1" noChangeAspect="1" noMove="1" noResize="1" noEditPoints="1" noAdjustHandles="1" noChangeArrowheads="1" noChangeShapeType="1" noTextEdit="1"/>
+                </p:cNvSpPr>
+                <p:nvPr/>
+              </p:nvSpPr>
+              <p:spPr>
+                <a:xfrm>
+                  <a:off x="7794594" y="1669002"/>
+                  <a:ext cx="719092" cy="584775"/>
+                </a:xfrm>
+                <a:prstGeom prst="rect">
+                  <a:avLst/>
+                </a:prstGeom>
+                <a:blipFill>
+                  <a:blip r:embed="rId4"/>
+                  <a:stretch>
+                    <a:fillRect/>
+                  </a:stretch>
+                </a:blipFill>
+              </p:spPr>
+              <p:txBody>
+                <a:bodyPr/>
+                <a:lstStyle/>
+                <a:p>
+                  <a:r>
+                    <a:rPr lang="en-US">
+                      <a:noFill/>
+                    </a:rPr>
+                    <a:t> </a:t>
+                  </a:r>
+                </a:p>
+              </p:txBody>
+            </p:sp>
+          </mc:Fallback>
+        </mc:AlternateContent>
+      </p:grpSp>
     </p:spTree>
     <p:extLst>
       <p:ext uri="{BB962C8B-B14F-4D97-AF65-F5344CB8AC3E}">
@@ -4832,263 +6155,1211 @@
           <a:chExt cx="0" cy="0"/>
         </a:xfrm>
       </p:grpSpPr>
+      <p:sp>
+        <p:nvSpPr>
+          <p:cNvPr id="2" name="Title 1"/>
+          <p:cNvSpPr>
+            <a:spLocks noGrp="1"/>
+          </p:cNvSpPr>
+          <p:nvPr>
+            <p:ph type="title"/>
+          </p:nvPr>
+        </p:nvSpPr>
+        <p:spPr/>
+        <p:txBody>
+          <a:bodyPr/>
+          <a:lstStyle/>
+          <a:p>
+            <a:r>
+              <a:rPr lang="en-US" dirty="0" smtClean="0"/>
+              <a:t>The hydraulically wide channel</a:t>
+            </a:r>
+            <a:endParaRPr lang="en-US" dirty="0"/>
+          </a:p>
+        </p:txBody>
+      </p:sp>
       <mc:AlternateContent xmlns:mc="http://schemas.openxmlformats.org/markup-compatibility/2006">
         <mc:Choice xmlns:a14="http://schemas.microsoft.com/office/drawing/2010/main" Requires="a14">
           <p:sp>
             <p:nvSpPr>
-              <p:cNvPr id="5" name="TextBox 4">
-                <a:extLst>
-                  <a:ext uri="{FF2B5EF4-FFF2-40B4-BE49-F238E27FC236}">
-                    <a16:creationId xmlns:a16="http://schemas.microsoft.com/office/drawing/2014/main" id="{2B0ECC86-3670-4B98-9B53-EB17EDBBCC12}"/>
-                  </a:ext>
-                </a:extLst>
-              </p:cNvPr>
-              <p:cNvSpPr txBox="1"/>
-              <p:nvPr/>
+              <p:cNvPr id="3" name="Content Placeholder 2"/>
+              <p:cNvSpPr>
+                <a:spLocks noGrp="1"/>
+              </p:cNvSpPr>
+              <p:nvPr>
+                <p:ph idx="1"/>
+              </p:nvPr>
             </p:nvSpPr>
             <p:spPr>
               <a:xfrm>
-                <a:off x="394283" y="3917659"/>
-                <a:ext cx="11210488" cy="2748466"/>
+                <a:off x="0" y="1825625"/>
+                <a:ext cx="12344400" cy="4351338"/>
               </a:xfrm>
-              <a:prstGeom prst="rect">
-                <a:avLst/>
-              </a:prstGeom>
-              <a:noFill/>
             </p:spPr>
             <p:txBody>
-              <a:bodyPr wrap="square">
-                <a:spAutoFit/>
+              <a:bodyPr>
+                <a:normAutofit/>
               </a:bodyPr>
               <a:lstStyle/>
+              <a:p>
+                <a14:m>
+                  <m:oMath xmlns:m="http://schemas.openxmlformats.org/officeDocument/2006/math">
+                    <m:r>
+                      <a:rPr lang="en-US" i="1" smtClean="0">
+                        <a:latin typeface="Cambria Math" panose="02040503050406030204" pitchFamily="18" charset="0"/>
+                      </a:rPr>
+                      <m:t>𝑘</m:t>
+                    </m:r>
+                    <m:r>
+                      <a:rPr lang="en-US" i="1" smtClean="0">
+                        <a:latin typeface="Cambria Math" panose="02040503050406030204" pitchFamily="18" charset="0"/>
+                      </a:rPr>
+                      <m:t>~</m:t>
+                    </m:r>
+                    <m:r>
+                      <a:rPr lang="en-US" i="1" smtClean="0">
+                        <a:latin typeface="Cambria Math" panose="02040503050406030204" pitchFamily="18" charset="0"/>
+                      </a:rPr>
+                      <m:t>𝑆</m:t>
+                    </m:r>
+                    <m:sSup>
+                      <m:sSupPr>
+                        <m:ctrlPr>
+                          <a:rPr lang="en-US" i="1">
+                            <a:latin typeface="Cambria Math" panose="02040503050406030204" pitchFamily="18" charset="0"/>
+                          </a:rPr>
+                        </m:ctrlPr>
+                      </m:sSupPr>
+                      <m:e>
+                        <m:r>
+                          <a:rPr lang="en-US" i="1">
+                            <a:latin typeface="Cambria Math" panose="02040503050406030204" pitchFamily="18" charset="0"/>
+                          </a:rPr>
+                          <m:t>𝑐</m:t>
+                        </m:r>
+                      </m:e>
+                      <m:sup>
+                        <m:r>
+                          <a:rPr lang="en-US" i="1">
+                            <a:latin typeface="Cambria Math" panose="02040503050406030204" pitchFamily="18" charset="0"/>
+                          </a:rPr>
+                          <m:t>−</m:t>
+                        </m:r>
+                        <m:r>
+                          <a:rPr lang="en-US" i="1">
+                            <a:latin typeface="Cambria Math" panose="02040503050406030204" pitchFamily="18" charset="0"/>
+                          </a:rPr>
+                          <m:t>𝑛</m:t>
+                        </m:r>
+                      </m:sup>
+                    </m:sSup>
+                    <m:sSup>
+                      <m:sSupPr>
+                        <m:ctrlPr>
+                          <a:rPr lang="en-US" i="1">
+                            <a:latin typeface="Cambria Math" panose="02040503050406030204" pitchFamily="18" charset="0"/>
+                          </a:rPr>
+                        </m:ctrlPr>
+                      </m:sSupPr>
+                      <m:e>
+                        <m:d>
+                          <m:dPr>
+                            <m:ctrlPr>
+                              <a:rPr lang="en-US" i="1">
+                                <a:latin typeface="Cambria Math" panose="02040503050406030204" pitchFamily="18" charset="0"/>
+                              </a:rPr>
+                            </m:ctrlPr>
+                          </m:dPr>
+                          <m:e>
+                            <m:r>
+                              <a:rPr lang="en-US" i="1">
+                                <a:latin typeface="Cambria Math" panose="02040503050406030204" pitchFamily="18" charset="0"/>
+                              </a:rPr>
+                              <m:t>𝑣</m:t>
+                            </m:r>
+                            <m:sSub>
+                              <m:sSubPr>
+                                <m:ctrlPr>
+                                  <a:rPr lang="en-US" i="1">
+                                    <a:latin typeface="Cambria Math" panose="02040503050406030204" pitchFamily="18" charset="0"/>
+                                    <a:ea typeface="Cambria Math" panose="02040503050406030204" pitchFamily="18" charset="0"/>
+                                  </a:rPr>
+                                </m:ctrlPr>
+                              </m:sSubPr>
+                              <m:e>
+                                <m:r>
+                                  <a:rPr lang="en-US" i="1">
+                                    <a:latin typeface="Cambria Math" panose="02040503050406030204" pitchFamily="18" charset="0"/>
+                                    <a:ea typeface="Cambria Math" panose="02040503050406030204" pitchFamily="18" charset="0"/>
+                                  </a:rPr>
+                                  <m:t>𝜀</m:t>
+                                </m:r>
+                              </m:e>
+                              <m:sub>
+                                <m:r>
+                                  <a:rPr lang="en-US" i="1">
+                                    <a:latin typeface="Cambria Math" panose="02040503050406030204" pitchFamily="18" charset="0"/>
+                                    <a:ea typeface="Cambria Math" panose="02040503050406030204" pitchFamily="18" charset="0"/>
+                                  </a:rPr>
+                                  <m:t>𝑆</m:t>
+                                </m:r>
+                              </m:sub>
+                            </m:sSub>
+                          </m:e>
+                        </m:d>
+                      </m:e>
+                      <m:sup>
+                        <m:f>
+                          <m:fPr>
+                            <m:ctrlPr>
+                              <a:rPr lang="en-US" i="1">
+                                <a:latin typeface="Cambria Math" panose="02040503050406030204" pitchFamily="18" charset="0"/>
+                              </a:rPr>
+                            </m:ctrlPr>
+                          </m:fPr>
+                          <m:num>
+                            <m:r>
+                              <a:rPr lang="en-US" i="1">
+                                <a:latin typeface="Cambria Math" panose="02040503050406030204" pitchFamily="18" charset="0"/>
+                              </a:rPr>
+                              <m:t>1</m:t>
+                            </m:r>
+                          </m:num>
+                          <m:den>
+                            <m:r>
+                              <a:rPr lang="en-US" i="1">
+                                <a:latin typeface="Cambria Math" panose="02040503050406030204" pitchFamily="18" charset="0"/>
+                              </a:rPr>
+                              <m:t>4</m:t>
+                            </m:r>
+                          </m:den>
+                        </m:f>
+                      </m:sup>
+                    </m:sSup>
+                  </m:oMath>
+                </a14:m>
+                <a:r>
+                  <a:rPr lang="en-US" dirty="0" smtClean="0"/>
+                  <a:t> </a:t>
+                </a:r>
+                <a:r>
+                  <a:rPr lang="en-US" dirty="0"/>
+                  <a:t>Law-of-the-wall: </a:t>
+                </a:r>
+                <a14:m>
+                  <m:oMath xmlns:m="http://schemas.openxmlformats.org/officeDocument/2006/math">
+                    <m:sSub>
+                      <m:sSubPr>
+                        <m:ctrlPr>
+                          <a:rPr lang="en-US" i="1">
+                            <a:latin typeface="Cambria Math" panose="02040503050406030204" pitchFamily="18" charset="0"/>
+                          </a:rPr>
+                        </m:ctrlPr>
+                      </m:sSubPr>
+                      <m:e>
+                        <m:r>
+                          <a:rPr lang="en-US" i="1">
+                            <a:latin typeface="Cambria Math" panose="02040503050406030204" pitchFamily="18" charset="0"/>
+                          </a:rPr>
+                          <m:t>𝜖</m:t>
+                        </m:r>
+                      </m:e>
+                      <m:sub>
+                        <m:r>
+                          <a:rPr lang="en-US" i="1">
+                            <a:latin typeface="Cambria Math" panose="02040503050406030204" pitchFamily="18" charset="0"/>
+                          </a:rPr>
+                          <m:t>𝑆</m:t>
+                        </m:r>
+                      </m:sub>
+                    </m:sSub>
+                    <m:r>
+                      <a:rPr lang="en-US" i="1">
+                        <a:latin typeface="Cambria Math" panose="02040503050406030204" pitchFamily="18" charset="0"/>
+                      </a:rPr>
+                      <m:t>=</m:t>
+                    </m:r>
+                    <m:f>
+                      <m:fPr>
+                        <m:ctrlPr>
+                          <a:rPr lang="en-US" i="1">
+                            <a:latin typeface="Cambria Math" panose="02040503050406030204" pitchFamily="18" charset="0"/>
+                          </a:rPr>
+                        </m:ctrlPr>
+                      </m:fPr>
+                      <m:num>
+                        <m:sSubSup>
+                          <m:sSubSupPr>
+                            <m:ctrlPr>
+                              <a:rPr lang="en-US" i="1">
+                                <a:latin typeface="Cambria Math" panose="02040503050406030204" pitchFamily="18" charset="0"/>
+                              </a:rPr>
+                            </m:ctrlPr>
+                          </m:sSubSupPr>
+                          <m:e>
+                            <m:r>
+                              <a:rPr lang="en-US" i="1">
+                                <a:latin typeface="Cambria Math" panose="02040503050406030204" pitchFamily="18" charset="0"/>
+                              </a:rPr>
+                              <m:t>𝑈</m:t>
+                            </m:r>
+                          </m:e>
+                          <m:sub>
+                            <m:r>
+                              <a:rPr lang="en-US" i="1">
+                                <a:latin typeface="Cambria Math" panose="02040503050406030204" pitchFamily="18" charset="0"/>
+                              </a:rPr>
+                              <m:t>∗</m:t>
+                            </m:r>
+                          </m:sub>
+                          <m:sup>
+                            <m:r>
+                              <a:rPr lang="en-US" i="1">
+                                <a:latin typeface="Cambria Math" panose="02040503050406030204" pitchFamily="18" charset="0"/>
+                              </a:rPr>
+                              <m:t>3</m:t>
+                            </m:r>
+                          </m:sup>
+                        </m:sSubSup>
+                      </m:num>
+                      <m:den>
+                        <m:r>
+                          <a:rPr lang="en-US" i="1">
+                            <a:latin typeface="Cambria Math" panose="02040503050406030204" pitchFamily="18" charset="0"/>
+                          </a:rPr>
+                          <m:t>𝐻</m:t>
+                        </m:r>
+                      </m:den>
+                    </m:f>
+                    <m:r>
+                      <a:rPr lang="en-US" i="1">
+                        <a:latin typeface="Cambria Math" panose="02040503050406030204" pitchFamily="18" charset="0"/>
+                      </a:rPr>
+                      <m:t> (</m:t>
+                    </m:r>
+                    <m:sSub>
+                      <m:sSubPr>
+                        <m:ctrlPr>
+                          <a:rPr lang="en-US" i="1">
+                            <a:latin typeface="Cambria Math" panose="02040503050406030204" pitchFamily="18" charset="0"/>
+                          </a:rPr>
+                        </m:ctrlPr>
+                      </m:sSubPr>
+                      <m:e>
+                        <m:r>
+                          <a:rPr lang="en-US" i="1">
+                            <a:latin typeface="Cambria Math" panose="02040503050406030204" pitchFamily="18" charset="0"/>
+                          </a:rPr>
+                          <m:t>𝑈</m:t>
+                        </m:r>
+                      </m:e>
+                      <m:sub>
+                        <m:r>
+                          <a:rPr lang="en-US" i="1">
+                            <a:latin typeface="Cambria Math" panose="02040503050406030204" pitchFamily="18" charset="0"/>
+                          </a:rPr>
+                          <m:t>∗</m:t>
+                        </m:r>
+                      </m:sub>
+                    </m:sSub>
+                    <m:r>
+                      <a:rPr lang="en-US" i="1">
+                        <a:latin typeface="Cambria Math" panose="02040503050406030204" pitchFamily="18" charset="0"/>
+                      </a:rPr>
+                      <m:t>=</m:t>
+                    </m:r>
+                    <m:r>
+                      <a:rPr lang="en-US" i="1">
+                        <a:latin typeface="Cambria Math" panose="02040503050406030204" pitchFamily="18" charset="0"/>
+                      </a:rPr>
+                      <m:t>𝑠h𝑒𝑎𝑟</m:t>
+                    </m:r>
+                    <m:r>
+                      <a:rPr lang="en-US" i="1">
+                        <a:latin typeface="Cambria Math" panose="02040503050406030204" pitchFamily="18" charset="0"/>
+                      </a:rPr>
+                      <m:t> </m:t>
+                    </m:r>
+                    <m:r>
+                      <a:rPr lang="en-US" i="1">
+                        <a:latin typeface="Cambria Math" panose="02040503050406030204" pitchFamily="18" charset="0"/>
+                      </a:rPr>
+                      <m:t>𝑣𝑒𝑙𝑜𝑐𝑖𝑡𝑦</m:t>
+                    </m:r>
+                    <m:r>
+                      <a:rPr lang="en-US" i="1">
+                        <a:latin typeface="Cambria Math" panose="02040503050406030204" pitchFamily="18" charset="0"/>
+                      </a:rPr>
+                      <m:t>, </m:t>
+                    </m:r>
+                    <m:r>
+                      <a:rPr lang="en-US" i="1">
+                        <a:latin typeface="Cambria Math" panose="02040503050406030204" pitchFamily="18" charset="0"/>
+                      </a:rPr>
+                      <m:t>𝐻</m:t>
+                    </m:r>
+                    <m:r>
+                      <a:rPr lang="en-US" i="1">
+                        <a:latin typeface="Cambria Math" panose="02040503050406030204" pitchFamily="18" charset="0"/>
+                      </a:rPr>
+                      <m:t>=</m:t>
+                    </m:r>
+                    <m:r>
+                      <a:rPr lang="en-US" b="0" i="1" smtClean="0">
+                        <a:latin typeface="Cambria Math" panose="02040503050406030204" pitchFamily="18" charset="0"/>
+                      </a:rPr>
+                      <m:t>𝑎𝑣𝑔</m:t>
+                    </m:r>
+                    <m:r>
+                      <a:rPr lang="en-US" i="1">
+                        <a:latin typeface="Cambria Math" panose="02040503050406030204" pitchFamily="18" charset="0"/>
+                      </a:rPr>
+                      <m:t> </m:t>
+                    </m:r>
+                    <m:r>
+                      <a:rPr lang="en-US" i="1">
+                        <a:latin typeface="Cambria Math" panose="02040503050406030204" pitchFamily="18" charset="0"/>
+                      </a:rPr>
+                      <m:t>𝑑𝑒𝑝𝑡h</m:t>
+                    </m:r>
+                    <m:r>
+                      <a:rPr lang="en-US" i="1">
+                        <a:latin typeface="Cambria Math" panose="02040503050406030204" pitchFamily="18" charset="0"/>
+                      </a:rPr>
+                      <m:t>)</m:t>
+                    </m:r>
+                  </m:oMath>
+                </a14:m>
+                <a:endParaRPr lang="en-US" dirty="0" smtClean="0"/>
+              </a:p>
+              <a:p>
+                <a14:m>
+                  <m:oMath xmlns:m="http://schemas.openxmlformats.org/officeDocument/2006/math">
+                    <m:r>
+                      <a:rPr lang="en-US" i="1">
+                        <a:latin typeface="Cambria Math" panose="02040503050406030204" pitchFamily="18" charset="0"/>
+                      </a:rPr>
+                      <m:t>𝑘</m:t>
+                    </m:r>
+                    <m:r>
+                      <a:rPr lang="en-US" i="1">
+                        <a:latin typeface="Cambria Math" panose="02040503050406030204" pitchFamily="18" charset="0"/>
+                      </a:rPr>
+                      <m:t>~</m:t>
+                    </m:r>
+                    <m:r>
+                      <a:rPr lang="en-US" i="1">
+                        <a:latin typeface="Cambria Math" panose="02040503050406030204" pitchFamily="18" charset="0"/>
+                      </a:rPr>
+                      <m:t>𝑆</m:t>
+                    </m:r>
+                    <m:sSup>
+                      <m:sSupPr>
+                        <m:ctrlPr>
+                          <a:rPr lang="en-US" i="1">
+                            <a:latin typeface="Cambria Math" panose="02040503050406030204" pitchFamily="18" charset="0"/>
+                          </a:rPr>
+                        </m:ctrlPr>
+                      </m:sSupPr>
+                      <m:e>
+                        <m:r>
+                          <a:rPr lang="en-US" i="1">
+                            <a:latin typeface="Cambria Math" panose="02040503050406030204" pitchFamily="18" charset="0"/>
+                          </a:rPr>
+                          <m:t>𝑐</m:t>
+                        </m:r>
+                      </m:e>
+                      <m:sup>
+                        <m:r>
+                          <a:rPr lang="en-US" i="1">
+                            <a:latin typeface="Cambria Math" panose="02040503050406030204" pitchFamily="18" charset="0"/>
+                          </a:rPr>
+                          <m:t>−</m:t>
+                        </m:r>
+                        <m:r>
+                          <a:rPr lang="en-US" i="1">
+                            <a:latin typeface="Cambria Math" panose="02040503050406030204" pitchFamily="18" charset="0"/>
+                          </a:rPr>
+                          <m:t>𝑛</m:t>
+                        </m:r>
+                      </m:sup>
+                    </m:sSup>
+                    <m:sSup>
+                      <m:sSupPr>
+                        <m:ctrlPr>
+                          <a:rPr lang="en-US" i="1">
+                            <a:latin typeface="Cambria Math" panose="02040503050406030204" pitchFamily="18" charset="0"/>
+                          </a:rPr>
+                        </m:ctrlPr>
+                      </m:sSupPr>
+                      <m:e>
+                        <m:d>
+                          <m:dPr>
+                            <m:ctrlPr>
+                              <a:rPr lang="en-US" i="1">
+                                <a:latin typeface="Cambria Math" panose="02040503050406030204" pitchFamily="18" charset="0"/>
+                              </a:rPr>
+                            </m:ctrlPr>
+                          </m:dPr>
+                          <m:e>
+                            <m:f>
+                              <m:fPr>
+                                <m:ctrlPr>
+                                  <a:rPr lang="en-US" b="0" i="1" smtClean="0">
+                                    <a:latin typeface="Cambria Math" panose="02040503050406030204" pitchFamily="18" charset="0"/>
+                                    <a:ea typeface="Cambria Math" panose="02040503050406030204" pitchFamily="18" charset="0"/>
+                                  </a:rPr>
+                                </m:ctrlPr>
+                              </m:fPr>
+                              <m:num>
+                                <m:r>
+                                  <a:rPr lang="en-US" i="1">
+                                    <a:latin typeface="Cambria Math" panose="02040503050406030204" pitchFamily="18" charset="0"/>
+                                  </a:rPr>
+                                  <m:t>𝑣</m:t>
+                                </m:r>
+                                <m:sSubSup>
+                                  <m:sSubSupPr>
+                                    <m:ctrlPr>
+                                      <a:rPr lang="en-US" b="0" i="1" smtClean="0">
+                                        <a:latin typeface="Cambria Math" panose="02040503050406030204" pitchFamily="18" charset="0"/>
+                                        <a:ea typeface="Cambria Math" panose="02040503050406030204" pitchFamily="18" charset="0"/>
+                                      </a:rPr>
+                                    </m:ctrlPr>
+                                  </m:sSubSupPr>
+                                  <m:e>
+                                    <m:r>
+                                      <a:rPr lang="en-US" b="0" i="1" smtClean="0">
+                                        <a:latin typeface="Cambria Math" panose="02040503050406030204" pitchFamily="18" charset="0"/>
+                                        <a:ea typeface="Cambria Math" panose="02040503050406030204" pitchFamily="18" charset="0"/>
+                                      </a:rPr>
+                                      <m:t>𝑈</m:t>
+                                    </m:r>
+                                  </m:e>
+                                  <m:sub>
+                                    <m:r>
+                                      <a:rPr lang="en-US" b="0" i="1" smtClean="0">
+                                        <a:latin typeface="Cambria Math" panose="02040503050406030204" pitchFamily="18" charset="0"/>
+                                        <a:ea typeface="Cambria Math" panose="02040503050406030204" pitchFamily="18" charset="0"/>
+                                      </a:rPr>
+                                      <m:t>∗</m:t>
+                                    </m:r>
+                                  </m:sub>
+                                  <m:sup>
+                                    <m:r>
+                                      <a:rPr lang="en-US" b="0" i="1" smtClean="0">
+                                        <a:latin typeface="Cambria Math" panose="02040503050406030204" pitchFamily="18" charset="0"/>
+                                        <a:ea typeface="Cambria Math" panose="02040503050406030204" pitchFamily="18" charset="0"/>
+                                      </a:rPr>
+                                      <m:t>3</m:t>
+                                    </m:r>
+                                  </m:sup>
+                                </m:sSubSup>
+                              </m:num>
+                              <m:den>
+                                <m:r>
+                                  <a:rPr lang="en-US" b="0" i="1" smtClean="0">
+                                    <a:latin typeface="Cambria Math" panose="02040503050406030204" pitchFamily="18" charset="0"/>
+                                    <a:ea typeface="Cambria Math" panose="02040503050406030204" pitchFamily="18" charset="0"/>
+                                  </a:rPr>
+                                  <m:t>𝐻</m:t>
+                                </m:r>
+                              </m:den>
+                            </m:f>
+                          </m:e>
+                        </m:d>
+                      </m:e>
+                      <m:sup>
+                        <m:f>
+                          <m:fPr>
+                            <m:ctrlPr>
+                              <a:rPr lang="en-US" i="1">
+                                <a:latin typeface="Cambria Math" panose="02040503050406030204" pitchFamily="18" charset="0"/>
+                              </a:rPr>
+                            </m:ctrlPr>
+                          </m:fPr>
+                          <m:num>
+                            <m:r>
+                              <a:rPr lang="en-US" i="1">
+                                <a:latin typeface="Cambria Math" panose="02040503050406030204" pitchFamily="18" charset="0"/>
+                              </a:rPr>
+                              <m:t>1</m:t>
+                            </m:r>
+                          </m:num>
+                          <m:den>
+                            <m:r>
+                              <a:rPr lang="en-US" i="1">
+                                <a:latin typeface="Cambria Math" panose="02040503050406030204" pitchFamily="18" charset="0"/>
+                              </a:rPr>
+                              <m:t>4</m:t>
+                            </m:r>
+                          </m:den>
+                        </m:f>
+                      </m:sup>
+                    </m:sSup>
+                  </m:oMath>
+                </a14:m>
+                <a:endParaRPr lang="en-US" dirty="0" smtClean="0"/>
+              </a:p>
+              <a:p>
+                <a14:m>
+                  <m:oMath xmlns:m="http://schemas.openxmlformats.org/officeDocument/2006/math">
+                    <m:r>
+                      <a:rPr lang="en-US" i="1">
+                        <a:latin typeface="Cambria Math" panose="02040503050406030204" pitchFamily="18" charset="0"/>
+                      </a:rPr>
+                      <m:t>𝑘</m:t>
+                    </m:r>
+                    <m:r>
+                      <a:rPr lang="en-US" i="1">
+                        <a:latin typeface="Cambria Math" panose="02040503050406030204" pitchFamily="18" charset="0"/>
+                      </a:rPr>
+                      <m:t>~</m:t>
+                    </m:r>
+                    <m:r>
+                      <a:rPr lang="en-US" i="1">
+                        <a:latin typeface="Cambria Math" panose="02040503050406030204" pitchFamily="18" charset="0"/>
+                      </a:rPr>
+                      <m:t>𝑆</m:t>
+                    </m:r>
+                    <m:sSup>
+                      <m:sSupPr>
+                        <m:ctrlPr>
+                          <a:rPr lang="en-US" i="1">
+                            <a:latin typeface="Cambria Math" panose="02040503050406030204" pitchFamily="18" charset="0"/>
+                          </a:rPr>
+                        </m:ctrlPr>
+                      </m:sSupPr>
+                      <m:e>
+                        <m:r>
+                          <a:rPr lang="en-US" i="1">
+                            <a:latin typeface="Cambria Math" panose="02040503050406030204" pitchFamily="18" charset="0"/>
+                          </a:rPr>
+                          <m:t>𝑐</m:t>
+                        </m:r>
+                      </m:e>
+                      <m:sup>
+                        <m:r>
+                          <a:rPr lang="en-US" i="1">
+                            <a:latin typeface="Cambria Math" panose="02040503050406030204" pitchFamily="18" charset="0"/>
+                          </a:rPr>
+                          <m:t>−</m:t>
+                        </m:r>
+                        <m:r>
+                          <a:rPr lang="en-US" i="1">
+                            <a:latin typeface="Cambria Math" panose="02040503050406030204" pitchFamily="18" charset="0"/>
+                          </a:rPr>
+                          <m:t>𝑛</m:t>
+                        </m:r>
+                      </m:sup>
+                    </m:sSup>
+                    <m:sSup>
+                      <m:sSupPr>
+                        <m:ctrlPr>
+                          <a:rPr lang="en-US" i="1">
+                            <a:latin typeface="Cambria Math" panose="02040503050406030204" pitchFamily="18" charset="0"/>
+                          </a:rPr>
+                        </m:ctrlPr>
+                      </m:sSupPr>
+                      <m:e>
+                        <m:d>
+                          <m:dPr>
+                            <m:ctrlPr>
+                              <a:rPr lang="en-US" i="1">
+                                <a:latin typeface="Cambria Math" panose="02040503050406030204" pitchFamily="18" charset="0"/>
+                              </a:rPr>
+                            </m:ctrlPr>
+                          </m:dPr>
+                          <m:e>
+                            <m:f>
+                              <m:fPr>
+                                <m:ctrlPr>
+                                  <a:rPr lang="en-US" b="0" i="1" smtClean="0">
+                                    <a:latin typeface="Cambria Math" panose="02040503050406030204" pitchFamily="18" charset="0"/>
+                                  </a:rPr>
+                                </m:ctrlPr>
+                              </m:fPr>
+                              <m:num>
+                                <m:r>
+                                  <a:rPr lang="en-US" i="1">
+                                    <a:latin typeface="Cambria Math" panose="02040503050406030204" pitchFamily="18" charset="0"/>
+                                  </a:rPr>
+                                  <m:t>𝑣</m:t>
+                                </m:r>
+                                <m:sSup>
+                                  <m:sSupPr>
+                                    <m:ctrlPr>
+                                      <a:rPr lang="en-US" b="0" i="1" smtClean="0">
+                                        <a:latin typeface="Cambria Math" panose="02040503050406030204" pitchFamily="18" charset="0"/>
+                                      </a:rPr>
+                                    </m:ctrlPr>
+                                  </m:sSupPr>
+                                  <m:e>
+                                    <m:rad>
+                                      <m:radPr>
+                                        <m:degHide m:val="on"/>
+                                        <m:ctrlPr>
+                                          <a:rPr lang="en-US" i="1" smtClean="0">
+                                            <a:latin typeface="Cambria Math" panose="02040503050406030204" pitchFamily="18" charset="0"/>
+                                          </a:rPr>
+                                        </m:ctrlPr>
+                                      </m:radPr>
+                                      <m:deg/>
+                                      <m:e>
+                                        <m:r>
+                                          <a:rPr lang="en-US" b="0" i="1" smtClean="0">
+                                            <a:latin typeface="Cambria Math" panose="02040503050406030204" pitchFamily="18" charset="0"/>
+                                          </a:rPr>
+                                          <m:t>𝑔</m:t>
+                                        </m:r>
+                                        <m:sSub>
+                                          <m:sSubPr>
+                                            <m:ctrlPr>
+                                              <a:rPr lang="en-US" b="0" i="1" smtClean="0">
+                                                <a:latin typeface="Cambria Math" panose="02040503050406030204" pitchFamily="18" charset="0"/>
+                                              </a:rPr>
+                                            </m:ctrlPr>
+                                          </m:sSubPr>
+                                          <m:e>
+                                            <m:r>
+                                              <a:rPr lang="en-US" b="0" i="1" smtClean="0">
+                                                <a:latin typeface="Cambria Math" panose="02040503050406030204" pitchFamily="18" charset="0"/>
+                                              </a:rPr>
+                                              <m:t>𝑅</m:t>
+                                            </m:r>
+                                          </m:e>
+                                          <m:sub>
+                                            <m:r>
+                                              <a:rPr lang="en-US" b="0" i="1" smtClean="0">
+                                                <a:latin typeface="Cambria Math" panose="02040503050406030204" pitchFamily="18" charset="0"/>
+                                              </a:rPr>
+                                              <m:t>𝐻</m:t>
+                                            </m:r>
+                                          </m:sub>
+                                        </m:sSub>
+                                        <m:r>
+                                          <a:rPr lang="en-US" b="0" i="1" smtClean="0">
+                                            <a:latin typeface="Cambria Math" panose="02040503050406030204" pitchFamily="18" charset="0"/>
+                                          </a:rPr>
+                                          <m:t>𝑆</m:t>
+                                        </m:r>
+                                      </m:e>
+                                    </m:rad>
+                                  </m:e>
+                                  <m:sup>
+                                    <m:r>
+                                      <a:rPr lang="en-US" b="0" i="1" smtClean="0">
+                                        <a:latin typeface="Cambria Math" panose="02040503050406030204" pitchFamily="18" charset="0"/>
+                                      </a:rPr>
+                                      <m:t>3</m:t>
+                                    </m:r>
+                                  </m:sup>
+                                </m:sSup>
+                              </m:num>
+                              <m:den>
+                                <m:r>
+                                  <a:rPr lang="en-US" b="0" i="1" smtClean="0">
+                                    <a:latin typeface="Cambria Math" panose="02040503050406030204" pitchFamily="18" charset="0"/>
+                                  </a:rPr>
+                                  <m:t>𝐻</m:t>
+                                </m:r>
+                              </m:den>
+                            </m:f>
+                          </m:e>
+                        </m:d>
+                      </m:e>
+                      <m:sup>
+                        <m:f>
+                          <m:fPr>
+                            <m:ctrlPr>
+                              <a:rPr lang="en-US" i="1">
+                                <a:latin typeface="Cambria Math" panose="02040503050406030204" pitchFamily="18" charset="0"/>
+                              </a:rPr>
+                            </m:ctrlPr>
+                          </m:fPr>
+                          <m:num>
+                            <m:r>
+                              <a:rPr lang="en-US" i="1">
+                                <a:latin typeface="Cambria Math" panose="02040503050406030204" pitchFamily="18" charset="0"/>
+                              </a:rPr>
+                              <m:t>1</m:t>
+                            </m:r>
+                          </m:num>
+                          <m:den>
+                            <m:r>
+                              <a:rPr lang="en-US" i="1">
+                                <a:latin typeface="Cambria Math" panose="02040503050406030204" pitchFamily="18" charset="0"/>
+                              </a:rPr>
+                              <m:t>4</m:t>
+                            </m:r>
+                          </m:den>
+                        </m:f>
+                      </m:sup>
+                    </m:sSup>
+                  </m:oMath>
+                </a14:m>
+                <a:r>
+                  <a:rPr lang="en-US" dirty="0" smtClean="0"/>
+                  <a:t> </a:t>
+                </a:r>
+                <a:r>
+                  <a:rPr lang="en-US" dirty="0"/>
+                  <a:t>“hydraulically wide channel” </a:t>
+                </a:r>
+                <a14:m>
+                  <m:oMath xmlns:m="http://schemas.openxmlformats.org/officeDocument/2006/math">
+                    <m:sSub>
+                      <m:sSubPr>
+                        <m:ctrlPr>
+                          <a:rPr lang="en-US" i="1">
+                            <a:latin typeface="Cambria Math" panose="02040503050406030204" pitchFamily="18" charset="0"/>
+                          </a:rPr>
+                        </m:ctrlPr>
+                      </m:sSubPr>
+                      <m:e>
+                        <m:r>
+                          <a:rPr lang="en-US" i="1">
+                            <a:latin typeface="Cambria Math" panose="02040503050406030204" pitchFamily="18" charset="0"/>
+                          </a:rPr>
+                          <m:t>𝑅</m:t>
+                        </m:r>
+                      </m:e>
+                      <m:sub>
+                        <m:r>
+                          <a:rPr lang="en-US" i="1">
+                            <a:latin typeface="Cambria Math" panose="02040503050406030204" pitchFamily="18" charset="0"/>
+                          </a:rPr>
+                          <m:t>𝐻</m:t>
+                        </m:r>
+                      </m:sub>
+                    </m:sSub>
+                    <m:r>
+                      <a:rPr lang="en-US" i="1">
+                        <a:latin typeface="Cambria Math" panose="02040503050406030204" pitchFamily="18" charset="0"/>
+                      </a:rPr>
+                      <m:t>=</m:t>
+                    </m:r>
+                    <m:r>
+                      <a:rPr lang="en-US" i="1">
+                        <a:latin typeface="Cambria Math" panose="02040503050406030204" pitchFamily="18" charset="0"/>
+                      </a:rPr>
+                      <m:t>𝐻</m:t>
+                    </m:r>
+                  </m:oMath>
+                </a14:m>
+                <a:r>
+                  <a:rPr lang="en-US" dirty="0" smtClean="0"/>
+                  <a:t>) SO:</a:t>
+                </a:r>
+              </a:p>
+              <a:p>
+                <a14:m>
+                  <m:oMath xmlns:m="http://schemas.openxmlformats.org/officeDocument/2006/math">
+                    <m:r>
+                      <a:rPr lang="en-US" b="0" i="1" smtClean="0">
+                        <a:latin typeface="Cambria Math" panose="02040503050406030204" pitchFamily="18" charset="0"/>
+                      </a:rPr>
+                      <m:t>𝑘</m:t>
+                    </m:r>
+                    <m:r>
+                      <a:rPr lang="en-US" b="0" i="1" smtClean="0">
+                        <a:latin typeface="Cambria Math" panose="02040503050406030204" pitchFamily="18" charset="0"/>
+                      </a:rPr>
+                      <m:t>~</m:t>
+                    </m:r>
+                    <m:r>
+                      <a:rPr lang="en-US" b="0" i="1" smtClean="0">
+                        <a:latin typeface="Cambria Math" panose="02040503050406030204" pitchFamily="18" charset="0"/>
+                      </a:rPr>
+                      <m:t>𝑆</m:t>
+                    </m:r>
+                    <m:sSup>
+                      <m:sSupPr>
+                        <m:ctrlPr>
+                          <a:rPr lang="en-US" b="0" i="1" smtClean="0">
+                            <a:latin typeface="Cambria Math" panose="02040503050406030204" pitchFamily="18" charset="0"/>
+                          </a:rPr>
+                        </m:ctrlPr>
+                      </m:sSupPr>
+                      <m:e>
+                        <m:r>
+                          <a:rPr lang="en-US" b="0" i="1" smtClean="0">
+                            <a:latin typeface="Cambria Math" panose="02040503050406030204" pitchFamily="18" charset="0"/>
+                          </a:rPr>
+                          <m:t>𝑐</m:t>
+                        </m:r>
+                      </m:e>
+                      <m:sup>
+                        <m:r>
+                          <a:rPr lang="en-US" b="0" i="1" smtClean="0">
+                            <a:latin typeface="Cambria Math" panose="02040503050406030204" pitchFamily="18" charset="0"/>
+                          </a:rPr>
+                          <m:t>−</m:t>
+                        </m:r>
+                        <m:r>
+                          <a:rPr lang="en-US" b="0" i="1" smtClean="0">
+                            <a:latin typeface="Cambria Math" panose="02040503050406030204" pitchFamily="18" charset="0"/>
+                          </a:rPr>
+                          <m:t>𝑛</m:t>
+                        </m:r>
+                      </m:sup>
+                    </m:sSup>
+                    <m:sSup>
+                      <m:sSupPr>
+                        <m:ctrlPr>
+                          <a:rPr lang="en-US" b="0" i="1" smtClean="0">
+                            <a:latin typeface="Cambria Math" panose="02040503050406030204" pitchFamily="18" charset="0"/>
+                          </a:rPr>
+                        </m:ctrlPr>
+                      </m:sSupPr>
+                      <m:e>
+                        <m:r>
+                          <a:rPr lang="en-US" b="0" i="1" smtClean="0">
+                            <a:latin typeface="Cambria Math" panose="02040503050406030204" pitchFamily="18" charset="0"/>
+                          </a:rPr>
+                          <m:t>𝑣</m:t>
+                        </m:r>
+                      </m:e>
+                      <m:sup>
+                        <m:f>
+                          <m:fPr>
+                            <m:ctrlPr>
+                              <a:rPr lang="en-US" b="0" i="1" smtClean="0">
+                                <a:latin typeface="Cambria Math" panose="02040503050406030204" pitchFamily="18" charset="0"/>
+                              </a:rPr>
+                            </m:ctrlPr>
+                          </m:fPr>
+                          <m:num>
+                            <m:r>
+                              <a:rPr lang="en-US" b="0" i="1" smtClean="0">
+                                <a:latin typeface="Cambria Math" panose="02040503050406030204" pitchFamily="18" charset="0"/>
+                              </a:rPr>
+                              <m:t>1</m:t>
+                            </m:r>
+                          </m:num>
+                          <m:den>
+                            <m:r>
+                              <a:rPr lang="en-US" b="0" i="1" smtClean="0">
+                                <a:latin typeface="Cambria Math" panose="02040503050406030204" pitchFamily="18" charset="0"/>
+                              </a:rPr>
+                              <m:t>4</m:t>
+                            </m:r>
+                          </m:den>
+                        </m:f>
+                      </m:sup>
+                    </m:sSup>
+                    <m:sSup>
+                      <m:sSupPr>
+                        <m:ctrlPr>
+                          <a:rPr lang="en-US" b="0" i="1" smtClean="0">
+                            <a:latin typeface="Cambria Math" panose="02040503050406030204" pitchFamily="18" charset="0"/>
+                          </a:rPr>
+                        </m:ctrlPr>
+                      </m:sSupPr>
+                      <m:e>
+                        <m:r>
+                          <a:rPr lang="en-US" b="0" i="1" smtClean="0">
+                            <a:latin typeface="Cambria Math" panose="02040503050406030204" pitchFamily="18" charset="0"/>
+                          </a:rPr>
+                          <m:t>𝑔</m:t>
+                        </m:r>
+                      </m:e>
+                      <m:sup>
+                        <m:f>
+                          <m:fPr>
+                            <m:ctrlPr>
+                              <a:rPr lang="en-US" b="0" i="1" smtClean="0">
+                                <a:latin typeface="Cambria Math" panose="02040503050406030204" pitchFamily="18" charset="0"/>
+                              </a:rPr>
+                            </m:ctrlPr>
+                          </m:fPr>
+                          <m:num>
+                            <m:r>
+                              <a:rPr lang="en-US" b="0" i="1" smtClean="0">
+                                <a:latin typeface="Cambria Math" panose="02040503050406030204" pitchFamily="18" charset="0"/>
+                              </a:rPr>
+                              <m:t>3</m:t>
+                            </m:r>
+                          </m:num>
+                          <m:den>
+                            <m:r>
+                              <a:rPr lang="en-US" b="0" i="1" smtClean="0">
+                                <a:latin typeface="Cambria Math" panose="02040503050406030204" pitchFamily="18" charset="0"/>
+                              </a:rPr>
+                              <m:t>8</m:t>
+                            </m:r>
+                          </m:den>
+                        </m:f>
+                      </m:sup>
+                    </m:sSup>
+                    <m:sSup>
+                      <m:sSupPr>
+                        <m:ctrlPr>
+                          <a:rPr lang="en-US" b="0" i="1" smtClean="0">
+                            <a:latin typeface="Cambria Math" panose="02040503050406030204" pitchFamily="18" charset="0"/>
+                          </a:rPr>
+                        </m:ctrlPr>
+                      </m:sSupPr>
+                      <m:e>
+                        <m:r>
+                          <a:rPr lang="en-US" b="0" i="1" smtClean="0">
+                            <a:latin typeface="Cambria Math" panose="02040503050406030204" pitchFamily="18" charset="0"/>
+                          </a:rPr>
+                          <m:t>𝑆</m:t>
+                        </m:r>
+                      </m:e>
+                      <m:sup>
+                        <m:f>
+                          <m:fPr>
+                            <m:ctrlPr>
+                              <a:rPr lang="en-US" b="0" i="1" smtClean="0">
+                                <a:latin typeface="Cambria Math" panose="02040503050406030204" pitchFamily="18" charset="0"/>
+                              </a:rPr>
+                            </m:ctrlPr>
+                          </m:fPr>
+                          <m:num>
+                            <m:r>
+                              <a:rPr lang="en-US" b="0" i="1" smtClean="0">
+                                <a:latin typeface="Cambria Math" panose="02040503050406030204" pitchFamily="18" charset="0"/>
+                              </a:rPr>
+                              <m:t>3</m:t>
+                            </m:r>
+                          </m:num>
+                          <m:den>
+                            <m:r>
+                              <a:rPr lang="en-US" b="0" i="1" smtClean="0">
+                                <a:latin typeface="Cambria Math" panose="02040503050406030204" pitchFamily="18" charset="0"/>
+                              </a:rPr>
+                              <m:t>8</m:t>
+                            </m:r>
+                          </m:den>
+                        </m:f>
+                      </m:sup>
+                    </m:sSup>
+                    <m:sSup>
+                      <m:sSupPr>
+                        <m:ctrlPr>
+                          <a:rPr lang="en-US" b="0" i="1" smtClean="0">
+                            <a:latin typeface="Cambria Math" panose="02040503050406030204" pitchFamily="18" charset="0"/>
+                          </a:rPr>
+                        </m:ctrlPr>
+                      </m:sSupPr>
+                      <m:e>
+                        <m:r>
+                          <a:rPr lang="en-US" b="0" i="1" smtClean="0">
+                            <a:latin typeface="Cambria Math" panose="02040503050406030204" pitchFamily="18" charset="0"/>
+                          </a:rPr>
+                          <m:t>𝐻</m:t>
+                        </m:r>
+                      </m:e>
+                      <m:sup>
+                        <m:f>
+                          <m:fPr>
+                            <m:ctrlPr>
+                              <a:rPr lang="en-US" b="0" i="1" smtClean="0">
+                                <a:latin typeface="Cambria Math" panose="02040503050406030204" pitchFamily="18" charset="0"/>
+                              </a:rPr>
+                            </m:ctrlPr>
+                          </m:fPr>
+                          <m:num>
+                            <m:r>
+                              <a:rPr lang="en-US" b="0" i="1" smtClean="0">
+                                <a:latin typeface="Cambria Math" panose="02040503050406030204" pitchFamily="18" charset="0"/>
+                              </a:rPr>
+                              <m:t>1</m:t>
+                            </m:r>
+                          </m:num>
+                          <m:den>
+                            <m:r>
+                              <a:rPr lang="en-US" b="0" i="1" smtClean="0">
+                                <a:latin typeface="Cambria Math" panose="02040503050406030204" pitchFamily="18" charset="0"/>
+                              </a:rPr>
+                              <m:t>8</m:t>
+                            </m:r>
+                          </m:den>
+                        </m:f>
+                      </m:sup>
+                    </m:sSup>
+                  </m:oMath>
+                </a14:m>
+                <a:endParaRPr lang="en-US" dirty="0" smtClean="0"/>
+              </a:p>
               <a:p>
                 <a14:m>
                   <m:oMath xmlns:m="http://schemas.openxmlformats.org/officeDocument/2006/math">
                     <m:sSub>
                       <m:sSubPr>
                         <m:ctrlPr>
-                          <a:rPr lang="en-US" sz="2400" b="0" i="1" smtClean="0">
+                          <a:rPr lang="en-US" b="0" i="1" smtClean="0">
                             <a:latin typeface="Cambria Math" panose="02040503050406030204" pitchFamily="18" charset="0"/>
-                            <a:ea typeface="Cambria Math" panose="02040503050406030204" pitchFamily="18" charset="0"/>
                           </a:rPr>
                         </m:ctrlPr>
                       </m:sSubPr>
                       <m:e>
                         <m:r>
-                          <a:rPr lang="en-US" sz="2400" i="1" smtClean="0">
+                          <a:rPr lang="en-US" i="1">
                             <a:latin typeface="Cambria Math" panose="02040503050406030204" pitchFamily="18" charset="0"/>
-                            <a:ea typeface="Cambria Math" panose="02040503050406030204" pitchFamily="18" charset="0"/>
                           </a:rPr>
-                          <m:t>𝜀</m:t>
+                          <m:t>𝑘</m:t>
                         </m:r>
                       </m:e>
                       <m:sub>
                         <m:r>
-                          <a:rPr lang="en-US" sz="2400" b="0" i="1" smtClean="0">
+                          <a:rPr lang="en-US" b="0" i="1" smtClean="0">
+                            <a:latin typeface="Cambria Math" panose="02040503050406030204" pitchFamily="18" charset="0"/>
+                          </a:rPr>
+                          <m:t>600</m:t>
+                        </m:r>
+                      </m:sub>
+                    </m:sSub>
+                    <m:r>
+                      <a:rPr lang="en-US" b="0" i="1" smtClean="0">
+                        <a:latin typeface="Cambria Math" panose="02040503050406030204" pitchFamily="18" charset="0"/>
+                      </a:rPr>
+                      <m:t>=</m:t>
+                    </m:r>
+                    <m:sSup>
+                      <m:sSupPr>
+                        <m:ctrlPr>
+                          <a:rPr lang="en-US" i="1">
+                            <a:latin typeface="Cambria Math" panose="02040503050406030204" pitchFamily="18" charset="0"/>
+                          </a:rPr>
+                        </m:ctrlPr>
+                      </m:sSupPr>
+                      <m:e>
+                        <m:r>
+                          <a:rPr lang="en-US" i="1" smtClean="0">
                             <a:latin typeface="Cambria Math" panose="02040503050406030204" pitchFamily="18" charset="0"/>
                             <a:ea typeface="Cambria Math" panose="02040503050406030204" pitchFamily="18" charset="0"/>
                           </a:rPr>
-                          <m:t>𝐷</m:t>
+                          <m:t>𝛼</m:t>
                         </m:r>
-                      </m:sub>
-                    </m:sSub>
-                  </m:oMath>
-                </a14:m>
-                <a:r>
-                  <a:rPr lang="en-US" sz="2400" dirty="0"/>
-                  <a:t> is scale-dependent: what is considered form-drag is relative to the depth, and form-drag dissipation only effects </a:t>
-                </a:r>
-                <a:r>
-                  <a:rPr lang="en-US" sz="2400" i="1" dirty="0"/>
-                  <a:t>k</a:t>
-                </a:r>
-                <a:r>
-                  <a:rPr lang="en-US" sz="2400" dirty="0"/>
-                  <a:t> if it reaches the surface </a:t>
-                </a:r>
-                <a:r>
-                  <a:rPr lang="en-US" sz="2400" dirty="0">
-                    <a:solidFill>
-                      <a:srgbClr val="C00000"/>
-                    </a:solidFill>
-                  </a:rPr>
-                  <a:t>[Moog &amp; </a:t>
-                </a:r>
-                <a:r>
-                  <a:rPr lang="en-US" sz="2400" dirty="0" err="1">
-                    <a:solidFill>
-                      <a:srgbClr val="C00000"/>
-                    </a:solidFill>
-                  </a:rPr>
-                  <a:t>Jirka</a:t>
-                </a:r>
-                <a:r>
-                  <a:rPr lang="en-US" sz="2400" dirty="0">
-                    <a:solidFill>
-                      <a:srgbClr val="C00000"/>
-                    </a:solidFill>
-                  </a:rPr>
-                  <a:t> 1999]</a:t>
-                </a:r>
-                <a:r>
-                  <a:rPr lang="en-US" sz="2400" dirty="0"/>
-                  <a:t>, which is more likely if the depth-scale is smaller (all else held equal).</a:t>
-                </a:r>
-              </a:p>
-              <a:p>
-                <a:endParaRPr lang="en-US" sz="2400" dirty="0">
-                  <a:solidFill>
-                    <a:srgbClr val="C00000"/>
-                  </a:solidFill>
-                </a:endParaRPr>
-              </a:p>
-              <a:p>
-                <a:r>
-                  <a:rPr lang="en-US" sz="2400" dirty="0">
-                    <a:solidFill>
-                      <a:schemeClr val="tx1"/>
-                    </a:solidFill>
-                  </a:rPr>
-                  <a:t>Put another way, an “inefficient channel” 1) generates more form drag </a:t>
-                </a:r>
-                <a:r>
-                  <a:rPr lang="en-US" sz="2400" dirty="0">
-                    <a:solidFill>
-                      <a:srgbClr val="FF0000"/>
-                    </a:solidFill>
-                  </a:rPr>
-                  <a:t>[Chow 1959]</a:t>
-                </a:r>
-                <a:r>
-                  <a:rPr lang="en-US" sz="2400" dirty="0">
-                    <a:solidFill>
-                      <a:schemeClr val="tx1"/>
-                    </a:solidFill>
-                  </a:rPr>
-                  <a:t> </a:t>
-                </a:r>
-                <a:r>
-                  <a:rPr lang="en-US" sz="2400" dirty="0"/>
-                  <a:t>and 2) form-drag turbulence </a:t>
-                </a:r>
-                <a:r>
-                  <a:rPr lang="en-US" sz="2400" dirty="0">
-                    <a:solidFill>
-                      <a:schemeClr val="tx1"/>
-                    </a:solidFill>
-                  </a:rPr>
-                  <a:t>more </a:t>
-                </a:r>
-                <a:r>
-                  <a:rPr lang="en-US" sz="2400" dirty="0"/>
-                  <a:t>readily reaches the surface.</a:t>
-                </a:r>
-                <a:r>
-                  <a:rPr lang="en-US" sz="2400" dirty="0">
-                    <a:solidFill>
-                      <a:schemeClr val="tx1"/>
-                    </a:solidFill>
-                  </a:rPr>
-                  <a:t> So, </a:t>
-                </a:r>
-                <a14:m>
-                  <m:oMath xmlns:m="http://schemas.openxmlformats.org/officeDocument/2006/math">
-                    <m:sSub>
-                      <m:sSubPr>
+                        <m:r>
+                          <a:rPr lang="en-US" i="1">
+                            <a:latin typeface="Cambria Math" panose="02040503050406030204" pitchFamily="18" charset="0"/>
+                          </a:rPr>
+                          <m:t>𝑔</m:t>
+                        </m:r>
+                      </m:e>
+                      <m:sup>
+                        <m:f>
+                          <m:fPr>
+                            <m:ctrlPr>
+                              <a:rPr lang="en-US" i="1">
+                                <a:latin typeface="Cambria Math" panose="02040503050406030204" pitchFamily="18" charset="0"/>
+                              </a:rPr>
+                            </m:ctrlPr>
+                          </m:fPr>
+                          <m:num>
+                            <m:r>
+                              <a:rPr lang="en-US" i="1">
+                                <a:latin typeface="Cambria Math" panose="02040503050406030204" pitchFamily="18" charset="0"/>
+                              </a:rPr>
+                              <m:t>3</m:t>
+                            </m:r>
+                          </m:num>
+                          <m:den>
+                            <m:r>
+                              <a:rPr lang="en-US" i="1">
+                                <a:latin typeface="Cambria Math" panose="02040503050406030204" pitchFamily="18" charset="0"/>
+                              </a:rPr>
+                              <m:t>8</m:t>
+                            </m:r>
+                          </m:den>
+                        </m:f>
+                      </m:sup>
+                    </m:sSup>
+                    <m:sSup>
+                      <m:sSupPr>
                         <m:ctrlPr>
-                          <a:rPr lang="en-US" sz="2400" b="0" i="1" smtClean="0">
-                            <a:solidFill>
-                              <a:schemeClr val="tx1"/>
-                            </a:solidFill>
+                          <a:rPr lang="en-US" i="1">
                             <a:latin typeface="Cambria Math" panose="02040503050406030204" pitchFamily="18" charset="0"/>
-                            <a:ea typeface="Cambria Math" panose="02040503050406030204" pitchFamily="18" charset="0"/>
                           </a:rPr>
                         </m:ctrlPr>
-                      </m:sSubPr>
+                      </m:sSupPr>
                       <m:e>
                         <m:r>
-                          <a:rPr lang="en-US" sz="2400" i="1" smtClean="0">
-                            <a:solidFill>
-                              <a:schemeClr val="tx1"/>
-                            </a:solidFill>
+                          <a:rPr lang="en-US" i="1">
                             <a:latin typeface="Cambria Math" panose="02040503050406030204" pitchFamily="18" charset="0"/>
-                            <a:ea typeface="Cambria Math" panose="02040503050406030204" pitchFamily="18" charset="0"/>
-                          </a:rPr>
-                          <m:t>𝜀</m:t>
-                        </m:r>
-                      </m:e>
-                      <m:sub>
-                        <m:r>
-                          <a:rPr lang="en-US" sz="2400" b="0" i="1" smtClean="0">
-                            <a:solidFill>
-                              <a:schemeClr val="tx1"/>
-                            </a:solidFill>
-                            <a:latin typeface="Cambria Math" panose="02040503050406030204" pitchFamily="18" charset="0"/>
-                            <a:ea typeface="Cambria Math" panose="02040503050406030204" pitchFamily="18" charset="0"/>
-                          </a:rPr>
-                          <m:t>𝐷</m:t>
-                        </m:r>
-                      </m:sub>
-                    </m:sSub>
-                  </m:oMath>
-                </a14:m>
-                <a:r>
-                  <a:rPr lang="en-US" sz="2400" dirty="0">
-                    <a:solidFill>
-                      <a:schemeClr val="tx1"/>
-                    </a:solidFill>
-                  </a:rPr>
-                  <a:t> should exert a greater influence on surface dissipation (</a:t>
-                </a:r>
-                <a14:m>
-                  <m:oMath xmlns:m="http://schemas.openxmlformats.org/officeDocument/2006/math">
-                    <m:sSub>
-                      <m:sSubPr>
-                        <m:ctrlPr>
-                          <a:rPr lang="en-US" sz="2400" b="0" i="1" smtClean="0">
-                            <a:solidFill>
-                              <a:schemeClr val="tx1"/>
-                            </a:solidFill>
-                            <a:latin typeface="Cambria Math" panose="02040503050406030204" pitchFamily="18" charset="0"/>
-                            <a:ea typeface="Cambria Math" panose="02040503050406030204" pitchFamily="18" charset="0"/>
-                          </a:rPr>
-                        </m:ctrlPr>
-                      </m:sSubPr>
-                      <m:e>
-                        <m:r>
-                          <a:rPr lang="en-US" sz="2400" i="1" smtClean="0">
-                            <a:solidFill>
-                              <a:schemeClr val="tx1"/>
-                            </a:solidFill>
-                            <a:latin typeface="Cambria Math" panose="02040503050406030204" pitchFamily="18" charset="0"/>
-                            <a:ea typeface="Cambria Math" panose="02040503050406030204" pitchFamily="18" charset="0"/>
-                          </a:rPr>
-                          <m:t>𝜀</m:t>
-                        </m:r>
-                      </m:e>
-                      <m:sub>
-                        <m:r>
-                          <a:rPr lang="en-US" sz="2400" b="0" i="1" smtClean="0">
-                            <a:solidFill>
-                              <a:schemeClr val="tx1"/>
-                            </a:solidFill>
-                            <a:latin typeface="Cambria Math" panose="02040503050406030204" pitchFamily="18" charset="0"/>
-                            <a:ea typeface="Cambria Math" panose="02040503050406030204" pitchFamily="18" charset="0"/>
                           </a:rPr>
                           <m:t>𝑆</m:t>
                         </m:r>
-                      </m:sub>
-                    </m:sSub>
+                      </m:e>
+                      <m:sup>
+                        <m:f>
+                          <m:fPr>
+                            <m:ctrlPr>
+                              <a:rPr lang="en-US" i="1">
+                                <a:latin typeface="Cambria Math" panose="02040503050406030204" pitchFamily="18" charset="0"/>
+                              </a:rPr>
+                            </m:ctrlPr>
+                          </m:fPr>
+                          <m:num>
+                            <m:r>
+                              <a:rPr lang="en-US" i="1">
+                                <a:latin typeface="Cambria Math" panose="02040503050406030204" pitchFamily="18" charset="0"/>
+                              </a:rPr>
+                              <m:t>3</m:t>
+                            </m:r>
+                          </m:num>
+                          <m:den>
+                            <m:r>
+                              <a:rPr lang="en-US" i="1">
+                                <a:latin typeface="Cambria Math" panose="02040503050406030204" pitchFamily="18" charset="0"/>
+                              </a:rPr>
+                              <m:t>8</m:t>
+                            </m:r>
+                          </m:den>
+                        </m:f>
+                      </m:sup>
+                    </m:sSup>
+                    <m:sSup>
+                      <m:sSupPr>
+                        <m:ctrlPr>
+                          <a:rPr lang="en-US" i="1">
+                            <a:latin typeface="Cambria Math" panose="02040503050406030204" pitchFamily="18" charset="0"/>
+                          </a:rPr>
+                        </m:ctrlPr>
+                      </m:sSupPr>
+                      <m:e>
+                        <m:r>
+                          <a:rPr lang="en-US" i="1">
+                            <a:latin typeface="Cambria Math" panose="02040503050406030204" pitchFamily="18" charset="0"/>
+                          </a:rPr>
+                          <m:t>𝐻</m:t>
+                        </m:r>
+                      </m:e>
+                      <m:sup>
+                        <m:f>
+                          <m:fPr>
+                            <m:ctrlPr>
+                              <a:rPr lang="en-US" i="1">
+                                <a:latin typeface="Cambria Math" panose="02040503050406030204" pitchFamily="18" charset="0"/>
+                              </a:rPr>
+                            </m:ctrlPr>
+                          </m:fPr>
+                          <m:num>
+                            <m:r>
+                              <a:rPr lang="en-US" i="1">
+                                <a:latin typeface="Cambria Math" panose="02040503050406030204" pitchFamily="18" charset="0"/>
+                              </a:rPr>
+                              <m:t>1</m:t>
+                            </m:r>
+                          </m:num>
+                          <m:den>
+                            <m:r>
+                              <a:rPr lang="en-US" i="1">
+                                <a:latin typeface="Cambria Math" panose="02040503050406030204" pitchFamily="18" charset="0"/>
+                              </a:rPr>
+                              <m:t>8</m:t>
+                            </m:r>
+                          </m:den>
+                        </m:f>
+                      </m:sup>
+                    </m:sSup>
                   </m:oMath>
                 </a14:m>
-                <a:r>
-                  <a:rPr lang="en-US" sz="2400" dirty="0">
-                    <a:solidFill>
-                      <a:schemeClr val="tx1"/>
-                    </a:solidFill>
-                  </a:rPr>
-                  <a:t>) than in an efficient channel with the same flow</a:t>
-                </a:r>
+                <a:endParaRPr lang="en-US" dirty="0"/>
               </a:p>
             </p:txBody>
           </p:sp>
@@ -5096,30 +7367,23 @@
         <mc:Fallback>
           <p:sp>
             <p:nvSpPr>
-              <p:cNvPr id="5" name="TextBox 4">
-                <a:extLst>
-                  <a:ext uri="{FF2B5EF4-FFF2-40B4-BE49-F238E27FC236}">
-                    <a16:creationId xmlns:a16="http://schemas.microsoft.com/office/drawing/2014/main" id="{2B0ECC86-3670-4B98-9B53-EB17EDBBCC12}"/>
-                  </a:ext>
-                </a:extLst>
-              </p:cNvPr>
-              <p:cNvSpPr txBox="1">
-                <a:spLocks noRot="1" noChangeAspect="1" noMove="1" noResize="1" noEditPoints="1" noAdjustHandles="1" noChangeArrowheads="1" noChangeShapeType="1" noTextEdit="1"/>
+              <p:cNvPr id="3" name="Content Placeholder 2"/>
+              <p:cNvSpPr>
+                <a:spLocks noGrp="1" noRot="1" noChangeAspect="1" noMove="1" noResize="1" noEditPoints="1" noAdjustHandles="1" noChangeArrowheads="1" noChangeShapeType="1" noTextEdit="1"/>
               </p:cNvSpPr>
-              <p:nvPr/>
+              <p:nvPr>
+                <p:ph idx="1"/>
+              </p:nvPr>
             </p:nvSpPr>
             <p:spPr>
               <a:xfrm>
-                <a:off x="394283" y="3917659"/>
-                <a:ext cx="11210488" cy="2748466"/>
+                <a:off x="0" y="1825625"/>
+                <a:ext cx="12344400" cy="4351338"/>
               </a:xfrm>
-              <a:prstGeom prst="rect">
-                <a:avLst/>
-              </a:prstGeom>
               <a:blipFill>
                 <a:blip r:embed="rId2"/>
                 <a:stretch>
-                  <a:fillRect l="-870" t="-1774" b="-1552"/>
+                  <a:fillRect/>
                 </a:stretch>
               </a:blipFill>
             </p:spPr>
@@ -5138,46 +7402,10 @@
           </p:sp>
         </mc:Fallback>
       </mc:AlternateContent>
-      <p:pic>
-        <p:nvPicPr>
-          <p:cNvPr id="4" name="Picture 3" descr="A picture containing diagram&#10;&#10;Description automatically generated">
-            <a:extLst>
-              <a:ext uri="{FF2B5EF4-FFF2-40B4-BE49-F238E27FC236}">
-                <a16:creationId xmlns:a16="http://schemas.microsoft.com/office/drawing/2014/main" id="{EBF82825-B6F8-4711-831E-5FF12A7329B8}"/>
-              </a:ext>
-            </a:extLst>
-          </p:cNvPr>
-          <p:cNvPicPr>
-            <a:picLocks noChangeAspect="1"/>
-          </p:cNvPicPr>
-          <p:nvPr/>
-        </p:nvPicPr>
-        <p:blipFill>
-          <a:blip r:embed="rId3">
-            <a:extLst>
-              <a:ext uri="{28A0092B-C50C-407E-A947-70E740481C1C}">
-                <a14:useLocalDpi xmlns:a14="http://schemas.microsoft.com/office/drawing/2010/main" val="0"/>
-              </a:ext>
-            </a:extLst>
-          </a:blip>
-          <a:stretch>
-            <a:fillRect/>
-          </a:stretch>
-        </p:blipFill>
-        <p:spPr>
-          <a:xfrm>
-            <a:off x="2558641" y="165071"/>
-            <a:ext cx="6322196" cy="3544786"/>
-          </a:xfrm>
-          <a:prstGeom prst="rect">
-            <a:avLst/>
-          </a:prstGeom>
-        </p:spPr>
-      </p:pic>
     </p:spTree>
     <p:extLst>
       <p:ext uri="{BB962C8B-B14F-4D97-AF65-F5344CB8AC3E}">
-        <p14:creationId xmlns:p14="http://schemas.microsoft.com/office/powerpoint/2010/main" val="3578953865"/>
+        <p14:creationId xmlns:p14="http://schemas.microsoft.com/office/powerpoint/2010/main" val="1792210442"/>
       </p:ext>
     </p:extLst>
   </p:cSld>
@@ -5204,1285 +7432,39 @@
           <a:chExt cx="0" cy="0"/>
         </a:xfrm>
       </p:grpSpPr>
-      <mc:AlternateContent xmlns:mc="http://schemas.openxmlformats.org/markup-compatibility/2006">
-        <mc:Choice xmlns:a14="http://schemas.microsoft.com/office/drawing/2010/main" Requires="a14">
-          <p:sp>
-            <p:nvSpPr>
-              <p:cNvPr id="3" name="TextBox 2">
-                <a:extLst>
-                  <a:ext uri="{FF2B5EF4-FFF2-40B4-BE49-F238E27FC236}">
-                    <a16:creationId xmlns:a16="http://schemas.microsoft.com/office/drawing/2014/main" id="{4A4E8022-2800-4DD6-9F04-A7C2FAEA2AD4}"/>
-                  </a:ext>
-                </a:extLst>
-              </p:cNvPr>
-              <p:cNvSpPr txBox="1"/>
-              <p:nvPr/>
-            </p:nvSpPr>
-            <p:spPr>
-              <a:xfrm>
-                <a:off x="532702" y="307217"/>
-                <a:ext cx="11659298" cy="979884"/>
-              </a:xfrm>
-              <a:prstGeom prst="rect">
-                <a:avLst/>
-              </a:prstGeom>
-              <a:noFill/>
-            </p:spPr>
-            <p:txBody>
-              <a:bodyPr wrap="square">
-                <a:spAutoFit/>
-              </a:bodyPr>
-              <a:lstStyle/>
-              <a:p>
-                <a:r>
-                  <a:rPr lang="en-US" sz="2400" b="1" dirty="0"/>
-                  <a:t>SO, I hypothesize that </a:t>
-                </a:r>
-                <a14:m>
-                  <m:oMath xmlns:m="http://schemas.openxmlformats.org/officeDocument/2006/math">
-                    <m:r>
-                      <a:rPr lang="en-US" sz="2400" b="1" i="1" smtClean="0">
-                        <a:latin typeface="Cambria Math" panose="02040503050406030204" pitchFamily="18" charset="0"/>
-                      </a:rPr>
-                      <m:t>𝒌</m:t>
-                    </m:r>
-                    <m:r>
-                      <a:rPr lang="en-US" sz="2400" b="1" i="1" smtClean="0">
-                        <a:latin typeface="Cambria Math" panose="02040503050406030204" pitchFamily="18" charset="0"/>
-                      </a:rPr>
-                      <m:t>~</m:t>
-                    </m:r>
-                    <m:r>
-                      <a:rPr lang="en-US" sz="2400" b="1" i="1" smtClean="0">
-                        <a:latin typeface="Cambria Math" panose="02040503050406030204" pitchFamily="18" charset="0"/>
-                      </a:rPr>
-                      <m:t>𝑺</m:t>
-                    </m:r>
-                    <m:sSup>
-                      <m:sSupPr>
-                        <m:ctrlPr>
-                          <a:rPr lang="en-US" sz="2400" b="1" i="1" smtClean="0">
-                            <a:latin typeface="Cambria Math" panose="02040503050406030204" pitchFamily="18" charset="0"/>
-                          </a:rPr>
-                        </m:ctrlPr>
-                      </m:sSupPr>
-                      <m:e>
-                        <m:r>
-                          <a:rPr lang="en-US" sz="2400" b="1" i="1" smtClean="0">
-                            <a:latin typeface="Cambria Math" panose="02040503050406030204" pitchFamily="18" charset="0"/>
-                          </a:rPr>
-                          <m:t>𝒄</m:t>
-                        </m:r>
-                      </m:e>
-                      <m:sup>
-                        <m:r>
-                          <a:rPr lang="en-US" sz="2400" b="1" i="1" smtClean="0">
-                            <a:latin typeface="Cambria Math" panose="02040503050406030204" pitchFamily="18" charset="0"/>
-                          </a:rPr>
-                          <m:t>−</m:t>
-                        </m:r>
-                        <m:r>
-                          <a:rPr lang="en-US" sz="2400" b="1" i="1" smtClean="0">
-                            <a:latin typeface="Cambria Math" panose="02040503050406030204" pitchFamily="18" charset="0"/>
-                          </a:rPr>
-                          <m:t>𝒏</m:t>
-                        </m:r>
-                      </m:sup>
-                    </m:sSup>
-                    <m:sSup>
-                      <m:sSupPr>
-                        <m:ctrlPr>
-                          <a:rPr lang="en-US" sz="2400" b="1" i="1" smtClean="0">
-                            <a:latin typeface="Cambria Math" panose="02040503050406030204" pitchFamily="18" charset="0"/>
-                          </a:rPr>
-                        </m:ctrlPr>
-                      </m:sSupPr>
-                      <m:e>
-                        <m:d>
-                          <m:dPr>
-                            <m:ctrlPr>
-                              <a:rPr lang="en-US" sz="2400" b="1" i="1" smtClean="0">
-                                <a:latin typeface="Cambria Math" panose="02040503050406030204" pitchFamily="18" charset="0"/>
-                              </a:rPr>
-                            </m:ctrlPr>
-                          </m:dPr>
-                          <m:e>
-                            <m:r>
-                              <a:rPr lang="en-US" sz="2400" b="1" i="1" smtClean="0">
-                                <a:latin typeface="Cambria Math" panose="02040503050406030204" pitchFamily="18" charset="0"/>
-                              </a:rPr>
-                              <m:t>𝒗</m:t>
-                            </m:r>
-                            <m:sSub>
-                              <m:sSubPr>
-                                <m:ctrlPr>
-                                  <a:rPr lang="en-US" sz="2400" b="1" i="1" smtClean="0">
-                                    <a:latin typeface="Cambria Math" panose="02040503050406030204" pitchFamily="18" charset="0"/>
-                                    <a:ea typeface="Cambria Math" panose="02040503050406030204" pitchFamily="18" charset="0"/>
-                                  </a:rPr>
-                                </m:ctrlPr>
-                              </m:sSubPr>
-                              <m:e>
-                                <m:r>
-                                  <a:rPr lang="en-US" sz="2400" b="1" i="1" smtClean="0">
-                                    <a:latin typeface="Cambria Math" panose="02040503050406030204" pitchFamily="18" charset="0"/>
-                                    <a:ea typeface="Cambria Math" panose="02040503050406030204" pitchFamily="18" charset="0"/>
-                                  </a:rPr>
-                                  <m:t>𝜺</m:t>
-                                </m:r>
-                              </m:e>
-                              <m:sub>
-                                <m:r>
-                                  <a:rPr lang="en-US" sz="2400" b="1" i="1" smtClean="0">
-                                    <a:latin typeface="Cambria Math" panose="02040503050406030204" pitchFamily="18" charset="0"/>
-                                    <a:ea typeface="Cambria Math" panose="02040503050406030204" pitchFamily="18" charset="0"/>
-                                  </a:rPr>
-                                  <m:t>𝑫</m:t>
-                                </m:r>
-                              </m:sub>
-                            </m:sSub>
-                          </m:e>
-                        </m:d>
-                      </m:e>
-                      <m:sup>
-                        <m:f>
-                          <m:fPr>
-                            <m:ctrlPr>
-                              <a:rPr lang="en-US" sz="2400" b="1" i="1" smtClean="0">
-                                <a:latin typeface="Cambria Math" panose="02040503050406030204" pitchFamily="18" charset="0"/>
-                              </a:rPr>
-                            </m:ctrlPr>
-                          </m:fPr>
-                          <m:num>
-                            <m:r>
-                              <a:rPr lang="en-US" sz="2400" b="1" i="1" smtClean="0">
-                                <a:latin typeface="Cambria Math" panose="02040503050406030204" pitchFamily="18" charset="0"/>
-                              </a:rPr>
-                              <m:t>𝟏</m:t>
-                            </m:r>
-                          </m:num>
-                          <m:den>
-                            <m:r>
-                              <a:rPr lang="en-US" sz="2400" b="1" i="1" smtClean="0">
-                                <a:latin typeface="Cambria Math" panose="02040503050406030204" pitchFamily="18" charset="0"/>
-                              </a:rPr>
-                              <m:t>𝟒</m:t>
-                            </m:r>
-                          </m:den>
-                        </m:f>
-                      </m:sup>
-                    </m:sSup>
-                  </m:oMath>
-                </a14:m>
-                <a:r>
-                  <a:rPr lang="en-US" sz="2400" b="1" dirty="0"/>
-                  <a:t> is a valid model when a river channel is so inefficient that near surface </a:t>
-                </a:r>
-                <a14:m>
-                  <m:oMath xmlns:m="http://schemas.openxmlformats.org/officeDocument/2006/math">
-                    <m:r>
-                      <a:rPr lang="en-US" sz="2400" b="1" i="1" smtClean="0">
-                        <a:latin typeface="Cambria Math" panose="02040503050406030204" pitchFamily="18" charset="0"/>
-                        <a:ea typeface="Cambria Math" panose="02040503050406030204" pitchFamily="18" charset="0"/>
-                      </a:rPr>
-                      <m:t>𝜺</m:t>
-                    </m:r>
-                  </m:oMath>
-                </a14:m>
-                <a:r>
-                  <a:rPr lang="en-US" sz="2400" dirty="0"/>
-                  <a:t> </a:t>
-                </a:r>
-                <a:r>
-                  <a:rPr lang="en-US" sz="2400" b="1" dirty="0"/>
-                  <a:t>is largely from form drag (i.e. </a:t>
-                </a:r>
-                <a14:m>
-                  <m:oMath xmlns:m="http://schemas.openxmlformats.org/officeDocument/2006/math">
-                    <m:r>
-                      <a:rPr lang="en-US" sz="2400" b="1" i="1" smtClean="0">
-                        <a:latin typeface="Cambria Math" panose="02040503050406030204" pitchFamily="18" charset="0"/>
-                        <a:ea typeface="Cambria Math" panose="02040503050406030204" pitchFamily="18" charset="0"/>
-                      </a:rPr>
-                      <m:t>𝜺</m:t>
-                    </m:r>
-                    <m:r>
-                      <a:rPr lang="en-US" sz="2400" b="1" i="1" smtClean="0">
-                        <a:latin typeface="Cambria Math" panose="02040503050406030204" pitchFamily="18" charset="0"/>
-                        <a:ea typeface="Cambria Math" panose="02040503050406030204" pitchFamily="18" charset="0"/>
-                      </a:rPr>
-                      <m:t>≈</m:t>
-                    </m:r>
-                    <m:sSub>
-                      <m:sSubPr>
-                        <m:ctrlPr>
-                          <a:rPr lang="en-US" sz="2400" b="1" i="1" smtClean="0">
-                            <a:latin typeface="Cambria Math" panose="02040503050406030204" pitchFamily="18" charset="0"/>
-                            <a:ea typeface="Cambria Math" panose="02040503050406030204" pitchFamily="18" charset="0"/>
-                          </a:rPr>
-                        </m:ctrlPr>
-                      </m:sSubPr>
-                      <m:e>
-                        <m:r>
-                          <a:rPr lang="en-US" sz="2400" b="1" i="1" smtClean="0">
-                            <a:latin typeface="Cambria Math" panose="02040503050406030204" pitchFamily="18" charset="0"/>
-                            <a:ea typeface="Cambria Math" panose="02040503050406030204" pitchFamily="18" charset="0"/>
-                          </a:rPr>
-                          <m:t>𝜺</m:t>
-                        </m:r>
-                      </m:e>
-                      <m:sub>
-                        <m:r>
-                          <a:rPr lang="en-US" sz="2400" b="1" i="1" smtClean="0">
-                            <a:latin typeface="Cambria Math" panose="02040503050406030204" pitchFamily="18" charset="0"/>
-                            <a:ea typeface="Cambria Math" panose="02040503050406030204" pitchFamily="18" charset="0"/>
-                          </a:rPr>
-                          <m:t>𝑫</m:t>
-                        </m:r>
-                      </m:sub>
-                    </m:sSub>
-                  </m:oMath>
-                </a14:m>
-                <a:r>
-                  <a:rPr lang="en-US" sz="2400" b="1" dirty="0"/>
-                  <a:t>).</a:t>
-                </a:r>
-                <a:endParaRPr lang="en-US" sz="2400" b="1" dirty="0">
-                  <a:solidFill>
-                    <a:srgbClr val="FF0000"/>
-                  </a:solidFill>
-                </a:endParaRPr>
-              </a:p>
-            </p:txBody>
-          </p:sp>
-        </mc:Choice>
-        <mc:Fallback>
-          <p:sp>
-            <p:nvSpPr>
-              <p:cNvPr id="3" name="TextBox 2">
-                <a:extLst>
-                  <a:ext uri="{FF2B5EF4-FFF2-40B4-BE49-F238E27FC236}">
-                    <a16:creationId xmlns:a16="http://schemas.microsoft.com/office/drawing/2014/main" id="{4A4E8022-2800-4DD6-9F04-A7C2FAEA2AD4}"/>
-                  </a:ext>
-                </a:extLst>
-              </p:cNvPr>
-              <p:cNvSpPr txBox="1">
-                <a:spLocks noRot="1" noChangeAspect="1" noMove="1" noResize="1" noEditPoints="1" noAdjustHandles="1" noChangeArrowheads="1" noChangeShapeType="1" noTextEdit="1"/>
-              </p:cNvSpPr>
-              <p:nvPr/>
-            </p:nvSpPr>
-            <p:spPr>
-              <a:xfrm>
-                <a:off x="532702" y="307217"/>
-                <a:ext cx="11659298" cy="979884"/>
-              </a:xfrm>
-              <a:prstGeom prst="rect">
-                <a:avLst/>
-              </a:prstGeom>
-              <a:blipFill>
-                <a:blip r:embed="rId2"/>
-                <a:stretch>
-                  <a:fillRect l="-784" r="-1411" b="-13043"/>
-                </a:stretch>
-              </a:blipFill>
-            </p:spPr>
-            <p:txBody>
-              <a:bodyPr/>
-              <a:lstStyle/>
-              <a:p>
-                <a:r>
-                  <a:rPr lang="en-US">
-                    <a:noFill/>
-                  </a:rPr>
-                  <a:t> </a:t>
-                </a:r>
-              </a:p>
-            </p:txBody>
-          </p:sp>
-        </mc:Fallback>
-      </mc:AlternateContent>
-      <mc:AlternateContent xmlns:mc="http://schemas.openxmlformats.org/markup-compatibility/2006">
-        <mc:Choice xmlns:a14="http://schemas.microsoft.com/office/drawing/2010/main" Requires="a14">
-          <p:sp>
-            <p:nvSpPr>
-              <p:cNvPr id="4" name="TextBox 3">
-                <a:extLst>
-                  <a:ext uri="{FF2B5EF4-FFF2-40B4-BE49-F238E27FC236}">
-                    <a16:creationId xmlns:a16="http://schemas.microsoft.com/office/drawing/2014/main" id="{6555B11F-BF57-4408-AF7C-7631467B64DA}"/>
-                  </a:ext>
-                </a:extLst>
-              </p:cNvPr>
-              <p:cNvSpPr txBox="1"/>
-              <p:nvPr/>
-            </p:nvSpPr>
-            <p:spPr>
-              <a:xfrm>
-                <a:off x="541090" y="1547376"/>
-                <a:ext cx="11030649" cy="830997"/>
-              </a:xfrm>
-              <a:prstGeom prst="rect">
-                <a:avLst/>
-              </a:prstGeom>
-              <a:noFill/>
-            </p:spPr>
-            <p:txBody>
-              <a:bodyPr wrap="square">
-                <a:spAutoFit/>
-              </a:bodyPr>
-              <a:lstStyle/>
-              <a:p>
-                <a:r>
-                  <a:rPr lang="en-US" sz="2400" b="1" dirty="0"/>
-                  <a:t>Further, if this is true, then we likely don’t need the small-eddy model and can predict k directly using depth-scale turbulence (i.e. </a:t>
-                </a:r>
-                <a14:m>
-                  <m:oMath xmlns:m="http://schemas.openxmlformats.org/officeDocument/2006/math">
-                    <m:r>
-                      <a:rPr lang="en-US" sz="2400" b="1" i="1" smtClean="0">
-                        <a:latin typeface="Cambria Math" panose="02040503050406030204" pitchFamily="18" charset="0"/>
-                      </a:rPr>
-                      <m:t>𝒌</m:t>
-                    </m:r>
-                    <m:r>
-                      <a:rPr lang="en-US" sz="2400" b="1" i="1" smtClean="0">
-                        <a:latin typeface="Cambria Math" panose="02040503050406030204" pitchFamily="18" charset="0"/>
-                      </a:rPr>
-                      <m:t>~</m:t>
-                    </m:r>
-                    <m:sSub>
-                      <m:sSubPr>
-                        <m:ctrlPr>
-                          <a:rPr lang="en-US" sz="2400" b="1" i="1" smtClean="0">
-                            <a:latin typeface="Cambria Math" panose="02040503050406030204" pitchFamily="18" charset="0"/>
-                          </a:rPr>
-                        </m:ctrlPr>
-                      </m:sSubPr>
-                      <m:e>
-                        <m:r>
-                          <a:rPr lang="en-US" sz="2400" b="1" i="1" smtClean="0">
-                            <a:latin typeface="Cambria Math" panose="02040503050406030204" pitchFamily="18" charset="0"/>
-                          </a:rPr>
-                          <m:t>𝑼</m:t>
-                        </m:r>
-                      </m:e>
-                      <m:sub>
-                        <m:r>
-                          <a:rPr lang="en-US" sz="2400" b="1" i="1" smtClean="0">
-                            <a:latin typeface="Cambria Math" panose="02040503050406030204" pitchFamily="18" charset="0"/>
-                          </a:rPr>
-                          <m:t>∗</m:t>
-                        </m:r>
-                      </m:sub>
-                    </m:sSub>
-                  </m:oMath>
-                </a14:m>
-                <a:r>
-                  <a:rPr lang="en-US" sz="2400" b="1" dirty="0"/>
-                  <a:t>) in inefficient rivers</a:t>
-                </a:r>
-              </a:p>
-            </p:txBody>
-          </p:sp>
-        </mc:Choice>
-        <mc:Fallback>
-          <p:sp>
-            <p:nvSpPr>
-              <p:cNvPr id="4" name="TextBox 3">
-                <a:extLst>
-                  <a:ext uri="{FF2B5EF4-FFF2-40B4-BE49-F238E27FC236}">
-                    <a16:creationId xmlns:a16="http://schemas.microsoft.com/office/drawing/2014/main" id="{6555B11F-BF57-4408-AF7C-7631467B64DA}"/>
-                  </a:ext>
-                </a:extLst>
-              </p:cNvPr>
-              <p:cNvSpPr txBox="1">
-                <a:spLocks noRot="1" noChangeAspect="1" noMove="1" noResize="1" noEditPoints="1" noAdjustHandles="1" noChangeArrowheads="1" noChangeShapeType="1" noTextEdit="1"/>
-              </p:cNvSpPr>
-              <p:nvPr/>
-            </p:nvSpPr>
-            <p:spPr>
-              <a:xfrm>
-                <a:off x="541090" y="1547376"/>
-                <a:ext cx="11030649" cy="830997"/>
-              </a:xfrm>
-              <a:prstGeom prst="rect">
-                <a:avLst/>
-              </a:prstGeom>
-              <a:blipFill>
-                <a:blip r:embed="rId3"/>
-                <a:stretch>
-                  <a:fillRect l="-884" t="-5882" r="-1382" b="-16176"/>
-                </a:stretch>
-              </a:blipFill>
-            </p:spPr>
-            <p:txBody>
-              <a:bodyPr/>
-              <a:lstStyle/>
-              <a:p>
-                <a:r>
-                  <a:rPr lang="en-US">
-                    <a:noFill/>
-                  </a:rPr>
-                  <a:t> </a:t>
-                </a:r>
-              </a:p>
-            </p:txBody>
-          </p:sp>
-        </mc:Fallback>
-      </mc:AlternateContent>
-      <mc:AlternateContent xmlns:mc="http://schemas.openxmlformats.org/markup-compatibility/2006">
-        <mc:Choice xmlns:a14="http://schemas.microsoft.com/office/drawing/2010/main" Requires="a14">
-          <p:sp>
-            <p:nvSpPr>
-              <p:cNvPr id="9" name="TextBox 8">
-                <a:extLst>
-                  <a:ext uri="{FF2B5EF4-FFF2-40B4-BE49-F238E27FC236}">
-                    <a16:creationId xmlns:a16="http://schemas.microsoft.com/office/drawing/2014/main" id="{85DA0AD0-BD1D-4130-AD2E-065E3F050122}"/>
-                  </a:ext>
-                </a:extLst>
-              </p:cNvPr>
-              <p:cNvSpPr txBox="1"/>
-              <p:nvPr/>
-            </p:nvSpPr>
-            <p:spPr>
-              <a:xfrm>
-                <a:off x="0" y="2766161"/>
-                <a:ext cx="5310230" cy="3091680"/>
-              </a:xfrm>
-              <a:prstGeom prst="rect">
-                <a:avLst/>
-              </a:prstGeom>
-              <a:noFill/>
-            </p:spPr>
-            <p:txBody>
-              <a:bodyPr wrap="square" rtlCol="0">
-                <a:spAutoFit/>
-              </a:bodyPr>
-              <a:lstStyle/>
-              <a:p>
-                <a:r>
-                  <a:rPr lang="en-US" sz="2400" b="1" dirty="0"/>
-                  <a:t>Workflow</a:t>
-                </a:r>
-                <a:endParaRPr lang="en-US" dirty="0"/>
-              </a:p>
-              <a:p>
-                <a:pPr marL="342900" indent="-342900">
-                  <a:buAutoNum type="arabicParenR"/>
-                </a:pPr>
-                <a:r>
-                  <a:rPr lang="en-US" dirty="0"/>
-                  <a:t>Calculate Rh/H ratios and use them as thresholds for channel inefficiency</a:t>
-                </a:r>
-              </a:p>
-              <a:p>
-                <a:pPr marL="342900" indent="-342900">
-                  <a:buAutoNum type="arabicParenR"/>
-                </a:pPr>
-                <a:r>
-                  <a:rPr lang="en-US" dirty="0"/>
-                  <a:t>For each set of inefficient channels:</a:t>
-                </a:r>
-              </a:p>
-              <a:p>
-                <a:pPr marL="800100" lvl="1" indent="-342900">
-                  <a:buAutoNum type="arabicParenR"/>
-                </a:pPr>
-                <a:r>
-                  <a:rPr lang="en-US" dirty="0"/>
-                  <a:t>Fit two models: </a:t>
-                </a:r>
-                <a14:m>
-                  <m:oMath xmlns:m="http://schemas.openxmlformats.org/officeDocument/2006/math">
-                    <m:sSub>
-                      <m:sSubPr>
-                        <m:ctrlPr>
-                          <a:rPr lang="en-US" b="1" i="1" smtClean="0">
-                            <a:latin typeface="Cambria Math" panose="02040503050406030204" pitchFamily="18" charset="0"/>
-                          </a:rPr>
-                        </m:ctrlPr>
-                      </m:sSubPr>
-                      <m:e>
-                        <m:r>
-                          <a:rPr lang="en-US" b="1" i="1" smtClean="0">
-                            <a:latin typeface="Cambria Math" panose="02040503050406030204" pitchFamily="18" charset="0"/>
-                          </a:rPr>
-                          <m:t>𝒌</m:t>
-                        </m:r>
-                      </m:e>
-                      <m:sub>
-                        <m:r>
-                          <a:rPr lang="en-US" b="1" i="1" smtClean="0">
-                            <a:latin typeface="Cambria Math" panose="02040503050406030204" pitchFamily="18" charset="0"/>
-                          </a:rPr>
-                          <m:t>𝟔𝟎𝟎</m:t>
-                        </m:r>
-                      </m:sub>
-                    </m:sSub>
-                    <m:r>
-                      <a:rPr lang="en-US" b="1" i="1" smtClean="0">
-                        <a:latin typeface="Cambria Math" panose="02040503050406030204" pitchFamily="18" charset="0"/>
-                      </a:rPr>
-                      <m:t>=</m:t>
-                    </m:r>
-                    <m:r>
-                      <a:rPr lang="en-US" b="1" i="1" smtClean="0">
-                        <a:latin typeface="Cambria Math" panose="02040503050406030204" pitchFamily="18" charset="0"/>
-                        <a:ea typeface="Cambria Math" panose="02040503050406030204" pitchFamily="18" charset="0"/>
-                      </a:rPr>
-                      <m:t>𝜷</m:t>
-                    </m:r>
-                    <m:sSubSup>
-                      <m:sSubSupPr>
-                        <m:ctrlPr>
-                          <a:rPr lang="en-US" b="1" i="1" smtClean="0">
-                            <a:latin typeface="Cambria Math" panose="02040503050406030204" pitchFamily="18" charset="0"/>
-                            <a:ea typeface="Cambria Math" panose="02040503050406030204" pitchFamily="18" charset="0"/>
-                          </a:rPr>
-                        </m:ctrlPr>
-                      </m:sSubSupPr>
-                      <m:e>
-                        <m:r>
-                          <a:rPr lang="en-US" b="1" i="1" smtClean="0">
-                            <a:latin typeface="Cambria Math" panose="02040503050406030204" pitchFamily="18" charset="0"/>
-                            <a:ea typeface="Cambria Math" panose="02040503050406030204" pitchFamily="18" charset="0"/>
-                          </a:rPr>
-                          <m:t>𝜺</m:t>
-                        </m:r>
-                      </m:e>
-                      <m:sub>
-                        <m:r>
-                          <a:rPr lang="en-US" b="1" i="1" smtClean="0">
-                            <a:latin typeface="Cambria Math" panose="02040503050406030204" pitchFamily="18" charset="0"/>
-                            <a:ea typeface="Cambria Math" panose="02040503050406030204" pitchFamily="18" charset="0"/>
-                          </a:rPr>
-                          <m:t>𝑫</m:t>
-                        </m:r>
-                      </m:sub>
-                      <m:sup>
-                        <m:f>
-                          <m:fPr>
-                            <m:ctrlPr>
-                              <a:rPr lang="en-US" b="1" i="1" smtClean="0">
-                                <a:latin typeface="Cambria Math" panose="02040503050406030204" pitchFamily="18" charset="0"/>
-                                <a:ea typeface="Cambria Math" panose="02040503050406030204" pitchFamily="18" charset="0"/>
-                              </a:rPr>
-                            </m:ctrlPr>
-                          </m:fPr>
-                          <m:num>
-                            <m:r>
-                              <a:rPr lang="en-US" b="1" i="1" smtClean="0">
-                                <a:latin typeface="Cambria Math" panose="02040503050406030204" pitchFamily="18" charset="0"/>
-                                <a:ea typeface="Cambria Math" panose="02040503050406030204" pitchFamily="18" charset="0"/>
-                              </a:rPr>
-                              <m:t>𝟏</m:t>
-                            </m:r>
-                          </m:num>
-                          <m:den>
-                            <m:r>
-                              <a:rPr lang="en-US" b="1" i="1" smtClean="0">
-                                <a:latin typeface="Cambria Math" panose="02040503050406030204" pitchFamily="18" charset="0"/>
-                                <a:ea typeface="Cambria Math" panose="02040503050406030204" pitchFamily="18" charset="0"/>
-                              </a:rPr>
-                              <m:t>𝟒</m:t>
-                            </m:r>
-                          </m:den>
-                        </m:f>
-                      </m:sup>
-                    </m:sSubSup>
-                  </m:oMath>
-                </a14:m>
-                <a:r>
-                  <a:rPr lang="en-US" dirty="0"/>
-                  <a:t> and </a:t>
-                </a:r>
-                <a14:m>
-                  <m:oMath xmlns:m="http://schemas.openxmlformats.org/officeDocument/2006/math">
-                    <m:sSub>
-                      <m:sSubPr>
-                        <m:ctrlPr>
-                          <a:rPr lang="en-US" b="1" i="1" smtClean="0">
-                            <a:latin typeface="Cambria Math" panose="02040503050406030204" pitchFamily="18" charset="0"/>
-                          </a:rPr>
-                        </m:ctrlPr>
-                      </m:sSubPr>
-                      <m:e>
-                        <m:r>
-                          <a:rPr lang="en-US" b="1" i="1" smtClean="0">
-                            <a:latin typeface="Cambria Math" panose="02040503050406030204" pitchFamily="18" charset="0"/>
-                          </a:rPr>
-                          <m:t>𝒌</m:t>
-                        </m:r>
-                      </m:e>
-                      <m:sub>
-                        <m:r>
-                          <a:rPr lang="en-US" b="1" i="1" smtClean="0">
-                            <a:latin typeface="Cambria Math" panose="02040503050406030204" pitchFamily="18" charset="0"/>
-                          </a:rPr>
-                          <m:t>𝟔𝟎𝟎</m:t>
-                        </m:r>
-                      </m:sub>
-                    </m:sSub>
-                    <m:r>
-                      <a:rPr lang="en-US" b="1" i="1" smtClean="0">
-                        <a:latin typeface="Cambria Math" panose="02040503050406030204" pitchFamily="18" charset="0"/>
-                      </a:rPr>
-                      <m:t>=</m:t>
-                    </m:r>
-                    <m:r>
-                      <a:rPr lang="en-US" b="1" i="1" smtClean="0">
-                        <a:latin typeface="Cambria Math" panose="02040503050406030204" pitchFamily="18" charset="0"/>
-                      </a:rPr>
-                      <m:t>𝒂</m:t>
-                    </m:r>
-                    <m:sSubSup>
-                      <m:sSubSupPr>
-                        <m:ctrlPr>
-                          <a:rPr lang="en-US" b="1" i="1" smtClean="0">
-                            <a:latin typeface="Cambria Math" panose="02040503050406030204" pitchFamily="18" charset="0"/>
-                            <a:ea typeface="Cambria Math" panose="02040503050406030204" pitchFamily="18" charset="0"/>
-                          </a:rPr>
-                        </m:ctrlPr>
-                      </m:sSubSupPr>
-                      <m:e>
-                        <m:r>
-                          <a:rPr lang="en-US" b="1" i="1" smtClean="0">
-                            <a:latin typeface="Cambria Math" panose="02040503050406030204" pitchFamily="18" charset="0"/>
-                            <a:ea typeface="Cambria Math" panose="02040503050406030204" pitchFamily="18" charset="0"/>
-                          </a:rPr>
-                          <m:t>𝜺</m:t>
-                        </m:r>
-                      </m:e>
-                      <m:sub>
-                        <m:r>
-                          <a:rPr lang="en-US" b="1" i="1" smtClean="0">
-                            <a:latin typeface="Cambria Math" panose="02040503050406030204" pitchFamily="18" charset="0"/>
-                            <a:ea typeface="Cambria Math" panose="02040503050406030204" pitchFamily="18" charset="0"/>
-                          </a:rPr>
-                          <m:t>𝑫</m:t>
-                        </m:r>
-                      </m:sub>
-                      <m:sup>
-                        <m:r>
-                          <a:rPr lang="en-US" b="1" i="1" smtClean="0">
-                            <a:latin typeface="Cambria Math" panose="02040503050406030204" pitchFamily="18" charset="0"/>
-                            <a:ea typeface="Cambria Math" panose="02040503050406030204" pitchFamily="18" charset="0"/>
-                          </a:rPr>
-                          <m:t>𝒃</m:t>
-                        </m:r>
-                      </m:sup>
-                    </m:sSubSup>
-                  </m:oMath>
-                </a14:m>
-                <a:r>
-                  <a:rPr lang="en-US" dirty="0"/>
-                  <a:t> for parameters </a:t>
-                </a:r>
-                <a:r>
-                  <a:rPr lang="en-US" i="1" dirty="0"/>
-                  <a:t>a</a:t>
-                </a:r>
-                <a:r>
-                  <a:rPr lang="en-US" dirty="0"/>
-                  <a:t>, </a:t>
-                </a:r>
-                <a:r>
-                  <a:rPr lang="en-US" i="1" dirty="0"/>
-                  <a:t>b</a:t>
-                </a:r>
-                <a:r>
-                  <a:rPr lang="en-US" dirty="0"/>
-                  <a:t>, and </a:t>
-                </a:r>
-                <a14:m>
-                  <m:oMath xmlns:m="http://schemas.openxmlformats.org/officeDocument/2006/math">
-                    <m:r>
-                      <a:rPr lang="en-US" i="1" smtClean="0">
-                        <a:latin typeface="Cambria Math" panose="02040503050406030204" pitchFamily="18" charset="0"/>
-                        <a:ea typeface="Cambria Math" panose="02040503050406030204" pitchFamily="18" charset="0"/>
-                      </a:rPr>
-                      <m:t>𝛽</m:t>
-                    </m:r>
-                  </m:oMath>
-                </a14:m>
-                <a:endParaRPr lang="en-US" dirty="0"/>
-              </a:p>
-              <a:p>
-                <a:pPr marL="800100" lvl="1" indent="-342900">
-                  <a:buAutoNum type="arabicParenR"/>
-                </a:pPr>
-                <a:r>
-                  <a:rPr lang="en-US" dirty="0"/>
-                  <a:t>Plot the </a:t>
-                </a:r>
-                <a:r>
-                  <a:rPr lang="en-US" i="1" dirty="0">
-                    <a:solidFill>
-                      <a:srgbClr val="00008B"/>
-                    </a:solidFill>
-                  </a:rPr>
-                  <a:t>b </a:t>
-                </a:r>
-                <a:r>
-                  <a:rPr lang="en-US" dirty="0">
-                    <a:solidFill>
-                      <a:srgbClr val="00008B"/>
-                    </a:solidFill>
-                  </a:rPr>
-                  <a:t>parameter </a:t>
-                </a:r>
-                <a:r>
-                  <a:rPr lang="en-US" dirty="0"/>
-                  <a:t>and the </a:t>
-                </a:r>
-                <a:r>
-                  <a:rPr lang="en-US" dirty="0">
-                    <a:solidFill>
-                      <a:srgbClr val="006600"/>
-                    </a:solidFill>
-                  </a:rPr>
-                  <a:t>r</a:t>
-                </a:r>
-                <a:r>
-                  <a:rPr lang="en-US" baseline="30000" dirty="0">
-                    <a:solidFill>
-                      <a:srgbClr val="006600"/>
-                    </a:solidFill>
-                  </a:rPr>
-                  <a:t>2</a:t>
-                </a:r>
-                <a:r>
-                  <a:rPr lang="en-US" dirty="0">
-                    <a:solidFill>
-                      <a:srgbClr val="006600"/>
-                    </a:solidFill>
-                  </a:rPr>
-                  <a:t> for </a:t>
-                </a:r>
-                <a14:m>
-                  <m:oMath xmlns:m="http://schemas.openxmlformats.org/officeDocument/2006/math">
-                    <m:r>
-                      <a:rPr lang="en-US" b="0" i="1" smtClean="0">
-                        <a:solidFill>
-                          <a:srgbClr val="006600"/>
-                        </a:solidFill>
-                        <a:latin typeface="Cambria Math" panose="02040503050406030204" pitchFamily="18" charset="0"/>
-                      </a:rPr>
-                      <m:t>𝑘</m:t>
-                    </m:r>
-                    <m:r>
-                      <a:rPr lang="en-US" b="0" i="1" smtClean="0">
-                        <a:solidFill>
-                          <a:srgbClr val="006600"/>
-                        </a:solidFill>
-                        <a:latin typeface="Cambria Math" panose="02040503050406030204" pitchFamily="18" charset="0"/>
-                      </a:rPr>
-                      <m:t>=</m:t>
-                    </m:r>
-                    <m:r>
-                      <a:rPr lang="en-US" b="0" i="1" smtClean="0">
-                        <a:solidFill>
-                          <a:srgbClr val="006600"/>
-                        </a:solidFill>
-                        <a:latin typeface="Cambria Math" panose="02040503050406030204" pitchFamily="18" charset="0"/>
-                        <a:ea typeface="Cambria Math" panose="02040503050406030204" pitchFamily="18" charset="0"/>
-                      </a:rPr>
-                      <m:t>𝛽</m:t>
-                    </m:r>
-                    <m:sSubSup>
-                      <m:sSubSupPr>
-                        <m:ctrlPr>
-                          <a:rPr lang="en-US" b="0" i="1" smtClean="0">
-                            <a:solidFill>
-                              <a:srgbClr val="006600"/>
-                            </a:solidFill>
-                            <a:latin typeface="Cambria Math" panose="02040503050406030204" pitchFamily="18" charset="0"/>
-                            <a:ea typeface="Cambria Math" panose="02040503050406030204" pitchFamily="18" charset="0"/>
-                          </a:rPr>
-                        </m:ctrlPr>
-                      </m:sSubSupPr>
-                      <m:e>
-                        <m:r>
-                          <a:rPr lang="en-US" b="0" i="1" smtClean="0">
-                            <a:solidFill>
-                              <a:srgbClr val="006600"/>
-                            </a:solidFill>
-                            <a:latin typeface="Cambria Math" panose="02040503050406030204" pitchFamily="18" charset="0"/>
-                            <a:ea typeface="Cambria Math" panose="02040503050406030204" pitchFamily="18" charset="0"/>
-                          </a:rPr>
-                          <m:t>𝜀</m:t>
-                        </m:r>
-                      </m:e>
-                      <m:sub>
-                        <m:r>
-                          <a:rPr lang="en-US" b="0" i="1" smtClean="0">
-                            <a:solidFill>
-                              <a:srgbClr val="006600"/>
-                            </a:solidFill>
-                            <a:latin typeface="Cambria Math" panose="02040503050406030204" pitchFamily="18" charset="0"/>
-                            <a:ea typeface="Cambria Math" panose="02040503050406030204" pitchFamily="18" charset="0"/>
-                          </a:rPr>
-                          <m:t>𝐷</m:t>
-                        </m:r>
-                      </m:sub>
-                      <m:sup>
-                        <m:f>
-                          <m:fPr>
-                            <m:ctrlPr>
-                              <a:rPr lang="en-US" b="0" i="1" smtClean="0">
-                                <a:solidFill>
-                                  <a:srgbClr val="006600"/>
-                                </a:solidFill>
-                                <a:latin typeface="Cambria Math" panose="02040503050406030204" pitchFamily="18" charset="0"/>
-                                <a:ea typeface="Cambria Math" panose="02040503050406030204" pitchFamily="18" charset="0"/>
-                              </a:rPr>
-                            </m:ctrlPr>
-                          </m:fPr>
-                          <m:num>
-                            <m:r>
-                              <a:rPr lang="en-US" b="0" i="1" smtClean="0">
-                                <a:solidFill>
-                                  <a:srgbClr val="006600"/>
-                                </a:solidFill>
-                                <a:latin typeface="Cambria Math" panose="02040503050406030204" pitchFamily="18" charset="0"/>
-                                <a:ea typeface="Cambria Math" panose="02040503050406030204" pitchFamily="18" charset="0"/>
-                              </a:rPr>
-                              <m:t>1</m:t>
-                            </m:r>
-                          </m:num>
-                          <m:den>
-                            <m:r>
-                              <a:rPr lang="en-US" b="0" i="1" smtClean="0">
-                                <a:solidFill>
-                                  <a:srgbClr val="006600"/>
-                                </a:solidFill>
-                                <a:latin typeface="Cambria Math" panose="02040503050406030204" pitchFamily="18" charset="0"/>
-                                <a:ea typeface="Cambria Math" panose="02040503050406030204" pitchFamily="18" charset="0"/>
-                              </a:rPr>
-                              <m:t>4</m:t>
-                            </m:r>
-                          </m:den>
-                        </m:f>
-                      </m:sup>
-                    </m:sSubSup>
-                  </m:oMath>
-                </a14:m>
-                <a:r>
-                  <a:rPr lang="en-US" dirty="0">
-                    <a:solidFill>
-                      <a:srgbClr val="006600"/>
-                    </a:solidFill>
-                  </a:rPr>
-                  <a:t> </a:t>
-                </a:r>
-              </a:p>
-              <a:p>
-                <a:pPr marL="342900" indent="-342900">
-                  <a:buAutoNum type="arabicParenR"/>
-                </a:pPr>
-                <a:r>
-                  <a:rPr lang="en-US" dirty="0"/>
-                  <a:t>At what (if at all) inefficiency threshold does </a:t>
-                </a:r>
-                <a:r>
-                  <a:rPr lang="en-US" i="1" dirty="0"/>
-                  <a:t>b </a:t>
-                </a:r>
-                <a:r>
-                  <a:rPr lang="en-US" dirty="0"/>
-                  <a:t>approximate 0.25 and r</a:t>
-                </a:r>
-                <a:r>
-                  <a:rPr lang="en-US" baseline="30000" dirty="0"/>
-                  <a:t>2 </a:t>
-                </a:r>
-                <a:r>
-                  <a:rPr lang="en-US" dirty="0"/>
-                  <a:t>is maximized??</a:t>
-                </a:r>
-              </a:p>
-            </p:txBody>
-          </p:sp>
-        </mc:Choice>
-        <mc:Fallback>
-          <p:sp>
-            <p:nvSpPr>
-              <p:cNvPr id="9" name="TextBox 8">
-                <a:extLst>
-                  <a:ext uri="{FF2B5EF4-FFF2-40B4-BE49-F238E27FC236}">
-                    <a16:creationId xmlns:a16="http://schemas.microsoft.com/office/drawing/2014/main" id="{85DA0AD0-BD1D-4130-AD2E-065E3F050122}"/>
-                  </a:ext>
-                </a:extLst>
-              </p:cNvPr>
-              <p:cNvSpPr txBox="1">
-                <a:spLocks noRot="1" noChangeAspect="1" noMove="1" noResize="1" noEditPoints="1" noAdjustHandles="1" noChangeArrowheads="1" noChangeShapeType="1" noTextEdit="1"/>
-              </p:cNvSpPr>
-              <p:nvPr/>
-            </p:nvSpPr>
-            <p:spPr>
-              <a:xfrm>
-                <a:off x="0" y="2766161"/>
-                <a:ext cx="5310230" cy="3091680"/>
-              </a:xfrm>
-              <a:prstGeom prst="rect">
-                <a:avLst/>
-              </a:prstGeom>
-              <a:blipFill>
-                <a:blip r:embed="rId4"/>
-                <a:stretch>
-                  <a:fillRect l="-1722" t="-1578" b="-1578"/>
-                </a:stretch>
-              </a:blipFill>
-            </p:spPr>
-            <p:txBody>
-              <a:bodyPr/>
-              <a:lstStyle/>
-              <a:p>
-                <a:r>
-                  <a:rPr lang="en-US">
-                    <a:noFill/>
-                  </a:rPr>
-                  <a:t> </a:t>
-                </a:r>
-              </a:p>
-            </p:txBody>
-          </p:sp>
-        </mc:Fallback>
-      </mc:AlternateContent>
+      <p:sp>
+        <p:nvSpPr>
+          <p:cNvPr id="2" name="Title 1"/>
+          <p:cNvSpPr>
+            <a:spLocks noGrp="1"/>
+          </p:cNvSpPr>
+          <p:nvPr>
+            <p:ph type="title"/>
+          </p:nvPr>
+        </p:nvSpPr>
+        <p:spPr/>
+        <p:txBody>
+          <a:bodyPr/>
+          <a:lstStyle/>
+          <a:p>
+            <a:r>
+              <a:rPr lang="en-US" dirty="0" smtClean="0"/>
+              <a:t>Results</a:t>
+            </a:r>
+            <a:endParaRPr lang="en-US" dirty="0"/>
+          </a:p>
+        </p:txBody>
+      </p:sp>
       <p:pic>
         <p:nvPicPr>
-          <p:cNvPr id="10" name="Picture 9" descr="Diagram&#10;&#10;Description automatically generated">
-            <a:extLst>
-              <a:ext uri="{FF2B5EF4-FFF2-40B4-BE49-F238E27FC236}">
-                <a16:creationId xmlns:a16="http://schemas.microsoft.com/office/drawing/2014/main" id="{A21BA237-46F8-48DD-8015-508BAC7FCFEF}"/>
-              </a:ext>
-            </a:extLst>
-          </p:cNvPr>
-          <p:cNvPicPr>
-            <a:picLocks noChangeAspect="1"/>
-          </p:cNvPicPr>
-          <p:nvPr/>
-        </p:nvPicPr>
-        <p:blipFill rotWithShape="1">
-          <a:blip r:embed="rId5">
-            <a:extLst>
-              <a:ext uri="{28A0092B-C50C-407E-A947-70E740481C1C}">
-                <a14:useLocalDpi xmlns:a14="http://schemas.microsoft.com/office/drawing/2010/main" val="0"/>
-              </a:ext>
-            </a:extLst>
-          </a:blip>
-          <a:srcRect l="4180" t="50765" b="27461"/>
-          <a:stretch/>
-        </p:blipFill>
-        <p:spPr>
-          <a:xfrm>
-            <a:off x="5226341" y="2625754"/>
-            <a:ext cx="6571376" cy="1493242"/>
-          </a:xfrm>
-          <a:prstGeom prst="rect">
-            <a:avLst/>
-          </a:prstGeom>
-        </p:spPr>
-      </p:pic>
-      <p:sp>
-        <p:nvSpPr>
-          <p:cNvPr id="11" name="TextBox 10">
-            <a:extLst>
-              <a:ext uri="{FF2B5EF4-FFF2-40B4-BE49-F238E27FC236}">
-                <a16:creationId xmlns:a16="http://schemas.microsoft.com/office/drawing/2014/main" id="{1959BFEB-D27C-4B58-9E10-821D99C105B4}"/>
-              </a:ext>
-            </a:extLst>
-          </p:cNvPr>
-          <p:cNvSpPr txBox="1"/>
-          <p:nvPr/>
-        </p:nvSpPr>
-        <p:spPr>
-          <a:xfrm>
-            <a:off x="5469623" y="2491530"/>
-            <a:ext cx="1249959" cy="369332"/>
-          </a:xfrm>
-          <a:prstGeom prst="rect">
-            <a:avLst/>
-          </a:prstGeom>
-          <a:noFill/>
-        </p:spPr>
-        <p:txBody>
-          <a:bodyPr wrap="square" rtlCol="0">
-            <a:spAutoFit/>
-          </a:bodyPr>
-          <a:lstStyle/>
-          <a:p>
-            <a:r>
-              <a:rPr lang="en-US" dirty="0"/>
-              <a:t>Rh/H is low</a:t>
-            </a:r>
-          </a:p>
-        </p:txBody>
-      </p:sp>
-      <p:sp>
-        <p:nvSpPr>
-          <p:cNvPr id="12" name="TextBox 11">
-            <a:extLst>
-              <a:ext uri="{FF2B5EF4-FFF2-40B4-BE49-F238E27FC236}">
-                <a16:creationId xmlns:a16="http://schemas.microsoft.com/office/drawing/2014/main" id="{C40FD47F-0346-4C14-8DA0-5FE18D97EE83}"/>
-              </a:ext>
-            </a:extLst>
-          </p:cNvPr>
-          <p:cNvSpPr txBox="1"/>
-          <p:nvPr/>
-        </p:nvSpPr>
-        <p:spPr>
-          <a:xfrm>
-            <a:off x="9959131" y="2509705"/>
-            <a:ext cx="1609287" cy="369332"/>
-          </a:xfrm>
-          <a:prstGeom prst="rect">
-            <a:avLst/>
-          </a:prstGeom>
-          <a:noFill/>
-        </p:spPr>
-        <p:txBody>
-          <a:bodyPr wrap="square" rtlCol="0">
-            <a:spAutoFit/>
-          </a:bodyPr>
-          <a:lstStyle/>
-          <a:p>
-            <a:r>
-              <a:rPr lang="en-US" dirty="0"/>
-              <a:t>Rh/H is near 1</a:t>
-            </a:r>
-          </a:p>
-        </p:txBody>
-      </p:sp>
-    </p:spTree>
-    <p:extLst>
-      <p:ext uri="{BB962C8B-B14F-4D97-AF65-F5344CB8AC3E}">
-        <p14:creationId xmlns:p14="http://schemas.microsoft.com/office/powerpoint/2010/main" val="3557711385"/>
-      </p:ext>
-    </p:extLst>
-  </p:cSld>
-  <p:clrMapOvr>
-    <a:masterClrMapping/>
-  </p:clrMapOvr>
-</p:sld>
-</file>
-
-<file path=ppt/slides/slide4.xml><?xml version="1.0" encoding="utf-8"?>
-<p:sld xmlns:a="http://schemas.openxmlformats.org/drawingml/2006/main" xmlns:r="http://schemas.openxmlformats.org/officeDocument/2006/relationships" xmlns:p="http://schemas.openxmlformats.org/presentationml/2006/main">
-  <p:cSld>
-    <p:spTree>
-      <p:nvGrpSpPr>
-        <p:cNvPr id="1" name=""/>
-        <p:cNvGrpSpPr/>
-        <p:nvPr/>
-      </p:nvGrpSpPr>
-      <p:grpSpPr>
-        <a:xfrm>
-          <a:off x="0" y="0"/>
-          <a:ext cx="0" cy="0"/>
-          <a:chOff x="0" y="0"/>
-          <a:chExt cx="0" cy="0"/>
-        </a:xfrm>
-      </p:grpSpPr>
-      <mc:AlternateContent xmlns:mc="http://schemas.openxmlformats.org/markup-compatibility/2006">
-        <mc:Choice xmlns:a14="http://schemas.microsoft.com/office/drawing/2010/main" Requires="a14">
-          <p:sp>
-            <p:nvSpPr>
-              <p:cNvPr id="20" name="TextBox 19">
-                <a:extLst>
-                  <a:ext uri="{FF2B5EF4-FFF2-40B4-BE49-F238E27FC236}">
-                    <a16:creationId xmlns:a16="http://schemas.microsoft.com/office/drawing/2014/main" id="{BA022A3F-671A-4EFA-B36F-3126EAAE6875}"/>
-                  </a:ext>
-                </a:extLst>
-              </p:cNvPr>
-              <p:cNvSpPr txBox="1"/>
-              <p:nvPr/>
-            </p:nvSpPr>
-            <p:spPr>
-              <a:xfrm>
-                <a:off x="374009" y="1510090"/>
-                <a:ext cx="4634219" cy="3539430"/>
-              </a:xfrm>
-              <a:prstGeom prst="rect">
-                <a:avLst/>
-              </a:prstGeom>
-              <a:noFill/>
-            </p:spPr>
-            <p:txBody>
-              <a:bodyPr wrap="square" rtlCol="0">
-                <a:spAutoFit/>
-              </a:bodyPr>
-              <a:lstStyle/>
-              <a:p>
-                <a:r>
-                  <a:rPr lang="en-US" sz="3200" b="1" dirty="0"/>
-                  <a:t>Results</a:t>
-                </a:r>
-                <a:endParaRPr lang="en-US" sz="2400" b="1" dirty="0"/>
-              </a:p>
-              <a:p>
-                <a:pPr marL="342900" indent="-342900">
-                  <a:buAutoNum type="arabicParenR"/>
-                </a:pPr>
-                <a:r>
-                  <a:rPr lang="en-US" sz="2400" dirty="0"/>
-                  <a:t>Theoretical model is recovered when channel inefficiency is greatest (</a:t>
-                </a:r>
-                <a:r>
-                  <a:rPr lang="en-US" sz="2400" dirty="0">
-                    <a:solidFill>
-                      <a:srgbClr val="00008B"/>
-                    </a:solidFill>
-                  </a:rPr>
-                  <a:t>b=0.28</a:t>
-                </a:r>
-                <a:r>
-                  <a:rPr lang="en-US" sz="2400" dirty="0"/>
-                  <a:t>, </a:t>
-                </a:r>
-                <a:r>
-                  <a:rPr lang="en-US" sz="2400" dirty="0">
-                    <a:solidFill>
-                      <a:srgbClr val="006600"/>
-                    </a:solidFill>
-                  </a:rPr>
-                  <a:t>r</a:t>
-                </a:r>
-                <a:r>
-                  <a:rPr lang="en-US" sz="2400" baseline="30000" dirty="0">
-                    <a:solidFill>
-                      <a:srgbClr val="006600"/>
-                    </a:solidFill>
-                  </a:rPr>
-                  <a:t>2</a:t>
-                </a:r>
-                <a:r>
-                  <a:rPr lang="en-US" sz="2400" dirty="0">
-                    <a:solidFill>
-                      <a:srgbClr val="006600"/>
-                    </a:solidFill>
-                  </a:rPr>
-                  <a:t>: 0.68</a:t>
-                </a:r>
-                <a:r>
-                  <a:rPr lang="en-US" sz="2400" dirty="0"/>
-                  <a:t>) </a:t>
-                </a:r>
-                <a:r>
-                  <a:rPr lang="en-US" sz="2400" i="1" dirty="0"/>
-                  <a:t>panels a, c, d</a:t>
-                </a:r>
-              </a:p>
-              <a:p>
-                <a:pPr marL="342900" indent="-342900">
-                  <a:buAutoNum type="arabicParenR"/>
-                </a:pPr>
-                <a:r>
-                  <a:rPr lang="en-US" sz="2400" dirty="0"/>
-                  <a:t>We can produce an ~identical but more parsimonious model by scaling k directly with depth-scale turbulence (</a:t>
-                </a:r>
-                <a14:m>
-                  <m:oMath xmlns:m="http://schemas.openxmlformats.org/officeDocument/2006/math">
-                    <m:sSub>
-                      <m:sSubPr>
-                        <m:ctrlPr>
-                          <a:rPr lang="en-US" sz="2400" b="0" i="1" smtClean="0">
-                            <a:latin typeface="Cambria Math" panose="02040503050406030204" pitchFamily="18" charset="0"/>
-                          </a:rPr>
-                        </m:ctrlPr>
-                      </m:sSubPr>
-                      <m:e>
-                        <m:r>
-                          <a:rPr lang="en-US" sz="2400" b="0" i="1" smtClean="0">
-                            <a:latin typeface="Cambria Math" panose="02040503050406030204" pitchFamily="18" charset="0"/>
-                          </a:rPr>
-                          <m:t>𝑈</m:t>
-                        </m:r>
-                      </m:e>
-                      <m:sub>
-                        <m:r>
-                          <a:rPr lang="en-US" sz="2400" b="0" i="1" smtClean="0">
-                            <a:latin typeface="Cambria Math" panose="02040503050406030204" pitchFamily="18" charset="0"/>
-                          </a:rPr>
-                          <m:t>∗</m:t>
-                        </m:r>
-                      </m:sub>
-                    </m:sSub>
-                  </m:oMath>
-                </a14:m>
-                <a:r>
-                  <a:rPr lang="en-US" sz="2400" dirty="0"/>
-                  <a:t>) </a:t>
-                </a:r>
-                <a:r>
-                  <a:rPr lang="en-US" sz="2400" i="1" dirty="0"/>
-                  <a:t>panel b</a:t>
-                </a:r>
-                <a:endParaRPr lang="en-US" sz="2400" dirty="0"/>
-              </a:p>
-            </p:txBody>
-          </p:sp>
-        </mc:Choice>
-        <mc:Fallback>
-          <p:sp>
-            <p:nvSpPr>
-              <p:cNvPr id="20" name="TextBox 19">
-                <a:extLst>
-                  <a:ext uri="{FF2B5EF4-FFF2-40B4-BE49-F238E27FC236}">
-                    <a16:creationId xmlns:a16="http://schemas.microsoft.com/office/drawing/2014/main" id="{BA022A3F-671A-4EFA-B36F-3126EAAE6875}"/>
-                  </a:ext>
-                </a:extLst>
-              </p:cNvPr>
-              <p:cNvSpPr txBox="1">
-                <a:spLocks noRot="1" noChangeAspect="1" noMove="1" noResize="1" noEditPoints="1" noAdjustHandles="1" noChangeArrowheads="1" noChangeShapeType="1" noTextEdit="1"/>
-              </p:cNvSpPr>
-              <p:nvPr/>
-            </p:nvSpPr>
-            <p:spPr>
-              <a:xfrm>
-                <a:off x="374009" y="1510090"/>
-                <a:ext cx="4634219" cy="3539430"/>
-              </a:xfrm>
-              <a:prstGeom prst="rect">
-                <a:avLst/>
-              </a:prstGeom>
-              <a:blipFill>
-                <a:blip r:embed="rId2"/>
-                <a:stretch>
-                  <a:fillRect l="-3285" t="-2241" r="-3417" b="-3103"/>
-                </a:stretch>
-              </a:blipFill>
-            </p:spPr>
-            <p:txBody>
-              <a:bodyPr/>
-              <a:lstStyle/>
-              <a:p>
-                <a:r>
-                  <a:rPr lang="en-US">
-                    <a:noFill/>
-                  </a:rPr>
-                  <a:t> </a:t>
-                </a:r>
-              </a:p>
-            </p:txBody>
-          </p:sp>
-        </mc:Fallback>
-      </mc:AlternateContent>
-      <p:pic>
-        <p:nvPicPr>
-          <p:cNvPr id="3" name="Picture 2" descr="Diagram&#10;&#10;Description automatically generated">
-            <a:extLst>
-              <a:ext uri="{FF2B5EF4-FFF2-40B4-BE49-F238E27FC236}">
-                <a16:creationId xmlns:a16="http://schemas.microsoft.com/office/drawing/2014/main" id="{CD37A3AE-71DF-46B7-A4D4-3CBE5D6590D3}"/>
-              </a:ext>
-            </a:extLst>
-          </p:cNvPr>
+          <p:cNvPr id="4" name="Picture 3"/>
           <p:cNvPicPr>
             <a:picLocks noChangeAspect="1"/>
           </p:cNvPicPr>
           <p:nvPr/>
         </p:nvPicPr>
         <p:blipFill>
-          <a:blip r:embed="rId3">
+          <a:blip r:embed="rId2" cstate="print">
             <a:extLst>
               <a:ext uri="{28A0092B-C50C-407E-A947-70E740481C1C}">
                 <a14:useLocalDpi xmlns:a14="http://schemas.microsoft.com/office/drawing/2010/main" val="0"/>
@@ -6495,57 +7477,94 @@
         </p:blipFill>
         <p:spPr>
           <a:xfrm>
-            <a:off x="5764184" y="0"/>
-            <a:ext cx="6368143" cy="6858000"/>
+            <a:off x="958735" y="1891145"/>
+            <a:ext cx="10058400" cy="4572000"/>
           </a:xfrm>
           <a:prstGeom prst="rect">
             <a:avLst/>
           </a:prstGeom>
         </p:spPr>
       </p:pic>
-      <p:cxnSp>
-        <p:nvCxnSpPr>
-          <p:cNvPr id="6" name="Straight Connector 5">
-            <a:extLst>
-              <a:ext uri="{FF2B5EF4-FFF2-40B4-BE49-F238E27FC236}">
-                <a16:creationId xmlns:a16="http://schemas.microsoft.com/office/drawing/2014/main" id="{55EF8931-F184-4914-8C0C-50F558DC1642}"/>
-              </a:ext>
-            </a:extLst>
-          </p:cNvPr>
-          <p:cNvCxnSpPr/>
+      <p:sp>
+        <p:nvSpPr>
+          <p:cNvPr id="5" name="TextBox 4"/>
+          <p:cNvSpPr txBox="1"/>
           <p:nvPr/>
-        </p:nvCxnSpPr>
+        </p:nvSpPr>
         <p:spPr>
           <a:xfrm>
-            <a:off x="5830349" y="4957894"/>
-            <a:ext cx="6361651" cy="0"/>
+            <a:off x="2576946" y="1690688"/>
+            <a:ext cx="2851265" cy="461665"/>
           </a:xfrm>
-          <a:prstGeom prst="line">
+          <a:prstGeom prst="rect">
             <a:avLst/>
           </a:prstGeom>
-          <a:ln w="38100">
-            <a:prstDash val="dash"/>
-          </a:ln>
+          <a:noFill/>
         </p:spPr>
-        <p:style>
-          <a:lnRef idx="1">
-            <a:schemeClr val="dk1"/>
-          </a:lnRef>
-          <a:fillRef idx="0">
-            <a:schemeClr val="dk1"/>
-          </a:fillRef>
-          <a:effectRef idx="0">
-            <a:schemeClr val="dk1"/>
-          </a:effectRef>
-          <a:fontRef idx="minor">
-            <a:schemeClr val="tx1"/>
-          </a:fontRef>
-        </p:style>
-      </p:cxnSp>
+        <p:txBody>
+          <a:bodyPr wrap="square" rtlCol="0">
+            <a:spAutoFit/>
+          </a:bodyPr>
+          <a:lstStyle/>
+          <a:p>
+            <a:r>
+              <a:rPr lang="en-US" sz="2400" b="1" dirty="0" smtClean="0">
+                <a:solidFill>
+                  <a:srgbClr val="FF0000"/>
+                </a:solidFill>
+              </a:rPr>
+              <a:t>Hydraulically Wide</a:t>
+            </a:r>
+            <a:endParaRPr lang="en-US" sz="2400" b="1" dirty="0">
+              <a:solidFill>
+                <a:srgbClr val="FF0000"/>
+              </a:solidFill>
+            </a:endParaRPr>
+          </a:p>
+        </p:txBody>
+      </p:sp>
+      <p:sp>
+        <p:nvSpPr>
+          <p:cNvPr id="6" name="TextBox 5"/>
+          <p:cNvSpPr txBox="1"/>
+          <p:nvPr/>
+        </p:nvSpPr>
+        <p:spPr>
+          <a:xfrm>
+            <a:off x="7849986" y="1660312"/>
+            <a:ext cx="2851265" cy="461665"/>
+          </a:xfrm>
+          <a:prstGeom prst="rect">
+            <a:avLst/>
+          </a:prstGeom>
+          <a:noFill/>
+        </p:spPr>
+        <p:txBody>
+          <a:bodyPr wrap="square" rtlCol="0">
+            <a:spAutoFit/>
+          </a:bodyPr>
+          <a:lstStyle/>
+          <a:p>
+            <a:r>
+              <a:rPr lang="en-US" sz="2400" b="1" dirty="0" smtClean="0">
+                <a:solidFill>
+                  <a:srgbClr val="FF0000"/>
+                </a:solidFill>
+              </a:rPr>
+              <a:t>SWOT-Observable</a:t>
+            </a:r>
+            <a:endParaRPr lang="en-US" sz="2400" b="1" dirty="0">
+              <a:solidFill>
+                <a:srgbClr val="FF0000"/>
+              </a:solidFill>
+            </a:endParaRPr>
+          </a:p>
+        </p:txBody>
+      </p:sp>
     </p:spTree>
     <p:extLst>
       <p:ext uri="{BB962C8B-B14F-4D97-AF65-F5344CB8AC3E}">
-        <p14:creationId xmlns:p14="http://schemas.microsoft.com/office/powerpoint/2010/main" val="3779462781"/>
+        <p14:creationId xmlns:p14="http://schemas.microsoft.com/office/powerpoint/2010/main" val="2396607937"/>
       </p:ext>
     </p:extLst>
   </p:cSld>
@@ -6555,7 +7574,7 @@
 </p:sld>
 </file>
 
-<file path=ppt/slides/slide5.xml><?xml version="1.0" encoding="utf-8"?>
+<file path=ppt/slides/slide4.xml><?xml version="1.0" encoding="utf-8"?>
 <p:sld xmlns:a="http://schemas.openxmlformats.org/drawingml/2006/main" xmlns:r="http://schemas.openxmlformats.org/officeDocument/2006/relationships" xmlns:p="http://schemas.openxmlformats.org/presentationml/2006/main">
   <p:cSld>
     <p:spTree>
@@ -6600,8 +7619,8 @@
           </a:p>
         </p:txBody>
       </p:sp>
-      <mc:AlternateContent xmlns:mc="http://schemas.openxmlformats.org/markup-compatibility/2006">
-        <mc:Choice xmlns:a14="http://schemas.microsoft.com/office/drawing/2010/main" Requires="a14">
+      <mc:AlternateContent xmlns:mc="http://schemas.openxmlformats.org/markup-compatibility/2006" xmlns:a14="http://schemas.microsoft.com/office/drawing/2010/main">
+        <mc:Choice Requires="a14">
           <p:sp>
             <p:nvSpPr>
               <p:cNvPr id="3" name="Content Placeholder 2">
@@ -6625,7 +7644,7 @@
               <a:p>
                 <a:r>
                   <a:rPr lang="en-US" dirty="0"/>
-                  <a:t>Using Brinkerhoff et al (2019) dataset (n=171,553), I found that 95% of SWOT-observable river measurements had Rh within 5% of H</a:t>
+                  <a:t>Using Brinkerhoff et al (2019) dataset (n=171,553), 95% of SWOT-observable river measurements had Rh within 5% of H</a:t>
                 </a:r>
               </a:p>
               <a:p>
@@ -6747,7 +7766,7 @@
             </p:txBody>
           </p:sp>
         </mc:Choice>
-        <mc:Fallback>
+        <mc:Fallback xmlns="">
           <p:sp>
             <p:nvSpPr>
               <p:cNvPr id="3" name="Content Placeholder 2">

--- a/docs/Zappa_notes_2.pptx
+++ b/docs/Zappa_notes_2.pptx
@@ -5,10 +5,11 @@
     <p:sldMasterId id="2147483648" r:id="rId1"/>
   </p:sldMasterIdLst>
   <p:sldIdLst>
-    <p:sldId id="260" r:id="rId2"/>
-    <p:sldId id="270" r:id="rId3"/>
-    <p:sldId id="271" r:id="rId4"/>
-    <p:sldId id="264" r:id="rId5"/>
+    <p:sldId id="273" r:id="rId2"/>
+    <p:sldId id="274" r:id="rId3"/>
+    <p:sldId id="275" r:id="rId4"/>
+    <p:sldId id="260" r:id="rId5"/>
+    <p:sldId id="276" r:id="rId6"/>
   </p:sldIdLst>
   <p:sldSz cx="12192000" cy="6858000"/>
   <p:notesSz cx="6858000" cy="9144000"/>
@@ -118,7 +119,7 @@
 <file path=ppt/revisionInfo.xml><?xml version="1.0" encoding="utf-8"?>
 <p1510:revInfo xmlns:a="http://schemas.openxmlformats.org/drawingml/2006/main" xmlns:r="http://schemas.openxmlformats.org/officeDocument/2006/relationships" xmlns:p1510="http://schemas.microsoft.com/office/powerpoint/2015/10/main">
   <p1510:revLst>
-    <p1510:client id="{AF3F3D11-ADD9-485B-883B-4116CF994C98}" v="655" dt="2021-09-20T22:17:31.373"/>
+    <p1510:client id="{AF3F3D11-ADD9-485B-883B-4116CF994C98}" v="1407" dt="2021-10-04T20:23:45.101"/>
   </p1510:revLst>
 </p1510:revInfo>
 </file>
@@ -127,19 +128,27 @@
 <pc:chgInfo xmlns:a="http://schemas.openxmlformats.org/drawingml/2006/main" xmlns:r="http://schemas.openxmlformats.org/officeDocument/2006/relationships" xmlns:ac="http://schemas.microsoft.com/office/drawing/2013/main/command" xmlns:pc="http://schemas.microsoft.com/office/powerpoint/2013/main/command">
   <pc:docChgLst>
     <pc:chgData name="Craig Brinkerhoff" userId="4ca67c74-3213-4250-9c32-077ebf257a4d" providerId="ADAL" clId="{AF3F3D11-ADD9-485B-883B-4116CF994C98}"/>
-    <pc:docChg chg="undo custSel addSld modSld">
-      <pc:chgData name="Craig Brinkerhoff" userId="4ca67c74-3213-4250-9c32-077ebf257a4d" providerId="ADAL" clId="{AF3F3D11-ADD9-485B-883B-4116CF994C98}" dt="2021-09-20T22:17:31.373" v="1292" actId="20577"/>
+    <pc:docChg chg="undo custSel addSld delSld modSld sldOrd">
+      <pc:chgData name="Craig Brinkerhoff" userId="4ca67c74-3213-4250-9c32-077ebf257a4d" providerId="ADAL" clId="{AF3F3D11-ADD9-485B-883B-4116CF994C98}" dt="2021-10-04T21:11:41.755" v="4870" actId="115"/>
       <pc:docMkLst>
         <pc:docMk/>
       </pc:docMkLst>
-      <pc:sldChg chg="addSp delSp modSp mod">
-        <pc:chgData name="Craig Brinkerhoff" userId="4ca67c74-3213-4250-9c32-077ebf257a4d" providerId="ADAL" clId="{AF3F3D11-ADD9-485B-883B-4116CF994C98}" dt="2021-09-17T19:45:24.101" v="766" actId="20577"/>
+      <pc:sldChg chg="addSp delSp modSp mod ord">
+        <pc:chgData name="Craig Brinkerhoff" userId="4ca67c74-3213-4250-9c32-077ebf257a4d" providerId="ADAL" clId="{AF3F3D11-ADD9-485B-883B-4116CF994C98}" dt="2021-10-04T20:24:11.627" v="4755" actId="1076"/>
         <pc:sldMkLst>
           <pc:docMk/>
           <pc:sldMk cId="1764610376" sldId="260"/>
         </pc:sldMkLst>
         <pc:spChg chg="mod">
-          <ac:chgData name="Craig Brinkerhoff" userId="4ca67c74-3213-4250-9c32-077ebf257a4d" providerId="ADAL" clId="{AF3F3D11-ADD9-485B-883B-4116CF994C98}" dt="2021-09-17T19:45:24.101" v="766" actId="20577"/>
+          <ac:chgData name="Craig Brinkerhoff" userId="4ca67c74-3213-4250-9c32-077ebf257a4d" providerId="ADAL" clId="{AF3F3D11-ADD9-485B-883B-4116CF994C98}" dt="2021-10-04T19:34:06.760" v="4312" actId="20577"/>
+          <ac:spMkLst>
+            <pc:docMk/>
+            <pc:sldMk cId="1764610376" sldId="260"/>
+            <ac:spMk id="2" creationId="{EFD924C7-1BEF-4A0B-AE29-CCEC68DC0E66}"/>
+          </ac:spMkLst>
+        </pc:spChg>
+        <pc:spChg chg="del mod">
+          <ac:chgData name="Craig Brinkerhoff" userId="4ca67c74-3213-4250-9c32-077ebf257a4d" providerId="ADAL" clId="{AF3F3D11-ADD9-485B-883B-4116CF994C98}" dt="2021-10-04T19:33:57.205" v="4293" actId="478"/>
           <ac:spMkLst>
             <pc:docMk/>
             <pc:sldMk cId="1764610376" sldId="260"/>
@@ -162,8 +171,232 @@
             <ac:spMk id="9" creationId="{F4219DE6-0639-4972-9B7C-366381A86FB1}"/>
           </ac:spMkLst>
         </pc:spChg>
-        <pc:grpChg chg="add mod">
-          <ac:chgData name="Craig Brinkerhoff" userId="4ca67c74-3213-4250-9c32-077ebf257a4d" providerId="ADAL" clId="{AF3F3D11-ADD9-485B-883B-4116CF994C98}" dt="2021-09-17T16:50:29.800" v="260" actId="1076"/>
+        <pc:spChg chg="add mod">
+          <ac:chgData name="Craig Brinkerhoff" userId="4ca67c74-3213-4250-9c32-077ebf257a4d" providerId="ADAL" clId="{AF3F3D11-ADD9-485B-883B-4116CF994C98}" dt="2021-10-04T20:04:07.766" v="4467" actId="1076"/>
+          <ac:spMkLst>
+            <pc:docMk/>
+            <pc:sldMk cId="1764610376" sldId="260"/>
+            <ac:spMk id="11" creationId="{7704E46D-CA3B-4EF1-9299-87A665FC7773}"/>
+          </ac:spMkLst>
+        </pc:spChg>
+        <pc:spChg chg="add mod">
+          <ac:chgData name="Craig Brinkerhoff" userId="4ca67c74-3213-4250-9c32-077ebf257a4d" providerId="ADAL" clId="{AF3F3D11-ADD9-485B-883B-4116CF994C98}" dt="2021-10-04T20:00:21.827" v="4441" actId="207"/>
+          <ac:spMkLst>
+            <pc:docMk/>
+            <pc:sldMk cId="1764610376" sldId="260"/>
+            <ac:spMk id="13" creationId="{3E139AC7-5091-4605-876B-55D8EF69DD11}"/>
+          </ac:spMkLst>
+        </pc:spChg>
+        <pc:spChg chg="add mod">
+          <ac:chgData name="Craig Brinkerhoff" userId="4ca67c74-3213-4250-9c32-077ebf257a4d" providerId="ADAL" clId="{AF3F3D11-ADD9-485B-883B-4116CF994C98}" dt="2021-10-04T20:01:04.756" v="4446" actId="207"/>
+          <ac:spMkLst>
+            <pc:docMk/>
+            <pc:sldMk cId="1764610376" sldId="260"/>
+            <ac:spMk id="14" creationId="{9554E590-2B84-4CD3-95B7-8678C663D6CF}"/>
+          </ac:spMkLst>
+        </pc:spChg>
+        <pc:spChg chg="add del mod">
+          <ac:chgData name="Craig Brinkerhoff" userId="4ca67c74-3213-4250-9c32-077ebf257a4d" providerId="ADAL" clId="{AF3F3D11-ADD9-485B-883B-4116CF994C98}" dt="2021-10-04T19:33:59.162" v="4294" actId="478"/>
+          <ac:spMkLst>
+            <pc:docMk/>
+            <pc:sldMk cId="1764610376" sldId="260"/>
+            <ac:spMk id="19" creationId="{BEBEC215-C77B-43B4-95E4-D06A9AF7E2B3}"/>
+          </ac:spMkLst>
+        </pc:spChg>
+        <pc:spChg chg="add mod ord">
+          <ac:chgData name="Craig Brinkerhoff" userId="4ca67c74-3213-4250-9c32-077ebf257a4d" providerId="ADAL" clId="{AF3F3D11-ADD9-485B-883B-4116CF994C98}" dt="2021-10-04T20:19:15.236" v="4660" actId="1076"/>
+          <ac:spMkLst>
+            <pc:docMk/>
+            <pc:sldMk cId="1764610376" sldId="260"/>
+            <ac:spMk id="22" creationId="{9BDA0D94-7527-458C-B2B4-736F81777138}"/>
+          </ac:spMkLst>
+        </pc:spChg>
+        <pc:spChg chg="add del">
+          <ac:chgData name="Craig Brinkerhoff" userId="4ca67c74-3213-4250-9c32-077ebf257a4d" providerId="ADAL" clId="{AF3F3D11-ADD9-485B-883B-4116CF994C98}" dt="2021-10-04T19:38:42.899" v="4335" actId="11529"/>
+          <ac:spMkLst>
+            <pc:docMk/>
+            <pc:sldMk cId="1764610376" sldId="260"/>
+            <ac:spMk id="23" creationId="{B0C85BE7-0D14-434A-8BB5-E00F14C33BB6}"/>
+          </ac:spMkLst>
+        </pc:spChg>
+        <pc:spChg chg="add del mod">
+          <ac:chgData name="Craig Brinkerhoff" userId="4ca67c74-3213-4250-9c32-077ebf257a4d" providerId="ADAL" clId="{AF3F3D11-ADD9-485B-883B-4116CF994C98}" dt="2021-10-04T19:45:05.134" v="4383" actId="478"/>
+          <ac:spMkLst>
+            <pc:docMk/>
+            <pc:sldMk cId="1764610376" sldId="260"/>
+            <ac:spMk id="24" creationId="{3661ABF3-217D-4115-AB60-F5671DC8EBAB}"/>
+          </ac:spMkLst>
+        </pc:spChg>
+        <pc:spChg chg="add del mod">
+          <ac:chgData name="Craig Brinkerhoff" userId="4ca67c74-3213-4250-9c32-077ebf257a4d" providerId="ADAL" clId="{AF3F3D11-ADD9-485B-883B-4116CF994C98}" dt="2021-10-04T19:45:06.701" v="4385" actId="478"/>
+          <ac:spMkLst>
+            <pc:docMk/>
+            <pc:sldMk cId="1764610376" sldId="260"/>
+            <ac:spMk id="25" creationId="{6717B0CE-A1B3-4C02-B051-869CFE468F76}"/>
+          </ac:spMkLst>
+        </pc:spChg>
+        <pc:spChg chg="add del mod">
+          <ac:chgData name="Craig Brinkerhoff" userId="4ca67c74-3213-4250-9c32-077ebf257a4d" providerId="ADAL" clId="{AF3F3D11-ADD9-485B-883B-4116CF994C98}" dt="2021-10-04T19:45:04.362" v="4382" actId="478"/>
+          <ac:spMkLst>
+            <pc:docMk/>
+            <pc:sldMk cId="1764610376" sldId="260"/>
+            <ac:spMk id="26" creationId="{6D6595AB-F062-4995-82D8-EF476DA71920}"/>
+          </ac:spMkLst>
+        </pc:spChg>
+        <pc:spChg chg="add del">
+          <ac:chgData name="Craig Brinkerhoff" userId="4ca67c74-3213-4250-9c32-077ebf257a4d" providerId="ADAL" clId="{AF3F3D11-ADD9-485B-883B-4116CF994C98}" dt="2021-10-04T19:43:08.652" v="4362" actId="478"/>
+          <ac:spMkLst>
+            <pc:docMk/>
+            <pc:sldMk cId="1764610376" sldId="260"/>
+            <ac:spMk id="29" creationId="{BBD4F174-230E-43A3-AEDC-8158D7B7FEF6}"/>
+          </ac:spMkLst>
+        </pc:spChg>
+        <pc:spChg chg="add del mod">
+          <ac:chgData name="Craig Brinkerhoff" userId="4ca67c74-3213-4250-9c32-077ebf257a4d" providerId="ADAL" clId="{AF3F3D11-ADD9-485B-883B-4116CF994C98}" dt="2021-10-04T19:43:10.059" v="4363" actId="478"/>
+          <ac:spMkLst>
+            <pc:docMk/>
+            <pc:sldMk cId="1764610376" sldId="260"/>
+            <ac:spMk id="31" creationId="{F2BB68CF-660D-4969-AB26-1DE10468FA0F}"/>
+          </ac:spMkLst>
+        </pc:spChg>
+        <pc:spChg chg="add del mod">
+          <ac:chgData name="Craig Brinkerhoff" userId="4ca67c74-3213-4250-9c32-077ebf257a4d" providerId="ADAL" clId="{AF3F3D11-ADD9-485B-883B-4116CF994C98}" dt="2021-10-04T19:43:10.991" v="4364" actId="478"/>
+          <ac:spMkLst>
+            <pc:docMk/>
+            <pc:sldMk cId="1764610376" sldId="260"/>
+            <ac:spMk id="32" creationId="{9109F911-0C8D-4F85-A9BC-CDF986468911}"/>
+          </ac:spMkLst>
+        </pc:spChg>
+        <pc:spChg chg="add del mod">
+          <ac:chgData name="Craig Brinkerhoff" userId="4ca67c74-3213-4250-9c32-077ebf257a4d" providerId="ADAL" clId="{AF3F3D11-ADD9-485B-883B-4116CF994C98}" dt="2021-10-04T19:43:11.620" v="4365" actId="478"/>
+          <ac:spMkLst>
+            <pc:docMk/>
+            <pc:sldMk cId="1764610376" sldId="260"/>
+            <ac:spMk id="33" creationId="{3FA2FFCA-10B8-4CB8-825B-4DB041B76F61}"/>
+          </ac:spMkLst>
+        </pc:spChg>
+        <pc:spChg chg="add del mod">
+          <ac:chgData name="Craig Brinkerhoff" userId="4ca67c74-3213-4250-9c32-077ebf257a4d" providerId="ADAL" clId="{AF3F3D11-ADD9-485B-883B-4116CF994C98}" dt="2021-10-04T19:48:21.167" v="4417" actId="478"/>
+          <ac:spMkLst>
+            <pc:docMk/>
+            <pc:sldMk cId="1764610376" sldId="260"/>
+            <ac:spMk id="43" creationId="{091819F4-65BA-4471-B147-A8DBA3DC40B3}"/>
+          </ac:spMkLst>
+        </pc:spChg>
+        <pc:spChg chg="add del mod">
+          <ac:chgData name="Craig Brinkerhoff" userId="4ca67c74-3213-4250-9c32-077ebf257a4d" providerId="ADAL" clId="{AF3F3D11-ADD9-485B-883B-4116CF994C98}" dt="2021-10-04T19:46:48.729" v="4401" actId="478"/>
+          <ac:spMkLst>
+            <pc:docMk/>
+            <pc:sldMk cId="1764610376" sldId="260"/>
+            <ac:spMk id="44" creationId="{EF85AFD6-37F6-40BA-B40A-C87DCE7AFEAB}"/>
+          </ac:spMkLst>
+        </pc:spChg>
+        <pc:spChg chg="add mod ord">
+          <ac:chgData name="Craig Brinkerhoff" userId="4ca67c74-3213-4250-9c32-077ebf257a4d" providerId="ADAL" clId="{AF3F3D11-ADD9-485B-883B-4116CF994C98}" dt="2021-10-04T20:19:15.236" v="4660" actId="1076"/>
+          <ac:spMkLst>
+            <pc:docMk/>
+            <pc:sldMk cId="1764610376" sldId="260"/>
+            <ac:spMk id="45" creationId="{1BB844BC-30F4-411D-8540-D61D7E332BFE}"/>
+          </ac:spMkLst>
+        </pc:spChg>
+        <pc:spChg chg="add mod">
+          <ac:chgData name="Craig Brinkerhoff" userId="4ca67c74-3213-4250-9c32-077ebf257a4d" providerId="ADAL" clId="{AF3F3D11-ADD9-485B-883B-4116CF994C98}" dt="2021-10-04T20:21:28.273" v="4715" actId="1076"/>
+          <ac:spMkLst>
+            <pc:docMk/>
+            <pc:sldMk cId="1764610376" sldId="260"/>
+            <ac:spMk id="46" creationId="{346E705B-90DC-4526-A1B9-6A2B9DAB7C5D}"/>
+          </ac:spMkLst>
+        </pc:spChg>
+        <pc:spChg chg="add mod ord">
+          <ac:chgData name="Craig Brinkerhoff" userId="4ca67c74-3213-4250-9c32-077ebf257a4d" providerId="ADAL" clId="{AF3F3D11-ADD9-485B-883B-4116CF994C98}" dt="2021-10-04T20:23:27.972" v="4737" actId="14100"/>
+          <ac:spMkLst>
+            <pc:docMk/>
+            <pc:sldMk cId="1764610376" sldId="260"/>
+            <ac:spMk id="47" creationId="{17C16460-21A7-4B94-997F-C25C0679C66C}"/>
+          </ac:spMkLst>
+        </pc:spChg>
+        <pc:spChg chg="add mod">
+          <ac:chgData name="Craig Brinkerhoff" userId="4ca67c74-3213-4250-9c32-077ebf257a4d" providerId="ADAL" clId="{AF3F3D11-ADD9-485B-883B-4116CF994C98}" dt="2021-10-04T20:21:30.476" v="4716" actId="1076"/>
+          <ac:spMkLst>
+            <pc:docMk/>
+            <pc:sldMk cId="1764610376" sldId="260"/>
+            <ac:spMk id="48" creationId="{382C325A-F4D3-4A21-A276-31CA908C11BD}"/>
+          </ac:spMkLst>
+        </pc:spChg>
+        <pc:spChg chg="add del mod">
+          <ac:chgData name="Craig Brinkerhoff" userId="4ca67c74-3213-4250-9c32-077ebf257a4d" providerId="ADAL" clId="{AF3F3D11-ADD9-485B-883B-4116CF994C98}" dt="2021-10-04T20:01:09.582" v="4447" actId="478"/>
+          <ac:spMkLst>
+            <pc:docMk/>
+            <pc:sldMk cId="1764610376" sldId="260"/>
+            <ac:spMk id="49" creationId="{A1CF6315-8B39-4317-91C5-B95D5675206C}"/>
+          </ac:spMkLst>
+        </pc:spChg>
+        <pc:spChg chg="add del mod">
+          <ac:chgData name="Craig Brinkerhoff" userId="4ca67c74-3213-4250-9c32-077ebf257a4d" providerId="ADAL" clId="{AF3F3D11-ADD9-485B-883B-4116CF994C98}" dt="2021-10-04T19:52:49.507" v="4438" actId="478"/>
+          <ac:spMkLst>
+            <pc:docMk/>
+            <pc:sldMk cId="1764610376" sldId="260"/>
+            <ac:spMk id="50" creationId="{FD28C58E-603B-4123-A9CD-4F8107B0207A}"/>
+          </ac:spMkLst>
+        </pc:spChg>
+        <pc:spChg chg="add mod">
+          <ac:chgData name="Craig Brinkerhoff" userId="4ca67c74-3213-4250-9c32-077ebf257a4d" providerId="ADAL" clId="{AF3F3D11-ADD9-485B-883B-4116CF994C98}" dt="2021-10-04T20:20:17.555" v="4696" actId="20577"/>
+          <ac:spMkLst>
+            <pc:docMk/>
+            <pc:sldMk cId="1764610376" sldId="260"/>
+            <ac:spMk id="54" creationId="{63DD99C5-A105-431F-9223-349B8DC05840}"/>
+          </ac:spMkLst>
+        </pc:spChg>
+        <pc:spChg chg="add mod ord">
+          <ac:chgData name="Craig Brinkerhoff" userId="4ca67c74-3213-4250-9c32-077ebf257a4d" providerId="ADAL" clId="{AF3F3D11-ADD9-485B-883B-4116CF994C98}" dt="2021-10-04T20:23:38.635" v="4738" actId="207"/>
+          <ac:spMkLst>
+            <pc:docMk/>
+            <pc:sldMk cId="1764610376" sldId="260"/>
+            <ac:spMk id="55" creationId="{D49EE705-C737-49DC-9B85-B9AEF770C848}"/>
+          </ac:spMkLst>
+        </pc:spChg>
+        <pc:spChg chg="add mod">
+          <ac:chgData name="Craig Brinkerhoff" userId="4ca67c74-3213-4250-9c32-077ebf257a4d" providerId="ADAL" clId="{AF3F3D11-ADD9-485B-883B-4116CF994C98}" dt="2021-10-04T20:20:58.491" v="4707" actId="2085"/>
+          <ac:spMkLst>
+            <pc:docMk/>
+            <pc:sldMk cId="1764610376" sldId="260"/>
+            <ac:spMk id="56" creationId="{9AC33DFD-40A4-49E5-B44F-1BA807005B91}"/>
+          </ac:spMkLst>
+        </pc:spChg>
+        <pc:spChg chg="add mod">
+          <ac:chgData name="Craig Brinkerhoff" userId="4ca67c74-3213-4250-9c32-077ebf257a4d" providerId="ADAL" clId="{AF3F3D11-ADD9-485B-883B-4116CF994C98}" dt="2021-10-04T20:20:23.023" v="4697" actId="1076"/>
+          <ac:spMkLst>
+            <pc:docMk/>
+            <pc:sldMk cId="1764610376" sldId="260"/>
+            <ac:spMk id="57" creationId="{6B71DBDA-C1E5-48BE-8089-B84B60A2605D}"/>
+          </ac:spMkLst>
+        </pc:spChg>
+        <pc:spChg chg="add mod">
+          <ac:chgData name="Craig Brinkerhoff" userId="4ca67c74-3213-4250-9c32-077ebf257a4d" providerId="ADAL" clId="{AF3F3D11-ADD9-485B-883B-4116CF994C98}" dt="2021-10-04T20:23:38.635" v="4738" actId="207"/>
+          <ac:spMkLst>
+            <pc:docMk/>
+            <pc:sldMk cId="1764610376" sldId="260"/>
+            <ac:spMk id="58" creationId="{CC680785-AEB9-4170-AD1E-3F19B09BA14D}"/>
+          </ac:spMkLst>
+        </pc:spChg>
+        <pc:spChg chg="add mod">
+          <ac:chgData name="Craig Brinkerhoff" userId="4ca67c74-3213-4250-9c32-077ebf257a4d" providerId="ADAL" clId="{AF3F3D11-ADD9-485B-883B-4116CF994C98}" dt="2021-10-04T20:24:11.627" v="4755" actId="1076"/>
+          <ac:spMkLst>
+            <pc:docMk/>
+            <pc:sldMk cId="1764610376" sldId="260"/>
+            <ac:spMk id="59" creationId="{CF22C975-0FA9-4F3F-9891-D9DED725199E}"/>
+          </ac:spMkLst>
+        </pc:spChg>
+        <pc:spChg chg="add mod">
+          <ac:chgData name="Craig Brinkerhoff" userId="4ca67c74-3213-4250-9c32-077ebf257a4d" providerId="ADAL" clId="{AF3F3D11-ADD9-485B-883B-4116CF994C98}" dt="2021-10-04T20:21:21.621" v="4714" actId="14100"/>
+          <ac:spMkLst>
+            <pc:docMk/>
+            <pc:sldMk cId="1764610376" sldId="260"/>
+            <ac:spMk id="60" creationId="{0D2C557A-4BB6-465B-BF48-E2CCF0F1FF1D}"/>
+          </ac:spMkLst>
+        </pc:spChg>
+        <pc:grpChg chg="add del mod">
+          <ac:chgData name="Craig Brinkerhoff" userId="4ca67c74-3213-4250-9c32-077ebf257a4d" providerId="ADAL" clId="{AF3F3D11-ADD9-485B-883B-4116CF994C98}" dt="2021-10-04T15:54:57.378" v="1669" actId="478"/>
           <ac:grpSpMkLst>
             <pc:docMk/>
             <pc:sldMk cId="1764610376" sldId="260"/>
@@ -178,12 +411,36 @@
             <ac:picMk id="5" creationId="{2E8E06C0-CAFE-454B-8273-0682F242C0D9}"/>
           </ac:picMkLst>
         </pc:picChg>
+        <pc:picChg chg="add mod">
+          <ac:chgData name="Craig Brinkerhoff" userId="4ca67c74-3213-4250-9c32-077ebf257a4d" providerId="ADAL" clId="{AF3F3D11-ADD9-485B-883B-4116CF994C98}" dt="2021-10-04T19:34:33.418" v="4319" actId="1076"/>
+          <ac:picMkLst>
+            <pc:docMk/>
+            <pc:sldMk cId="1764610376" sldId="260"/>
+            <ac:picMk id="10" creationId="{09AC96D9-5CCE-4511-B879-63677F4A8467}"/>
+          </ac:picMkLst>
+        </pc:picChg>
         <pc:picChg chg="add del mod">
           <ac:chgData name="Craig Brinkerhoff" userId="4ca67c74-3213-4250-9c32-077ebf257a4d" providerId="ADAL" clId="{AF3F3D11-ADD9-485B-883B-4116CF994C98}" dt="2021-09-17T19:45:19.414" v="756" actId="478"/>
           <ac:picMkLst>
             <pc:docMk/>
             <pc:sldMk cId="1764610376" sldId="260"/>
             <ac:picMk id="11" creationId="{04267E32-EFC4-4C92-955C-CCFFD1951D3A}"/>
+          </ac:picMkLst>
+        </pc:picChg>
+        <pc:picChg chg="add del mod">
+          <ac:chgData name="Craig Brinkerhoff" userId="4ca67c74-3213-4250-9c32-077ebf257a4d" providerId="ADAL" clId="{AF3F3D11-ADD9-485B-883B-4116CF994C98}" dt="2021-10-04T19:34:42.973" v="4321" actId="478"/>
+          <ac:picMkLst>
+            <pc:docMk/>
+            <pc:sldMk cId="1764610376" sldId="260"/>
+            <ac:picMk id="20" creationId="{2D2CEA87-FCDE-4A91-BADF-8E9E4896C70A}"/>
+          </ac:picMkLst>
+        </pc:picChg>
+        <pc:picChg chg="add mod">
+          <ac:chgData name="Craig Brinkerhoff" userId="4ca67c74-3213-4250-9c32-077ebf257a4d" providerId="ADAL" clId="{AF3F3D11-ADD9-485B-883B-4116CF994C98}" dt="2021-10-04T20:18:44.926" v="4655" actId="167"/>
+          <ac:picMkLst>
+            <pc:docMk/>
+            <pc:sldMk cId="1764610376" sldId="260"/>
+            <ac:picMk id="1026" creationId="{FBAF3410-868C-4070-9F3C-26446099C372}"/>
           </ac:picMkLst>
         </pc:picChg>
         <pc:cxnChg chg="add mod">
@@ -192,6 +449,78 @@
             <pc:docMk/>
             <pc:sldMk cId="1764610376" sldId="260"/>
             <ac:cxnSpMk id="8" creationId="{C73478DB-05DE-4881-BE7F-431A144885D5}"/>
+          </ac:cxnSpMkLst>
+        </pc:cxnChg>
+        <pc:cxnChg chg="add mod">
+          <ac:chgData name="Craig Brinkerhoff" userId="4ca67c74-3213-4250-9c32-077ebf257a4d" providerId="ADAL" clId="{AF3F3D11-ADD9-485B-883B-4116CF994C98}" dt="2021-10-04T19:34:33.418" v="4319" actId="1076"/>
+          <ac:cxnSpMkLst>
+            <pc:docMk/>
+            <pc:sldMk cId="1764610376" sldId="260"/>
+            <ac:cxnSpMk id="15" creationId="{09421515-1FC1-41BF-B8F8-A86A653416E4}"/>
+          </ac:cxnSpMkLst>
+        </pc:cxnChg>
+        <pc:cxnChg chg="add mod">
+          <ac:chgData name="Craig Brinkerhoff" userId="4ca67c74-3213-4250-9c32-077ebf257a4d" providerId="ADAL" clId="{AF3F3D11-ADD9-485B-883B-4116CF994C98}" dt="2021-10-04T19:34:33.418" v="4319" actId="1076"/>
+          <ac:cxnSpMkLst>
+            <pc:docMk/>
+            <pc:sldMk cId="1764610376" sldId="260"/>
+            <ac:cxnSpMk id="16" creationId="{D3EBBC6C-778D-4922-9E09-467C7B420051}"/>
+          </ac:cxnSpMkLst>
+        </pc:cxnChg>
+        <pc:cxnChg chg="add mod">
+          <ac:chgData name="Craig Brinkerhoff" userId="4ca67c74-3213-4250-9c32-077ebf257a4d" providerId="ADAL" clId="{AF3F3D11-ADD9-485B-883B-4116CF994C98}" dt="2021-10-04T20:04:10.155" v="4468" actId="14100"/>
+          <ac:cxnSpMkLst>
+            <pc:docMk/>
+            <pc:sldMk cId="1764610376" sldId="260"/>
+            <ac:cxnSpMk id="17" creationId="{E460611C-47E4-45AE-ACE0-3A1839EC4DA4}"/>
+          </ac:cxnSpMkLst>
+        </pc:cxnChg>
+        <pc:cxnChg chg="add del">
+          <ac:chgData name="Craig Brinkerhoff" userId="4ca67c74-3213-4250-9c32-077ebf257a4d" providerId="ADAL" clId="{AF3F3D11-ADD9-485B-883B-4116CF994C98}" dt="2021-10-04T19:38:51.199" v="4337" actId="11529"/>
+          <ac:cxnSpMkLst>
+            <pc:docMk/>
+            <pc:sldMk cId="1764610376" sldId="260"/>
+            <ac:cxnSpMk id="28" creationId="{709A4C02-B594-468A-88D1-5FAD22883BA2}"/>
+          </ac:cxnSpMkLst>
+        </pc:cxnChg>
+        <pc:cxnChg chg="add del mod">
+          <ac:chgData name="Craig Brinkerhoff" userId="4ca67c74-3213-4250-9c32-077ebf257a4d" providerId="ADAL" clId="{AF3F3D11-ADD9-485B-883B-4116CF994C98}" dt="2021-10-04T19:45:17.077" v="4390" actId="478"/>
+          <ac:cxnSpMkLst>
+            <pc:docMk/>
+            <pc:sldMk cId="1764610376" sldId="260"/>
+            <ac:cxnSpMk id="34" creationId="{3CDFFE72-AC16-490D-A6A5-81696AC849D9}"/>
+          </ac:cxnSpMkLst>
+        </pc:cxnChg>
+        <pc:cxnChg chg="add del mod">
+          <ac:chgData name="Craig Brinkerhoff" userId="4ca67c74-3213-4250-9c32-077ebf257a4d" providerId="ADAL" clId="{AF3F3D11-ADD9-485B-883B-4116CF994C98}" dt="2021-10-04T19:45:03.687" v="4381" actId="478"/>
+          <ac:cxnSpMkLst>
+            <pc:docMk/>
+            <pc:sldMk cId="1764610376" sldId="260"/>
+            <ac:cxnSpMk id="37" creationId="{3728BEB8-9759-43C1-993E-307829D80AA1}"/>
+          </ac:cxnSpMkLst>
+        </pc:cxnChg>
+        <pc:cxnChg chg="add del mod">
+          <ac:chgData name="Craig Brinkerhoff" userId="4ca67c74-3213-4250-9c32-077ebf257a4d" providerId="ADAL" clId="{AF3F3D11-ADD9-485B-883B-4116CF994C98}" dt="2021-10-04T19:45:06.157" v="4384" actId="478"/>
+          <ac:cxnSpMkLst>
+            <pc:docMk/>
+            <pc:sldMk cId="1764610376" sldId="260"/>
+            <ac:cxnSpMk id="39" creationId="{829E952D-E9CB-4586-A557-A1CDD7577197}"/>
+          </ac:cxnSpMkLst>
+        </pc:cxnChg>
+        <pc:cxnChg chg="add del mod">
+          <ac:chgData name="Craig Brinkerhoff" userId="4ca67c74-3213-4250-9c32-077ebf257a4d" providerId="ADAL" clId="{AF3F3D11-ADD9-485B-883B-4116CF994C98}" dt="2021-10-04T19:45:07.304" v="4386" actId="478"/>
+          <ac:cxnSpMkLst>
+            <pc:docMk/>
+            <pc:sldMk cId="1764610376" sldId="260"/>
+            <ac:cxnSpMk id="41" creationId="{3DC51CD8-9139-42AE-89A6-F76A74B182BC}"/>
+          </ac:cxnSpMkLst>
+        </pc:cxnChg>
+        <pc:cxnChg chg="add mod">
+          <ac:chgData name="Craig Brinkerhoff" userId="4ca67c74-3213-4250-9c32-077ebf257a4d" providerId="ADAL" clId="{AF3F3D11-ADD9-485B-883B-4116CF994C98}" dt="2021-10-04T20:04:02.997" v="4466" actId="1582"/>
+          <ac:cxnSpMkLst>
+            <pc:docMk/>
+            <pc:sldMk cId="1764610376" sldId="260"/>
+            <ac:cxnSpMk id="52" creationId="{032EE8BD-B1CB-4A04-8DDE-87C33EBC2316}"/>
           </ac:cxnSpMkLst>
         </pc:cxnChg>
       </pc:sldChg>
@@ -241,8 +570,8 @@
           </ac:picMkLst>
         </pc:picChg>
       </pc:sldChg>
-      <pc:sldChg chg="modSp mod">
-        <pc:chgData name="Craig Brinkerhoff" userId="4ca67c74-3213-4250-9c32-077ebf257a4d" providerId="ADAL" clId="{AF3F3D11-ADD9-485B-883B-4116CF994C98}" dt="2021-09-17T19:42:29.565" v="755" actId="20577"/>
+      <pc:sldChg chg="modSp del mod">
+        <pc:chgData name="Craig Brinkerhoff" userId="4ca67c74-3213-4250-9c32-077ebf257a4d" providerId="ADAL" clId="{AF3F3D11-ADD9-485B-883B-4116CF994C98}" dt="2021-10-04T15:16:22.056" v="1296" actId="47"/>
         <pc:sldMkLst>
           <pc:docMk/>
           <pc:sldMk cId="946737534" sldId="264"/>
@@ -422,6 +751,36 @@
           </ac:cxnSpMkLst>
         </pc:cxnChg>
       </pc:sldChg>
+      <pc:sldChg chg="modSp del mod ord">
+        <pc:chgData name="Craig Brinkerhoff" userId="4ca67c74-3213-4250-9c32-077ebf257a4d" providerId="ADAL" clId="{AF3F3D11-ADD9-485B-883B-4116CF994C98}" dt="2021-10-04T19:00:38.921" v="3719" actId="47"/>
+        <pc:sldMkLst>
+          <pc:docMk/>
+          <pc:sldMk cId="1792210442" sldId="270"/>
+        </pc:sldMkLst>
+        <pc:spChg chg="mod">
+          <ac:chgData name="Craig Brinkerhoff" userId="4ca67c74-3213-4250-9c32-077ebf257a4d" providerId="ADAL" clId="{AF3F3D11-ADD9-485B-883B-4116CF994C98}" dt="2021-10-04T15:20:18.988" v="1635" actId="20577"/>
+          <ac:spMkLst>
+            <pc:docMk/>
+            <pc:sldMk cId="1792210442" sldId="270"/>
+            <ac:spMk id="2" creationId="{00000000-0000-0000-0000-000000000000}"/>
+          </ac:spMkLst>
+        </pc:spChg>
+        <pc:spChg chg="mod">
+          <ac:chgData name="Craig Brinkerhoff" userId="4ca67c74-3213-4250-9c32-077ebf257a4d" providerId="ADAL" clId="{AF3F3D11-ADD9-485B-883B-4116CF994C98}" dt="2021-10-04T16:09:59.084" v="2605" actId="20577"/>
+          <ac:spMkLst>
+            <pc:docMk/>
+            <pc:sldMk cId="1792210442" sldId="270"/>
+            <ac:spMk id="3" creationId="{00000000-0000-0000-0000-000000000000}"/>
+          </ac:spMkLst>
+        </pc:spChg>
+      </pc:sldChg>
+      <pc:sldChg chg="del">
+        <pc:chgData name="Craig Brinkerhoff" userId="4ca67c74-3213-4250-9c32-077ebf257a4d" providerId="ADAL" clId="{AF3F3D11-ADD9-485B-883B-4116CF994C98}" dt="2021-10-04T15:16:19.233" v="1295" actId="47"/>
+        <pc:sldMkLst>
+          <pc:docMk/>
+          <pc:sldMk cId="2396607937" sldId="271"/>
+        </pc:sldMkLst>
+      </pc:sldChg>
       <pc:sldChg chg="addSp delSp modSp new mod">
         <pc:chgData name="Craig Brinkerhoff" userId="4ca67c74-3213-4250-9c32-077ebf257a4d" providerId="ADAL" clId="{AF3F3D11-ADD9-485B-883B-4116CF994C98}" dt="2021-09-20T22:17:31.373" v="1292" actId="20577"/>
         <pc:sldMkLst>
@@ -1452,6 +1811,121 @@
             <ac:inkMk id="130" creationId="{CC08577D-B327-4362-85F9-04E5563B491D}"/>
           </ac:inkMkLst>
         </pc:inkChg>
+      </pc:sldChg>
+      <pc:sldChg chg="addSp modSp new mod">
+        <pc:chgData name="Craig Brinkerhoff" userId="4ca67c74-3213-4250-9c32-077ebf257a4d" providerId="ADAL" clId="{AF3F3D11-ADD9-485B-883B-4116CF994C98}" dt="2021-10-04T19:32:56.960" v="4292" actId="732"/>
+        <pc:sldMkLst>
+          <pc:docMk/>
+          <pc:sldMk cId="3511220949" sldId="272"/>
+        </pc:sldMkLst>
+        <pc:picChg chg="add mod modCrop">
+          <ac:chgData name="Craig Brinkerhoff" userId="4ca67c74-3213-4250-9c32-077ebf257a4d" providerId="ADAL" clId="{AF3F3D11-ADD9-485B-883B-4116CF994C98}" dt="2021-10-04T19:32:56.960" v="4292" actId="732"/>
+          <ac:picMkLst>
+            <pc:docMk/>
+            <pc:sldMk cId="3511220949" sldId="272"/>
+            <ac:picMk id="2" creationId="{D2DDDA6A-38A8-498A-8444-BE9D45A29F33}"/>
+          </ac:picMkLst>
+        </pc:picChg>
+      </pc:sldChg>
+      <pc:sldChg chg="modSp add del mod">
+        <pc:chgData name="Craig Brinkerhoff" userId="4ca67c74-3213-4250-9c32-077ebf257a4d" providerId="ADAL" clId="{AF3F3D11-ADD9-485B-883B-4116CF994C98}" dt="2021-10-04T16:00:18.786" v="1886" actId="47"/>
+        <pc:sldMkLst>
+          <pc:docMk/>
+          <pc:sldMk cId="849390228" sldId="273"/>
+        </pc:sldMkLst>
+        <pc:spChg chg="mod">
+          <ac:chgData name="Craig Brinkerhoff" userId="4ca67c74-3213-4250-9c32-077ebf257a4d" providerId="ADAL" clId="{AF3F3D11-ADD9-485B-883B-4116CF994C98}" dt="2021-10-04T15:21:18.546" v="1668" actId="20577"/>
+          <ac:spMkLst>
+            <pc:docMk/>
+            <pc:sldMk cId="849390228" sldId="273"/>
+            <ac:spMk id="2" creationId="{00000000-0000-0000-0000-000000000000}"/>
+          </ac:spMkLst>
+        </pc:spChg>
+      </pc:sldChg>
+      <pc:sldChg chg="addSp modSp new mod ord">
+        <pc:chgData name="Craig Brinkerhoff" userId="4ca67c74-3213-4250-9c32-077ebf257a4d" providerId="ADAL" clId="{AF3F3D11-ADD9-485B-883B-4116CF994C98}" dt="2021-10-04T21:11:41.755" v="4870" actId="115"/>
+        <pc:sldMkLst>
+          <pc:docMk/>
+          <pc:sldMk cId="3621076333" sldId="273"/>
+        </pc:sldMkLst>
+        <pc:spChg chg="mod">
+          <ac:chgData name="Craig Brinkerhoff" userId="4ca67c74-3213-4250-9c32-077ebf257a4d" providerId="ADAL" clId="{AF3F3D11-ADD9-485B-883B-4116CF994C98}" dt="2021-10-04T18:44:59.887" v="2625" actId="20577"/>
+          <ac:spMkLst>
+            <pc:docMk/>
+            <pc:sldMk cId="3621076333" sldId="273"/>
+            <ac:spMk id="2" creationId="{45C3FE86-CC65-4711-AE63-F1288B935096}"/>
+          </ac:spMkLst>
+        </pc:spChg>
+        <pc:spChg chg="mod">
+          <ac:chgData name="Craig Brinkerhoff" userId="4ca67c74-3213-4250-9c32-077ebf257a4d" providerId="ADAL" clId="{AF3F3D11-ADD9-485B-883B-4116CF994C98}" dt="2021-10-04T21:11:41.755" v="4870" actId="115"/>
+          <ac:spMkLst>
+            <pc:docMk/>
+            <pc:sldMk cId="3621076333" sldId="273"/>
+            <ac:spMk id="3" creationId="{07BB8CE1-591F-48FB-A244-CA3E42717C31}"/>
+          </ac:spMkLst>
+        </pc:spChg>
+        <pc:picChg chg="add mod">
+          <ac:chgData name="Craig Brinkerhoff" userId="4ca67c74-3213-4250-9c32-077ebf257a4d" providerId="ADAL" clId="{AF3F3D11-ADD9-485B-883B-4116CF994C98}" dt="2021-10-04T18:45:19.369" v="2628" actId="1076"/>
+          <ac:picMkLst>
+            <pc:docMk/>
+            <pc:sldMk cId="3621076333" sldId="273"/>
+            <ac:picMk id="4" creationId="{D9A0A91A-D1BE-4B8A-8475-0633F388DBDC}"/>
+          </ac:picMkLst>
+        </pc:picChg>
+        <pc:cxnChg chg="add mod">
+          <ac:chgData name="Craig Brinkerhoff" userId="4ca67c74-3213-4250-9c32-077ebf257a4d" providerId="ADAL" clId="{AF3F3D11-ADD9-485B-883B-4116CF994C98}" dt="2021-10-04T19:29:11.289" v="4290" actId="14100"/>
+          <ac:cxnSpMkLst>
+            <pc:docMk/>
+            <pc:sldMk cId="3621076333" sldId="273"/>
+            <ac:cxnSpMk id="6" creationId="{977982D9-EF36-421E-94E8-4D676103975C}"/>
+          </ac:cxnSpMkLst>
+        </pc:cxnChg>
+      </pc:sldChg>
+      <pc:sldChg chg="addSp delSp modSp new mod">
+        <pc:chgData name="Craig Brinkerhoff" userId="4ca67c74-3213-4250-9c32-077ebf257a4d" providerId="ADAL" clId="{AF3F3D11-ADD9-485B-883B-4116CF994C98}" dt="2021-10-04T20:34:27.121" v="4869" actId="20577"/>
+        <pc:sldMkLst>
+          <pc:docMk/>
+          <pc:sldMk cId="3491016399" sldId="274"/>
+        </pc:sldMkLst>
+        <pc:spChg chg="del mod">
+          <ac:chgData name="Craig Brinkerhoff" userId="4ca67c74-3213-4250-9c32-077ebf257a4d" providerId="ADAL" clId="{AF3F3D11-ADD9-485B-883B-4116CF994C98}" dt="2021-10-04T19:14:37.051" v="3968" actId="478"/>
+          <ac:spMkLst>
+            <pc:docMk/>
+            <pc:sldMk cId="3491016399" sldId="274"/>
+            <ac:spMk id="2" creationId="{4911B3B8-8FED-4612-9354-275B20400887}"/>
+          </ac:spMkLst>
+        </pc:spChg>
+        <pc:spChg chg="add del">
+          <ac:chgData name="Craig Brinkerhoff" userId="4ca67c74-3213-4250-9c32-077ebf257a4d" providerId="ADAL" clId="{AF3F3D11-ADD9-485B-883B-4116CF994C98}" dt="2021-10-04T18:47:55.814" v="2734" actId="3680"/>
+          <ac:spMkLst>
+            <pc:docMk/>
+            <pc:sldMk cId="3491016399" sldId="274"/>
+            <ac:spMk id="3" creationId="{4C8A02F9-AAF6-4539-AED3-00399AB86474}"/>
+          </ac:spMkLst>
+        </pc:spChg>
+        <pc:graphicFrameChg chg="add del mod ord modGraphic">
+          <ac:chgData name="Craig Brinkerhoff" userId="4ca67c74-3213-4250-9c32-077ebf257a4d" providerId="ADAL" clId="{AF3F3D11-ADD9-485B-883B-4116CF994C98}" dt="2021-10-04T18:47:50.019" v="2733" actId="3680"/>
+          <ac:graphicFrameMkLst>
+            <pc:docMk/>
+            <pc:sldMk cId="3491016399" sldId="274"/>
+            <ac:graphicFrameMk id="4" creationId="{1BB02448-791B-4EB0-AB17-6981D140BDA1}"/>
+          </ac:graphicFrameMkLst>
+        </pc:graphicFrameChg>
+        <pc:graphicFrameChg chg="add mod ord modGraphic">
+          <ac:chgData name="Craig Brinkerhoff" userId="4ca67c74-3213-4250-9c32-077ebf257a4d" providerId="ADAL" clId="{AF3F3D11-ADD9-485B-883B-4116CF994C98}" dt="2021-10-04T20:34:27.121" v="4869" actId="20577"/>
+          <ac:graphicFrameMkLst>
+            <pc:docMk/>
+            <pc:sldMk cId="3491016399" sldId="274"/>
+            <ac:graphicFrameMk id="5" creationId="{DF77906E-0D3D-41F7-8B9B-3B127AC65F88}"/>
+          </ac:graphicFrameMkLst>
+        </pc:graphicFrameChg>
+      </pc:sldChg>
+      <pc:sldChg chg="add">
+        <pc:chgData name="Craig Brinkerhoff" userId="4ca67c74-3213-4250-9c32-077ebf257a4d" providerId="ADAL" clId="{AF3F3D11-ADD9-485B-883B-4116CF994C98}" dt="2021-10-04T19:32:49.960" v="4291" actId="2890"/>
+        <pc:sldMkLst>
+          <pc:docMk/>
+          <pc:sldMk cId="3459797115" sldId="275"/>
+        </pc:sldMkLst>
       </pc:sldChg>
     </pc:docChg>
   </pc:docChgLst>
@@ -2425,7 +2899,7 @@
           <a:p>
             <a:fld id="{7AF9CD04-3810-4932-AF98-2D8DC1E115D4}" type="datetimeFigureOut">
               <a:rPr lang="en-US" smtClean="0"/>
-              <a:t>9/24/2021</a:t>
+              <a:t>10/5/2021</a:t>
             </a:fld>
             <a:endParaRPr lang="en-US"/>
           </a:p>
@@ -2623,7 +3097,7 @@
           <a:p>
             <a:fld id="{7AF9CD04-3810-4932-AF98-2D8DC1E115D4}" type="datetimeFigureOut">
               <a:rPr lang="en-US" smtClean="0"/>
-              <a:t>9/24/2021</a:t>
+              <a:t>10/5/2021</a:t>
             </a:fld>
             <a:endParaRPr lang="en-US"/>
           </a:p>
@@ -2831,7 +3305,7 @@
           <a:p>
             <a:fld id="{7AF9CD04-3810-4932-AF98-2D8DC1E115D4}" type="datetimeFigureOut">
               <a:rPr lang="en-US" smtClean="0"/>
-              <a:t>9/24/2021</a:t>
+              <a:t>10/5/2021</a:t>
             </a:fld>
             <a:endParaRPr lang="en-US"/>
           </a:p>
@@ -3029,7 +3503,7 @@
           <a:p>
             <a:fld id="{7AF9CD04-3810-4932-AF98-2D8DC1E115D4}" type="datetimeFigureOut">
               <a:rPr lang="en-US" smtClean="0"/>
-              <a:t>9/24/2021</a:t>
+              <a:t>10/5/2021</a:t>
             </a:fld>
             <a:endParaRPr lang="en-US"/>
           </a:p>
@@ -3304,7 +3778,7 @@
           <a:p>
             <a:fld id="{7AF9CD04-3810-4932-AF98-2D8DC1E115D4}" type="datetimeFigureOut">
               <a:rPr lang="en-US" smtClean="0"/>
-              <a:t>9/24/2021</a:t>
+              <a:t>10/5/2021</a:t>
             </a:fld>
             <a:endParaRPr lang="en-US"/>
           </a:p>
@@ -3569,7 +4043,7 @@
           <a:p>
             <a:fld id="{7AF9CD04-3810-4932-AF98-2D8DC1E115D4}" type="datetimeFigureOut">
               <a:rPr lang="en-US" smtClean="0"/>
-              <a:t>9/24/2021</a:t>
+              <a:t>10/5/2021</a:t>
             </a:fld>
             <a:endParaRPr lang="en-US"/>
           </a:p>
@@ -3981,7 +4455,7 @@
           <a:p>
             <a:fld id="{7AF9CD04-3810-4932-AF98-2D8DC1E115D4}" type="datetimeFigureOut">
               <a:rPr lang="en-US" smtClean="0"/>
-              <a:t>9/24/2021</a:t>
+              <a:t>10/5/2021</a:t>
             </a:fld>
             <a:endParaRPr lang="en-US"/>
           </a:p>
@@ -4122,7 +4596,7 @@
           <a:p>
             <a:fld id="{7AF9CD04-3810-4932-AF98-2D8DC1E115D4}" type="datetimeFigureOut">
               <a:rPr lang="en-US" smtClean="0"/>
-              <a:t>9/24/2021</a:t>
+              <a:t>10/5/2021</a:t>
             </a:fld>
             <a:endParaRPr lang="en-US"/>
           </a:p>
@@ -4235,7 +4709,7 @@
           <a:p>
             <a:fld id="{7AF9CD04-3810-4932-AF98-2D8DC1E115D4}" type="datetimeFigureOut">
               <a:rPr lang="en-US" smtClean="0"/>
-              <a:t>9/24/2021</a:t>
+              <a:t>10/5/2021</a:t>
             </a:fld>
             <a:endParaRPr lang="en-US"/>
           </a:p>
@@ -4546,7 +5020,7 @@
           <a:p>
             <a:fld id="{7AF9CD04-3810-4932-AF98-2D8DC1E115D4}" type="datetimeFigureOut">
               <a:rPr lang="en-US" smtClean="0"/>
-              <a:t>9/24/2021</a:t>
+              <a:t>10/5/2021</a:t>
             </a:fld>
             <a:endParaRPr lang="en-US"/>
           </a:p>
@@ -4834,7 +5308,7 @@
           <a:p>
             <a:fld id="{7AF9CD04-3810-4932-AF98-2D8DC1E115D4}" type="datetimeFigureOut">
               <a:rPr lang="en-US" smtClean="0"/>
-              <a:t>9/24/2021</a:t>
+              <a:t>10/5/2021</a:t>
             </a:fld>
             <a:endParaRPr lang="en-US"/>
           </a:p>
@@ -5075,7 +5549,7 @@
           <a:p>
             <a:fld id="{7AF9CD04-3810-4932-AF98-2D8DC1E115D4}" type="datetimeFigureOut">
               <a:rPr lang="en-US" smtClean="0"/>
-              <a:t>9/24/2021</a:t>
+              <a:t>10/5/2021</a:t>
             </a:fld>
             <a:endParaRPr lang="en-US"/>
           </a:p>
@@ -5497,6 +5971,3179 @@
           <p:cNvPr id="2" name="Title 1">
             <a:extLst>
               <a:ext uri="{FF2B5EF4-FFF2-40B4-BE49-F238E27FC236}">
+                <a16:creationId xmlns:a16="http://schemas.microsoft.com/office/drawing/2014/main" id="{45C3FE86-CC65-4711-AE63-F1288B935096}"/>
+              </a:ext>
+            </a:extLst>
+          </p:cNvPr>
+          <p:cNvSpPr>
+            <a:spLocks noGrp="1"/>
+          </p:cNvSpPr>
+          <p:nvPr>
+            <p:ph type="title"/>
+          </p:nvPr>
+        </p:nvSpPr>
+        <p:spPr/>
+        <p:txBody>
+          <a:bodyPr/>
+          <a:lstStyle/>
+          <a:p>
+            <a:r>
+              <a:rPr lang="en-US" dirty="0"/>
+              <a:t>Background/updated goal</a:t>
+            </a:r>
+          </a:p>
+        </p:txBody>
+      </p:sp>
+      <p:sp>
+        <p:nvSpPr>
+          <p:cNvPr id="3" name="Content Placeholder 2">
+            <a:extLst>
+              <a:ext uri="{FF2B5EF4-FFF2-40B4-BE49-F238E27FC236}">
+                <a16:creationId xmlns:a16="http://schemas.microsoft.com/office/drawing/2014/main" id="{07BB8CE1-591F-48FB-A244-CA3E42717C31}"/>
+              </a:ext>
+            </a:extLst>
+          </p:cNvPr>
+          <p:cNvSpPr>
+            <a:spLocks noGrp="1"/>
+          </p:cNvSpPr>
+          <p:nvPr>
+            <p:ph idx="1"/>
+          </p:nvPr>
+        </p:nvSpPr>
+        <p:spPr>
+          <a:xfrm>
+            <a:off x="838200" y="1367406"/>
+            <a:ext cx="6477000" cy="5318620"/>
+          </a:xfrm>
+        </p:spPr>
+        <p:txBody>
+          <a:bodyPr>
+            <a:normAutofit/>
+          </a:bodyPr>
+          <a:lstStyle/>
+          <a:p>
+            <a:r>
+              <a:rPr lang="en-US" sz="2800" b="0" dirty="0">
+                <a:latin typeface="Cambria Math" panose="02040503050406030204" pitchFamily="18" charset="0"/>
+              </a:rPr>
+              <a:t>We want to model </a:t>
+            </a:r>
+            <a:r>
+              <a:rPr lang="en-US" dirty="0">
+                <a:latin typeface="Cambria Math" panose="02040503050406030204" pitchFamily="18" charset="0"/>
+              </a:rPr>
+              <a:t>gas transfer velocity</a:t>
+            </a:r>
+            <a:r>
+              <a:rPr lang="en-US" sz="2800" b="0" dirty="0">
+                <a:latin typeface="Cambria Math" panose="02040503050406030204" pitchFamily="18" charset="0"/>
+              </a:rPr>
+              <a:t> </a:t>
+            </a:r>
+            <a:r>
+              <a:rPr lang="en-US" sz="2800" b="0" i="1" dirty="0">
+                <a:latin typeface="Cambria Math" panose="02040503050406030204" pitchFamily="18" charset="0"/>
+              </a:rPr>
+              <a:t>k </a:t>
+            </a:r>
+            <a:r>
+              <a:rPr lang="en-US" sz="2800" b="0" dirty="0">
+                <a:latin typeface="Cambria Math" panose="02040503050406030204" pitchFamily="18" charset="0"/>
+              </a:rPr>
+              <a:t>in large rivers that are SWOT-observable</a:t>
+            </a:r>
+          </a:p>
+          <a:p>
+            <a:r>
+              <a:rPr lang="en-US" dirty="0">
+                <a:latin typeface="Cambria Math" panose="02040503050406030204" pitchFamily="18" charset="0"/>
+              </a:rPr>
+              <a:t>SWOT-observable rivers are generally ‘hydraulically wide’</a:t>
+            </a:r>
+          </a:p>
+          <a:p>
+            <a:pPr lvl="1"/>
+            <a:r>
+              <a:rPr lang="en-US" b="0" dirty="0">
+                <a:latin typeface="Cambria Math" panose="02040503050406030204" pitchFamily="18" charset="0"/>
+              </a:rPr>
+              <a:t>Hydraulic radius </a:t>
+            </a:r>
+            <a:r>
+              <a:rPr lang="en-US" b="0" i="1" dirty="0">
+                <a:latin typeface="Cambria Math" panose="02040503050406030204" pitchFamily="18" charset="0"/>
+              </a:rPr>
+              <a:t>Rh </a:t>
+            </a:r>
+            <a:r>
+              <a:rPr lang="en-US" b="0" dirty="0">
+                <a:latin typeface="Cambria Math" panose="02040503050406030204" pitchFamily="18" charset="0"/>
+              </a:rPr>
+              <a:t>= mean depth </a:t>
+            </a:r>
+            <a:r>
+              <a:rPr lang="en-US" b="0" i="1" dirty="0">
+                <a:latin typeface="Cambria Math" panose="02040503050406030204" pitchFamily="18" charset="0"/>
+              </a:rPr>
+              <a:t>H</a:t>
+            </a:r>
+          </a:p>
+          <a:p>
+            <a:pPr lvl="1"/>
+            <a:r>
+              <a:rPr lang="en-US" dirty="0">
+                <a:latin typeface="Cambria Math" panose="02040503050406030204" pitchFamily="18" charset="0"/>
+              </a:rPr>
+              <a:t>As we talked about last time</a:t>
+            </a:r>
+            <a:endParaRPr lang="en-US" b="0" dirty="0">
+              <a:latin typeface="Cambria Math" panose="02040503050406030204" pitchFamily="18" charset="0"/>
+            </a:endParaRPr>
+          </a:p>
+          <a:p>
+            <a:r>
+              <a:rPr lang="en-US" u="sng" dirty="0">
+                <a:latin typeface="Cambria Math" panose="02040503050406030204" pitchFamily="18" charset="0"/>
+              </a:rPr>
+              <a:t>Goal: completely streamline the presentation I showed previously</a:t>
+            </a:r>
+          </a:p>
+          <a:p>
+            <a:pPr lvl="1"/>
+            <a:r>
+              <a:rPr lang="en-US" dirty="0">
+                <a:latin typeface="Cambria Math" panose="02040503050406030204" pitchFamily="18" charset="0"/>
+              </a:rPr>
+              <a:t>Simply impose the hydraulically-wide condition </a:t>
+            </a:r>
+            <a:r>
+              <a:rPr lang="en-US" dirty="0" smtClean="0">
+                <a:latin typeface="Cambria Math" panose="02040503050406030204" pitchFamily="18" charset="0"/>
+              </a:rPr>
+              <a:t>on </a:t>
+            </a:r>
+            <a:r>
+              <a:rPr lang="en-US" dirty="0">
+                <a:latin typeface="Cambria Math" panose="02040503050406030204" pitchFamily="18" charset="0"/>
+              </a:rPr>
+              <a:t>established </a:t>
+            </a:r>
+            <a:r>
+              <a:rPr lang="en-US" dirty="0" smtClean="0">
+                <a:latin typeface="Cambria Math" panose="02040503050406030204" pitchFamily="18" charset="0"/>
+              </a:rPr>
+              <a:t>models </a:t>
+            </a:r>
+            <a:r>
+              <a:rPr lang="en-US" dirty="0">
+                <a:latin typeface="Cambria Math" panose="02040503050406030204" pitchFamily="18" charset="0"/>
+              </a:rPr>
+              <a:t>for </a:t>
+            </a:r>
+            <a:r>
+              <a:rPr lang="en-US" i="1" dirty="0">
+                <a:latin typeface="Cambria Math" panose="02040503050406030204" pitchFamily="18" charset="0"/>
+              </a:rPr>
+              <a:t>k </a:t>
+            </a:r>
+            <a:r>
+              <a:rPr lang="en-US" dirty="0">
+                <a:latin typeface="Cambria Math" panose="02040503050406030204" pitchFamily="18" charset="0"/>
+              </a:rPr>
+              <a:t>and confirm </a:t>
+            </a:r>
+            <a:r>
+              <a:rPr lang="en-US" dirty="0" smtClean="0">
+                <a:latin typeface="Cambria Math" panose="02040503050406030204" pitchFamily="18" charset="0"/>
+              </a:rPr>
+              <a:t>whether </a:t>
+            </a:r>
+            <a:r>
+              <a:rPr lang="en-US" dirty="0">
+                <a:latin typeface="Cambria Math" panose="02040503050406030204" pitchFamily="18" charset="0"/>
+              </a:rPr>
+              <a:t>the </a:t>
+            </a:r>
+            <a:r>
+              <a:rPr lang="en-US" dirty="0" smtClean="0">
+                <a:latin typeface="Cambria Math" panose="02040503050406030204" pitchFamily="18" charset="0"/>
+              </a:rPr>
+              <a:t>models work</a:t>
+            </a:r>
+            <a:endParaRPr lang="en-US" dirty="0">
+              <a:latin typeface="Cambria Math" panose="02040503050406030204" pitchFamily="18" charset="0"/>
+            </a:endParaRPr>
+          </a:p>
+          <a:p>
+            <a:pPr lvl="2"/>
+            <a:r>
+              <a:rPr lang="en-US" dirty="0" smtClean="0">
+                <a:latin typeface="Cambria Math" panose="02040503050406030204" pitchFamily="18" charset="0"/>
+              </a:rPr>
+              <a:t>I’ve tested </a:t>
+            </a:r>
+            <a:r>
+              <a:rPr lang="en-US" dirty="0">
+                <a:latin typeface="Cambria Math" panose="02040503050406030204" pitchFamily="18" charset="0"/>
+              </a:rPr>
+              <a:t>two models</a:t>
+            </a:r>
+          </a:p>
+        </p:txBody>
+      </p:sp>
+      <p:pic>
+        <p:nvPicPr>
+          <p:cNvPr id="4" name="Picture 2" descr="Changing Channel characteristsics">
+            <a:extLst>
+              <a:ext uri="{FF2B5EF4-FFF2-40B4-BE49-F238E27FC236}">
+                <a16:creationId xmlns:a16="http://schemas.microsoft.com/office/drawing/2014/main" id="{D9A0A91A-D1BE-4B8A-8475-0633F388DBDC}"/>
+              </a:ext>
+            </a:extLst>
+          </p:cNvPr>
+          <p:cNvPicPr>
+            <a:picLocks noChangeAspect="1" noChangeArrowheads="1"/>
+          </p:cNvPicPr>
+          <p:nvPr/>
+        </p:nvPicPr>
+        <p:blipFill>
+          <a:blip r:embed="rId2">
+            <a:extLst>
+              <a:ext uri="{28A0092B-C50C-407E-A947-70E740481C1C}">
+                <a14:useLocalDpi xmlns:a14="http://schemas.microsoft.com/office/drawing/2010/main" val="0"/>
+              </a:ext>
+            </a:extLst>
+          </a:blip>
+          <a:srcRect/>
+          <a:stretch>
+            <a:fillRect/>
+          </a:stretch>
+        </p:blipFill>
+        <p:spPr bwMode="auto">
+          <a:xfrm>
+            <a:off x="7622405" y="1434517"/>
+            <a:ext cx="3642261" cy="2890684"/>
+          </a:xfrm>
+          <a:prstGeom prst="rect">
+            <a:avLst/>
+          </a:prstGeom>
+          <a:noFill/>
+          <a:extLst>
+            <a:ext uri="{909E8E84-426E-40DD-AFC4-6F175D3DCCD1}">
+              <a14:hiddenFill xmlns:a14="http://schemas.microsoft.com/office/drawing/2010/main">
+                <a:solidFill>
+                  <a:srgbClr val="FFFFFF"/>
+                </a:solidFill>
+              </a14:hiddenFill>
+            </a:ext>
+          </a:extLst>
+        </p:spPr>
+      </p:pic>
+      <p:cxnSp>
+        <p:nvCxnSpPr>
+          <p:cNvPr id="6" name="Straight Arrow Connector 5">
+            <a:extLst>
+              <a:ext uri="{FF2B5EF4-FFF2-40B4-BE49-F238E27FC236}">
+                <a16:creationId xmlns:a16="http://schemas.microsoft.com/office/drawing/2014/main" id="{977982D9-EF36-421E-94E8-4D676103975C}"/>
+              </a:ext>
+            </a:extLst>
+          </p:cNvPr>
+          <p:cNvCxnSpPr>
+            <a:cxnSpLocks/>
+          </p:cNvCxnSpPr>
+          <p:nvPr/>
+        </p:nvCxnSpPr>
+        <p:spPr>
+          <a:xfrm flipV="1">
+            <a:off x="6434356" y="3389152"/>
+            <a:ext cx="1065402" cy="125835"/>
+          </a:xfrm>
+          <a:prstGeom prst="straightConnector1">
+            <a:avLst/>
+          </a:prstGeom>
+          <a:ln w="38100">
+            <a:tailEnd type="triangle"/>
+          </a:ln>
+        </p:spPr>
+        <p:style>
+          <a:lnRef idx="1">
+            <a:schemeClr val="accent1"/>
+          </a:lnRef>
+          <a:fillRef idx="0">
+            <a:schemeClr val="accent1"/>
+          </a:fillRef>
+          <a:effectRef idx="0">
+            <a:schemeClr val="accent1"/>
+          </a:effectRef>
+          <a:fontRef idx="minor">
+            <a:schemeClr val="tx1"/>
+          </a:fontRef>
+        </p:style>
+      </p:cxnSp>
+    </p:spTree>
+    <p:extLst>
+      <p:ext uri="{BB962C8B-B14F-4D97-AF65-F5344CB8AC3E}">
+        <p14:creationId xmlns:p14="http://schemas.microsoft.com/office/powerpoint/2010/main" val="3621076333"/>
+      </p:ext>
+    </p:extLst>
+  </p:cSld>
+  <p:clrMapOvr>
+    <a:masterClrMapping/>
+  </p:clrMapOvr>
+</p:sld>
+</file>
+
+<file path=ppt/slides/slide2.xml><?xml version="1.0" encoding="utf-8"?>
+<p:sld xmlns:a="http://schemas.openxmlformats.org/drawingml/2006/main" xmlns:r="http://schemas.openxmlformats.org/officeDocument/2006/relationships" xmlns:p="http://schemas.openxmlformats.org/presentationml/2006/main">
+  <p:cSld>
+    <p:spTree>
+      <p:nvGrpSpPr>
+        <p:cNvPr id="1" name=""/>
+        <p:cNvGrpSpPr/>
+        <p:nvPr/>
+      </p:nvGrpSpPr>
+      <p:grpSpPr>
+        <a:xfrm>
+          <a:off x="0" y="0"/>
+          <a:ext cx="0" cy="0"/>
+          <a:chOff x="0" y="0"/>
+          <a:chExt cx="0" cy="0"/>
+        </a:xfrm>
+      </p:grpSpPr>
+      <mc:AlternateContent xmlns:mc="http://schemas.openxmlformats.org/markup-compatibility/2006">
+        <mc:Choice xmlns:a14="http://schemas.microsoft.com/office/drawing/2010/main" Requires="a14">
+          <p:graphicFrame>
+            <p:nvGraphicFramePr>
+              <p:cNvPr id="5" name="Table 5">
+                <a:extLst>
+                  <a:ext uri="{FF2B5EF4-FFF2-40B4-BE49-F238E27FC236}">
+                    <a16:creationId xmlns:a16="http://schemas.microsoft.com/office/drawing/2014/main" id="{DF77906E-0D3D-41F7-8B9B-3B127AC65F88}"/>
+                  </a:ext>
+                </a:extLst>
+              </p:cNvPr>
+              <p:cNvGraphicFramePr>
+                <a:graphicFrameLocks noGrp="1"/>
+              </p:cNvGraphicFramePr>
+              <p:nvPr>
+                <p:ph idx="1"/>
+                <p:extLst>
+                  <p:ext uri="{D42A27DB-BD31-4B8C-83A1-F6EECF244321}">
+                    <p14:modId xmlns:p14="http://schemas.microsoft.com/office/powerpoint/2010/main" val="1608358794"/>
+                  </p:ext>
+                </p:extLst>
+              </p:nvPr>
+            </p:nvGraphicFramePr>
+            <p:xfrm>
+              <a:off x="616502" y="66502"/>
+              <a:ext cx="11054568" cy="6604952"/>
+            </p:xfrm>
+            <a:graphic>
+              <a:graphicData uri="http://schemas.openxmlformats.org/drawingml/2006/table">
+                <a:tbl>
+                  <a:tblPr firstRow="1" bandRow="1">
+                    <a:tableStyleId>{5C22544A-7EE6-4342-B048-85BDC9FD1C3A}</a:tableStyleId>
+                  </a:tblPr>
+                  <a:tblGrid>
+                    <a:gridCol w="3360761">
+                      <a:extLst>
+                        <a:ext uri="{9D8B030D-6E8A-4147-A177-3AD203B41FA5}">
+                          <a16:colId xmlns:a16="http://schemas.microsoft.com/office/drawing/2014/main" val="2712491034"/>
+                        </a:ext>
+                      </a:extLst>
+                    </a:gridCol>
+                    <a:gridCol w="3204207">
+                      <a:extLst>
+                        <a:ext uri="{9D8B030D-6E8A-4147-A177-3AD203B41FA5}">
+                          <a16:colId xmlns:a16="http://schemas.microsoft.com/office/drawing/2014/main" val="2758356651"/>
+                        </a:ext>
+                      </a:extLst>
+                    </a:gridCol>
+                    <a:gridCol w="4489600">
+                      <a:extLst>
+                        <a:ext uri="{9D8B030D-6E8A-4147-A177-3AD203B41FA5}">
+                          <a16:colId xmlns:a16="http://schemas.microsoft.com/office/drawing/2014/main" val="3800804289"/>
+                        </a:ext>
+                      </a:extLst>
+                    </a:gridCol>
+                  </a:tblGrid>
+                  <a:tr h="592265">
+                    <a:tc>
+                      <a:txBody>
+                        <a:bodyPr/>
+                        <a:lstStyle/>
+                        <a:p>
+                          <a:r>
+                            <a:rPr lang="en-US" sz="1600" dirty="0"/>
+                            <a:t>Physical models for </a:t>
+                          </a:r>
+                          <a:r>
+                            <a:rPr lang="en-US" sz="1600" i="1" dirty="0"/>
+                            <a:t>k</a:t>
+                          </a:r>
+                          <a:endParaRPr lang="en-US" sz="1600" dirty="0"/>
+                        </a:p>
+                      </a:txBody>
+                      <a:tcPr/>
+                    </a:tc>
+                    <a:tc>
+                      <a:txBody>
+                        <a:bodyPr/>
+                        <a:lstStyle/>
+                        <a:p>
+                          <a:r>
+                            <a:rPr lang="en-US" sz="1600" dirty="0"/>
+                            <a:t>Small-Eddy Model </a:t>
+                          </a:r>
+                          <a:r>
+                            <a:rPr lang="en-US" sz="1600" b="0" dirty="0">
+                              <a:solidFill>
+                                <a:srgbClr val="C00000"/>
+                              </a:solidFill>
+                            </a:rPr>
+                            <a:t>[Lamont &amp; Scott, 1970]</a:t>
+                          </a:r>
+                        </a:p>
+                      </a:txBody>
+                      <a:tcPr/>
+                    </a:tc>
+                    <a:tc>
+                      <a:txBody>
+                        <a:bodyPr/>
+                        <a:lstStyle/>
+                        <a:p>
+                          <a:r>
+                            <a:rPr lang="en-US" sz="1600" dirty="0"/>
+                            <a:t>Chainsaw Model </a:t>
+                          </a:r>
+                          <a:r>
+                            <a:rPr lang="en-US" sz="1600" b="0" dirty="0">
+                              <a:solidFill>
+                                <a:srgbClr val="C00000"/>
+                              </a:solidFill>
+                            </a:rPr>
+                            <a:t>[Moog &amp; </a:t>
+                          </a:r>
+                          <a:r>
+                            <a:rPr lang="en-US" sz="1600" b="0" dirty="0" err="1">
+                              <a:solidFill>
+                                <a:srgbClr val="C00000"/>
+                              </a:solidFill>
+                            </a:rPr>
+                            <a:t>Jirka</a:t>
+                          </a:r>
+                          <a:r>
+                            <a:rPr lang="en-US" sz="1600" b="0" dirty="0">
+                              <a:solidFill>
+                                <a:srgbClr val="C00000"/>
+                              </a:solidFill>
+                            </a:rPr>
+                            <a:t>, 1999a]</a:t>
+                          </a:r>
+                        </a:p>
+                      </a:txBody>
+                      <a:tcPr/>
+                    </a:tc>
+                    <a:extLst>
+                      <a:ext uri="{0D108BD9-81ED-4DB2-BD59-A6C34878D82A}">
+                        <a16:rowId xmlns:a16="http://schemas.microsoft.com/office/drawing/2014/main" val="3363270676"/>
+                      </a:ext>
+                    </a:extLst>
+                  </a:tr>
+                  <a:tr h="1713318">
+                    <a:tc>
+                      <a:txBody>
+                        <a:bodyPr/>
+                        <a:lstStyle/>
+                        <a:p>
+                          <a:r>
+                            <a:rPr lang="en-US" sz="1600" b="1" dirty="0"/>
+                            <a:t>Description</a:t>
+                          </a:r>
+                        </a:p>
+                      </a:txBody>
+                      <a:tcPr/>
+                    </a:tc>
+                    <a:tc>
+                      <a:txBody>
+                        <a:bodyPr/>
+                        <a:lstStyle/>
+                        <a:p>
+                          <a:r>
+                            <a:rPr lang="en-US" sz="1600" dirty="0"/>
+                            <a:t>-Classic model in lakes, oceans, etc.</a:t>
+                          </a:r>
+                        </a:p>
+                        <a:p>
+                          <a:r>
+                            <a:rPr lang="en-US" sz="1600" dirty="0" smtClean="0"/>
+                            <a:t>-Described </a:t>
+                          </a:r>
+                          <a:r>
+                            <a:rPr lang="en-US" sz="1600" dirty="0"/>
+                            <a:t>by the </a:t>
+                          </a:r>
+                          <a:r>
+                            <a:rPr lang="en-US" sz="1600" dirty="0" smtClean="0"/>
+                            <a:t>characteristic velocity </a:t>
+                          </a:r>
+                          <a:r>
+                            <a:rPr lang="en-US" sz="1600" dirty="0"/>
+                            <a:t>term for the smallest-scale eddies:</a:t>
+                          </a:r>
+                          <a:r>
+                            <a:rPr lang="en-US" sz="1600" baseline="0" dirty="0"/>
+                            <a:t> </a:t>
+                          </a:r>
+                          <a14:m>
+                            <m:oMath xmlns:m="http://schemas.openxmlformats.org/officeDocument/2006/math">
+                              <m:sSup>
+                                <m:sSupPr>
+                                  <m:ctrlPr>
+                                    <a:rPr lang="en-US" sz="1600" b="0" i="1" smtClean="0">
+                                      <a:latin typeface="Cambria Math" panose="02040503050406030204" pitchFamily="18" charset="0"/>
+                                    </a:rPr>
+                                  </m:ctrlPr>
+                                </m:sSupPr>
+                                <m:e>
+                                  <m:d>
+                                    <m:dPr>
+                                      <m:ctrlPr>
+                                        <a:rPr lang="en-US" sz="1600" b="0" i="1" smtClean="0">
+                                          <a:latin typeface="Cambria Math" panose="02040503050406030204" pitchFamily="18" charset="0"/>
+                                        </a:rPr>
+                                      </m:ctrlPr>
+                                    </m:dPr>
+                                    <m:e>
+                                      <m:r>
+                                        <a:rPr lang="en-US" sz="1600" b="0" i="1" smtClean="0">
+                                          <a:latin typeface="Cambria Math" panose="02040503050406030204" pitchFamily="18" charset="0"/>
+                                        </a:rPr>
+                                        <m:t>𝑣</m:t>
+                                      </m:r>
+                                      <m:sSub>
+                                        <m:sSubPr>
+                                          <m:ctrlPr>
+                                            <a:rPr lang="en-US" sz="1600" b="0" i="1" smtClean="0">
+                                              <a:latin typeface="Cambria Math" panose="02040503050406030204" pitchFamily="18" charset="0"/>
+                                              <a:ea typeface="Cambria Math" panose="02040503050406030204" pitchFamily="18" charset="0"/>
+                                            </a:rPr>
+                                          </m:ctrlPr>
+                                        </m:sSubPr>
+                                        <m:e>
+                                          <m:r>
+                                            <a:rPr lang="en-US" sz="1600" b="0" i="1" smtClean="0">
+                                              <a:latin typeface="Cambria Math" panose="02040503050406030204" pitchFamily="18" charset="0"/>
+                                              <a:ea typeface="Cambria Math" panose="02040503050406030204" pitchFamily="18" charset="0"/>
+                                            </a:rPr>
+                                            <m:t>𝜀</m:t>
+                                          </m:r>
+                                        </m:e>
+                                        <m:sub>
+                                          <m:r>
+                                            <a:rPr lang="en-US" sz="1600" b="0" i="1" smtClean="0">
+                                              <a:latin typeface="Cambria Math" panose="02040503050406030204" pitchFamily="18" charset="0"/>
+                                              <a:ea typeface="Cambria Math" panose="02040503050406030204" pitchFamily="18" charset="0"/>
+                                            </a:rPr>
+                                            <m:t>𝑆</m:t>
+                                          </m:r>
+                                        </m:sub>
+                                      </m:sSub>
+                                    </m:e>
+                                  </m:d>
+                                </m:e>
+                                <m:sup>
+                                  <m:f>
+                                    <m:fPr>
+                                      <m:ctrlPr>
+                                        <a:rPr lang="en-US" sz="1600" b="0" i="1" smtClean="0">
+                                          <a:latin typeface="Cambria Math" panose="02040503050406030204" pitchFamily="18" charset="0"/>
+                                        </a:rPr>
+                                      </m:ctrlPr>
+                                    </m:fPr>
+                                    <m:num>
+                                      <m:r>
+                                        <a:rPr lang="en-US" sz="1600" b="0" i="1" smtClean="0">
+                                          <a:latin typeface="Cambria Math" panose="02040503050406030204" pitchFamily="18" charset="0"/>
+                                        </a:rPr>
+                                        <m:t>1</m:t>
+                                      </m:r>
+                                    </m:num>
+                                    <m:den>
+                                      <m:r>
+                                        <a:rPr lang="en-US" sz="1600" b="0" i="1" smtClean="0">
+                                          <a:latin typeface="Cambria Math" panose="02040503050406030204" pitchFamily="18" charset="0"/>
+                                        </a:rPr>
+                                        <m:t>4</m:t>
+                                      </m:r>
+                                    </m:den>
+                                  </m:f>
+                                </m:sup>
+                              </m:sSup>
+                            </m:oMath>
+                          </a14:m>
+                          <a:endParaRPr lang="en-US" sz="1600" dirty="0">
+                            <a:solidFill>
+                              <a:schemeClr val="tx1"/>
+                            </a:solidFill>
+                          </a:endParaRPr>
+                        </a:p>
+                      </a:txBody>
+                      <a:tcPr/>
+                    </a:tc>
+                    <a:tc>
+                      <a:txBody>
+                        <a:bodyPr/>
+                        <a:lstStyle/>
+                        <a:p>
+                          <a:r>
+                            <a:rPr lang="en-US" sz="1600" dirty="0"/>
+                            <a:t>-Extension of the small-eddy model for small-roughness open channel flows</a:t>
+                          </a:r>
+                        </a:p>
+                        <a:p>
+                          <a:r>
+                            <a:rPr lang="en-US" sz="1600" dirty="0"/>
+                            <a:t>-Assumes that depth-scale eddies transport small-eddies to the surface, with the latter contributing to the actual gas evasion</a:t>
+                          </a:r>
+                        </a:p>
+                        <a:p>
+                          <a:r>
+                            <a:rPr lang="en-US" sz="1600" dirty="0"/>
+                            <a:t>-SO: applies the small-eddy model only to the ‘active-zones’ </a:t>
+                          </a:r>
+                          <a:r>
+                            <a:rPr lang="en-US" sz="1600" i="1" dirty="0"/>
+                            <a:t>A</a:t>
+                          </a:r>
+                          <a:r>
+                            <a:rPr lang="en-US" sz="1600" i="1" baseline="-25000" dirty="0"/>
+                            <a:t>p</a:t>
+                          </a:r>
+                          <a:r>
+                            <a:rPr lang="en-US" sz="1600" dirty="0"/>
+                            <a:t> of evasion </a:t>
+                          </a:r>
+                          <a:r>
+                            <a:rPr lang="en-US" sz="1200" dirty="0">
+                              <a:solidFill>
+                                <a:srgbClr val="C00000"/>
+                              </a:solidFill>
+                            </a:rPr>
+                            <a:t>[Rashidi et al. 1991]</a:t>
+                          </a:r>
+                          <a:r>
+                            <a:rPr lang="en-US" sz="1600" baseline="0" dirty="0"/>
+                            <a:t>, which are</a:t>
+                          </a:r>
+                          <a:r>
+                            <a:rPr lang="en-US" sz="1600" dirty="0"/>
+                            <a:t> determined by depth-scale eddies</a:t>
+                          </a:r>
+                        </a:p>
+                      </a:txBody>
+                      <a:tcPr/>
+                    </a:tc>
+                    <a:extLst>
+                      <a:ext uri="{0D108BD9-81ED-4DB2-BD59-A6C34878D82A}">
+                        <a16:rowId xmlns:a16="http://schemas.microsoft.com/office/drawing/2014/main" val="304185877"/>
+                      </a:ext>
+                    </a:extLst>
+                  </a:tr>
+                  <a:tr h="676874">
+                    <a:tc>
+                      <a:txBody>
+                        <a:bodyPr/>
+                        <a:lstStyle/>
+                        <a:p>
+                          <a:r>
+                            <a:rPr lang="en-US" sz="1600" b="1" dirty="0"/>
+                            <a:t>Empirical Confirmations (freshwater/estuaries)</a:t>
+                          </a:r>
+                        </a:p>
+                      </a:txBody>
+                      <a:tcPr/>
+                    </a:tc>
+                    <a:tc>
+                      <a:txBody>
+                        <a:bodyPr/>
+                        <a:lstStyle/>
+                        <a:p>
+                          <a:r>
+                            <a:rPr lang="en-US" sz="1200" dirty="0">
+                              <a:solidFill>
+                                <a:srgbClr val="C00000"/>
+                              </a:solidFill>
+                            </a:rPr>
+                            <a:t>Wang et al. 2021; Vachon et al. 2010; </a:t>
+                          </a:r>
+                          <a:r>
+                            <a:rPr lang="en-US" sz="1200" dirty="0" err="1">
+                              <a:solidFill>
+                                <a:srgbClr val="C00000"/>
+                              </a:solidFill>
+                            </a:rPr>
+                            <a:t>Tokoro</a:t>
+                          </a:r>
+                          <a:r>
+                            <a:rPr lang="en-US" sz="1200" dirty="0">
+                              <a:solidFill>
+                                <a:srgbClr val="C00000"/>
+                              </a:solidFill>
+                            </a:rPr>
+                            <a:t> et al. 2008; Zappa, et al. 2007; </a:t>
+                          </a:r>
+                          <a:r>
+                            <a:rPr lang="en-US" sz="1200" dirty="0" smtClean="0">
+                              <a:solidFill>
+                                <a:srgbClr val="C00000"/>
+                              </a:solidFill>
+                            </a:rPr>
+                            <a:t>Zappa et al. 2003, etc.</a:t>
+                          </a:r>
+                          <a:endParaRPr lang="en-US" sz="1200" dirty="0">
+                            <a:solidFill>
+                              <a:srgbClr val="C00000"/>
+                            </a:solidFill>
+                          </a:endParaRPr>
+                        </a:p>
+                      </a:txBody>
+                      <a:tcPr/>
+                    </a:tc>
+                    <a:tc>
+                      <a:txBody>
+                        <a:bodyPr/>
+                        <a:lstStyle/>
+                        <a:p>
+                          <a:r>
+                            <a:rPr lang="en-US" sz="1200" dirty="0" err="1">
+                              <a:solidFill>
+                                <a:srgbClr val="C00000"/>
+                              </a:solidFill>
+                            </a:rPr>
+                            <a:t>Talke</a:t>
+                          </a:r>
+                          <a:r>
+                            <a:rPr lang="en-US" sz="1200" dirty="0">
+                              <a:solidFill>
+                                <a:srgbClr val="C00000"/>
+                              </a:solidFill>
+                            </a:rPr>
+                            <a:t> et al. (2013</a:t>
+                          </a:r>
+                          <a:r>
+                            <a:rPr lang="en-US" sz="1200" dirty="0" smtClean="0">
+                              <a:solidFill>
+                                <a:srgbClr val="C00000"/>
+                              </a:solidFill>
+                            </a:rPr>
+                            <a:t>) </a:t>
+                          </a:r>
+                          <a:r>
+                            <a:rPr lang="en-US" sz="1200" dirty="0" smtClean="0">
+                              <a:solidFill>
+                                <a:srgbClr val="00008B"/>
+                              </a:solidFill>
+                            </a:rPr>
+                            <a:t>[only the turbulence part, not carried all the way to k]</a:t>
+                          </a:r>
+                          <a:endParaRPr lang="en-US" sz="1200" dirty="0">
+                            <a:solidFill>
+                              <a:srgbClr val="00008B"/>
+                            </a:solidFill>
+                          </a:endParaRPr>
+                        </a:p>
+                      </a:txBody>
+                      <a:tcPr/>
+                    </a:tc>
+                    <a:extLst>
+                      <a:ext uri="{0D108BD9-81ED-4DB2-BD59-A6C34878D82A}">
+                        <a16:rowId xmlns:a16="http://schemas.microsoft.com/office/drawing/2014/main" val="3722933174"/>
+                      </a:ext>
+                    </a:extLst>
+                  </a:tr>
+                  <a:tr h="1137702">
+                    <a:tc>
+                      <a:txBody>
+                        <a:bodyPr/>
+                        <a:lstStyle/>
+                        <a:p>
+                          <a:r>
+                            <a:rPr lang="en-US" sz="1600" b="1" dirty="0"/>
+                            <a:t>Scaling relation</a:t>
+                          </a:r>
+                        </a:p>
+                      </a:txBody>
+                      <a:tcPr/>
+                    </a:tc>
+                    <a:tc>
+                      <a:txBody>
+                        <a:bodyPr/>
+                        <a:lstStyle/>
+                        <a:p>
+                          <a:pPr/>
+                          <a14:m>
+                            <m:oMathPara xmlns:m="http://schemas.openxmlformats.org/officeDocument/2006/math">
+                              <m:oMathParaPr>
+                                <m:jc m:val="centerGroup"/>
+                              </m:oMathParaPr>
+                              <m:oMath xmlns:m="http://schemas.openxmlformats.org/officeDocument/2006/math">
+                                <m:r>
+                                  <a:rPr lang="en-US" sz="1600" b="0" i="1" smtClean="0">
+                                    <a:latin typeface="Cambria Math" panose="02040503050406030204" pitchFamily="18" charset="0"/>
+                                  </a:rPr>
+                                  <m:t>𝑘</m:t>
+                                </m:r>
+                                <m:r>
+                                  <a:rPr lang="en-US" sz="1600" b="0" i="1" smtClean="0">
+                                    <a:latin typeface="Cambria Math" panose="02040503050406030204" pitchFamily="18" charset="0"/>
+                                    <a:ea typeface="Cambria Math" panose="02040503050406030204" pitchFamily="18" charset="0"/>
+                                  </a:rPr>
+                                  <m:t>∝</m:t>
+                                </m:r>
+                                <m:r>
+                                  <a:rPr lang="en-US" sz="1600" b="0" i="1" smtClean="0">
+                                    <a:latin typeface="Cambria Math" panose="02040503050406030204" pitchFamily="18" charset="0"/>
+                                  </a:rPr>
+                                  <m:t>𝑆</m:t>
+                                </m:r>
+                                <m:sSup>
+                                  <m:sSupPr>
+                                    <m:ctrlPr>
+                                      <a:rPr lang="en-US" sz="1600" b="0" i="1" smtClean="0">
+                                        <a:latin typeface="Cambria Math" panose="02040503050406030204" pitchFamily="18" charset="0"/>
+                                      </a:rPr>
+                                    </m:ctrlPr>
+                                  </m:sSupPr>
+                                  <m:e>
+                                    <m:r>
+                                      <a:rPr lang="en-US" sz="1600" b="0" i="1" smtClean="0">
+                                        <a:latin typeface="Cambria Math" panose="02040503050406030204" pitchFamily="18" charset="0"/>
+                                      </a:rPr>
+                                      <m:t>𝑐</m:t>
+                                    </m:r>
+                                  </m:e>
+                                  <m:sup>
+                                    <m:r>
+                                      <a:rPr lang="en-US" sz="1600" b="0" i="1" smtClean="0">
+                                        <a:latin typeface="Cambria Math" panose="02040503050406030204" pitchFamily="18" charset="0"/>
+                                      </a:rPr>
+                                      <m:t>−</m:t>
+                                    </m:r>
+                                    <m:f>
+                                      <m:fPr>
+                                        <m:ctrlPr>
+                                          <a:rPr lang="en-US" sz="1600" b="0" i="1" smtClean="0">
+                                            <a:latin typeface="Cambria Math" panose="02040503050406030204" pitchFamily="18" charset="0"/>
+                                          </a:rPr>
+                                        </m:ctrlPr>
+                                      </m:fPr>
+                                      <m:num>
+                                        <m:r>
+                                          <a:rPr lang="en-US" sz="1600" b="0" i="1" smtClean="0">
+                                            <a:latin typeface="Cambria Math" panose="02040503050406030204" pitchFamily="18" charset="0"/>
+                                          </a:rPr>
+                                          <m:t>1</m:t>
+                                        </m:r>
+                                      </m:num>
+                                      <m:den>
+                                        <m:r>
+                                          <a:rPr lang="en-US" sz="1600" b="0" i="1" smtClean="0">
+                                            <a:latin typeface="Cambria Math" panose="02040503050406030204" pitchFamily="18" charset="0"/>
+                                          </a:rPr>
+                                          <m:t>2</m:t>
+                                        </m:r>
+                                      </m:den>
+                                    </m:f>
+                                  </m:sup>
+                                </m:sSup>
+                                <m:sSup>
+                                  <m:sSupPr>
+                                    <m:ctrlPr>
+                                      <a:rPr lang="en-US" sz="1600" b="0" i="1" smtClean="0">
+                                        <a:latin typeface="Cambria Math" panose="02040503050406030204" pitchFamily="18" charset="0"/>
+                                      </a:rPr>
+                                    </m:ctrlPr>
+                                  </m:sSupPr>
+                                  <m:e>
+                                    <m:d>
+                                      <m:dPr>
+                                        <m:ctrlPr>
+                                          <a:rPr lang="en-US" sz="1600" b="0" i="1" smtClean="0">
+                                            <a:latin typeface="Cambria Math" panose="02040503050406030204" pitchFamily="18" charset="0"/>
+                                          </a:rPr>
+                                        </m:ctrlPr>
+                                      </m:dPr>
+                                      <m:e>
+                                        <m:r>
+                                          <a:rPr lang="en-US" sz="1600" b="0" i="1" smtClean="0">
+                                            <a:latin typeface="Cambria Math" panose="02040503050406030204" pitchFamily="18" charset="0"/>
+                                          </a:rPr>
+                                          <m:t>𝑣</m:t>
+                                        </m:r>
+                                        <m:sSub>
+                                          <m:sSubPr>
+                                            <m:ctrlPr>
+                                              <a:rPr lang="en-US" sz="1600" b="0" i="1" smtClean="0">
+                                                <a:latin typeface="Cambria Math" panose="02040503050406030204" pitchFamily="18" charset="0"/>
+                                                <a:ea typeface="Cambria Math" panose="02040503050406030204" pitchFamily="18" charset="0"/>
+                                              </a:rPr>
+                                            </m:ctrlPr>
+                                          </m:sSubPr>
+                                          <m:e>
+                                            <m:r>
+                                              <a:rPr lang="en-US" sz="1600" b="0" i="1" smtClean="0">
+                                                <a:latin typeface="Cambria Math" panose="02040503050406030204" pitchFamily="18" charset="0"/>
+                                                <a:ea typeface="Cambria Math" panose="02040503050406030204" pitchFamily="18" charset="0"/>
+                                              </a:rPr>
+                                              <m:t>𝜀</m:t>
+                                            </m:r>
+                                          </m:e>
+                                          <m:sub>
+                                            <m:r>
+                                              <a:rPr lang="en-US" sz="1600" b="0" i="1" smtClean="0">
+                                                <a:latin typeface="Cambria Math" panose="02040503050406030204" pitchFamily="18" charset="0"/>
+                                                <a:ea typeface="Cambria Math" panose="02040503050406030204" pitchFamily="18" charset="0"/>
+                                              </a:rPr>
+                                              <m:t>𝑆</m:t>
+                                            </m:r>
+                                          </m:sub>
+                                        </m:sSub>
+                                      </m:e>
+                                    </m:d>
+                                  </m:e>
+                                  <m:sup>
+                                    <m:f>
+                                      <m:fPr>
+                                        <m:ctrlPr>
+                                          <a:rPr lang="en-US" sz="1600" b="0" i="1" smtClean="0">
+                                            <a:latin typeface="Cambria Math" panose="02040503050406030204" pitchFamily="18" charset="0"/>
+                                          </a:rPr>
+                                        </m:ctrlPr>
+                                      </m:fPr>
+                                      <m:num>
+                                        <m:r>
+                                          <a:rPr lang="en-US" sz="1600" b="0" i="1" smtClean="0">
+                                            <a:latin typeface="Cambria Math" panose="02040503050406030204" pitchFamily="18" charset="0"/>
+                                          </a:rPr>
+                                          <m:t>1</m:t>
+                                        </m:r>
+                                      </m:num>
+                                      <m:den>
+                                        <m:r>
+                                          <a:rPr lang="en-US" sz="1600" b="0" i="1" smtClean="0">
+                                            <a:latin typeface="Cambria Math" panose="02040503050406030204" pitchFamily="18" charset="0"/>
+                                          </a:rPr>
+                                          <m:t>4</m:t>
+                                        </m:r>
+                                      </m:den>
+                                    </m:f>
+                                  </m:sup>
+                                </m:sSup>
+                              </m:oMath>
+                            </m:oMathPara>
+                          </a14:m>
+                          <a:endParaRPr lang="en-US" sz="1600" dirty="0"/>
+                        </a:p>
+                      </a:txBody>
+                      <a:tcPr/>
+                    </a:tc>
+                    <a:tc>
+                      <a:txBody>
+                        <a:bodyPr/>
+                        <a:lstStyle/>
+                        <a:p>
+                          <a:pPr marL="0" marR="0" lvl="0" indent="0" algn="l" defTabSz="914400" rtl="0" eaLnBrk="1" fontAlgn="auto" latinLnBrk="0" hangingPunct="1">
+                            <a:lnSpc>
+                              <a:spcPct val="100000"/>
+                            </a:lnSpc>
+                            <a:spcBef>
+                              <a:spcPts val="0"/>
+                            </a:spcBef>
+                            <a:spcAft>
+                              <a:spcPts val="0"/>
+                            </a:spcAft>
+                            <a:buClrTx/>
+                            <a:buSzTx/>
+                            <a:buFontTx/>
+                            <a:buNone/>
+                            <a:tabLst/>
+                            <a:defRPr/>
+                          </a:pPr>
+                          <a14:m>
+                            <m:oMathPara xmlns:m="http://schemas.openxmlformats.org/officeDocument/2006/math">
+                              <m:oMathParaPr>
+                                <m:jc m:val="centerGroup"/>
+                              </m:oMathParaPr>
+                              <m:oMath xmlns:m="http://schemas.openxmlformats.org/officeDocument/2006/math">
+                                <m:r>
+                                  <a:rPr lang="en-US" sz="1600" b="0" i="1" smtClean="0">
+                                    <a:latin typeface="Cambria Math" panose="02040503050406030204" pitchFamily="18" charset="0"/>
+                                  </a:rPr>
+                                  <m:t>𝑘</m:t>
+                                </m:r>
+                                <m:r>
+                                  <a:rPr lang="en-US" sz="1600" b="0" i="1" smtClean="0">
+                                    <a:latin typeface="Cambria Math" panose="02040503050406030204" pitchFamily="18" charset="0"/>
+                                    <a:ea typeface="Cambria Math" panose="02040503050406030204" pitchFamily="18" charset="0"/>
+                                  </a:rPr>
+                                  <m:t>∝</m:t>
+                                </m:r>
+                                <m:r>
+                                  <a:rPr lang="en-US" sz="1600" b="0" i="1" smtClean="0">
+                                    <a:latin typeface="Cambria Math" panose="02040503050406030204" pitchFamily="18" charset="0"/>
+                                  </a:rPr>
+                                  <m:t>𝑆</m:t>
+                                </m:r>
+                                <m:sSup>
+                                  <m:sSupPr>
+                                    <m:ctrlPr>
+                                      <a:rPr lang="en-US" sz="1600" b="0" i="1" smtClean="0">
+                                        <a:latin typeface="Cambria Math" panose="02040503050406030204" pitchFamily="18" charset="0"/>
+                                      </a:rPr>
+                                    </m:ctrlPr>
+                                  </m:sSupPr>
+                                  <m:e>
+                                    <m:r>
+                                      <a:rPr lang="en-US" sz="1600" b="0" i="1" smtClean="0">
+                                        <a:latin typeface="Cambria Math" panose="02040503050406030204" pitchFamily="18" charset="0"/>
+                                      </a:rPr>
+                                      <m:t>𝑐</m:t>
+                                    </m:r>
+                                  </m:e>
+                                  <m:sup>
+                                    <m:r>
+                                      <a:rPr lang="en-US" sz="1600" b="0" i="1" smtClean="0">
+                                        <a:latin typeface="Cambria Math" panose="02040503050406030204" pitchFamily="18" charset="0"/>
+                                      </a:rPr>
+                                      <m:t>−</m:t>
+                                    </m:r>
+                                    <m:f>
+                                      <m:fPr>
+                                        <m:ctrlPr>
+                                          <a:rPr lang="en-US" sz="1600" b="0" i="1" smtClean="0">
+                                            <a:latin typeface="Cambria Math" panose="02040503050406030204" pitchFamily="18" charset="0"/>
+                                          </a:rPr>
+                                        </m:ctrlPr>
+                                      </m:fPr>
+                                      <m:num>
+                                        <m:r>
+                                          <a:rPr lang="en-US" sz="1600" b="0" i="1" smtClean="0">
+                                            <a:latin typeface="Cambria Math" panose="02040503050406030204" pitchFamily="18" charset="0"/>
+                                          </a:rPr>
+                                          <m:t>1</m:t>
+                                        </m:r>
+                                      </m:num>
+                                      <m:den>
+                                        <m:r>
+                                          <a:rPr lang="en-US" sz="1600" b="0" i="1" smtClean="0">
+                                            <a:latin typeface="Cambria Math" panose="02040503050406030204" pitchFamily="18" charset="0"/>
+                                          </a:rPr>
+                                          <m:t>2</m:t>
+                                        </m:r>
+                                      </m:den>
+                                    </m:f>
+                                  </m:sup>
+                                </m:sSup>
+                                <m:sSup>
+                                  <m:sSupPr>
+                                    <m:ctrlPr>
+                                      <a:rPr lang="en-US" sz="1600" b="0" i="1" smtClean="0">
+                                        <a:latin typeface="Cambria Math" panose="02040503050406030204" pitchFamily="18" charset="0"/>
+                                      </a:rPr>
+                                    </m:ctrlPr>
+                                  </m:sSupPr>
+                                  <m:e>
+                                    <m:d>
+                                      <m:dPr>
+                                        <m:ctrlPr>
+                                          <a:rPr lang="en-US" sz="1600" b="0" i="1" smtClean="0">
+                                            <a:latin typeface="Cambria Math" panose="02040503050406030204" pitchFamily="18" charset="0"/>
+                                          </a:rPr>
+                                        </m:ctrlPr>
+                                      </m:dPr>
+                                      <m:e>
+                                        <m:r>
+                                          <a:rPr lang="en-US" sz="1600" b="0" i="1" smtClean="0">
+                                            <a:latin typeface="Cambria Math" panose="02040503050406030204" pitchFamily="18" charset="0"/>
+                                          </a:rPr>
+                                          <m:t>𝑣</m:t>
+                                        </m:r>
+                                        <m:sSub>
+                                          <m:sSubPr>
+                                            <m:ctrlPr>
+                                              <a:rPr lang="en-US" sz="1600" b="0" i="1" smtClean="0">
+                                                <a:latin typeface="Cambria Math" panose="02040503050406030204" pitchFamily="18" charset="0"/>
+                                                <a:ea typeface="Cambria Math" panose="02040503050406030204" pitchFamily="18" charset="0"/>
+                                              </a:rPr>
+                                            </m:ctrlPr>
+                                          </m:sSubPr>
+                                          <m:e>
+                                            <m:r>
+                                              <a:rPr lang="en-US" sz="1600" b="0" i="1" smtClean="0">
+                                                <a:latin typeface="Cambria Math" panose="02040503050406030204" pitchFamily="18" charset="0"/>
+                                                <a:ea typeface="Cambria Math" panose="02040503050406030204" pitchFamily="18" charset="0"/>
+                                              </a:rPr>
+                                              <m:t>𝜀</m:t>
+                                            </m:r>
+                                          </m:e>
+                                          <m:sub>
+                                            <m:r>
+                                              <a:rPr lang="en-US" sz="1600" b="0" i="1" smtClean="0">
+                                                <a:latin typeface="Cambria Math" panose="02040503050406030204" pitchFamily="18" charset="0"/>
+                                                <a:ea typeface="Cambria Math" panose="02040503050406030204" pitchFamily="18" charset="0"/>
+                                              </a:rPr>
+                                              <m:t>𝑆</m:t>
+                                            </m:r>
+                                          </m:sub>
+                                        </m:sSub>
+                                      </m:e>
+                                    </m:d>
+                                  </m:e>
+                                  <m:sup>
+                                    <m:f>
+                                      <m:fPr>
+                                        <m:ctrlPr>
+                                          <a:rPr lang="en-US" sz="1600" b="0" i="1" smtClean="0">
+                                            <a:latin typeface="Cambria Math" panose="02040503050406030204" pitchFamily="18" charset="0"/>
+                                          </a:rPr>
+                                        </m:ctrlPr>
+                                      </m:fPr>
+                                      <m:num>
+                                        <m:r>
+                                          <a:rPr lang="en-US" sz="1600" b="0" i="1" smtClean="0">
+                                            <a:latin typeface="Cambria Math" panose="02040503050406030204" pitchFamily="18" charset="0"/>
+                                          </a:rPr>
+                                          <m:t>1</m:t>
+                                        </m:r>
+                                      </m:num>
+                                      <m:den>
+                                        <m:r>
+                                          <a:rPr lang="en-US" sz="1600" b="0" i="1" smtClean="0">
+                                            <a:latin typeface="Cambria Math" panose="02040503050406030204" pitchFamily="18" charset="0"/>
+                                          </a:rPr>
+                                          <m:t>4</m:t>
+                                        </m:r>
+                                      </m:den>
+                                    </m:f>
+                                  </m:sup>
+                                </m:sSup>
+                                <m:sSubSup>
+                                  <m:sSubSupPr>
+                                    <m:ctrlPr>
+                                      <a:rPr lang="en-US" sz="1600" b="0" i="1" smtClean="0">
+                                        <a:latin typeface="Cambria Math" panose="02040503050406030204" pitchFamily="18" charset="0"/>
+                                      </a:rPr>
+                                    </m:ctrlPr>
+                                  </m:sSubSupPr>
+                                  <m:e>
+                                    <m:r>
+                                      <a:rPr lang="en-US" sz="1600" b="0" i="1" smtClean="0">
+                                        <a:latin typeface="Cambria Math" panose="02040503050406030204" pitchFamily="18" charset="0"/>
+                                      </a:rPr>
+                                      <m:t>𝐴</m:t>
+                                    </m:r>
+                                  </m:e>
+                                  <m:sub>
+                                    <m:r>
+                                      <a:rPr lang="en-US" sz="1600" b="0" i="1" smtClean="0">
+                                        <a:latin typeface="Cambria Math" panose="02040503050406030204" pitchFamily="18" charset="0"/>
+                                      </a:rPr>
+                                      <m:t>𝑝</m:t>
+                                    </m:r>
+                                  </m:sub>
+                                  <m:sup>
+                                    <m:f>
+                                      <m:fPr>
+                                        <m:ctrlPr>
+                                          <a:rPr lang="en-US" sz="1600" b="0" i="1" smtClean="0">
+                                            <a:latin typeface="Cambria Math" panose="02040503050406030204" pitchFamily="18" charset="0"/>
+                                          </a:rPr>
+                                        </m:ctrlPr>
+                                      </m:fPr>
+                                      <m:num>
+                                        <m:r>
+                                          <a:rPr lang="en-US" sz="1600" b="0" i="1" smtClean="0">
+                                            <a:latin typeface="Cambria Math" panose="02040503050406030204" pitchFamily="18" charset="0"/>
+                                          </a:rPr>
+                                          <m:t>3</m:t>
+                                        </m:r>
+                                      </m:num>
+                                      <m:den>
+                                        <m:r>
+                                          <a:rPr lang="en-US" sz="1600" b="0" i="1" smtClean="0">
+                                            <a:latin typeface="Cambria Math" panose="02040503050406030204" pitchFamily="18" charset="0"/>
+                                          </a:rPr>
+                                          <m:t>4</m:t>
+                                        </m:r>
+                                      </m:den>
+                                    </m:f>
+                                  </m:sup>
+                                </m:sSubSup>
+                              </m:oMath>
+                            </m:oMathPara>
+                          </a14:m>
+                          <a:endParaRPr lang="en-US" sz="1600" dirty="0"/>
+                        </a:p>
+                        <a:p>
+                          <a:pPr marL="0" marR="0" lvl="0" indent="0" algn="l" defTabSz="914400" rtl="0" eaLnBrk="1" fontAlgn="auto" latinLnBrk="0" hangingPunct="1">
+                            <a:lnSpc>
+                              <a:spcPct val="100000"/>
+                            </a:lnSpc>
+                            <a:spcBef>
+                              <a:spcPts val="0"/>
+                            </a:spcBef>
+                            <a:spcAft>
+                              <a:spcPts val="0"/>
+                            </a:spcAft>
+                            <a:buClrTx/>
+                            <a:buSzTx/>
+                            <a:buFontTx/>
+                            <a:buNone/>
+                            <a:tabLst/>
+                            <a:defRPr/>
+                          </a:pPr>
+                          <a14:m>
+                            <m:oMath xmlns:m="http://schemas.openxmlformats.org/officeDocument/2006/math">
+                              <m:sSub>
+                                <m:sSubPr>
+                                  <m:ctrlPr>
+                                    <a:rPr lang="en-US" sz="1200" b="0" i="1" smtClean="0">
+                                      <a:latin typeface="Cambria Math" panose="02040503050406030204" pitchFamily="18" charset="0"/>
+                                    </a:rPr>
+                                  </m:ctrlPr>
+                                </m:sSubPr>
+                                <m:e>
+                                  <m:r>
+                                    <a:rPr lang="en-US" sz="1200" b="0" i="1" smtClean="0">
+                                      <a:latin typeface="Cambria Math" panose="02040503050406030204" pitchFamily="18" charset="0"/>
+                                    </a:rPr>
+                                    <m:t>𝐴</m:t>
+                                  </m:r>
+                                </m:e>
+                                <m:sub>
+                                  <m:r>
+                                    <a:rPr lang="en-US" sz="1200" b="0" i="1" smtClean="0">
+                                      <a:latin typeface="Cambria Math" panose="02040503050406030204" pitchFamily="18" charset="0"/>
+                                    </a:rPr>
+                                    <m:t>𝑝</m:t>
+                                  </m:r>
+                                </m:sub>
+                              </m:sSub>
+                              <m:r>
+                                <a:rPr lang="en-US" sz="1200" b="0" i="1" smtClean="0">
+                                  <a:latin typeface="Cambria Math" panose="02040503050406030204" pitchFamily="18" charset="0"/>
+                                  <a:ea typeface="Cambria Math" panose="02040503050406030204" pitchFamily="18" charset="0"/>
+                                </a:rPr>
+                                <m:t>∝</m:t>
+                              </m:r>
+                              <m:sSup>
+                                <m:sSupPr>
+                                  <m:ctrlPr>
+                                    <a:rPr lang="en-US" sz="1200" b="0" i="1" smtClean="0">
+                                      <a:latin typeface="Cambria Math" panose="02040503050406030204" pitchFamily="18" charset="0"/>
+                                      <a:ea typeface="Cambria Math" panose="02040503050406030204" pitchFamily="18" charset="0"/>
+                                    </a:rPr>
+                                  </m:ctrlPr>
+                                </m:sSupPr>
+                                <m:e>
+                                  <m:d>
+                                    <m:dPr>
+                                      <m:ctrlPr>
+                                        <a:rPr lang="en-US" sz="1200" b="0" i="1" smtClean="0">
+                                          <a:latin typeface="Cambria Math" panose="02040503050406030204" pitchFamily="18" charset="0"/>
+                                          <a:ea typeface="Cambria Math" panose="02040503050406030204" pitchFamily="18" charset="0"/>
+                                        </a:rPr>
+                                      </m:ctrlPr>
+                                    </m:dPr>
+                                    <m:e>
+                                      <m:f>
+                                        <m:fPr>
+                                          <m:ctrlPr>
+                                            <a:rPr lang="en-US" sz="1200" b="0" i="1" smtClean="0">
+                                              <a:latin typeface="Cambria Math" panose="02040503050406030204" pitchFamily="18" charset="0"/>
+                                              <a:ea typeface="Cambria Math" panose="02040503050406030204" pitchFamily="18" charset="0"/>
+                                            </a:rPr>
+                                          </m:ctrlPr>
+                                        </m:fPr>
+                                        <m:num>
+                                          <m:sSub>
+                                            <m:sSubPr>
+                                              <m:ctrlPr>
+                                                <a:rPr lang="en-US" sz="1200" b="0" i="1" smtClean="0">
+                                                  <a:latin typeface="Cambria Math" panose="02040503050406030204" pitchFamily="18" charset="0"/>
+                                                  <a:ea typeface="Cambria Math" panose="02040503050406030204" pitchFamily="18" charset="0"/>
+                                                </a:rPr>
+                                              </m:ctrlPr>
+                                            </m:sSubPr>
+                                            <m:e>
+                                              <m:r>
+                                                <a:rPr lang="en-US" sz="1200" b="0" i="1" smtClean="0">
+                                                  <a:latin typeface="Cambria Math" panose="02040503050406030204" pitchFamily="18" charset="0"/>
+                                                  <a:ea typeface="Cambria Math" panose="02040503050406030204" pitchFamily="18" charset="0"/>
+                                                </a:rPr>
+                                                <m:t>𝑈</m:t>
+                                              </m:r>
+                                            </m:e>
+                                            <m:sub>
+                                              <m:r>
+                                                <a:rPr lang="en-US" sz="1200" b="0" i="1" smtClean="0">
+                                                  <a:latin typeface="Cambria Math" panose="02040503050406030204" pitchFamily="18" charset="0"/>
+                                                  <a:ea typeface="Cambria Math" panose="02040503050406030204" pitchFamily="18" charset="0"/>
+                                                </a:rPr>
+                                                <m:t>∗</m:t>
+                                              </m:r>
+                                            </m:sub>
+                                          </m:sSub>
+                                          <m:r>
+                                            <a:rPr lang="en-US" sz="1200" b="0" i="1" smtClean="0">
+                                              <a:latin typeface="Cambria Math" panose="02040503050406030204" pitchFamily="18" charset="0"/>
+                                              <a:ea typeface="Cambria Math" panose="02040503050406030204" pitchFamily="18" charset="0"/>
+                                            </a:rPr>
+                                            <m:t>𝐻</m:t>
+                                          </m:r>
+                                        </m:num>
+                                        <m:den>
+                                          <m:r>
+                                            <a:rPr lang="en-US" sz="1200" b="0" i="1" smtClean="0">
+                                              <a:latin typeface="Cambria Math" panose="02040503050406030204" pitchFamily="18" charset="0"/>
+                                              <a:ea typeface="Cambria Math" panose="02040503050406030204" pitchFamily="18" charset="0"/>
+                                            </a:rPr>
+                                            <m:t>𝑣</m:t>
+                                          </m:r>
+                                        </m:den>
+                                      </m:f>
+                                    </m:e>
+                                  </m:d>
+                                </m:e>
+                                <m:sup>
+                                  <m:f>
+                                    <m:fPr>
+                                      <m:ctrlPr>
+                                        <a:rPr lang="en-US" sz="1200" b="0" i="1" smtClean="0">
+                                          <a:latin typeface="Cambria Math" panose="02040503050406030204" pitchFamily="18" charset="0"/>
+                                          <a:ea typeface="Cambria Math" panose="02040503050406030204" pitchFamily="18" charset="0"/>
+                                        </a:rPr>
+                                      </m:ctrlPr>
+                                    </m:fPr>
+                                    <m:num>
+                                      <m:r>
+                                        <a:rPr lang="en-US" sz="1200" b="0" i="1" smtClean="0">
+                                          <a:latin typeface="Cambria Math" panose="02040503050406030204" pitchFamily="18" charset="0"/>
+                                          <a:ea typeface="Cambria Math" panose="02040503050406030204" pitchFamily="18" charset="0"/>
+                                        </a:rPr>
+                                        <m:t>1</m:t>
+                                      </m:r>
+                                    </m:num>
+                                    <m:den>
+                                      <m:r>
+                                        <a:rPr lang="en-US" sz="1200" b="0" i="1" smtClean="0">
+                                          <a:latin typeface="Cambria Math" panose="02040503050406030204" pitchFamily="18" charset="0"/>
+                                          <a:ea typeface="Cambria Math" panose="02040503050406030204" pitchFamily="18" charset="0"/>
+                                        </a:rPr>
+                                        <m:t>2</m:t>
+                                      </m:r>
+                                    </m:den>
+                                  </m:f>
+                                </m:sup>
+                              </m:sSup>
+                            </m:oMath>
+                          </a14:m>
+                          <a:r>
+                            <a:rPr lang="en-US" sz="1200" dirty="0" smtClean="0"/>
+                            <a:t>: “fraction of interface</a:t>
+                          </a:r>
+                          <a:r>
+                            <a:rPr lang="en-US" sz="1200" baseline="0" dirty="0" smtClean="0"/>
+                            <a:t> within which gas evasion occurs” </a:t>
+                          </a:r>
+                          <a:r>
+                            <a:rPr lang="en-US" sz="1200" baseline="0" dirty="0" smtClean="0">
+                              <a:solidFill>
+                                <a:srgbClr val="C00000"/>
+                              </a:solidFill>
+                            </a:rPr>
+                            <a:t>[Moog &amp; </a:t>
+                          </a:r>
+                          <a:r>
+                            <a:rPr lang="en-US" sz="1200" baseline="0" dirty="0" err="1" smtClean="0">
+                              <a:solidFill>
+                                <a:srgbClr val="C00000"/>
+                              </a:solidFill>
+                            </a:rPr>
+                            <a:t>Jirka</a:t>
+                          </a:r>
+                          <a:r>
+                            <a:rPr lang="en-US" sz="1200" baseline="0" dirty="0" smtClean="0">
+                              <a:solidFill>
+                                <a:srgbClr val="C00000"/>
+                              </a:solidFill>
+                            </a:rPr>
+                            <a:t> 1999]</a:t>
+                          </a:r>
+                          <a:endParaRPr lang="en-US" sz="1200" dirty="0">
+                            <a:solidFill>
+                              <a:srgbClr val="C00000"/>
+                            </a:solidFill>
+                          </a:endParaRPr>
+                        </a:p>
+                      </a:txBody>
+                      <a:tcPr/>
+                    </a:tc>
+                    <a:extLst>
+                      <a:ext uri="{0D108BD9-81ED-4DB2-BD59-A6C34878D82A}">
+                        <a16:rowId xmlns:a16="http://schemas.microsoft.com/office/drawing/2014/main" val="412895981"/>
+                      </a:ext>
+                    </a:extLst>
+                  </a:tr>
+                  <a:tr h="592265">
+                    <a:tc>
+                      <a:txBody>
+                        <a:bodyPr/>
+                        <a:lstStyle/>
+                        <a:p>
+                          <a:r>
+                            <a:rPr lang="en-US" sz="1600" b="1" dirty="0"/>
+                            <a:t>Equation normalized to Schmidt number of 600</a:t>
+                          </a:r>
+                        </a:p>
+                      </a:txBody>
+                      <a:tcPr/>
+                    </a:tc>
+                    <a:tc>
+                      <a:txBody>
+                        <a:bodyPr/>
+                        <a:lstStyle/>
+                        <a:p>
+                          <a:pPr/>
+                          <a14:m>
+                            <m:oMathPara xmlns:m="http://schemas.openxmlformats.org/officeDocument/2006/math">
+                              <m:oMathParaPr>
+                                <m:jc m:val="centerGroup"/>
+                              </m:oMathParaPr>
+                              <m:oMath xmlns:m="http://schemas.openxmlformats.org/officeDocument/2006/math">
+                                <m:sSub>
+                                  <m:sSubPr>
+                                    <m:ctrlPr>
+                                      <a:rPr lang="en-US" sz="1600" b="0" i="1" smtClean="0">
+                                        <a:latin typeface="Cambria Math" panose="02040503050406030204" pitchFamily="18" charset="0"/>
+                                      </a:rPr>
+                                    </m:ctrlPr>
+                                  </m:sSubPr>
+                                  <m:e>
+                                    <m:r>
+                                      <a:rPr lang="en-US" sz="1600" b="0" i="1" smtClean="0">
+                                        <a:latin typeface="Cambria Math" panose="02040503050406030204" pitchFamily="18" charset="0"/>
+                                      </a:rPr>
+                                      <m:t>𝑘</m:t>
+                                    </m:r>
+                                  </m:e>
+                                  <m:sub>
+                                    <m:r>
+                                      <a:rPr lang="en-US" sz="1600" b="0" i="1" smtClean="0">
+                                        <a:latin typeface="Cambria Math" panose="02040503050406030204" pitchFamily="18" charset="0"/>
+                                      </a:rPr>
+                                      <m:t>600</m:t>
+                                    </m:r>
+                                  </m:sub>
+                                </m:sSub>
+                                <m:r>
+                                  <a:rPr lang="en-US" sz="1600" b="0" i="1" smtClean="0">
+                                    <a:latin typeface="Cambria Math" panose="02040503050406030204" pitchFamily="18" charset="0"/>
+                                  </a:rPr>
+                                  <m:t>=</m:t>
+                                </m:r>
+                                <m:r>
+                                  <a:rPr lang="en-US" sz="1600" b="0" i="1" smtClean="0">
+                                    <a:latin typeface="Cambria Math" panose="02040503050406030204" pitchFamily="18" charset="0"/>
+                                    <a:ea typeface="Cambria Math" panose="02040503050406030204" pitchFamily="18" charset="0"/>
+                                  </a:rPr>
+                                  <m:t>𝛼</m:t>
+                                </m:r>
+                                <m:sSup>
+                                  <m:sSupPr>
+                                    <m:ctrlPr>
+                                      <a:rPr lang="en-US" sz="1600" b="0" i="1" smtClean="0">
+                                        <a:latin typeface="Cambria Math" panose="02040503050406030204" pitchFamily="18" charset="0"/>
+                                        <a:ea typeface="Cambria Math" panose="02040503050406030204" pitchFamily="18" charset="0"/>
+                                      </a:rPr>
+                                    </m:ctrlPr>
+                                  </m:sSupPr>
+                                  <m:e>
+                                    <m:d>
+                                      <m:dPr>
+                                        <m:ctrlPr>
+                                          <a:rPr lang="en-US" sz="1600" b="0" i="1" smtClean="0">
+                                            <a:latin typeface="Cambria Math" panose="02040503050406030204" pitchFamily="18" charset="0"/>
+                                            <a:ea typeface="Cambria Math" panose="02040503050406030204" pitchFamily="18" charset="0"/>
+                                          </a:rPr>
+                                        </m:ctrlPr>
+                                      </m:dPr>
+                                      <m:e>
+                                        <m:sSub>
+                                          <m:sSubPr>
+                                            <m:ctrlPr>
+                                              <a:rPr lang="en-US" sz="1600" b="0" i="1" smtClean="0">
+                                                <a:latin typeface="Cambria Math" panose="02040503050406030204" pitchFamily="18" charset="0"/>
+                                                <a:ea typeface="Cambria Math" panose="02040503050406030204" pitchFamily="18" charset="0"/>
+                                              </a:rPr>
+                                            </m:ctrlPr>
+                                          </m:sSubPr>
+                                          <m:e>
+                                            <m:r>
+                                              <a:rPr lang="en-US" sz="1600" b="0" i="1" smtClean="0">
+                                                <a:latin typeface="Cambria Math" panose="02040503050406030204" pitchFamily="18" charset="0"/>
+                                                <a:ea typeface="Cambria Math" panose="02040503050406030204" pitchFamily="18" charset="0"/>
+                                              </a:rPr>
+                                              <m:t>𝜀</m:t>
+                                            </m:r>
+                                          </m:e>
+                                          <m:sub>
+                                            <m:r>
+                                              <a:rPr lang="en-US" sz="1600" b="0" i="1" smtClean="0">
+                                                <a:latin typeface="Cambria Math" panose="02040503050406030204" pitchFamily="18" charset="0"/>
+                                                <a:ea typeface="Cambria Math" panose="02040503050406030204" pitchFamily="18" charset="0"/>
+                                              </a:rPr>
+                                              <m:t>𝑆</m:t>
+                                            </m:r>
+                                          </m:sub>
+                                        </m:sSub>
+                                      </m:e>
+                                    </m:d>
+                                  </m:e>
+                                  <m:sup>
+                                    <m:f>
+                                      <m:fPr>
+                                        <m:ctrlPr>
+                                          <a:rPr lang="en-US" sz="1600" b="0" i="1" smtClean="0">
+                                            <a:latin typeface="Cambria Math" panose="02040503050406030204" pitchFamily="18" charset="0"/>
+                                            <a:ea typeface="Cambria Math" panose="02040503050406030204" pitchFamily="18" charset="0"/>
+                                          </a:rPr>
+                                        </m:ctrlPr>
+                                      </m:fPr>
+                                      <m:num>
+                                        <m:r>
+                                          <a:rPr lang="en-US" sz="1600" b="0" i="1" smtClean="0">
+                                            <a:latin typeface="Cambria Math" panose="02040503050406030204" pitchFamily="18" charset="0"/>
+                                            <a:ea typeface="Cambria Math" panose="02040503050406030204" pitchFamily="18" charset="0"/>
+                                          </a:rPr>
+                                          <m:t>1</m:t>
+                                        </m:r>
+                                      </m:num>
+                                      <m:den>
+                                        <m:r>
+                                          <a:rPr lang="en-US" sz="1600" b="0" i="1" smtClean="0">
+                                            <a:latin typeface="Cambria Math" panose="02040503050406030204" pitchFamily="18" charset="0"/>
+                                            <a:ea typeface="Cambria Math" panose="02040503050406030204" pitchFamily="18" charset="0"/>
+                                          </a:rPr>
+                                          <m:t>4</m:t>
+                                        </m:r>
+                                      </m:den>
+                                    </m:f>
+                                  </m:sup>
+                                </m:sSup>
+                              </m:oMath>
+                            </m:oMathPara>
+                          </a14:m>
+                          <a:endParaRPr lang="en-US" sz="1600" dirty="0"/>
+                        </a:p>
+                      </a:txBody>
+                      <a:tcPr/>
+                    </a:tc>
+                    <a:tc>
+                      <a:txBody>
+                        <a:bodyPr/>
+                        <a:lstStyle/>
+                        <a:p>
+                          <a:pPr marL="0" marR="0" lvl="0" indent="0" algn="l" defTabSz="914400" rtl="0" eaLnBrk="1" fontAlgn="auto" latinLnBrk="0" hangingPunct="1">
+                            <a:lnSpc>
+                              <a:spcPct val="100000"/>
+                            </a:lnSpc>
+                            <a:spcBef>
+                              <a:spcPts val="0"/>
+                            </a:spcBef>
+                            <a:spcAft>
+                              <a:spcPts val="0"/>
+                            </a:spcAft>
+                            <a:buClrTx/>
+                            <a:buSzTx/>
+                            <a:buFontTx/>
+                            <a:buNone/>
+                            <a:tabLst/>
+                            <a:defRPr/>
+                          </a:pPr>
+                          <a14:m>
+                            <m:oMathPara xmlns:m="http://schemas.openxmlformats.org/officeDocument/2006/math">
+                              <m:oMathParaPr>
+                                <m:jc m:val="centerGroup"/>
+                              </m:oMathParaPr>
+                              <m:oMath xmlns:m="http://schemas.openxmlformats.org/officeDocument/2006/math">
+                                <m:sSub>
+                                  <m:sSubPr>
+                                    <m:ctrlPr>
+                                      <a:rPr lang="en-US" sz="1600" b="0" i="1" smtClean="0">
+                                        <a:latin typeface="Cambria Math" panose="02040503050406030204" pitchFamily="18" charset="0"/>
+                                      </a:rPr>
+                                    </m:ctrlPr>
+                                  </m:sSubPr>
+                                  <m:e>
+                                    <m:r>
+                                      <a:rPr lang="en-US" sz="1600" b="0" i="1" smtClean="0">
+                                        <a:latin typeface="Cambria Math" panose="02040503050406030204" pitchFamily="18" charset="0"/>
+                                      </a:rPr>
+                                      <m:t>𝑘</m:t>
+                                    </m:r>
+                                  </m:e>
+                                  <m:sub>
+                                    <m:r>
+                                      <a:rPr lang="en-US" sz="1600" b="0" i="1" smtClean="0">
+                                        <a:latin typeface="Cambria Math" panose="02040503050406030204" pitchFamily="18" charset="0"/>
+                                      </a:rPr>
+                                      <m:t>600</m:t>
+                                    </m:r>
+                                  </m:sub>
+                                </m:sSub>
+                                <m:sSup>
+                                  <m:sSupPr>
+                                    <m:ctrlPr>
+                                      <a:rPr lang="en-US" sz="1600" b="0" i="1" smtClean="0">
+                                        <a:latin typeface="Cambria Math" panose="02040503050406030204" pitchFamily="18" charset="0"/>
+                                      </a:rPr>
+                                    </m:ctrlPr>
+                                  </m:sSupPr>
+                                  <m:e>
+                                    <m:r>
+                                      <a:rPr lang="en-US" sz="1600" b="0" i="1" smtClean="0">
+                                        <a:latin typeface="Cambria Math" panose="02040503050406030204" pitchFamily="18" charset="0"/>
+                                      </a:rPr>
+                                      <m:t>=</m:t>
+                                    </m:r>
+                                    <m:r>
+                                      <a:rPr lang="en-US" sz="1600" b="0" i="1" smtClean="0">
+                                        <a:latin typeface="Cambria Math" panose="02040503050406030204" pitchFamily="18" charset="0"/>
+                                        <a:ea typeface="Cambria Math" panose="02040503050406030204" pitchFamily="18" charset="0"/>
+                                      </a:rPr>
+                                      <m:t>𝛽</m:t>
+                                    </m:r>
+                                    <m:d>
+                                      <m:dPr>
+                                        <m:ctrlPr>
+                                          <a:rPr lang="en-US" sz="1600" b="0" i="1" smtClean="0">
+                                            <a:latin typeface="Cambria Math" panose="02040503050406030204" pitchFamily="18" charset="0"/>
+                                          </a:rPr>
+                                        </m:ctrlPr>
+                                      </m:dPr>
+                                      <m:e>
+                                        <m:sSub>
+                                          <m:sSubPr>
+                                            <m:ctrlPr>
+                                              <a:rPr lang="en-US" sz="1600" b="0" i="1" smtClean="0">
+                                                <a:latin typeface="Cambria Math" panose="02040503050406030204" pitchFamily="18" charset="0"/>
+                                                <a:ea typeface="Cambria Math" panose="02040503050406030204" pitchFamily="18" charset="0"/>
+                                              </a:rPr>
+                                            </m:ctrlPr>
+                                          </m:sSubPr>
+                                          <m:e>
+                                            <m:r>
+                                              <a:rPr lang="en-US" sz="1600" b="0" i="1" smtClean="0">
+                                                <a:latin typeface="Cambria Math" panose="02040503050406030204" pitchFamily="18" charset="0"/>
+                                                <a:ea typeface="Cambria Math" panose="02040503050406030204" pitchFamily="18" charset="0"/>
+                                              </a:rPr>
+                                              <m:t>𝜀</m:t>
+                                            </m:r>
+                                          </m:e>
+                                          <m:sub>
+                                            <m:r>
+                                              <a:rPr lang="en-US" sz="1600" b="0" i="1" smtClean="0">
+                                                <a:latin typeface="Cambria Math" panose="02040503050406030204" pitchFamily="18" charset="0"/>
+                                                <a:ea typeface="Cambria Math" panose="02040503050406030204" pitchFamily="18" charset="0"/>
+                                              </a:rPr>
+                                              <m:t>𝑆</m:t>
+                                            </m:r>
+                                          </m:sub>
+                                        </m:sSub>
+                                      </m:e>
+                                    </m:d>
+                                  </m:e>
+                                  <m:sup>
+                                    <m:f>
+                                      <m:fPr>
+                                        <m:ctrlPr>
+                                          <a:rPr lang="en-US" sz="1600" b="0" i="1" smtClean="0">
+                                            <a:latin typeface="Cambria Math" panose="02040503050406030204" pitchFamily="18" charset="0"/>
+                                          </a:rPr>
+                                        </m:ctrlPr>
+                                      </m:fPr>
+                                      <m:num>
+                                        <m:r>
+                                          <a:rPr lang="en-US" sz="1600" b="0" i="1" smtClean="0">
+                                            <a:latin typeface="Cambria Math" panose="02040503050406030204" pitchFamily="18" charset="0"/>
+                                          </a:rPr>
+                                          <m:t>1</m:t>
+                                        </m:r>
+                                      </m:num>
+                                      <m:den>
+                                        <m:r>
+                                          <a:rPr lang="en-US" sz="1600" b="0" i="1" smtClean="0">
+                                            <a:latin typeface="Cambria Math" panose="02040503050406030204" pitchFamily="18" charset="0"/>
+                                          </a:rPr>
+                                          <m:t>4</m:t>
+                                        </m:r>
+                                      </m:den>
+                                    </m:f>
+                                  </m:sup>
+                                </m:sSup>
+                                <m:sSubSup>
+                                  <m:sSubSupPr>
+                                    <m:ctrlPr>
+                                      <a:rPr lang="en-US" sz="1600" b="0" i="1" smtClean="0">
+                                        <a:latin typeface="Cambria Math" panose="02040503050406030204" pitchFamily="18" charset="0"/>
+                                      </a:rPr>
+                                    </m:ctrlPr>
+                                  </m:sSubSupPr>
+                                  <m:e>
+                                    <m:r>
+                                      <a:rPr lang="en-US" sz="1600" b="0" i="1" smtClean="0">
+                                        <a:latin typeface="Cambria Math" panose="02040503050406030204" pitchFamily="18" charset="0"/>
+                                      </a:rPr>
+                                      <m:t>𝐴</m:t>
+                                    </m:r>
+                                  </m:e>
+                                  <m:sub>
+                                    <m:r>
+                                      <a:rPr lang="en-US" sz="1600" b="0" i="1" smtClean="0">
+                                        <a:latin typeface="Cambria Math" panose="02040503050406030204" pitchFamily="18" charset="0"/>
+                                      </a:rPr>
+                                      <m:t>𝑝</m:t>
+                                    </m:r>
+                                  </m:sub>
+                                  <m:sup>
+                                    <m:f>
+                                      <m:fPr>
+                                        <m:ctrlPr>
+                                          <a:rPr lang="en-US" sz="1600" b="0" i="1" smtClean="0">
+                                            <a:latin typeface="Cambria Math" panose="02040503050406030204" pitchFamily="18" charset="0"/>
+                                          </a:rPr>
+                                        </m:ctrlPr>
+                                      </m:fPr>
+                                      <m:num>
+                                        <m:r>
+                                          <a:rPr lang="en-US" sz="1600" b="0" i="1" smtClean="0">
+                                            <a:latin typeface="Cambria Math" panose="02040503050406030204" pitchFamily="18" charset="0"/>
+                                          </a:rPr>
+                                          <m:t>3</m:t>
+                                        </m:r>
+                                      </m:num>
+                                      <m:den>
+                                        <m:r>
+                                          <a:rPr lang="en-US" sz="1600" b="0" i="1" smtClean="0">
+                                            <a:latin typeface="Cambria Math" panose="02040503050406030204" pitchFamily="18" charset="0"/>
+                                          </a:rPr>
+                                          <m:t>4</m:t>
+                                        </m:r>
+                                      </m:den>
+                                    </m:f>
+                                  </m:sup>
+                                </m:sSubSup>
+                              </m:oMath>
+                            </m:oMathPara>
+                          </a14:m>
+                          <a:endParaRPr lang="en-US" sz="1600" b="0" dirty="0" smtClean="0"/>
+                        </a:p>
+                      </a:txBody>
+                      <a:tcPr/>
+                    </a:tc>
+                    <a:extLst>
+                      <a:ext uri="{0D108BD9-81ED-4DB2-BD59-A6C34878D82A}">
+                        <a16:rowId xmlns:a16="http://schemas.microsoft.com/office/drawing/2014/main" val="2183038433"/>
+                      </a:ext>
+                    </a:extLst>
+                  </a:tr>
+                  <a:tr h="1563686">
+                    <a:tc>
+                      <a:txBody>
+                        <a:bodyPr/>
+                        <a:lstStyle/>
+                        <a:p>
+                          <a:r>
+                            <a:rPr lang="en-US" sz="1600" b="1" dirty="0"/>
+                            <a:t>‘Hydraulically-wide’ equation</a:t>
+                          </a:r>
+                        </a:p>
+                        <a:p>
+                          <a:r>
+                            <a:rPr lang="en-US" sz="1400" b="0" dirty="0"/>
+                            <a:t>2 assumptions:</a:t>
+                          </a:r>
+                        </a:p>
+                        <a:p>
+                          <a:r>
+                            <a:rPr lang="en-US" sz="1400" b="0" dirty="0"/>
+                            <a:t>        1) </a:t>
+                          </a:r>
+                          <a14:m>
+                            <m:oMath xmlns:m="http://schemas.openxmlformats.org/officeDocument/2006/math">
+                              <m:r>
+                                <a:rPr lang="en-US" sz="1400" b="0" i="1" smtClean="0">
+                                  <a:latin typeface="Cambria Math" panose="02040503050406030204" pitchFamily="18" charset="0"/>
+                                </a:rPr>
+                                <m:t>𝑅h</m:t>
+                              </m:r>
+                              <m:r>
+                                <a:rPr lang="en-US" sz="1400" b="0" i="1" smtClean="0">
+                                  <a:latin typeface="Cambria Math" panose="02040503050406030204" pitchFamily="18" charset="0"/>
+                                </a:rPr>
+                                <m:t>=</m:t>
+                              </m:r>
+                              <m:r>
+                                <a:rPr lang="en-US" sz="1400" b="0" i="1" smtClean="0">
+                                  <a:latin typeface="Cambria Math" panose="02040503050406030204" pitchFamily="18" charset="0"/>
+                                </a:rPr>
+                                <m:t>𝐻</m:t>
+                              </m:r>
+                            </m:oMath>
+                          </a14:m>
+                          <a:endParaRPr lang="en-US" sz="1400" b="0" dirty="0"/>
+                        </a:p>
+                        <a:p>
+                          <a:r>
+                            <a:rPr lang="en-US" sz="1400" b="0" dirty="0"/>
+                            <a:t>        2) </a:t>
+                          </a:r>
+                          <a14:m>
+                            <m:oMath xmlns:m="http://schemas.openxmlformats.org/officeDocument/2006/math">
+                              <m:sSub>
+                                <m:sSubPr>
+                                  <m:ctrlPr>
+                                    <a:rPr lang="en-US" sz="1400" b="0" i="1" smtClean="0">
+                                      <a:latin typeface="Cambria Math" panose="02040503050406030204" pitchFamily="18" charset="0"/>
+                                      <a:ea typeface="Cambria Math" panose="02040503050406030204" pitchFamily="18" charset="0"/>
+                                    </a:rPr>
+                                  </m:ctrlPr>
+                                </m:sSubPr>
+                                <m:e>
+                                  <m:r>
+                                    <a:rPr lang="en-US" sz="1400" b="0" i="1" smtClean="0">
+                                      <a:latin typeface="Cambria Math" panose="02040503050406030204" pitchFamily="18" charset="0"/>
+                                      <a:ea typeface="Cambria Math" panose="02040503050406030204" pitchFamily="18" charset="0"/>
+                                    </a:rPr>
+                                    <m:t>𝜀</m:t>
+                                  </m:r>
+                                </m:e>
+                                <m:sub>
+                                  <m:r>
+                                    <a:rPr lang="en-US" sz="1400" b="0" i="1" smtClean="0">
+                                      <a:latin typeface="Cambria Math" panose="02040503050406030204" pitchFamily="18" charset="0"/>
+                                      <a:ea typeface="Cambria Math" panose="02040503050406030204" pitchFamily="18" charset="0"/>
+                                    </a:rPr>
+                                    <m:t>𝑆</m:t>
+                                  </m:r>
+                                </m:sub>
+                              </m:sSub>
+                              <m:r>
+                                <a:rPr lang="en-US" sz="1400" b="0" i="1" smtClean="0">
+                                  <a:latin typeface="Cambria Math" panose="02040503050406030204" pitchFamily="18" charset="0"/>
+                                  <a:ea typeface="Cambria Math" panose="02040503050406030204" pitchFamily="18" charset="0"/>
+                                </a:rPr>
+                                <m:t>=</m:t>
+                              </m:r>
+                              <m:f>
+                                <m:fPr>
+                                  <m:ctrlPr>
+                                    <a:rPr lang="en-US" sz="1400" b="0" i="1" smtClean="0">
+                                      <a:latin typeface="Cambria Math" panose="02040503050406030204" pitchFamily="18" charset="0"/>
+                                      <a:ea typeface="Cambria Math" panose="02040503050406030204" pitchFamily="18" charset="0"/>
+                                    </a:rPr>
+                                  </m:ctrlPr>
+                                </m:fPr>
+                                <m:num>
+                                  <m:sSubSup>
+                                    <m:sSubSupPr>
+                                      <m:ctrlPr>
+                                        <a:rPr lang="en-US" sz="1400" b="0" i="1" smtClean="0">
+                                          <a:latin typeface="Cambria Math" panose="02040503050406030204" pitchFamily="18" charset="0"/>
+                                          <a:ea typeface="Cambria Math" panose="02040503050406030204" pitchFamily="18" charset="0"/>
+                                        </a:rPr>
+                                      </m:ctrlPr>
+                                    </m:sSubSupPr>
+                                    <m:e>
+                                      <m:r>
+                                        <a:rPr lang="en-US" sz="1400" b="0" i="1" smtClean="0">
+                                          <a:latin typeface="Cambria Math" panose="02040503050406030204" pitchFamily="18" charset="0"/>
+                                          <a:ea typeface="Cambria Math" panose="02040503050406030204" pitchFamily="18" charset="0"/>
+                                        </a:rPr>
+                                        <m:t>𝑈</m:t>
+                                      </m:r>
+                                    </m:e>
+                                    <m:sub>
+                                      <m:r>
+                                        <a:rPr lang="en-US" sz="1400" b="0" i="1" smtClean="0">
+                                          <a:latin typeface="Cambria Math" panose="02040503050406030204" pitchFamily="18" charset="0"/>
+                                          <a:ea typeface="Cambria Math" panose="02040503050406030204" pitchFamily="18" charset="0"/>
+                                        </a:rPr>
+                                        <m:t>∗</m:t>
+                                      </m:r>
+                                    </m:sub>
+                                    <m:sup>
+                                      <m:r>
+                                        <a:rPr lang="en-US" sz="1400" b="0" i="1" smtClean="0">
+                                          <a:latin typeface="Cambria Math" panose="02040503050406030204" pitchFamily="18" charset="0"/>
+                                          <a:ea typeface="Cambria Math" panose="02040503050406030204" pitchFamily="18" charset="0"/>
+                                        </a:rPr>
+                                        <m:t>3</m:t>
+                                      </m:r>
+                                    </m:sup>
+                                  </m:sSubSup>
+                                </m:num>
+                                <m:den>
+                                  <m:r>
+                                    <a:rPr lang="en-US" sz="1400" b="0" i="1" smtClean="0">
+                                      <a:latin typeface="Cambria Math" panose="02040503050406030204" pitchFamily="18" charset="0"/>
+                                      <a:ea typeface="Cambria Math" panose="02040503050406030204" pitchFamily="18" charset="0"/>
+                                    </a:rPr>
+                                    <m:t>𝐻</m:t>
+                                  </m:r>
+                                </m:den>
+                              </m:f>
+                            </m:oMath>
+                          </a14:m>
+                          <a:r>
+                            <a:rPr lang="en-US" sz="1400" b="0" dirty="0"/>
+                            <a:t>, where </a:t>
+                          </a:r>
+                          <a14:m>
+                            <m:oMath xmlns:m="http://schemas.openxmlformats.org/officeDocument/2006/math">
+                              <m:sSub>
+                                <m:sSubPr>
+                                  <m:ctrlPr>
+                                    <a:rPr lang="en-US" sz="1400" b="0" i="1" smtClean="0">
+                                      <a:latin typeface="Cambria Math" panose="02040503050406030204" pitchFamily="18" charset="0"/>
+                                    </a:rPr>
+                                  </m:ctrlPr>
+                                </m:sSubPr>
+                                <m:e>
+                                  <m:r>
+                                    <a:rPr lang="en-US" sz="1400" b="0" i="1" smtClean="0">
+                                      <a:latin typeface="Cambria Math" panose="02040503050406030204" pitchFamily="18" charset="0"/>
+                                    </a:rPr>
+                                    <m:t>𝑈</m:t>
+                                  </m:r>
+                                </m:e>
+                                <m:sub>
+                                  <m:r>
+                                    <a:rPr lang="en-US" sz="1400" b="0" i="1" smtClean="0">
+                                      <a:latin typeface="Cambria Math" panose="02040503050406030204" pitchFamily="18" charset="0"/>
+                                    </a:rPr>
+                                    <m:t>∗</m:t>
+                                  </m:r>
+                                </m:sub>
+                              </m:sSub>
+                              <m:r>
+                                <a:rPr lang="en-US" sz="1400" b="0" i="1" smtClean="0">
+                                  <a:latin typeface="Cambria Math" panose="02040503050406030204" pitchFamily="18" charset="0"/>
+                                </a:rPr>
+                                <m:t>=</m:t>
+                              </m:r>
+                              <m:rad>
+                                <m:radPr>
+                                  <m:degHide m:val="on"/>
+                                  <m:ctrlPr>
+                                    <a:rPr lang="en-US" sz="1400" b="0" i="1" smtClean="0">
+                                      <a:latin typeface="Cambria Math" panose="02040503050406030204" pitchFamily="18" charset="0"/>
+                                    </a:rPr>
+                                  </m:ctrlPr>
+                                </m:radPr>
+                                <m:deg/>
+                                <m:e>
+                                  <m:r>
+                                    <a:rPr lang="en-US" sz="1400" b="0" i="1" smtClean="0">
+                                      <a:latin typeface="Cambria Math" panose="02040503050406030204" pitchFamily="18" charset="0"/>
+                                    </a:rPr>
+                                    <m:t>𝑔𝑆</m:t>
+                                  </m:r>
+                                  <m:sSub>
+                                    <m:sSubPr>
+                                      <m:ctrlPr>
+                                        <a:rPr lang="en-US" sz="1400" b="0" i="1" smtClean="0">
+                                          <a:latin typeface="Cambria Math" panose="02040503050406030204" pitchFamily="18" charset="0"/>
+                                        </a:rPr>
+                                      </m:ctrlPr>
+                                    </m:sSubPr>
+                                    <m:e>
+                                      <m:r>
+                                        <a:rPr lang="en-US" sz="1400" b="0" i="1" smtClean="0">
+                                          <a:latin typeface="Cambria Math" panose="02040503050406030204" pitchFamily="18" charset="0"/>
+                                        </a:rPr>
+                                        <m:t>𝑅</m:t>
+                                      </m:r>
+                                    </m:e>
+                                    <m:sub>
+                                      <m:r>
+                                        <a:rPr lang="en-US" sz="1400" b="0" i="1" smtClean="0">
+                                          <a:latin typeface="Cambria Math" panose="02040503050406030204" pitchFamily="18" charset="0"/>
+                                        </a:rPr>
+                                        <m:t>h</m:t>
+                                      </m:r>
+                                    </m:sub>
+                                  </m:sSub>
+                                </m:e>
+                              </m:rad>
+                            </m:oMath>
+                          </a14:m>
+                          <a:endParaRPr lang="en-US" sz="1400" b="0" dirty="0"/>
+                        </a:p>
+                      </a:txBody>
+                      <a:tcPr/>
+                    </a:tc>
+                    <a:tc>
+                      <a:txBody>
+                        <a:bodyPr/>
+                        <a:lstStyle/>
+                        <a:p>
+                          <a:pPr/>
+                          <a14:m>
+                            <m:oMathPara xmlns:m="http://schemas.openxmlformats.org/officeDocument/2006/math">
+                              <m:oMathParaPr>
+                                <m:jc m:val="centerGroup"/>
+                              </m:oMathParaPr>
+                              <m:oMath xmlns:m="http://schemas.openxmlformats.org/officeDocument/2006/math">
+                                <m:sSub>
+                                  <m:sSubPr>
+                                    <m:ctrlPr>
+                                      <a:rPr lang="en-US" sz="1600" b="0" i="1" smtClean="0">
+                                        <a:latin typeface="Cambria Math" panose="02040503050406030204" pitchFamily="18" charset="0"/>
+                                      </a:rPr>
+                                    </m:ctrlPr>
+                                  </m:sSubPr>
+                                  <m:e>
+                                    <m:r>
+                                      <a:rPr lang="en-US" sz="1600" i="1">
+                                        <a:latin typeface="Cambria Math" panose="02040503050406030204" pitchFamily="18" charset="0"/>
+                                      </a:rPr>
+                                      <m:t>𝑘</m:t>
+                                    </m:r>
+                                  </m:e>
+                                  <m:sub>
+                                    <m:r>
+                                      <a:rPr lang="en-US" sz="1600" b="0" i="1" smtClean="0">
+                                        <a:latin typeface="Cambria Math" panose="02040503050406030204" pitchFamily="18" charset="0"/>
+                                      </a:rPr>
+                                      <m:t>600</m:t>
+                                    </m:r>
+                                  </m:sub>
+                                </m:sSub>
+                                <m:r>
+                                  <a:rPr lang="en-US" sz="1600" b="0" i="1" smtClean="0">
+                                    <a:latin typeface="Cambria Math" panose="02040503050406030204" pitchFamily="18" charset="0"/>
+                                  </a:rPr>
+                                  <m:t>=</m:t>
+                                </m:r>
+                                <m:r>
+                                  <a:rPr lang="en-US" sz="1600" b="0" i="1" smtClean="0">
+                                    <a:latin typeface="Cambria Math" panose="02040503050406030204" pitchFamily="18" charset="0"/>
+                                    <a:ea typeface="Cambria Math" panose="02040503050406030204" pitchFamily="18" charset="0"/>
+                                  </a:rPr>
+                                  <m:t>𝛼</m:t>
+                                </m:r>
+                                <m:sSup>
+                                  <m:sSupPr>
+                                    <m:ctrlPr>
+                                      <a:rPr lang="en-US" sz="1600" b="0" i="1" smtClean="0">
+                                        <a:latin typeface="Cambria Math" panose="02040503050406030204" pitchFamily="18" charset="0"/>
+                                        <a:ea typeface="Cambria Math" panose="02040503050406030204" pitchFamily="18" charset="0"/>
+                                      </a:rPr>
+                                    </m:ctrlPr>
+                                  </m:sSupPr>
+                                  <m:e>
+                                    <m:d>
+                                      <m:dPr>
+                                        <m:ctrlPr>
+                                          <a:rPr lang="en-US" sz="1600" b="0" i="1" smtClean="0">
+                                            <a:latin typeface="Cambria Math" panose="02040503050406030204" pitchFamily="18" charset="0"/>
+                                            <a:ea typeface="Cambria Math" panose="02040503050406030204" pitchFamily="18" charset="0"/>
+                                          </a:rPr>
+                                        </m:ctrlPr>
+                                      </m:dPr>
+                                      <m:e>
+                                        <m:r>
+                                          <a:rPr lang="en-US" sz="1600" b="0" i="1" smtClean="0">
+                                            <a:latin typeface="Cambria Math" panose="02040503050406030204" pitchFamily="18" charset="0"/>
+                                            <a:ea typeface="Cambria Math" panose="02040503050406030204" pitchFamily="18" charset="0"/>
+                                          </a:rPr>
+                                          <m:t>𝑔𝑆</m:t>
+                                        </m:r>
+                                      </m:e>
+                                    </m:d>
+                                  </m:e>
+                                  <m:sup>
+                                    <m:f>
+                                      <m:fPr>
+                                        <m:ctrlPr>
+                                          <a:rPr lang="en-US" sz="1600" b="0" i="1" smtClean="0">
+                                            <a:latin typeface="Cambria Math" panose="02040503050406030204" pitchFamily="18" charset="0"/>
+                                            <a:ea typeface="Cambria Math" panose="02040503050406030204" pitchFamily="18" charset="0"/>
+                                          </a:rPr>
+                                        </m:ctrlPr>
+                                      </m:fPr>
+                                      <m:num>
+                                        <m:r>
+                                          <a:rPr lang="en-US" sz="1600" b="0" i="1" smtClean="0">
+                                            <a:latin typeface="Cambria Math" panose="02040503050406030204" pitchFamily="18" charset="0"/>
+                                            <a:ea typeface="Cambria Math" panose="02040503050406030204" pitchFamily="18" charset="0"/>
+                                          </a:rPr>
+                                          <m:t>3</m:t>
+                                        </m:r>
+                                      </m:num>
+                                      <m:den>
+                                        <m:r>
+                                          <a:rPr lang="en-US" sz="1600" b="0" i="1" smtClean="0">
+                                            <a:latin typeface="Cambria Math" panose="02040503050406030204" pitchFamily="18" charset="0"/>
+                                            <a:ea typeface="Cambria Math" panose="02040503050406030204" pitchFamily="18" charset="0"/>
+                                          </a:rPr>
+                                          <m:t>8</m:t>
+                                        </m:r>
+                                      </m:den>
+                                    </m:f>
+                                  </m:sup>
+                                </m:sSup>
+                                <m:sSup>
+                                  <m:sSupPr>
+                                    <m:ctrlPr>
+                                      <a:rPr lang="en-US" sz="1600" i="1" smtClean="0">
+                                        <a:latin typeface="Cambria Math" panose="02040503050406030204" pitchFamily="18" charset="0"/>
+                                      </a:rPr>
+                                    </m:ctrlPr>
+                                  </m:sSupPr>
+                                  <m:e>
+                                    <m:r>
+                                      <a:rPr lang="en-US" sz="1600" i="1">
+                                        <a:latin typeface="Cambria Math" panose="02040503050406030204" pitchFamily="18" charset="0"/>
+                                      </a:rPr>
+                                      <m:t>𝐻</m:t>
+                                    </m:r>
+                                  </m:e>
+                                  <m:sup>
+                                    <m:f>
+                                      <m:fPr>
+                                        <m:ctrlPr>
+                                          <a:rPr lang="en-US" sz="1600" i="1">
+                                            <a:latin typeface="Cambria Math" panose="02040503050406030204" pitchFamily="18" charset="0"/>
+                                          </a:rPr>
+                                        </m:ctrlPr>
+                                      </m:fPr>
+                                      <m:num>
+                                        <m:r>
+                                          <a:rPr lang="en-US" sz="1600" i="1">
+                                            <a:latin typeface="Cambria Math" panose="02040503050406030204" pitchFamily="18" charset="0"/>
+                                          </a:rPr>
+                                          <m:t>1</m:t>
+                                        </m:r>
+                                      </m:num>
+                                      <m:den>
+                                        <m:r>
+                                          <a:rPr lang="en-US" sz="1600" i="1">
+                                            <a:latin typeface="Cambria Math" panose="02040503050406030204" pitchFamily="18" charset="0"/>
+                                          </a:rPr>
+                                          <m:t>8</m:t>
+                                        </m:r>
+                                      </m:den>
+                                    </m:f>
+                                  </m:sup>
+                                </m:sSup>
+                              </m:oMath>
+                            </m:oMathPara>
+                          </a14:m>
+                          <a:endParaRPr lang="en-US" sz="1600" dirty="0" smtClean="0"/>
+                        </a:p>
+                      </a:txBody>
+                      <a:tcPr/>
+                    </a:tc>
+                    <a:tc>
+                      <a:txBody>
+                        <a:bodyPr/>
+                        <a:lstStyle/>
+                        <a:p>
+                          <a:pPr/>
+                          <a14:m>
+                            <m:oMathPara xmlns:m="http://schemas.openxmlformats.org/officeDocument/2006/math">
+                              <m:oMathParaPr>
+                                <m:jc m:val="centerGroup"/>
+                              </m:oMathParaPr>
+                              <m:oMath xmlns:m="http://schemas.openxmlformats.org/officeDocument/2006/math">
+                                <m:sSub>
+                                  <m:sSubPr>
+                                    <m:ctrlPr>
+                                      <a:rPr lang="en-US" sz="1600" b="0" i="1" smtClean="0">
+                                        <a:latin typeface="Cambria Math" panose="02040503050406030204" pitchFamily="18" charset="0"/>
+                                      </a:rPr>
+                                    </m:ctrlPr>
+                                  </m:sSubPr>
+                                  <m:e>
+                                    <m:r>
+                                      <a:rPr lang="en-US" sz="1600" i="1">
+                                        <a:latin typeface="Cambria Math" panose="02040503050406030204" pitchFamily="18" charset="0"/>
+                                      </a:rPr>
+                                      <m:t>𝑘</m:t>
+                                    </m:r>
+                                  </m:e>
+                                  <m:sub>
+                                    <m:r>
+                                      <a:rPr lang="en-US" sz="1600" b="0" i="1" smtClean="0">
+                                        <a:latin typeface="Cambria Math" panose="02040503050406030204" pitchFamily="18" charset="0"/>
+                                      </a:rPr>
+                                      <m:t>600</m:t>
+                                    </m:r>
+                                  </m:sub>
+                                </m:sSub>
+                                <m:r>
+                                  <a:rPr lang="en-US" sz="1600" b="0" i="1" smtClean="0">
+                                    <a:latin typeface="Cambria Math" panose="02040503050406030204" pitchFamily="18" charset="0"/>
+                                  </a:rPr>
+                                  <m:t>=</m:t>
+                                </m:r>
+                                <m:sSup>
+                                  <m:sSupPr>
+                                    <m:ctrlPr>
+                                      <a:rPr lang="en-US" sz="1600" b="0" i="1" smtClean="0">
+                                        <a:latin typeface="Cambria Math" panose="02040503050406030204" pitchFamily="18" charset="0"/>
+                                        <a:ea typeface="Cambria Math" panose="02040503050406030204" pitchFamily="18" charset="0"/>
+                                      </a:rPr>
+                                    </m:ctrlPr>
+                                  </m:sSupPr>
+                                  <m:e>
+                                    <m:r>
+                                      <a:rPr lang="en-US" sz="1600" b="0" i="1" smtClean="0">
+                                        <a:latin typeface="Cambria Math" panose="02040503050406030204" pitchFamily="18" charset="0"/>
+                                        <a:ea typeface="Cambria Math" panose="02040503050406030204" pitchFamily="18" charset="0"/>
+                                      </a:rPr>
+                                      <m:t>𝛽</m:t>
+                                    </m:r>
+                                    <m:d>
+                                      <m:dPr>
+                                        <m:ctrlPr>
+                                          <a:rPr lang="en-US" sz="1600" b="0" i="1" smtClean="0">
+                                            <a:latin typeface="Cambria Math" panose="02040503050406030204" pitchFamily="18" charset="0"/>
+                                            <a:ea typeface="Cambria Math" panose="02040503050406030204" pitchFamily="18" charset="0"/>
+                                          </a:rPr>
+                                        </m:ctrlPr>
+                                      </m:dPr>
+                                      <m:e>
+                                        <m:r>
+                                          <a:rPr lang="en-US" sz="1600" b="0" i="1" smtClean="0">
+                                            <a:latin typeface="Cambria Math" panose="02040503050406030204" pitchFamily="18" charset="0"/>
+                                            <a:ea typeface="Cambria Math" panose="02040503050406030204" pitchFamily="18" charset="0"/>
+                                          </a:rPr>
+                                          <m:t>𝑔𝑆</m:t>
+                                        </m:r>
+                                      </m:e>
+                                    </m:d>
+                                  </m:e>
+                                  <m:sup>
+                                    <m:f>
+                                      <m:fPr>
+                                        <m:ctrlPr>
+                                          <a:rPr lang="en-US" sz="1600" b="0" i="1" smtClean="0">
+                                            <a:latin typeface="Cambria Math" panose="02040503050406030204" pitchFamily="18" charset="0"/>
+                                            <a:ea typeface="Cambria Math" panose="02040503050406030204" pitchFamily="18" charset="0"/>
+                                          </a:rPr>
+                                        </m:ctrlPr>
+                                      </m:fPr>
+                                      <m:num>
+                                        <m:r>
+                                          <a:rPr lang="en-US" sz="1600" b="0" i="1" smtClean="0">
+                                            <a:latin typeface="Cambria Math" panose="02040503050406030204" pitchFamily="18" charset="0"/>
+                                            <a:ea typeface="Cambria Math" panose="02040503050406030204" pitchFamily="18" charset="0"/>
+                                          </a:rPr>
+                                          <m:t>9</m:t>
+                                        </m:r>
+                                      </m:num>
+                                      <m:den>
+                                        <m:r>
+                                          <a:rPr lang="en-US" sz="1600" b="0" i="1" smtClean="0">
+                                            <a:latin typeface="Cambria Math" panose="02040503050406030204" pitchFamily="18" charset="0"/>
+                                            <a:ea typeface="Cambria Math" panose="02040503050406030204" pitchFamily="18" charset="0"/>
+                                          </a:rPr>
+                                          <m:t>16</m:t>
+                                        </m:r>
+                                      </m:den>
+                                    </m:f>
+                                  </m:sup>
+                                </m:sSup>
+                                <m:sSup>
+                                  <m:sSupPr>
+                                    <m:ctrlPr>
+                                      <a:rPr lang="en-US" sz="1600" i="1" smtClean="0">
+                                        <a:latin typeface="Cambria Math" panose="02040503050406030204" pitchFamily="18" charset="0"/>
+                                      </a:rPr>
+                                    </m:ctrlPr>
+                                  </m:sSupPr>
+                                  <m:e>
+                                    <m:r>
+                                      <a:rPr lang="en-US" sz="1600" i="1">
+                                        <a:latin typeface="Cambria Math" panose="02040503050406030204" pitchFamily="18" charset="0"/>
+                                      </a:rPr>
+                                      <m:t>𝐻</m:t>
+                                    </m:r>
+                                  </m:e>
+                                  <m:sup>
+                                    <m:f>
+                                      <m:fPr>
+                                        <m:ctrlPr>
+                                          <a:rPr lang="en-US" sz="1600" i="1">
+                                            <a:latin typeface="Cambria Math" panose="02040503050406030204" pitchFamily="18" charset="0"/>
+                                          </a:rPr>
+                                        </m:ctrlPr>
+                                      </m:fPr>
+                                      <m:num>
+                                        <m:r>
+                                          <a:rPr lang="en-US" sz="1600" i="1">
+                                            <a:latin typeface="Cambria Math" panose="02040503050406030204" pitchFamily="18" charset="0"/>
+                                          </a:rPr>
+                                          <m:t>1</m:t>
+                                        </m:r>
+                                        <m:r>
+                                          <a:rPr lang="en-US" sz="1600" b="0" i="1" smtClean="0">
+                                            <a:latin typeface="Cambria Math" panose="02040503050406030204" pitchFamily="18" charset="0"/>
+                                          </a:rPr>
+                                          <m:t>1</m:t>
+                                        </m:r>
+                                      </m:num>
+                                      <m:den>
+                                        <m:r>
+                                          <a:rPr lang="en-US" sz="1600" b="0" i="1" smtClean="0">
+                                            <a:latin typeface="Cambria Math" panose="02040503050406030204" pitchFamily="18" charset="0"/>
+                                          </a:rPr>
+                                          <m:t>16</m:t>
+                                        </m:r>
+                                      </m:den>
+                                    </m:f>
+                                  </m:sup>
+                                </m:sSup>
+                              </m:oMath>
+                            </m:oMathPara>
+                          </a14:m>
+                          <a:endParaRPr lang="en-US" sz="1600" dirty="0" smtClean="0"/>
+                        </a:p>
+                      </a:txBody>
+                      <a:tcPr/>
+                    </a:tc>
+                    <a:extLst>
+                      <a:ext uri="{0D108BD9-81ED-4DB2-BD59-A6C34878D82A}">
+                        <a16:rowId xmlns:a16="http://schemas.microsoft.com/office/drawing/2014/main" val="1306088015"/>
+                      </a:ext>
+                    </a:extLst>
+                  </a:tr>
+                </a:tbl>
+              </a:graphicData>
+            </a:graphic>
+          </p:graphicFrame>
+        </mc:Choice>
+        <mc:Fallback>
+          <p:graphicFrame>
+            <p:nvGraphicFramePr>
+              <p:cNvPr id="5" name="Table 5">
+                <a:extLst>
+                  <a:ext uri="{FF2B5EF4-FFF2-40B4-BE49-F238E27FC236}">
+                    <a16:creationId xmlns:a16="http://schemas.microsoft.com/office/drawing/2014/main" id="{DF77906E-0D3D-41F7-8B9B-3B127AC65F88}"/>
+                  </a:ext>
+                </a:extLst>
+              </p:cNvPr>
+              <p:cNvGraphicFramePr>
+                <a:graphicFrameLocks noGrp="1"/>
+              </p:cNvGraphicFramePr>
+              <p:nvPr>
+                <p:ph idx="1"/>
+                <p:extLst>
+                  <p:ext uri="{D42A27DB-BD31-4B8C-83A1-F6EECF244321}">
+                    <p14:modId xmlns:p14="http://schemas.microsoft.com/office/powerpoint/2010/main" val="1608358794"/>
+                  </p:ext>
+                </p:extLst>
+              </p:nvPr>
+            </p:nvGraphicFramePr>
+            <p:xfrm>
+              <a:off x="616502" y="66502"/>
+              <a:ext cx="11054568" cy="6604952"/>
+            </p:xfrm>
+            <a:graphic>
+              <a:graphicData uri="http://schemas.openxmlformats.org/drawingml/2006/table">
+                <a:tbl>
+                  <a:tblPr firstRow="1" bandRow="1">
+                    <a:tableStyleId>{5C22544A-7EE6-4342-B048-85BDC9FD1C3A}</a:tableStyleId>
+                  </a:tblPr>
+                  <a:tblGrid>
+                    <a:gridCol w="3360761">
+                      <a:extLst>
+                        <a:ext uri="{9D8B030D-6E8A-4147-A177-3AD203B41FA5}">
+                          <a16:colId xmlns:a16="http://schemas.microsoft.com/office/drawing/2014/main" val="2712491034"/>
+                        </a:ext>
+                      </a:extLst>
+                    </a:gridCol>
+                    <a:gridCol w="3204207">
+                      <a:extLst>
+                        <a:ext uri="{9D8B030D-6E8A-4147-A177-3AD203B41FA5}">
+                          <a16:colId xmlns:a16="http://schemas.microsoft.com/office/drawing/2014/main" val="2758356651"/>
+                        </a:ext>
+                      </a:extLst>
+                    </a:gridCol>
+                    <a:gridCol w="4489600">
+                      <a:extLst>
+                        <a:ext uri="{9D8B030D-6E8A-4147-A177-3AD203B41FA5}">
+                          <a16:colId xmlns:a16="http://schemas.microsoft.com/office/drawing/2014/main" val="3800804289"/>
+                        </a:ext>
+                      </a:extLst>
+                    </a:gridCol>
+                  </a:tblGrid>
+                  <a:tr h="592265">
+                    <a:tc>
+                      <a:txBody>
+                        <a:bodyPr/>
+                        <a:lstStyle/>
+                        <a:p>
+                          <a:r>
+                            <a:rPr lang="en-US" sz="1600" dirty="0"/>
+                            <a:t>Physical models for </a:t>
+                          </a:r>
+                          <a:r>
+                            <a:rPr lang="en-US" sz="1600" i="1" dirty="0"/>
+                            <a:t>k</a:t>
+                          </a:r>
+                          <a:endParaRPr lang="en-US" sz="1600" dirty="0"/>
+                        </a:p>
+                      </a:txBody>
+                      <a:tcPr/>
+                    </a:tc>
+                    <a:tc>
+                      <a:txBody>
+                        <a:bodyPr/>
+                        <a:lstStyle/>
+                        <a:p>
+                          <a:r>
+                            <a:rPr lang="en-US" sz="1600" dirty="0"/>
+                            <a:t>Small-Eddy Model </a:t>
+                          </a:r>
+                          <a:r>
+                            <a:rPr lang="en-US" sz="1600" b="0" dirty="0">
+                              <a:solidFill>
+                                <a:srgbClr val="C00000"/>
+                              </a:solidFill>
+                            </a:rPr>
+                            <a:t>[Lamont &amp; Scott, 1970]</a:t>
+                          </a:r>
+                        </a:p>
+                      </a:txBody>
+                      <a:tcPr/>
+                    </a:tc>
+                    <a:tc>
+                      <a:txBody>
+                        <a:bodyPr/>
+                        <a:lstStyle/>
+                        <a:p>
+                          <a:r>
+                            <a:rPr lang="en-US" sz="1600" dirty="0"/>
+                            <a:t>Chainsaw Model </a:t>
+                          </a:r>
+                          <a:r>
+                            <a:rPr lang="en-US" sz="1600" b="0" dirty="0">
+                              <a:solidFill>
+                                <a:srgbClr val="C00000"/>
+                              </a:solidFill>
+                            </a:rPr>
+                            <a:t>[Moog &amp; </a:t>
+                          </a:r>
+                          <a:r>
+                            <a:rPr lang="en-US" sz="1600" b="0" dirty="0" err="1">
+                              <a:solidFill>
+                                <a:srgbClr val="C00000"/>
+                              </a:solidFill>
+                            </a:rPr>
+                            <a:t>Jirka</a:t>
+                          </a:r>
+                          <a:r>
+                            <a:rPr lang="en-US" sz="1600" b="0" dirty="0">
+                              <a:solidFill>
+                                <a:srgbClr val="C00000"/>
+                              </a:solidFill>
+                            </a:rPr>
+                            <a:t>, 1999a]</a:t>
+                          </a:r>
+                        </a:p>
+                      </a:txBody>
+                      <a:tcPr/>
+                    </a:tc>
+                    <a:extLst>
+                      <a:ext uri="{0D108BD9-81ED-4DB2-BD59-A6C34878D82A}">
+                        <a16:rowId xmlns:a16="http://schemas.microsoft.com/office/drawing/2014/main" val="3363270676"/>
+                      </a:ext>
+                    </a:extLst>
+                  </a:tr>
+                  <a:tr h="2042160">
+                    <a:tc>
+                      <a:txBody>
+                        <a:bodyPr/>
+                        <a:lstStyle/>
+                        <a:p>
+                          <a:r>
+                            <a:rPr lang="en-US" sz="1600" b="1" dirty="0"/>
+                            <a:t>Description</a:t>
+                          </a:r>
+                        </a:p>
+                      </a:txBody>
+                      <a:tcPr/>
+                    </a:tc>
+                    <a:tc>
+                      <a:txBody>
+                        <a:bodyPr/>
+                        <a:lstStyle/>
+                        <a:p>
+                          <a:endParaRPr lang="en-US"/>
+                        </a:p>
+                      </a:txBody>
+                      <a:tcPr>
+                        <a:blipFill>
+                          <a:blip r:embed="rId2"/>
+                          <a:stretch>
+                            <a:fillRect l="-104943" t="-29464" r="-140875" b="-194643"/>
+                          </a:stretch>
+                        </a:blipFill>
+                      </a:tcPr>
+                    </a:tc>
+                    <a:tc>
+                      <a:txBody>
+                        <a:bodyPr/>
+                        <a:lstStyle/>
+                        <a:p>
+                          <a:r>
+                            <a:rPr lang="en-US" sz="1600" dirty="0"/>
+                            <a:t>-Extension of the small-eddy model for small-roughness open channel flows</a:t>
+                          </a:r>
+                        </a:p>
+                        <a:p>
+                          <a:r>
+                            <a:rPr lang="en-US" sz="1600" dirty="0"/>
+                            <a:t>-Assumes that depth-scale eddies transport small-eddies to the surface, with the latter contributing to the actual gas evasion</a:t>
+                          </a:r>
+                        </a:p>
+                        <a:p>
+                          <a:r>
+                            <a:rPr lang="en-US" sz="1600" dirty="0"/>
+                            <a:t>-SO: applies the small-eddy model only to the ‘active-zones’ </a:t>
+                          </a:r>
+                          <a:r>
+                            <a:rPr lang="en-US" sz="1600" i="1" dirty="0"/>
+                            <a:t>A</a:t>
+                          </a:r>
+                          <a:r>
+                            <a:rPr lang="en-US" sz="1600" i="1" baseline="-25000" dirty="0"/>
+                            <a:t>p</a:t>
+                          </a:r>
+                          <a:r>
+                            <a:rPr lang="en-US" sz="1600" dirty="0"/>
+                            <a:t> of evasion </a:t>
+                          </a:r>
+                          <a:r>
+                            <a:rPr lang="en-US" sz="1200" dirty="0">
+                              <a:solidFill>
+                                <a:srgbClr val="C00000"/>
+                              </a:solidFill>
+                            </a:rPr>
+                            <a:t>[Rashidi et al. 1991]</a:t>
+                          </a:r>
+                          <a:r>
+                            <a:rPr lang="en-US" sz="1600" baseline="0" dirty="0"/>
+                            <a:t>, which are</a:t>
+                          </a:r>
+                          <a:r>
+                            <a:rPr lang="en-US" sz="1600" dirty="0"/>
+                            <a:t> determined by depth-scale eddies</a:t>
+                          </a:r>
+                        </a:p>
+                      </a:txBody>
+                      <a:tcPr/>
+                    </a:tc>
+                    <a:extLst>
+                      <a:ext uri="{0D108BD9-81ED-4DB2-BD59-A6C34878D82A}">
+                        <a16:rowId xmlns:a16="http://schemas.microsoft.com/office/drawing/2014/main" val="304185877"/>
+                      </a:ext>
+                    </a:extLst>
+                  </a:tr>
+                  <a:tr h="676874">
+                    <a:tc>
+                      <a:txBody>
+                        <a:bodyPr/>
+                        <a:lstStyle/>
+                        <a:p>
+                          <a:r>
+                            <a:rPr lang="en-US" sz="1600" b="1" dirty="0"/>
+                            <a:t>Empirical Confirmations (freshwater/estuaries)</a:t>
+                          </a:r>
+                        </a:p>
+                      </a:txBody>
+                      <a:tcPr/>
+                    </a:tc>
+                    <a:tc>
+                      <a:txBody>
+                        <a:bodyPr/>
+                        <a:lstStyle/>
+                        <a:p>
+                          <a:r>
+                            <a:rPr lang="en-US" sz="1200" dirty="0">
+                              <a:solidFill>
+                                <a:srgbClr val="C00000"/>
+                              </a:solidFill>
+                            </a:rPr>
+                            <a:t>Wang et al. 2021; Vachon et al. 2010; </a:t>
+                          </a:r>
+                          <a:r>
+                            <a:rPr lang="en-US" sz="1200" dirty="0" err="1">
+                              <a:solidFill>
+                                <a:srgbClr val="C00000"/>
+                              </a:solidFill>
+                            </a:rPr>
+                            <a:t>Tokoro</a:t>
+                          </a:r>
+                          <a:r>
+                            <a:rPr lang="en-US" sz="1200" dirty="0">
+                              <a:solidFill>
+                                <a:srgbClr val="C00000"/>
+                              </a:solidFill>
+                            </a:rPr>
+                            <a:t> et al. 2008; Zappa, et al. 2007; </a:t>
+                          </a:r>
+                          <a:r>
+                            <a:rPr lang="en-US" sz="1200" dirty="0" smtClean="0">
+                              <a:solidFill>
+                                <a:srgbClr val="C00000"/>
+                              </a:solidFill>
+                            </a:rPr>
+                            <a:t>Zappa et al. 2003, etc.</a:t>
+                          </a:r>
+                          <a:endParaRPr lang="en-US" sz="1200" dirty="0">
+                            <a:solidFill>
+                              <a:srgbClr val="C00000"/>
+                            </a:solidFill>
+                          </a:endParaRPr>
+                        </a:p>
+                      </a:txBody>
+                      <a:tcPr/>
+                    </a:tc>
+                    <a:tc>
+                      <a:txBody>
+                        <a:bodyPr/>
+                        <a:lstStyle/>
+                        <a:p>
+                          <a:r>
+                            <a:rPr lang="en-US" sz="1200" dirty="0" err="1">
+                              <a:solidFill>
+                                <a:srgbClr val="C00000"/>
+                              </a:solidFill>
+                            </a:rPr>
+                            <a:t>Talke</a:t>
+                          </a:r>
+                          <a:r>
+                            <a:rPr lang="en-US" sz="1200" dirty="0">
+                              <a:solidFill>
+                                <a:srgbClr val="C00000"/>
+                              </a:solidFill>
+                            </a:rPr>
+                            <a:t> et al. (2013</a:t>
+                          </a:r>
+                          <a:r>
+                            <a:rPr lang="en-US" sz="1200" dirty="0" smtClean="0">
+                              <a:solidFill>
+                                <a:srgbClr val="C00000"/>
+                              </a:solidFill>
+                            </a:rPr>
+                            <a:t>) </a:t>
+                          </a:r>
+                          <a:r>
+                            <a:rPr lang="en-US" sz="1200" dirty="0" smtClean="0">
+                              <a:solidFill>
+                                <a:srgbClr val="00008B"/>
+                              </a:solidFill>
+                            </a:rPr>
+                            <a:t>[only the turbulence part, not carried all the way to k]</a:t>
+                          </a:r>
+                          <a:endParaRPr lang="en-US" sz="1200" dirty="0">
+                            <a:solidFill>
+                              <a:srgbClr val="00008B"/>
+                            </a:solidFill>
+                          </a:endParaRPr>
+                        </a:p>
+                      </a:txBody>
+                      <a:tcPr/>
+                    </a:tc>
+                    <a:extLst>
+                      <a:ext uri="{0D108BD9-81ED-4DB2-BD59-A6C34878D82A}">
+                        <a16:rowId xmlns:a16="http://schemas.microsoft.com/office/drawing/2014/main" val="3722933174"/>
+                      </a:ext>
+                    </a:extLst>
+                  </a:tr>
+                  <a:tr h="1137702">
+                    <a:tc>
+                      <a:txBody>
+                        <a:bodyPr/>
+                        <a:lstStyle/>
+                        <a:p>
+                          <a:r>
+                            <a:rPr lang="en-US" sz="1600" b="1" dirty="0"/>
+                            <a:t>Scaling relation</a:t>
+                          </a:r>
+                        </a:p>
+                      </a:txBody>
+                      <a:tcPr/>
+                    </a:tc>
+                    <a:tc>
+                      <a:txBody>
+                        <a:bodyPr/>
+                        <a:lstStyle/>
+                        <a:p>
+                          <a:endParaRPr lang="en-US"/>
+                        </a:p>
+                      </a:txBody>
+                      <a:tcPr>
+                        <a:blipFill>
+                          <a:blip r:embed="rId2"/>
+                          <a:stretch>
+                            <a:fillRect l="-104943" t="-291979" r="-140875" b="-190374"/>
+                          </a:stretch>
+                        </a:blipFill>
+                      </a:tcPr>
+                    </a:tc>
+                    <a:tc>
+                      <a:txBody>
+                        <a:bodyPr/>
+                        <a:lstStyle/>
+                        <a:p>
+                          <a:endParaRPr lang="en-US"/>
+                        </a:p>
+                      </a:txBody>
+                      <a:tcPr>
+                        <a:blipFill>
+                          <a:blip r:embed="rId2"/>
+                          <a:stretch>
+                            <a:fillRect l="-146269" t="-291979" r="-543" b="-190374"/>
+                          </a:stretch>
+                        </a:blipFill>
+                      </a:tcPr>
+                    </a:tc>
+                    <a:extLst>
+                      <a:ext uri="{0D108BD9-81ED-4DB2-BD59-A6C34878D82A}">
+                        <a16:rowId xmlns:a16="http://schemas.microsoft.com/office/drawing/2014/main" val="412895981"/>
+                      </a:ext>
+                    </a:extLst>
+                  </a:tr>
+                  <a:tr h="592265">
+                    <a:tc>
+                      <a:txBody>
+                        <a:bodyPr/>
+                        <a:lstStyle/>
+                        <a:p>
+                          <a:r>
+                            <a:rPr lang="en-US" sz="1600" b="1" dirty="0"/>
+                            <a:t>Equation normalized to Schmidt number of 600</a:t>
+                          </a:r>
+                        </a:p>
+                      </a:txBody>
+                      <a:tcPr/>
+                    </a:tc>
+                    <a:tc>
+                      <a:txBody>
+                        <a:bodyPr/>
+                        <a:lstStyle/>
+                        <a:p>
+                          <a:endParaRPr lang="en-US"/>
+                        </a:p>
+                      </a:txBody>
+                      <a:tcPr>
+                        <a:blipFill>
+                          <a:blip r:embed="rId2"/>
+                          <a:stretch>
+                            <a:fillRect l="-104943" t="-755670" r="-140875" b="-267010"/>
+                          </a:stretch>
+                        </a:blipFill>
+                      </a:tcPr>
+                    </a:tc>
+                    <a:tc>
+                      <a:txBody>
+                        <a:bodyPr/>
+                        <a:lstStyle/>
+                        <a:p>
+                          <a:endParaRPr lang="en-US"/>
+                        </a:p>
+                      </a:txBody>
+                      <a:tcPr>
+                        <a:blipFill>
+                          <a:blip r:embed="rId2"/>
+                          <a:stretch>
+                            <a:fillRect l="-146269" t="-755670" r="-543" b="-267010"/>
+                          </a:stretch>
+                        </a:blipFill>
+                      </a:tcPr>
+                    </a:tc>
+                    <a:extLst>
+                      <a:ext uri="{0D108BD9-81ED-4DB2-BD59-A6C34878D82A}">
+                        <a16:rowId xmlns:a16="http://schemas.microsoft.com/office/drawing/2014/main" val="2183038433"/>
+                      </a:ext>
+                    </a:extLst>
+                  </a:tr>
+                  <a:tr h="1563686">
+                    <a:tc>
+                      <a:txBody>
+                        <a:bodyPr/>
+                        <a:lstStyle/>
+                        <a:p>
+                          <a:endParaRPr lang="en-US"/>
+                        </a:p>
+                      </a:txBody>
+                      <a:tcPr>
+                        <a:blipFill>
+                          <a:blip r:embed="rId2"/>
+                          <a:stretch>
+                            <a:fillRect l="-181" t="-322957" r="-229946" b="-778"/>
+                          </a:stretch>
+                        </a:blipFill>
+                      </a:tcPr>
+                    </a:tc>
+                    <a:tc>
+                      <a:txBody>
+                        <a:bodyPr/>
+                        <a:lstStyle/>
+                        <a:p>
+                          <a:endParaRPr lang="en-US"/>
+                        </a:p>
+                      </a:txBody>
+                      <a:tcPr>
+                        <a:blipFill>
+                          <a:blip r:embed="rId2"/>
+                          <a:stretch>
+                            <a:fillRect l="-104943" t="-322957" r="-140875" b="-778"/>
+                          </a:stretch>
+                        </a:blipFill>
+                      </a:tcPr>
+                    </a:tc>
+                    <a:tc>
+                      <a:txBody>
+                        <a:bodyPr/>
+                        <a:lstStyle/>
+                        <a:p>
+                          <a:endParaRPr lang="en-US"/>
+                        </a:p>
+                      </a:txBody>
+                      <a:tcPr>
+                        <a:blipFill>
+                          <a:blip r:embed="rId2"/>
+                          <a:stretch>
+                            <a:fillRect l="-146269" t="-322957" r="-543" b="-778"/>
+                          </a:stretch>
+                        </a:blipFill>
+                      </a:tcPr>
+                    </a:tc>
+                    <a:extLst>
+                      <a:ext uri="{0D108BD9-81ED-4DB2-BD59-A6C34878D82A}">
+                        <a16:rowId xmlns:a16="http://schemas.microsoft.com/office/drawing/2014/main" val="1306088015"/>
+                      </a:ext>
+                    </a:extLst>
+                  </a:tr>
+                </a:tbl>
+              </a:graphicData>
+            </a:graphic>
+          </p:graphicFrame>
+        </mc:Fallback>
+      </mc:AlternateContent>
+    </p:spTree>
+    <p:extLst>
+      <p:ext uri="{BB962C8B-B14F-4D97-AF65-F5344CB8AC3E}">
+        <p14:creationId xmlns:p14="http://schemas.microsoft.com/office/powerpoint/2010/main" val="3491016399"/>
+      </p:ext>
+    </p:extLst>
+  </p:cSld>
+  <p:clrMapOvr>
+    <a:masterClrMapping/>
+  </p:clrMapOvr>
+</p:sld>
+</file>
+
+<file path=ppt/slides/slide3.xml><?xml version="1.0" encoding="utf-8"?>
+<p:sld xmlns:a="http://schemas.openxmlformats.org/drawingml/2006/main" xmlns:r="http://schemas.openxmlformats.org/officeDocument/2006/relationships" xmlns:p="http://schemas.openxmlformats.org/presentationml/2006/main">
+  <p:cSld>
+    <p:spTree>
+      <p:nvGrpSpPr>
+        <p:cNvPr id="1" name=""/>
+        <p:cNvGrpSpPr/>
+        <p:nvPr/>
+      </p:nvGrpSpPr>
+      <p:grpSpPr>
+        <a:xfrm>
+          <a:off x="0" y="0"/>
+          <a:ext cx="0" cy="0"/>
+          <a:chOff x="0" y="0"/>
+          <a:chExt cx="0" cy="0"/>
+        </a:xfrm>
+      </p:grpSpPr>
+      <p:pic>
+        <p:nvPicPr>
+          <p:cNvPr id="2" name="Picture 1" descr="Chart&#10;&#10;Description automatically generated">
+            <a:extLst>
+              <a:ext uri="{FF2B5EF4-FFF2-40B4-BE49-F238E27FC236}">
+                <a16:creationId xmlns:a16="http://schemas.microsoft.com/office/drawing/2014/main" id="{D2DDDA6A-38A8-498A-8444-BE9D45A29F33}"/>
+              </a:ext>
+            </a:extLst>
+          </p:cNvPr>
+          <p:cNvPicPr>
+            <a:picLocks noChangeAspect="1"/>
+          </p:cNvPicPr>
+          <p:nvPr/>
+        </p:nvPicPr>
+        <p:blipFill>
+          <a:blip r:embed="rId2" cstate="hqprint">
+            <a:extLst>
+              <a:ext uri="{28A0092B-C50C-407E-A947-70E740481C1C}">
+                <a14:useLocalDpi xmlns:a14="http://schemas.microsoft.com/office/drawing/2010/main" val="0"/>
+              </a:ext>
+            </a:extLst>
+          </a:blip>
+          <a:stretch>
+            <a:fillRect/>
+          </a:stretch>
+        </p:blipFill>
+        <p:spPr>
+          <a:xfrm>
+            <a:off x="0" y="0"/>
+            <a:ext cx="7620000" cy="6858000"/>
+          </a:xfrm>
+          <a:prstGeom prst="rect">
+            <a:avLst/>
+          </a:prstGeom>
+        </p:spPr>
+      </p:pic>
+      <p:sp>
+        <p:nvSpPr>
+          <p:cNvPr id="3" name="TextBox 2"/>
+          <p:cNvSpPr txBox="1"/>
+          <p:nvPr/>
+        </p:nvSpPr>
+        <p:spPr>
+          <a:xfrm>
+            <a:off x="8387542" y="731520"/>
+            <a:ext cx="3557847" cy="2308324"/>
+          </a:xfrm>
+          <a:prstGeom prst="rect">
+            <a:avLst/>
+          </a:prstGeom>
+          <a:noFill/>
+        </p:spPr>
+        <p:txBody>
+          <a:bodyPr wrap="square" rtlCol="0">
+            <a:spAutoFit/>
+          </a:bodyPr>
+          <a:lstStyle/>
+          <a:p>
+            <a:r>
+              <a:rPr lang="en-US" dirty="0" smtClean="0"/>
+              <a:t>I’ve implemented the chainsaw model within the algorithm because it appears to get the scaling dynamics more correctly.</a:t>
+            </a:r>
+          </a:p>
+          <a:p>
+            <a:endParaRPr lang="en-US" dirty="0"/>
+          </a:p>
+          <a:p>
+            <a:r>
+              <a:rPr lang="en-US" dirty="0" smtClean="0"/>
+              <a:t>This would also be (I think) the first empirical confirmation of the chainsaw model predicting k.</a:t>
+            </a:r>
+            <a:endParaRPr lang="en-US" dirty="0"/>
+          </a:p>
+        </p:txBody>
+      </p:sp>
+    </p:spTree>
+    <p:extLst>
+      <p:ext uri="{BB962C8B-B14F-4D97-AF65-F5344CB8AC3E}">
+        <p14:creationId xmlns:p14="http://schemas.microsoft.com/office/powerpoint/2010/main" val="3459797115"/>
+      </p:ext>
+    </p:extLst>
+  </p:cSld>
+  <p:clrMapOvr>
+    <a:masterClrMapping/>
+  </p:clrMapOvr>
+</p:sld>
+</file>
+
+<file path=ppt/slides/slide4.xml><?xml version="1.0" encoding="utf-8"?>
+<p:sld xmlns:a="http://schemas.openxmlformats.org/drawingml/2006/main" xmlns:r="http://schemas.openxmlformats.org/officeDocument/2006/relationships" xmlns:p="http://schemas.openxmlformats.org/presentationml/2006/main">
+  <p:cSld>
+    <p:spTree>
+      <p:nvGrpSpPr>
+        <p:cNvPr id="1" name=""/>
+        <p:cNvGrpSpPr/>
+        <p:nvPr/>
+      </p:nvGrpSpPr>
+      <p:grpSpPr>
+        <a:xfrm>
+          <a:off x="0" y="0"/>
+          <a:ext cx="0" cy="0"/>
+          <a:chOff x="0" y="0"/>
+          <a:chExt cx="0" cy="0"/>
+        </a:xfrm>
+      </p:grpSpPr>
+      <p:pic>
+        <p:nvPicPr>
+          <p:cNvPr id="1026" name="Picture 2" descr="Cross Profile – Geography - Mammoth Memory Geography">
+            <a:extLst>
+              <a:ext uri="{FF2B5EF4-FFF2-40B4-BE49-F238E27FC236}">
+                <a16:creationId xmlns:a16="http://schemas.microsoft.com/office/drawing/2014/main" id="{FBAF3410-868C-4070-9F3C-26446099C372}"/>
+              </a:ext>
+            </a:extLst>
+          </p:cNvPr>
+          <p:cNvPicPr>
+            <a:picLocks noChangeAspect="1" noChangeArrowheads="1"/>
+          </p:cNvPicPr>
+          <p:nvPr/>
+        </p:nvPicPr>
+        <p:blipFill rotWithShape="1">
+          <a:blip r:embed="rId2">
+            <a:extLst>
+              <a:ext uri="{28A0092B-C50C-407E-A947-70E740481C1C}">
+                <a14:useLocalDpi xmlns:a14="http://schemas.microsoft.com/office/drawing/2010/main" val="0"/>
+              </a:ext>
+            </a:extLst>
+          </a:blip>
+          <a:srcRect l="7308" t="7813" r="8142" b="6227"/>
+          <a:stretch/>
+        </p:blipFill>
+        <p:spPr bwMode="auto">
+          <a:xfrm>
+            <a:off x="4446167" y="4110604"/>
+            <a:ext cx="7574843" cy="2567032"/>
+          </a:xfrm>
+          <a:prstGeom prst="rect">
+            <a:avLst/>
+          </a:prstGeom>
+          <a:noFill/>
+          <a:extLst>
+            <a:ext uri="{909E8E84-426E-40DD-AFC4-6F175D3DCCD1}">
+              <a14:hiddenFill xmlns:a14="http://schemas.microsoft.com/office/drawing/2010/main">
+                <a:solidFill>
+                  <a:srgbClr val="FFFFFF"/>
+                </a:solidFill>
+              </a14:hiddenFill>
+            </a:ext>
+          </a:extLst>
+        </p:spPr>
+      </p:pic>
+      <p:sp>
+        <p:nvSpPr>
+          <p:cNvPr id="55" name="Rectangle 54">
+            <a:extLst>
+              <a:ext uri="{FF2B5EF4-FFF2-40B4-BE49-F238E27FC236}">
+                <a16:creationId xmlns:a16="http://schemas.microsoft.com/office/drawing/2014/main" id="{D49EE705-C737-49DC-9B85-B9AEF770C848}"/>
+              </a:ext>
+            </a:extLst>
+          </p:cNvPr>
+          <p:cNvSpPr/>
+          <p:nvPr/>
+        </p:nvSpPr>
+        <p:spPr>
+          <a:xfrm>
+            <a:off x="5914239" y="5108896"/>
+            <a:ext cx="4513277" cy="251669"/>
+          </a:xfrm>
+          <a:prstGeom prst="rect">
+            <a:avLst/>
+          </a:prstGeom>
+          <a:solidFill>
+            <a:srgbClr val="A9591E"/>
+          </a:solidFill>
+          <a:ln>
+            <a:solidFill>
+              <a:schemeClr val="tx1"/>
+            </a:solidFill>
+          </a:ln>
+        </p:spPr>
+        <p:style>
+          <a:lnRef idx="2">
+            <a:schemeClr val="accent1">
+              <a:shade val="50000"/>
+            </a:schemeClr>
+          </a:lnRef>
+          <a:fillRef idx="1">
+            <a:schemeClr val="accent1"/>
+          </a:fillRef>
+          <a:effectRef idx="0">
+            <a:schemeClr val="accent1"/>
+          </a:effectRef>
+          <a:fontRef idx="minor">
+            <a:schemeClr val="lt1"/>
+          </a:fontRef>
+        </p:style>
+        <p:txBody>
+          <a:bodyPr rtlCol="0" anchor="ctr"/>
+          <a:lstStyle/>
+          <a:p>
+            <a:pPr algn="ctr"/>
+            <a:r>
+              <a:rPr lang="en-US" dirty="0" smtClean="0">
+                <a:solidFill>
+                  <a:schemeClr val="tx1"/>
+                </a:solidFill>
+              </a:rPr>
+              <a:t>Entire interface</a:t>
+            </a:r>
+            <a:endParaRPr lang="en-US" dirty="0">
+              <a:solidFill>
+                <a:schemeClr val="tx1"/>
+              </a:solidFill>
+            </a:endParaRPr>
+          </a:p>
+        </p:txBody>
+      </p:sp>
+      <p:pic>
+        <p:nvPicPr>
+          <p:cNvPr id="10" name="Picture 10" descr="Proper Chainsaw Techniques (for Cutting Trees, Logs &amp;amp; Stumps) | Chainsaw  Larry">
+            <a:extLst>
+              <a:ext uri="{FF2B5EF4-FFF2-40B4-BE49-F238E27FC236}">
+                <a16:creationId xmlns:a16="http://schemas.microsoft.com/office/drawing/2014/main" id="{09AC96D9-5CCE-4511-B879-63677F4A8467}"/>
+              </a:ext>
+            </a:extLst>
+          </p:cNvPr>
+          <p:cNvPicPr>
+            <a:picLocks noChangeAspect="1" noChangeArrowheads="1"/>
+          </p:cNvPicPr>
+          <p:nvPr/>
+        </p:nvPicPr>
+        <p:blipFill rotWithShape="1">
+          <a:blip r:embed="rId3">
+            <a:extLst>
+              <a:ext uri="{28A0092B-C50C-407E-A947-70E740481C1C}">
+                <a14:useLocalDpi xmlns:a14="http://schemas.microsoft.com/office/drawing/2010/main" val="0"/>
+              </a:ext>
+            </a:extLst>
+          </a:blip>
+          <a:srcRect l="2103" t="11686" b="16288"/>
+          <a:stretch/>
+        </p:blipFill>
+        <p:spPr bwMode="auto">
+          <a:xfrm>
+            <a:off x="268449" y="1905960"/>
+            <a:ext cx="4294507" cy="1743252"/>
+          </a:xfrm>
+          <a:prstGeom prst="rect">
+            <a:avLst/>
+          </a:prstGeom>
+          <a:noFill/>
+          <a:extLst>
+            <a:ext uri="{909E8E84-426E-40DD-AFC4-6F175D3DCCD1}">
+              <a14:hiddenFill xmlns:a14="http://schemas.microsoft.com/office/drawing/2010/main">
+                <a:solidFill>
+                  <a:srgbClr val="FFFFFF"/>
+                </a:solidFill>
+              </a14:hiddenFill>
+            </a:ext>
+          </a:extLst>
+        </p:spPr>
+      </p:pic>
+      <p:sp>
+        <p:nvSpPr>
+          <p:cNvPr id="2" name="Title 1">
+            <a:extLst>
+              <a:ext uri="{FF2B5EF4-FFF2-40B4-BE49-F238E27FC236}">
                 <a16:creationId xmlns:a16="http://schemas.microsoft.com/office/drawing/2014/main" id="{EFD924C7-1BEF-4A0B-AE29-CCEC68DC0E66}"/>
               </a:ext>
             </a:extLst>
@@ -5514,9 +9161,459 @@
           <a:lstStyle/>
           <a:p>
             <a:r>
+              <a:rPr lang="en-US" dirty="0" smtClean="0"/>
+              <a:t>How I interpret the chainsaw </a:t>
+            </a:r>
+            <a:r>
               <a:rPr lang="en-US" dirty="0"/>
-              <a:t>Intro</a:t>
+              <a:t>model</a:t>
             </a:r>
+          </a:p>
+        </p:txBody>
+      </p:sp>
+      <p:sp>
+        <p:nvSpPr>
+          <p:cNvPr id="11" name="TextBox 10">
+            <a:extLst>
+              <a:ext uri="{FF2B5EF4-FFF2-40B4-BE49-F238E27FC236}">
+                <a16:creationId xmlns:a16="http://schemas.microsoft.com/office/drawing/2014/main" id="{7704E46D-CA3B-4EF1-9299-87A665FC7773}"/>
+              </a:ext>
+            </a:extLst>
+          </p:cNvPr>
+          <p:cNvSpPr txBox="1"/>
+          <p:nvPr/>
+        </p:nvSpPr>
+        <p:spPr>
+          <a:xfrm>
+            <a:off x="1264642" y="3957286"/>
+            <a:ext cx="1458286" cy="923330"/>
+          </a:xfrm>
+          <a:prstGeom prst="rect">
+            <a:avLst/>
+          </a:prstGeom>
+          <a:solidFill>
+            <a:srgbClr val="F4B183"/>
+          </a:solidFill>
+        </p:spPr>
+        <p:txBody>
+          <a:bodyPr wrap="square" rtlCol="0">
+            <a:spAutoFit/>
+          </a:bodyPr>
+          <a:lstStyle/>
+          <a:p>
+            <a:r>
+              <a:rPr lang="en-US" dirty="0">
+                <a:solidFill>
+                  <a:srgbClr val="7030A0"/>
+                </a:solidFill>
+              </a:rPr>
+              <a:t>Active zone of gas evasion</a:t>
+            </a:r>
+          </a:p>
+        </p:txBody>
+      </p:sp>
+      <p:sp>
+        <p:nvSpPr>
+          <p:cNvPr id="13" name="TextBox 12">
+            <a:extLst>
+              <a:ext uri="{FF2B5EF4-FFF2-40B4-BE49-F238E27FC236}">
+                <a16:creationId xmlns:a16="http://schemas.microsoft.com/office/drawing/2014/main" id="{3E139AC7-5091-4605-876B-55D8EF69DD11}"/>
+              </a:ext>
+            </a:extLst>
+          </p:cNvPr>
+          <p:cNvSpPr txBox="1"/>
+          <p:nvPr/>
+        </p:nvSpPr>
+        <p:spPr>
+          <a:xfrm>
+            <a:off x="3232560" y="1605095"/>
+            <a:ext cx="1458286" cy="369332"/>
+          </a:xfrm>
+          <a:prstGeom prst="rect">
+            <a:avLst/>
+          </a:prstGeom>
+          <a:solidFill>
+            <a:schemeClr val="accent6">
+              <a:lumMod val="60000"/>
+              <a:lumOff val="40000"/>
+            </a:schemeClr>
+          </a:solidFill>
+        </p:spPr>
+        <p:txBody>
+          <a:bodyPr wrap="square" rtlCol="0">
+            <a:spAutoFit/>
+          </a:bodyPr>
+          <a:lstStyle/>
+          <a:p>
+            <a:r>
+              <a:rPr lang="en-US" dirty="0">
+                <a:solidFill>
+                  <a:srgbClr val="7030A0"/>
+                </a:solidFill>
+              </a:rPr>
+              <a:t>Large eddies</a:t>
+            </a:r>
+          </a:p>
+        </p:txBody>
+      </p:sp>
+      <p:sp>
+        <p:nvSpPr>
+          <p:cNvPr id="14" name="TextBox 13">
+            <a:extLst>
+              <a:ext uri="{FF2B5EF4-FFF2-40B4-BE49-F238E27FC236}">
+                <a16:creationId xmlns:a16="http://schemas.microsoft.com/office/drawing/2014/main" id="{9554E590-2B84-4CD3-95B7-8678C663D6CF}"/>
+              </a:ext>
+            </a:extLst>
+          </p:cNvPr>
+          <p:cNvSpPr txBox="1"/>
+          <p:nvPr/>
+        </p:nvSpPr>
+        <p:spPr>
+          <a:xfrm>
+            <a:off x="1178656" y="1681994"/>
+            <a:ext cx="1458286" cy="369332"/>
+          </a:xfrm>
+          <a:prstGeom prst="rect">
+            <a:avLst/>
+          </a:prstGeom>
+          <a:solidFill>
+            <a:srgbClr val="FFFF00"/>
+          </a:solidFill>
+        </p:spPr>
+        <p:txBody>
+          <a:bodyPr wrap="square" rtlCol="0">
+            <a:spAutoFit/>
+          </a:bodyPr>
+          <a:lstStyle/>
+          <a:p>
+            <a:r>
+              <a:rPr lang="en-US" dirty="0">
+                <a:solidFill>
+                  <a:srgbClr val="7030A0"/>
+                </a:solidFill>
+              </a:rPr>
+              <a:t>Small eddies</a:t>
+            </a:r>
+          </a:p>
+        </p:txBody>
+      </p:sp>
+      <p:cxnSp>
+        <p:nvCxnSpPr>
+          <p:cNvPr id="15" name="Straight Arrow Connector 14">
+            <a:extLst>
+              <a:ext uri="{FF2B5EF4-FFF2-40B4-BE49-F238E27FC236}">
+                <a16:creationId xmlns:a16="http://schemas.microsoft.com/office/drawing/2014/main" id="{09421515-1FC1-41BF-B8F8-A86A653416E4}"/>
+              </a:ext>
+            </a:extLst>
+          </p:cNvPr>
+          <p:cNvCxnSpPr/>
+          <p:nvPr/>
+        </p:nvCxnSpPr>
+        <p:spPr>
+          <a:xfrm>
+            <a:off x="1979803" y="2097249"/>
+            <a:ext cx="151002" cy="343948"/>
+          </a:xfrm>
+          <a:prstGeom prst="straightConnector1">
+            <a:avLst/>
+          </a:prstGeom>
+          <a:ln w="28575">
+            <a:solidFill>
+              <a:srgbClr val="7030A0"/>
+            </a:solidFill>
+            <a:tailEnd type="triangle"/>
+          </a:ln>
+        </p:spPr>
+        <p:style>
+          <a:lnRef idx="1">
+            <a:schemeClr val="accent1"/>
+          </a:lnRef>
+          <a:fillRef idx="0">
+            <a:schemeClr val="accent1"/>
+          </a:fillRef>
+          <a:effectRef idx="0">
+            <a:schemeClr val="accent1"/>
+          </a:effectRef>
+          <a:fontRef idx="minor">
+            <a:schemeClr val="tx1"/>
+          </a:fontRef>
+        </p:style>
+      </p:cxnSp>
+      <p:cxnSp>
+        <p:nvCxnSpPr>
+          <p:cNvPr id="16" name="Straight Arrow Connector 15">
+            <a:extLst>
+              <a:ext uri="{FF2B5EF4-FFF2-40B4-BE49-F238E27FC236}">
+                <a16:creationId xmlns:a16="http://schemas.microsoft.com/office/drawing/2014/main" id="{D3EBBC6C-778D-4922-9E09-467C7B420051}"/>
+              </a:ext>
+            </a:extLst>
+          </p:cNvPr>
+          <p:cNvCxnSpPr>
+            <a:cxnSpLocks/>
+            <a:stCxn id="13" idx="2"/>
+          </p:cNvCxnSpPr>
+          <p:nvPr/>
+        </p:nvCxnSpPr>
+        <p:spPr>
+          <a:xfrm flipH="1">
+            <a:off x="3045205" y="1974427"/>
+            <a:ext cx="916498" cy="248656"/>
+          </a:xfrm>
+          <a:prstGeom prst="straightConnector1">
+            <a:avLst/>
+          </a:prstGeom>
+          <a:ln w="28575">
+            <a:solidFill>
+              <a:srgbClr val="7030A0"/>
+            </a:solidFill>
+            <a:tailEnd type="triangle"/>
+          </a:ln>
+        </p:spPr>
+        <p:style>
+          <a:lnRef idx="1">
+            <a:schemeClr val="accent1"/>
+          </a:lnRef>
+          <a:fillRef idx="0">
+            <a:schemeClr val="accent1"/>
+          </a:fillRef>
+          <a:effectRef idx="0">
+            <a:schemeClr val="accent1"/>
+          </a:effectRef>
+          <a:fontRef idx="minor">
+            <a:schemeClr val="tx1"/>
+          </a:fontRef>
+        </p:style>
+      </p:cxnSp>
+      <p:cxnSp>
+        <p:nvCxnSpPr>
+          <p:cNvPr id="17" name="Straight Arrow Connector 16">
+            <a:extLst>
+              <a:ext uri="{FF2B5EF4-FFF2-40B4-BE49-F238E27FC236}">
+                <a16:creationId xmlns:a16="http://schemas.microsoft.com/office/drawing/2014/main" id="{E460611C-47E4-45AE-ACE0-3A1839EC4DA4}"/>
+              </a:ext>
+            </a:extLst>
+          </p:cNvPr>
+          <p:cNvCxnSpPr>
+            <a:cxnSpLocks/>
+            <a:stCxn id="11" idx="0"/>
+          </p:cNvCxnSpPr>
+          <p:nvPr/>
+        </p:nvCxnSpPr>
+        <p:spPr>
+          <a:xfrm flipV="1">
+            <a:off x="1993785" y="2877423"/>
+            <a:ext cx="46489" cy="1079863"/>
+          </a:xfrm>
+          <a:prstGeom prst="straightConnector1">
+            <a:avLst/>
+          </a:prstGeom>
+          <a:ln w="28575">
+            <a:solidFill>
+              <a:srgbClr val="F4B183"/>
+            </a:solidFill>
+            <a:tailEnd type="triangle"/>
+          </a:ln>
+        </p:spPr>
+        <p:style>
+          <a:lnRef idx="1">
+            <a:schemeClr val="accent1"/>
+          </a:lnRef>
+          <a:fillRef idx="0">
+            <a:schemeClr val="accent1"/>
+          </a:fillRef>
+          <a:effectRef idx="0">
+            <a:schemeClr val="accent1"/>
+          </a:effectRef>
+          <a:fontRef idx="minor">
+            <a:schemeClr val="tx1"/>
+          </a:fontRef>
+        </p:style>
+      </p:cxnSp>
+      <p:sp>
+        <p:nvSpPr>
+          <p:cNvPr id="46" name="Arrow: Down 45">
+            <a:extLst>
+              <a:ext uri="{FF2B5EF4-FFF2-40B4-BE49-F238E27FC236}">
+                <a16:creationId xmlns:a16="http://schemas.microsoft.com/office/drawing/2014/main" id="{346E705B-90DC-4526-A1B9-6A2B9DAB7C5D}"/>
+              </a:ext>
+            </a:extLst>
+          </p:cNvPr>
+          <p:cNvSpPr/>
+          <p:nvPr/>
+        </p:nvSpPr>
+        <p:spPr>
+          <a:xfrm rot="10800000">
+            <a:off x="9346898" y="4633027"/>
+            <a:ext cx="215153" cy="367553"/>
+          </a:xfrm>
+          <a:prstGeom prst="downArrow">
+            <a:avLst/>
+          </a:prstGeom>
+          <a:solidFill>
+            <a:schemeClr val="tx1"/>
+          </a:solidFill>
+          <a:ln>
+            <a:solidFill>
+              <a:schemeClr val="tx1"/>
+            </a:solidFill>
+          </a:ln>
+        </p:spPr>
+        <p:style>
+          <a:lnRef idx="2">
+            <a:schemeClr val="accent1">
+              <a:shade val="50000"/>
+            </a:schemeClr>
+          </a:lnRef>
+          <a:fillRef idx="1">
+            <a:schemeClr val="accent1"/>
+          </a:fillRef>
+          <a:effectRef idx="0">
+            <a:schemeClr val="accent1"/>
+          </a:effectRef>
+          <a:fontRef idx="minor">
+            <a:schemeClr val="lt1"/>
+          </a:fontRef>
+        </p:style>
+        <p:txBody>
+          <a:bodyPr rtlCol="0" anchor="ctr"/>
+          <a:lstStyle/>
+          <a:p>
+            <a:pPr algn="ctr"/>
+            <a:endParaRPr lang="en-US"/>
+          </a:p>
+        </p:txBody>
+      </p:sp>
+      <p:sp>
+        <p:nvSpPr>
+          <p:cNvPr id="48" name="TextBox 47">
+            <a:extLst>
+              <a:ext uri="{FF2B5EF4-FFF2-40B4-BE49-F238E27FC236}">
+                <a16:creationId xmlns:a16="http://schemas.microsoft.com/office/drawing/2014/main" id="{382C325A-F4D3-4A21-A276-31CA908C11BD}"/>
+              </a:ext>
+            </a:extLst>
+          </p:cNvPr>
+          <p:cNvSpPr txBox="1"/>
+          <p:nvPr/>
+        </p:nvSpPr>
+        <p:spPr>
+          <a:xfrm>
+            <a:off x="9538282" y="4639111"/>
+            <a:ext cx="1526798" cy="369332"/>
+          </a:xfrm>
+          <a:prstGeom prst="rect">
+            <a:avLst/>
+          </a:prstGeom>
+          <a:noFill/>
+        </p:spPr>
+        <p:txBody>
+          <a:bodyPr wrap="square" rtlCol="0">
+            <a:spAutoFit/>
+          </a:bodyPr>
+          <a:lstStyle/>
+          <a:p>
+            <a:r>
+              <a:rPr lang="en-US" dirty="0"/>
+              <a:t>Gas evasion</a:t>
+            </a:r>
+          </a:p>
+        </p:txBody>
+      </p:sp>
+      <p:cxnSp>
+        <p:nvCxnSpPr>
+          <p:cNvPr id="52" name="Straight Connector 51">
+            <a:extLst>
+              <a:ext uri="{FF2B5EF4-FFF2-40B4-BE49-F238E27FC236}">
+                <a16:creationId xmlns:a16="http://schemas.microsoft.com/office/drawing/2014/main" id="{032EE8BD-B1CB-4A04-8DDE-87C33EBC2316}"/>
+              </a:ext>
+            </a:extLst>
+          </p:cNvPr>
+          <p:cNvCxnSpPr/>
+          <p:nvPr/>
+        </p:nvCxnSpPr>
+        <p:spPr>
+          <a:xfrm flipV="1">
+            <a:off x="0" y="0"/>
+            <a:ext cx="12192000" cy="6858000"/>
+          </a:xfrm>
+          <a:prstGeom prst="line">
+            <a:avLst/>
+          </a:prstGeom>
+          <a:ln w="28575">
+            <a:solidFill>
+              <a:schemeClr val="tx1"/>
+            </a:solidFill>
+            <a:prstDash val="lgDash"/>
+          </a:ln>
+        </p:spPr>
+        <p:style>
+          <a:lnRef idx="1">
+            <a:schemeClr val="accent1"/>
+          </a:lnRef>
+          <a:fillRef idx="0">
+            <a:schemeClr val="accent1"/>
+          </a:fillRef>
+          <a:effectRef idx="0">
+            <a:schemeClr val="accent1"/>
+          </a:effectRef>
+          <a:fontRef idx="minor">
+            <a:schemeClr val="tx1"/>
+          </a:fontRef>
+        </p:style>
+      </p:cxnSp>
+      <p:sp>
+        <p:nvSpPr>
+          <p:cNvPr id="22" name="Rectangle 21">
+            <a:extLst>
+              <a:ext uri="{FF2B5EF4-FFF2-40B4-BE49-F238E27FC236}">
+                <a16:creationId xmlns:a16="http://schemas.microsoft.com/office/drawing/2014/main" id="{9BDA0D94-7527-458C-B2B4-736F81777138}"/>
+              </a:ext>
+            </a:extLst>
+          </p:cNvPr>
+          <p:cNvSpPr/>
+          <p:nvPr/>
+        </p:nvSpPr>
+        <p:spPr>
+          <a:xfrm>
+            <a:off x="9042180" y="5114981"/>
+            <a:ext cx="864067" cy="251670"/>
+          </a:xfrm>
+          <a:prstGeom prst="rect">
+            <a:avLst/>
+          </a:prstGeom>
+          <a:solidFill>
+            <a:schemeClr val="accent2">
+              <a:lumMod val="60000"/>
+              <a:lumOff val="40000"/>
+            </a:schemeClr>
+          </a:solidFill>
+          <a:ln>
+            <a:solidFill>
+              <a:schemeClr val="tx1"/>
+            </a:solidFill>
+          </a:ln>
+        </p:spPr>
+        <p:style>
+          <a:lnRef idx="2">
+            <a:schemeClr val="accent1">
+              <a:shade val="50000"/>
+            </a:schemeClr>
+          </a:lnRef>
+          <a:fillRef idx="1">
+            <a:schemeClr val="accent1"/>
+          </a:fillRef>
+          <a:effectRef idx="0">
+            <a:schemeClr val="accent1"/>
+          </a:effectRef>
+          <a:fontRef idx="minor">
+            <a:schemeClr val="lt1"/>
+          </a:fontRef>
+        </p:style>
+        <p:txBody>
+          <a:bodyPr rtlCol="0" anchor="ctr"/>
+          <a:lstStyle/>
+          <a:p>
+            <a:pPr algn="ctr"/>
+            <a:endParaRPr lang="en-US"/>
           </a:p>
         </p:txBody>
       </p:sp>
@@ -5524,260 +9621,32 @@
         <mc:Choice Requires="a14">
           <p:sp>
             <p:nvSpPr>
-              <p:cNvPr id="3" name="Content Placeholder 2">
+              <p:cNvPr id="54" name="TextBox 53">
                 <a:extLst>
                   <a:ext uri="{FF2B5EF4-FFF2-40B4-BE49-F238E27FC236}">
-                    <a16:creationId xmlns:a16="http://schemas.microsoft.com/office/drawing/2014/main" id="{2E254306-EB3A-43C9-BB0E-324D8F8D533D}"/>
+                    <a16:creationId xmlns:a16="http://schemas.microsoft.com/office/drawing/2014/main" id="{63DD99C5-A105-431F-9223-349B8DC05840}"/>
                   </a:ext>
                 </a:extLst>
               </p:cNvPr>
-              <p:cNvSpPr>
-                <a:spLocks noGrp="1"/>
-              </p:cNvSpPr>
-              <p:nvPr>
-                <p:ph idx="1"/>
-              </p:nvPr>
+              <p:cNvSpPr txBox="1"/>
+              <p:nvPr/>
             </p:nvSpPr>
             <p:spPr>
               <a:xfrm>
-                <a:off x="323295" y="1278384"/>
-                <a:ext cx="5828930" cy="5134592"/>
+                <a:off x="8774883" y="2877423"/>
+                <a:ext cx="3171040" cy="667747"/>
               </a:xfrm>
+              <a:prstGeom prst="rect">
+                <a:avLst/>
+              </a:prstGeom>
+              <a:noFill/>
             </p:spPr>
             <p:txBody>
-              <a:bodyPr>
-                <a:normAutofit/>
+              <a:bodyPr wrap="square" rtlCol="0">
+                <a:spAutoFit/>
               </a:bodyPr>
               <a:lstStyle/>
               <a:p>
-                <a:r>
-                  <a:rPr lang="en-US" sz="2800" b="0" dirty="0" smtClean="0">
-                    <a:latin typeface="Cambria Math" panose="02040503050406030204" pitchFamily="18" charset="0"/>
-                  </a:rPr>
-                  <a:t>We </a:t>
-                </a:r>
-                <a:r>
-                  <a:rPr lang="en-US" sz="2800" b="0" dirty="0">
-                    <a:latin typeface="Cambria Math" panose="02040503050406030204" pitchFamily="18" charset="0"/>
-                  </a:rPr>
-                  <a:t>want to model </a:t>
-                </a:r>
-                <a:r>
-                  <a:rPr lang="en-US" sz="2800" b="0" i="1" dirty="0">
-                    <a:latin typeface="Cambria Math" panose="02040503050406030204" pitchFamily="18" charset="0"/>
-                  </a:rPr>
-                  <a:t>k </a:t>
-                </a:r>
-                <a:r>
-                  <a:rPr lang="en-US" sz="2800" b="0" dirty="0">
-                    <a:latin typeface="Cambria Math" panose="02040503050406030204" pitchFamily="18" charset="0"/>
-                  </a:rPr>
-                  <a:t>in large rivers that are SWOT-observable</a:t>
-                </a:r>
-              </a:p>
-              <a:p>
-                <a:r>
-                  <a:rPr lang="en-US" sz="2800" b="0" i="1" dirty="0">
-                    <a:latin typeface="Cambria Math" panose="02040503050406030204" pitchFamily="18" charset="0"/>
-                  </a:rPr>
-                  <a:t>k  </a:t>
-                </a:r>
-                <a:r>
-                  <a:rPr lang="en-US" sz="2800" b="0" dirty="0">
-                    <a:latin typeface="Cambria Math" panose="02040503050406030204" pitchFamily="18" charset="0"/>
-                  </a:rPr>
-                  <a:t>usually modeled via turbulent energy dissipation </a:t>
-                </a:r>
-                <a14:m>
-                  <m:oMath xmlns:m="http://schemas.openxmlformats.org/officeDocument/2006/math">
-                    <m:r>
-                      <a:rPr lang="en-US" sz="2800" b="0" i="1" smtClean="0">
-                        <a:latin typeface="Cambria Math" panose="02040503050406030204" pitchFamily="18" charset="0"/>
-                        <a:ea typeface="Cambria Math" panose="02040503050406030204" pitchFamily="18" charset="0"/>
-                      </a:rPr>
-                      <m:t>𝜀</m:t>
-                    </m:r>
-                  </m:oMath>
-                </a14:m>
-                <a:r>
-                  <a:rPr lang="en-US" sz="2800" b="0" dirty="0">
-                    <a:latin typeface="Cambria Math" panose="02040503050406030204" pitchFamily="18" charset="0"/>
-                  </a:rPr>
-                  <a:t> (~opposite of energy production)</a:t>
-                </a:r>
-                <a:endParaRPr lang="en-US" sz="2800" b="0" i="1" dirty="0">
-                  <a:latin typeface="Cambria Math" panose="02040503050406030204" pitchFamily="18" charset="0"/>
-                </a:endParaRPr>
-              </a:p>
-              <a:p>
-                <a:r>
-                  <a:rPr lang="en-US" sz="2800" b="0" dirty="0"/>
-                  <a:t>Small-edd</a:t>
-                </a:r>
-                <a:r>
-                  <a:rPr lang="en-US" dirty="0"/>
-                  <a:t>y model: </a:t>
-                </a:r>
-                <a14:m>
-                  <m:oMath xmlns:m="http://schemas.openxmlformats.org/officeDocument/2006/math">
-                    <m:r>
-                      <a:rPr lang="en-US" sz="2800" b="0" i="1" smtClean="0">
-                        <a:latin typeface="Cambria Math" panose="02040503050406030204" pitchFamily="18" charset="0"/>
-                      </a:rPr>
-                      <m:t>𝑘</m:t>
-                    </m:r>
-                    <m:r>
-                      <a:rPr lang="en-US" sz="2800" b="0" i="1" smtClean="0">
-                        <a:latin typeface="Cambria Math" panose="02040503050406030204" pitchFamily="18" charset="0"/>
-                      </a:rPr>
-                      <m:t>~</m:t>
-                    </m:r>
-                    <m:r>
-                      <a:rPr lang="en-US" sz="2800" b="0" i="1" smtClean="0">
-                        <a:latin typeface="Cambria Math" panose="02040503050406030204" pitchFamily="18" charset="0"/>
-                      </a:rPr>
-                      <m:t>𝑆</m:t>
-                    </m:r>
-                    <m:sSup>
-                      <m:sSupPr>
-                        <m:ctrlPr>
-                          <a:rPr lang="en-US" sz="2800" b="0" i="1" smtClean="0">
-                            <a:latin typeface="Cambria Math" panose="02040503050406030204" pitchFamily="18" charset="0"/>
-                          </a:rPr>
-                        </m:ctrlPr>
-                      </m:sSupPr>
-                      <m:e>
-                        <m:r>
-                          <a:rPr lang="en-US" sz="2800" b="0" i="1" smtClean="0">
-                            <a:latin typeface="Cambria Math" panose="02040503050406030204" pitchFamily="18" charset="0"/>
-                          </a:rPr>
-                          <m:t>𝑐</m:t>
-                        </m:r>
-                      </m:e>
-                      <m:sup>
-                        <m:r>
-                          <a:rPr lang="en-US" sz="2800" b="0" i="1" smtClean="0">
-                            <a:latin typeface="Cambria Math" panose="02040503050406030204" pitchFamily="18" charset="0"/>
-                          </a:rPr>
-                          <m:t>−</m:t>
-                        </m:r>
-                        <m:r>
-                          <a:rPr lang="en-US" sz="2800" b="0" i="1" smtClean="0">
-                            <a:latin typeface="Cambria Math" panose="02040503050406030204" pitchFamily="18" charset="0"/>
-                          </a:rPr>
-                          <m:t>𝑛</m:t>
-                        </m:r>
-                      </m:sup>
-                    </m:sSup>
-                    <m:sSup>
-                      <m:sSupPr>
-                        <m:ctrlPr>
-                          <a:rPr lang="en-US" sz="2800" b="0" i="1" smtClean="0">
-                            <a:latin typeface="Cambria Math" panose="02040503050406030204" pitchFamily="18" charset="0"/>
-                          </a:rPr>
-                        </m:ctrlPr>
-                      </m:sSupPr>
-                      <m:e>
-                        <m:d>
-                          <m:dPr>
-                            <m:ctrlPr>
-                              <a:rPr lang="en-US" sz="2800" b="0" i="1" smtClean="0">
-                                <a:latin typeface="Cambria Math" panose="02040503050406030204" pitchFamily="18" charset="0"/>
-                              </a:rPr>
-                            </m:ctrlPr>
-                          </m:dPr>
-                          <m:e>
-                            <m:r>
-                              <a:rPr lang="en-US" sz="2800" b="0" i="1" smtClean="0">
-                                <a:latin typeface="Cambria Math" panose="02040503050406030204" pitchFamily="18" charset="0"/>
-                              </a:rPr>
-                              <m:t>𝑣</m:t>
-                            </m:r>
-                            <m:sSub>
-                              <m:sSubPr>
-                                <m:ctrlPr>
-                                  <a:rPr lang="en-US" sz="2800" b="0" i="1" smtClean="0">
-                                    <a:latin typeface="Cambria Math" panose="02040503050406030204" pitchFamily="18" charset="0"/>
-                                    <a:ea typeface="Cambria Math" panose="02040503050406030204" pitchFamily="18" charset="0"/>
-                                  </a:rPr>
-                                </m:ctrlPr>
-                              </m:sSubPr>
-                              <m:e>
-                                <m:r>
-                                  <a:rPr lang="en-US" sz="2800" b="0" i="1" smtClean="0">
-                                    <a:latin typeface="Cambria Math" panose="02040503050406030204" pitchFamily="18" charset="0"/>
-                                    <a:ea typeface="Cambria Math" panose="02040503050406030204" pitchFamily="18" charset="0"/>
-                                  </a:rPr>
-                                  <m:t>𝜀</m:t>
-                                </m:r>
-                              </m:e>
-                              <m:sub>
-                                <m:r>
-                                  <a:rPr lang="en-US" sz="2800" b="0" i="1" smtClean="0">
-                                    <a:latin typeface="Cambria Math" panose="02040503050406030204" pitchFamily="18" charset="0"/>
-                                    <a:ea typeface="Cambria Math" panose="02040503050406030204" pitchFamily="18" charset="0"/>
-                                  </a:rPr>
-                                  <m:t>𝑆</m:t>
-                                </m:r>
-                              </m:sub>
-                            </m:sSub>
-                          </m:e>
-                        </m:d>
-                      </m:e>
-                      <m:sup>
-                        <m:f>
-                          <m:fPr>
-                            <m:ctrlPr>
-                              <a:rPr lang="en-US" sz="2800" b="0" i="1" smtClean="0">
-                                <a:latin typeface="Cambria Math" panose="02040503050406030204" pitchFamily="18" charset="0"/>
-                              </a:rPr>
-                            </m:ctrlPr>
-                          </m:fPr>
-                          <m:num>
-                            <m:r>
-                              <a:rPr lang="en-US" sz="2800" b="0" i="1" smtClean="0">
-                                <a:latin typeface="Cambria Math" panose="02040503050406030204" pitchFamily="18" charset="0"/>
-                              </a:rPr>
-                              <m:t>1</m:t>
-                            </m:r>
-                          </m:num>
-                          <m:den>
-                            <m:r>
-                              <a:rPr lang="en-US" sz="2800" b="0" i="1" smtClean="0">
-                                <a:latin typeface="Cambria Math" panose="02040503050406030204" pitchFamily="18" charset="0"/>
-                              </a:rPr>
-                              <m:t>4</m:t>
-                            </m:r>
-                          </m:den>
-                        </m:f>
-                      </m:sup>
-                    </m:sSup>
-                  </m:oMath>
-                </a14:m>
-                <a:r>
-                  <a:rPr lang="en-US" dirty="0"/>
-                  <a:t> </a:t>
-                </a:r>
-                <a:r>
-                  <a:rPr lang="en-US" sz="1800" dirty="0">
-                    <a:solidFill>
-                      <a:srgbClr val="C00000"/>
-                    </a:solidFill>
-                  </a:rPr>
-                  <a:t>[Lamont &amp; Scott 1970]</a:t>
-                </a:r>
-                <a:endParaRPr lang="en-US" dirty="0">
-                  <a:solidFill>
-                    <a:srgbClr val="C00000"/>
-                  </a:solidFill>
-                </a:endParaRPr>
-              </a:p>
-              <a:p>
-                <a:pPr lvl="1"/>
-                <a:r>
-                  <a:rPr lang="en-US" dirty="0"/>
-                  <a:t>Requires near-surface dissipation rate </a:t>
-                </a:r>
                 <a14:m>
                   <m:oMath xmlns:m="http://schemas.openxmlformats.org/officeDocument/2006/math">
                     <m:sSub>
@@ -5785,7 +9654,6 @@
                         <m:ctrlPr>
                           <a:rPr lang="en-US" b="0" i="1" smtClean="0">
                             <a:latin typeface="Cambria Math" panose="02040503050406030204" pitchFamily="18" charset="0"/>
-                            <a:ea typeface="Cambria Math" panose="02040503050406030204" pitchFamily="18" charset="0"/>
                           </a:rPr>
                         </m:ctrlPr>
                       </m:sSubPr>
@@ -5793,38 +9661,37 @@
                         <m:r>
                           <a:rPr lang="en-US" b="0" i="1" smtClean="0">
                             <a:latin typeface="Cambria Math" panose="02040503050406030204" pitchFamily="18" charset="0"/>
-                            <a:ea typeface="Cambria Math" panose="02040503050406030204" pitchFamily="18" charset="0"/>
                           </a:rPr>
-                          <m:t>𝜀</m:t>
+                          <m:t>𝐴</m:t>
                         </m:r>
                       </m:e>
                       <m:sub>
                         <m:r>
                           <a:rPr lang="en-US" b="0" i="1" smtClean="0">
                             <a:latin typeface="Cambria Math" panose="02040503050406030204" pitchFamily="18" charset="0"/>
-                            <a:ea typeface="Cambria Math" panose="02040503050406030204" pitchFamily="18" charset="0"/>
                           </a:rPr>
-                          <m:t>𝑆</m:t>
+                          <m:t>𝑝</m:t>
                         </m:r>
                       </m:sub>
                     </m:sSub>
+                    <m:r>
+                      <a:rPr lang="en-US" b="0" i="1" smtClean="0">
+                        <a:latin typeface="Cambria Math" panose="02040503050406030204" pitchFamily="18" charset="0"/>
+                      </a:rPr>
+                      <m:t>=</m:t>
+                    </m:r>
                   </m:oMath>
                 </a14:m>
-                <a:endParaRPr lang="en-US" dirty="0"/>
-              </a:p>
-              <a:p>
-                <a:pPr lvl="2"/>
                 <a:r>
                   <a:rPr lang="en-US" dirty="0"/>
-                  <a:t>Impossible to measure directly at global scale</a:t>
+                  <a:t> active zone = _________</a:t>
                 </a:r>
               </a:p>
               <a:p>
-                <a:pPr lvl="2"/>
-                <a:endParaRPr lang="en-US" dirty="0"/>
-              </a:p>
-              <a:p>
-                <a:endParaRPr lang="en-US" dirty="0"/>
+                <a:r>
+                  <a:rPr lang="en-US" dirty="0"/>
+                  <a:t> </a:t>
+                </a:r>
               </a:p>
             </p:txBody>
           </p:sp>
@@ -5832,29 +9699,30 @@
         <mc:Fallback xmlns="">
           <p:sp>
             <p:nvSpPr>
-              <p:cNvPr id="3" name="Content Placeholder 2">
+              <p:cNvPr id="54" name="TextBox 53">
                 <a:extLst>
                   <a:ext uri="{FF2B5EF4-FFF2-40B4-BE49-F238E27FC236}">
-                    <a16:creationId xmlns:a16="http://schemas.microsoft.com/office/drawing/2014/main" id="{2E254306-EB3A-43C9-BB0E-324D8F8D533D}"/>
+                    <a16:creationId xmlns:a16="http://schemas.microsoft.com/office/drawing/2014/main" id="{63DD99C5-A105-431F-9223-349B8DC05840}"/>
                   </a:ext>
                 </a:extLst>
               </p:cNvPr>
-              <p:cNvSpPr>
-                <a:spLocks noGrp="1" noRot="1" noChangeAspect="1" noMove="1" noResize="1" noEditPoints="1" noAdjustHandles="1" noChangeArrowheads="1" noChangeShapeType="1" noTextEdit="1"/>
+              <p:cNvSpPr txBox="1">
+                <a:spLocks noRot="1" noChangeAspect="1" noMove="1" noResize="1" noEditPoints="1" noAdjustHandles="1" noChangeArrowheads="1" noChangeShapeType="1" noTextEdit="1"/>
               </p:cNvSpPr>
-              <p:nvPr>
-                <p:ph idx="1"/>
-              </p:nvPr>
+              <p:nvPr/>
             </p:nvSpPr>
             <p:spPr>
               <a:xfrm>
-                <a:off x="323295" y="1278384"/>
-                <a:ext cx="5828930" cy="5134592"/>
+                <a:off x="8774883" y="2877423"/>
+                <a:ext cx="3171040" cy="667747"/>
               </a:xfrm>
+              <a:prstGeom prst="rect">
+                <a:avLst/>
+              </a:prstGeom>
               <a:blipFill>
-                <a:blip r:embed="rId2"/>
+                <a:blip r:embed="rId4"/>
                 <a:stretch>
-                  <a:fillRect l="-1883" t="-2138" r="-209"/>
+                  <a:fillRect t="-3636"/>
                 </a:stretch>
               </a:blipFill>
             </p:spPr>
@@ -5873,258 +9741,561 @@
           </p:sp>
         </mc:Fallback>
       </mc:AlternateContent>
-      <p:grpSp>
-        <p:nvGrpSpPr>
-          <p:cNvPr id="12" name="Group 11">
+      <p:sp>
+        <p:nvSpPr>
+          <p:cNvPr id="45" name="Freeform: Shape 44">
             <a:extLst>
               <a:ext uri="{FF2B5EF4-FFF2-40B4-BE49-F238E27FC236}">
-                <a16:creationId xmlns:a16="http://schemas.microsoft.com/office/drawing/2014/main" id="{9F9B167A-68B9-4E3E-8859-D77744B2999B}"/>
+                <a16:creationId xmlns:a16="http://schemas.microsoft.com/office/drawing/2014/main" id="{1BB844BC-30F4-411D-8540-D61D7E332BFE}"/>
               </a:ext>
             </a:extLst>
           </p:cNvPr>
-          <p:cNvGrpSpPr/>
+          <p:cNvSpPr/>
           <p:nvPr/>
-        </p:nvGrpSpPr>
-        <p:grpSpPr>
+        </p:nvSpPr>
+        <p:spPr>
           <a:xfrm>
-            <a:off x="7410801" y="1278384"/>
-            <a:ext cx="4371975" cy="4373415"/>
-            <a:chOff x="7114852" y="1492967"/>
-            <a:chExt cx="4371975" cy="4373415"/>
+            <a:off x="9132733" y="5155035"/>
+            <a:ext cx="394447" cy="175814"/>
           </a:xfrm>
-        </p:grpSpPr>
-        <p:pic>
-          <p:nvPicPr>
-            <p:cNvPr id="5" name="Picture 4">
-              <a:extLst>
-                <a:ext uri="{FF2B5EF4-FFF2-40B4-BE49-F238E27FC236}">
-                  <a16:creationId xmlns:a16="http://schemas.microsoft.com/office/drawing/2014/main" id="{2E8E06C0-CAFE-454B-8273-0682F242C0D9}"/>
-                </a:ext>
-              </a:extLst>
-            </p:cNvPr>
-            <p:cNvPicPr>
-              <a:picLocks noChangeAspect="1"/>
-            </p:cNvPicPr>
-            <p:nvPr/>
-          </p:nvPicPr>
-          <p:blipFill>
-            <a:blip r:embed="rId3"/>
-            <a:stretch>
-              <a:fillRect/>
-            </a:stretch>
-          </p:blipFill>
-          <p:spPr>
-            <a:xfrm>
-              <a:off x="7114852" y="1542032"/>
-              <a:ext cx="4371975" cy="4324350"/>
-            </a:xfrm>
-            <a:prstGeom prst="rect">
-              <a:avLst/>
-            </a:prstGeom>
-          </p:spPr>
-        </p:pic>
-        <p:sp>
-          <p:nvSpPr>
-            <p:cNvPr id="6" name="Isosceles Triangle 5">
-              <a:extLst>
-                <a:ext uri="{FF2B5EF4-FFF2-40B4-BE49-F238E27FC236}">
-                  <a16:creationId xmlns:a16="http://schemas.microsoft.com/office/drawing/2014/main" id="{2B35ABF3-93C6-4A0C-93CF-F092B580597F}"/>
-                </a:ext>
-              </a:extLst>
-            </p:cNvPr>
-            <p:cNvSpPr/>
-            <p:nvPr/>
-          </p:nvSpPr>
-          <p:spPr>
-            <a:xfrm rot="10800000">
-              <a:off x="9370910" y="1492967"/>
-              <a:ext cx="263242" cy="264377"/>
-            </a:xfrm>
-            <a:prstGeom prst="triangle">
-              <a:avLst/>
-            </a:prstGeom>
-          </p:spPr>
-          <p:style>
-            <a:lnRef idx="2">
-              <a:schemeClr val="dk1">
-                <a:shade val="50000"/>
-              </a:schemeClr>
-            </a:lnRef>
-            <a:fillRef idx="1">
-              <a:schemeClr val="dk1"/>
-            </a:fillRef>
-            <a:effectRef idx="0">
-              <a:schemeClr val="dk1"/>
-            </a:effectRef>
-            <a:fontRef idx="minor">
-              <a:schemeClr val="lt1"/>
-            </a:fontRef>
-          </p:style>
-          <p:txBody>
-            <a:bodyPr rtlCol="0" anchor="ctr"/>
-            <a:lstStyle/>
-            <a:p>
-              <a:pPr algn="ctr"/>
-              <a:endParaRPr lang="en-US"/>
-            </a:p>
-          </p:txBody>
-        </p:sp>
-        <p:cxnSp>
-          <p:nvCxnSpPr>
-            <p:cNvPr id="8" name="Straight Connector 7">
-              <a:extLst>
-                <a:ext uri="{FF2B5EF4-FFF2-40B4-BE49-F238E27FC236}">
-                  <a16:creationId xmlns:a16="http://schemas.microsoft.com/office/drawing/2014/main" id="{C73478DB-05DE-4881-BE7F-431A144885D5}"/>
-                </a:ext>
-              </a:extLst>
-            </p:cNvPr>
-            <p:cNvCxnSpPr/>
-            <p:nvPr/>
-          </p:nvCxnSpPr>
-          <p:spPr>
-            <a:xfrm>
-              <a:off x="9348186" y="1864311"/>
-              <a:ext cx="328474" cy="0"/>
-            </a:xfrm>
-            <a:prstGeom prst="line">
-              <a:avLst/>
-            </a:prstGeom>
-            <a:ln w="38100"/>
-          </p:spPr>
-          <p:style>
-            <a:lnRef idx="1">
-              <a:schemeClr val="dk1"/>
-            </a:lnRef>
-            <a:fillRef idx="0">
-              <a:schemeClr val="dk1"/>
-            </a:fillRef>
-            <a:effectRef idx="0">
-              <a:schemeClr val="dk1"/>
-            </a:effectRef>
-            <a:fontRef idx="minor">
+          <a:custGeom>
+            <a:avLst/>
+            <a:gdLst>
+              <a:gd name="connsiteX0" fmla="*/ 0 w 394447"/>
+              <a:gd name="connsiteY0" fmla="*/ 152400 h 175814"/>
+              <a:gd name="connsiteX1" fmla="*/ 143435 w 394447"/>
+              <a:gd name="connsiteY1" fmla="*/ 152400 h 175814"/>
+              <a:gd name="connsiteX2" fmla="*/ 188259 w 394447"/>
+              <a:gd name="connsiteY2" fmla="*/ 80682 h 175814"/>
+              <a:gd name="connsiteX3" fmla="*/ 107576 w 394447"/>
+              <a:gd name="connsiteY3" fmla="*/ 53788 h 175814"/>
+              <a:gd name="connsiteX4" fmla="*/ 89647 w 394447"/>
+              <a:gd name="connsiteY4" fmla="*/ 143435 h 175814"/>
+              <a:gd name="connsiteX5" fmla="*/ 188259 w 394447"/>
+              <a:gd name="connsiteY5" fmla="*/ 170329 h 175814"/>
+              <a:gd name="connsiteX6" fmla="*/ 304800 w 394447"/>
+              <a:gd name="connsiteY6" fmla="*/ 44823 h 175814"/>
+              <a:gd name="connsiteX7" fmla="*/ 304800 w 394447"/>
+              <a:gd name="connsiteY7" fmla="*/ 44823 h 175814"/>
+              <a:gd name="connsiteX8" fmla="*/ 394447 w 394447"/>
+              <a:gd name="connsiteY8" fmla="*/ 8965 h 175814"/>
+              <a:gd name="connsiteX9" fmla="*/ 394447 w 394447"/>
+              <a:gd name="connsiteY9" fmla="*/ 8965 h 175814"/>
+              <a:gd name="connsiteX10" fmla="*/ 394447 w 394447"/>
+              <a:gd name="connsiteY10" fmla="*/ 0 h 175814"/>
+            </a:gdLst>
+            <a:ahLst/>
+            <a:cxnLst>
+              <a:cxn ang="0">
+                <a:pos x="connsiteX0" y="connsiteY0"/>
+              </a:cxn>
+              <a:cxn ang="0">
+                <a:pos x="connsiteX1" y="connsiteY1"/>
+              </a:cxn>
+              <a:cxn ang="0">
+                <a:pos x="connsiteX2" y="connsiteY2"/>
+              </a:cxn>
+              <a:cxn ang="0">
+                <a:pos x="connsiteX3" y="connsiteY3"/>
+              </a:cxn>
+              <a:cxn ang="0">
+                <a:pos x="connsiteX4" y="connsiteY4"/>
+              </a:cxn>
+              <a:cxn ang="0">
+                <a:pos x="connsiteX5" y="connsiteY5"/>
+              </a:cxn>
+              <a:cxn ang="0">
+                <a:pos x="connsiteX6" y="connsiteY6"/>
+              </a:cxn>
+              <a:cxn ang="0">
+                <a:pos x="connsiteX7" y="connsiteY7"/>
+              </a:cxn>
+              <a:cxn ang="0">
+                <a:pos x="connsiteX8" y="connsiteY8"/>
+              </a:cxn>
+              <a:cxn ang="0">
+                <a:pos x="connsiteX9" y="connsiteY9"/>
+              </a:cxn>
+              <a:cxn ang="0">
+                <a:pos x="connsiteX10" y="connsiteY10"/>
+              </a:cxn>
+            </a:cxnLst>
+            <a:rect l="l" t="t" r="r" b="b"/>
+            <a:pathLst>
+              <a:path w="394447" h="175814">
+                <a:moveTo>
+                  <a:pt x="0" y="152400"/>
+                </a:moveTo>
+                <a:cubicBezTo>
+                  <a:pt x="56029" y="158376"/>
+                  <a:pt x="112059" y="164353"/>
+                  <a:pt x="143435" y="152400"/>
+                </a:cubicBezTo>
+                <a:cubicBezTo>
+                  <a:pt x="174812" y="140447"/>
+                  <a:pt x="194235" y="97117"/>
+                  <a:pt x="188259" y="80682"/>
+                </a:cubicBezTo>
+                <a:cubicBezTo>
+                  <a:pt x="182283" y="64247"/>
+                  <a:pt x="124011" y="43329"/>
+                  <a:pt x="107576" y="53788"/>
+                </a:cubicBezTo>
+                <a:cubicBezTo>
+                  <a:pt x="91141" y="64247"/>
+                  <a:pt x="76200" y="124011"/>
+                  <a:pt x="89647" y="143435"/>
+                </a:cubicBezTo>
+                <a:cubicBezTo>
+                  <a:pt x="103094" y="162859"/>
+                  <a:pt x="152400" y="186764"/>
+                  <a:pt x="188259" y="170329"/>
+                </a:cubicBezTo>
+                <a:cubicBezTo>
+                  <a:pt x="224118" y="153894"/>
+                  <a:pt x="304800" y="44823"/>
+                  <a:pt x="304800" y="44823"/>
+                </a:cubicBezTo>
+                <a:lnTo>
+                  <a:pt x="304800" y="44823"/>
+                </a:lnTo>
+                <a:lnTo>
+                  <a:pt x="394447" y="8965"/>
+                </a:lnTo>
+                <a:lnTo>
+                  <a:pt x="394447" y="8965"/>
+                </a:lnTo>
+                <a:lnTo>
+                  <a:pt x="394447" y="0"/>
+                </a:lnTo>
+              </a:path>
+            </a:pathLst>
+          </a:custGeom>
+          <a:noFill/>
+          <a:ln w="19050">
+            <a:solidFill>
+              <a:srgbClr val="FFFF00"/>
+            </a:solidFill>
+            <a:tailEnd type="triangle"/>
+          </a:ln>
+        </p:spPr>
+        <p:style>
+          <a:lnRef idx="2">
+            <a:schemeClr val="accent1">
+              <a:shade val="50000"/>
+            </a:schemeClr>
+          </a:lnRef>
+          <a:fillRef idx="1">
+            <a:schemeClr val="accent1"/>
+          </a:fillRef>
+          <a:effectRef idx="0">
+            <a:schemeClr val="accent1"/>
+          </a:effectRef>
+          <a:fontRef idx="minor">
+            <a:schemeClr val="lt1"/>
+          </a:fontRef>
+        </p:style>
+        <p:txBody>
+          <a:bodyPr rtlCol="0" anchor="ctr"/>
+          <a:lstStyle/>
+          <a:p>
+            <a:pPr algn="ctr"/>
+            <a:endParaRPr lang="en-US"/>
+          </a:p>
+        </p:txBody>
+      </p:sp>
+      <p:sp>
+        <p:nvSpPr>
+          <p:cNvPr id="47" name="Freeform: Shape 46">
+            <a:extLst>
+              <a:ext uri="{FF2B5EF4-FFF2-40B4-BE49-F238E27FC236}">
+                <a16:creationId xmlns:a16="http://schemas.microsoft.com/office/drawing/2014/main" id="{17C16460-21A7-4B94-997F-C25C0679C66C}"/>
+              </a:ext>
+            </a:extLst>
+          </p:cNvPr>
+          <p:cNvSpPr/>
+          <p:nvPr/>
+        </p:nvSpPr>
+        <p:spPr>
+          <a:xfrm>
+            <a:off x="9117106" y="5377343"/>
+            <a:ext cx="448235" cy="548328"/>
+          </a:xfrm>
+          <a:custGeom>
+            <a:avLst/>
+            <a:gdLst>
+              <a:gd name="connsiteX0" fmla="*/ 0 w 448235"/>
+              <a:gd name="connsiteY0" fmla="*/ 600636 h 600636"/>
+              <a:gd name="connsiteX1" fmla="*/ 295835 w 448235"/>
+              <a:gd name="connsiteY1" fmla="*/ 394447 h 600636"/>
+              <a:gd name="connsiteX2" fmla="*/ 188259 w 448235"/>
+              <a:gd name="connsiteY2" fmla="*/ 259977 h 600636"/>
+              <a:gd name="connsiteX3" fmla="*/ 80682 w 448235"/>
+              <a:gd name="connsiteY3" fmla="*/ 484094 h 600636"/>
+              <a:gd name="connsiteX4" fmla="*/ 376518 w 448235"/>
+              <a:gd name="connsiteY4" fmla="*/ 546847 h 600636"/>
+              <a:gd name="connsiteX5" fmla="*/ 430306 w 448235"/>
+              <a:gd name="connsiteY5" fmla="*/ 268941 h 600636"/>
+              <a:gd name="connsiteX6" fmla="*/ 448235 w 448235"/>
+              <a:gd name="connsiteY6" fmla="*/ 0 h 600636"/>
+            </a:gdLst>
+            <a:ahLst/>
+            <a:cxnLst>
+              <a:cxn ang="0">
+                <a:pos x="connsiteX0" y="connsiteY0"/>
+              </a:cxn>
+              <a:cxn ang="0">
+                <a:pos x="connsiteX1" y="connsiteY1"/>
+              </a:cxn>
+              <a:cxn ang="0">
+                <a:pos x="connsiteX2" y="connsiteY2"/>
+              </a:cxn>
+              <a:cxn ang="0">
+                <a:pos x="connsiteX3" y="connsiteY3"/>
+              </a:cxn>
+              <a:cxn ang="0">
+                <a:pos x="connsiteX4" y="connsiteY4"/>
+              </a:cxn>
+              <a:cxn ang="0">
+                <a:pos x="connsiteX5" y="connsiteY5"/>
+              </a:cxn>
+              <a:cxn ang="0">
+                <a:pos x="connsiteX6" y="connsiteY6"/>
+              </a:cxn>
+            </a:cxnLst>
+            <a:rect l="l" t="t" r="r" b="b"/>
+            <a:pathLst>
+              <a:path w="448235" h="600636">
+                <a:moveTo>
+                  <a:pt x="0" y="600636"/>
+                </a:moveTo>
+                <a:cubicBezTo>
+                  <a:pt x="132229" y="525929"/>
+                  <a:pt x="264459" y="451223"/>
+                  <a:pt x="295835" y="394447"/>
+                </a:cubicBezTo>
+                <a:cubicBezTo>
+                  <a:pt x="327211" y="337671"/>
+                  <a:pt x="224118" y="245036"/>
+                  <a:pt x="188259" y="259977"/>
+                </a:cubicBezTo>
+                <a:cubicBezTo>
+                  <a:pt x="152400" y="274918"/>
+                  <a:pt x="49305" y="436282"/>
+                  <a:pt x="80682" y="484094"/>
+                </a:cubicBezTo>
+                <a:cubicBezTo>
+                  <a:pt x="112059" y="531906"/>
+                  <a:pt x="318247" y="582706"/>
+                  <a:pt x="376518" y="546847"/>
+                </a:cubicBezTo>
+                <a:cubicBezTo>
+                  <a:pt x="434789" y="510988"/>
+                  <a:pt x="418353" y="360082"/>
+                  <a:pt x="430306" y="268941"/>
+                </a:cubicBezTo>
+                <a:cubicBezTo>
+                  <a:pt x="442259" y="177800"/>
+                  <a:pt x="445247" y="88900"/>
+                  <a:pt x="448235" y="0"/>
+                </a:cubicBezTo>
+              </a:path>
+            </a:pathLst>
+          </a:custGeom>
+          <a:noFill/>
+          <a:ln w="38100">
+            <a:solidFill>
+              <a:srgbClr val="A9D18E"/>
+            </a:solidFill>
+            <a:tailEnd type="triangle"/>
+          </a:ln>
+        </p:spPr>
+        <p:style>
+          <a:lnRef idx="2">
+            <a:schemeClr val="accent1">
+              <a:shade val="50000"/>
+            </a:schemeClr>
+          </a:lnRef>
+          <a:fillRef idx="1">
+            <a:schemeClr val="accent1"/>
+          </a:fillRef>
+          <a:effectRef idx="0">
+            <a:schemeClr val="accent1"/>
+          </a:effectRef>
+          <a:fontRef idx="minor">
+            <a:schemeClr val="lt1"/>
+          </a:fontRef>
+        </p:style>
+        <p:txBody>
+          <a:bodyPr rtlCol="0" anchor="ctr"/>
+          <a:lstStyle/>
+          <a:p>
+            <a:pPr algn="ctr"/>
+            <a:endParaRPr lang="en-US"/>
+          </a:p>
+        </p:txBody>
+      </p:sp>
+      <p:sp>
+        <p:nvSpPr>
+          <p:cNvPr id="57" name="Rectangle 56">
+            <a:extLst>
+              <a:ext uri="{FF2B5EF4-FFF2-40B4-BE49-F238E27FC236}">
+                <a16:creationId xmlns:a16="http://schemas.microsoft.com/office/drawing/2014/main" id="{6B71DBDA-C1E5-48BE-8089-B84B60A2605D}"/>
+              </a:ext>
+            </a:extLst>
+          </p:cNvPr>
+          <p:cNvSpPr/>
+          <p:nvPr/>
+        </p:nvSpPr>
+        <p:spPr>
+          <a:xfrm>
+            <a:off x="10746544" y="2809407"/>
+            <a:ext cx="864067" cy="251670"/>
+          </a:xfrm>
+          <a:prstGeom prst="rect">
+            <a:avLst/>
+          </a:prstGeom>
+          <a:solidFill>
+            <a:schemeClr val="accent2">
+              <a:lumMod val="60000"/>
+              <a:lumOff val="40000"/>
+            </a:schemeClr>
+          </a:solidFill>
+          <a:ln>
+            <a:solidFill>
               <a:schemeClr val="tx1"/>
-            </a:fontRef>
-          </p:style>
-        </p:cxnSp>
-        <mc:AlternateContent xmlns:mc="http://schemas.openxmlformats.org/markup-compatibility/2006" xmlns:a14="http://schemas.microsoft.com/office/drawing/2010/main">
-          <mc:Choice Requires="a14">
-            <p:sp>
-              <p:nvSpPr>
-                <p:cNvPr id="9" name="TextBox 8">
-                  <a:extLst>
-                    <a:ext uri="{FF2B5EF4-FFF2-40B4-BE49-F238E27FC236}">
-                      <a16:creationId xmlns:a16="http://schemas.microsoft.com/office/drawing/2014/main" id="{F4219DE6-0639-4972-9B7C-366381A86FB1}"/>
-                    </a:ext>
-                  </a:extLst>
-                </p:cNvPr>
-                <p:cNvSpPr txBox="1"/>
-                <p:nvPr/>
-              </p:nvSpPr>
-              <p:spPr>
-                <a:xfrm>
-                  <a:off x="7794594" y="1669002"/>
-                  <a:ext cx="719092" cy="584775"/>
-                </a:xfrm>
-                <a:prstGeom prst="rect">
-                  <a:avLst/>
-                </a:prstGeom>
-                <a:noFill/>
-              </p:spPr>
-              <p:txBody>
-                <a:bodyPr wrap="square" rtlCol="0">
-                  <a:spAutoFit/>
-                </a:bodyPr>
-                <a:lstStyle/>
-                <a:p>
-                  <a:pPr/>
-                  <a14:m>
-                    <m:oMathPara xmlns:m="http://schemas.openxmlformats.org/officeDocument/2006/math">
-                      <m:oMathParaPr>
-                        <m:jc m:val="centerGroup"/>
-                      </m:oMathParaPr>
-                      <m:oMath xmlns:m="http://schemas.openxmlformats.org/officeDocument/2006/math">
-                        <m:sSub>
-                          <m:sSubPr>
-                            <m:ctrlPr>
-                              <a:rPr lang="en-US" sz="3200" b="1" i="1" smtClean="0">
-                                <a:latin typeface="Cambria Math" panose="02040503050406030204" pitchFamily="18" charset="0"/>
-                                <a:ea typeface="Cambria Math" panose="02040503050406030204" pitchFamily="18" charset="0"/>
-                              </a:rPr>
-                            </m:ctrlPr>
-                          </m:sSubPr>
-                          <m:e>
-                            <m:r>
-                              <a:rPr lang="en-US" sz="3200" b="1" i="1" smtClean="0">
-                                <a:latin typeface="Cambria Math" panose="02040503050406030204" pitchFamily="18" charset="0"/>
-                                <a:ea typeface="Cambria Math" panose="02040503050406030204" pitchFamily="18" charset="0"/>
-                              </a:rPr>
-                              <m:t>𝜺</m:t>
-                            </m:r>
-                          </m:e>
-                          <m:sub>
-                            <m:r>
-                              <a:rPr lang="en-US" sz="3200" b="1" i="1" smtClean="0">
-                                <a:latin typeface="Cambria Math" panose="02040503050406030204" pitchFamily="18" charset="0"/>
-                                <a:ea typeface="Cambria Math" panose="02040503050406030204" pitchFamily="18" charset="0"/>
-                              </a:rPr>
-                              <m:t>𝑺</m:t>
-                            </m:r>
-                          </m:sub>
-                        </m:sSub>
-                      </m:oMath>
-                    </m:oMathPara>
-                  </a14:m>
-                  <a:endParaRPr lang="en-US" sz="3200" b="1" dirty="0"/>
-                </a:p>
-              </p:txBody>
-            </p:sp>
-          </mc:Choice>
-          <mc:Fallback xmlns="">
-            <p:sp>
-              <p:nvSpPr>
-                <p:cNvPr id="9" name="TextBox 8">
-                  <a:extLst>
-                    <a:ext uri="{FF2B5EF4-FFF2-40B4-BE49-F238E27FC236}">
-                      <a16:creationId xmlns:a16="http://schemas.microsoft.com/office/drawing/2014/main" id="{F4219DE6-0639-4972-9B7C-366381A86FB1}"/>
-                    </a:ext>
-                  </a:extLst>
-                </p:cNvPr>
-                <p:cNvSpPr txBox="1">
-                  <a:spLocks noRot="1" noChangeAspect="1" noMove="1" noResize="1" noEditPoints="1" noAdjustHandles="1" noChangeArrowheads="1" noChangeShapeType="1" noTextEdit="1"/>
-                </p:cNvSpPr>
-                <p:nvPr/>
-              </p:nvSpPr>
-              <p:spPr>
-                <a:xfrm>
-                  <a:off x="7794594" y="1669002"/>
-                  <a:ext cx="719092" cy="584775"/>
-                </a:xfrm>
-                <a:prstGeom prst="rect">
-                  <a:avLst/>
-                </a:prstGeom>
-                <a:blipFill>
-                  <a:blip r:embed="rId4"/>
-                  <a:stretch>
-                    <a:fillRect/>
-                  </a:stretch>
-                </a:blipFill>
-              </p:spPr>
-              <p:txBody>
-                <a:bodyPr/>
-                <a:lstStyle/>
-                <a:p>
-                  <a:r>
-                    <a:rPr lang="en-US">
-                      <a:noFill/>
-                    </a:rPr>
-                    <a:t> </a:t>
-                  </a:r>
-                </a:p>
-              </p:txBody>
-            </p:sp>
-          </mc:Fallback>
-        </mc:AlternateContent>
-      </p:grpSp>
+            </a:solidFill>
+          </a:ln>
+        </p:spPr>
+        <p:style>
+          <a:lnRef idx="2">
+            <a:schemeClr val="accent1">
+              <a:shade val="50000"/>
+            </a:schemeClr>
+          </a:lnRef>
+          <a:fillRef idx="1">
+            <a:schemeClr val="accent1"/>
+          </a:fillRef>
+          <a:effectRef idx="0">
+            <a:schemeClr val="accent1"/>
+          </a:effectRef>
+          <a:fontRef idx="minor">
+            <a:schemeClr val="lt1"/>
+          </a:fontRef>
+        </p:style>
+        <p:txBody>
+          <a:bodyPr rtlCol="0" anchor="ctr"/>
+          <a:lstStyle/>
+          <a:p>
+            <a:pPr algn="ctr"/>
+            <a:endParaRPr lang="en-US"/>
+          </a:p>
+        </p:txBody>
+      </p:sp>
+      <p:sp>
+        <p:nvSpPr>
+          <p:cNvPr id="58" name="Rectangle 57">
+            <a:extLst>
+              <a:ext uri="{FF2B5EF4-FFF2-40B4-BE49-F238E27FC236}">
+                <a16:creationId xmlns:a16="http://schemas.microsoft.com/office/drawing/2014/main" id="{CC680785-AEB9-4170-AD1E-3F19B09BA14D}"/>
+              </a:ext>
+            </a:extLst>
+          </p:cNvPr>
+          <p:cNvSpPr/>
+          <p:nvPr/>
+        </p:nvSpPr>
+        <p:spPr>
+          <a:xfrm>
+            <a:off x="10763075" y="3273105"/>
+            <a:ext cx="847288" cy="251669"/>
+          </a:xfrm>
+          <a:prstGeom prst="rect">
+            <a:avLst/>
+          </a:prstGeom>
+          <a:solidFill>
+            <a:srgbClr val="A9591E"/>
+          </a:solidFill>
+          <a:ln>
+            <a:solidFill>
+              <a:schemeClr val="tx1"/>
+            </a:solidFill>
+          </a:ln>
+        </p:spPr>
+        <p:style>
+          <a:lnRef idx="2">
+            <a:schemeClr val="accent1">
+              <a:shade val="50000"/>
+            </a:schemeClr>
+          </a:lnRef>
+          <a:fillRef idx="1">
+            <a:schemeClr val="accent1"/>
+          </a:fillRef>
+          <a:effectRef idx="0">
+            <a:schemeClr val="accent1"/>
+          </a:effectRef>
+          <a:fontRef idx="minor">
+            <a:schemeClr val="lt1"/>
+          </a:fontRef>
+        </p:style>
+        <p:txBody>
+          <a:bodyPr rtlCol="0" anchor="ctr"/>
+          <a:lstStyle/>
+          <a:p>
+            <a:pPr algn="ctr"/>
+            <a:endParaRPr lang="en-US"/>
+          </a:p>
+        </p:txBody>
+      </p:sp>
+      <p:sp>
+        <p:nvSpPr>
+          <p:cNvPr id="56" name="Rectangle 55">
+            <a:extLst>
+              <a:ext uri="{FF2B5EF4-FFF2-40B4-BE49-F238E27FC236}">
+                <a16:creationId xmlns:a16="http://schemas.microsoft.com/office/drawing/2014/main" id="{9AC33DFD-40A4-49E5-B44F-1BA807005B91}"/>
+              </a:ext>
+            </a:extLst>
+          </p:cNvPr>
+          <p:cNvSpPr/>
+          <p:nvPr/>
+        </p:nvSpPr>
+        <p:spPr>
+          <a:xfrm>
+            <a:off x="7407479" y="4337108"/>
+            <a:ext cx="1442906" cy="755009"/>
+          </a:xfrm>
+          <a:prstGeom prst="rect">
+            <a:avLst/>
+          </a:prstGeom>
+          <a:solidFill>
+            <a:schemeClr val="bg1"/>
+          </a:solidFill>
+          <a:ln>
+            <a:noFill/>
+          </a:ln>
+        </p:spPr>
+        <p:style>
+          <a:lnRef idx="2">
+            <a:schemeClr val="accent1">
+              <a:shade val="50000"/>
+            </a:schemeClr>
+          </a:lnRef>
+          <a:fillRef idx="1">
+            <a:schemeClr val="accent1"/>
+          </a:fillRef>
+          <a:effectRef idx="0">
+            <a:schemeClr val="accent1"/>
+          </a:effectRef>
+          <a:fontRef idx="minor">
+            <a:schemeClr val="lt1"/>
+          </a:fontRef>
+        </p:style>
+        <p:txBody>
+          <a:bodyPr rtlCol="0" anchor="ctr"/>
+          <a:lstStyle/>
+          <a:p>
+            <a:pPr algn="ctr"/>
+            <a:endParaRPr lang="en-US"/>
+          </a:p>
+        </p:txBody>
+      </p:sp>
+      <p:sp>
+        <p:nvSpPr>
+          <p:cNvPr id="60" name="Rectangle 59">
+            <a:extLst>
+              <a:ext uri="{FF2B5EF4-FFF2-40B4-BE49-F238E27FC236}">
+                <a16:creationId xmlns:a16="http://schemas.microsoft.com/office/drawing/2014/main" id="{0D2C557A-4BB6-465B-BF48-E2CCF0F1FF1D}"/>
+              </a:ext>
+            </a:extLst>
+          </p:cNvPr>
+          <p:cNvSpPr/>
+          <p:nvPr/>
+        </p:nvSpPr>
+        <p:spPr>
+          <a:xfrm>
+            <a:off x="5327009" y="3967992"/>
+            <a:ext cx="1905699" cy="763399"/>
+          </a:xfrm>
+          <a:prstGeom prst="rect">
+            <a:avLst/>
+          </a:prstGeom>
+          <a:solidFill>
+            <a:schemeClr val="bg1"/>
+          </a:solidFill>
+          <a:ln>
+            <a:noFill/>
+          </a:ln>
+        </p:spPr>
+        <p:style>
+          <a:lnRef idx="2">
+            <a:schemeClr val="accent1">
+              <a:shade val="50000"/>
+            </a:schemeClr>
+          </a:lnRef>
+          <a:fillRef idx="1">
+            <a:schemeClr val="accent1"/>
+          </a:fillRef>
+          <a:effectRef idx="0">
+            <a:schemeClr val="accent1"/>
+          </a:effectRef>
+          <a:fontRef idx="minor">
+            <a:schemeClr val="lt1"/>
+          </a:fontRef>
+        </p:style>
+        <p:txBody>
+          <a:bodyPr rtlCol="0" anchor="ctr"/>
+          <a:lstStyle/>
+          <a:p>
+            <a:pPr algn="ctr"/>
+            <a:endParaRPr lang="en-US"/>
+          </a:p>
+        </p:txBody>
+      </p:sp>
+      <p:sp>
+        <p:nvSpPr>
+          <p:cNvPr id="59" name="TextBox 58">
+            <a:extLst>
+              <a:ext uri="{FF2B5EF4-FFF2-40B4-BE49-F238E27FC236}">
+                <a16:creationId xmlns:a16="http://schemas.microsoft.com/office/drawing/2014/main" id="{CF22C975-0FA9-4F3F-9891-D9DED725199E}"/>
+              </a:ext>
+            </a:extLst>
+          </p:cNvPr>
+          <p:cNvSpPr txBox="1"/>
+          <p:nvPr/>
+        </p:nvSpPr>
+        <p:spPr>
+          <a:xfrm>
+            <a:off x="2286351" y="2842900"/>
+            <a:ext cx="1446064" cy="646331"/>
+          </a:xfrm>
+          <a:prstGeom prst="rect">
+            <a:avLst/>
+          </a:prstGeom>
+          <a:solidFill>
+            <a:srgbClr val="A9591E"/>
+          </a:solidFill>
+        </p:spPr>
+        <p:txBody>
+          <a:bodyPr wrap="square" rtlCol="0">
+            <a:spAutoFit/>
+          </a:bodyPr>
+          <a:lstStyle/>
+          <a:p>
+            <a:r>
+              <a:rPr lang="en-US" dirty="0" smtClean="0">
+                <a:solidFill>
+                  <a:srgbClr val="7030A0"/>
+                </a:solidFill>
+              </a:rPr>
+              <a:t>Entire interface</a:t>
+            </a:r>
+            <a:endParaRPr lang="en-US" dirty="0">
+              <a:solidFill>
+                <a:srgbClr val="7030A0"/>
+              </a:solidFill>
+            </a:endParaRPr>
+          </a:p>
+        </p:txBody>
+      </p:sp>
     </p:spTree>
     <p:extLst>
       <p:ext uri="{BB962C8B-B14F-4D97-AF65-F5344CB8AC3E}">
@@ -6138,7 +10309,7 @@
 </p:sld>
 </file>
 
-<file path=ppt/slides/slide2.xml><?xml version="1.0" encoding="utf-8"?>
+<file path=ppt/slides/slide5.xml><?xml version="1.0" encoding="utf-8"?>
 <p:sld xmlns:a="http://schemas.openxmlformats.org/drawingml/2006/main" xmlns:r="http://schemas.openxmlformats.org/officeDocument/2006/relationships" xmlns:p="http://schemas.openxmlformats.org/presentationml/2006/main">
   <p:cSld>
     <p:spTree>
@@ -6172,7 +10343,7 @@
           <a:p>
             <a:r>
               <a:rPr lang="en-US" dirty="0" smtClean="0"/>
-              <a:t>The hydraulically wide channel</a:t>
+              <a:t>Questions</a:t>
             </a:r>
             <a:endParaRPr lang="en-US" dirty="0"/>
           </a:p>
@@ -6190,769 +10361,26 @@
                 <p:ph idx="1"/>
               </p:nvPr>
             </p:nvSpPr>
-            <p:spPr>
-              <a:xfrm>
-                <a:off x="0" y="1825625"/>
-                <a:ext cx="12344400" cy="4351338"/>
-              </a:xfrm>
-            </p:spPr>
+            <p:spPr/>
             <p:txBody>
-              <a:bodyPr>
-                <a:normAutofit/>
-              </a:bodyPr>
+              <a:bodyPr/>
               <a:lstStyle/>
               <a:p>
-                <a14:m>
-                  <m:oMath xmlns:m="http://schemas.openxmlformats.org/officeDocument/2006/math">
-                    <m:r>
-                      <a:rPr lang="en-US" i="1" smtClean="0">
-                        <a:latin typeface="Cambria Math" panose="02040503050406030204" pitchFamily="18" charset="0"/>
-                      </a:rPr>
-                      <m:t>𝑘</m:t>
-                    </m:r>
-                    <m:r>
-                      <a:rPr lang="en-US" i="1" smtClean="0">
-                        <a:latin typeface="Cambria Math" panose="02040503050406030204" pitchFamily="18" charset="0"/>
-                      </a:rPr>
-                      <m:t>~</m:t>
-                    </m:r>
-                    <m:r>
-                      <a:rPr lang="en-US" i="1" smtClean="0">
-                        <a:latin typeface="Cambria Math" panose="02040503050406030204" pitchFamily="18" charset="0"/>
-                      </a:rPr>
-                      <m:t>𝑆</m:t>
-                    </m:r>
-                    <m:sSup>
-                      <m:sSupPr>
-                        <m:ctrlPr>
-                          <a:rPr lang="en-US" i="1">
-                            <a:latin typeface="Cambria Math" panose="02040503050406030204" pitchFamily="18" charset="0"/>
-                          </a:rPr>
-                        </m:ctrlPr>
-                      </m:sSupPr>
-                      <m:e>
-                        <m:r>
-                          <a:rPr lang="en-US" i="1">
-                            <a:latin typeface="Cambria Math" panose="02040503050406030204" pitchFamily="18" charset="0"/>
-                          </a:rPr>
-                          <m:t>𝑐</m:t>
-                        </m:r>
-                      </m:e>
-                      <m:sup>
-                        <m:r>
-                          <a:rPr lang="en-US" i="1">
-                            <a:latin typeface="Cambria Math" panose="02040503050406030204" pitchFamily="18" charset="0"/>
-                          </a:rPr>
-                          <m:t>−</m:t>
-                        </m:r>
-                        <m:r>
-                          <a:rPr lang="en-US" i="1">
-                            <a:latin typeface="Cambria Math" panose="02040503050406030204" pitchFamily="18" charset="0"/>
-                          </a:rPr>
-                          <m:t>𝑛</m:t>
-                        </m:r>
-                      </m:sup>
-                    </m:sSup>
-                    <m:sSup>
-                      <m:sSupPr>
-                        <m:ctrlPr>
-                          <a:rPr lang="en-US" i="1">
-                            <a:latin typeface="Cambria Math" panose="02040503050406030204" pitchFamily="18" charset="0"/>
-                          </a:rPr>
-                        </m:ctrlPr>
-                      </m:sSupPr>
-                      <m:e>
-                        <m:d>
-                          <m:dPr>
-                            <m:ctrlPr>
-                              <a:rPr lang="en-US" i="1">
-                                <a:latin typeface="Cambria Math" panose="02040503050406030204" pitchFamily="18" charset="0"/>
-                              </a:rPr>
-                            </m:ctrlPr>
-                          </m:dPr>
-                          <m:e>
-                            <m:r>
-                              <a:rPr lang="en-US" i="1">
-                                <a:latin typeface="Cambria Math" panose="02040503050406030204" pitchFamily="18" charset="0"/>
-                              </a:rPr>
-                              <m:t>𝑣</m:t>
-                            </m:r>
-                            <m:sSub>
-                              <m:sSubPr>
-                                <m:ctrlPr>
-                                  <a:rPr lang="en-US" i="1">
-                                    <a:latin typeface="Cambria Math" panose="02040503050406030204" pitchFamily="18" charset="0"/>
-                                    <a:ea typeface="Cambria Math" panose="02040503050406030204" pitchFamily="18" charset="0"/>
-                                  </a:rPr>
-                                </m:ctrlPr>
-                              </m:sSubPr>
-                              <m:e>
-                                <m:r>
-                                  <a:rPr lang="en-US" i="1">
-                                    <a:latin typeface="Cambria Math" panose="02040503050406030204" pitchFamily="18" charset="0"/>
-                                    <a:ea typeface="Cambria Math" panose="02040503050406030204" pitchFamily="18" charset="0"/>
-                                  </a:rPr>
-                                  <m:t>𝜀</m:t>
-                                </m:r>
-                              </m:e>
-                              <m:sub>
-                                <m:r>
-                                  <a:rPr lang="en-US" i="1">
-                                    <a:latin typeface="Cambria Math" panose="02040503050406030204" pitchFamily="18" charset="0"/>
-                                    <a:ea typeface="Cambria Math" panose="02040503050406030204" pitchFamily="18" charset="0"/>
-                                  </a:rPr>
-                                  <m:t>𝑆</m:t>
-                                </m:r>
-                              </m:sub>
-                            </m:sSub>
-                          </m:e>
-                        </m:d>
-                      </m:e>
-                      <m:sup>
-                        <m:f>
-                          <m:fPr>
-                            <m:ctrlPr>
-                              <a:rPr lang="en-US" i="1">
-                                <a:latin typeface="Cambria Math" panose="02040503050406030204" pitchFamily="18" charset="0"/>
-                              </a:rPr>
-                            </m:ctrlPr>
-                          </m:fPr>
-                          <m:num>
-                            <m:r>
-                              <a:rPr lang="en-US" i="1">
-                                <a:latin typeface="Cambria Math" panose="02040503050406030204" pitchFamily="18" charset="0"/>
-                              </a:rPr>
-                              <m:t>1</m:t>
-                            </m:r>
-                          </m:num>
-                          <m:den>
-                            <m:r>
-                              <a:rPr lang="en-US" i="1">
-                                <a:latin typeface="Cambria Math" panose="02040503050406030204" pitchFamily="18" charset="0"/>
-                              </a:rPr>
-                              <m:t>4</m:t>
-                            </m:r>
-                          </m:den>
-                        </m:f>
-                      </m:sup>
-                    </m:sSup>
-                  </m:oMath>
-                </a14:m>
                 <a:r>
                   <a:rPr lang="en-US" dirty="0" smtClean="0"/>
-                  <a:t> </a:t>
+                  <a:t>I’m currently avoiding the other Moog &amp; </a:t>
                 </a:r>
                 <a:r>
-                  <a:rPr lang="en-US" dirty="0"/>
-                  <a:t>Law-of-the-wall: </a:t>
+                  <a:rPr lang="en-US" dirty="0" err="1" smtClean="0"/>
+                  <a:t>Jirka</a:t>
                 </a:r>
-                <a14:m>
-                  <m:oMath xmlns:m="http://schemas.openxmlformats.org/officeDocument/2006/math">
-                    <m:sSub>
-                      <m:sSubPr>
-                        <m:ctrlPr>
-                          <a:rPr lang="en-US" i="1">
-                            <a:latin typeface="Cambria Math" panose="02040503050406030204" pitchFamily="18" charset="0"/>
-                          </a:rPr>
-                        </m:ctrlPr>
-                      </m:sSubPr>
-                      <m:e>
-                        <m:r>
-                          <a:rPr lang="en-US" i="1">
-                            <a:latin typeface="Cambria Math" panose="02040503050406030204" pitchFamily="18" charset="0"/>
-                          </a:rPr>
-                          <m:t>𝜖</m:t>
-                        </m:r>
-                      </m:e>
-                      <m:sub>
-                        <m:r>
-                          <a:rPr lang="en-US" i="1">
-                            <a:latin typeface="Cambria Math" panose="02040503050406030204" pitchFamily="18" charset="0"/>
-                          </a:rPr>
-                          <m:t>𝑆</m:t>
-                        </m:r>
-                      </m:sub>
-                    </m:sSub>
-                    <m:r>
-                      <a:rPr lang="en-US" i="1">
-                        <a:latin typeface="Cambria Math" panose="02040503050406030204" pitchFamily="18" charset="0"/>
-                      </a:rPr>
-                      <m:t>=</m:t>
-                    </m:r>
-                    <m:f>
-                      <m:fPr>
-                        <m:ctrlPr>
-                          <a:rPr lang="en-US" i="1">
-                            <a:latin typeface="Cambria Math" panose="02040503050406030204" pitchFamily="18" charset="0"/>
-                          </a:rPr>
-                        </m:ctrlPr>
-                      </m:fPr>
-                      <m:num>
-                        <m:sSubSup>
-                          <m:sSubSupPr>
-                            <m:ctrlPr>
-                              <a:rPr lang="en-US" i="1">
-                                <a:latin typeface="Cambria Math" panose="02040503050406030204" pitchFamily="18" charset="0"/>
-                              </a:rPr>
-                            </m:ctrlPr>
-                          </m:sSubSupPr>
-                          <m:e>
-                            <m:r>
-                              <a:rPr lang="en-US" i="1">
-                                <a:latin typeface="Cambria Math" panose="02040503050406030204" pitchFamily="18" charset="0"/>
-                              </a:rPr>
-                              <m:t>𝑈</m:t>
-                            </m:r>
-                          </m:e>
-                          <m:sub>
-                            <m:r>
-                              <a:rPr lang="en-US" i="1">
-                                <a:latin typeface="Cambria Math" panose="02040503050406030204" pitchFamily="18" charset="0"/>
-                              </a:rPr>
-                              <m:t>∗</m:t>
-                            </m:r>
-                          </m:sub>
-                          <m:sup>
-                            <m:r>
-                              <a:rPr lang="en-US" i="1">
-                                <a:latin typeface="Cambria Math" panose="02040503050406030204" pitchFamily="18" charset="0"/>
-                              </a:rPr>
-                              <m:t>3</m:t>
-                            </m:r>
-                          </m:sup>
-                        </m:sSubSup>
-                      </m:num>
-                      <m:den>
-                        <m:r>
-                          <a:rPr lang="en-US" i="1">
-                            <a:latin typeface="Cambria Math" panose="02040503050406030204" pitchFamily="18" charset="0"/>
-                          </a:rPr>
-                          <m:t>𝐻</m:t>
-                        </m:r>
-                      </m:den>
-                    </m:f>
-                    <m:r>
-                      <a:rPr lang="en-US" i="1">
-                        <a:latin typeface="Cambria Math" panose="02040503050406030204" pitchFamily="18" charset="0"/>
-                      </a:rPr>
-                      <m:t> (</m:t>
-                    </m:r>
-                    <m:sSub>
-                      <m:sSubPr>
-                        <m:ctrlPr>
-                          <a:rPr lang="en-US" i="1">
-                            <a:latin typeface="Cambria Math" panose="02040503050406030204" pitchFamily="18" charset="0"/>
-                          </a:rPr>
-                        </m:ctrlPr>
-                      </m:sSubPr>
-                      <m:e>
-                        <m:r>
-                          <a:rPr lang="en-US" i="1">
-                            <a:latin typeface="Cambria Math" panose="02040503050406030204" pitchFamily="18" charset="0"/>
-                          </a:rPr>
-                          <m:t>𝑈</m:t>
-                        </m:r>
-                      </m:e>
-                      <m:sub>
-                        <m:r>
-                          <a:rPr lang="en-US" i="1">
-                            <a:latin typeface="Cambria Math" panose="02040503050406030204" pitchFamily="18" charset="0"/>
-                          </a:rPr>
-                          <m:t>∗</m:t>
-                        </m:r>
-                      </m:sub>
-                    </m:sSub>
-                    <m:r>
-                      <a:rPr lang="en-US" i="1">
-                        <a:latin typeface="Cambria Math" panose="02040503050406030204" pitchFamily="18" charset="0"/>
-                      </a:rPr>
-                      <m:t>=</m:t>
-                    </m:r>
-                    <m:r>
-                      <a:rPr lang="en-US" i="1">
-                        <a:latin typeface="Cambria Math" panose="02040503050406030204" pitchFamily="18" charset="0"/>
-                      </a:rPr>
-                      <m:t>𝑠h𝑒𝑎𝑟</m:t>
-                    </m:r>
-                    <m:r>
-                      <a:rPr lang="en-US" i="1">
-                        <a:latin typeface="Cambria Math" panose="02040503050406030204" pitchFamily="18" charset="0"/>
-                      </a:rPr>
-                      <m:t> </m:t>
-                    </m:r>
-                    <m:r>
-                      <a:rPr lang="en-US" i="1">
-                        <a:latin typeface="Cambria Math" panose="02040503050406030204" pitchFamily="18" charset="0"/>
-                      </a:rPr>
-                      <m:t>𝑣𝑒𝑙𝑜𝑐𝑖𝑡𝑦</m:t>
-                    </m:r>
-                    <m:r>
-                      <a:rPr lang="en-US" i="1">
-                        <a:latin typeface="Cambria Math" panose="02040503050406030204" pitchFamily="18" charset="0"/>
-                      </a:rPr>
-                      <m:t>, </m:t>
-                    </m:r>
-                    <m:r>
-                      <a:rPr lang="en-US" i="1">
-                        <a:latin typeface="Cambria Math" panose="02040503050406030204" pitchFamily="18" charset="0"/>
-                      </a:rPr>
-                      <m:t>𝐻</m:t>
-                    </m:r>
-                    <m:r>
-                      <a:rPr lang="en-US" i="1">
-                        <a:latin typeface="Cambria Math" panose="02040503050406030204" pitchFamily="18" charset="0"/>
-                      </a:rPr>
-                      <m:t>=</m:t>
-                    </m:r>
-                    <m:r>
-                      <a:rPr lang="en-US" b="0" i="1" smtClean="0">
-                        <a:latin typeface="Cambria Math" panose="02040503050406030204" pitchFamily="18" charset="0"/>
-                      </a:rPr>
-                      <m:t>𝑎𝑣𝑔</m:t>
-                    </m:r>
-                    <m:r>
-                      <a:rPr lang="en-US" i="1">
-                        <a:latin typeface="Cambria Math" panose="02040503050406030204" pitchFamily="18" charset="0"/>
-                      </a:rPr>
-                      <m:t> </m:t>
-                    </m:r>
-                    <m:r>
-                      <a:rPr lang="en-US" i="1">
-                        <a:latin typeface="Cambria Math" panose="02040503050406030204" pitchFamily="18" charset="0"/>
-                      </a:rPr>
-                      <m:t>𝑑𝑒𝑝𝑡h</m:t>
-                    </m:r>
-                    <m:r>
-                      <a:rPr lang="en-US" i="1">
-                        <a:latin typeface="Cambria Math" panose="02040503050406030204" pitchFamily="18" charset="0"/>
-                      </a:rPr>
-                      <m:t>)</m:t>
-                    </m:r>
-                  </m:oMath>
-                </a14:m>
-                <a:endParaRPr lang="en-US" dirty="0" smtClean="0"/>
-              </a:p>
-              <a:p>
-                <a14:m>
-                  <m:oMath xmlns:m="http://schemas.openxmlformats.org/officeDocument/2006/math">
-                    <m:r>
-                      <a:rPr lang="en-US" i="1">
-                        <a:latin typeface="Cambria Math" panose="02040503050406030204" pitchFamily="18" charset="0"/>
-                      </a:rPr>
-                      <m:t>𝑘</m:t>
-                    </m:r>
-                    <m:r>
-                      <a:rPr lang="en-US" i="1">
-                        <a:latin typeface="Cambria Math" panose="02040503050406030204" pitchFamily="18" charset="0"/>
-                      </a:rPr>
-                      <m:t>~</m:t>
-                    </m:r>
-                    <m:r>
-                      <a:rPr lang="en-US" i="1">
-                        <a:latin typeface="Cambria Math" panose="02040503050406030204" pitchFamily="18" charset="0"/>
-                      </a:rPr>
-                      <m:t>𝑆</m:t>
-                    </m:r>
-                    <m:sSup>
-                      <m:sSupPr>
-                        <m:ctrlPr>
-                          <a:rPr lang="en-US" i="1">
-                            <a:latin typeface="Cambria Math" panose="02040503050406030204" pitchFamily="18" charset="0"/>
-                          </a:rPr>
-                        </m:ctrlPr>
-                      </m:sSupPr>
-                      <m:e>
-                        <m:r>
-                          <a:rPr lang="en-US" i="1">
-                            <a:latin typeface="Cambria Math" panose="02040503050406030204" pitchFamily="18" charset="0"/>
-                          </a:rPr>
-                          <m:t>𝑐</m:t>
-                        </m:r>
-                      </m:e>
-                      <m:sup>
-                        <m:r>
-                          <a:rPr lang="en-US" i="1">
-                            <a:latin typeface="Cambria Math" panose="02040503050406030204" pitchFamily="18" charset="0"/>
-                          </a:rPr>
-                          <m:t>−</m:t>
-                        </m:r>
-                        <m:r>
-                          <a:rPr lang="en-US" i="1">
-                            <a:latin typeface="Cambria Math" panose="02040503050406030204" pitchFamily="18" charset="0"/>
-                          </a:rPr>
-                          <m:t>𝑛</m:t>
-                        </m:r>
-                      </m:sup>
-                    </m:sSup>
-                    <m:sSup>
-                      <m:sSupPr>
-                        <m:ctrlPr>
-                          <a:rPr lang="en-US" i="1">
-                            <a:latin typeface="Cambria Math" panose="02040503050406030204" pitchFamily="18" charset="0"/>
-                          </a:rPr>
-                        </m:ctrlPr>
-                      </m:sSupPr>
-                      <m:e>
-                        <m:d>
-                          <m:dPr>
-                            <m:ctrlPr>
-                              <a:rPr lang="en-US" i="1">
-                                <a:latin typeface="Cambria Math" panose="02040503050406030204" pitchFamily="18" charset="0"/>
-                              </a:rPr>
-                            </m:ctrlPr>
-                          </m:dPr>
-                          <m:e>
-                            <m:f>
-                              <m:fPr>
-                                <m:ctrlPr>
-                                  <a:rPr lang="en-US" b="0" i="1" smtClean="0">
-                                    <a:latin typeface="Cambria Math" panose="02040503050406030204" pitchFamily="18" charset="0"/>
-                                    <a:ea typeface="Cambria Math" panose="02040503050406030204" pitchFamily="18" charset="0"/>
-                                  </a:rPr>
-                                </m:ctrlPr>
-                              </m:fPr>
-                              <m:num>
-                                <m:r>
-                                  <a:rPr lang="en-US" i="1">
-                                    <a:latin typeface="Cambria Math" panose="02040503050406030204" pitchFamily="18" charset="0"/>
-                                  </a:rPr>
-                                  <m:t>𝑣</m:t>
-                                </m:r>
-                                <m:sSubSup>
-                                  <m:sSubSupPr>
-                                    <m:ctrlPr>
-                                      <a:rPr lang="en-US" b="0" i="1" smtClean="0">
-                                        <a:latin typeface="Cambria Math" panose="02040503050406030204" pitchFamily="18" charset="0"/>
-                                        <a:ea typeface="Cambria Math" panose="02040503050406030204" pitchFamily="18" charset="0"/>
-                                      </a:rPr>
-                                    </m:ctrlPr>
-                                  </m:sSubSupPr>
-                                  <m:e>
-                                    <m:r>
-                                      <a:rPr lang="en-US" b="0" i="1" smtClean="0">
-                                        <a:latin typeface="Cambria Math" panose="02040503050406030204" pitchFamily="18" charset="0"/>
-                                        <a:ea typeface="Cambria Math" panose="02040503050406030204" pitchFamily="18" charset="0"/>
-                                      </a:rPr>
-                                      <m:t>𝑈</m:t>
-                                    </m:r>
-                                  </m:e>
-                                  <m:sub>
-                                    <m:r>
-                                      <a:rPr lang="en-US" b="0" i="1" smtClean="0">
-                                        <a:latin typeface="Cambria Math" panose="02040503050406030204" pitchFamily="18" charset="0"/>
-                                        <a:ea typeface="Cambria Math" panose="02040503050406030204" pitchFamily="18" charset="0"/>
-                                      </a:rPr>
-                                      <m:t>∗</m:t>
-                                    </m:r>
-                                  </m:sub>
-                                  <m:sup>
-                                    <m:r>
-                                      <a:rPr lang="en-US" b="0" i="1" smtClean="0">
-                                        <a:latin typeface="Cambria Math" panose="02040503050406030204" pitchFamily="18" charset="0"/>
-                                        <a:ea typeface="Cambria Math" panose="02040503050406030204" pitchFamily="18" charset="0"/>
-                                      </a:rPr>
-                                      <m:t>3</m:t>
-                                    </m:r>
-                                  </m:sup>
-                                </m:sSubSup>
-                              </m:num>
-                              <m:den>
-                                <m:r>
-                                  <a:rPr lang="en-US" b="0" i="1" smtClean="0">
-                                    <a:latin typeface="Cambria Math" panose="02040503050406030204" pitchFamily="18" charset="0"/>
-                                    <a:ea typeface="Cambria Math" panose="02040503050406030204" pitchFamily="18" charset="0"/>
-                                  </a:rPr>
-                                  <m:t>𝐻</m:t>
-                                </m:r>
-                              </m:den>
-                            </m:f>
-                          </m:e>
-                        </m:d>
-                      </m:e>
-                      <m:sup>
-                        <m:f>
-                          <m:fPr>
-                            <m:ctrlPr>
-                              <a:rPr lang="en-US" i="1">
-                                <a:latin typeface="Cambria Math" panose="02040503050406030204" pitchFamily="18" charset="0"/>
-                              </a:rPr>
-                            </m:ctrlPr>
-                          </m:fPr>
-                          <m:num>
-                            <m:r>
-                              <a:rPr lang="en-US" i="1">
-                                <a:latin typeface="Cambria Math" panose="02040503050406030204" pitchFamily="18" charset="0"/>
-                              </a:rPr>
-                              <m:t>1</m:t>
-                            </m:r>
-                          </m:num>
-                          <m:den>
-                            <m:r>
-                              <a:rPr lang="en-US" i="1">
-                                <a:latin typeface="Cambria Math" panose="02040503050406030204" pitchFamily="18" charset="0"/>
-                              </a:rPr>
-                              <m:t>4</m:t>
-                            </m:r>
-                          </m:den>
-                        </m:f>
-                      </m:sup>
-                    </m:sSup>
-                  </m:oMath>
-                </a14:m>
-                <a:endParaRPr lang="en-US" dirty="0" smtClean="0"/>
-              </a:p>
-              <a:p>
-                <a14:m>
-                  <m:oMath xmlns:m="http://schemas.openxmlformats.org/officeDocument/2006/math">
-                    <m:r>
-                      <a:rPr lang="en-US" i="1">
-                        <a:latin typeface="Cambria Math" panose="02040503050406030204" pitchFamily="18" charset="0"/>
-                      </a:rPr>
-                      <m:t>𝑘</m:t>
-                    </m:r>
-                    <m:r>
-                      <a:rPr lang="en-US" i="1">
-                        <a:latin typeface="Cambria Math" panose="02040503050406030204" pitchFamily="18" charset="0"/>
-                      </a:rPr>
-                      <m:t>~</m:t>
-                    </m:r>
-                    <m:r>
-                      <a:rPr lang="en-US" i="1">
-                        <a:latin typeface="Cambria Math" panose="02040503050406030204" pitchFamily="18" charset="0"/>
-                      </a:rPr>
-                      <m:t>𝑆</m:t>
-                    </m:r>
-                    <m:sSup>
-                      <m:sSupPr>
-                        <m:ctrlPr>
-                          <a:rPr lang="en-US" i="1">
-                            <a:latin typeface="Cambria Math" panose="02040503050406030204" pitchFamily="18" charset="0"/>
-                          </a:rPr>
-                        </m:ctrlPr>
-                      </m:sSupPr>
-                      <m:e>
-                        <m:r>
-                          <a:rPr lang="en-US" i="1">
-                            <a:latin typeface="Cambria Math" panose="02040503050406030204" pitchFamily="18" charset="0"/>
-                          </a:rPr>
-                          <m:t>𝑐</m:t>
-                        </m:r>
-                      </m:e>
-                      <m:sup>
-                        <m:r>
-                          <a:rPr lang="en-US" i="1">
-                            <a:latin typeface="Cambria Math" panose="02040503050406030204" pitchFamily="18" charset="0"/>
-                          </a:rPr>
-                          <m:t>−</m:t>
-                        </m:r>
-                        <m:r>
-                          <a:rPr lang="en-US" i="1">
-                            <a:latin typeface="Cambria Math" panose="02040503050406030204" pitchFamily="18" charset="0"/>
-                          </a:rPr>
-                          <m:t>𝑛</m:t>
-                        </m:r>
-                      </m:sup>
-                    </m:sSup>
-                    <m:sSup>
-                      <m:sSupPr>
-                        <m:ctrlPr>
-                          <a:rPr lang="en-US" i="1">
-                            <a:latin typeface="Cambria Math" panose="02040503050406030204" pitchFamily="18" charset="0"/>
-                          </a:rPr>
-                        </m:ctrlPr>
-                      </m:sSupPr>
-                      <m:e>
-                        <m:d>
-                          <m:dPr>
-                            <m:ctrlPr>
-                              <a:rPr lang="en-US" i="1">
-                                <a:latin typeface="Cambria Math" panose="02040503050406030204" pitchFamily="18" charset="0"/>
-                              </a:rPr>
-                            </m:ctrlPr>
-                          </m:dPr>
-                          <m:e>
-                            <m:f>
-                              <m:fPr>
-                                <m:ctrlPr>
-                                  <a:rPr lang="en-US" b="0" i="1" smtClean="0">
-                                    <a:latin typeface="Cambria Math" panose="02040503050406030204" pitchFamily="18" charset="0"/>
-                                  </a:rPr>
-                                </m:ctrlPr>
-                              </m:fPr>
-                              <m:num>
-                                <m:r>
-                                  <a:rPr lang="en-US" i="1">
-                                    <a:latin typeface="Cambria Math" panose="02040503050406030204" pitchFamily="18" charset="0"/>
-                                  </a:rPr>
-                                  <m:t>𝑣</m:t>
-                                </m:r>
-                                <m:sSup>
-                                  <m:sSupPr>
-                                    <m:ctrlPr>
-                                      <a:rPr lang="en-US" b="0" i="1" smtClean="0">
-                                        <a:latin typeface="Cambria Math" panose="02040503050406030204" pitchFamily="18" charset="0"/>
-                                      </a:rPr>
-                                    </m:ctrlPr>
-                                  </m:sSupPr>
-                                  <m:e>
-                                    <m:rad>
-                                      <m:radPr>
-                                        <m:degHide m:val="on"/>
-                                        <m:ctrlPr>
-                                          <a:rPr lang="en-US" i="1" smtClean="0">
-                                            <a:latin typeface="Cambria Math" panose="02040503050406030204" pitchFamily="18" charset="0"/>
-                                          </a:rPr>
-                                        </m:ctrlPr>
-                                      </m:radPr>
-                                      <m:deg/>
-                                      <m:e>
-                                        <m:r>
-                                          <a:rPr lang="en-US" b="0" i="1" smtClean="0">
-                                            <a:latin typeface="Cambria Math" panose="02040503050406030204" pitchFamily="18" charset="0"/>
-                                          </a:rPr>
-                                          <m:t>𝑔</m:t>
-                                        </m:r>
-                                        <m:sSub>
-                                          <m:sSubPr>
-                                            <m:ctrlPr>
-                                              <a:rPr lang="en-US" b="0" i="1" smtClean="0">
-                                                <a:latin typeface="Cambria Math" panose="02040503050406030204" pitchFamily="18" charset="0"/>
-                                              </a:rPr>
-                                            </m:ctrlPr>
-                                          </m:sSubPr>
-                                          <m:e>
-                                            <m:r>
-                                              <a:rPr lang="en-US" b="0" i="1" smtClean="0">
-                                                <a:latin typeface="Cambria Math" panose="02040503050406030204" pitchFamily="18" charset="0"/>
-                                              </a:rPr>
-                                              <m:t>𝑅</m:t>
-                                            </m:r>
-                                          </m:e>
-                                          <m:sub>
-                                            <m:r>
-                                              <a:rPr lang="en-US" b="0" i="1" smtClean="0">
-                                                <a:latin typeface="Cambria Math" panose="02040503050406030204" pitchFamily="18" charset="0"/>
-                                              </a:rPr>
-                                              <m:t>𝐻</m:t>
-                                            </m:r>
-                                          </m:sub>
-                                        </m:sSub>
-                                        <m:r>
-                                          <a:rPr lang="en-US" b="0" i="1" smtClean="0">
-                                            <a:latin typeface="Cambria Math" panose="02040503050406030204" pitchFamily="18" charset="0"/>
-                                          </a:rPr>
-                                          <m:t>𝑆</m:t>
-                                        </m:r>
-                                      </m:e>
-                                    </m:rad>
-                                  </m:e>
-                                  <m:sup>
-                                    <m:r>
-                                      <a:rPr lang="en-US" b="0" i="1" smtClean="0">
-                                        <a:latin typeface="Cambria Math" panose="02040503050406030204" pitchFamily="18" charset="0"/>
-                                      </a:rPr>
-                                      <m:t>3</m:t>
-                                    </m:r>
-                                  </m:sup>
-                                </m:sSup>
-                              </m:num>
-                              <m:den>
-                                <m:r>
-                                  <a:rPr lang="en-US" b="0" i="1" smtClean="0">
-                                    <a:latin typeface="Cambria Math" panose="02040503050406030204" pitchFamily="18" charset="0"/>
-                                  </a:rPr>
-                                  <m:t>𝐻</m:t>
-                                </m:r>
-                              </m:den>
-                            </m:f>
-                          </m:e>
-                        </m:d>
-                      </m:e>
-                      <m:sup>
-                        <m:f>
-                          <m:fPr>
-                            <m:ctrlPr>
-                              <a:rPr lang="en-US" i="1">
-                                <a:latin typeface="Cambria Math" panose="02040503050406030204" pitchFamily="18" charset="0"/>
-                              </a:rPr>
-                            </m:ctrlPr>
-                          </m:fPr>
-                          <m:num>
-                            <m:r>
-                              <a:rPr lang="en-US" i="1">
-                                <a:latin typeface="Cambria Math" panose="02040503050406030204" pitchFamily="18" charset="0"/>
-                              </a:rPr>
-                              <m:t>1</m:t>
-                            </m:r>
-                          </m:num>
-                          <m:den>
-                            <m:r>
-                              <a:rPr lang="en-US" i="1">
-                                <a:latin typeface="Cambria Math" panose="02040503050406030204" pitchFamily="18" charset="0"/>
-                              </a:rPr>
-                              <m:t>4</m:t>
-                            </m:r>
-                          </m:den>
-                        </m:f>
-                      </m:sup>
-                    </m:sSup>
-                  </m:oMath>
-                </a14:m>
                 <a:r>
                   <a:rPr lang="en-US" dirty="0" smtClean="0"/>
-                  <a:t> </a:t>
-                </a:r>
-                <a:r>
-                  <a:rPr lang="en-US" dirty="0"/>
-                  <a:t>“hydraulically wide channel” </a:t>
-                </a:r>
-                <a14:m>
-                  <m:oMath xmlns:m="http://schemas.openxmlformats.org/officeDocument/2006/math">
-                    <m:sSub>
-                      <m:sSubPr>
-                        <m:ctrlPr>
-                          <a:rPr lang="en-US" i="1">
-                            <a:latin typeface="Cambria Math" panose="02040503050406030204" pitchFamily="18" charset="0"/>
-                          </a:rPr>
-                        </m:ctrlPr>
-                      </m:sSubPr>
-                      <m:e>
-                        <m:r>
-                          <a:rPr lang="en-US" i="1">
-                            <a:latin typeface="Cambria Math" panose="02040503050406030204" pitchFamily="18" charset="0"/>
-                          </a:rPr>
-                          <m:t>𝑅</m:t>
-                        </m:r>
-                      </m:e>
-                      <m:sub>
-                        <m:r>
-                          <a:rPr lang="en-US" i="1">
-                            <a:latin typeface="Cambria Math" panose="02040503050406030204" pitchFamily="18" charset="0"/>
-                          </a:rPr>
-                          <m:t>𝐻</m:t>
-                        </m:r>
-                      </m:sub>
-                    </m:sSub>
-                    <m:r>
-                      <a:rPr lang="en-US" i="1">
-                        <a:latin typeface="Cambria Math" panose="02040503050406030204" pitchFamily="18" charset="0"/>
-                      </a:rPr>
-                      <m:t>=</m:t>
-                    </m:r>
-                    <m:r>
-                      <a:rPr lang="en-US" i="1">
-                        <a:latin typeface="Cambria Math" panose="02040503050406030204" pitchFamily="18" charset="0"/>
-                      </a:rPr>
-                      <m:t>𝐻</m:t>
-                    </m:r>
-                  </m:oMath>
-                </a14:m>
-                <a:r>
-                  <a:rPr lang="en-US" dirty="0" smtClean="0"/>
-                  <a:t>) SO:</a:t>
+                  <a:t> (1999) model which relies on depth-scale form drag</a:t>
                 </a:r>
               </a:p>
               <a:p>
+                <a:pPr lvl="1"/>
                 <a14:m>
                   <m:oMath xmlns:m="http://schemas.openxmlformats.org/officeDocument/2006/math">
                     <m:r>
@@ -6964,749 +10392,19 @@
                     <m:r>
                       <a:rPr lang="en-US" b="0" i="1" smtClean="0">
                         <a:latin typeface="Cambria Math" panose="02040503050406030204" pitchFamily="18" charset="0"/>
+                        <a:ea typeface="Cambria Math" panose="02040503050406030204" pitchFamily="18" charset="0"/>
                       </a:rPr>
-                      <m:t>~</m:t>
-                    </m:r>
-                    <m:r>
-                      <a:rPr lang="en-US" b="0" i="1" smtClean="0">
-                        <a:latin typeface="Cambria Math" panose="02040503050406030204" pitchFamily="18" charset="0"/>
-                      </a:rPr>
-                      <m:t>𝑆</m:t>
-                    </m:r>
-                    <m:sSup>
-                      <m:sSupPr>
-                        <m:ctrlPr>
-                          <a:rPr lang="en-US" b="0" i="1" smtClean="0">
-                            <a:latin typeface="Cambria Math" panose="02040503050406030204" pitchFamily="18" charset="0"/>
-                          </a:rPr>
-                        </m:ctrlPr>
-                      </m:sSupPr>
-                      <m:e>
-                        <m:r>
-                          <a:rPr lang="en-US" b="0" i="1" smtClean="0">
-                            <a:latin typeface="Cambria Math" panose="02040503050406030204" pitchFamily="18" charset="0"/>
-                          </a:rPr>
-                          <m:t>𝑐</m:t>
-                        </m:r>
-                      </m:e>
-                      <m:sup>
-                        <m:r>
-                          <a:rPr lang="en-US" b="0" i="1" smtClean="0">
-                            <a:latin typeface="Cambria Math" panose="02040503050406030204" pitchFamily="18" charset="0"/>
-                          </a:rPr>
-                          <m:t>−</m:t>
-                        </m:r>
-                        <m:r>
-                          <a:rPr lang="en-US" b="0" i="1" smtClean="0">
-                            <a:latin typeface="Cambria Math" panose="02040503050406030204" pitchFamily="18" charset="0"/>
-                          </a:rPr>
-                          <m:t>𝑛</m:t>
-                        </m:r>
-                      </m:sup>
-                    </m:sSup>
-                    <m:sSup>
-                      <m:sSupPr>
-                        <m:ctrlPr>
-                          <a:rPr lang="en-US" b="0" i="1" smtClean="0">
-                            <a:latin typeface="Cambria Math" panose="02040503050406030204" pitchFamily="18" charset="0"/>
-                          </a:rPr>
-                        </m:ctrlPr>
-                      </m:sSupPr>
-                      <m:e>
-                        <m:r>
-                          <a:rPr lang="en-US" b="0" i="1" smtClean="0">
-                            <a:latin typeface="Cambria Math" panose="02040503050406030204" pitchFamily="18" charset="0"/>
-                          </a:rPr>
-                          <m:t>𝑣</m:t>
-                        </m:r>
-                      </m:e>
-                      <m:sup>
-                        <m:f>
-                          <m:fPr>
-                            <m:ctrlPr>
-                              <a:rPr lang="en-US" b="0" i="1" smtClean="0">
-                                <a:latin typeface="Cambria Math" panose="02040503050406030204" pitchFamily="18" charset="0"/>
-                              </a:rPr>
-                            </m:ctrlPr>
-                          </m:fPr>
-                          <m:num>
-                            <m:r>
-                              <a:rPr lang="en-US" b="0" i="1" smtClean="0">
-                                <a:latin typeface="Cambria Math" panose="02040503050406030204" pitchFamily="18" charset="0"/>
-                              </a:rPr>
-                              <m:t>1</m:t>
-                            </m:r>
-                          </m:num>
-                          <m:den>
-                            <m:r>
-                              <a:rPr lang="en-US" b="0" i="1" smtClean="0">
-                                <a:latin typeface="Cambria Math" panose="02040503050406030204" pitchFamily="18" charset="0"/>
-                              </a:rPr>
-                              <m:t>4</m:t>
-                            </m:r>
-                          </m:den>
-                        </m:f>
-                      </m:sup>
-                    </m:sSup>
-                    <m:sSup>
-                      <m:sSupPr>
-                        <m:ctrlPr>
-                          <a:rPr lang="en-US" b="0" i="1" smtClean="0">
-                            <a:latin typeface="Cambria Math" panose="02040503050406030204" pitchFamily="18" charset="0"/>
-                          </a:rPr>
-                        </m:ctrlPr>
-                      </m:sSupPr>
-                      <m:e>
-                        <m:r>
-                          <a:rPr lang="en-US" b="0" i="1" smtClean="0">
-                            <a:latin typeface="Cambria Math" panose="02040503050406030204" pitchFamily="18" charset="0"/>
-                          </a:rPr>
-                          <m:t>𝑔</m:t>
-                        </m:r>
-                      </m:e>
-                      <m:sup>
-                        <m:f>
-                          <m:fPr>
-                            <m:ctrlPr>
-                              <a:rPr lang="en-US" b="0" i="1" smtClean="0">
-                                <a:latin typeface="Cambria Math" panose="02040503050406030204" pitchFamily="18" charset="0"/>
-                              </a:rPr>
-                            </m:ctrlPr>
-                          </m:fPr>
-                          <m:num>
-                            <m:r>
-                              <a:rPr lang="en-US" b="0" i="1" smtClean="0">
-                                <a:latin typeface="Cambria Math" panose="02040503050406030204" pitchFamily="18" charset="0"/>
-                              </a:rPr>
-                              <m:t>3</m:t>
-                            </m:r>
-                          </m:num>
-                          <m:den>
-                            <m:r>
-                              <a:rPr lang="en-US" b="0" i="1" smtClean="0">
-                                <a:latin typeface="Cambria Math" panose="02040503050406030204" pitchFamily="18" charset="0"/>
-                              </a:rPr>
-                              <m:t>8</m:t>
-                            </m:r>
-                          </m:den>
-                        </m:f>
-                      </m:sup>
-                    </m:sSup>
-                    <m:sSup>
-                      <m:sSupPr>
-                        <m:ctrlPr>
-                          <a:rPr lang="en-US" b="0" i="1" smtClean="0">
-                            <a:latin typeface="Cambria Math" panose="02040503050406030204" pitchFamily="18" charset="0"/>
-                          </a:rPr>
-                        </m:ctrlPr>
-                      </m:sSupPr>
-                      <m:e>
-                        <m:r>
-                          <a:rPr lang="en-US" b="0" i="1" smtClean="0">
-                            <a:latin typeface="Cambria Math" panose="02040503050406030204" pitchFamily="18" charset="0"/>
-                          </a:rPr>
-                          <m:t>𝑆</m:t>
-                        </m:r>
-                      </m:e>
-                      <m:sup>
-                        <m:f>
-                          <m:fPr>
-                            <m:ctrlPr>
-                              <a:rPr lang="en-US" b="0" i="1" smtClean="0">
-                                <a:latin typeface="Cambria Math" panose="02040503050406030204" pitchFamily="18" charset="0"/>
-                              </a:rPr>
-                            </m:ctrlPr>
-                          </m:fPr>
-                          <m:num>
-                            <m:r>
-                              <a:rPr lang="en-US" b="0" i="1" smtClean="0">
-                                <a:latin typeface="Cambria Math" panose="02040503050406030204" pitchFamily="18" charset="0"/>
-                              </a:rPr>
-                              <m:t>3</m:t>
-                            </m:r>
-                          </m:num>
-                          <m:den>
-                            <m:r>
-                              <a:rPr lang="en-US" b="0" i="1" smtClean="0">
-                                <a:latin typeface="Cambria Math" panose="02040503050406030204" pitchFamily="18" charset="0"/>
-                              </a:rPr>
-                              <m:t>8</m:t>
-                            </m:r>
-                          </m:den>
-                        </m:f>
-                      </m:sup>
-                    </m:sSup>
-                    <m:sSup>
-                      <m:sSupPr>
-                        <m:ctrlPr>
-                          <a:rPr lang="en-US" b="0" i="1" smtClean="0">
-                            <a:latin typeface="Cambria Math" panose="02040503050406030204" pitchFamily="18" charset="0"/>
-                          </a:rPr>
-                        </m:ctrlPr>
-                      </m:sSupPr>
-                      <m:e>
-                        <m:r>
-                          <a:rPr lang="en-US" b="0" i="1" smtClean="0">
-                            <a:latin typeface="Cambria Math" panose="02040503050406030204" pitchFamily="18" charset="0"/>
-                          </a:rPr>
-                          <m:t>𝐻</m:t>
-                        </m:r>
-                      </m:e>
-                      <m:sup>
-                        <m:f>
-                          <m:fPr>
-                            <m:ctrlPr>
-                              <a:rPr lang="en-US" b="0" i="1" smtClean="0">
-                                <a:latin typeface="Cambria Math" panose="02040503050406030204" pitchFamily="18" charset="0"/>
-                              </a:rPr>
-                            </m:ctrlPr>
-                          </m:fPr>
-                          <m:num>
-                            <m:r>
-                              <a:rPr lang="en-US" b="0" i="1" smtClean="0">
-                                <a:latin typeface="Cambria Math" panose="02040503050406030204" pitchFamily="18" charset="0"/>
-                              </a:rPr>
-                              <m:t>1</m:t>
-                            </m:r>
-                          </m:num>
-                          <m:den>
-                            <m:r>
-                              <a:rPr lang="en-US" b="0" i="1" smtClean="0">
-                                <a:latin typeface="Cambria Math" panose="02040503050406030204" pitchFamily="18" charset="0"/>
-                              </a:rPr>
-                              <m:t>8</m:t>
-                            </m:r>
-                          </m:den>
-                        </m:f>
-                      </m:sup>
-                    </m:sSup>
-                  </m:oMath>
-                </a14:m>
-                <a:endParaRPr lang="en-US" dirty="0" smtClean="0"/>
-              </a:p>
-              <a:p>
-                <a14:m>
-                  <m:oMath xmlns:m="http://schemas.openxmlformats.org/officeDocument/2006/math">
-                    <m:sSub>
-                      <m:sSubPr>
-                        <m:ctrlPr>
-                          <a:rPr lang="en-US" b="0" i="1" smtClean="0">
-                            <a:latin typeface="Cambria Math" panose="02040503050406030204" pitchFamily="18" charset="0"/>
-                          </a:rPr>
-                        </m:ctrlPr>
-                      </m:sSubPr>
-                      <m:e>
-                        <m:r>
-                          <a:rPr lang="en-US" i="1">
-                            <a:latin typeface="Cambria Math" panose="02040503050406030204" pitchFamily="18" charset="0"/>
-                          </a:rPr>
-                          <m:t>𝑘</m:t>
-                        </m:r>
-                      </m:e>
-                      <m:sub>
-                        <m:r>
-                          <a:rPr lang="en-US" b="0" i="1" smtClean="0">
-                            <a:latin typeface="Cambria Math" panose="02040503050406030204" pitchFamily="18" charset="0"/>
-                          </a:rPr>
-                          <m:t>600</m:t>
-                        </m:r>
-                      </m:sub>
-                    </m:sSub>
-                    <m:r>
-                      <a:rPr lang="en-US" b="0" i="1" smtClean="0">
-                        <a:latin typeface="Cambria Math" panose="02040503050406030204" pitchFamily="18" charset="0"/>
-                      </a:rPr>
-                      <m:t>=</m:t>
-                    </m:r>
-                    <m:sSup>
-                      <m:sSupPr>
-                        <m:ctrlPr>
-                          <a:rPr lang="en-US" i="1">
-                            <a:latin typeface="Cambria Math" panose="02040503050406030204" pitchFamily="18" charset="0"/>
-                          </a:rPr>
-                        </m:ctrlPr>
-                      </m:sSupPr>
-                      <m:e>
-                        <m:r>
-                          <a:rPr lang="en-US" i="1" smtClean="0">
-                            <a:latin typeface="Cambria Math" panose="02040503050406030204" pitchFamily="18" charset="0"/>
-                            <a:ea typeface="Cambria Math" panose="02040503050406030204" pitchFamily="18" charset="0"/>
-                          </a:rPr>
-                          <m:t>𝛼</m:t>
-                        </m:r>
-                        <m:r>
-                          <a:rPr lang="en-US" i="1">
-                            <a:latin typeface="Cambria Math" panose="02040503050406030204" pitchFamily="18" charset="0"/>
-                          </a:rPr>
-                          <m:t>𝑔</m:t>
-                        </m:r>
-                      </m:e>
-                      <m:sup>
-                        <m:f>
-                          <m:fPr>
-                            <m:ctrlPr>
-                              <a:rPr lang="en-US" i="1">
-                                <a:latin typeface="Cambria Math" panose="02040503050406030204" pitchFamily="18" charset="0"/>
-                              </a:rPr>
-                            </m:ctrlPr>
-                          </m:fPr>
-                          <m:num>
-                            <m:r>
-                              <a:rPr lang="en-US" i="1">
-                                <a:latin typeface="Cambria Math" panose="02040503050406030204" pitchFamily="18" charset="0"/>
-                              </a:rPr>
-                              <m:t>3</m:t>
-                            </m:r>
-                          </m:num>
-                          <m:den>
-                            <m:r>
-                              <a:rPr lang="en-US" i="1">
-                                <a:latin typeface="Cambria Math" panose="02040503050406030204" pitchFamily="18" charset="0"/>
-                              </a:rPr>
-                              <m:t>8</m:t>
-                            </m:r>
-                          </m:den>
-                        </m:f>
-                      </m:sup>
-                    </m:sSup>
-                    <m:sSup>
-                      <m:sSupPr>
-                        <m:ctrlPr>
-                          <a:rPr lang="en-US" i="1">
-                            <a:latin typeface="Cambria Math" panose="02040503050406030204" pitchFamily="18" charset="0"/>
-                          </a:rPr>
-                        </m:ctrlPr>
-                      </m:sSupPr>
-                      <m:e>
-                        <m:r>
-                          <a:rPr lang="en-US" i="1">
-                            <a:latin typeface="Cambria Math" panose="02040503050406030204" pitchFamily="18" charset="0"/>
-                          </a:rPr>
-                          <m:t>𝑆</m:t>
-                        </m:r>
-                      </m:e>
-                      <m:sup>
-                        <m:f>
-                          <m:fPr>
-                            <m:ctrlPr>
-                              <a:rPr lang="en-US" i="1">
-                                <a:latin typeface="Cambria Math" panose="02040503050406030204" pitchFamily="18" charset="0"/>
-                              </a:rPr>
-                            </m:ctrlPr>
-                          </m:fPr>
-                          <m:num>
-                            <m:r>
-                              <a:rPr lang="en-US" i="1">
-                                <a:latin typeface="Cambria Math" panose="02040503050406030204" pitchFamily="18" charset="0"/>
-                              </a:rPr>
-                              <m:t>3</m:t>
-                            </m:r>
-                          </m:num>
-                          <m:den>
-                            <m:r>
-                              <a:rPr lang="en-US" i="1">
-                                <a:latin typeface="Cambria Math" panose="02040503050406030204" pitchFamily="18" charset="0"/>
-                              </a:rPr>
-                              <m:t>8</m:t>
-                            </m:r>
-                          </m:den>
-                        </m:f>
-                      </m:sup>
-                    </m:sSup>
-                    <m:sSup>
-                      <m:sSupPr>
-                        <m:ctrlPr>
-                          <a:rPr lang="en-US" i="1">
-                            <a:latin typeface="Cambria Math" panose="02040503050406030204" pitchFamily="18" charset="0"/>
-                          </a:rPr>
-                        </m:ctrlPr>
-                      </m:sSupPr>
-                      <m:e>
-                        <m:r>
-                          <a:rPr lang="en-US" i="1">
-                            <a:latin typeface="Cambria Math" panose="02040503050406030204" pitchFamily="18" charset="0"/>
-                          </a:rPr>
-                          <m:t>𝐻</m:t>
-                        </m:r>
-                      </m:e>
-                      <m:sup>
-                        <m:f>
-                          <m:fPr>
-                            <m:ctrlPr>
-                              <a:rPr lang="en-US" i="1">
-                                <a:latin typeface="Cambria Math" panose="02040503050406030204" pitchFamily="18" charset="0"/>
-                              </a:rPr>
-                            </m:ctrlPr>
-                          </m:fPr>
-                          <m:num>
-                            <m:r>
-                              <a:rPr lang="en-US" i="1">
-                                <a:latin typeface="Cambria Math" panose="02040503050406030204" pitchFamily="18" charset="0"/>
-                              </a:rPr>
-                              <m:t>1</m:t>
-                            </m:r>
-                          </m:num>
-                          <m:den>
-                            <m:r>
-                              <a:rPr lang="en-US" i="1">
-                                <a:latin typeface="Cambria Math" panose="02040503050406030204" pitchFamily="18" charset="0"/>
-                              </a:rPr>
-                              <m:t>8</m:t>
-                            </m:r>
-                          </m:den>
-                        </m:f>
-                      </m:sup>
-                    </m:sSup>
-                  </m:oMath>
-                </a14:m>
-                <a:endParaRPr lang="en-US" dirty="0"/>
-              </a:p>
-            </p:txBody>
-          </p:sp>
-        </mc:Choice>
-        <mc:Fallback>
-          <p:sp>
-            <p:nvSpPr>
-              <p:cNvPr id="3" name="Content Placeholder 2"/>
-              <p:cNvSpPr>
-                <a:spLocks noGrp="1" noRot="1" noChangeAspect="1" noMove="1" noResize="1" noEditPoints="1" noAdjustHandles="1" noChangeArrowheads="1" noChangeShapeType="1" noTextEdit="1"/>
-              </p:cNvSpPr>
-              <p:nvPr>
-                <p:ph idx="1"/>
-              </p:nvPr>
-            </p:nvSpPr>
-            <p:spPr>
-              <a:xfrm>
-                <a:off x="0" y="1825625"/>
-                <a:ext cx="12344400" cy="4351338"/>
-              </a:xfrm>
-              <a:blipFill>
-                <a:blip r:embed="rId2"/>
-                <a:stretch>
-                  <a:fillRect/>
-                </a:stretch>
-              </a:blipFill>
-            </p:spPr>
-            <p:txBody>
-              <a:bodyPr/>
-              <a:lstStyle/>
-              <a:p>
-                <a:r>
-                  <a:rPr lang="en-US">
-                    <a:noFill/>
-                  </a:rPr>
-                  <a:t> </a:t>
-                </a:r>
-              </a:p>
-            </p:txBody>
-          </p:sp>
-        </mc:Fallback>
-      </mc:AlternateContent>
-    </p:spTree>
-    <p:extLst>
-      <p:ext uri="{BB962C8B-B14F-4D97-AF65-F5344CB8AC3E}">
-        <p14:creationId xmlns:p14="http://schemas.microsoft.com/office/powerpoint/2010/main" val="1792210442"/>
-      </p:ext>
-    </p:extLst>
-  </p:cSld>
-  <p:clrMapOvr>
-    <a:masterClrMapping/>
-  </p:clrMapOvr>
-</p:sld>
-</file>
-
-<file path=ppt/slides/slide3.xml><?xml version="1.0" encoding="utf-8"?>
-<p:sld xmlns:a="http://schemas.openxmlformats.org/drawingml/2006/main" xmlns:r="http://schemas.openxmlformats.org/officeDocument/2006/relationships" xmlns:p="http://schemas.openxmlformats.org/presentationml/2006/main">
-  <p:cSld>
-    <p:spTree>
-      <p:nvGrpSpPr>
-        <p:cNvPr id="1" name=""/>
-        <p:cNvGrpSpPr/>
-        <p:nvPr/>
-      </p:nvGrpSpPr>
-      <p:grpSpPr>
-        <a:xfrm>
-          <a:off x="0" y="0"/>
-          <a:ext cx="0" cy="0"/>
-          <a:chOff x="0" y="0"/>
-          <a:chExt cx="0" cy="0"/>
-        </a:xfrm>
-      </p:grpSpPr>
-      <p:sp>
-        <p:nvSpPr>
-          <p:cNvPr id="2" name="Title 1"/>
-          <p:cNvSpPr>
-            <a:spLocks noGrp="1"/>
-          </p:cNvSpPr>
-          <p:nvPr>
-            <p:ph type="title"/>
-          </p:nvPr>
-        </p:nvSpPr>
-        <p:spPr/>
-        <p:txBody>
-          <a:bodyPr/>
-          <a:lstStyle/>
-          <a:p>
-            <a:r>
-              <a:rPr lang="en-US" dirty="0" smtClean="0"/>
-              <a:t>Results</a:t>
-            </a:r>
-            <a:endParaRPr lang="en-US" dirty="0"/>
-          </a:p>
-        </p:txBody>
-      </p:sp>
-      <p:pic>
-        <p:nvPicPr>
-          <p:cNvPr id="4" name="Picture 3"/>
-          <p:cNvPicPr>
-            <a:picLocks noChangeAspect="1"/>
-          </p:cNvPicPr>
-          <p:nvPr/>
-        </p:nvPicPr>
-        <p:blipFill>
-          <a:blip r:embed="rId2" cstate="print">
-            <a:extLst>
-              <a:ext uri="{28A0092B-C50C-407E-A947-70E740481C1C}">
-                <a14:useLocalDpi xmlns:a14="http://schemas.microsoft.com/office/drawing/2010/main" val="0"/>
-              </a:ext>
-            </a:extLst>
-          </a:blip>
-          <a:stretch>
-            <a:fillRect/>
-          </a:stretch>
-        </p:blipFill>
-        <p:spPr>
-          <a:xfrm>
-            <a:off x="958735" y="1891145"/>
-            <a:ext cx="10058400" cy="4572000"/>
-          </a:xfrm>
-          <a:prstGeom prst="rect">
-            <a:avLst/>
-          </a:prstGeom>
-        </p:spPr>
-      </p:pic>
-      <p:sp>
-        <p:nvSpPr>
-          <p:cNvPr id="5" name="TextBox 4"/>
-          <p:cNvSpPr txBox="1"/>
-          <p:nvPr/>
-        </p:nvSpPr>
-        <p:spPr>
-          <a:xfrm>
-            <a:off x="2576946" y="1690688"/>
-            <a:ext cx="2851265" cy="461665"/>
-          </a:xfrm>
-          <a:prstGeom prst="rect">
-            <a:avLst/>
-          </a:prstGeom>
-          <a:noFill/>
-        </p:spPr>
-        <p:txBody>
-          <a:bodyPr wrap="square" rtlCol="0">
-            <a:spAutoFit/>
-          </a:bodyPr>
-          <a:lstStyle/>
-          <a:p>
-            <a:r>
-              <a:rPr lang="en-US" sz="2400" b="1" dirty="0" smtClean="0">
-                <a:solidFill>
-                  <a:srgbClr val="FF0000"/>
-                </a:solidFill>
-              </a:rPr>
-              <a:t>Hydraulically Wide</a:t>
-            </a:r>
-            <a:endParaRPr lang="en-US" sz="2400" b="1" dirty="0">
-              <a:solidFill>
-                <a:srgbClr val="FF0000"/>
-              </a:solidFill>
-            </a:endParaRPr>
-          </a:p>
-        </p:txBody>
-      </p:sp>
-      <p:sp>
-        <p:nvSpPr>
-          <p:cNvPr id="6" name="TextBox 5"/>
-          <p:cNvSpPr txBox="1"/>
-          <p:nvPr/>
-        </p:nvSpPr>
-        <p:spPr>
-          <a:xfrm>
-            <a:off x="7849986" y="1660312"/>
-            <a:ext cx="2851265" cy="461665"/>
-          </a:xfrm>
-          <a:prstGeom prst="rect">
-            <a:avLst/>
-          </a:prstGeom>
-          <a:noFill/>
-        </p:spPr>
-        <p:txBody>
-          <a:bodyPr wrap="square" rtlCol="0">
-            <a:spAutoFit/>
-          </a:bodyPr>
-          <a:lstStyle/>
-          <a:p>
-            <a:r>
-              <a:rPr lang="en-US" sz="2400" b="1" dirty="0" smtClean="0">
-                <a:solidFill>
-                  <a:srgbClr val="FF0000"/>
-                </a:solidFill>
-              </a:rPr>
-              <a:t>SWOT-Observable</a:t>
-            </a:r>
-            <a:endParaRPr lang="en-US" sz="2400" b="1" dirty="0">
-              <a:solidFill>
-                <a:srgbClr val="FF0000"/>
-              </a:solidFill>
-            </a:endParaRPr>
-          </a:p>
-        </p:txBody>
-      </p:sp>
-    </p:spTree>
-    <p:extLst>
-      <p:ext uri="{BB962C8B-B14F-4D97-AF65-F5344CB8AC3E}">
-        <p14:creationId xmlns:p14="http://schemas.microsoft.com/office/powerpoint/2010/main" val="2396607937"/>
-      </p:ext>
-    </p:extLst>
-  </p:cSld>
-  <p:clrMapOvr>
-    <a:masterClrMapping/>
-  </p:clrMapOvr>
-</p:sld>
-</file>
-
-<file path=ppt/slides/slide4.xml><?xml version="1.0" encoding="utf-8"?>
-<p:sld xmlns:a="http://schemas.openxmlformats.org/drawingml/2006/main" xmlns:r="http://schemas.openxmlformats.org/officeDocument/2006/relationships" xmlns:p="http://schemas.openxmlformats.org/presentationml/2006/main">
-  <p:cSld>
-    <p:spTree>
-      <p:nvGrpSpPr>
-        <p:cNvPr id="1" name=""/>
-        <p:cNvGrpSpPr/>
-        <p:nvPr/>
-      </p:nvGrpSpPr>
-      <p:grpSpPr>
-        <a:xfrm>
-          <a:off x="0" y="0"/>
-          <a:ext cx="0" cy="0"/>
-          <a:chOff x="0" y="0"/>
-          <a:chExt cx="0" cy="0"/>
-        </a:xfrm>
-      </p:grpSpPr>
-      <p:sp>
-        <p:nvSpPr>
-          <p:cNvPr id="2" name="Title 1">
-            <a:extLst>
-              <a:ext uri="{FF2B5EF4-FFF2-40B4-BE49-F238E27FC236}">
-                <a16:creationId xmlns:a16="http://schemas.microsoft.com/office/drawing/2014/main" id="{BAEF32F9-9F19-4C90-956B-CE6FF0FD8366}"/>
-              </a:ext>
-            </a:extLst>
-          </p:cNvPr>
-          <p:cNvSpPr>
-            <a:spLocks noGrp="1"/>
-          </p:cNvSpPr>
-          <p:nvPr>
-            <p:ph type="title"/>
-          </p:nvPr>
-        </p:nvSpPr>
-        <p:spPr/>
-        <p:txBody>
-          <a:bodyPr/>
-          <a:lstStyle/>
-          <a:p>
-            <a:r>
-              <a:rPr lang="en-US" dirty="0"/>
-              <a:t>What does this mean for SWOT?</a:t>
-            </a:r>
-          </a:p>
-        </p:txBody>
-      </p:sp>
-      <mc:AlternateContent xmlns:mc="http://schemas.openxmlformats.org/markup-compatibility/2006" xmlns:a14="http://schemas.microsoft.com/office/drawing/2010/main">
-        <mc:Choice Requires="a14">
-          <p:sp>
-            <p:nvSpPr>
-              <p:cNvPr id="3" name="Content Placeholder 2">
-                <a:extLst>
-                  <a:ext uri="{FF2B5EF4-FFF2-40B4-BE49-F238E27FC236}">
-                    <a16:creationId xmlns:a16="http://schemas.microsoft.com/office/drawing/2014/main" id="{31C5C002-A510-4E15-B2FA-5FC09EA9A031}"/>
-                  </a:ext>
-                </a:extLst>
-              </p:cNvPr>
-              <p:cNvSpPr>
-                <a:spLocks noGrp="1"/>
-              </p:cNvSpPr>
-              <p:nvPr>
-                <p:ph idx="1"/>
-              </p:nvPr>
-            </p:nvSpPr>
-            <p:spPr/>
-            <p:txBody>
-              <a:bodyPr/>
-              <a:lstStyle/>
-              <a:p>
-                <a:r>
-                  <a:rPr lang="en-US" dirty="0"/>
-                  <a:t>Using Brinkerhoff et al (2019) dataset (n=171,553), 95% of SWOT-observable river measurements had Rh within 5% of H</a:t>
-                </a:r>
-              </a:p>
-              <a:p>
-                <a:pPr lvl="1"/>
-                <a:r>
-                  <a:rPr lang="en-US" dirty="0"/>
-                  <a:t>This theoretical model for k (</a:t>
-                </a:r>
-                <a14:m>
-                  <m:oMath xmlns:m="http://schemas.openxmlformats.org/officeDocument/2006/math">
-                    <m:r>
-                      <a:rPr lang="en-US" b="0" i="1" smtClean="0">
-                        <a:latin typeface="Cambria Math" panose="02040503050406030204" pitchFamily="18" charset="0"/>
-                      </a:rPr>
-                      <m:t>𝑘</m:t>
-                    </m:r>
-                    <m:r>
-                      <a:rPr lang="en-US" b="0" i="1" smtClean="0">
-                        <a:latin typeface="Cambria Math" panose="02040503050406030204" pitchFamily="18" charset="0"/>
-                      </a:rPr>
-                      <m:t>~</m:t>
+                      <m:t>∝</m:t>
                     </m:r>
                     <m:sSub>
                       <m:sSubPr>
                         <m:ctrlPr>
                           <a:rPr lang="en-US" b="0" i="1" smtClean="0">
                             <a:latin typeface="Cambria Math" panose="02040503050406030204" pitchFamily="18" charset="0"/>
+                            <a:ea typeface="Cambria Math" panose="02040503050406030204" pitchFamily="18" charset="0"/>
                           </a:rPr>
                         </m:ctrlPr>
                       </m:sSubPr>
-                      <m:e>
-                        <m:r>
-                          <a:rPr lang="en-US" b="0" i="1" smtClean="0">
-                            <a:latin typeface="Cambria Math" panose="02040503050406030204" pitchFamily="18" charset="0"/>
-                          </a:rPr>
-                          <m:t>𝑈</m:t>
-                        </m:r>
-                      </m:e>
-                      <m:sub>
-                        <m:r>
-                          <a:rPr lang="en-US" b="0" i="1" smtClean="0">
-                            <a:latin typeface="Cambria Math" panose="02040503050406030204" pitchFamily="18" charset="0"/>
-                          </a:rPr>
-                          <m:t>∗</m:t>
-                        </m:r>
-                      </m:sub>
-                    </m:sSub>
-                    <m:r>
-                      <a:rPr lang="en-US" b="0" i="1" smtClean="0">
-                        <a:latin typeface="Cambria Math" panose="02040503050406030204" pitchFamily="18" charset="0"/>
-                      </a:rPr>
-                      <m:t>~</m:t>
-                    </m:r>
-                    <m:sSubSup>
-                      <m:sSubSupPr>
-                        <m:ctrlPr>
-                          <a:rPr lang="en-US" b="0" i="1" smtClean="0">
-                            <a:latin typeface="Cambria Math" panose="02040503050406030204" pitchFamily="18" charset="0"/>
-                            <a:ea typeface="Cambria Math" panose="02040503050406030204" pitchFamily="18" charset="0"/>
-                          </a:rPr>
-                        </m:ctrlPr>
-                      </m:sSubSupPr>
                       <m:e>
                         <m:r>
                           <a:rPr lang="en-US" b="0" i="1" smtClean="0">
@@ -7725,57 +10423,98 @@
                           <m:t>𝐷</m:t>
                         </m:r>
                       </m:sub>
-                      <m:sup>
-                        <m:f>
-                          <m:fPr>
-                            <m:ctrlPr>
-                              <a:rPr lang="en-US" b="0" i="1" smtClean="0">
-                                <a:latin typeface="Cambria Math" panose="02040503050406030204" pitchFamily="18" charset="0"/>
-                                <a:ea typeface="Cambria Math" panose="02040503050406030204" pitchFamily="18" charset="0"/>
-                              </a:rPr>
-                            </m:ctrlPr>
-                          </m:fPr>
-                          <m:num>
-                            <m:r>
-                              <a:rPr lang="en-US" b="0" i="1" smtClean="0">
-                                <a:latin typeface="Cambria Math" panose="02040503050406030204" pitchFamily="18" charset="0"/>
-                                <a:ea typeface="Cambria Math" panose="02040503050406030204" pitchFamily="18" charset="0"/>
-                              </a:rPr>
-                              <m:t>1</m:t>
-                            </m:r>
-                          </m:num>
-                          <m:den>
-                            <m:r>
-                              <a:rPr lang="en-US" b="0" i="1" smtClean="0">
-                                <a:latin typeface="Cambria Math" panose="02040503050406030204" pitchFamily="18" charset="0"/>
-                                <a:ea typeface="Cambria Math" panose="02040503050406030204" pitchFamily="18" charset="0"/>
-                              </a:rPr>
-                              <m:t>4</m:t>
-                            </m:r>
-                          </m:den>
-                        </m:f>
-                      </m:sup>
-                    </m:sSubSup>
+                    </m:sSub>
                   </m:oMath>
                 </a14:m>
                 <a:r>
-                  <a:rPr lang="en-US" dirty="0"/>
-                  <a:t>) is therefore generally valid in SWOT-observable rivers and we can exploit this physical model to build a parsimonious BIKER algorithm with minimal unknowns</a:t>
+                  <a:rPr lang="en-US" dirty="0" smtClean="0"/>
+                  <a:t> where </a:t>
                 </a:r>
+                <a14:m>
+                  <m:oMath xmlns:m="http://schemas.openxmlformats.org/officeDocument/2006/math">
+                    <m:sSub>
+                      <m:sSubPr>
+                        <m:ctrlPr>
+                          <a:rPr lang="en-US" b="0" i="1" smtClean="0">
+                            <a:latin typeface="Cambria Math" panose="02040503050406030204" pitchFamily="18" charset="0"/>
+                            <a:ea typeface="Cambria Math" panose="02040503050406030204" pitchFamily="18" charset="0"/>
+                          </a:rPr>
+                        </m:ctrlPr>
+                      </m:sSubPr>
+                      <m:e>
+                        <m:r>
+                          <a:rPr lang="en-US" i="1" smtClean="0">
+                            <a:latin typeface="Cambria Math" panose="02040503050406030204" pitchFamily="18" charset="0"/>
+                            <a:ea typeface="Cambria Math" panose="02040503050406030204" pitchFamily="18" charset="0"/>
+                          </a:rPr>
+                          <m:t>𝜀</m:t>
+                        </m:r>
+                      </m:e>
+                      <m:sub>
+                        <m:r>
+                          <a:rPr lang="en-US" b="0" i="1" smtClean="0">
+                            <a:latin typeface="Cambria Math" panose="02040503050406030204" pitchFamily="18" charset="0"/>
+                            <a:ea typeface="Cambria Math" panose="02040503050406030204" pitchFamily="18" charset="0"/>
+                          </a:rPr>
+                          <m:t>𝐷</m:t>
+                        </m:r>
+                      </m:sub>
+                    </m:sSub>
+                    <m:r>
+                      <a:rPr lang="en-US" b="0" i="1" smtClean="0">
+                        <a:latin typeface="Cambria Math" panose="02040503050406030204" pitchFamily="18" charset="0"/>
+                        <a:ea typeface="Cambria Math" panose="02040503050406030204" pitchFamily="18" charset="0"/>
+                      </a:rPr>
+                      <m:t>=</m:t>
+                    </m:r>
+                    <m:r>
+                      <a:rPr lang="en-US" b="0" i="1" smtClean="0">
+                        <a:latin typeface="Cambria Math" panose="02040503050406030204" pitchFamily="18" charset="0"/>
+                        <a:ea typeface="Cambria Math" panose="02040503050406030204" pitchFamily="18" charset="0"/>
+                      </a:rPr>
+                      <m:t>𝑔𝑆</m:t>
+                    </m:r>
+                    <m:acc>
+                      <m:accPr>
+                        <m:chr m:val="̅"/>
+                        <m:ctrlPr>
+                          <a:rPr lang="en-US" b="0" i="1" smtClean="0">
+                            <a:latin typeface="Cambria Math" panose="02040503050406030204" pitchFamily="18" charset="0"/>
+                            <a:ea typeface="Cambria Math" panose="02040503050406030204" pitchFamily="18" charset="0"/>
+                          </a:rPr>
+                        </m:ctrlPr>
+                      </m:accPr>
+                      <m:e>
+                        <m:r>
+                          <a:rPr lang="en-US" b="0" i="1" smtClean="0">
+                            <a:latin typeface="Cambria Math" panose="02040503050406030204" pitchFamily="18" charset="0"/>
+                            <a:ea typeface="Cambria Math" panose="02040503050406030204" pitchFamily="18" charset="0"/>
+                          </a:rPr>
+                          <m:t>𝑈</m:t>
+                        </m:r>
+                      </m:e>
+                    </m:acc>
+                  </m:oMath>
+                </a14:m>
+                <a:r>
+                  <a:rPr lang="en-US" dirty="0" smtClean="0"/>
+                  <a:t> and is stream power per unit mass water</a:t>
+                </a:r>
+              </a:p>
+              <a:p>
+                <a:r>
+                  <a:rPr lang="en-US" dirty="0" smtClean="0"/>
+                  <a:t>Avoiding it for two reasons</a:t>
+                </a:r>
+                <a:endParaRPr lang="en-US" dirty="0"/>
               </a:p>
             </p:txBody>
           </p:sp>
         </mc:Choice>
-        <mc:Fallback xmlns="">
+        <mc:Fallback>
           <p:sp>
             <p:nvSpPr>
-              <p:cNvPr id="3" name="Content Placeholder 2">
-                <a:extLst>
-                  <a:ext uri="{FF2B5EF4-FFF2-40B4-BE49-F238E27FC236}">
-                    <a16:creationId xmlns:a16="http://schemas.microsoft.com/office/drawing/2014/main" id="{31C5C002-A510-4E15-B2FA-5FC09EA9A031}"/>
-                  </a:ext>
-                </a:extLst>
-              </p:cNvPr>
+              <p:cNvPr id="3" name="Content Placeholder 2"/>
               <p:cNvSpPr>
                 <a:spLocks noGrp="1" noRot="1" noChangeAspect="1" noMove="1" noResize="1" noEditPoints="1" noAdjustHandles="1" noChangeArrowheads="1" noChangeShapeType="1" noTextEdit="1"/>
               </p:cNvSpPr>
@@ -7809,7 +10548,7 @@
     </p:spTree>
     <p:extLst>
       <p:ext uri="{BB962C8B-B14F-4D97-AF65-F5344CB8AC3E}">
-        <p14:creationId xmlns:p14="http://schemas.microsoft.com/office/powerpoint/2010/main" val="946737534"/>
+        <p14:creationId xmlns:p14="http://schemas.microsoft.com/office/powerpoint/2010/main" val="1238285968"/>
       </p:ext>
     </p:extLst>
   </p:cSld>

--- a/docs/Zappa_notes_2.pptx
+++ b/docs/Zappa_notes_2.pptx
@@ -7,9 +7,8 @@
   <p:sldIdLst>
     <p:sldId id="273" r:id="rId2"/>
     <p:sldId id="274" r:id="rId3"/>
-    <p:sldId id="275" r:id="rId4"/>
-    <p:sldId id="260" r:id="rId5"/>
-    <p:sldId id="276" r:id="rId6"/>
+    <p:sldId id="276" r:id="rId4"/>
+    <p:sldId id="275" r:id="rId5"/>
   </p:sldIdLst>
   <p:sldSz cx="12192000" cy="6858000"/>
   <p:notesSz cx="6858000" cy="9144000"/>
@@ -2899,7 +2898,7 @@
           <a:p>
             <a:fld id="{7AF9CD04-3810-4932-AF98-2D8DC1E115D4}" type="datetimeFigureOut">
               <a:rPr lang="en-US" smtClean="0"/>
-              <a:t>10/5/2021</a:t>
+              <a:t>10/25/2021</a:t>
             </a:fld>
             <a:endParaRPr lang="en-US"/>
           </a:p>
@@ -3097,7 +3096,7 @@
           <a:p>
             <a:fld id="{7AF9CD04-3810-4932-AF98-2D8DC1E115D4}" type="datetimeFigureOut">
               <a:rPr lang="en-US" smtClean="0"/>
-              <a:t>10/5/2021</a:t>
+              <a:t>10/25/2021</a:t>
             </a:fld>
             <a:endParaRPr lang="en-US"/>
           </a:p>
@@ -3305,7 +3304,7 @@
           <a:p>
             <a:fld id="{7AF9CD04-3810-4932-AF98-2D8DC1E115D4}" type="datetimeFigureOut">
               <a:rPr lang="en-US" smtClean="0"/>
-              <a:t>10/5/2021</a:t>
+              <a:t>10/25/2021</a:t>
             </a:fld>
             <a:endParaRPr lang="en-US"/>
           </a:p>
@@ -3503,7 +3502,7 @@
           <a:p>
             <a:fld id="{7AF9CD04-3810-4932-AF98-2D8DC1E115D4}" type="datetimeFigureOut">
               <a:rPr lang="en-US" smtClean="0"/>
-              <a:t>10/5/2021</a:t>
+              <a:t>10/25/2021</a:t>
             </a:fld>
             <a:endParaRPr lang="en-US"/>
           </a:p>
@@ -3778,7 +3777,7 @@
           <a:p>
             <a:fld id="{7AF9CD04-3810-4932-AF98-2D8DC1E115D4}" type="datetimeFigureOut">
               <a:rPr lang="en-US" smtClean="0"/>
-              <a:t>10/5/2021</a:t>
+              <a:t>10/25/2021</a:t>
             </a:fld>
             <a:endParaRPr lang="en-US"/>
           </a:p>
@@ -4043,7 +4042,7 @@
           <a:p>
             <a:fld id="{7AF9CD04-3810-4932-AF98-2D8DC1E115D4}" type="datetimeFigureOut">
               <a:rPr lang="en-US" smtClean="0"/>
-              <a:t>10/5/2021</a:t>
+              <a:t>10/25/2021</a:t>
             </a:fld>
             <a:endParaRPr lang="en-US"/>
           </a:p>
@@ -4455,7 +4454,7 @@
           <a:p>
             <a:fld id="{7AF9CD04-3810-4932-AF98-2D8DC1E115D4}" type="datetimeFigureOut">
               <a:rPr lang="en-US" smtClean="0"/>
-              <a:t>10/5/2021</a:t>
+              <a:t>10/25/2021</a:t>
             </a:fld>
             <a:endParaRPr lang="en-US"/>
           </a:p>
@@ -4596,7 +4595,7 @@
           <a:p>
             <a:fld id="{7AF9CD04-3810-4932-AF98-2D8DC1E115D4}" type="datetimeFigureOut">
               <a:rPr lang="en-US" smtClean="0"/>
-              <a:t>10/5/2021</a:t>
+              <a:t>10/25/2021</a:t>
             </a:fld>
             <a:endParaRPr lang="en-US"/>
           </a:p>
@@ -4709,7 +4708,7 @@
           <a:p>
             <a:fld id="{7AF9CD04-3810-4932-AF98-2D8DC1E115D4}" type="datetimeFigureOut">
               <a:rPr lang="en-US" smtClean="0"/>
-              <a:t>10/5/2021</a:t>
+              <a:t>10/25/2021</a:t>
             </a:fld>
             <a:endParaRPr lang="en-US"/>
           </a:p>
@@ -5020,7 +5019,7 @@
           <a:p>
             <a:fld id="{7AF9CD04-3810-4932-AF98-2D8DC1E115D4}" type="datetimeFigureOut">
               <a:rPr lang="en-US" smtClean="0"/>
-              <a:t>10/5/2021</a:t>
+              <a:t>10/25/2021</a:t>
             </a:fld>
             <a:endParaRPr lang="en-US"/>
           </a:p>
@@ -5308,7 +5307,7 @@
           <a:p>
             <a:fld id="{7AF9CD04-3810-4932-AF98-2D8DC1E115D4}" type="datetimeFigureOut">
               <a:rPr lang="en-US" smtClean="0"/>
-              <a:t>10/5/2021</a:t>
+              <a:t>10/25/2021</a:t>
             </a:fld>
             <a:endParaRPr lang="en-US"/>
           </a:p>
@@ -5549,7 +5548,7 @@
           <a:p>
             <a:fld id="{7AF9CD04-3810-4932-AF98-2D8DC1E115D4}" type="datetimeFigureOut">
               <a:rPr lang="en-US" smtClean="0"/>
-              <a:t>10/5/2021</a:t>
+              <a:t>10/25/2021</a:t>
             </a:fld>
             <a:endParaRPr lang="en-US"/>
           </a:p>
@@ -6012,13 +6011,13 @@
         </p:nvSpPr>
         <p:spPr>
           <a:xfrm>
-            <a:off x="838200" y="1367406"/>
-            <a:ext cx="6477000" cy="5318620"/>
+            <a:off x="838199" y="1367406"/>
+            <a:ext cx="6784205" cy="5318620"/>
           </a:xfrm>
         </p:spPr>
         <p:txBody>
           <a:bodyPr>
-            <a:normAutofit/>
+            <a:normAutofit fontScale="92500" lnSpcReduction="10000"/>
           </a:bodyPr>
           <a:lstStyle/>
           <a:p>
@@ -6026,7 +6025,13 @@
               <a:rPr lang="en-US" sz="2800" b="0" dirty="0">
                 <a:latin typeface="Cambria Math" panose="02040503050406030204" pitchFamily="18" charset="0"/>
               </a:rPr>
-              <a:t>We want to model </a:t>
+              <a:t>We want to </a:t>
+            </a:r>
+            <a:r>
+              <a:rPr lang="en-US" sz="2800" b="0" dirty="0" smtClean="0">
+                <a:latin typeface="Cambria Math" panose="02040503050406030204" pitchFamily="18" charset="0"/>
+              </a:rPr>
+              <a:t>remotely sense </a:t>
             </a:r>
             <a:r>
               <a:rPr lang="en-US" dirty="0">
@@ -6050,8 +6055,32 @@
               <a:rPr lang="en-US" sz="2800" b="0" dirty="0">
                 <a:latin typeface="Cambria Math" panose="02040503050406030204" pitchFamily="18" charset="0"/>
               </a:rPr>
-              <a:t>in large rivers that are SWOT-observable</a:t>
+              <a:t>in large rivers that are </a:t>
             </a:r>
+            <a:r>
+              <a:rPr lang="en-US" sz="2800" b="0" dirty="0" smtClean="0">
+                <a:latin typeface="Cambria Math" panose="02040503050406030204" pitchFamily="18" charset="0"/>
+              </a:rPr>
+              <a:t>SWOT-observable</a:t>
+            </a:r>
+          </a:p>
+          <a:p>
+            <a:pPr lvl="1"/>
+            <a:r>
+              <a:rPr lang="en-US" dirty="0" smtClean="0">
+                <a:latin typeface="Cambria Math" panose="02040503050406030204" pitchFamily="18" charset="0"/>
+              </a:rPr>
+              <a:t>But first, need to choose a physical model for </a:t>
+            </a:r>
+            <a:r>
+              <a:rPr lang="en-US" i="1" dirty="0" smtClean="0">
+                <a:latin typeface="Cambria Math" panose="02040503050406030204" pitchFamily="18" charset="0"/>
+              </a:rPr>
+              <a:t>k</a:t>
+            </a:r>
+            <a:endParaRPr lang="en-US" b="0" i="1" dirty="0">
+              <a:latin typeface="Cambria Math" panose="02040503050406030204" pitchFamily="18" charset="0"/>
+            </a:endParaRPr>
           </a:p>
           <a:p>
             <a:r>
@@ -6089,12 +6118,24 @@
             </a:r>
           </a:p>
           <a:p>
-            <a:pPr lvl="1"/>
+            <a:pPr lvl="2"/>
+            <a:r>
+              <a:rPr lang="en-US" dirty="0" smtClean="0">
+                <a:latin typeface="Cambria Math" panose="02040503050406030204" pitchFamily="18" charset="0"/>
+              </a:rPr>
+              <a:t>As </a:t>
+            </a:r>
             <a:r>
               <a:rPr lang="en-US" dirty="0">
                 <a:latin typeface="Cambria Math" panose="02040503050406030204" pitchFamily="18" charset="0"/>
               </a:rPr>
-              <a:t>As we talked about last time</a:t>
+              <a:t>we talked about last </a:t>
+            </a:r>
+            <a:r>
+              <a:rPr lang="en-US" dirty="0" smtClean="0">
+                <a:latin typeface="Cambria Math" panose="02040503050406030204" pitchFamily="18" charset="0"/>
+              </a:rPr>
+              <a:t>time</a:t>
             </a:r>
             <a:endParaRPr lang="en-US" b="0" dirty="0">
               <a:latin typeface="Cambria Math" panose="02040503050406030204" pitchFamily="18" charset="0"/>
@@ -6150,13 +6191,13 @@
               <a:rPr lang="en-US" dirty="0">
                 <a:latin typeface="Cambria Math" panose="02040503050406030204" pitchFamily="18" charset="0"/>
               </a:rPr>
-              <a:t>and confirm </a:t>
+              <a:t>and </a:t>
             </a:r>
             <a:r>
               <a:rPr lang="en-US" dirty="0" smtClean="0">
                 <a:latin typeface="Cambria Math" panose="02040503050406030204" pitchFamily="18" charset="0"/>
               </a:rPr>
-              <a:t>whether </a:t>
+              <a:t>test whether </a:t>
             </a:r>
             <a:r>
               <a:rPr lang="en-US" dirty="0">
@@ -6180,14 +6221,32 @@
               <a:rPr lang="en-US" dirty="0" smtClean="0">
                 <a:latin typeface="Cambria Math" panose="02040503050406030204" pitchFamily="18" charset="0"/>
               </a:rPr>
-              <a:t>I’ve tested </a:t>
+              <a:t>I’ve tested four total models</a:t>
+            </a:r>
+          </a:p>
+          <a:p>
+            <a:pPr lvl="3"/>
+            <a:r>
+              <a:rPr lang="en-US" dirty="0" smtClean="0">
+                <a:latin typeface="Cambria Math" panose="02040503050406030204" pitchFamily="18" charset="0"/>
+              </a:rPr>
+              <a:t>Two </a:t>
             </a:r>
             <a:r>
-              <a:rPr lang="en-US" dirty="0">
+              <a:rPr lang="en-US" i="1" dirty="0" smtClean="0">
                 <a:latin typeface="Cambria Math" panose="02040503050406030204" pitchFamily="18" charset="0"/>
               </a:rPr>
-              <a:t>two models</a:t>
+              <a:t>k </a:t>
             </a:r>
+            <a:r>
+              <a:rPr lang="en-US" dirty="0" smtClean="0">
+                <a:latin typeface="Cambria Math" panose="02040503050406030204" pitchFamily="18" charset="0"/>
+              </a:rPr>
+              <a:t>models with two dissipation parameterizations</a:t>
+            </a:r>
+            <a:endParaRPr lang="en-US" dirty="0">
+              <a:latin typeface="Cambria Math" panose="02040503050406030204" pitchFamily="18" charset="0"/>
+            </a:endParaRPr>
           </a:p>
         </p:txBody>
       </p:sp>
@@ -6253,9 +6312,9 @@
           <p:nvPr/>
         </p:nvCxnSpPr>
         <p:spPr>
-          <a:xfrm flipV="1">
-            <a:off x="6434356" y="3389152"/>
-            <a:ext cx="1065402" cy="125835"/>
+          <a:xfrm>
+            <a:off x="6101542" y="3740727"/>
+            <a:ext cx="1520863" cy="290946"/>
           </a:xfrm>
           <a:prstGeom prst="straightConnector1">
             <a:avLst/>
@@ -6309,8 +6368,8 @@
           <a:chExt cx="0" cy="0"/>
         </a:xfrm>
       </p:grpSpPr>
-      <mc:AlternateContent xmlns:mc="http://schemas.openxmlformats.org/markup-compatibility/2006">
-        <mc:Choice xmlns:a14="http://schemas.microsoft.com/office/drawing/2010/main" Requires="a14">
+      <mc:AlternateContent xmlns:mc="http://schemas.openxmlformats.org/markup-compatibility/2006" xmlns:a14="http://schemas.microsoft.com/office/drawing/2010/main">
+        <mc:Choice Requires="a14">
           <p:graphicFrame>
             <p:nvGraphicFramePr>
               <p:cNvPr id="5" name="Table 5">
@@ -6327,14 +6386,14 @@
                 <p:ph idx="1"/>
                 <p:extLst>
                   <p:ext uri="{D42A27DB-BD31-4B8C-83A1-F6EECF244321}">
-                    <p14:modId xmlns:p14="http://schemas.microsoft.com/office/powerpoint/2010/main" val="1608358794"/>
+                    <p14:modId xmlns:p14="http://schemas.microsoft.com/office/powerpoint/2010/main" val="2061550684"/>
                   </p:ext>
                 </p:extLst>
               </p:nvPr>
             </p:nvGraphicFramePr>
             <p:xfrm>
-              <a:off x="616502" y="66502"/>
-              <a:ext cx="11054568" cy="6604952"/>
+              <a:off x="141317" y="66502"/>
+              <a:ext cx="11920451" cy="6499807"/>
             </p:xfrm>
             <a:graphic>
               <a:graphicData uri="http://schemas.openxmlformats.org/drawingml/2006/table">
@@ -6343,21 +6402,21 @@
                     <a:tableStyleId>{5C22544A-7EE6-4342-B048-85BDC9FD1C3A}</a:tableStyleId>
                   </a:tblPr>
                   <a:tblGrid>
-                    <a:gridCol w="3360761">
+                    <a:gridCol w="3350028">
                       <a:extLst>
                         <a:ext uri="{9D8B030D-6E8A-4147-A177-3AD203B41FA5}">
                           <a16:colId xmlns:a16="http://schemas.microsoft.com/office/drawing/2014/main" val="2712491034"/>
                         </a:ext>
                       </a:extLst>
                     </a:gridCol>
-                    <a:gridCol w="3204207">
+                    <a:gridCol w="3729162">
                       <a:extLst>
                         <a:ext uri="{9D8B030D-6E8A-4147-A177-3AD203B41FA5}">
                           <a16:colId xmlns:a16="http://schemas.microsoft.com/office/drawing/2014/main" val="2758356651"/>
                         </a:ext>
                       </a:extLst>
                     </a:gridCol>
-                    <a:gridCol w="4489600">
+                    <a:gridCol w="4841261">
                       <a:extLst>
                         <a:ext uri="{9D8B030D-6E8A-4147-A177-3AD203B41FA5}">
                           <a16:colId xmlns:a16="http://schemas.microsoft.com/office/drawing/2014/main" val="3800804289"/>
@@ -6365,15 +6424,19 @@
                       </a:extLst>
                     </a:gridCol>
                   </a:tblGrid>
-                  <a:tr h="592265">
+                  <a:tr h="800138">
                     <a:tc>
                       <a:txBody>
                         <a:bodyPr/>
                         <a:lstStyle/>
                         <a:p>
                           <a:r>
+                            <a:rPr lang="en-US" sz="1600" dirty="0" smtClean="0"/>
+                            <a:t>Two physical </a:t>
+                          </a:r>
+                          <a:r>
                             <a:rPr lang="en-US" sz="1600" dirty="0"/>
-                            <a:t>Physical models for </a:t>
+                            <a:t>models for </a:t>
                           </a:r>
                           <a:r>
                             <a:rPr lang="en-US" sz="1600" i="1" dirty="0"/>
@@ -6391,7 +6454,21 @@
                         <a:p>
                           <a:r>
                             <a:rPr lang="en-US" sz="1600" dirty="0"/>
-                            <a:t>Small-Eddy Model </a:t>
+                            <a:t>Small-Eddy </a:t>
+                          </a:r>
+                          <a:r>
+                            <a:rPr lang="en-US" sz="1600" dirty="0" smtClean="0"/>
+                            <a:t>Model</a:t>
+                          </a:r>
+                        </a:p>
+                        <a:p>
+                          <a:r>
+                            <a:rPr lang="en-US" sz="1600" b="0" dirty="0" smtClean="0">
+                              <a:solidFill>
+                                <a:srgbClr val="C00000"/>
+                              </a:solidFill>
+                            </a:rPr>
+                            <a:t>[Lamont </a:t>
                           </a:r>
                           <a:r>
                             <a:rPr lang="en-US" sz="1600" b="0" dirty="0">
@@ -6399,7 +6476,7 @@
                                 <a:srgbClr val="C00000"/>
                               </a:solidFill>
                             </a:rPr>
-                            <a:t>[Lamont &amp; Scott, 1970]</a:t>
+                            <a:t>&amp; Scott, 1970]</a:t>
                           </a:r>
                         </a:p>
                       </a:txBody>
@@ -6412,7 +6489,21 @@
                         <a:p>
                           <a:r>
                             <a:rPr lang="en-US" sz="1600" dirty="0"/>
-                            <a:t>Chainsaw Model </a:t>
+                            <a:t>Chainsaw </a:t>
+                          </a:r>
+                          <a:r>
+                            <a:rPr lang="en-US" sz="1600" dirty="0" smtClean="0"/>
+                            <a:t>Model</a:t>
+                          </a:r>
+                        </a:p>
+                        <a:p>
+                          <a:r>
+                            <a:rPr lang="en-US" sz="1600" b="0" dirty="0" smtClean="0">
+                              <a:solidFill>
+                                <a:srgbClr val="C00000"/>
+                              </a:solidFill>
+                            </a:rPr>
+                            <a:t>[Moog </a:t>
                           </a:r>
                           <a:r>
                             <a:rPr lang="en-US" sz="1600" b="0" dirty="0">
@@ -6420,7 +6511,7 @@
                                 <a:srgbClr val="C00000"/>
                               </a:solidFill>
                             </a:rPr>
-                            <a:t>[Moog &amp; </a:t>
+                            <a:t>&amp; </a:t>
                           </a:r>
                           <a:r>
                             <a:rPr lang="en-US" sz="1600" b="0" dirty="0" err="1">
@@ -6448,7 +6539,7 @@
                       </a:ext>
                     </a:extLst>
                   </a:tr>
-                  <a:tr h="1713318">
+                  <a:tr h="2314657">
                     <a:tc>
                       <a:txBody>
                         <a:bodyPr/>
@@ -6468,29 +6559,29 @@
                         <a:lstStyle/>
                         <a:p>
                           <a:r>
-                            <a:rPr lang="en-US" sz="1600" dirty="0"/>
-                            <a:t>-Classic model in lakes, oceans, etc.</a:t>
+                            <a:rPr lang="en-US" sz="1800" dirty="0" smtClean="0"/>
+                            <a:t>-Classic model</a:t>
                           </a:r>
                         </a:p>
                         <a:p>
                           <a:r>
-                            <a:rPr lang="en-US" sz="1600" dirty="0" smtClean="0"/>
+                            <a:rPr lang="en-US" sz="1800" dirty="0" smtClean="0"/>
                             <a:t>-Described </a:t>
                           </a:r>
                           <a:r>
-                            <a:rPr lang="en-US" sz="1600" dirty="0"/>
+                            <a:rPr lang="en-US" sz="1800" dirty="0"/>
                             <a:t>by the </a:t>
                           </a:r>
                           <a:r>
-                            <a:rPr lang="en-US" sz="1600" dirty="0" smtClean="0"/>
+                            <a:rPr lang="en-US" sz="1800" dirty="0" smtClean="0"/>
                             <a:t>characteristic velocity </a:t>
                           </a:r>
                           <a:r>
-                            <a:rPr lang="en-US" sz="1600" dirty="0"/>
+                            <a:rPr lang="en-US" sz="1800" dirty="0"/>
                             <a:t>term for the smallest-scale eddies:</a:t>
                           </a:r>
                           <a:r>
-                            <a:rPr lang="en-US" sz="1600" baseline="0" dirty="0"/>
+                            <a:rPr lang="en-US" sz="1800" baseline="0" dirty="0"/>
                             <a:t> </a:t>
                           </a:r>
                           <a14:m>
@@ -6498,7 +6589,7 @@
                               <m:sSup>
                                 <m:sSupPr>
                                   <m:ctrlPr>
-                                    <a:rPr lang="en-US" sz="1600" b="0" i="1" smtClean="0">
+                                    <a:rPr lang="en-US" sz="1800" b="0" i="1" smtClean="0">
                                       <a:latin typeface="Cambria Math" panose="02040503050406030204" pitchFamily="18" charset="0"/>
                                     </a:rPr>
                                   </m:ctrlPr>
@@ -6507,46 +6598,25 @@
                                   <m:d>
                                     <m:dPr>
                                       <m:ctrlPr>
-                                        <a:rPr lang="en-US" sz="1600" b="0" i="1" smtClean="0">
+                                        <a:rPr lang="en-US" sz="1800" b="0" i="1" smtClean="0">
                                           <a:latin typeface="Cambria Math" panose="02040503050406030204" pitchFamily="18" charset="0"/>
                                         </a:rPr>
                                       </m:ctrlPr>
                                     </m:dPr>
                                     <m:e>
                                       <m:r>
-                                        <a:rPr lang="en-US" sz="1600" b="0" i="1" smtClean="0">
+                                        <a:rPr lang="en-US" sz="1800" b="0" i="1" smtClean="0">
                                           <a:latin typeface="Cambria Math" panose="02040503050406030204" pitchFamily="18" charset="0"/>
                                         </a:rPr>
                                         <m:t>𝑣</m:t>
                                       </m:r>
-                                      <m:sSub>
-                                        <m:sSubPr>
-                                          <m:ctrlPr>
-                                            <a:rPr lang="en-US" sz="1600" b="0" i="1" smtClean="0">
-                                              <a:latin typeface="Cambria Math" panose="02040503050406030204" pitchFamily="18" charset="0"/>
-                                              <a:ea typeface="Cambria Math" panose="02040503050406030204" pitchFamily="18" charset="0"/>
-                                            </a:rPr>
-                                          </m:ctrlPr>
-                                        </m:sSubPr>
-                                        <m:e>
-                                          <m:r>
-                                            <a:rPr lang="en-US" sz="1600" b="0" i="1" smtClean="0">
-                                              <a:latin typeface="Cambria Math" panose="02040503050406030204" pitchFamily="18" charset="0"/>
-                                              <a:ea typeface="Cambria Math" panose="02040503050406030204" pitchFamily="18" charset="0"/>
-                                            </a:rPr>
-                                            <m:t>𝜀</m:t>
-                                          </m:r>
-                                        </m:e>
-                                        <m:sub>
-                                          <m:r>
-                                            <a:rPr lang="en-US" sz="1600" b="0" i="1" smtClean="0">
-                                              <a:latin typeface="Cambria Math" panose="02040503050406030204" pitchFamily="18" charset="0"/>
-                                              <a:ea typeface="Cambria Math" panose="02040503050406030204" pitchFamily="18" charset="0"/>
-                                            </a:rPr>
-                                            <m:t>𝑆</m:t>
-                                          </m:r>
-                                        </m:sub>
-                                      </m:sSub>
+                                      <m:r>
+                                        <a:rPr lang="en-US" sz="1800" b="0" i="1" smtClean="0">
+                                          <a:latin typeface="Cambria Math" panose="02040503050406030204" pitchFamily="18" charset="0"/>
+                                          <a:ea typeface="Cambria Math" panose="02040503050406030204" pitchFamily="18" charset="0"/>
+                                        </a:rPr>
+                                        <m:t>𝜀</m:t>
+                                      </m:r>
                                     </m:e>
                                   </m:d>
                                 </m:e>
@@ -6554,14 +6624,14 @@
                                   <m:f>
                                     <m:fPr>
                                       <m:ctrlPr>
-                                        <a:rPr lang="en-US" sz="1600" b="0" i="1" smtClean="0">
+                                        <a:rPr lang="en-US" sz="1800" b="0" i="1" smtClean="0">
                                           <a:latin typeface="Cambria Math" panose="02040503050406030204" pitchFamily="18" charset="0"/>
                                         </a:rPr>
                                       </m:ctrlPr>
                                     </m:fPr>
                                     <m:num>
                                       <m:r>
-                                        <a:rPr lang="en-US" sz="1600" b="0" i="1" smtClean="0">
+                                        <a:rPr lang="en-US" sz="1800" b="0" i="1" smtClean="0">
                                           <a:latin typeface="Cambria Math" panose="02040503050406030204" pitchFamily="18" charset="0"/>
                                         </a:rPr>
                                         <m:t>1</m:t>
@@ -6569,7 +6639,7 @@
                                     </m:num>
                                     <m:den>
                                       <m:r>
-                                        <a:rPr lang="en-US" sz="1600" b="0" i="1" smtClean="0">
+                                        <a:rPr lang="en-US" sz="1800" b="0" i="1" smtClean="0">
                                           <a:latin typeface="Cambria Math" panose="02040503050406030204" pitchFamily="18" charset="0"/>
                                         </a:rPr>
                                         <m:t>4</m:t>
@@ -6580,7 +6650,83 @@
                               </m:sSup>
                             </m:oMath>
                           </a14:m>
-                          <a:endParaRPr lang="en-US" sz="1600" dirty="0">
+                          <a:endParaRPr lang="en-US" sz="1800" dirty="0" smtClean="0">
+                            <a:solidFill>
+                              <a:schemeClr val="tx1"/>
+                            </a:solidFill>
+                          </a:endParaRPr>
+                        </a:p>
+                        <a:p>
+                          <a:endParaRPr lang="en-US" sz="1800" dirty="0" smtClean="0">
+                            <a:solidFill>
+                              <a:schemeClr val="tx1"/>
+                            </a:solidFill>
+                          </a:endParaRPr>
+                        </a:p>
+                        <a:p>
+                          <a:r>
+                            <a:rPr lang="en-US" sz="1800" dirty="0" smtClean="0">
+                              <a:solidFill>
+                                <a:schemeClr val="tx1"/>
+                              </a:solidFill>
+                              <a:ea typeface="Cambria Math" panose="02040503050406030204" pitchFamily="18" charset="0"/>
+                            </a:rPr>
+                            <a:t>(</a:t>
+                          </a:r>
+                          <a14:m>
+                            <m:oMath xmlns:m="http://schemas.openxmlformats.org/officeDocument/2006/math">
+                              <m:r>
+                                <a:rPr lang="en-US" sz="1800" i="1" smtClean="0">
+                                  <a:solidFill>
+                                    <a:schemeClr val="tx1"/>
+                                  </a:solidFill>
+                                  <a:latin typeface="Cambria Math" panose="02040503050406030204" pitchFamily="18" charset="0"/>
+                                  <a:ea typeface="Cambria Math" panose="02040503050406030204" pitchFamily="18" charset="0"/>
+                                </a:rPr>
+                                <m:t>𝜀</m:t>
+                              </m:r>
+                            </m:oMath>
+                          </a14:m>
+                          <a:r>
+                            <a:rPr lang="en-US" sz="1800" dirty="0" smtClean="0">
+                              <a:solidFill>
+                                <a:schemeClr val="tx1"/>
+                              </a:solidFill>
+                            </a:rPr>
+                            <a:t>: surface dissipation</a:t>
+                          </a:r>
+                          <a:r>
+                            <a:rPr lang="en-US" sz="1800" baseline="0" dirty="0" smtClean="0">
+                              <a:solidFill>
+                                <a:schemeClr val="tx1"/>
+                              </a:solidFill>
+                            </a:rPr>
+                            <a:t> rate</a:t>
+                          </a:r>
+                        </a:p>
+                        <a:p>
+                          <a14:m>
+                            <m:oMath xmlns:m="http://schemas.openxmlformats.org/officeDocument/2006/math">
+                              <m:r>
+                                <a:rPr lang="en-US" sz="1800" b="0" i="1" smtClean="0">
+                                  <a:solidFill>
+                                    <a:schemeClr val="tx1"/>
+                                  </a:solidFill>
+                                  <a:latin typeface="Cambria Math" panose="02040503050406030204" pitchFamily="18" charset="0"/>
+                                </a:rPr>
+                                <m:t>𝑣</m:t>
+                              </m:r>
+                            </m:oMath>
+                          </a14:m>
+                          <a:r>
+                            <a:rPr lang="en-US" sz="1800" dirty="0" smtClean="0">
+                              <a:solidFill>
+                                <a:schemeClr val="tx1"/>
+                              </a:solidFill>
+                            </a:rPr>
+                            <a:t>: kinematic viscosity)</a:t>
+                          </a:r>
+                          <a:endParaRPr lang="en-US" sz="1800" dirty="0">
                             <a:solidFill>
                               <a:schemeClr val="tx1"/>
                             </a:solidFill>
@@ -6595,35 +6741,47 @@
                         <a:lstStyle/>
                         <a:p>
                           <a:r>
-                            <a:rPr lang="en-US" sz="1600" dirty="0"/>
-                            <a:t>-Extension of the small-eddy model for small-roughness open channel flows</a:t>
+                            <a:rPr lang="en-US" sz="1800" dirty="0" smtClean="0"/>
+                            <a:t>-Conceptual</a:t>
+                          </a:r>
+                          <a:r>
+                            <a:rPr lang="en-US" sz="1800" baseline="0" dirty="0" smtClean="0"/>
+                            <a:t> e</a:t>
+                          </a:r>
+                          <a:r>
+                            <a:rPr lang="en-US" sz="1800" dirty="0" smtClean="0"/>
+                            <a:t>xtension </a:t>
+                          </a:r>
+                          <a:r>
+                            <a:rPr lang="en-US" sz="1800" dirty="0"/>
+                            <a:t>of the small-eddy model for small-roughness open channel flows</a:t>
                           </a:r>
                         </a:p>
                         <a:p>
                           <a:r>
-                            <a:rPr lang="en-US" sz="1600" dirty="0"/>
+                            <a:rPr lang="en-US" sz="1800" dirty="0"/>
                             <a:t>-Assumes that depth-scale eddies transport small-eddies to the surface, with the latter contributing to the actual gas evasion</a:t>
                           </a:r>
                         </a:p>
                         <a:p>
                           <a:r>
-                            <a:rPr lang="en-US" sz="1600" dirty="0"/>
+                            <a:rPr lang="en-US" sz="1800" dirty="0"/>
                             <a:t>-SO: applies the small-eddy model only to the ‘active-zones’ </a:t>
                           </a:r>
                           <a:r>
-                            <a:rPr lang="en-US" sz="1600" i="1" dirty="0"/>
+                            <a:rPr lang="en-US" sz="1800" i="1" dirty="0"/>
                             <a:t>A</a:t>
                           </a:r>
                           <a:r>
-                            <a:rPr lang="en-US" sz="1600" i="1" baseline="-25000" dirty="0"/>
+                            <a:rPr lang="en-US" sz="1800" i="1" baseline="-25000" dirty="0"/>
                             <a:t>p</a:t>
                           </a:r>
                           <a:r>
-                            <a:rPr lang="en-US" sz="1600" dirty="0"/>
+                            <a:rPr lang="en-US" sz="1800" dirty="0"/>
                             <a:t> of evasion </a:t>
                           </a:r>
                           <a:r>
-                            <a:rPr lang="en-US" sz="1200" dirty="0">
+                            <a:rPr lang="en-US" sz="1400" dirty="0">
                               <a:solidFill>
                                 <a:srgbClr val="C00000"/>
                               </a:solidFill>
@@ -6631,12 +6789,20 @@
                             <a:t>[Rashidi et al. 1991]</a:t>
                           </a:r>
                           <a:r>
-                            <a:rPr lang="en-US" sz="1600" baseline="0" dirty="0"/>
+                            <a:rPr lang="en-US" sz="1800" baseline="0" dirty="0"/>
                             <a:t>, which are</a:t>
                           </a:r>
                           <a:r>
-                            <a:rPr lang="en-US" sz="1600" dirty="0"/>
-                            <a:t> determined by depth-scale eddies</a:t>
+                            <a:rPr lang="en-US" sz="1800" dirty="0"/>
+                            <a:t> </a:t>
+                          </a:r>
+                          <a:r>
+                            <a:rPr lang="en-US" sz="1800" dirty="0" smtClean="0"/>
+                            <a:t>a function of </a:t>
+                          </a:r>
+                          <a:r>
+                            <a:rPr lang="en-US" sz="1800" dirty="0"/>
+                            <a:t>depth-scale eddies</a:t>
                           </a:r>
                         </a:p>
                       </a:txBody>
@@ -6648,119 +6814,7 @@
                       </a:ext>
                     </a:extLst>
                   </a:tr>
-                  <a:tr h="676874">
-                    <a:tc>
-                      <a:txBody>
-                        <a:bodyPr/>
-                        <a:lstStyle/>
-                        <a:p>
-                          <a:r>
-                            <a:rPr lang="en-US" sz="1600" b="1" dirty="0"/>
-                            <a:t>Empirical Confirmations (freshwater/estuaries)</a:t>
-                          </a:r>
-                        </a:p>
-                      </a:txBody>
-                      <a:tcPr/>
-                    </a:tc>
-                    <a:tc>
-                      <a:txBody>
-                        <a:bodyPr/>
-                        <a:lstStyle/>
-                        <a:p>
-                          <a:r>
-                            <a:rPr lang="en-US" sz="1200" dirty="0">
-                              <a:solidFill>
-                                <a:srgbClr val="C00000"/>
-                              </a:solidFill>
-                            </a:rPr>
-                            <a:t>Wang et al. 2021; Vachon et al. 2010; </a:t>
-                          </a:r>
-                          <a:r>
-                            <a:rPr lang="en-US" sz="1200" dirty="0" err="1">
-                              <a:solidFill>
-                                <a:srgbClr val="C00000"/>
-                              </a:solidFill>
-                            </a:rPr>
-                            <a:t>Tokoro</a:t>
-                          </a:r>
-                          <a:r>
-                            <a:rPr lang="en-US" sz="1200" dirty="0">
-                              <a:solidFill>
-                                <a:srgbClr val="C00000"/>
-                              </a:solidFill>
-                            </a:rPr>
-                            <a:t> et al. 2008; Zappa, et al. 2007; </a:t>
-                          </a:r>
-                          <a:r>
-                            <a:rPr lang="en-US" sz="1200" dirty="0" smtClean="0">
-                              <a:solidFill>
-                                <a:srgbClr val="C00000"/>
-                              </a:solidFill>
-                            </a:rPr>
-                            <a:t>Zappa et al. 2003, etc.</a:t>
-                          </a:r>
-                          <a:endParaRPr lang="en-US" sz="1200" dirty="0">
-                            <a:solidFill>
-                              <a:srgbClr val="C00000"/>
-                            </a:solidFill>
-                          </a:endParaRPr>
-                        </a:p>
-                      </a:txBody>
-                      <a:tcPr/>
-                    </a:tc>
-                    <a:tc>
-                      <a:txBody>
-                        <a:bodyPr/>
-                        <a:lstStyle/>
-                        <a:p>
-                          <a:r>
-                            <a:rPr lang="en-US" sz="1200" dirty="0" err="1">
-                              <a:solidFill>
-                                <a:srgbClr val="C00000"/>
-                              </a:solidFill>
-                            </a:rPr>
-                            <a:t>Talke</a:t>
-                          </a:r>
-                          <a:r>
-                            <a:rPr lang="en-US" sz="1200" dirty="0">
-                              <a:solidFill>
-                                <a:srgbClr val="C00000"/>
-                              </a:solidFill>
-                            </a:rPr>
-                            <a:t> et al. (2013</a:t>
-                          </a:r>
-                          <a:r>
-                            <a:rPr lang="en-US" sz="1200" dirty="0" smtClean="0">
-                              <a:solidFill>
-                                <a:srgbClr val="C00000"/>
-                              </a:solidFill>
-                            </a:rPr>
-                            <a:t>) </a:t>
-                          </a:r>
-                          <a:r>
-                            <a:rPr lang="en-US" sz="1200" dirty="0" smtClean="0">
-                              <a:solidFill>
-                                <a:srgbClr val="00008B"/>
-                              </a:solidFill>
-                            </a:rPr>
-                            <a:t>[only the turbulence part, not carried all the way to k]</a:t>
-                          </a:r>
-                          <a:endParaRPr lang="en-US" sz="1200" dirty="0">
-                            <a:solidFill>
-                              <a:srgbClr val="00008B"/>
-                            </a:solidFill>
-                          </a:endParaRPr>
-                        </a:p>
-                      </a:txBody>
-                      <a:tcPr/>
-                    </a:tc>
-                    <a:extLst>
-                      <a:ext uri="{0D108BD9-81ED-4DB2-BD59-A6C34878D82A}">
-                        <a16:rowId xmlns:a16="http://schemas.microsoft.com/office/drawing/2014/main" val="3722933174"/>
-                      </a:ext>
-                    </a:extLst>
-                  </a:tr>
-                  <a:tr h="1137702">
+                  <a:tr h="1463358">
                     <a:tc>
                       <a:txBody>
                         <a:bodyPr/>
@@ -6879,34 +6933,13 @@
                                           </a:rPr>
                                           <m:t>𝑣</m:t>
                                         </m:r>
-                                        <m:sSub>
-                                          <m:sSubPr>
-                                            <m:ctrlPr>
-                                              <a:rPr lang="en-US" sz="1600" b="0" i="1" smtClean="0">
-                                                <a:latin typeface="Cambria Math" panose="02040503050406030204" pitchFamily="18" charset="0"/>
-                                                <a:ea typeface="Cambria Math" panose="02040503050406030204" pitchFamily="18" charset="0"/>
-                                              </a:rPr>
-                                            </m:ctrlPr>
-                                          </m:sSubPr>
-                                          <m:e>
-                                            <m:r>
-                                              <a:rPr lang="en-US" sz="1600" b="0" i="1" smtClean="0">
-                                                <a:latin typeface="Cambria Math" panose="02040503050406030204" pitchFamily="18" charset="0"/>
-                                                <a:ea typeface="Cambria Math" panose="02040503050406030204" pitchFamily="18" charset="0"/>
-                                              </a:rPr>
-                                              <m:t>𝜀</m:t>
-                                            </m:r>
-                                          </m:e>
-                                          <m:sub>
-                                            <m:r>
-                                              <a:rPr lang="en-US" sz="1600" b="0" i="1" smtClean="0">
-                                                <a:latin typeface="Cambria Math" panose="02040503050406030204" pitchFamily="18" charset="0"/>
-                                                <a:ea typeface="Cambria Math" panose="02040503050406030204" pitchFamily="18" charset="0"/>
-                                              </a:rPr>
-                                              <m:t>𝑆</m:t>
-                                            </m:r>
-                                          </m:sub>
-                                        </m:sSub>
+                                        <m:r>
+                                          <a:rPr lang="en-US" sz="1600" b="0" i="1" smtClean="0">
+                                            <a:latin typeface="Cambria Math" panose="02040503050406030204" pitchFamily="18" charset="0"/>
+                                            <a:ea typeface="Cambria Math" panose="02040503050406030204" pitchFamily="18" charset="0"/>
+                                          </a:rPr>
+                                          <m:t>𝜀</m:t>
+                                        </m:r>
                                       </m:e>
                                     </m:d>
                                   </m:e>
@@ -7067,34 +7100,13 @@
                                           </a:rPr>
                                           <m:t>𝑣</m:t>
                                         </m:r>
-                                        <m:sSub>
-                                          <m:sSubPr>
-                                            <m:ctrlPr>
-                                              <a:rPr lang="en-US" sz="1600" b="0" i="1" smtClean="0">
-                                                <a:latin typeface="Cambria Math" panose="02040503050406030204" pitchFamily="18" charset="0"/>
-                                                <a:ea typeface="Cambria Math" panose="02040503050406030204" pitchFamily="18" charset="0"/>
-                                              </a:rPr>
-                                            </m:ctrlPr>
-                                          </m:sSubPr>
-                                          <m:e>
-                                            <m:r>
-                                              <a:rPr lang="en-US" sz="1600" b="0" i="1" smtClean="0">
-                                                <a:latin typeface="Cambria Math" panose="02040503050406030204" pitchFamily="18" charset="0"/>
-                                                <a:ea typeface="Cambria Math" panose="02040503050406030204" pitchFamily="18" charset="0"/>
-                                              </a:rPr>
-                                              <m:t>𝜀</m:t>
-                                            </m:r>
-                                          </m:e>
-                                          <m:sub>
-                                            <m:r>
-                                              <a:rPr lang="en-US" sz="1600" b="0" i="1" smtClean="0">
-                                                <a:latin typeface="Cambria Math" panose="02040503050406030204" pitchFamily="18" charset="0"/>
-                                                <a:ea typeface="Cambria Math" panose="02040503050406030204" pitchFamily="18" charset="0"/>
-                                              </a:rPr>
-                                              <m:t>𝑆</m:t>
-                                            </m:r>
-                                          </m:sub>
-                                        </m:sSub>
+                                        <m:r>
+                                          <a:rPr lang="en-US" sz="1600" b="0" i="1" smtClean="0">
+                                            <a:latin typeface="Cambria Math" panose="02040503050406030204" pitchFamily="18" charset="0"/>
+                                            <a:ea typeface="Cambria Math" panose="02040503050406030204" pitchFamily="18" charset="0"/>
+                                          </a:rPr>
+                                          <m:t>𝜀</m:t>
+                                        </m:r>
                                       </m:e>
                                     </m:d>
                                   </m:e>
@@ -7353,7 +7365,7 @@
                           </a:r>
                           <a:r>
                             <a:rPr lang="en-US" sz="1200" baseline="0" dirty="0" smtClean="0"/>
-                            <a:t> within which gas evasion occurs” </a:t>
+                            <a:t> within which small-eddy model holds” </a:t>
                           </a:r>
                           <a:r>
                             <a:rPr lang="en-US" sz="1200" baseline="0" dirty="0" smtClean="0">
@@ -7377,7 +7389,298 @@
                                 <a:srgbClr val="C00000"/>
                               </a:solidFill>
                             </a:rPr>
-                            <a:t> 1999]</a:t>
+                            <a:t> 1999a]</a:t>
+                          </a:r>
+                        </a:p>
+                        <a:p>
+                          <a:pPr marL="0" marR="0" lvl="0" indent="0" algn="l" defTabSz="914400" rtl="0" eaLnBrk="1" fontAlgn="auto" latinLnBrk="0" hangingPunct="1">
+                            <a:lnSpc>
+                              <a:spcPct val="100000"/>
+                            </a:lnSpc>
+                            <a:spcBef>
+                              <a:spcPts val="0"/>
+                            </a:spcBef>
+                            <a:spcAft>
+                              <a:spcPts val="0"/>
+                            </a:spcAft>
+                            <a:buClrTx/>
+                            <a:buSzTx/>
+                            <a:buFontTx/>
+                            <a:buNone/>
+                            <a:tabLst/>
+                            <a:defRPr/>
+                          </a:pPr>
+                          <a:endParaRPr lang="en-US" sz="1200" b="0" dirty="0" smtClean="0">
+                            <a:solidFill>
+                              <a:schemeClr val="tx1"/>
+                            </a:solidFill>
+                          </a:endParaRPr>
+                        </a:p>
+                        <a:p>
+                          <a:pPr marL="0" marR="0" lvl="0" indent="0" algn="l" defTabSz="914400" rtl="0" eaLnBrk="1" fontAlgn="auto" latinLnBrk="0" hangingPunct="1">
+                            <a:lnSpc>
+                              <a:spcPct val="100000"/>
+                            </a:lnSpc>
+                            <a:spcBef>
+                              <a:spcPts val="0"/>
+                            </a:spcBef>
+                            <a:spcAft>
+                              <a:spcPts val="0"/>
+                            </a:spcAft>
+                            <a:buClrTx/>
+                            <a:buSzTx/>
+                            <a:buFontTx/>
+                            <a:buNone/>
+                            <a:tabLst/>
+                            <a:defRPr/>
+                          </a:pPr>
+                          <a:r>
+                            <a:rPr lang="en-US" sz="1200" b="0" dirty="0" smtClean="0">
+                              <a:solidFill>
+                                <a:schemeClr val="tx1"/>
+                              </a:solidFill>
+                            </a:rPr>
+                            <a:t>(</a:t>
+                          </a:r>
+                          <a14:m>
+                            <m:oMath xmlns:m="http://schemas.openxmlformats.org/officeDocument/2006/math">
+                              <m:sSub>
+                                <m:sSubPr>
+                                  <m:ctrlPr>
+                                    <a:rPr lang="en-US" sz="1200" b="0" i="1" smtClean="0">
+                                      <a:solidFill>
+                                        <a:schemeClr val="tx1"/>
+                                      </a:solidFill>
+                                      <a:latin typeface="Cambria Math" panose="02040503050406030204" pitchFamily="18" charset="0"/>
+                                    </a:rPr>
+                                  </m:ctrlPr>
+                                </m:sSubPr>
+                                <m:e>
+                                  <m:r>
+                                    <a:rPr lang="en-US" sz="1200" b="0" i="1" smtClean="0">
+                                      <a:solidFill>
+                                        <a:schemeClr val="tx1"/>
+                                      </a:solidFill>
+                                      <a:latin typeface="Cambria Math" panose="02040503050406030204" pitchFamily="18" charset="0"/>
+                                    </a:rPr>
+                                    <m:t>𝑈</m:t>
+                                  </m:r>
+                                </m:e>
+                                <m:sub>
+                                  <m:r>
+                                    <a:rPr lang="en-US" sz="1200" b="0" i="1" smtClean="0">
+                                      <a:solidFill>
+                                        <a:schemeClr val="tx1"/>
+                                      </a:solidFill>
+                                      <a:latin typeface="Cambria Math" panose="02040503050406030204" pitchFamily="18" charset="0"/>
+                                    </a:rPr>
+                                    <m:t>∗</m:t>
+                                  </m:r>
+                                </m:sub>
+                              </m:sSub>
+                            </m:oMath>
+                          </a14:m>
+                          <a:r>
+                            <a:rPr lang="en-US" sz="1200" dirty="0" smtClean="0">
+                              <a:solidFill>
+                                <a:schemeClr val="tx1"/>
+                              </a:solidFill>
+                            </a:rPr>
+                            <a:t>: shear velocity, </a:t>
+                          </a:r>
+                          <a14:m>
+                            <m:oMath xmlns:m="http://schemas.openxmlformats.org/officeDocument/2006/math">
+                              <m:r>
+                                <a:rPr lang="en-US" sz="1200" b="0" i="1" smtClean="0">
+                                  <a:solidFill>
+                                    <a:schemeClr val="tx1"/>
+                                  </a:solidFill>
+                                  <a:latin typeface="Cambria Math" panose="02040503050406030204" pitchFamily="18" charset="0"/>
+                                </a:rPr>
+                                <m:t>=</m:t>
+                              </m:r>
+                              <m:rad>
+                                <m:radPr>
+                                  <m:degHide m:val="on"/>
+                                  <m:ctrlPr>
+                                    <a:rPr lang="en-US" sz="1200" b="0" i="1" smtClean="0">
+                                      <a:solidFill>
+                                        <a:schemeClr val="tx1"/>
+                                      </a:solidFill>
+                                      <a:latin typeface="Cambria Math" panose="02040503050406030204" pitchFamily="18" charset="0"/>
+                                    </a:rPr>
+                                  </m:ctrlPr>
+                                </m:radPr>
+                                <m:deg/>
+                                <m:e>
+                                  <m:r>
+                                    <a:rPr lang="en-US" sz="1200" b="0" i="1" smtClean="0">
+                                      <a:solidFill>
+                                        <a:schemeClr val="tx1"/>
+                                      </a:solidFill>
+                                      <a:latin typeface="Cambria Math" panose="02040503050406030204" pitchFamily="18" charset="0"/>
+                                    </a:rPr>
+                                    <m:t>𝑔𝑆</m:t>
+                                  </m:r>
+                                  <m:sSub>
+                                    <m:sSubPr>
+                                      <m:ctrlPr>
+                                        <a:rPr lang="en-US" sz="1200" b="0" i="1" smtClean="0">
+                                          <a:solidFill>
+                                            <a:schemeClr val="tx1"/>
+                                          </a:solidFill>
+                                          <a:latin typeface="Cambria Math" panose="02040503050406030204" pitchFamily="18" charset="0"/>
+                                        </a:rPr>
+                                      </m:ctrlPr>
+                                    </m:sSubPr>
+                                    <m:e>
+                                      <m:r>
+                                        <a:rPr lang="en-US" sz="1200" b="0" i="1" smtClean="0">
+                                          <a:solidFill>
+                                            <a:schemeClr val="tx1"/>
+                                          </a:solidFill>
+                                          <a:latin typeface="Cambria Math" panose="02040503050406030204" pitchFamily="18" charset="0"/>
+                                        </a:rPr>
+                                        <m:t>𝑅</m:t>
+                                      </m:r>
+                                    </m:e>
+                                    <m:sub>
+                                      <m:r>
+                                        <a:rPr lang="en-US" sz="1200" b="0" i="1" smtClean="0">
+                                          <a:solidFill>
+                                            <a:schemeClr val="tx1"/>
+                                          </a:solidFill>
+                                          <a:latin typeface="Cambria Math" panose="02040503050406030204" pitchFamily="18" charset="0"/>
+                                        </a:rPr>
+                                        <m:t>h</m:t>
+                                      </m:r>
+                                    </m:sub>
+                                  </m:sSub>
+                                </m:e>
+                              </m:rad>
+                            </m:oMath>
+                          </a14:m>
+                          <a:r>
+                            <a:rPr lang="en-US" sz="1200" dirty="0" smtClean="0">
+                              <a:solidFill>
+                                <a:schemeClr val="tx1"/>
+                              </a:solidFill>
+                            </a:rPr>
+                            <a:t>,</a:t>
+                          </a:r>
+                        </a:p>
+                        <a:p>
+                          <a:pPr marL="0" marR="0" lvl="0" indent="0" algn="l" defTabSz="914400" rtl="0" eaLnBrk="1" fontAlgn="auto" latinLnBrk="0" hangingPunct="1">
+                            <a:lnSpc>
+                              <a:spcPct val="100000"/>
+                            </a:lnSpc>
+                            <a:spcBef>
+                              <a:spcPts val="0"/>
+                            </a:spcBef>
+                            <a:spcAft>
+                              <a:spcPts val="0"/>
+                            </a:spcAft>
+                            <a:buClrTx/>
+                            <a:buSzTx/>
+                            <a:buFontTx/>
+                            <a:buNone/>
+                            <a:tabLst/>
+                            <a:defRPr/>
+                          </a:pPr>
+                          <a14:m>
+                            <m:oMath xmlns:m="http://schemas.openxmlformats.org/officeDocument/2006/math">
+                              <m:r>
+                                <a:rPr lang="en-US" sz="1200" b="0" i="1" smtClean="0">
+                                  <a:solidFill>
+                                    <a:schemeClr val="tx1"/>
+                                  </a:solidFill>
+                                  <a:latin typeface="Cambria Math" panose="02040503050406030204" pitchFamily="18" charset="0"/>
+                                </a:rPr>
+                                <m:t>𝐻</m:t>
+                              </m:r>
+                            </m:oMath>
+                          </a14:m>
+                          <a:r>
+                            <a:rPr lang="en-US" sz="1200" dirty="0" smtClean="0">
+                              <a:solidFill>
+                                <a:schemeClr val="tx1"/>
+                              </a:solidFill>
+                            </a:rPr>
+                            <a:t>: mean flow depth)</a:t>
+                          </a:r>
+                          <a:endParaRPr lang="en-US" sz="1200" dirty="0">
+                            <a:solidFill>
+                              <a:schemeClr val="tx1"/>
+                            </a:solidFill>
+                          </a:endParaRPr>
+                        </a:p>
+                      </a:txBody>
+                      <a:tcPr/>
+                    </a:tc>
+                    <a:extLst>
+                      <a:ext uri="{0D108BD9-81ED-4DB2-BD59-A6C34878D82A}">
+                        <a16:rowId xmlns:a16="http://schemas.microsoft.com/office/drawing/2014/main" val="2667657400"/>
+                      </a:ext>
+                    </a:extLst>
+                  </a:tr>
+                  <a:tr h="914443">
+                    <a:tc>
+                      <a:txBody>
+                        <a:bodyPr/>
+                        <a:lstStyle/>
+                        <a:p>
+                          <a:r>
+                            <a:rPr lang="en-US" sz="1600" b="1" dirty="0"/>
+                            <a:t>Empirical Confirmations (</a:t>
+                          </a:r>
+                          <a:r>
+                            <a:rPr lang="en-US" sz="1600" b="1" dirty="0" smtClean="0"/>
+                            <a:t>freshwater or estuaries</a:t>
+                          </a:r>
+                          <a:r>
+                            <a:rPr lang="en-US" sz="1600" b="1" dirty="0"/>
+                            <a:t>)</a:t>
+                          </a:r>
+                        </a:p>
+                      </a:txBody>
+                      <a:tcPr/>
+                    </a:tc>
+                    <a:tc>
+                      <a:txBody>
+                        <a:bodyPr/>
+                        <a:lstStyle/>
+                        <a:p>
+                          <a:r>
+                            <a:rPr lang="en-US" sz="1200" dirty="0">
+                              <a:solidFill>
+                                <a:srgbClr val="C00000"/>
+                              </a:solidFill>
+                            </a:rPr>
+                            <a:t>Wang et al. 2021; Vachon et al. 2010; </a:t>
+                          </a:r>
+                          <a:r>
+                            <a:rPr lang="en-US" sz="1200" dirty="0" err="1">
+                              <a:solidFill>
+                                <a:srgbClr val="C00000"/>
+                              </a:solidFill>
+                            </a:rPr>
+                            <a:t>Tokoro</a:t>
+                          </a:r>
+                          <a:r>
+                            <a:rPr lang="en-US" sz="1200" dirty="0">
+                              <a:solidFill>
+                                <a:srgbClr val="C00000"/>
+                              </a:solidFill>
+                            </a:rPr>
+                            <a:t> et al. 2008; Zappa, et al. 2007; </a:t>
+                          </a:r>
+                          <a:r>
+                            <a:rPr lang="en-US" sz="1200" dirty="0" smtClean="0">
+                              <a:solidFill>
+                                <a:srgbClr val="C00000"/>
+                              </a:solidFill>
+                            </a:rPr>
+                            <a:t>Zappa et al. 2003, etc.</a:t>
                           </a:r>
                           <a:endParaRPr lang="en-US" sz="1200" dirty="0">
                             <a:solidFill>
@@ -7388,13 +7691,75 @@
                       </a:txBody>
                       <a:tcPr/>
                     </a:tc>
+                    <a:tc>
+                      <a:txBody>
+                        <a:bodyPr/>
+                        <a:lstStyle/>
+                        <a:p>
+                          <a:r>
+                            <a:rPr lang="en-US" sz="1200" dirty="0" err="1">
+                              <a:solidFill>
+                                <a:srgbClr val="C00000"/>
+                              </a:solidFill>
+                            </a:rPr>
+                            <a:t>Talke</a:t>
+                          </a:r>
+                          <a:r>
+                            <a:rPr lang="en-US" sz="1200" dirty="0">
+                              <a:solidFill>
+                                <a:srgbClr val="C00000"/>
+                              </a:solidFill>
+                            </a:rPr>
+                            <a:t> et al. (2013</a:t>
+                          </a:r>
+                          <a:r>
+                            <a:rPr lang="en-US" sz="1200" dirty="0" smtClean="0">
+                              <a:solidFill>
+                                <a:srgbClr val="C00000"/>
+                              </a:solidFill>
+                            </a:rPr>
+                            <a:t>) </a:t>
+                          </a:r>
+                          <a:r>
+                            <a:rPr lang="en-US" sz="1200" dirty="0" smtClean="0">
+                              <a:solidFill>
+                                <a:srgbClr val="00008B"/>
+                              </a:solidFill>
+                            </a:rPr>
+                            <a:t>[observed the large</a:t>
+                          </a:r>
+                          <a:r>
+                            <a:rPr lang="en-US" sz="1200" baseline="0" dirty="0" smtClean="0">
+                              <a:solidFill>
+                                <a:srgbClr val="00008B"/>
+                              </a:solidFill>
+                            </a:rPr>
+                            <a:t>-eddy transport of small eddies, but stopped short of relating to k</a:t>
+                          </a:r>
+                          <a:r>
+                            <a:rPr lang="en-US" sz="1200" dirty="0" smtClean="0">
+                              <a:solidFill>
+                                <a:srgbClr val="00008B"/>
+                              </a:solidFill>
+                            </a:rPr>
+                            <a:t>]</a:t>
+                          </a:r>
+                          <a:endParaRPr lang="en-US" sz="1200" dirty="0">
+                            <a:solidFill>
+                              <a:srgbClr val="00008B"/>
+                            </a:solidFill>
+                          </a:endParaRPr>
+                        </a:p>
+                      </a:txBody>
+                      <a:tcPr/>
+                    </a:tc>
                     <a:extLst>
                       <a:ext uri="{0D108BD9-81ED-4DB2-BD59-A6C34878D82A}">
-                        <a16:rowId xmlns:a16="http://schemas.microsoft.com/office/drawing/2014/main" val="412895981"/>
+                        <a16:rowId xmlns:a16="http://schemas.microsoft.com/office/drawing/2014/main" val="3722933174"/>
                       </a:ext>
                     </a:extLst>
                   </a:tr>
-                  <a:tr h="592265">
+                  <a:tr h="800138">
                     <a:tc>
                       <a:txBody>
                         <a:bodyPr/>
@@ -7478,34 +7843,13 @@
                                         </m:ctrlPr>
                                       </m:dPr>
                                       <m:e>
-                                        <m:sSub>
-                                          <m:sSubPr>
-                                            <m:ctrlPr>
-                                              <a:rPr lang="en-US" sz="1600" b="0" i="1" smtClean="0">
-                                                <a:latin typeface="Cambria Math" panose="02040503050406030204" pitchFamily="18" charset="0"/>
-                                                <a:ea typeface="Cambria Math" panose="02040503050406030204" pitchFamily="18" charset="0"/>
-                                              </a:rPr>
-                                            </m:ctrlPr>
-                                          </m:sSubPr>
-                                          <m:e>
-                                            <m:r>
-                                              <a:rPr lang="en-US" sz="1600" b="0" i="1" smtClean="0">
-                                                <a:latin typeface="Cambria Math" panose="02040503050406030204" pitchFamily="18" charset="0"/>
-                                                <a:ea typeface="Cambria Math" panose="02040503050406030204" pitchFamily="18" charset="0"/>
-                                              </a:rPr>
-                                              <m:t>𝜀</m:t>
-                                            </m:r>
-                                          </m:e>
-                                          <m:sub>
-                                            <m:r>
-                                              <a:rPr lang="en-US" sz="1600" b="0" i="1" smtClean="0">
-                                                <a:latin typeface="Cambria Math" panose="02040503050406030204" pitchFamily="18" charset="0"/>
-                                                <a:ea typeface="Cambria Math" panose="02040503050406030204" pitchFamily="18" charset="0"/>
-                                              </a:rPr>
-                                              <m:t>𝑆</m:t>
-                                            </m:r>
-                                          </m:sub>
-                                        </m:sSub>
+                                        <m:r>
+                                          <a:rPr lang="en-US" sz="1600" b="0" i="1" smtClean="0">
+                                            <a:latin typeface="Cambria Math" panose="02040503050406030204" pitchFamily="18" charset="0"/>
+                                            <a:ea typeface="Cambria Math" panose="02040503050406030204" pitchFamily="18" charset="0"/>
+                                          </a:rPr>
+                                          <m:t>𝜀</m:t>
+                                        </m:r>
                                       </m:e>
                                     </m:d>
                                   </m:e>
@@ -7632,34 +7976,13 @@
                                         </m:ctrlPr>
                                       </m:dPr>
                                       <m:e>
-                                        <m:sSub>
-                                          <m:sSubPr>
-                                            <m:ctrlPr>
-                                              <a:rPr lang="en-US" sz="1600" b="0" i="1" smtClean="0">
-                                                <a:latin typeface="Cambria Math" panose="02040503050406030204" pitchFamily="18" charset="0"/>
-                                                <a:ea typeface="Cambria Math" panose="02040503050406030204" pitchFamily="18" charset="0"/>
-                                              </a:rPr>
-                                            </m:ctrlPr>
-                                          </m:sSubPr>
-                                          <m:e>
-                                            <m:r>
-                                              <a:rPr lang="en-US" sz="1600" b="0" i="1" smtClean="0">
-                                                <a:latin typeface="Cambria Math" panose="02040503050406030204" pitchFamily="18" charset="0"/>
-                                                <a:ea typeface="Cambria Math" panose="02040503050406030204" pitchFamily="18" charset="0"/>
-                                              </a:rPr>
-                                              <m:t>𝜀</m:t>
-                                            </m:r>
-                                          </m:e>
-                                          <m:sub>
-                                            <m:r>
-                                              <a:rPr lang="en-US" sz="1600" b="0" i="1" smtClean="0">
-                                                <a:latin typeface="Cambria Math" panose="02040503050406030204" pitchFamily="18" charset="0"/>
-                                                <a:ea typeface="Cambria Math" panose="02040503050406030204" pitchFamily="18" charset="0"/>
-                                              </a:rPr>
-                                              <m:t>𝑆</m:t>
-                                            </m:r>
-                                          </m:sub>
-                                        </m:sSub>
+                                        <m:r>
+                                          <a:rPr lang="en-US" sz="1600" b="0" i="1" smtClean="0">
+                                            <a:latin typeface="Cambria Math" panose="02040503050406030204" pitchFamily="18" charset="0"/>
+                                            <a:ea typeface="Cambria Math" panose="02040503050406030204" pitchFamily="18" charset="0"/>
+                                          </a:rPr>
+                                          <m:t>𝜀</m:t>
+                                        </m:r>
                                       </m:e>
                                     </m:d>
                                   </m:e>
@@ -7757,586 +8080,12 @@
                       </a:ext>
                     </a:extLst>
                   </a:tr>
-                  <a:tr h="1563686">
-                    <a:tc>
-                      <a:txBody>
-                        <a:bodyPr/>
-                        <a:lstStyle/>
-                        <a:p>
-                          <a:r>
-                            <a:rPr lang="en-US" sz="1600" b="1" dirty="0"/>
-                            <a:t>‘Hydraulically-wide’ equation</a:t>
-                          </a:r>
-                        </a:p>
-                        <a:p>
-                          <a:r>
-                            <a:rPr lang="en-US" sz="1400" b="0" dirty="0"/>
-                            <a:t>2 assumptions:</a:t>
-                          </a:r>
-                        </a:p>
-                        <a:p>
-                          <a:r>
-                            <a:rPr lang="en-US" sz="1400" b="0" dirty="0"/>
-                            <a:t>        1) </a:t>
-                          </a:r>
-                          <a14:m>
-                            <m:oMath xmlns:m="http://schemas.openxmlformats.org/officeDocument/2006/math">
-                              <m:r>
-                                <a:rPr lang="en-US" sz="1400" b="0" i="1" smtClean="0">
-                                  <a:latin typeface="Cambria Math" panose="02040503050406030204" pitchFamily="18" charset="0"/>
-                                </a:rPr>
-                                <m:t>𝑅h</m:t>
-                              </m:r>
-                              <m:r>
-                                <a:rPr lang="en-US" sz="1400" b="0" i="1" smtClean="0">
-                                  <a:latin typeface="Cambria Math" panose="02040503050406030204" pitchFamily="18" charset="0"/>
-                                </a:rPr>
-                                <m:t>=</m:t>
-                              </m:r>
-                              <m:r>
-                                <a:rPr lang="en-US" sz="1400" b="0" i="1" smtClean="0">
-                                  <a:latin typeface="Cambria Math" panose="02040503050406030204" pitchFamily="18" charset="0"/>
-                                </a:rPr>
-                                <m:t>𝐻</m:t>
-                              </m:r>
-                            </m:oMath>
-                          </a14:m>
-                          <a:endParaRPr lang="en-US" sz="1400" b="0" dirty="0"/>
-                        </a:p>
-                        <a:p>
-                          <a:r>
-                            <a:rPr lang="en-US" sz="1400" b="0" dirty="0"/>
-                            <a:t>        2) </a:t>
-                          </a:r>
-                          <a14:m>
-                            <m:oMath xmlns:m="http://schemas.openxmlformats.org/officeDocument/2006/math">
-                              <m:sSub>
-                                <m:sSubPr>
-                                  <m:ctrlPr>
-                                    <a:rPr lang="en-US" sz="1400" b="0" i="1" smtClean="0">
-                                      <a:latin typeface="Cambria Math" panose="02040503050406030204" pitchFamily="18" charset="0"/>
-                                      <a:ea typeface="Cambria Math" panose="02040503050406030204" pitchFamily="18" charset="0"/>
-                                    </a:rPr>
-                                  </m:ctrlPr>
-                                </m:sSubPr>
-                                <m:e>
-                                  <m:r>
-                                    <a:rPr lang="en-US" sz="1400" b="0" i="1" smtClean="0">
-                                      <a:latin typeface="Cambria Math" panose="02040503050406030204" pitchFamily="18" charset="0"/>
-                                      <a:ea typeface="Cambria Math" panose="02040503050406030204" pitchFamily="18" charset="0"/>
-                                    </a:rPr>
-                                    <m:t>𝜀</m:t>
-                                  </m:r>
-                                </m:e>
-                                <m:sub>
-                                  <m:r>
-                                    <a:rPr lang="en-US" sz="1400" b="0" i="1" smtClean="0">
-                                      <a:latin typeface="Cambria Math" panose="02040503050406030204" pitchFamily="18" charset="0"/>
-                                      <a:ea typeface="Cambria Math" panose="02040503050406030204" pitchFamily="18" charset="0"/>
-                                    </a:rPr>
-                                    <m:t>𝑆</m:t>
-                                  </m:r>
-                                </m:sub>
-                              </m:sSub>
-                              <m:r>
-                                <a:rPr lang="en-US" sz="1400" b="0" i="1" smtClean="0">
-                                  <a:latin typeface="Cambria Math" panose="02040503050406030204" pitchFamily="18" charset="0"/>
-                                  <a:ea typeface="Cambria Math" panose="02040503050406030204" pitchFamily="18" charset="0"/>
-                                </a:rPr>
-                                <m:t>=</m:t>
-                              </m:r>
-                              <m:f>
-                                <m:fPr>
-                                  <m:ctrlPr>
-                                    <a:rPr lang="en-US" sz="1400" b="0" i="1" smtClean="0">
-                                      <a:latin typeface="Cambria Math" panose="02040503050406030204" pitchFamily="18" charset="0"/>
-                                      <a:ea typeface="Cambria Math" panose="02040503050406030204" pitchFamily="18" charset="0"/>
-                                    </a:rPr>
-                                  </m:ctrlPr>
-                                </m:fPr>
-                                <m:num>
-                                  <m:sSubSup>
-                                    <m:sSubSupPr>
-                                      <m:ctrlPr>
-                                        <a:rPr lang="en-US" sz="1400" b="0" i="1" smtClean="0">
-                                          <a:latin typeface="Cambria Math" panose="02040503050406030204" pitchFamily="18" charset="0"/>
-                                          <a:ea typeface="Cambria Math" panose="02040503050406030204" pitchFamily="18" charset="0"/>
-                                        </a:rPr>
-                                      </m:ctrlPr>
-                                    </m:sSubSupPr>
-                                    <m:e>
-                                      <m:r>
-                                        <a:rPr lang="en-US" sz="1400" b="0" i="1" smtClean="0">
-                                          <a:latin typeface="Cambria Math" panose="02040503050406030204" pitchFamily="18" charset="0"/>
-                                          <a:ea typeface="Cambria Math" panose="02040503050406030204" pitchFamily="18" charset="0"/>
-                                        </a:rPr>
-                                        <m:t>𝑈</m:t>
-                                      </m:r>
-                                    </m:e>
-                                    <m:sub>
-                                      <m:r>
-                                        <a:rPr lang="en-US" sz="1400" b="0" i="1" smtClean="0">
-                                          <a:latin typeface="Cambria Math" panose="02040503050406030204" pitchFamily="18" charset="0"/>
-                                          <a:ea typeface="Cambria Math" panose="02040503050406030204" pitchFamily="18" charset="0"/>
-                                        </a:rPr>
-                                        <m:t>∗</m:t>
-                                      </m:r>
-                                    </m:sub>
-                                    <m:sup>
-                                      <m:r>
-                                        <a:rPr lang="en-US" sz="1400" b="0" i="1" smtClean="0">
-                                          <a:latin typeface="Cambria Math" panose="02040503050406030204" pitchFamily="18" charset="0"/>
-                                          <a:ea typeface="Cambria Math" panose="02040503050406030204" pitchFamily="18" charset="0"/>
-                                        </a:rPr>
-                                        <m:t>3</m:t>
-                                      </m:r>
-                                    </m:sup>
-                                  </m:sSubSup>
-                                </m:num>
-                                <m:den>
-                                  <m:r>
-                                    <a:rPr lang="en-US" sz="1400" b="0" i="1" smtClean="0">
-                                      <a:latin typeface="Cambria Math" panose="02040503050406030204" pitchFamily="18" charset="0"/>
-                                      <a:ea typeface="Cambria Math" panose="02040503050406030204" pitchFamily="18" charset="0"/>
-                                    </a:rPr>
-                                    <m:t>𝐻</m:t>
-                                  </m:r>
-                                </m:den>
-                              </m:f>
-                            </m:oMath>
-                          </a14:m>
-                          <a:r>
-                            <a:rPr lang="en-US" sz="1400" b="0" dirty="0"/>
-                            <a:t>, where </a:t>
-                          </a:r>
-                          <a14:m>
-                            <m:oMath xmlns:m="http://schemas.openxmlformats.org/officeDocument/2006/math">
-                              <m:sSub>
-                                <m:sSubPr>
-                                  <m:ctrlPr>
-                                    <a:rPr lang="en-US" sz="1400" b="0" i="1" smtClean="0">
-                                      <a:latin typeface="Cambria Math" panose="02040503050406030204" pitchFamily="18" charset="0"/>
-                                    </a:rPr>
-                                  </m:ctrlPr>
-                                </m:sSubPr>
-                                <m:e>
-                                  <m:r>
-                                    <a:rPr lang="en-US" sz="1400" b="0" i="1" smtClean="0">
-                                      <a:latin typeface="Cambria Math" panose="02040503050406030204" pitchFamily="18" charset="0"/>
-                                    </a:rPr>
-                                    <m:t>𝑈</m:t>
-                                  </m:r>
-                                </m:e>
-                                <m:sub>
-                                  <m:r>
-                                    <a:rPr lang="en-US" sz="1400" b="0" i="1" smtClean="0">
-                                      <a:latin typeface="Cambria Math" panose="02040503050406030204" pitchFamily="18" charset="0"/>
-                                    </a:rPr>
-                                    <m:t>∗</m:t>
-                                  </m:r>
-                                </m:sub>
-                              </m:sSub>
-                              <m:r>
-                                <a:rPr lang="en-US" sz="1400" b="0" i="1" smtClean="0">
-                                  <a:latin typeface="Cambria Math" panose="02040503050406030204" pitchFamily="18" charset="0"/>
-                                </a:rPr>
-                                <m:t>=</m:t>
-                              </m:r>
-                              <m:rad>
-                                <m:radPr>
-                                  <m:degHide m:val="on"/>
-                                  <m:ctrlPr>
-                                    <a:rPr lang="en-US" sz="1400" b="0" i="1" smtClean="0">
-                                      <a:latin typeface="Cambria Math" panose="02040503050406030204" pitchFamily="18" charset="0"/>
-                                    </a:rPr>
-                                  </m:ctrlPr>
-                                </m:radPr>
-                                <m:deg/>
-                                <m:e>
-                                  <m:r>
-                                    <a:rPr lang="en-US" sz="1400" b="0" i="1" smtClean="0">
-                                      <a:latin typeface="Cambria Math" panose="02040503050406030204" pitchFamily="18" charset="0"/>
-                                    </a:rPr>
-                                    <m:t>𝑔𝑆</m:t>
-                                  </m:r>
-                                  <m:sSub>
-                                    <m:sSubPr>
-                                      <m:ctrlPr>
-                                        <a:rPr lang="en-US" sz="1400" b="0" i="1" smtClean="0">
-                                          <a:latin typeface="Cambria Math" panose="02040503050406030204" pitchFamily="18" charset="0"/>
-                                        </a:rPr>
-                                      </m:ctrlPr>
-                                    </m:sSubPr>
-                                    <m:e>
-                                      <m:r>
-                                        <a:rPr lang="en-US" sz="1400" b="0" i="1" smtClean="0">
-                                          <a:latin typeface="Cambria Math" panose="02040503050406030204" pitchFamily="18" charset="0"/>
-                                        </a:rPr>
-                                        <m:t>𝑅</m:t>
-                                      </m:r>
-                                    </m:e>
-                                    <m:sub>
-                                      <m:r>
-                                        <a:rPr lang="en-US" sz="1400" b="0" i="1" smtClean="0">
-                                          <a:latin typeface="Cambria Math" panose="02040503050406030204" pitchFamily="18" charset="0"/>
-                                        </a:rPr>
-                                        <m:t>h</m:t>
-                                      </m:r>
-                                    </m:sub>
-                                  </m:sSub>
-                                </m:e>
-                              </m:rad>
-                            </m:oMath>
-                          </a14:m>
-                          <a:endParaRPr lang="en-US" sz="1400" b="0" dirty="0"/>
-                        </a:p>
-                      </a:txBody>
-                      <a:tcPr/>
-                    </a:tc>
-                    <a:tc>
-                      <a:txBody>
-                        <a:bodyPr/>
-                        <a:lstStyle/>
-                        <a:p>
-                          <a:pPr/>
-                          <a14:m>
-                            <m:oMathPara xmlns:m="http://schemas.openxmlformats.org/officeDocument/2006/math">
-                              <m:oMathParaPr>
-                                <m:jc m:val="centerGroup"/>
-                              </m:oMathParaPr>
-                              <m:oMath xmlns:m="http://schemas.openxmlformats.org/officeDocument/2006/math">
-                                <m:sSub>
-                                  <m:sSubPr>
-                                    <m:ctrlPr>
-                                      <a:rPr lang="en-US" sz="1600" b="0" i="1" smtClean="0">
-                                        <a:latin typeface="Cambria Math" panose="02040503050406030204" pitchFamily="18" charset="0"/>
-                                      </a:rPr>
-                                    </m:ctrlPr>
-                                  </m:sSubPr>
-                                  <m:e>
-                                    <m:r>
-                                      <a:rPr lang="en-US" sz="1600" i="1">
-                                        <a:latin typeface="Cambria Math" panose="02040503050406030204" pitchFamily="18" charset="0"/>
-                                      </a:rPr>
-                                      <m:t>𝑘</m:t>
-                                    </m:r>
-                                  </m:e>
-                                  <m:sub>
-                                    <m:r>
-                                      <a:rPr lang="en-US" sz="1600" b="0" i="1" smtClean="0">
-                                        <a:latin typeface="Cambria Math" panose="02040503050406030204" pitchFamily="18" charset="0"/>
-                                      </a:rPr>
-                                      <m:t>600</m:t>
-                                    </m:r>
-                                  </m:sub>
-                                </m:sSub>
-                                <m:r>
-                                  <a:rPr lang="en-US" sz="1600" b="0" i="1" smtClean="0">
-                                    <a:latin typeface="Cambria Math" panose="02040503050406030204" pitchFamily="18" charset="0"/>
-                                  </a:rPr>
-                                  <m:t>=</m:t>
-                                </m:r>
-                                <m:r>
-                                  <a:rPr lang="en-US" sz="1600" b="0" i="1" smtClean="0">
-                                    <a:latin typeface="Cambria Math" panose="02040503050406030204" pitchFamily="18" charset="0"/>
-                                    <a:ea typeface="Cambria Math" panose="02040503050406030204" pitchFamily="18" charset="0"/>
-                                  </a:rPr>
-                                  <m:t>𝛼</m:t>
-                                </m:r>
-                                <m:sSup>
-                                  <m:sSupPr>
-                                    <m:ctrlPr>
-                                      <a:rPr lang="en-US" sz="1600" b="0" i="1" smtClean="0">
-                                        <a:latin typeface="Cambria Math" panose="02040503050406030204" pitchFamily="18" charset="0"/>
-                                        <a:ea typeface="Cambria Math" panose="02040503050406030204" pitchFamily="18" charset="0"/>
-                                      </a:rPr>
-                                    </m:ctrlPr>
-                                  </m:sSupPr>
-                                  <m:e>
-                                    <m:d>
-                                      <m:dPr>
-                                        <m:ctrlPr>
-                                          <a:rPr lang="en-US" sz="1600" b="0" i="1" smtClean="0">
-                                            <a:latin typeface="Cambria Math" panose="02040503050406030204" pitchFamily="18" charset="0"/>
-                                            <a:ea typeface="Cambria Math" panose="02040503050406030204" pitchFamily="18" charset="0"/>
-                                          </a:rPr>
-                                        </m:ctrlPr>
-                                      </m:dPr>
-                                      <m:e>
-                                        <m:r>
-                                          <a:rPr lang="en-US" sz="1600" b="0" i="1" smtClean="0">
-                                            <a:latin typeface="Cambria Math" panose="02040503050406030204" pitchFamily="18" charset="0"/>
-                                            <a:ea typeface="Cambria Math" panose="02040503050406030204" pitchFamily="18" charset="0"/>
-                                          </a:rPr>
-                                          <m:t>𝑔𝑆</m:t>
-                                        </m:r>
-                                      </m:e>
-                                    </m:d>
-                                  </m:e>
-                                  <m:sup>
-                                    <m:f>
-                                      <m:fPr>
-                                        <m:ctrlPr>
-                                          <a:rPr lang="en-US" sz="1600" b="0" i="1" smtClean="0">
-                                            <a:latin typeface="Cambria Math" panose="02040503050406030204" pitchFamily="18" charset="0"/>
-                                            <a:ea typeface="Cambria Math" panose="02040503050406030204" pitchFamily="18" charset="0"/>
-                                          </a:rPr>
-                                        </m:ctrlPr>
-                                      </m:fPr>
-                                      <m:num>
-                                        <m:r>
-                                          <a:rPr lang="en-US" sz="1600" b="0" i="1" smtClean="0">
-                                            <a:latin typeface="Cambria Math" panose="02040503050406030204" pitchFamily="18" charset="0"/>
-                                            <a:ea typeface="Cambria Math" panose="02040503050406030204" pitchFamily="18" charset="0"/>
-                                          </a:rPr>
-                                          <m:t>3</m:t>
-                                        </m:r>
-                                      </m:num>
-                                      <m:den>
-                                        <m:r>
-                                          <a:rPr lang="en-US" sz="1600" b="0" i="1" smtClean="0">
-                                            <a:latin typeface="Cambria Math" panose="02040503050406030204" pitchFamily="18" charset="0"/>
-                                            <a:ea typeface="Cambria Math" panose="02040503050406030204" pitchFamily="18" charset="0"/>
-                                          </a:rPr>
-                                          <m:t>8</m:t>
-                                        </m:r>
-                                      </m:den>
-                                    </m:f>
-                                  </m:sup>
-                                </m:sSup>
-                                <m:sSup>
-                                  <m:sSupPr>
-                                    <m:ctrlPr>
-                                      <a:rPr lang="en-US" sz="1600" i="1" smtClean="0">
-                                        <a:latin typeface="Cambria Math" panose="02040503050406030204" pitchFamily="18" charset="0"/>
-                                      </a:rPr>
-                                    </m:ctrlPr>
-                                  </m:sSupPr>
-                                  <m:e>
-                                    <m:r>
-                                      <a:rPr lang="en-US" sz="1600" i="1">
-                                        <a:latin typeface="Cambria Math" panose="02040503050406030204" pitchFamily="18" charset="0"/>
-                                      </a:rPr>
-                                      <m:t>𝐻</m:t>
-                                    </m:r>
-                                  </m:e>
-                                  <m:sup>
-                                    <m:f>
-                                      <m:fPr>
-                                        <m:ctrlPr>
-                                          <a:rPr lang="en-US" sz="1600" i="1">
-                                            <a:latin typeface="Cambria Math" panose="02040503050406030204" pitchFamily="18" charset="0"/>
-                                          </a:rPr>
-                                        </m:ctrlPr>
-                                      </m:fPr>
-                                      <m:num>
-                                        <m:r>
-                                          <a:rPr lang="en-US" sz="1600" i="1">
-                                            <a:latin typeface="Cambria Math" panose="02040503050406030204" pitchFamily="18" charset="0"/>
-                                          </a:rPr>
-                                          <m:t>1</m:t>
-                                        </m:r>
-                                      </m:num>
-                                      <m:den>
-                                        <m:r>
-                                          <a:rPr lang="en-US" sz="1600" i="1">
-                                            <a:latin typeface="Cambria Math" panose="02040503050406030204" pitchFamily="18" charset="0"/>
-                                          </a:rPr>
-                                          <m:t>8</m:t>
-                                        </m:r>
-                                      </m:den>
-                                    </m:f>
-                                  </m:sup>
-                                </m:sSup>
-                              </m:oMath>
-                            </m:oMathPara>
-                          </a14:m>
-                          <a:endParaRPr lang="en-US" sz="1600" dirty="0" smtClean="0"/>
-                        </a:p>
-                      </a:txBody>
-                      <a:tcPr/>
-                    </a:tc>
-                    <a:tc>
-                      <a:txBody>
-                        <a:bodyPr/>
-                        <a:lstStyle/>
-                        <a:p>
-                          <a:pPr/>
-                          <a14:m>
-                            <m:oMathPara xmlns:m="http://schemas.openxmlformats.org/officeDocument/2006/math">
-                              <m:oMathParaPr>
-                                <m:jc m:val="centerGroup"/>
-                              </m:oMathParaPr>
-                              <m:oMath xmlns:m="http://schemas.openxmlformats.org/officeDocument/2006/math">
-                                <m:sSub>
-                                  <m:sSubPr>
-                                    <m:ctrlPr>
-                                      <a:rPr lang="en-US" sz="1600" b="0" i="1" smtClean="0">
-                                        <a:latin typeface="Cambria Math" panose="02040503050406030204" pitchFamily="18" charset="0"/>
-                                      </a:rPr>
-                                    </m:ctrlPr>
-                                  </m:sSubPr>
-                                  <m:e>
-                                    <m:r>
-                                      <a:rPr lang="en-US" sz="1600" i="1">
-                                        <a:latin typeface="Cambria Math" panose="02040503050406030204" pitchFamily="18" charset="0"/>
-                                      </a:rPr>
-                                      <m:t>𝑘</m:t>
-                                    </m:r>
-                                  </m:e>
-                                  <m:sub>
-                                    <m:r>
-                                      <a:rPr lang="en-US" sz="1600" b="0" i="1" smtClean="0">
-                                        <a:latin typeface="Cambria Math" panose="02040503050406030204" pitchFamily="18" charset="0"/>
-                                      </a:rPr>
-                                      <m:t>600</m:t>
-                                    </m:r>
-                                  </m:sub>
-                                </m:sSub>
-                                <m:r>
-                                  <a:rPr lang="en-US" sz="1600" b="0" i="1" smtClean="0">
-                                    <a:latin typeface="Cambria Math" panose="02040503050406030204" pitchFamily="18" charset="0"/>
-                                  </a:rPr>
-                                  <m:t>=</m:t>
-                                </m:r>
-                                <m:sSup>
-                                  <m:sSupPr>
-                                    <m:ctrlPr>
-                                      <a:rPr lang="en-US" sz="1600" b="0" i="1" smtClean="0">
-                                        <a:latin typeface="Cambria Math" panose="02040503050406030204" pitchFamily="18" charset="0"/>
-                                        <a:ea typeface="Cambria Math" panose="02040503050406030204" pitchFamily="18" charset="0"/>
-                                      </a:rPr>
-                                    </m:ctrlPr>
-                                  </m:sSupPr>
-                                  <m:e>
-                                    <m:r>
-                                      <a:rPr lang="en-US" sz="1600" b="0" i="1" smtClean="0">
-                                        <a:latin typeface="Cambria Math" panose="02040503050406030204" pitchFamily="18" charset="0"/>
-                                        <a:ea typeface="Cambria Math" panose="02040503050406030204" pitchFamily="18" charset="0"/>
-                                      </a:rPr>
-                                      <m:t>𝛽</m:t>
-                                    </m:r>
-                                    <m:d>
-                                      <m:dPr>
-                                        <m:ctrlPr>
-                                          <a:rPr lang="en-US" sz="1600" b="0" i="1" smtClean="0">
-                                            <a:latin typeface="Cambria Math" panose="02040503050406030204" pitchFamily="18" charset="0"/>
-                                            <a:ea typeface="Cambria Math" panose="02040503050406030204" pitchFamily="18" charset="0"/>
-                                          </a:rPr>
-                                        </m:ctrlPr>
-                                      </m:dPr>
-                                      <m:e>
-                                        <m:r>
-                                          <a:rPr lang="en-US" sz="1600" b="0" i="1" smtClean="0">
-                                            <a:latin typeface="Cambria Math" panose="02040503050406030204" pitchFamily="18" charset="0"/>
-                                            <a:ea typeface="Cambria Math" panose="02040503050406030204" pitchFamily="18" charset="0"/>
-                                          </a:rPr>
-                                          <m:t>𝑔𝑆</m:t>
-                                        </m:r>
-                                      </m:e>
-                                    </m:d>
-                                  </m:e>
-                                  <m:sup>
-                                    <m:f>
-                                      <m:fPr>
-                                        <m:ctrlPr>
-                                          <a:rPr lang="en-US" sz="1600" b="0" i="1" smtClean="0">
-                                            <a:latin typeface="Cambria Math" panose="02040503050406030204" pitchFamily="18" charset="0"/>
-                                            <a:ea typeface="Cambria Math" panose="02040503050406030204" pitchFamily="18" charset="0"/>
-                                          </a:rPr>
-                                        </m:ctrlPr>
-                                      </m:fPr>
-                                      <m:num>
-                                        <m:r>
-                                          <a:rPr lang="en-US" sz="1600" b="0" i="1" smtClean="0">
-                                            <a:latin typeface="Cambria Math" panose="02040503050406030204" pitchFamily="18" charset="0"/>
-                                            <a:ea typeface="Cambria Math" panose="02040503050406030204" pitchFamily="18" charset="0"/>
-                                          </a:rPr>
-                                          <m:t>9</m:t>
-                                        </m:r>
-                                      </m:num>
-                                      <m:den>
-                                        <m:r>
-                                          <a:rPr lang="en-US" sz="1600" b="0" i="1" smtClean="0">
-                                            <a:latin typeface="Cambria Math" panose="02040503050406030204" pitchFamily="18" charset="0"/>
-                                            <a:ea typeface="Cambria Math" panose="02040503050406030204" pitchFamily="18" charset="0"/>
-                                          </a:rPr>
-                                          <m:t>16</m:t>
-                                        </m:r>
-                                      </m:den>
-                                    </m:f>
-                                  </m:sup>
-                                </m:sSup>
-                                <m:sSup>
-                                  <m:sSupPr>
-                                    <m:ctrlPr>
-                                      <a:rPr lang="en-US" sz="1600" i="1" smtClean="0">
-                                        <a:latin typeface="Cambria Math" panose="02040503050406030204" pitchFamily="18" charset="0"/>
-                                      </a:rPr>
-                                    </m:ctrlPr>
-                                  </m:sSupPr>
-                                  <m:e>
-                                    <m:r>
-                                      <a:rPr lang="en-US" sz="1600" i="1">
-                                        <a:latin typeface="Cambria Math" panose="02040503050406030204" pitchFamily="18" charset="0"/>
-                                      </a:rPr>
-                                      <m:t>𝐻</m:t>
-                                    </m:r>
-                                  </m:e>
-                                  <m:sup>
-                                    <m:f>
-                                      <m:fPr>
-                                        <m:ctrlPr>
-                                          <a:rPr lang="en-US" sz="1600" i="1">
-                                            <a:latin typeface="Cambria Math" panose="02040503050406030204" pitchFamily="18" charset="0"/>
-                                          </a:rPr>
-                                        </m:ctrlPr>
-                                      </m:fPr>
-                                      <m:num>
-                                        <m:r>
-                                          <a:rPr lang="en-US" sz="1600" i="1">
-                                            <a:latin typeface="Cambria Math" panose="02040503050406030204" pitchFamily="18" charset="0"/>
-                                          </a:rPr>
-                                          <m:t>1</m:t>
-                                        </m:r>
-                                        <m:r>
-                                          <a:rPr lang="en-US" sz="1600" b="0" i="1" smtClean="0">
-                                            <a:latin typeface="Cambria Math" panose="02040503050406030204" pitchFamily="18" charset="0"/>
-                                          </a:rPr>
-                                          <m:t>1</m:t>
-                                        </m:r>
-                                      </m:num>
-                                      <m:den>
-                                        <m:r>
-                                          <a:rPr lang="en-US" sz="1600" b="0" i="1" smtClean="0">
-                                            <a:latin typeface="Cambria Math" panose="02040503050406030204" pitchFamily="18" charset="0"/>
-                                          </a:rPr>
-                                          <m:t>16</m:t>
-                                        </m:r>
-                                      </m:den>
-                                    </m:f>
-                                  </m:sup>
-                                </m:sSup>
-                              </m:oMath>
-                            </m:oMathPara>
-                          </a14:m>
-                          <a:endParaRPr lang="en-US" sz="1600" dirty="0" smtClean="0"/>
-                        </a:p>
-                      </a:txBody>
-                      <a:tcPr/>
-                    </a:tc>
-                    <a:extLst>
-                      <a:ext uri="{0D108BD9-81ED-4DB2-BD59-A6C34878D82A}">
-                        <a16:rowId xmlns:a16="http://schemas.microsoft.com/office/drawing/2014/main" val="1306088015"/>
-                      </a:ext>
-                    </a:extLst>
-                  </a:tr>
                 </a:tbl>
               </a:graphicData>
             </a:graphic>
           </p:graphicFrame>
         </mc:Choice>
-        <mc:Fallback>
+        <mc:Fallback xmlns="">
           <p:graphicFrame>
             <p:nvGraphicFramePr>
               <p:cNvPr id="5" name="Table 5">
@@ -8353,14 +8102,14 @@
                 <p:ph idx="1"/>
                 <p:extLst>
                   <p:ext uri="{D42A27DB-BD31-4B8C-83A1-F6EECF244321}">
-                    <p14:modId xmlns:p14="http://schemas.microsoft.com/office/powerpoint/2010/main" val="1608358794"/>
+                    <p14:modId xmlns:p14="http://schemas.microsoft.com/office/powerpoint/2010/main" val="2061550684"/>
                   </p:ext>
                 </p:extLst>
               </p:nvPr>
             </p:nvGraphicFramePr>
             <p:xfrm>
-              <a:off x="616502" y="66502"/>
-              <a:ext cx="11054568" cy="6604952"/>
+              <a:off x="141317" y="66502"/>
+              <a:ext cx="11920451" cy="6499807"/>
             </p:xfrm>
             <a:graphic>
               <a:graphicData uri="http://schemas.openxmlformats.org/drawingml/2006/table">
@@ -8369,21 +8118,21 @@
                     <a:tableStyleId>{5C22544A-7EE6-4342-B048-85BDC9FD1C3A}</a:tableStyleId>
                   </a:tblPr>
                   <a:tblGrid>
-                    <a:gridCol w="3360761">
+                    <a:gridCol w="3350028">
                       <a:extLst>
                         <a:ext uri="{9D8B030D-6E8A-4147-A177-3AD203B41FA5}">
                           <a16:colId xmlns:a16="http://schemas.microsoft.com/office/drawing/2014/main" val="2712491034"/>
                         </a:ext>
                       </a:extLst>
                     </a:gridCol>
-                    <a:gridCol w="3204207">
+                    <a:gridCol w="3729162">
                       <a:extLst>
                         <a:ext uri="{9D8B030D-6E8A-4147-A177-3AD203B41FA5}">
                           <a16:colId xmlns:a16="http://schemas.microsoft.com/office/drawing/2014/main" val="2758356651"/>
                         </a:ext>
                       </a:extLst>
                     </a:gridCol>
-                    <a:gridCol w="4489600">
+                    <a:gridCol w="4841261">
                       <a:extLst>
                         <a:ext uri="{9D8B030D-6E8A-4147-A177-3AD203B41FA5}">
                           <a16:colId xmlns:a16="http://schemas.microsoft.com/office/drawing/2014/main" val="3800804289"/>
@@ -8391,15 +8140,19 @@
                       </a:extLst>
                     </a:gridCol>
                   </a:tblGrid>
-                  <a:tr h="592265">
+                  <a:tr h="800138">
                     <a:tc>
                       <a:txBody>
                         <a:bodyPr/>
                         <a:lstStyle/>
                         <a:p>
                           <a:r>
+                            <a:rPr lang="en-US" sz="1600" dirty="0" smtClean="0"/>
+                            <a:t>Two physical </a:t>
+                          </a:r>
+                          <a:r>
                             <a:rPr lang="en-US" sz="1600" dirty="0"/>
-                            <a:t>Physical models for </a:t>
+                            <a:t>models for </a:t>
                           </a:r>
                           <a:r>
                             <a:rPr lang="en-US" sz="1600" i="1" dirty="0"/>
@@ -8417,7 +8170,21 @@
                         <a:p>
                           <a:r>
                             <a:rPr lang="en-US" sz="1600" dirty="0"/>
-                            <a:t>Small-Eddy Model </a:t>
+                            <a:t>Small-Eddy </a:t>
+                          </a:r>
+                          <a:r>
+                            <a:rPr lang="en-US" sz="1600" dirty="0" smtClean="0"/>
+                            <a:t>Model</a:t>
+                          </a:r>
+                        </a:p>
+                        <a:p>
+                          <a:r>
+                            <a:rPr lang="en-US" sz="1600" b="0" dirty="0" smtClean="0">
+                              <a:solidFill>
+                                <a:srgbClr val="C00000"/>
+                              </a:solidFill>
+                            </a:rPr>
+                            <a:t>[Lamont </a:t>
                           </a:r>
                           <a:r>
                             <a:rPr lang="en-US" sz="1600" b="0" dirty="0">
@@ -8425,7 +8192,7 @@
                                 <a:srgbClr val="C00000"/>
                               </a:solidFill>
                             </a:rPr>
-                            <a:t>[Lamont &amp; Scott, 1970]</a:t>
+                            <a:t>&amp; Scott, 1970]</a:t>
                           </a:r>
                         </a:p>
                       </a:txBody>
@@ -8438,7 +8205,21 @@
                         <a:p>
                           <a:r>
                             <a:rPr lang="en-US" sz="1600" dirty="0"/>
-                            <a:t>Chainsaw Model </a:t>
+                            <a:t>Chainsaw </a:t>
+                          </a:r>
+                          <a:r>
+                            <a:rPr lang="en-US" sz="1600" dirty="0" smtClean="0"/>
+                            <a:t>Model</a:t>
+                          </a:r>
+                        </a:p>
+                        <a:p>
+                          <a:r>
+                            <a:rPr lang="en-US" sz="1600" b="0" dirty="0" smtClean="0">
+                              <a:solidFill>
+                                <a:srgbClr val="C00000"/>
+                              </a:solidFill>
+                            </a:rPr>
+                            <a:t>[Moog </a:t>
                           </a:r>
                           <a:r>
                             <a:rPr lang="en-US" sz="1600" b="0" dirty="0">
@@ -8446,7 +8227,7 @@
                                 <a:srgbClr val="C00000"/>
                               </a:solidFill>
                             </a:rPr>
-                            <a:t>[Moog &amp; </a:t>
+                            <a:t>&amp; </a:t>
                           </a:r>
                           <a:r>
                             <a:rPr lang="en-US" sz="1600" b="0" dirty="0" err="1">
@@ -8474,7 +8255,7 @@
                       </a:ext>
                     </a:extLst>
                   </a:tr>
-                  <a:tr h="2042160">
+                  <a:tr h="2314657">
                     <a:tc>
                       <a:txBody>
                         <a:bodyPr/>
@@ -8500,7 +8281,7 @@
                         <a:blipFill>
                           <a:blip r:embed="rId2"/>
                           <a:stretch>
-                            <a:fillRect l="-104943" t="-29464" r="-140875" b="-194643"/>
+                            <a:fillRect l="-90033" t="-34908" r="-130392" b="-146457"/>
                           </a:stretch>
                         </a:blipFill>
                       </a:tcPr>
@@ -8511,35 +8292,47 @@
                         <a:lstStyle/>
                         <a:p>
                           <a:r>
-                            <a:rPr lang="en-US" sz="1600" dirty="0"/>
-                            <a:t>-Extension of the small-eddy model for small-roughness open channel flows</a:t>
+                            <a:rPr lang="en-US" sz="1800" dirty="0" smtClean="0"/>
+                            <a:t>-Conceptual</a:t>
+                          </a:r>
+                          <a:r>
+                            <a:rPr lang="en-US" sz="1800" baseline="0" dirty="0" smtClean="0"/>
+                            <a:t> e</a:t>
+                          </a:r>
+                          <a:r>
+                            <a:rPr lang="en-US" sz="1800" dirty="0" smtClean="0"/>
+                            <a:t>xtension </a:t>
+                          </a:r>
+                          <a:r>
+                            <a:rPr lang="en-US" sz="1800" dirty="0"/>
+                            <a:t>of the small-eddy model for small-roughness open channel flows</a:t>
                           </a:r>
                         </a:p>
                         <a:p>
                           <a:r>
-                            <a:rPr lang="en-US" sz="1600" dirty="0"/>
+                            <a:rPr lang="en-US" sz="1800" dirty="0"/>
                             <a:t>-Assumes that depth-scale eddies transport small-eddies to the surface, with the latter contributing to the actual gas evasion</a:t>
                           </a:r>
                         </a:p>
                         <a:p>
                           <a:r>
-                            <a:rPr lang="en-US" sz="1600" dirty="0"/>
+                            <a:rPr lang="en-US" sz="1800" dirty="0"/>
                             <a:t>-SO: applies the small-eddy model only to the ‘active-zones’ </a:t>
                           </a:r>
                           <a:r>
-                            <a:rPr lang="en-US" sz="1600" i="1" dirty="0"/>
+                            <a:rPr lang="en-US" sz="1800" i="1" dirty="0"/>
                             <a:t>A</a:t>
                           </a:r>
                           <a:r>
-                            <a:rPr lang="en-US" sz="1600" i="1" baseline="-25000" dirty="0"/>
+                            <a:rPr lang="en-US" sz="1800" i="1" baseline="-25000" dirty="0"/>
                             <a:t>p</a:t>
                           </a:r>
                           <a:r>
-                            <a:rPr lang="en-US" sz="1600" dirty="0"/>
+                            <a:rPr lang="en-US" sz="1800" dirty="0"/>
                             <a:t> of evasion </a:t>
                           </a:r>
                           <a:r>
-                            <a:rPr lang="en-US" sz="1200" dirty="0">
+                            <a:rPr lang="en-US" sz="1400" dirty="0">
                               <a:solidFill>
                                 <a:srgbClr val="C00000"/>
                               </a:solidFill>
@@ -8547,12 +8340,20 @@
                             <a:t>[Rashidi et al. 1991]</a:t>
                           </a:r>
                           <a:r>
-                            <a:rPr lang="en-US" sz="1600" baseline="0" dirty="0"/>
+                            <a:rPr lang="en-US" sz="1800" baseline="0" dirty="0"/>
                             <a:t>, which are</a:t>
                           </a:r>
                           <a:r>
-                            <a:rPr lang="en-US" sz="1600" dirty="0"/>
-                            <a:t> determined by depth-scale eddies</a:t>
+                            <a:rPr lang="en-US" sz="1800" dirty="0"/>
+                            <a:t> </a:t>
+                          </a:r>
+                          <a:r>
+                            <a:rPr lang="en-US" sz="1800" dirty="0" smtClean="0"/>
+                            <a:t>a function of </a:t>
+                          </a:r>
+                          <a:r>
+                            <a:rPr lang="en-US" sz="1800" dirty="0"/>
+                            <a:t>depth-scale eddies</a:t>
                           </a:r>
                         </a:p>
                       </a:txBody>
@@ -8564,7 +8365,7 @@
                       </a:ext>
                     </a:extLst>
                   </a:tr>
-                  <a:tr h="676874">
+                  <a:tr h="1670431">
                     <a:tc>
                       <a:txBody>
                         <a:bodyPr/>
@@ -8572,7 +8373,69 @@
                         <a:p>
                           <a:r>
                             <a:rPr lang="en-US" sz="1600" b="1" dirty="0"/>
-                            <a:t>Empirical Confirmations (freshwater/estuaries)</a:t>
+                            <a:t>Scaling relation</a:t>
+                          </a:r>
+                        </a:p>
+                      </a:txBody>
+                      <a:tcPr/>
+                    </a:tc>
+                    <a:tc>
+                      <a:txBody>
+                        <a:bodyPr/>
+                        <a:lstStyle/>
+                        <a:p>
+                          <a:endParaRPr lang="en-US"/>
+                        </a:p>
+                      </a:txBody>
+                      <a:tcPr>
+                        <a:blipFill>
+                          <a:blip r:embed="rId2"/>
+                          <a:stretch>
+                            <a:fillRect l="-90033" t="-187591" r="-130392" b="-103650"/>
+                          </a:stretch>
+                        </a:blipFill>
+                      </a:tcPr>
+                    </a:tc>
+                    <a:tc>
+                      <a:txBody>
+                        <a:bodyPr/>
+                        <a:lstStyle/>
+                        <a:p>
+                          <a:endParaRPr lang="en-US"/>
+                        </a:p>
+                      </a:txBody>
+                      <a:tcPr>
+                        <a:blipFill>
+                          <a:blip r:embed="rId2"/>
+                          <a:stretch>
+                            <a:fillRect l="-146474" t="-187591" r="-504" b="-103650"/>
+                          </a:stretch>
+                        </a:blipFill>
+                      </a:tcPr>
+                    </a:tc>
+                    <a:extLst>
+                      <a:ext uri="{0D108BD9-81ED-4DB2-BD59-A6C34878D82A}">
+                        <a16:rowId xmlns:a16="http://schemas.microsoft.com/office/drawing/2014/main" val="2667657400"/>
+                      </a:ext>
+                    </a:extLst>
+                  </a:tr>
+                  <a:tr h="914443">
+                    <a:tc>
+                      <a:txBody>
+                        <a:bodyPr/>
+                        <a:lstStyle/>
+                        <a:p>
+                          <a:r>
+                            <a:rPr lang="en-US" sz="1600" b="1" dirty="0"/>
+                            <a:t>Empirical Confirmations (</a:t>
+                          </a:r>
+                          <a:r>
+                            <a:rPr lang="en-US" sz="1600" b="1" dirty="0" smtClean="0"/>
+                            <a:t>freshwater or estuaries</a:t>
+                          </a:r>
+                          <a:r>
+                            <a:rPr lang="en-US" sz="1600" b="1" dirty="0"/>
+                            <a:t>)</a:t>
                           </a:r>
                         </a:p>
                       </a:txBody>
@@ -8659,7 +8522,23 @@
                                 <a:srgbClr val="00008B"/>
                               </a:solidFill>
                             </a:rPr>
-                            <a:t>[only the turbulence part, not carried all the way to k]</a:t>
+                            <a:t>[observed the large</a:t>
+                          </a:r>
+                          <a:r>
+                            <a:rPr lang="en-US" sz="1200" baseline="0" dirty="0" smtClean="0">
+                              <a:solidFill>
+                                <a:srgbClr val="00008B"/>
+                              </a:solidFill>
+                            </a:rPr>
+                            <a:t>-eddy transport of small eddies, but stopped short of relating to k</a:t>
+                          </a:r>
+                          <a:r>
+                            <a:rPr lang="en-US" sz="1200" dirty="0" smtClean="0">
+                              <a:solidFill>
+                                <a:srgbClr val="00008B"/>
+                              </a:solidFill>
+                            </a:rPr>
+                            <a:t>]</a:t>
                           </a:r>
                           <a:endParaRPr lang="en-US" sz="1200" dirty="0">
                             <a:solidFill>
@@ -8676,61 +8555,7 @@
                       </a:ext>
                     </a:extLst>
                   </a:tr>
-                  <a:tr h="1137702">
-                    <a:tc>
-                      <a:txBody>
-                        <a:bodyPr/>
-                        <a:lstStyle/>
-                        <a:p>
-                          <a:r>
-                            <a:rPr lang="en-US" sz="1600" b="1" dirty="0"/>
-                            <a:t>Scaling relation</a:t>
-                          </a:r>
-                        </a:p>
-                      </a:txBody>
-                      <a:tcPr/>
-                    </a:tc>
-                    <a:tc>
-                      <a:txBody>
-                        <a:bodyPr/>
-                        <a:lstStyle/>
-                        <a:p>
-                          <a:endParaRPr lang="en-US"/>
-                        </a:p>
-                      </a:txBody>
-                      <a:tcPr>
-                        <a:blipFill>
-                          <a:blip r:embed="rId2"/>
-                          <a:stretch>
-                            <a:fillRect l="-104943" t="-291979" r="-140875" b="-190374"/>
-                          </a:stretch>
-                        </a:blipFill>
-                      </a:tcPr>
-                    </a:tc>
-                    <a:tc>
-                      <a:txBody>
-                        <a:bodyPr/>
-                        <a:lstStyle/>
-                        <a:p>
-                          <a:endParaRPr lang="en-US"/>
-                        </a:p>
-                      </a:txBody>
-                      <a:tcPr>
-                        <a:blipFill>
-                          <a:blip r:embed="rId2"/>
-                          <a:stretch>
-                            <a:fillRect l="-146269" t="-291979" r="-543" b="-190374"/>
-                          </a:stretch>
-                        </a:blipFill>
-                      </a:tcPr>
-                    </a:tc>
-                    <a:extLst>
-                      <a:ext uri="{0D108BD9-81ED-4DB2-BD59-A6C34878D82A}">
-                        <a16:rowId xmlns:a16="http://schemas.microsoft.com/office/drawing/2014/main" val="412895981"/>
-                      </a:ext>
-                    </a:extLst>
-                  </a:tr>
-                  <a:tr h="592265">
+                  <a:tr h="800138">
                     <a:tc>
                       <a:txBody>
                         <a:bodyPr/>
@@ -8756,7 +8581,7 @@
                         <a:blipFill>
                           <a:blip r:embed="rId2"/>
                           <a:stretch>
-                            <a:fillRect l="-104943" t="-755670" r="-140875" b="-267010"/>
+                            <a:fillRect l="-90033" t="-716794" r="-130392" b="-1527"/>
                           </a:stretch>
                         </a:blipFill>
                       </a:tcPr>
@@ -8773,7 +8598,7 @@
                         <a:blipFill>
                           <a:blip r:embed="rId2"/>
                           <a:stretch>
-                            <a:fillRect l="-146269" t="-755670" r="-543" b="-267010"/>
+                            <a:fillRect l="-146474" t="-716794" r="-504" b="-1527"/>
                           </a:stretch>
                         </a:blipFill>
                       </a:tcPr>
@@ -8784,70 +8609,42 @@
                       </a:ext>
                     </a:extLst>
                   </a:tr>
-                  <a:tr h="1563686">
-                    <a:tc>
-                      <a:txBody>
-                        <a:bodyPr/>
-                        <a:lstStyle/>
-                        <a:p>
-                          <a:endParaRPr lang="en-US"/>
-                        </a:p>
-                      </a:txBody>
-                      <a:tcPr>
-                        <a:blipFill>
-                          <a:blip r:embed="rId2"/>
-                          <a:stretch>
-                            <a:fillRect l="-181" t="-322957" r="-229946" b="-778"/>
-                          </a:stretch>
-                        </a:blipFill>
-                      </a:tcPr>
-                    </a:tc>
-                    <a:tc>
-                      <a:txBody>
-                        <a:bodyPr/>
-                        <a:lstStyle/>
-                        <a:p>
-                          <a:endParaRPr lang="en-US"/>
-                        </a:p>
-                      </a:txBody>
-                      <a:tcPr>
-                        <a:blipFill>
-                          <a:blip r:embed="rId2"/>
-                          <a:stretch>
-                            <a:fillRect l="-104943" t="-322957" r="-140875" b="-778"/>
-                          </a:stretch>
-                        </a:blipFill>
-                      </a:tcPr>
-                    </a:tc>
-                    <a:tc>
-                      <a:txBody>
-                        <a:bodyPr/>
-                        <a:lstStyle/>
-                        <a:p>
-                          <a:endParaRPr lang="en-US"/>
-                        </a:p>
-                      </a:txBody>
-                      <a:tcPr>
-                        <a:blipFill>
-                          <a:blip r:embed="rId2"/>
-                          <a:stretch>
-                            <a:fillRect l="-146269" t="-322957" r="-543" b="-778"/>
-                          </a:stretch>
-                        </a:blipFill>
-                      </a:tcPr>
-                    </a:tc>
-                    <a:extLst>
-                      <a:ext uri="{0D108BD9-81ED-4DB2-BD59-A6C34878D82A}">
-                        <a16:rowId xmlns:a16="http://schemas.microsoft.com/office/drawing/2014/main" val="1306088015"/>
-                      </a:ext>
-                    </a:extLst>
-                  </a:tr>
                 </a:tbl>
               </a:graphicData>
             </a:graphic>
           </p:graphicFrame>
         </mc:Fallback>
       </mc:AlternateContent>
+      <p:sp>
+        <p:nvSpPr>
+          <p:cNvPr id="10" name="TextBox 9"/>
+          <p:cNvSpPr txBox="1"/>
+          <p:nvPr/>
+        </p:nvSpPr>
+        <p:spPr>
+          <a:xfrm>
+            <a:off x="1512917" y="6488668"/>
+            <a:ext cx="9310253" cy="369332"/>
+          </a:xfrm>
+          <a:prstGeom prst="rect">
+            <a:avLst/>
+          </a:prstGeom>
+          <a:noFill/>
+        </p:spPr>
+        <p:txBody>
+          <a:bodyPr wrap="square" rtlCol="0">
+            <a:spAutoFit/>
+          </a:bodyPr>
+          <a:lstStyle/>
+          <a:p>
+            <a:r>
+              <a:rPr lang="en-US" u="sng" dirty="0" smtClean="0"/>
+              <a:t>These two models are then parameterized using two different dissipation equations (next slide)</a:t>
+            </a:r>
+            <a:endParaRPr lang="en-US" u="sng" dirty="0"/>
+          </a:p>
+        </p:txBody>
+      </p:sp>
     </p:spTree>
     <p:extLst>
       <p:ext uri="{BB962C8B-B14F-4D97-AF65-F5344CB8AC3E}">
@@ -8878,15 +8675,3122 @@
           <a:chExt cx="0" cy="0"/>
         </a:xfrm>
       </p:grpSpPr>
+      <p:cxnSp>
+        <p:nvCxnSpPr>
+          <p:cNvPr id="55" name="Straight Connector 54"/>
+          <p:cNvCxnSpPr>
+            <a:stCxn id="5" idx="0"/>
+            <a:endCxn id="53" idx="2"/>
+          </p:cNvCxnSpPr>
+          <p:nvPr/>
+        </p:nvCxnSpPr>
+        <p:spPr>
+          <a:xfrm flipV="1">
+            <a:off x="6885709" y="4926862"/>
+            <a:ext cx="0" cy="738327"/>
+          </a:xfrm>
+          <a:prstGeom prst="line">
+            <a:avLst/>
+          </a:prstGeom>
+        </p:spPr>
+        <p:style>
+          <a:lnRef idx="1">
+            <a:schemeClr val="accent1"/>
+          </a:lnRef>
+          <a:fillRef idx="0">
+            <a:schemeClr val="accent1"/>
+          </a:fillRef>
+          <a:effectRef idx="0">
+            <a:schemeClr val="accent1"/>
+          </a:effectRef>
+          <a:fontRef idx="minor">
+            <a:schemeClr val="tx1"/>
+          </a:fontRef>
+        </p:style>
+      </p:cxnSp>
+      <mc:AlternateContent xmlns:mc="http://schemas.openxmlformats.org/markup-compatibility/2006" xmlns:a14="http://schemas.microsoft.com/office/drawing/2010/main">
+        <mc:Choice Requires="a14">
+          <p:sp>
+            <p:nvSpPr>
+              <p:cNvPr id="2" name="Title 1"/>
+              <p:cNvSpPr>
+                <a:spLocks noGrp="1"/>
+              </p:cNvSpPr>
+              <p:nvPr>
+                <p:ph type="title"/>
+              </p:nvPr>
+            </p:nvSpPr>
+            <p:spPr>
+              <a:xfrm>
+                <a:off x="1602971" y="37192"/>
+                <a:ext cx="9061686" cy="1325563"/>
+              </a:xfrm>
+            </p:spPr>
+            <p:txBody>
+              <a:bodyPr/>
+              <a:lstStyle/>
+              <a:p>
+                <a:r>
+                  <a:rPr lang="en-US" dirty="0" smtClean="0"/>
+                  <a:t>Applying two different dissipation (</a:t>
+                </a:r>
+                <a14:m>
+                  <m:oMath xmlns:m="http://schemas.openxmlformats.org/officeDocument/2006/math">
+                    <m:r>
+                      <a:rPr lang="en-US" i="1" smtClean="0">
+                        <a:latin typeface="Cambria Math" panose="02040503050406030204" pitchFamily="18" charset="0"/>
+                        <a:ea typeface="Cambria Math" panose="02040503050406030204" pitchFamily="18" charset="0"/>
+                      </a:rPr>
+                      <m:t>𝜀</m:t>
+                    </m:r>
+                  </m:oMath>
+                </a14:m>
+                <a:r>
+                  <a:rPr lang="en-US" dirty="0" smtClean="0"/>
+                  <a:t>) parameterizations to these models</a:t>
+                </a:r>
+                <a:endParaRPr lang="en-US" dirty="0"/>
+              </a:p>
+            </p:txBody>
+          </p:sp>
+        </mc:Choice>
+        <mc:Fallback xmlns="">
+          <p:sp>
+            <p:nvSpPr>
+              <p:cNvPr id="2" name="Title 1"/>
+              <p:cNvSpPr>
+                <a:spLocks noGrp="1" noRot="1" noChangeAspect="1" noMove="1" noResize="1" noEditPoints="1" noAdjustHandles="1" noChangeArrowheads="1" noChangeShapeType="1" noTextEdit="1"/>
+              </p:cNvSpPr>
+              <p:nvPr>
+                <p:ph type="title"/>
+              </p:nvPr>
+            </p:nvSpPr>
+            <p:spPr>
+              <a:xfrm>
+                <a:off x="1602971" y="37192"/>
+                <a:ext cx="9061686" cy="1325563"/>
+              </a:xfrm>
+              <a:blipFill>
+                <a:blip r:embed="rId2"/>
+                <a:stretch>
+                  <a:fillRect l="-2759" t="-13303" b="-20642"/>
+                </a:stretch>
+              </a:blipFill>
+            </p:spPr>
+            <p:txBody>
+              <a:bodyPr/>
+              <a:lstStyle/>
+              <a:p>
+                <a:r>
+                  <a:rPr lang="en-US">
+                    <a:noFill/>
+                  </a:rPr>
+                  <a:t> </a:t>
+                </a:r>
+              </a:p>
+            </p:txBody>
+          </p:sp>
+        </mc:Fallback>
+      </mc:AlternateContent>
+      <mc:AlternateContent xmlns:mc="http://schemas.openxmlformats.org/markup-compatibility/2006" xmlns:a14="http://schemas.microsoft.com/office/drawing/2010/main">
+        <mc:Choice Requires="a14">
+          <p:sp>
+            <p:nvSpPr>
+              <p:cNvPr id="3" name="Rectangle 2"/>
+              <p:cNvSpPr/>
+              <p:nvPr/>
+            </p:nvSpPr>
+            <p:spPr>
+              <a:xfrm>
+                <a:off x="297721" y="5670959"/>
+                <a:ext cx="2136674" cy="570221"/>
+              </a:xfrm>
+              <a:prstGeom prst="rect">
+                <a:avLst/>
+              </a:prstGeom>
+            </p:spPr>
+            <p:txBody>
+              <a:bodyPr wrap="none">
+                <a:spAutoFit/>
+              </a:bodyPr>
+              <a:lstStyle/>
+              <a:p>
+                <a:pPr/>
+                <a14:m>
+                  <m:oMathPara xmlns:m="http://schemas.openxmlformats.org/officeDocument/2006/math">
+                    <m:oMathParaPr>
+                      <m:jc m:val="centerGroup"/>
+                    </m:oMathParaPr>
+                    <m:oMath xmlns:m="http://schemas.openxmlformats.org/officeDocument/2006/math">
+                      <m:sSub>
+                        <m:sSubPr>
+                          <m:ctrlPr>
+                            <a:rPr lang="en-US" i="1">
+                              <a:solidFill>
+                                <a:schemeClr val="accent6">
+                                  <a:lumMod val="50000"/>
+                                </a:schemeClr>
+                              </a:solidFill>
+                              <a:latin typeface="Cambria Math" panose="02040503050406030204" pitchFamily="18" charset="0"/>
+                            </a:rPr>
+                          </m:ctrlPr>
+                        </m:sSubPr>
+                        <m:e>
+                          <m:r>
+                            <a:rPr lang="en-US" i="1">
+                              <a:solidFill>
+                                <a:schemeClr val="accent6">
+                                  <a:lumMod val="50000"/>
+                                </a:schemeClr>
+                              </a:solidFill>
+                              <a:latin typeface="Cambria Math" panose="02040503050406030204" pitchFamily="18" charset="0"/>
+                            </a:rPr>
+                            <m:t>𝑘</m:t>
+                          </m:r>
+                        </m:e>
+                        <m:sub>
+                          <m:sSub>
+                            <m:sSubPr>
+                              <m:ctrlPr>
+                                <a:rPr lang="en-US" i="1">
+                                  <a:solidFill>
+                                    <a:schemeClr val="accent6">
+                                      <a:lumMod val="50000"/>
+                                    </a:schemeClr>
+                                  </a:solidFill>
+                                  <a:latin typeface="Cambria Math" panose="02040503050406030204" pitchFamily="18" charset="0"/>
+                                </a:rPr>
+                              </m:ctrlPr>
+                            </m:sSubPr>
+                            <m:e>
+                              <m:r>
+                                <a:rPr lang="en-US" i="1">
+                                  <a:solidFill>
+                                    <a:schemeClr val="accent6">
+                                      <a:lumMod val="50000"/>
+                                    </a:schemeClr>
+                                  </a:solidFill>
+                                  <a:latin typeface="Cambria Math" panose="02040503050406030204" pitchFamily="18" charset="0"/>
+                                </a:rPr>
+                                <m:t>600</m:t>
+                              </m:r>
+                            </m:e>
+                            <m:sub>
+                              <m:sSub>
+                                <m:sSubPr>
+                                  <m:ctrlPr>
+                                    <a:rPr lang="en-US" i="1">
+                                      <a:solidFill>
+                                        <a:schemeClr val="accent6">
+                                          <a:lumMod val="50000"/>
+                                        </a:schemeClr>
+                                      </a:solidFill>
+                                      <a:latin typeface="Cambria Math" panose="02040503050406030204" pitchFamily="18" charset="0"/>
+                                      <a:ea typeface="Cambria Math" panose="02040503050406030204" pitchFamily="18" charset="0"/>
+                                    </a:rPr>
+                                  </m:ctrlPr>
+                                </m:sSubPr>
+                                <m:e>
+                                  <m:r>
+                                    <a:rPr lang="en-US" i="1">
+                                      <a:solidFill>
+                                        <a:schemeClr val="accent6">
+                                          <a:lumMod val="50000"/>
+                                        </a:schemeClr>
+                                      </a:solidFill>
+                                      <a:latin typeface="Cambria Math" panose="02040503050406030204" pitchFamily="18" charset="0"/>
+                                      <a:ea typeface="Cambria Math" panose="02040503050406030204" pitchFamily="18" charset="0"/>
+                                    </a:rPr>
+                                    <m:t>𝜀</m:t>
+                                  </m:r>
+                                </m:e>
+                                <m:sub>
+                                  <m:r>
+                                    <a:rPr lang="en-US" i="1">
+                                      <a:solidFill>
+                                        <a:schemeClr val="accent6">
+                                          <a:lumMod val="50000"/>
+                                        </a:schemeClr>
+                                      </a:solidFill>
+                                      <a:latin typeface="Cambria Math" panose="02040503050406030204" pitchFamily="18" charset="0"/>
+                                      <a:ea typeface="Cambria Math" panose="02040503050406030204" pitchFamily="18" charset="0"/>
+                                    </a:rPr>
+                                    <m:t>𝑆</m:t>
+                                  </m:r>
+                                </m:sub>
+                              </m:sSub>
+                            </m:sub>
+                          </m:sSub>
+                        </m:sub>
+                      </m:sSub>
+                      <m:r>
+                        <a:rPr lang="en-US" i="1">
+                          <a:solidFill>
+                            <a:schemeClr val="accent6">
+                              <a:lumMod val="50000"/>
+                            </a:schemeClr>
+                          </a:solidFill>
+                          <a:latin typeface="Cambria Math" panose="02040503050406030204" pitchFamily="18" charset="0"/>
+                        </a:rPr>
+                        <m:t>=</m:t>
+                      </m:r>
+                      <m:r>
+                        <a:rPr lang="en-US" i="1">
+                          <a:solidFill>
+                            <a:schemeClr val="accent6">
+                              <a:lumMod val="50000"/>
+                            </a:schemeClr>
+                          </a:solidFill>
+                          <a:latin typeface="Cambria Math" panose="02040503050406030204" pitchFamily="18" charset="0"/>
+                          <a:ea typeface="Cambria Math" panose="02040503050406030204" pitchFamily="18" charset="0"/>
+                        </a:rPr>
+                        <m:t>𝛼</m:t>
+                      </m:r>
+                      <m:sSup>
+                        <m:sSupPr>
+                          <m:ctrlPr>
+                            <a:rPr lang="en-US" i="1">
+                              <a:solidFill>
+                                <a:schemeClr val="accent6">
+                                  <a:lumMod val="50000"/>
+                                </a:schemeClr>
+                              </a:solidFill>
+                              <a:latin typeface="Cambria Math" panose="02040503050406030204" pitchFamily="18" charset="0"/>
+                              <a:ea typeface="Cambria Math" panose="02040503050406030204" pitchFamily="18" charset="0"/>
+                            </a:rPr>
+                          </m:ctrlPr>
+                        </m:sSupPr>
+                        <m:e>
+                          <m:d>
+                            <m:dPr>
+                              <m:ctrlPr>
+                                <a:rPr lang="en-US" i="1">
+                                  <a:solidFill>
+                                    <a:schemeClr val="accent6">
+                                      <a:lumMod val="50000"/>
+                                    </a:schemeClr>
+                                  </a:solidFill>
+                                  <a:latin typeface="Cambria Math" panose="02040503050406030204" pitchFamily="18" charset="0"/>
+                                  <a:ea typeface="Cambria Math" panose="02040503050406030204" pitchFamily="18" charset="0"/>
+                                </a:rPr>
+                              </m:ctrlPr>
+                            </m:dPr>
+                            <m:e>
+                              <m:r>
+                                <a:rPr lang="en-US" i="1">
+                                  <a:solidFill>
+                                    <a:schemeClr val="accent6">
+                                      <a:lumMod val="50000"/>
+                                    </a:schemeClr>
+                                  </a:solidFill>
+                                  <a:latin typeface="Cambria Math" panose="02040503050406030204" pitchFamily="18" charset="0"/>
+                                  <a:ea typeface="Cambria Math" panose="02040503050406030204" pitchFamily="18" charset="0"/>
+                                </a:rPr>
+                                <m:t>𝑔𝑆</m:t>
+                              </m:r>
+                            </m:e>
+                          </m:d>
+                        </m:e>
+                        <m:sup>
+                          <m:f>
+                            <m:fPr>
+                              <m:ctrlPr>
+                                <a:rPr lang="en-US" i="1">
+                                  <a:solidFill>
+                                    <a:schemeClr val="accent6">
+                                      <a:lumMod val="50000"/>
+                                    </a:schemeClr>
+                                  </a:solidFill>
+                                  <a:latin typeface="Cambria Math" panose="02040503050406030204" pitchFamily="18" charset="0"/>
+                                  <a:ea typeface="Cambria Math" panose="02040503050406030204" pitchFamily="18" charset="0"/>
+                                </a:rPr>
+                              </m:ctrlPr>
+                            </m:fPr>
+                            <m:num>
+                              <m:r>
+                                <a:rPr lang="en-US" i="1">
+                                  <a:solidFill>
+                                    <a:schemeClr val="accent6">
+                                      <a:lumMod val="50000"/>
+                                    </a:schemeClr>
+                                  </a:solidFill>
+                                  <a:latin typeface="Cambria Math" panose="02040503050406030204" pitchFamily="18" charset="0"/>
+                                  <a:ea typeface="Cambria Math" panose="02040503050406030204" pitchFamily="18" charset="0"/>
+                                </a:rPr>
+                                <m:t>3</m:t>
+                              </m:r>
+                            </m:num>
+                            <m:den>
+                              <m:r>
+                                <a:rPr lang="en-US" i="1">
+                                  <a:solidFill>
+                                    <a:schemeClr val="accent6">
+                                      <a:lumMod val="50000"/>
+                                    </a:schemeClr>
+                                  </a:solidFill>
+                                  <a:latin typeface="Cambria Math" panose="02040503050406030204" pitchFamily="18" charset="0"/>
+                                  <a:ea typeface="Cambria Math" panose="02040503050406030204" pitchFamily="18" charset="0"/>
+                                </a:rPr>
+                                <m:t>8</m:t>
+                              </m:r>
+                            </m:den>
+                          </m:f>
+                        </m:sup>
+                      </m:sSup>
+                      <m:sSup>
+                        <m:sSupPr>
+                          <m:ctrlPr>
+                            <a:rPr lang="en-US" i="1">
+                              <a:solidFill>
+                                <a:schemeClr val="accent6">
+                                  <a:lumMod val="50000"/>
+                                </a:schemeClr>
+                              </a:solidFill>
+                              <a:latin typeface="Cambria Math" panose="02040503050406030204" pitchFamily="18" charset="0"/>
+                            </a:rPr>
+                          </m:ctrlPr>
+                        </m:sSupPr>
+                        <m:e>
+                          <m:r>
+                            <a:rPr lang="en-US" i="1">
+                              <a:solidFill>
+                                <a:schemeClr val="accent6">
+                                  <a:lumMod val="50000"/>
+                                </a:schemeClr>
+                              </a:solidFill>
+                              <a:latin typeface="Cambria Math" panose="02040503050406030204" pitchFamily="18" charset="0"/>
+                            </a:rPr>
+                            <m:t>𝐻</m:t>
+                          </m:r>
+                        </m:e>
+                        <m:sup>
+                          <m:f>
+                            <m:fPr>
+                              <m:ctrlPr>
+                                <a:rPr lang="en-US" i="1">
+                                  <a:solidFill>
+                                    <a:schemeClr val="accent6">
+                                      <a:lumMod val="50000"/>
+                                    </a:schemeClr>
+                                  </a:solidFill>
+                                  <a:latin typeface="Cambria Math" panose="02040503050406030204" pitchFamily="18" charset="0"/>
+                                </a:rPr>
+                              </m:ctrlPr>
+                            </m:fPr>
+                            <m:num>
+                              <m:r>
+                                <a:rPr lang="en-US" i="1">
+                                  <a:solidFill>
+                                    <a:schemeClr val="accent6">
+                                      <a:lumMod val="50000"/>
+                                    </a:schemeClr>
+                                  </a:solidFill>
+                                  <a:latin typeface="Cambria Math" panose="02040503050406030204" pitchFamily="18" charset="0"/>
+                                </a:rPr>
+                                <m:t>1</m:t>
+                              </m:r>
+                            </m:num>
+                            <m:den>
+                              <m:r>
+                                <a:rPr lang="en-US" i="1">
+                                  <a:solidFill>
+                                    <a:schemeClr val="accent6">
+                                      <a:lumMod val="50000"/>
+                                    </a:schemeClr>
+                                  </a:solidFill>
+                                  <a:latin typeface="Cambria Math" panose="02040503050406030204" pitchFamily="18" charset="0"/>
+                                </a:rPr>
+                                <m:t>8</m:t>
+                              </m:r>
+                            </m:den>
+                          </m:f>
+                        </m:sup>
+                      </m:sSup>
+                    </m:oMath>
+                  </m:oMathPara>
+                </a14:m>
+                <a:endParaRPr lang="en-US" dirty="0"/>
+              </a:p>
+            </p:txBody>
+          </p:sp>
+        </mc:Choice>
+        <mc:Fallback xmlns="">
+          <p:sp>
+            <p:nvSpPr>
+              <p:cNvPr id="3" name="Rectangle 2"/>
+              <p:cNvSpPr>
+                <a:spLocks noRot="1" noChangeAspect="1" noMove="1" noResize="1" noEditPoints="1" noAdjustHandles="1" noChangeArrowheads="1" noChangeShapeType="1" noTextEdit="1"/>
+              </p:cNvSpPr>
+              <p:nvPr/>
+            </p:nvSpPr>
+            <p:spPr>
+              <a:xfrm>
+                <a:off x="297721" y="5670959"/>
+                <a:ext cx="2136674" cy="570221"/>
+              </a:xfrm>
+              <a:prstGeom prst="rect">
+                <a:avLst/>
+              </a:prstGeom>
+              <a:blipFill>
+                <a:blip r:embed="rId3"/>
+                <a:stretch>
+                  <a:fillRect/>
+                </a:stretch>
+              </a:blipFill>
+            </p:spPr>
+            <p:txBody>
+              <a:bodyPr/>
+              <a:lstStyle/>
+              <a:p>
+                <a:r>
+                  <a:rPr lang="en-US">
+                    <a:noFill/>
+                  </a:rPr>
+                  <a:t> </a:t>
+                </a:r>
+              </a:p>
+            </p:txBody>
+          </p:sp>
+        </mc:Fallback>
+      </mc:AlternateContent>
+      <mc:AlternateContent xmlns:mc="http://schemas.openxmlformats.org/markup-compatibility/2006" xmlns:a14="http://schemas.microsoft.com/office/drawing/2010/main">
+        <mc:Choice Requires="a14">
+          <p:sp>
+            <p:nvSpPr>
+              <p:cNvPr id="4" name="Rectangle 3"/>
+              <p:cNvSpPr/>
+              <p:nvPr/>
+            </p:nvSpPr>
+            <p:spPr>
+              <a:xfrm>
+                <a:off x="2960102" y="5670959"/>
+                <a:ext cx="2132058" cy="564322"/>
+              </a:xfrm>
+              <a:prstGeom prst="rect">
+                <a:avLst/>
+              </a:prstGeom>
+            </p:spPr>
+            <p:txBody>
+              <a:bodyPr wrap="none">
+                <a:spAutoFit/>
+              </a:bodyPr>
+              <a:lstStyle/>
+              <a:p>
+                <a:pPr/>
+                <a14:m>
+                  <m:oMathPara xmlns:m="http://schemas.openxmlformats.org/officeDocument/2006/math">
+                    <m:oMathParaPr>
+                      <m:jc m:val="centerGroup"/>
+                    </m:oMathParaPr>
+                    <m:oMath xmlns:m="http://schemas.openxmlformats.org/officeDocument/2006/math">
+                      <m:sSub>
+                        <m:sSubPr>
+                          <m:ctrlPr>
+                            <a:rPr lang="en-US" i="1">
+                              <a:solidFill>
+                                <a:schemeClr val="accent6">
+                                  <a:lumMod val="50000"/>
+                                </a:schemeClr>
+                              </a:solidFill>
+                              <a:latin typeface="Cambria Math" panose="02040503050406030204" pitchFamily="18" charset="0"/>
+                            </a:rPr>
+                          </m:ctrlPr>
+                        </m:sSubPr>
+                        <m:e>
+                          <m:r>
+                            <a:rPr lang="en-US" i="1">
+                              <a:solidFill>
+                                <a:schemeClr val="accent6">
+                                  <a:lumMod val="50000"/>
+                                </a:schemeClr>
+                              </a:solidFill>
+                              <a:latin typeface="Cambria Math" panose="02040503050406030204" pitchFamily="18" charset="0"/>
+                            </a:rPr>
+                            <m:t>𝑘</m:t>
+                          </m:r>
+                        </m:e>
+                        <m:sub>
+                          <m:sSub>
+                            <m:sSubPr>
+                              <m:ctrlPr>
+                                <a:rPr lang="en-US" i="1">
+                                  <a:solidFill>
+                                    <a:schemeClr val="accent6">
+                                      <a:lumMod val="50000"/>
+                                    </a:schemeClr>
+                                  </a:solidFill>
+                                  <a:latin typeface="Cambria Math" panose="02040503050406030204" pitchFamily="18" charset="0"/>
+                                </a:rPr>
+                              </m:ctrlPr>
+                            </m:sSubPr>
+                            <m:e>
+                              <m:r>
+                                <a:rPr lang="en-US" i="1">
+                                  <a:solidFill>
+                                    <a:schemeClr val="accent6">
+                                      <a:lumMod val="50000"/>
+                                    </a:schemeClr>
+                                  </a:solidFill>
+                                  <a:latin typeface="Cambria Math" panose="02040503050406030204" pitchFamily="18" charset="0"/>
+                                </a:rPr>
+                                <m:t>600</m:t>
+                              </m:r>
+                            </m:e>
+                            <m:sub>
+                              <m:sSub>
+                                <m:sSubPr>
+                                  <m:ctrlPr>
+                                    <a:rPr lang="en-US" i="1">
+                                      <a:solidFill>
+                                        <a:schemeClr val="accent6">
+                                          <a:lumMod val="50000"/>
+                                        </a:schemeClr>
+                                      </a:solidFill>
+                                      <a:latin typeface="Cambria Math" panose="02040503050406030204" pitchFamily="18" charset="0"/>
+                                      <a:ea typeface="Cambria Math" panose="02040503050406030204" pitchFamily="18" charset="0"/>
+                                    </a:rPr>
+                                  </m:ctrlPr>
+                                </m:sSubPr>
+                                <m:e>
+                                  <m:r>
+                                    <a:rPr lang="en-US" i="1">
+                                      <a:solidFill>
+                                        <a:schemeClr val="accent6">
+                                          <a:lumMod val="50000"/>
+                                        </a:schemeClr>
+                                      </a:solidFill>
+                                      <a:latin typeface="Cambria Math" panose="02040503050406030204" pitchFamily="18" charset="0"/>
+                                      <a:ea typeface="Cambria Math" panose="02040503050406030204" pitchFamily="18" charset="0"/>
+                                    </a:rPr>
+                                    <m:t>𝜀</m:t>
+                                  </m:r>
+                                </m:e>
+                                <m:sub>
+                                  <m:r>
+                                    <a:rPr lang="en-US" i="1">
+                                      <a:solidFill>
+                                        <a:schemeClr val="accent6">
+                                          <a:lumMod val="50000"/>
+                                        </a:schemeClr>
+                                      </a:solidFill>
+                                      <a:latin typeface="Cambria Math" panose="02040503050406030204" pitchFamily="18" charset="0"/>
+                                      <a:ea typeface="Cambria Math" panose="02040503050406030204" pitchFamily="18" charset="0"/>
+                                    </a:rPr>
+                                    <m:t>𝐷</m:t>
+                                  </m:r>
+                                </m:sub>
+                              </m:sSub>
+                            </m:sub>
+                          </m:sSub>
+                        </m:sub>
+                      </m:sSub>
+                      <m:r>
+                        <a:rPr lang="en-US" i="1">
+                          <a:solidFill>
+                            <a:schemeClr val="accent6">
+                              <a:lumMod val="50000"/>
+                            </a:schemeClr>
+                          </a:solidFill>
+                          <a:latin typeface="Cambria Math" panose="02040503050406030204" pitchFamily="18" charset="0"/>
+                          <a:ea typeface="Cambria Math" panose="02040503050406030204" pitchFamily="18" charset="0"/>
+                        </a:rPr>
+                        <m:t>=</m:t>
+                      </m:r>
+                      <m:sSub>
+                        <m:sSubPr>
+                          <m:ctrlPr>
+                            <a:rPr lang="en-US" i="1">
+                              <a:solidFill>
+                                <a:schemeClr val="accent6">
+                                  <a:lumMod val="50000"/>
+                                </a:schemeClr>
+                              </a:solidFill>
+                              <a:latin typeface="Cambria Math" panose="02040503050406030204" pitchFamily="18" charset="0"/>
+                              <a:ea typeface="Cambria Math" panose="02040503050406030204" pitchFamily="18" charset="0"/>
+                            </a:rPr>
+                          </m:ctrlPr>
+                        </m:sSubPr>
+                        <m:e>
+                          <m:r>
+                            <a:rPr lang="en-US" i="1">
+                              <a:solidFill>
+                                <a:schemeClr val="accent6">
+                                  <a:lumMod val="50000"/>
+                                </a:schemeClr>
+                              </a:solidFill>
+                              <a:latin typeface="Cambria Math" panose="02040503050406030204" pitchFamily="18" charset="0"/>
+                              <a:ea typeface="Cambria Math" panose="02040503050406030204" pitchFamily="18" charset="0"/>
+                            </a:rPr>
+                            <m:t>𝛼</m:t>
+                          </m:r>
+                        </m:e>
+                        <m:sub>
+                          <m:r>
+                            <a:rPr lang="en-US" i="1">
+                              <a:solidFill>
+                                <a:schemeClr val="accent6">
+                                  <a:lumMod val="50000"/>
+                                </a:schemeClr>
+                              </a:solidFill>
+                              <a:latin typeface="Cambria Math" panose="02040503050406030204" pitchFamily="18" charset="0"/>
+                              <a:ea typeface="Cambria Math" panose="02040503050406030204" pitchFamily="18" charset="0"/>
+                            </a:rPr>
+                            <m:t>1</m:t>
+                          </m:r>
+                        </m:sub>
+                      </m:sSub>
+                      <m:sSup>
+                        <m:sSupPr>
+                          <m:ctrlPr>
+                            <a:rPr lang="en-US" i="1">
+                              <a:solidFill>
+                                <a:schemeClr val="accent6">
+                                  <a:lumMod val="50000"/>
+                                </a:schemeClr>
+                              </a:solidFill>
+                              <a:latin typeface="Cambria Math" panose="02040503050406030204" pitchFamily="18" charset="0"/>
+                              <a:ea typeface="Cambria Math" panose="02040503050406030204" pitchFamily="18" charset="0"/>
+                            </a:rPr>
+                          </m:ctrlPr>
+                        </m:sSupPr>
+                        <m:e>
+                          <m:d>
+                            <m:dPr>
+                              <m:ctrlPr>
+                                <a:rPr lang="en-US" i="1">
+                                  <a:solidFill>
+                                    <a:schemeClr val="accent6">
+                                      <a:lumMod val="50000"/>
+                                    </a:schemeClr>
+                                  </a:solidFill>
+                                  <a:latin typeface="Cambria Math" panose="02040503050406030204" pitchFamily="18" charset="0"/>
+                                  <a:ea typeface="Cambria Math" panose="02040503050406030204" pitchFamily="18" charset="0"/>
+                                </a:rPr>
+                              </m:ctrlPr>
+                            </m:dPr>
+                            <m:e>
+                              <m:r>
+                                <a:rPr lang="en-US" i="1">
+                                  <a:solidFill>
+                                    <a:schemeClr val="accent6">
+                                      <a:lumMod val="50000"/>
+                                    </a:schemeClr>
+                                  </a:solidFill>
+                                  <a:latin typeface="Cambria Math" panose="02040503050406030204" pitchFamily="18" charset="0"/>
+                                  <a:ea typeface="Cambria Math" panose="02040503050406030204" pitchFamily="18" charset="0"/>
+                                </a:rPr>
+                                <m:t>𝑔𝑆𝑈</m:t>
+                              </m:r>
+                            </m:e>
+                          </m:d>
+                        </m:e>
+                        <m:sup>
+                          <m:f>
+                            <m:fPr>
+                              <m:ctrlPr>
+                                <a:rPr lang="en-US" i="1">
+                                  <a:solidFill>
+                                    <a:schemeClr val="accent6">
+                                      <a:lumMod val="50000"/>
+                                    </a:schemeClr>
+                                  </a:solidFill>
+                                  <a:latin typeface="Cambria Math" panose="02040503050406030204" pitchFamily="18" charset="0"/>
+                                  <a:ea typeface="Cambria Math" panose="02040503050406030204" pitchFamily="18" charset="0"/>
+                                </a:rPr>
+                              </m:ctrlPr>
+                            </m:fPr>
+                            <m:num>
+                              <m:r>
+                                <a:rPr lang="en-US" i="1">
+                                  <a:solidFill>
+                                    <a:schemeClr val="accent6">
+                                      <a:lumMod val="50000"/>
+                                    </a:schemeClr>
+                                  </a:solidFill>
+                                  <a:latin typeface="Cambria Math" panose="02040503050406030204" pitchFamily="18" charset="0"/>
+                                  <a:ea typeface="Cambria Math" panose="02040503050406030204" pitchFamily="18" charset="0"/>
+                                </a:rPr>
+                                <m:t>1</m:t>
+                              </m:r>
+                            </m:num>
+                            <m:den>
+                              <m:r>
+                                <a:rPr lang="en-US" i="1">
+                                  <a:solidFill>
+                                    <a:schemeClr val="accent6">
+                                      <a:lumMod val="50000"/>
+                                    </a:schemeClr>
+                                  </a:solidFill>
+                                  <a:latin typeface="Cambria Math" panose="02040503050406030204" pitchFamily="18" charset="0"/>
+                                  <a:ea typeface="Cambria Math" panose="02040503050406030204" pitchFamily="18" charset="0"/>
+                                </a:rPr>
+                                <m:t>4</m:t>
+                              </m:r>
+                            </m:den>
+                          </m:f>
+                        </m:sup>
+                      </m:sSup>
+                    </m:oMath>
+                  </m:oMathPara>
+                </a14:m>
+                <a:endParaRPr lang="en-US" dirty="0"/>
+              </a:p>
+            </p:txBody>
+          </p:sp>
+        </mc:Choice>
+        <mc:Fallback xmlns="">
+          <p:sp>
+            <p:nvSpPr>
+              <p:cNvPr id="4" name="Rectangle 3"/>
+              <p:cNvSpPr>
+                <a:spLocks noRot="1" noChangeAspect="1" noMove="1" noResize="1" noEditPoints="1" noAdjustHandles="1" noChangeArrowheads="1" noChangeShapeType="1" noTextEdit="1"/>
+              </p:cNvSpPr>
+              <p:nvPr/>
+            </p:nvSpPr>
+            <p:spPr>
+              <a:xfrm>
+                <a:off x="2960102" y="5670959"/>
+                <a:ext cx="2132058" cy="564322"/>
+              </a:xfrm>
+              <a:prstGeom prst="rect">
+                <a:avLst/>
+              </a:prstGeom>
+              <a:blipFill>
+                <a:blip r:embed="rId4"/>
+                <a:stretch>
+                  <a:fillRect/>
+                </a:stretch>
+              </a:blipFill>
+            </p:spPr>
+            <p:txBody>
+              <a:bodyPr/>
+              <a:lstStyle/>
+              <a:p>
+                <a:r>
+                  <a:rPr lang="en-US">
+                    <a:noFill/>
+                  </a:rPr>
+                  <a:t> </a:t>
+                </a:r>
+              </a:p>
+            </p:txBody>
+          </p:sp>
+        </mc:Fallback>
+      </mc:AlternateContent>
+      <mc:AlternateContent xmlns:mc="http://schemas.openxmlformats.org/markup-compatibility/2006" xmlns:a14="http://schemas.microsoft.com/office/drawing/2010/main">
+        <mc:Choice Requires="a14">
+          <p:sp>
+            <p:nvSpPr>
+              <p:cNvPr id="5" name="Rectangle 4"/>
+              <p:cNvSpPr/>
+              <p:nvPr/>
+            </p:nvSpPr>
+            <p:spPr>
+              <a:xfrm>
+                <a:off x="5718787" y="5665189"/>
+                <a:ext cx="2333844" cy="570092"/>
+              </a:xfrm>
+              <a:prstGeom prst="rect">
+                <a:avLst/>
+              </a:prstGeom>
+            </p:spPr>
+            <p:txBody>
+              <a:bodyPr wrap="none">
+                <a:spAutoFit/>
+              </a:bodyPr>
+              <a:lstStyle/>
+              <a:p>
+                <a:pPr/>
+                <a14:m>
+                  <m:oMathPara xmlns:m="http://schemas.openxmlformats.org/officeDocument/2006/math">
+                    <m:oMathParaPr>
+                      <m:jc m:val="centerGroup"/>
+                    </m:oMathParaPr>
+                    <m:oMath xmlns:m="http://schemas.openxmlformats.org/officeDocument/2006/math">
+                      <m:sSub>
+                        <m:sSubPr>
+                          <m:ctrlPr>
+                            <a:rPr lang="en-US" i="1">
+                              <a:solidFill>
+                                <a:schemeClr val="accent6">
+                                  <a:lumMod val="50000"/>
+                                </a:schemeClr>
+                              </a:solidFill>
+                              <a:latin typeface="Cambria Math" panose="02040503050406030204" pitchFamily="18" charset="0"/>
+                            </a:rPr>
+                          </m:ctrlPr>
+                        </m:sSubPr>
+                        <m:e>
+                          <m:r>
+                            <a:rPr lang="en-US" i="1">
+                              <a:solidFill>
+                                <a:schemeClr val="accent6">
+                                  <a:lumMod val="50000"/>
+                                </a:schemeClr>
+                              </a:solidFill>
+                              <a:latin typeface="Cambria Math" panose="02040503050406030204" pitchFamily="18" charset="0"/>
+                            </a:rPr>
+                            <m:t>𝑘</m:t>
+                          </m:r>
+                        </m:e>
+                        <m:sub>
+                          <m:sSub>
+                            <m:sSubPr>
+                              <m:ctrlPr>
+                                <a:rPr lang="en-US" i="1">
+                                  <a:solidFill>
+                                    <a:schemeClr val="accent6">
+                                      <a:lumMod val="50000"/>
+                                    </a:schemeClr>
+                                  </a:solidFill>
+                                  <a:latin typeface="Cambria Math" panose="02040503050406030204" pitchFamily="18" charset="0"/>
+                                </a:rPr>
+                              </m:ctrlPr>
+                            </m:sSubPr>
+                            <m:e>
+                              <m:r>
+                                <a:rPr lang="en-US" i="1">
+                                  <a:solidFill>
+                                    <a:schemeClr val="accent6">
+                                      <a:lumMod val="50000"/>
+                                    </a:schemeClr>
+                                  </a:solidFill>
+                                  <a:latin typeface="Cambria Math" panose="02040503050406030204" pitchFamily="18" charset="0"/>
+                                </a:rPr>
+                                <m:t>600</m:t>
+                              </m:r>
+                            </m:e>
+                            <m:sub>
+                              <m:sSub>
+                                <m:sSubPr>
+                                  <m:ctrlPr>
+                                    <a:rPr lang="en-US" i="1">
+                                      <a:solidFill>
+                                        <a:schemeClr val="accent6">
+                                          <a:lumMod val="50000"/>
+                                        </a:schemeClr>
+                                      </a:solidFill>
+                                      <a:latin typeface="Cambria Math" panose="02040503050406030204" pitchFamily="18" charset="0"/>
+                                      <a:ea typeface="Cambria Math" panose="02040503050406030204" pitchFamily="18" charset="0"/>
+                                    </a:rPr>
+                                  </m:ctrlPr>
+                                </m:sSubPr>
+                                <m:e>
+                                  <m:r>
+                                    <a:rPr lang="en-US" i="1">
+                                      <a:solidFill>
+                                        <a:schemeClr val="accent6">
+                                          <a:lumMod val="50000"/>
+                                        </a:schemeClr>
+                                      </a:solidFill>
+                                      <a:latin typeface="Cambria Math" panose="02040503050406030204" pitchFamily="18" charset="0"/>
+                                      <a:ea typeface="Cambria Math" panose="02040503050406030204" pitchFamily="18" charset="0"/>
+                                    </a:rPr>
+                                    <m:t>𝜀</m:t>
+                                  </m:r>
+                                </m:e>
+                                <m:sub>
+                                  <m:r>
+                                    <a:rPr lang="en-US" i="1">
+                                      <a:solidFill>
+                                        <a:schemeClr val="accent6">
+                                          <a:lumMod val="50000"/>
+                                        </a:schemeClr>
+                                      </a:solidFill>
+                                      <a:latin typeface="Cambria Math" panose="02040503050406030204" pitchFamily="18" charset="0"/>
+                                      <a:ea typeface="Cambria Math" panose="02040503050406030204" pitchFamily="18" charset="0"/>
+                                    </a:rPr>
+                                    <m:t>𝑆</m:t>
+                                  </m:r>
+                                </m:sub>
+                              </m:sSub>
+                            </m:sub>
+                          </m:sSub>
+                        </m:sub>
+                      </m:sSub>
+                      <m:r>
+                        <a:rPr lang="en-US" i="1">
+                          <a:solidFill>
+                            <a:schemeClr val="accent6">
+                              <a:lumMod val="50000"/>
+                            </a:schemeClr>
+                          </a:solidFill>
+                          <a:latin typeface="Cambria Math" panose="02040503050406030204" pitchFamily="18" charset="0"/>
+                        </a:rPr>
+                        <m:t>=</m:t>
+                      </m:r>
+                      <m:sSup>
+                        <m:sSupPr>
+                          <m:ctrlPr>
+                            <a:rPr lang="en-US" i="1">
+                              <a:solidFill>
+                                <a:schemeClr val="accent6">
+                                  <a:lumMod val="50000"/>
+                                </a:schemeClr>
+                              </a:solidFill>
+                              <a:latin typeface="Cambria Math" panose="02040503050406030204" pitchFamily="18" charset="0"/>
+                              <a:ea typeface="Cambria Math" panose="02040503050406030204" pitchFamily="18" charset="0"/>
+                            </a:rPr>
+                          </m:ctrlPr>
+                        </m:sSupPr>
+                        <m:e>
+                          <m:r>
+                            <a:rPr lang="en-US" i="1">
+                              <a:solidFill>
+                                <a:schemeClr val="accent6">
+                                  <a:lumMod val="50000"/>
+                                </a:schemeClr>
+                              </a:solidFill>
+                              <a:latin typeface="Cambria Math" panose="02040503050406030204" pitchFamily="18" charset="0"/>
+                              <a:ea typeface="Cambria Math" panose="02040503050406030204" pitchFamily="18" charset="0"/>
+                            </a:rPr>
+                            <m:t>𝛽</m:t>
+                          </m:r>
+                          <m:d>
+                            <m:dPr>
+                              <m:ctrlPr>
+                                <a:rPr lang="en-US" i="1">
+                                  <a:solidFill>
+                                    <a:schemeClr val="accent6">
+                                      <a:lumMod val="50000"/>
+                                    </a:schemeClr>
+                                  </a:solidFill>
+                                  <a:latin typeface="Cambria Math" panose="02040503050406030204" pitchFamily="18" charset="0"/>
+                                  <a:ea typeface="Cambria Math" panose="02040503050406030204" pitchFamily="18" charset="0"/>
+                                </a:rPr>
+                              </m:ctrlPr>
+                            </m:dPr>
+                            <m:e>
+                              <m:r>
+                                <a:rPr lang="en-US" i="1">
+                                  <a:solidFill>
+                                    <a:schemeClr val="accent6">
+                                      <a:lumMod val="50000"/>
+                                    </a:schemeClr>
+                                  </a:solidFill>
+                                  <a:latin typeface="Cambria Math" panose="02040503050406030204" pitchFamily="18" charset="0"/>
+                                  <a:ea typeface="Cambria Math" panose="02040503050406030204" pitchFamily="18" charset="0"/>
+                                </a:rPr>
+                                <m:t>𝑔𝑆</m:t>
+                              </m:r>
+                            </m:e>
+                          </m:d>
+                        </m:e>
+                        <m:sup>
+                          <m:f>
+                            <m:fPr>
+                              <m:ctrlPr>
+                                <a:rPr lang="en-US" i="1">
+                                  <a:solidFill>
+                                    <a:schemeClr val="accent6">
+                                      <a:lumMod val="50000"/>
+                                    </a:schemeClr>
+                                  </a:solidFill>
+                                  <a:latin typeface="Cambria Math" panose="02040503050406030204" pitchFamily="18" charset="0"/>
+                                  <a:ea typeface="Cambria Math" panose="02040503050406030204" pitchFamily="18" charset="0"/>
+                                </a:rPr>
+                              </m:ctrlPr>
+                            </m:fPr>
+                            <m:num>
+                              <m:r>
+                                <a:rPr lang="en-US" i="1">
+                                  <a:solidFill>
+                                    <a:schemeClr val="accent6">
+                                      <a:lumMod val="50000"/>
+                                    </a:schemeClr>
+                                  </a:solidFill>
+                                  <a:latin typeface="Cambria Math" panose="02040503050406030204" pitchFamily="18" charset="0"/>
+                                  <a:ea typeface="Cambria Math" panose="02040503050406030204" pitchFamily="18" charset="0"/>
+                                </a:rPr>
+                                <m:t>9</m:t>
+                              </m:r>
+                            </m:num>
+                            <m:den>
+                              <m:r>
+                                <a:rPr lang="en-US" i="1">
+                                  <a:solidFill>
+                                    <a:schemeClr val="accent6">
+                                      <a:lumMod val="50000"/>
+                                    </a:schemeClr>
+                                  </a:solidFill>
+                                  <a:latin typeface="Cambria Math" panose="02040503050406030204" pitchFamily="18" charset="0"/>
+                                  <a:ea typeface="Cambria Math" panose="02040503050406030204" pitchFamily="18" charset="0"/>
+                                </a:rPr>
+                                <m:t>16</m:t>
+                              </m:r>
+                            </m:den>
+                          </m:f>
+                        </m:sup>
+                      </m:sSup>
+                      <m:sSup>
+                        <m:sSupPr>
+                          <m:ctrlPr>
+                            <a:rPr lang="en-US" i="1">
+                              <a:solidFill>
+                                <a:schemeClr val="accent6">
+                                  <a:lumMod val="50000"/>
+                                </a:schemeClr>
+                              </a:solidFill>
+                              <a:latin typeface="Cambria Math" panose="02040503050406030204" pitchFamily="18" charset="0"/>
+                            </a:rPr>
+                          </m:ctrlPr>
+                        </m:sSupPr>
+                        <m:e>
+                          <m:r>
+                            <a:rPr lang="en-US" i="1">
+                              <a:solidFill>
+                                <a:schemeClr val="accent6">
+                                  <a:lumMod val="50000"/>
+                                </a:schemeClr>
+                              </a:solidFill>
+                              <a:latin typeface="Cambria Math" panose="02040503050406030204" pitchFamily="18" charset="0"/>
+                            </a:rPr>
+                            <m:t>𝐻</m:t>
+                          </m:r>
+                        </m:e>
+                        <m:sup>
+                          <m:f>
+                            <m:fPr>
+                              <m:ctrlPr>
+                                <a:rPr lang="en-US" i="1">
+                                  <a:solidFill>
+                                    <a:schemeClr val="accent6">
+                                      <a:lumMod val="50000"/>
+                                    </a:schemeClr>
+                                  </a:solidFill>
+                                  <a:latin typeface="Cambria Math" panose="02040503050406030204" pitchFamily="18" charset="0"/>
+                                </a:rPr>
+                              </m:ctrlPr>
+                            </m:fPr>
+                            <m:num>
+                              <m:r>
+                                <a:rPr lang="en-US" i="1">
+                                  <a:solidFill>
+                                    <a:schemeClr val="accent6">
+                                      <a:lumMod val="50000"/>
+                                    </a:schemeClr>
+                                  </a:solidFill>
+                                  <a:latin typeface="Cambria Math" panose="02040503050406030204" pitchFamily="18" charset="0"/>
+                                </a:rPr>
+                                <m:t>11</m:t>
+                              </m:r>
+                            </m:num>
+                            <m:den>
+                              <m:r>
+                                <a:rPr lang="en-US" i="1">
+                                  <a:solidFill>
+                                    <a:schemeClr val="accent6">
+                                      <a:lumMod val="50000"/>
+                                    </a:schemeClr>
+                                  </a:solidFill>
+                                  <a:latin typeface="Cambria Math" panose="02040503050406030204" pitchFamily="18" charset="0"/>
+                                </a:rPr>
+                                <m:t>16</m:t>
+                              </m:r>
+                            </m:den>
+                          </m:f>
+                        </m:sup>
+                      </m:sSup>
+                    </m:oMath>
+                  </m:oMathPara>
+                </a14:m>
+                <a:endParaRPr lang="en-US" dirty="0"/>
+              </a:p>
+            </p:txBody>
+          </p:sp>
+        </mc:Choice>
+        <mc:Fallback xmlns="">
+          <p:sp>
+            <p:nvSpPr>
+              <p:cNvPr id="5" name="Rectangle 4"/>
+              <p:cNvSpPr>
+                <a:spLocks noRot="1" noChangeAspect="1" noMove="1" noResize="1" noEditPoints="1" noAdjustHandles="1" noChangeArrowheads="1" noChangeShapeType="1" noTextEdit="1"/>
+              </p:cNvSpPr>
+              <p:nvPr/>
+            </p:nvSpPr>
+            <p:spPr>
+              <a:xfrm>
+                <a:off x="5718787" y="5665189"/>
+                <a:ext cx="2333844" cy="570092"/>
+              </a:xfrm>
+              <a:prstGeom prst="rect">
+                <a:avLst/>
+              </a:prstGeom>
+              <a:blipFill>
+                <a:blip r:embed="rId5"/>
+                <a:stretch>
+                  <a:fillRect/>
+                </a:stretch>
+              </a:blipFill>
+            </p:spPr>
+            <p:txBody>
+              <a:bodyPr/>
+              <a:lstStyle/>
+              <a:p>
+                <a:r>
+                  <a:rPr lang="en-US">
+                    <a:noFill/>
+                  </a:rPr>
+                  <a:t> </a:t>
+                </a:r>
+              </a:p>
+            </p:txBody>
+          </p:sp>
+        </mc:Fallback>
+      </mc:AlternateContent>
+      <mc:AlternateContent xmlns:mc="http://schemas.openxmlformats.org/markup-compatibility/2006" xmlns:a14="http://schemas.microsoft.com/office/drawing/2010/main">
+        <mc:Choice Requires="a14">
+          <p:sp>
+            <p:nvSpPr>
+              <p:cNvPr id="6" name="Rectangle 5"/>
+              <p:cNvSpPr/>
+              <p:nvPr/>
+            </p:nvSpPr>
+            <p:spPr>
+              <a:xfrm>
+                <a:off x="8376552" y="5665189"/>
+                <a:ext cx="2712729" cy="566630"/>
+              </a:xfrm>
+              <a:prstGeom prst="rect">
+                <a:avLst/>
+              </a:prstGeom>
+            </p:spPr>
+            <p:txBody>
+              <a:bodyPr wrap="none">
+                <a:spAutoFit/>
+              </a:bodyPr>
+              <a:lstStyle/>
+              <a:p>
+                <a:pPr/>
+                <a14:m>
+                  <m:oMathPara xmlns:m="http://schemas.openxmlformats.org/officeDocument/2006/math">
+                    <m:oMathParaPr>
+                      <m:jc m:val="centerGroup"/>
+                    </m:oMathParaPr>
+                    <m:oMath xmlns:m="http://schemas.openxmlformats.org/officeDocument/2006/math">
+                      <m:sSub>
+                        <m:sSubPr>
+                          <m:ctrlPr>
+                            <a:rPr lang="en-US" i="1">
+                              <a:solidFill>
+                                <a:schemeClr val="accent6">
+                                  <a:lumMod val="50000"/>
+                                </a:schemeClr>
+                              </a:solidFill>
+                              <a:latin typeface="Cambria Math" panose="02040503050406030204" pitchFamily="18" charset="0"/>
+                            </a:rPr>
+                          </m:ctrlPr>
+                        </m:sSubPr>
+                        <m:e>
+                          <m:r>
+                            <a:rPr lang="en-US" i="1">
+                              <a:solidFill>
+                                <a:schemeClr val="accent6">
+                                  <a:lumMod val="50000"/>
+                                </a:schemeClr>
+                              </a:solidFill>
+                              <a:latin typeface="Cambria Math" panose="02040503050406030204" pitchFamily="18" charset="0"/>
+                            </a:rPr>
+                            <m:t>𝑘</m:t>
+                          </m:r>
+                        </m:e>
+                        <m:sub>
+                          <m:sSub>
+                            <m:sSubPr>
+                              <m:ctrlPr>
+                                <a:rPr lang="en-US" i="1">
+                                  <a:solidFill>
+                                    <a:schemeClr val="accent6">
+                                      <a:lumMod val="50000"/>
+                                    </a:schemeClr>
+                                  </a:solidFill>
+                                  <a:latin typeface="Cambria Math" panose="02040503050406030204" pitchFamily="18" charset="0"/>
+                                </a:rPr>
+                              </m:ctrlPr>
+                            </m:sSubPr>
+                            <m:e>
+                              <m:r>
+                                <a:rPr lang="en-US" i="1">
+                                  <a:solidFill>
+                                    <a:schemeClr val="accent6">
+                                      <a:lumMod val="50000"/>
+                                    </a:schemeClr>
+                                  </a:solidFill>
+                                  <a:latin typeface="Cambria Math" panose="02040503050406030204" pitchFamily="18" charset="0"/>
+                                </a:rPr>
+                                <m:t>600</m:t>
+                              </m:r>
+                            </m:e>
+                            <m:sub>
+                              <m:sSub>
+                                <m:sSubPr>
+                                  <m:ctrlPr>
+                                    <a:rPr lang="en-US" i="1">
+                                      <a:solidFill>
+                                        <a:schemeClr val="accent6">
+                                          <a:lumMod val="50000"/>
+                                        </a:schemeClr>
+                                      </a:solidFill>
+                                      <a:latin typeface="Cambria Math" panose="02040503050406030204" pitchFamily="18" charset="0"/>
+                                      <a:ea typeface="Cambria Math" panose="02040503050406030204" pitchFamily="18" charset="0"/>
+                                    </a:rPr>
+                                  </m:ctrlPr>
+                                </m:sSubPr>
+                                <m:e>
+                                  <m:r>
+                                    <a:rPr lang="en-US" i="1">
+                                      <a:solidFill>
+                                        <a:schemeClr val="accent6">
+                                          <a:lumMod val="50000"/>
+                                        </a:schemeClr>
+                                      </a:solidFill>
+                                      <a:latin typeface="Cambria Math" panose="02040503050406030204" pitchFamily="18" charset="0"/>
+                                      <a:ea typeface="Cambria Math" panose="02040503050406030204" pitchFamily="18" charset="0"/>
+                                    </a:rPr>
+                                    <m:t>𝜀</m:t>
+                                  </m:r>
+                                </m:e>
+                                <m:sub>
+                                  <m:r>
+                                    <a:rPr lang="en-US" i="1">
+                                      <a:solidFill>
+                                        <a:schemeClr val="accent6">
+                                          <a:lumMod val="50000"/>
+                                        </a:schemeClr>
+                                      </a:solidFill>
+                                      <a:latin typeface="Cambria Math" panose="02040503050406030204" pitchFamily="18" charset="0"/>
+                                      <a:ea typeface="Cambria Math" panose="02040503050406030204" pitchFamily="18" charset="0"/>
+                                    </a:rPr>
+                                    <m:t>𝐷</m:t>
+                                  </m:r>
+                                </m:sub>
+                              </m:sSub>
+                            </m:sub>
+                          </m:sSub>
+                        </m:sub>
+                      </m:sSub>
+                      <m:r>
+                        <a:rPr lang="en-US" i="1">
+                          <a:solidFill>
+                            <a:schemeClr val="accent6">
+                              <a:lumMod val="50000"/>
+                            </a:schemeClr>
+                          </a:solidFill>
+                          <a:latin typeface="Cambria Math" panose="02040503050406030204" pitchFamily="18" charset="0"/>
+                          <a:ea typeface="Cambria Math" panose="02040503050406030204" pitchFamily="18" charset="0"/>
+                        </a:rPr>
+                        <m:t>=</m:t>
+                      </m:r>
+                      <m:sSub>
+                        <m:sSubPr>
+                          <m:ctrlPr>
+                            <a:rPr lang="en-US" i="1">
+                              <a:solidFill>
+                                <a:schemeClr val="accent6">
+                                  <a:lumMod val="50000"/>
+                                </a:schemeClr>
+                              </a:solidFill>
+                              <a:latin typeface="Cambria Math" panose="02040503050406030204" pitchFamily="18" charset="0"/>
+                              <a:ea typeface="Cambria Math" panose="02040503050406030204" pitchFamily="18" charset="0"/>
+                            </a:rPr>
+                          </m:ctrlPr>
+                        </m:sSubPr>
+                        <m:e>
+                          <m:r>
+                            <a:rPr lang="en-US" i="1">
+                              <a:solidFill>
+                                <a:schemeClr val="accent6">
+                                  <a:lumMod val="50000"/>
+                                </a:schemeClr>
+                              </a:solidFill>
+                              <a:latin typeface="Cambria Math" panose="02040503050406030204" pitchFamily="18" charset="0"/>
+                              <a:ea typeface="Cambria Math" panose="02040503050406030204" pitchFamily="18" charset="0"/>
+                            </a:rPr>
+                            <m:t>𝛽</m:t>
+                          </m:r>
+                        </m:e>
+                        <m:sub>
+                          <m:r>
+                            <a:rPr lang="en-US" i="1">
+                              <a:solidFill>
+                                <a:schemeClr val="accent6">
+                                  <a:lumMod val="50000"/>
+                                </a:schemeClr>
+                              </a:solidFill>
+                              <a:latin typeface="Cambria Math" panose="02040503050406030204" pitchFamily="18" charset="0"/>
+                              <a:ea typeface="Cambria Math" panose="02040503050406030204" pitchFamily="18" charset="0"/>
+                            </a:rPr>
+                            <m:t>1</m:t>
+                          </m:r>
+                        </m:sub>
+                      </m:sSub>
+                      <m:sSup>
+                        <m:sSupPr>
+                          <m:ctrlPr>
+                            <a:rPr lang="en-US" i="1">
+                              <a:solidFill>
+                                <a:schemeClr val="accent6">
+                                  <a:lumMod val="50000"/>
+                                </a:schemeClr>
+                              </a:solidFill>
+                              <a:latin typeface="Cambria Math" panose="02040503050406030204" pitchFamily="18" charset="0"/>
+                              <a:ea typeface="Cambria Math" panose="02040503050406030204" pitchFamily="18" charset="0"/>
+                            </a:rPr>
+                          </m:ctrlPr>
+                        </m:sSupPr>
+                        <m:e>
+                          <m:d>
+                            <m:dPr>
+                              <m:ctrlPr>
+                                <a:rPr lang="en-US" i="1">
+                                  <a:solidFill>
+                                    <a:schemeClr val="accent6">
+                                      <a:lumMod val="50000"/>
+                                    </a:schemeClr>
+                                  </a:solidFill>
+                                  <a:latin typeface="Cambria Math" panose="02040503050406030204" pitchFamily="18" charset="0"/>
+                                  <a:ea typeface="Cambria Math" panose="02040503050406030204" pitchFamily="18" charset="0"/>
+                                </a:rPr>
+                              </m:ctrlPr>
+                            </m:dPr>
+                            <m:e>
+                              <m:r>
+                                <a:rPr lang="en-US" i="1">
+                                  <a:solidFill>
+                                    <a:schemeClr val="accent6">
+                                      <a:lumMod val="50000"/>
+                                    </a:schemeClr>
+                                  </a:solidFill>
+                                  <a:latin typeface="Cambria Math" panose="02040503050406030204" pitchFamily="18" charset="0"/>
+                                  <a:ea typeface="Cambria Math" panose="02040503050406030204" pitchFamily="18" charset="0"/>
+                                </a:rPr>
+                                <m:t>𝑔𝑆</m:t>
+                              </m:r>
+                            </m:e>
+                          </m:d>
+                        </m:e>
+                        <m:sup>
+                          <m:f>
+                            <m:fPr>
+                              <m:ctrlPr>
+                                <a:rPr lang="en-US" i="1">
+                                  <a:solidFill>
+                                    <a:schemeClr val="accent6">
+                                      <a:lumMod val="50000"/>
+                                    </a:schemeClr>
+                                  </a:solidFill>
+                                  <a:latin typeface="Cambria Math" panose="02040503050406030204" pitchFamily="18" charset="0"/>
+                                  <a:ea typeface="Cambria Math" panose="02040503050406030204" pitchFamily="18" charset="0"/>
+                                </a:rPr>
+                              </m:ctrlPr>
+                            </m:fPr>
+                            <m:num>
+                              <m:r>
+                                <a:rPr lang="en-US" i="1">
+                                  <a:solidFill>
+                                    <a:schemeClr val="accent6">
+                                      <a:lumMod val="50000"/>
+                                    </a:schemeClr>
+                                  </a:solidFill>
+                                  <a:latin typeface="Cambria Math" panose="02040503050406030204" pitchFamily="18" charset="0"/>
+                                  <a:ea typeface="Cambria Math" panose="02040503050406030204" pitchFamily="18" charset="0"/>
+                                </a:rPr>
+                                <m:t>7</m:t>
+                              </m:r>
+                            </m:num>
+                            <m:den>
+                              <m:r>
+                                <a:rPr lang="en-US" i="1">
+                                  <a:solidFill>
+                                    <a:schemeClr val="accent6">
+                                      <a:lumMod val="50000"/>
+                                    </a:schemeClr>
+                                  </a:solidFill>
+                                  <a:latin typeface="Cambria Math" panose="02040503050406030204" pitchFamily="18" charset="0"/>
+                                  <a:ea typeface="Cambria Math" panose="02040503050406030204" pitchFamily="18" charset="0"/>
+                                </a:rPr>
+                                <m:t>16</m:t>
+                              </m:r>
+                            </m:den>
+                          </m:f>
+                        </m:sup>
+                      </m:sSup>
+                      <m:sSup>
+                        <m:sSupPr>
+                          <m:ctrlPr>
+                            <a:rPr lang="en-US" i="1">
+                              <a:solidFill>
+                                <a:schemeClr val="accent6">
+                                  <a:lumMod val="50000"/>
+                                </a:schemeClr>
+                              </a:solidFill>
+                              <a:latin typeface="Cambria Math" panose="02040503050406030204" pitchFamily="18" charset="0"/>
+                              <a:ea typeface="Cambria Math" panose="02040503050406030204" pitchFamily="18" charset="0"/>
+                            </a:rPr>
+                          </m:ctrlPr>
+                        </m:sSupPr>
+                        <m:e>
+                          <m:r>
+                            <a:rPr lang="en-US" i="1">
+                              <a:solidFill>
+                                <a:schemeClr val="accent6">
+                                  <a:lumMod val="50000"/>
+                                </a:schemeClr>
+                              </a:solidFill>
+                              <a:latin typeface="Cambria Math" panose="02040503050406030204" pitchFamily="18" charset="0"/>
+                              <a:ea typeface="Cambria Math" panose="02040503050406030204" pitchFamily="18" charset="0"/>
+                            </a:rPr>
+                            <m:t>𝑈</m:t>
+                          </m:r>
+                        </m:e>
+                        <m:sup>
+                          <m:f>
+                            <m:fPr>
+                              <m:ctrlPr>
+                                <a:rPr lang="en-US" i="1">
+                                  <a:solidFill>
+                                    <a:schemeClr val="accent6">
+                                      <a:lumMod val="50000"/>
+                                    </a:schemeClr>
+                                  </a:solidFill>
+                                  <a:latin typeface="Cambria Math" panose="02040503050406030204" pitchFamily="18" charset="0"/>
+                                  <a:ea typeface="Cambria Math" panose="02040503050406030204" pitchFamily="18" charset="0"/>
+                                </a:rPr>
+                              </m:ctrlPr>
+                            </m:fPr>
+                            <m:num>
+                              <m:r>
+                                <a:rPr lang="en-US" i="1">
+                                  <a:solidFill>
+                                    <a:schemeClr val="accent6">
+                                      <a:lumMod val="50000"/>
+                                    </a:schemeClr>
+                                  </a:solidFill>
+                                  <a:latin typeface="Cambria Math" panose="02040503050406030204" pitchFamily="18" charset="0"/>
+                                  <a:ea typeface="Cambria Math" panose="02040503050406030204" pitchFamily="18" charset="0"/>
+                                </a:rPr>
+                                <m:t>1</m:t>
+                              </m:r>
+                            </m:num>
+                            <m:den>
+                              <m:r>
+                                <a:rPr lang="en-US" i="1">
+                                  <a:solidFill>
+                                    <a:schemeClr val="accent6">
+                                      <a:lumMod val="50000"/>
+                                    </a:schemeClr>
+                                  </a:solidFill>
+                                  <a:latin typeface="Cambria Math" panose="02040503050406030204" pitchFamily="18" charset="0"/>
+                                  <a:ea typeface="Cambria Math" panose="02040503050406030204" pitchFamily="18" charset="0"/>
+                                </a:rPr>
+                                <m:t>4</m:t>
+                              </m:r>
+                            </m:den>
+                          </m:f>
+                        </m:sup>
+                      </m:sSup>
+                      <m:sSup>
+                        <m:sSupPr>
+                          <m:ctrlPr>
+                            <a:rPr lang="en-US" i="1">
+                              <a:solidFill>
+                                <a:schemeClr val="accent6">
+                                  <a:lumMod val="50000"/>
+                                </a:schemeClr>
+                              </a:solidFill>
+                              <a:latin typeface="Cambria Math" panose="02040503050406030204" pitchFamily="18" charset="0"/>
+                              <a:ea typeface="Cambria Math" panose="02040503050406030204" pitchFamily="18" charset="0"/>
+                            </a:rPr>
+                          </m:ctrlPr>
+                        </m:sSupPr>
+                        <m:e>
+                          <m:r>
+                            <a:rPr lang="en-US" i="1">
+                              <a:solidFill>
+                                <a:schemeClr val="accent6">
+                                  <a:lumMod val="50000"/>
+                                </a:schemeClr>
+                              </a:solidFill>
+                              <a:latin typeface="Cambria Math" panose="02040503050406030204" pitchFamily="18" charset="0"/>
+                              <a:ea typeface="Cambria Math" panose="02040503050406030204" pitchFamily="18" charset="0"/>
+                            </a:rPr>
+                            <m:t>𝐻</m:t>
+                          </m:r>
+                        </m:e>
+                        <m:sup>
+                          <m:f>
+                            <m:fPr>
+                              <m:ctrlPr>
+                                <a:rPr lang="en-US" i="1">
+                                  <a:solidFill>
+                                    <a:schemeClr val="accent6">
+                                      <a:lumMod val="50000"/>
+                                    </a:schemeClr>
+                                  </a:solidFill>
+                                  <a:latin typeface="Cambria Math" panose="02040503050406030204" pitchFamily="18" charset="0"/>
+                                  <a:ea typeface="Cambria Math" panose="02040503050406030204" pitchFamily="18" charset="0"/>
+                                </a:rPr>
+                              </m:ctrlPr>
+                            </m:fPr>
+                            <m:num>
+                              <m:r>
+                                <a:rPr lang="en-US" i="1">
+                                  <a:solidFill>
+                                    <a:schemeClr val="accent6">
+                                      <a:lumMod val="50000"/>
+                                    </a:schemeClr>
+                                  </a:solidFill>
+                                  <a:latin typeface="Cambria Math" panose="02040503050406030204" pitchFamily="18" charset="0"/>
+                                  <a:ea typeface="Cambria Math" panose="02040503050406030204" pitchFamily="18" charset="0"/>
+                                </a:rPr>
+                                <m:t>9</m:t>
+                              </m:r>
+                            </m:num>
+                            <m:den>
+                              <m:r>
+                                <a:rPr lang="en-US" i="1">
+                                  <a:solidFill>
+                                    <a:schemeClr val="accent6">
+                                      <a:lumMod val="50000"/>
+                                    </a:schemeClr>
+                                  </a:solidFill>
+                                  <a:latin typeface="Cambria Math" panose="02040503050406030204" pitchFamily="18" charset="0"/>
+                                  <a:ea typeface="Cambria Math" panose="02040503050406030204" pitchFamily="18" charset="0"/>
+                                </a:rPr>
+                                <m:t>16</m:t>
+                              </m:r>
+                            </m:den>
+                          </m:f>
+                        </m:sup>
+                      </m:sSup>
+                    </m:oMath>
+                  </m:oMathPara>
+                </a14:m>
+                <a:endParaRPr lang="en-US" dirty="0"/>
+              </a:p>
+            </p:txBody>
+          </p:sp>
+        </mc:Choice>
+        <mc:Fallback xmlns="">
+          <p:sp>
+            <p:nvSpPr>
+              <p:cNvPr id="6" name="Rectangle 5"/>
+              <p:cNvSpPr>
+                <a:spLocks noRot="1" noChangeAspect="1" noMove="1" noResize="1" noEditPoints="1" noAdjustHandles="1" noChangeArrowheads="1" noChangeShapeType="1" noTextEdit="1"/>
+              </p:cNvSpPr>
+              <p:nvPr/>
+            </p:nvSpPr>
+            <p:spPr>
+              <a:xfrm>
+                <a:off x="8376552" y="5665189"/>
+                <a:ext cx="2712729" cy="566630"/>
+              </a:xfrm>
+              <a:prstGeom prst="rect">
+                <a:avLst/>
+              </a:prstGeom>
+              <a:blipFill>
+                <a:blip r:embed="rId6"/>
+                <a:stretch>
+                  <a:fillRect/>
+                </a:stretch>
+              </a:blipFill>
+            </p:spPr>
+            <p:txBody>
+              <a:bodyPr/>
+              <a:lstStyle/>
+              <a:p>
+                <a:r>
+                  <a:rPr lang="en-US">
+                    <a:noFill/>
+                  </a:rPr>
+                  <a:t> </a:t>
+                </a:r>
+              </a:p>
+            </p:txBody>
+          </p:sp>
+        </mc:Fallback>
+      </mc:AlternateContent>
+      <p:sp>
+        <p:nvSpPr>
+          <p:cNvPr id="7" name="Rectangle 6"/>
+          <p:cNvSpPr/>
+          <p:nvPr/>
+        </p:nvSpPr>
+        <p:spPr>
+          <a:xfrm>
+            <a:off x="1736745" y="1958679"/>
+            <a:ext cx="2446713" cy="646331"/>
+          </a:xfrm>
+          <a:prstGeom prst="rect">
+            <a:avLst/>
+          </a:prstGeom>
+        </p:spPr>
+        <p:txBody>
+          <a:bodyPr wrap="square">
+            <a:spAutoFit/>
+          </a:bodyPr>
+          <a:lstStyle/>
+          <a:p>
+            <a:r>
+              <a:rPr lang="en-US" dirty="0"/>
+              <a:t>Small-Eddy Model</a:t>
+            </a:r>
+          </a:p>
+          <a:p>
+            <a:r>
+              <a:rPr lang="en-US" dirty="0">
+                <a:solidFill>
+                  <a:srgbClr val="C00000"/>
+                </a:solidFill>
+              </a:rPr>
+              <a:t>[Lamont &amp; Scott, 1970]</a:t>
+            </a:r>
+          </a:p>
+        </p:txBody>
+      </p:sp>
+      <p:sp>
+        <p:nvSpPr>
+          <p:cNvPr id="8" name="Rectangle 7"/>
+          <p:cNvSpPr/>
+          <p:nvPr/>
+        </p:nvSpPr>
+        <p:spPr>
+          <a:xfrm>
+            <a:off x="6946669" y="1958679"/>
+            <a:ext cx="2670787" cy="646331"/>
+          </a:xfrm>
+          <a:prstGeom prst="rect">
+            <a:avLst/>
+          </a:prstGeom>
+        </p:spPr>
+        <p:txBody>
+          <a:bodyPr wrap="square">
+            <a:spAutoFit/>
+          </a:bodyPr>
+          <a:lstStyle/>
+          <a:p>
+            <a:r>
+              <a:rPr lang="en-US" dirty="0"/>
+              <a:t>Chainsaw Model</a:t>
+            </a:r>
+          </a:p>
+          <a:p>
+            <a:r>
+              <a:rPr lang="en-US" dirty="0">
+                <a:solidFill>
+                  <a:srgbClr val="C00000"/>
+                </a:solidFill>
+              </a:rPr>
+              <a:t>[Moog &amp; </a:t>
+            </a:r>
+            <a:r>
+              <a:rPr lang="en-US" dirty="0" err="1">
+                <a:solidFill>
+                  <a:srgbClr val="C00000"/>
+                </a:solidFill>
+              </a:rPr>
+              <a:t>Jirka</a:t>
+            </a:r>
+            <a:r>
+              <a:rPr lang="en-US" dirty="0">
+                <a:solidFill>
+                  <a:srgbClr val="C00000"/>
+                </a:solidFill>
+              </a:rPr>
+              <a:t>, 1999a]</a:t>
+            </a:r>
+          </a:p>
+        </p:txBody>
+      </p:sp>
+      <mc:AlternateContent xmlns:mc="http://schemas.openxmlformats.org/markup-compatibility/2006" xmlns:a14="http://schemas.microsoft.com/office/drawing/2010/main">
+        <mc:Choice Requires="a14">
+          <p:sp>
+            <p:nvSpPr>
+              <p:cNvPr id="9" name="Rectangle 8"/>
+              <p:cNvSpPr/>
+              <p:nvPr/>
+            </p:nvSpPr>
+            <p:spPr>
+              <a:xfrm>
+                <a:off x="565076" y="3823917"/>
+                <a:ext cx="1603324" cy="1122680"/>
+              </a:xfrm>
+              <a:prstGeom prst="rect">
+                <a:avLst/>
+              </a:prstGeom>
+            </p:spPr>
+            <p:txBody>
+              <a:bodyPr wrap="none">
+                <a:spAutoFit/>
+              </a:bodyPr>
+              <a:lstStyle/>
+              <a:p>
+                <a:pPr/>
+                <a14:m>
+                  <m:oMathPara xmlns:m="http://schemas.openxmlformats.org/officeDocument/2006/math">
+                    <m:oMathParaPr>
+                      <m:jc m:val="centerGroup"/>
+                    </m:oMathParaPr>
+                    <m:oMath xmlns:m="http://schemas.openxmlformats.org/officeDocument/2006/math">
+                      <m:r>
+                        <a:rPr lang="en-US" i="1">
+                          <a:latin typeface="Cambria Math" panose="02040503050406030204" pitchFamily="18" charset="0"/>
+                          <a:ea typeface="Cambria Math" panose="02040503050406030204" pitchFamily="18" charset="0"/>
+                        </a:rPr>
+                        <m:t>𝜀</m:t>
+                      </m:r>
+                      <m:r>
+                        <a:rPr lang="en-US" i="1">
+                          <a:latin typeface="Cambria Math" panose="02040503050406030204" pitchFamily="18" charset="0"/>
+                          <a:ea typeface="Cambria Math" panose="02040503050406030204" pitchFamily="18" charset="0"/>
+                        </a:rPr>
+                        <m:t>=</m:t>
+                      </m:r>
+                      <m:sSub>
+                        <m:sSubPr>
+                          <m:ctrlPr>
+                            <a:rPr lang="en-US" i="1">
+                              <a:latin typeface="Cambria Math" panose="02040503050406030204" pitchFamily="18" charset="0"/>
+                              <a:ea typeface="Cambria Math" panose="02040503050406030204" pitchFamily="18" charset="0"/>
+                            </a:rPr>
+                          </m:ctrlPr>
+                        </m:sSubPr>
+                        <m:e>
+                          <m:r>
+                            <a:rPr lang="en-US" i="1">
+                              <a:latin typeface="Cambria Math" panose="02040503050406030204" pitchFamily="18" charset="0"/>
+                              <a:ea typeface="Cambria Math" panose="02040503050406030204" pitchFamily="18" charset="0"/>
+                            </a:rPr>
+                            <m:t>𝜀</m:t>
+                          </m:r>
+                        </m:e>
+                        <m:sub>
+                          <m:r>
+                            <a:rPr lang="en-US" i="1">
+                              <a:latin typeface="Cambria Math" panose="02040503050406030204" pitchFamily="18" charset="0"/>
+                              <a:ea typeface="Cambria Math" panose="02040503050406030204" pitchFamily="18" charset="0"/>
+                            </a:rPr>
+                            <m:t>𝑆</m:t>
+                          </m:r>
+                        </m:sub>
+                      </m:sSub>
+                      <m:r>
+                        <a:rPr lang="en-US" i="1">
+                          <a:latin typeface="Cambria Math" panose="02040503050406030204" pitchFamily="18" charset="0"/>
+                          <a:ea typeface="Cambria Math" panose="02040503050406030204" pitchFamily="18" charset="0"/>
+                        </a:rPr>
+                        <m:t>=</m:t>
+                      </m:r>
+                      <m:f>
+                        <m:fPr>
+                          <m:ctrlPr>
+                            <a:rPr lang="en-US" i="1">
+                              <a:latin typeface="Cambria Math" panose="02040503050406030204" pitchFamily="18" charset="0"/>
+                              <a:ea typeface="Cambria Math" panose="02040503050406030204" pitchFamily="18" charset="0"/>
+                            </a:rPr>
+                          </m:ctrlPr>
+                        </m:fPr>
+                        <m:num>
+                          <m:sSubSup>
+                            <m:sSubSupPr>
+                              <m:ctrlPr>
+                                <a:rPr lang="en-US" i="1">
+                                  <a:latin typeface="Cambria Math" panose="02040503050406030204" pitchFamily="18" charset="0"/>
+                                  <a:ea typeface="Cambria Math" panose="02040503050406030204" pitchFamily="18" charset="0"/>
+                                </a:rPr>
+                              </m:ctrlPr>
+                            </m:sSubSupPr>
+                            <m:e>
+                              <m:r>
+                                <a:rPr lang="en-US" i="1">
+                                  <a:latin typeface="Cambria Math" panose="02040503050406030204" pitchFamily="18" charset="0"/>
+                                  <a:ea typeface="Cambria Math" panose="02040503050406030204" pitchFamily="18" charset="0"/>
+                                </a:rPr>
+                                <m:t>𝑈</m:t>
+                              </m:r>
+                            </m:e>
+                            <m:sub>
+                              <m:r>
+                                <a:rPr lang="en-US" i="1">
+                                  <a:latin typeface="Cambria Math" panose="02040503050406030204" pitchFamily="18" charset="0"/>
+                                  <a:ea typeface="Cambria Math" panose="02040503050406030204" pitchFamily="18" charset="0"/>
+                                </a:rPr>
+                                <m:t>∗</m:t>
+                              </m:r>
+                            </m:sub>
+                            <m:sup>
+                              <m:r>
+                                <a:rPr lang="en-US" i="1">
+                                  <a:latin typeface="Cambria Math" panose="02040503050406030204" pitchFamily="18" charset="0"/>
+                                  <a:ea typeface="Cambria Math" panose="02040503050406030204" pitchFamily="18" charset="0"/>
+                                </a:rPr>
+                                <m:t>3</m:t>
+                              </m:r>
+                            </m:sup>
+                          </m:sSubSup>
+                        </m:num>
+                        <m:den>
+                          <m:r>
+                            <a:rPr lang="en-US" i="1">
+                              <a:latin typeface="Cambria Math" panose="02040503050406030204" pitchFamily="18" charset="0"/>
+                              <a:ea typeface="Cambria Math" panose="02040503050406030204" pitchFamily="18" charset="0"/>
+                            </a:rPr>
+                            <m:t>𝐻</m:t>
+                          </m:r>
+                        </m:den>
+                      </m:f>
+                    </m:oMath>
+                  </m:oMathPara>
+                </a14:m>
+                <a:endParaRPr lang="en-US" dirty="0" smtClean="0"/>
+              </a:p>
+              <a:p>
+                <a:r>
+                  <a:rPr lang="en-US" sz="1400" dirty="0"/>
+                  <a:t>(</a:t>
+                </a:r>
+                <a14:m>
+                  <m:oMath xmlns:m="http://schemas.openxmlformats.org/officeDocument/2006/math">
+                    <m:sSub>
+                      <m:sSubPr>
+                        <m:ctrlPr>
+                          <a:rPr lang="en-US" sz="1400" i="1">
+                            <a:latin typeface="Cambria Math" panose="02040503050406030204" pitchFamily="18" charset="0"/>
+                          </a:rPr>
+                        </m:ctrlPr>
+                      </m:sSubPr>
+                      <m:e>
+                        <m:r>
+                          <a:rPr lang="en-US" sz="1400" i="1">
+                            <a:latin typeface="Cambria Math" panose="02040503050406030204" pitchFamily="18" charset="0"/>
+                          </a:rPr>
+                          <m:t>𝑈</m:t>
+                        </m:r>
+                      </m:e>
+                      <m:sub>
+                        <m:r>
+                          <a:rPr lang="en-US" sz="1400" i="1">
+                            <a:latin typeface="Cambria Math" panose="02040503050406030204" pitchFamily="18" charset="0"/>
+                          </a:rPr>
+                          <m:t>∗</m:t>
+                        </m:r>
+                      </m:sub>
+                    </m:sSub>
+                    <m:r>
+                      <a:rPr lang="en-US" sz="1400" i="1">
+                        <a:latin typeface="Cambria Math" panose="02040503050406030204" pitchFamily="18" charset="0"/>
+                      </a:rPr>
+                      <m:t>=</m:t>
+                    </m:r>
+                    <m:rad>
+                      <m:radPr>
+                        <m:degHide m:val="on"/>
+                        <m:ctrlPr>
+                          <a:rPr lang="en-US" sz="1400" i="1">
+                            <a:latin typeface="Cambria Math" panose="02040503050406030204" pitchFamily="18" charset="0"/>
+                          </a:rPr>
+                        </m:ctrlPr>
+                      </m:radPr>
+                      <m:deg/>
+                      <m:e>
+                        <m:r>
+                          <a:rPr lang="en-US" sz="1400" i="1">
+                            <a:latin typeface="Cambria Math" panose="02040503050406030204" pitchFamily="18" charset="0"/>
+                          </a:rPr>
+                          <m:t>𝑔𝑆</m:t>
+                        </m:r>
+                        <m:sSub>
+                          <m:sSubPr>
+                            <m:ctrlPr>
+                              <a:rPr lang="en-US" sz="1400" i="1">
+                                <a:latin typeface="Cambria Math" panose="02040503050406030204" pitchFamily="18" charset="0"/>
+                              </a:rPr>
+                            </m:ctrlPr>
+                          </m:sSubPr>
+                          <m:e>
+                            <m:r>
+                              <a:rPr lang="en-US" sz="1400" i="1">
+                                <a:latin typeface="Cambria Math" panose="02040503050406030204" pitchFamily="18" charset="0"/>
+                              </a:rPr>
+                              <m:t>𝑅</m:t>
+                            </m:r>
+                          </m:e>
+                          <m:sub>
+                            <m:r>
+                              <a:rPr lang="en-US" sz="1400" i="1">
+                                <a:latin typeface="Cambria Math" panose="02040503050406030204" pitchFamily="18" charset="0"/>
+                              </a:rPr>
+                              <m:t>h</m:t>
+                            </m:r>
+                          </m:sub>
+                        </m:sSub>
+                      </m:e>
+                    </m:rad>
+                  </m:oMath>
+                </a14:m>
+                <a:r>
+                  <a:rPr lang="en-US" sz="1400" dirty="0" smtClean="0"/>
+                  <a:t>)</a:t>
+                </a:r>
+              </a:p>
+              <a:p>
+                <a:r>
+                  <a:rPr lang="en-US" sz="1400" dirty="0" smtClean="0">
+                    <a:solidFill>
+                      <a:srgbClr val="C00000"/>
+                    </a:solidFill>
+                  </a:rPr>
+                  <a:t>Log-law-of-the-wall</a:t>
+                </a:r>
+                <a:endParaRPr lang="en-US" sz="1400" dirty="0">
+                  <a:solidFill>
+                    <a:srgbClr val="C00000"/>
+                  </a:solidFill>
+                </a:endParaRPr>
+              </a:p>
+            </p:txBody>
+          </p:sp>
+        </mc:Choice>
+        <mc:Fallback xmlns="">
+          <p:sp>
+            <p:nvSpPr>
+              <p:cNvPr id="9" name="Rectangle 8"/>
+              <p:cNvSpPr>
+                <a:spLocks noRot="1" noChangeAspect="1" noMove="1" noResize="1" noEditPoints="1" noAdjustHandles="1" noChangeArrowheads="1" noChangeShapeType="1" noTextEdit="1"/>
+              </p:cNvSpPr>
+              <p:nvPr/>
+            </p:nvSpPr>
+            <p:spPr>
+              <a:xfrm>
+                <a:off x="565076" y="3823917"/>
+                <a:ext cx="1603324" cy="1122680"/>
+              </a:xfrm>
+              <a:prstGeom prst="rect">
+                <a:avLst/>
+              </a:prstGeom>
+              <a:blipFill>
+                <a:blip r:embed="rId7"/>
+                <a:stretch>
+                  <a:fillRect l="-1141" r="-380" b="-5435"/>
+                </a:stretch>
+              </a:blipFill>
+            </p:spPr>
+            <p:txBody>
+              <a:bodyPr/>
+              <a:lstStyle/>
+              <a:p>
+                <a:r>
+                  <a:rPr lang="en-US">
+                    <a:noFill/>
+                  </a:rPr>
+                  <a:t> </a:t>
+                </a:r>
+              </a:p>
+            </p:txBody>
+          </p:sp>
+        </mc:Fallback>
+      </mc:AlternateContent>
+      <mc:AlternateContent xmlns:mc="http://schemas.openxmlformats.org/markup-compatibility/2006" xmlns:a14="http://schemas.microsoft.com/office/drawing/2010/main">
+        <mc:Choice Requires="a14">
+          <p:sp>
+            <p:nvSpPr>
+              <p:cNvPr id="10" name="Rectangle 9"/>
+              <p:cNvSpPr/>
+              <p:nvPr/>
+            </p:nvSpPr>
+            <p:spPr>
+              <a:xfrm>
+                <a:off x="3089981" y="3985147"/>
+                <a:ext cx="1866729" cy="800219"/>
+              </a:xfrm>
+              <a:prstGeom prst="rect">
+                <a:avLst/>
+              </a:prstGeom>
+            </p:spPr>
+            <p:txBody>
+              <a:bodyPr wrap="none">
+                <a:spAutoFit/>
+              </a:bodyPr>
+              <a:lstStyle/>
+              <a:p>
+                <a:pPr/>
+                <a14:m>
+                  <m:oMathPara xmlns:m="http://schemas.openxmlformats.org/officeDocument/2006/math">
+                    <m:oMathParaPr>
+                      <m:jc m:val="centerGroup"/>
+                    </m:oMathParaPr>
+                    <m:oMath xmlns:m="http://schemas.openxmlformats.org/officeDocument/2006/math">
+                      <m:r>
+                        <a:rPr lang="en-US" i="1" smtClean="0">
+                          <a:latin typeface="Cambria Math" panose="02040503050406030204" pitchFamily="18" charset="0"/>
+                          <a:ea typeface="Cambria Math" panose="02040503050406030204" pitchFamily="18" charset="0"/>
+                        </a:rPr>
+                        <m:t>𝜀</m:t>
+                      </m:r>
+                      <m:r>
+                        <a:rPr lang="en-US" i="1" smtClean="0">
+                          <a:latin typeface="Cambria Math" panose="02040503050406030204" pitchFamily="18" charset="0"/>
+                          <a:ea typeface="Cambria Math" panose="02040503050406030204" pitchFamily="18" charset="0"/>
+                        </a:rPr>
+                        <m:t>=</m:t>
+                      </m:r>
+                      <m:sSub>
+                        <m:sSubPr>
+                          <m:ctrlPr>
+                            <a:rPr lang="en-US" i="1">
+                              <a:latin typeface="Cambria Math" panose="02040503050406030204" pitchFamily="18" charset="0"/>
+                              <a:ea typeface="Cambria Math" panose="02040503050406030204" pitchFamily="18" charset="0"/>
+                            </a:rPr>
+                          </m:ctrlPr>
+                        </m:sSubPr>
+                        <m:e>
+                          <m:r>
+                            <a:rPr lang="en-US" i="1">
+                              <a:latin typeface="Cambria Math" panose="02040503050406030204" pitchFamily="18" charset="0"/>
+                              <a:ea typeface="Cambria Math" panose="02040503050406030204" pitchFamily="18" charset="0"/>
+                            </a:rPr>
+                            <m:t>𝜀</m:t>
+                          </m:r>
+                        </m:e>
+                        <m:sub>
+                          <m:r>
+                            <a:rPr lang="en-US" i="1">
+                              <a:latin typeface="Cambria Math" panose="02040503050406030204" pitchFamily="18" charset="0"/>
+                              <a:ea typeface="Cambria Math" panose="02040503050406030204" pitchFamily="18" charset="0"/>
+                            </a:rPr>
+                            <m:t>𝐷</m:t>
+                          </m:r>
+                        </m:sub>
+                      </m:sSub>
+                      <m:r>
+                        <a:rPr lang="en-US" i="1">
+                          <a:latin typeface="Cambria Math" panose="02040503050406030204" pitchFamily="18" charset="0"/>
+                          <a:ea typeface="Cambria Math" panose="02040503050406030204" pitchFamily="18" charset="0"/>
+                        </a:rPr>
+                        <m:t>=</m:t>
+                      </m:r>
+                      <m:r>
+                        <a:rPr lang="en-US" i="1">
+                          <a:latin typeface="Cambria Math" panose="02040503050406030204" pitchFamily="18" charset="0"/>
+                          <a:ea typeface="Cambria Math" panose="02040503050406030204" pitchFamily="18" charset="0"/>
+                        </a:rPr>
+                        <m:t>𝑔𝑆𝑈</m:t>
+                      </m:r>
+                    </m:oMath>
+                  </m:oMathPara>
+                </a14:m>
+                <a:endParaRPr lang="en-US" dirty="0" smtClean="0"/>
+              </a:p>
+              <a:p>
+                <a14:m>
+                  <m:oMath xmlns:m="http://schemas.openxmlformats.org/officeDocument/2006/math">
+                    <m:r>
+                      <a:rPr lang="en-US" sz="1400" b="0" i="1" smtClean="0">
+                        <a:latin typeface="Cambria Math" panose="02040503050406030204" pitchFamily="18" charset="0"/>
+                      </a:rPr>
+                      <m:t>(</m:t>
+                    </m:r>
+                    <m:r>
+                      <a:rPr lang="en-US" sz="1400" i="1">
+                        <a:latin typeface="Cambria Math" panose="02040503050406030204" pitchFamily="18" charset="0"/>
+                      </a:rPr>
+                      <m:t>𝑈</m:t>
+                    </m:r>
+                  </m:oMath>
+                </a14:m>
+                <a:r>
+                  <a:rPr lang="en-US" sz="1400" dirty="0"/>
+                  <a:t> = avg. flow </a:t>
+                </a:r>
+                <a:r>
+                  <a:rPr lang="en-US" sz="1400" dirty="0" smtClean="0"/>
+                  <a:t>velocity)</a:t>
+                </a:r>
+              </a:p>
+              <a:p>
+                <a:r>
+                  <a:rPr lang="en-US" sz="1400" dirty="0" smtClean="0">
+                    <a:solidFill>
+                      <a:srgbClr val="C00000"/>
+                    </a:solidFill>
+                  </a:rPr>
+                  <a:t>[Moog &amp; </a:t>
+                </a:r>
+                <a:r>
+                  <a:rPr lang="en-US" sz="1400" dirty="0" err="1" smtClean="0">
+                    <a:solidFill>
+                      <a:srgbClr val="C00000"/>
+                    </a:solidFill>
+                  </a:rPr>
+                  <a:t>Jirka</a:t>
+                </a:r>
+                <a:r>
+                  <a:rPr lang="en-US" sz="1400" dirty="0" smtClean="0">
+                    <a:solidFill>
+                      <a:srgbClr val="C00000"/>
+                    </a:solidFill>
+                  </a:rPr>
+                  <a:t> 1999b]</a:t>
+                </a:r>
+                <a:endParaRPr lang="en-US" sz="1400" dirty="0">
+                  <a:solidFill>
+                    <a:srgbClr val="C00000"/>
+                  </a:solidFill>
+                </a:endParaRPr>
+              </a:p>
+            </p:txBody>
+          </p:sp>
+        </mc:Choice>
+        <mc:Fallback xmlns="">
+          <p:sp>
+            <p:nvSpPr>
+              <p:cNvPr id="10" name="Rectangle 9"/>
+              <p:cNvSpPr>
+                <a:spLocks noRot="1" noChangeAspect="1" noMove="1" noResize="1" noEditPoints="1" noAdjustHandles="1" noChangeArrowheads="1" noChangeShapeType="1" noTextEdit="1"/>
+              </p:cNvSpPr>
+              <p:nvPr/>
+            </p:nvSpPr>
+            <p:spPr>
+              <a:xfrm>
+                <a:off x="3089981" y="3985147"/>
+                <a:ext cx="1866729" cy="800219"/>
+              </a:xfrm>
+              <a:prstGeom prst="rect">
+                <a:avLst/>
+              </a:prstGeom>
+              <a:blipFill>
+                <a:blip r:embed="rId8"/>
+                <a:stretch>
+                  <a:fillRect l="-980" b="-6870"/>
+                </a:stretch>
+              </a:blipFill>
+            </p:spPr>
+            <p:txBody>
+              <a:bodyPr/>
+              <a:lstStyle/>
+              <a:p>
+                <a:r>
+                  <a:rPr lang="en-US">
+                    <a:noFill/>
+                  </a:rPr>
+                  <a:t> </a:t>
+                </a:r>
+              </a:p>
+            </p:txBody>
+          </p:sp>
+        </mc:Fallback>
+      </mc:AlternateContent>
+      <p:cxnSp>
+        <p:nvCxnSpPr>
+          <p:cNvPr id="12" name="Straight Connector 11"/>
+          <p:cNvCxnSpPr>
+            <a:stCxn id="7" idx="2"/>
+            <a:endCxn id="9" idx="0"/>
+          </p:cNvCxnSpPr>
+          <p:nvPr/>
+        </p:nvCxnSpPr>
+        <p:spPr>
+          <a:xfrm flipH="1">
+            <a:off x="1366738" y="2605010"/>
+            <a:ext cx="1593364" cy="1218907"/>
+          </a:xfrm>
+          <a:prstGeom prst="line">
+            <a:avLst/>
+          </a:prstGeom>
+        </p:spPr>
+        <p:style>
+          <a:lnRef idx="1">
+            <a:schemeClr val="accent1"/>
+          </a:lnRef>
+          <a:fillRef idx="0">
+            <a:schemeClr val="accent1"/>
+          </a:fillRef>
+          <a:effectRef idx="0">
+            <a:schemeClr val="accent1"/>
+          </a:effectRef>
+          <a:fontRef idx="minor">
+            <a:schemeClr val="tx1"/>
+          </a:fontRef>
+        </p:style>
+      </p:cxnSp>
+      <p:cxnSp>
+        <p:nvCxnSpPr>
+          <p:cNvPr id="13" name="Straight Connector 12"/>
+          <p:cNvCxnSpPr>
+            <a:stCxn id="7" idx="2"/>
+            <a:endCxn id="10" idx="0"/>
+          </p:cNvCxnSpPr>
+          <p:nvPr/>
+        </p:nvCxnSpPr>
+        <p:spPr>
+          <a:xfrm>
+            <a:off x="2960102" y="2605010"/>
+            <a:ext cx="1063244" cy="1380137"/>
+          </a:xfrm>
+          <a:prstGeom prst="line">
+            <a:avLst/>
+          </a:prstGeom>
+        </p:spPr>
+        <p:style>
+          <a:lnRef idx="1">
+            <a:schemeClr val="accent1"/>
+          </a:lnRef>
+          <a:fillRef idx="0">
+            <a:schemeClr val="accent1"/>
+          </a:fillRef>
+          <a:effectRef idx="0">
+            <a:schemeClr val="accent1"/>
+          </a:effectRef>
+          <a:fontRef idx="minor">
+            <a:schemeClr val="tx1"/>
+          </a:fontRef>
+        </p:style>
+      </p:cxnSp>
+      <p:cxnSp>
+        <p:nvCxnSpPr>
+          <p:cNvPr id="23" name="Straight Connector 22"/>
+          <p:cNvCxnSpPr>
+            <a:stCxn id="3" idx="0"/>
+            <a:endCxn id="9" idx="2"/>
+          </p:cNvCxnSpPr>
+          <p:nvPr/>
+        </p:nvCxnSpPr>
+        <p:spPr>
+          <a:xfrm flipV="1">
+            <a:off x="1366058" y="4946597"/>
+            <a:ext cx="680" cy="724362"/>
+          </a:xfrm>
+          <a:prstGeom prst="line">
+            <a:avLst/>
+          </a:prstGeom>
+        </p:spPr>
+        <p:style>
+          <a:lnRef idx="1">
+            <a:schemeClr val="accent1"/>
+          </a:lnRef>
+          <a:fillRef idx="0">
+            <a:schemeClr val="accent1"/>
+          </a:fillRef>
+          <a:effectRef idx="0">
+            <a:schemeClr val="accent1"/>
+          </a:effectRef>
+          <a:fontRef idx="minor">
+            <a:schemeClr val="tx1"/>
+          </a:fontRef>
+        </p:style>
+      </p:cxnSp>
+      <p:cxnSp>
+        <p:nvCxnSpPr>
+          <p:cNvPr id="29" name="Straight Connector 28"/>
+          <p:cNvCxnSpPr>
+            <a:stCxn id="4" idx="0"/>
+            <a:endCxn id="10" idx="2"/>
+          </p:cNvCxnSpPr>
+          <p:nvPr/>
+        </p:nvCxnSpPr>
+        <p:spPr>
+          <a:xfrm flipH="1" flipV="1">
+            <a:off x="4023346" y="4785366"/>
+            <a:ext cx="2785" cy="885593"/>
+          </a:xfrm>
+          <a:prstGeom prst="line">
+            <a:avLst/>
+          </a:prstGeom>
+        </p:spPr>
+        <p:style>
+          <a:lnRef idx="1">
+            <a:schemeClr val="accent1"/>
+          </a:lnRef>
+          <a:fillRef idx="0">
+            <a:schemeClr val="accent1"/>
+          </a:fillRef>
+          <a:effectRef idx="0">
+            <a:schemeClr val="accent1"/>
+          </a:effectRef>
+          <a:fontRef idx="minor">
+            <a:schemeClr val="tx1"/>
+          </a:fontRef>
+        </p:style>
+      </p:cxnSp>
+      <p:cxnSp>
+        <p:nvCxnSpPr>
+          <p:cNvPr id="39" name="Straight Connector 38"/>
+          <p:cNvCxnSpPr>
+            <a:stCxn id="6" idx="0"/>
+            <a:endCxn id="54" idx="2"/>
+          </p:cNvCxnSpPr>
+          <p:nvPr/>
+        </p:nvCxnSpPr>
+        <p:spPr>
+          <a:xfrm flipH="1" flipV="1">
+            <a:off x="9722408" y="4785366"/>
+            <a:ext cx="10509" cy="879823"/>
+          </a:xfrm>
+          <a:prstGeom prst="line">
+            <a:avLst/>
+          </a:prstGeom>
+        </p:spPr>
+        <p:style>
+          <a:lnRef idx="1">
+            <a:schemeClr val="accent1"/>
+          </a:lnRef>
+          <a:fillRef idx="0">
+            <a:schemeClr val="accent1"/>
+          </a:fillRef>
+          <a:effectRef idx="0">
+            <a:schemeClr val="accent1"/>
+          </a:effectRef>
+          <a:fontRef idx="minor">
+            <a:schemeClr val="tx1"/>
+          </a:fontRef>
+        </p:style>
+      </p:cxnSp>
+      <p:cxnSp>
+        <p:nvCxnSpPr>
+          <p:cNvPr id="40" name="Straight Connector 39"/>
+          <p:cNvCxnSpPr>
+            <a:stCxn id="8" idx="2"/>
+            <a:endCxn id="53" idx="0"/>
+          </p:cNvCxnSpPr>
+          <p:nvPr/>
+        </p:nvCxnSpPr>
+        <p:spPr>
+          <a:xfrm flipH="1">
+            <a:off x="6885709" y="2605010"/>
+            <a:ext cx="1396354" cy="1199172"/>
+          </a:xfrm>
+          <a:prstGeom prst="line">
+            <a:avLst/>
+          </a:prstGeom>
+        </p:spPr>
+        <p:style>
+          <a:lnRef idx="1">
+            <a:schemeClr val="accent1"/>
+          </a:lnRef>
+          <a:fillRef idx="0">
+            <a:schemeClr val="accent1"/>
+          </a:fillRef>
+          <a:effectRef idx="0">
+            <a:schemeClr val="accent1"/>
+          </a:effectRef>
+          <a:fontRef idx="minor">
+            <a:schemeClr val="tx1"/>
+          </a:fontRef>
+        </p:style>
+      </p:cxnSp>
+      <p:cxnSp>
+        <p:nvCxnSpPr>
+          <p:cNvPr id="43" name="Straight Connector 42"/>
+          <p:cNvCxnSpPr>
+            <a:stCxn id="8" idx="2"/>
+            <a:endCxn id="54" idx="0"/>
+          </p:cNvCxnSpPr>
+          <p:nvPr/>
+        </p:nvCxnSpPr>
+        <p:spPr>
+          <a:xfrm>
+            <a:off x="8282063" y="2605010"/>
+            <a:ext cx="1440345" cy="1380137"/>
+          </a:xfrm>
+          <a:prstGeom prst="line">
+            <a:avLst/>
+          </a:prstGeom>
+        </p:spPr>
+        <p:style>
+          <a:lnRef idx="1">
+            <a:schemeClr val="accent1"/>
+          </a:lnRef>
+          <a:fillRef idx="0">
+            <a:schemeClr val="accent1"/>
+          </a:fillRef>
+          <a:effectRef idx="0">
+            <a:schemeClr val="accent1"/>
+          </a:effectRef>
+          <a:fontRef idx="minor">
+            <a:schemeClr val="tx1"/>
+          </a:fontRef>
+        </p:style>
+      </p:cxnSp>
+      <mc:AlternateContent xmlns:mc="http://schemas.openxmlformats.org/markup-compatibility/2006" xmlns:a14="http://schemas.microsoft.com/office/drawing/2010/main">
+        <mc:Choice Requires="a14">
+          <p:sp>
+            <p:nvSpPr>
+              <p:cNvPr id="46" name="TextBox 45"/>
+              <p:cNvSpPr txBox="1"/>
+              <p:nvPr/>
+            </p:nvSpPr>
+            <p:spPr>
+              <a:xfrm>
+                <a:off x="480943" y="5090587"/>
+                <a:ext cx="10400036" cy="369332"/>
+              </a:xfrm>
+              <a:prstGeom prst="rect">
+                <a:avLst/>
+              </a:prstGeom>
+              <a:solidFill>
+                <a:schemeClr val="accent3">
+                  <a:lumMod val="40000"/>
+                  <a:lumOff val="60000"/>
+                </a:schemeClr>
+              </a:solidFill>
+            </p:spPr>
+            <p:txBody>
+              <a:bodyPr wrap="square" rtlCol="0">
+                <a:spAutoFit/>
+              </a:bodyPr>
+              <a:lstStyle/>
+              <a:p>
+                <a:r>
+                  <a:rPr lang="en-US" dirty="0" smtClean="0"/>
+                  <a:t>		</a:t>
+                </a:r>
+                <a:r>
+                  <a:rPr lang="en-US" dirty="0"/>
+                  <a:t>	</a:t>
+                </a:r>
+                <a:r>
+                  <a:rPr lang="en-US" dirty="0" smtClean="0"/>
+                  <a:t>Assume hydraulically wide channel (</a:t>
+                </a:r>
+                <a14:m>
+                  <m:oMath xmlns:m="http://schemas.openxmlformats.org/officeDocument/2006/math">
+                    <m:sSub>
+                      <m:sSubPr>
+                        <m:ctrlPr>
+                          <a:rPr lang="en-US" b="0" i="1" smtClean="0">
+                            <a:latin typeface="Cambria Math" panose="02040503050406030204" pitchFamily="18" charset="0"/>
+                          </a:rPr>
+                        </m:ctrlPr>
+                      </m:sSubPr>
+                      <m:e>
+                        <m:r>
+                          <a:rPr lang="en-US" b="0" i="1" smtClean="0">
+                            <a:latin typeface="Cambria Math" panose="02040503050406030204" pitchFamily="18" charset="0"/>
+                          </a:rPr>
+                          <m:t>𝑅</m:t>
+                        </m:r>
+                      </m:e>
+                      <m:sub>
+                        <m:r>
+                          <a:rPr lang="en-US" b="0" i="1" smtClean="0">
+                            <a:latin typeface="Cambria Math" panose="02040503050406030204" pitchFamily="18" charset="0"/>
+                          </a:rPr>
+                          <m:t>h</m:t>
+                        </m:r>
+                      </m:sub>
+                    </m:sSub>
+                    <m:r>
+                      <a:rPr lang="en-US" b="0" i="1" smtClean="0">
+                        <a:latin typeface="Cambria Math" panose="02040503050406030204" pitchFamily="18" charset="0"/>
+                      </a:rPr>
+                      <m:t>=</m:t>
+                    </m:r>
+                    <m:r>
+                      <a:rPr lang="en-US" b="0" i="1" smtClean="0">
+                        <a:latin typeface="Cambria Math" panose="02040503050406030204" pitchFamily="18" charset="0"/>
+                      </a:rPr>
+                      <m:t>𝐻</m:t>
+                    </m:r>
+                  </m:oMath>
+                </a14:m>
+                <a:r>
+                  <a:rPr lang="en-US" dirty="0" smtClean="0"/>
+                  <a:t>) and simply equations</a:t>
+                </a:r>
+                <a:endParaRPr lang="en-US" dirty="0"/>
+              </a:p>
+            </p:txBody>
+          </p:sp>
+        </mc:Choice>
+        <mc:Fallback xmlns="">
+          <p:sp>
+            <p:nvSpPr>
+              <p:cNvPr id="46" name="TextBox 45"/>
+              <p:cNvSpPr txBox="1">
+                <a:spLocks noRot="1" noChangeAspect="1" noMove="1" noResize="1" noEditPoints="1" noAdjustHandles="1" noChangeArrowheads="1" noChangeShapeType="1" noTextEdit="1"/>
+              </p:cNvSpPr>
+              <p:nvPr/>
+            </p:nvSpPr>
+            <p:spPr>
+              <a:xfrm>
+                <a:off x="480943" y="5090587"/>
+                <a:ext cx="10400036" cy="369332"/>
+              </a:xfrm>
+              <a:prstGeom prst="rect">
+                <a:avLst/>
+              </a:prstGeom>
+              <a:blipFill>
+                <a:blip r:embed="rId9"/>
+                <a:stretch>
+                  <a:fillRect t="-8197" b="-24590"/>
+                </a:stretch>
+              </a:blipFill>
+            </p:spPr>
+            <p:txBody>
+              <a:bodyPr/>
+              <a:lstStyle/>
+              <a:p>
+                <a:r>
+                  <a:rPr lang="en-US">
+                    <a:noFill/>
+                  </a:rPr>
+                  <a:t> </a:t>
+                </a:r>
+              </a:p>
+            </p:txBody>
+          </p:sp>
+        </mc:Fallback>
+      </mc:AlternateContent>
+      <mc:AlternateContent xmlns:mc="http://schemas.openxmlformats.org/markup-compatibility/2006" xmlns:a14="http://schemas.microsoft.com/office/drawing/2010/main">
+        <mc:Choice Requires="a14">
+          <p:sp>
+            <p:nvSpPr>
+              <p:cNvPr id="53" name="Rectangle 52"/>
+              <p:cNvSpPr/>
+              <p:nvPr/>
+            </p:nvSpPr>
+            <p:spPr>
+              <a:xfrm>
+                <a:off x="6084047" y="3804182"/>
+                <a:ext cx="1603324" cy="1122680"/>
+              </a:xfrm>
+              <a:prstGeom prst="rect">
+                <a:avLst/>
+              </a:prstGeom>
+            </p:spPr>
+            <p:txBody>
+              <a:bodyPr wrap="none">
+                <a:spAutoFit/>
+              </a:bodyPr>
+              <a:lstStyle/>
+              <a:p>
+                <a:pPr/>
+                <a14:m>
+                  <m:oMathPara xmlns:m="http://schemas.openxmlformats.org/officeDocument/2006/math">
+                    <m:oMathParaPr>
+                      <m:jc m:val="centerGroup"/>
+                    </m:oMathParaPr>
+                    <m:oMath xmlns:m="http://schemas.openxmlformats.org/officeDocument/2006/math">
+                      <m:r>
+                        <a:rPr lang="en-US" i="1">
+                          <a:latin typeface="Cambria Math" panose="02040503050406030204" pitchFamily="18" charset="0"/>
+                          <a:ea typeface="Cambria Math" panose="02040503050406030204" pitchFamily="18" charset="0"/>
+                        </a:rPr>
+                        <m:t>𝜀</m:t>
+                      </m:r>
+                      <m:r>
+                        <a:rPr lang="en-US" i="1">
+                          <a:latin typeface="Cambria Math" panose="02040503050406030204" pitchFamily="18" charset="0"/>
+                          <a:ea typeface="Cambria Math" panose="02040503050406030204" pitchFamily="18" charset="0"/>
+                        </a:rPr>
+                        <m:t>=</m:t>
+                      </m:r>
+                      <m:sSub>
+                        <m:sSubPr>
+                          <m:ctrlPr>
+                            <a:rPr lang="en-US" i="1">
+                              <a:latin typeface="Cambria Math" panose="02040503050406030204" pitchFamily="18" charset="0"/>
+                              <a:ea typeface="Cambria Math" panose="02040503050406030204" pitchFamily="18" charset="0"/>
+                            </a:rPr>
+                          </m:ctrlPr>
+                        </m:sSubPr>
+                        <m:e>
+                          <m:r>
+                            <a:rPr lang="en-US" i="1">
+                              <a:latin typeface="Cambria Math" panose="02040503050406030204" pitchFamily="18" charset="0"/>
+                              <a:ea typeface="Cambria Math" panose="02040503050406030204" pitchFamily="18" charset="0"/>
+                            </a:rPr>
+                            <m:t>𝜀</m:t>
+                          </m:r>
+                        </m:e>
+                        <m:sub>
+                          <m:r>
+                            <a:rPr lang="en-US" i="1">
+                              <a:latin typeface="Cambria Math" panose="02040503050406030204" pitchFamily="18" charset="0"/>
+                              <a:ea typeface="Cambria Math" panose="02040503050406030204" pitchFamily="18" charset="0"/>
+                            </a:rPr>
+                            <m:t>𝑆</m:t>
+                          </m:r>
+                        </m:sub>
+                      </m:sSub>
+                      <m:r>
+                        <a:rPr lang="en-US" i="1">
+                          <a:latin typeface="Cambria Math" panose="02040503050406030204" pitchFamily="18" charset="0"/>
+                          <a:ea typeface="Cambria Math" panose="02040503050406030204" pitchFamily="18" charset="0"/>
+                        </a:rPr>
+                        <m:t>=</m:t>
+                      </m:r>
+                      <m:f>
+                        <m:fPr>
+                          <m:ctrlPr>
+                            <a:rPr lang="en-US" i="1">
+                              <a:latin typeface="Cambria Math" panose="02040503050406030204" pitchFamily="18" charset="0"/>
+                              <a:ea typeface="Cambria Math" panose="02040503050406030204" pitchFamily="18" charset="0"/>
+                            </a:rPr>
+                          </m:ctrlPr>
+                        </m:fPr>
+                        <m:num>
+                          <m:sSubSup>
+                            <m:sSubSupPr>
+                              <m:ctrlPr>
+                                <a:rPr lang="en-US" i="1">
+                                  <a:latin typeface="Cambria Math" panose="02040503050406030204" pitchFamily="18" charset="0"/>
+                                  <a:ea typeface="Cambria Math" panose="02040503050406030204" pitchFamily="18" charset="0"/>
+                                </a:rPr>
+                              </m:ctrlPr>
+                            </m:sSubSupPr>
+                            <m:e>
+                              <m:r>
+                                <a:rPr lang="en-US" i="1">
+                                  <a:latin typeface="Cambria Math" panose="02040503050406030204" pitchFamily="18" charset="0"/>
+                                  <a:ea typeface="Cambria Math" panose="02040503050406030204" pitchFamily="18" charset="0"/>
+                                </a:rPr>
+                                <m:t>𝑈</m:t>
+                              </m:r>
+                            </m:e>
+                            <m:sub>
+                              <m:r>
+                                <a:rPr lang="en-US" i="1">
+                                  <a:latin typeface="Cambria Math" panose="02040503050406030204" pitchFamily="18" charset="0"/>
+                                  <a:ea typeface="Cambria Math" panose="02040503050406030204" pitchFamily="18" charset="0"/>
+                                </a:rPr>
+                                <m:t>∗</m:t>
+                              </m:r>
+                            </m:sub>
+                            <m:sup>
+                              <m:r>
+                                <a:rPr lang="en-US" i="1">
+                                  <a:latin typeface="Cambria Math" panose="02040503050406030204" pitchFamily="18" charset="0"/>
+                                  <a:ea typeface="Cambria Math" panose="02040503050406030204" pitchFamily="18" charset="0"/>
+                                </a:rPr>
+                                <m:t>3</m:t>
+                              </m:r>
+                            </m:sup>
+                          </m:sSubSup>
+                        </m:num>
+                        <m:den>
+                          <m:r>
+                            <a:rPr lang="en-US" i="1">
+                              <a:latin typeface="Cambria Math" panose="02040503050406030204" pitchFamily="18" charset="0"/>
+                              <a:ea typeface="Cambria Math" panose="02040503050406030204" pitchFamily="18" charset="0"/>
+                            </a:rPr>
+                            <m:t>𝐻</m:t>
+                          </m:r>
+                        </m:den>
+                      </m:f>
+                    </m:oMath>
+                  </m:oMathPara>
+                </a14:m>
+                <a:endParaRPr lang="en-US" dirty="0" smtClean="0"/>
+              </a:p>
+              <a:p>
+                <a:r>
+                  <a:rPr lang="en-US" sz="1400" dirty="0"/>
+                  <a:t>(</a:t>
+                </a:r>
+                <a14:m>
+                  <m:oMath xmlns:m="http://schemas.openxmlformats.org/officeDocument/2006/math">
+                    <m:sSub>
+                      <m:sSubPr>
+                        <m:ctrlPr>
+                          <a:rPr lang="en-US" sz="1400" i="1">
+                            <a:latin typeface="Cambria Math" panose="02040503050406030204" pitchFamily="18" charset="0"/>
+                          </a:rPr>
+                        </m:ctrlPr>
+                      </m:sSubPr>
+                      <m:e>
+                        <m:r>
+                          <a:rPr lang="en-US" sz="1400" i="1">
+                            <a:latin typeface="Cambria Math" panose="02040503050406030204" pitchFamily="18" charset="0"/>
+                          </a:rPr>
+                          <m:t>𝑈</m:t>
+                        </m:r>
+                      </m:e>
+                      <m:sub>
+                        <m:r>
+                          <a:rPr lang="en-US" sz="1400" i="1">
+                            <a:latin typeface="Cambria Math" panose="02040503050406030204" pitchFamily="18" charset="0"/>
+                          </a:rPr>
+                          <m:t>∗</m:t>
+                        </m:r>
+                      </m:sub>
+                    </m:sSub>
+                    <m:r>
+                      <a:rPr lang="en-US" sz="1400" i="1">
+                        <a:latin typeface="Cambria Math" panose="02040503050406030204" pitchFamily="18" charset="0"/>
+                      </a:rPr>
+                      <m:t>=</m:t>
+                    </m:r>
+                    <m:rad>
+                      <m:radPr>
+                        <m:degHide m:val="on"/>
+                        <m:ctrlPr>
+                          <a:rPr lang="en-US" sz="1400" i="1">
+                            <a:latin typeface="Cambria Math" panose="02040503050406030204" pitchFamily="18" charset="0"/>
+                          </a:rPr>
+                        </m:ctrlPr>
+                      </m:radPr>
+                      <m:deg/>
+                      <m:e>
+                        <m:r>
+                          <a:rPr lang="en-US" sz="1400" i="1">
+                            <a:latin typeface="Cambria Math" panose="02040503050406030204" pitchFamily="18" charset="0"/>
+                          </a:rPr>
+                          <m:t>𝑔𝑆</m:t>
+                        </m:r>
+                        <m:sSub>
+                          <m:sSubPr>
+                            <m:ctrlPr>
+                              <a:rPr lang="en-US" sz="1400" i="1">
+                                <a:latin typeface="Cambria Math" panose="02040503050406030204" pitchFamily="18" charset="0"/>
+                              </a:rPr>
+                            </m:ctrlPr>
+                          </m:sSubPr>
+                          <m:e>
+                            <m:r>
+                              <a:rPr lang="en-US" sz="1400" i="1">
+                                <a:latin typeface="Cambria Math" panose="02040503050406030204" pitchFamily="18" charset="0"/>
+                              </a:rPr>
+                              <m:t>𝑅</m:t>
+                            </m:r>
+                          </m:e>
+                          <m:sub>
+                            <m:r>
+                              <a:rPr lang="en-US" sz="1400" i="1">
+                                <a:latin typeface="Cambria Math" panose="02040503050406030204" pitchFamily="18" charset="0"/>
+                              </a:rPr>
+                              <m:t>h</m:t>
+                            </m:r>
+                          </m:sub>
+                        </m:sSub>
+                      </m:e>
+                    </m:rad>
+                  </m:oMath>
+                </a14:m>
+                <a:r>
+                  <a:rPr lang="en-US" sz="1400" dirty="0" smtClean="0"/>
+                  <a:t>)</a:t>
+                </a:r>
+              </a:p>
+              <a:p>
+                <a:r>
+                  <a:rPr lang="en-US" sz="1400" dirty="0" smtClean="0">
+                    <a:solidFill>
+                      <a:srgbClr val="C00000"/>
+                    </a:solidFill>
+                  </a:rPr>
+                  <a:t>Log-law-of-the-wall</a:t>
+                </a:r>
+                <a:endParaRPr lang="en-US" sz="1400" dirty="0">
+                  <a:solidFill>
+                    <a:srgbClr val="C00000"/>
+                  </a:solidFill>
+                </a:endParaRPr>
+              </a:p>
+            </p:txBody>
+          </p:sp>
+        </mc:Choice>
+        <mc:Fallback xmlns="">
+          <p:sp>
+            <p:nvSpPr>
+              <p:cNvPr id="53" name="Rectangle 52"/>
+              <p:cNvSpPr>
+                <a:spLocks noRot="1" noChangeAspect="1" noMove="1" noResize="1" noEditPoints="1" noAdjustHandles="1" noChangeArrowheads="1" noChangeShapeType="1" noTextEdit="1"/>
+              </p:cNvSpPr>
+              <p:nvPr/>
+            </p:nvSpPr>
+            <p:spPr>
+              <a:xfrm>
+                <a:off x="6084047" y="3804182"/>
+                <a:ext cx="1603324" cy="1122680"/>
+              </a:xfrm>
+              <a:prstGeom prst="rect">
+                <a:avLst/>
+              </a:prstGeom>
+              <a:blipFill>
+                <a:blip r:embed="rId10"/>
+                <a:stretch>
+                  <a:fillRect l="-1141" r="-380" b="-5435"/>
+                </a:stretch>
+              </a:blipFill>
+            </p:spPr>
+            <p:txBody>
+              <a:bodyPr/>
+              <a:lstStyle/>
+              <a:p>
+                <a:r>
+                  <a:rPr lang="en-US">
+                    <a:noFill/>
+                  </a:rPr>
+                  <a:t> </a:t>
+                </a:r>
+              </a:p>
+            </p:txBody>
+          </p:sp>
+        </mc:Fallback>
+      </mc:AlternateContent>
+      <mc:AlternateContent xmlns:mc="http://schemas.openxmlformats.org/markup-compatibility/2006" xmlns:a14="http://schemas.microsoft.com/office/drawing/2010/main">
+        <mc:Choice Requires="a14">
+          <p:sp>
+            <p:nvSpPr>
+              <p:cNvPr id="54" name="Rectangle 53"/>
+              <p:cNvSpPr/>
+              <p:nvPr/>
+            </p:nvSpPr>
+            <p:spPr>
+              <a:xfrm>
+                <a:off x="8789043" y="3985147"/>
+                <a:ext cx="1866729" cy="800219"/>
+              </a:xfrm>
+              <a:prstGeom prst="rect">
+                <a:avLst/>
+              </a:prstGeom>
+            </p:spPr>
+            <p:txBody>
+              <a:bodyPr wrap="none">
+                <a:spAutoFit/>
+              </a:bodyPr>
+              <a:lstStyle/>
+              <a:p>
+                <a:pPr/>
+                <a14:m>
+                  <m:oMathPara xmlns:m="http://schemas.openxmlformats.org/officeDocument/2006/math">
+                    <m:oMathParaPr>
+                      <m:jc m:val="centerGroup"/>
+                    </m:oMathParaPr>
+                    <m:oMath xmlns:m="http://schemas.openxmlformats.org/officeDocument/2006/math">
+                      <m:r>
+                        <a:rPr lang="en-US" i="1" smtClean="0">
+                          <a:latin typeface="Cambria Math" panose="02040503050406030204" pitchFamily="18" charset="0"/>
+                          <a:ea typeface="Cambria Math" panose="02040503050406030204" pitchFamily="18" charset="0"/>
+                        </a:rPr>
+                        <m:t>𝜀</m:t>
+                      </m:r>
+                      <m:r>
+                        <a:rPr lang="en-US" i="1" smtClean="0">
+                          <a:latin typeface="Cambria Math" panose="02040503050406030204" pitchFamily="18" charset="0"/>
+                          <a:ea typeface="Cambria Math" panose="02040503050406030204" pitchFamily="18" charset="0"/>
+                        </a:rPr>
+                        <m:t>=</m:t>
+                      </m:r>
+                      <m:sSub>
+                        <m:sSubPr>
+                          <m:ctrlPr>
+                            <a:rPr lang="en-US" i="1">
+                              <a:latin typeface="Cambria Math" panose="02040503050406030204" pitchFamily="18" charset="0"/>
+                              <a:ea typeface="Cambria Math" panose="02040503050406030204" pitchFamily="18" charset="0"/>
+                            </a:rPr>
+                          </m:ctrlPr>
+                        </m:sSubPr>
+                        <m:e>
+                          <m:r>
+                            <a:rPr lang="en-US" i="1">
+                              <a:latin typeface="Cambria Math" panose="02040503050406030204" pitchFamily="18" charset="0"/>
+                              <a:ea typeface="Cambria Math" panose="02040503050406030204" pitchFamily="18" charset="0"/>
+                            </a:rPr>
+                            <m:t>𝜀</m:t>
+                          </m:r>
+                        </m:e>
+                        <m:sub>
+                          <m:r>
+                            <a:rPr lang="en-US" i="1">
+                              <a:latin typeface="Cambria Math" panose="02040503050406030204" pitchFamily="18" charset="0"/>
+                              <a:ea typeface="Cambria Math" panose="02040503050406030204" pitchFamily="18" charset="0"/>
+                            </a:rPr>
+                            <m:t>𝐷</m:t>
+                          </m:r>
+                        </m:sub>
+                      </m:sSub>
+                      <m:r>
+                        <a:rPr lang="en-US" i="1">
+                          <a:latin typeface="Cambria Math" panose="02040503050406030204" pitchFamily="18" charset="0"/>
+                          <a:ea typeface="Cambria Math" panose="02040503050406030204" pitchFamily="18" charset="0"/>
+                        </a:rPr>
+                        <m:t>=</m:t>
+                      </m:r>
+                      <m:r>
+                        <a:rPr lang="en-US" i="1">
+                          <a:latin typeface="Cambria Math" panose="02040503050406030204" pitchFamily="18" charset="0"/>
+                          <a:ea typeface="Cambria Math" panose="02040503050406030204" pitchFamily="18" charset="0"/>
+                        </a:rPr>
+                        <m:t>𝑔𝑆𝑈</m:t>
+                      </m:r>
+                    </m:oMath>
+                  </m:oMathPara>
+                </a14:m>
+                <a:endParaRPr lang="en-US" dirty="0" smtClean="0"/>
+              </a:p>
+              <a:p>
+                <a14:m>
+                  <m:oMath xmlns:m="http://schemas.openxmlformats.org/officeDocument/2006/math">
+                    <m:r>
+                      <a:rPr lang="en-US" sz="1400" b="0" i="1" smtClean="0">
+                        <a:latin typeface="Cambria Math" panose="02040503050406030204" pitchFamily="18" charset="0"/>
+                      </a:rPr>
+                      <m:t>(</m:t>
+                    </m:r>
+                    <m:r>
+                      <a:rPr lang="en-US" sz="1400" i="1">
+                        <a:latin typeface="Cambria Math" panose="02040503050406030204" pitchFamily="18" charset="0"/>
+                      </a:rPr>
+                      <m:t>𝑈</m:t>
+                    </m:r>
+                  </m:oMath>
+                </a14:m>
+                <a:r>
+                  <a:rPr lang="en-US" sz="1400" dirty="0"/>
+                  <a:t> = avg. flow </a:t>
+                </a:r>
+                <a:r>
+                  <a:rPr lang="en-US" sz="1400" dirty="0" smtClean="0"/>
+                  <a:t>velocity)</a:t>
+                </a:r>
+              </a:p>
+              <a:p>
+                <a:r>
+                  <a:rPr lang="en-US" sz="1400" dirty="0" smtClean="0">
+                    <a:solidFill>
+                      <a:srgbClr val="C00000"/>
+                    </a:solidFill>
+                  </a:rPr>
+                  <a:t>[Moog &amp; </a:t>
+                </a:r>
+                <a:r>
+                  <a:rPr lang="en-US" sz="1400" dirty="0" err="1" smtClean="0">
+                    <a:solidFill>
+                      <a:srgbClr val="C00000"/>
+                    </a:solidFill>
+                  </a:rPr>
+                  <a:t>Jirka</a:t>
+                </a:r>
+                <a:r>
+                  <a:rPr lang="en-US" sz="1400" dirty="0" smtClean="0">
+                    <a:solidFill>
+                      <a:srgbClr val="C00000"/>
+                    </a:solidFill>
+                  </a:rPr>
+                  <a:t>, 1999b]</a:t>
+                </a:r>
+                <a:endParaRPr lang="en-US" sz="1400" dirty="0">
+                  <a:solidFill>
+                    <a:srgbClr val="C00000"/>
+                  </a:solidFill>
+                </a:endParaRPr>
+              </a:p>
+            </p:txBody>
+          </p:sp>
+        </mc:Choice>
+        <mc:Fallback xmlns="">
+          <p:sp>
+            <p:nvSpPr>
+              <p:cNvPr id="54" name="Rectangle 53"/>
+              <p:cNvSpPr>
+                <a:spLocks noRot="1" noChangeAspect="1" noMove="1" noResize="1" noEditPoints="1" noAdjustHandles="1" noChangeArrowheads="1" noChangeShapeType="1" noTextEdit="1"/>
+              </p:cNvSpPr>
+              <p:nvPr/>
+            </p:nvSpPr>
+            <p:spPr>
+              <a:xfrm>
+                <a:off x="8789043" y="3985147"/>
+                <a:ext cx="1866729" cy="800219"/>
+              </a:xfrm>
+              <a:prstGeom prst="rect">
+                <a:avLst/>
+              </a:prstGeom>
+              <a:blipFill>
+                <a:blip r:embed="rId11"/>
+                <a:stretch>
+                  <a:fillRect l="-980" b="-6870"/>
+                </a:stretch>
+              </a:blipFill>
+            </p:spPr>
+            <p:txBody>
+              <a:bodyPr/>
+              <a:lstStyle/>
+              <a:p>
+                <a:r>
+                  <a:rPr lang="en-US">
+                    <a:noFill/>
+                  </a:rPr>
+                  <a:t> </a:t>
+                </a:r>
+              </a:p>
+            </p:txBody>
+          </p:sp>
+        </mc:Fallback>
+      </mc:AlternateContent>
+    </p:spTree>
+    <p:extLst>
+      <p:ext uri="{BB962C8B-B14F-4D97-AF65-F5344CB8AC3E}">
+        <p14:creationId xmlns:p14="http://schemas.microsoft.com/office/powerpoint/2010/main" val="2990142423"/>
+      </p:ext>
+    </p:extLst>
+  </p:cSld>
+  <p:clrMapOvr>
+    <a:masterClrMapping/>
+  </p:clrMapOvr>
+</p:sld>
+</file>
+
+<file path=ppt/slides/slide4.xml><?xml version="1.0" encoding="utf-8"?>
+<p:sld xmlns:a="http://schemas.openxmlformats.org/drawingml/2006/main" xmlns:r="http://schemas.openxmlformats.org/officeDocument/2006/relationships" xmlns:p="http://schemas.openxmlformats.org/presentationml/2006/main">
+  <p:cSld>
+    <p:spTree>
+      <p:nvGrpSpPr>
+        <p:cNvPr id="1" name=""/>
+        <p:cNvGrpSpPr/>
+        <p:nvPr/>
+      </p:nvGrpSpPr>
+      <p:grpSpPr>
+        <a:xfrm>
+          <a:off x="0" y="0"/>
+          <a:ext cx="0" cy="0"/>
+          <a:chOff x="0" y="0"/>
+          <a:chExt cx="0" cy="0"/>
+        </a:xfrm>
+      </p:grpSpPr>
+      <p:sp>
+        <p:nvSpPr>
+          <p:cNvPr id="3" name="TextBox 2"/>
+          <p:cNvSpPr txBox="1"/>
+          <p:nvPr/>
+        </p:nvSpPr>
+        <p:spPr>
+          <a:xfrm>
+            <a:off x="8445731" y="3773979"/>
+            <a:ext cx="3557847" cy="1815882"/>
+          </a:xfrm>
+          <a:prstGeom prst="rect">
+            <a:avLst/>
+          </a:prstGeom>
+          <a:noFill/>
+        </p:spPr>
+        <p:txBody>
+          <a:bodyPr wrap="square" rtlCol="0">
+            <a:spAutoFit/>
+          </a:bodyPr>
+          <a:lstStyle/>
+          <a:p>
+            <a:r>
+              <a:rPr lang="en-US" sz="1600" dirty="0" smtClean="0"/>
+              <a:t>I’ve implemented this equation within the algorithm because it appears to get the scaling dynamics most correct.</a:t>
+            </a:r>
+          </a:p>
+          <a:p>
+            <a:endParaRPr lang="en-US" sz="1600" dirty="0"/>
+          </a:p>
+          <a:p>
+            <a:r>
+              <a:rPr lang="en-US" sz="1600" dirty="0" smtClean="0"/>
+              <a:t>(This would also be- I think- the first empirical confirmation of the chainsaw model predicting river k)</a:t>
+            </a:r>
+            <a:endParaRPr lang="en-US" sz="1600" dirty="0"/>
+          </a:p>
+        </p:txBody>
+      </p:sp>
       <p:pic>
         <p:nvPicPr>
-          <p:cNvPr id="2" name="Picture 1" descr="Chart&#10;&#10;Description automatically generated">
-            <a:extLst>
-              <a:ext uri="{FF2B5EF4-FFF2-40B4-BE49-F238E27FC236}">
-                <a16:creationId xmlns:a16="http://schemas.microsoft.com/office/drawing/2014/main" id="{D2DDDA6A-38A8-498A-8444-BE9D45A29F33}"/>
-              </a:ext>
-            </a:extLst>
-          </p:cNvPr>
+          <p:cNvPr id="5" name="Picture 4"/>
           <p:cNvPicPr>
             <a:picLocks noChangeAspect="1"/>
           </p:cNvPicPr>
@@ -8914,414 +11818,26 @@
           </a:prstGeom>
         </p:spPr>
       </p:pic>
-      <p:sp>
-        <p:nvSpPr>
-          <p:cNvPr id="3" name="TextBox 2"/>
-          <p:cNvSpPr txBox="1"/>
-          <p:nvPr/>
-        </p:nvSpPr>
-        <p:spPr>
-          <a:xfrm>
-            <a:off x="8387542" y="731520"/>
-            <a:ext cx="3557847" cy="2308324"/>
-          </a:xfrm>
-          <a:prstGeom prst="rect">
-            <a:avLst/>
-          </a:prstGeom>
-          <a:noFill/>
-        </p:spPr>
-        <p:txBody>
-          <a:bodyPr wrap="square" rtlCol="0">
-            <a:spAutoFit/>
-          </a:bodyPr>
-          <a:lstStyle/>
-          <a:p>
-            <a:r>
-              <a:rPr lang="en-US" dirty="0" smtClean="0"/>
-              <a:t>I’ve implemented the chainsaw model within the algorithm because it appears to get the scaling dynamics more correctly.</a:t>
-            </a:r>
-          </a:p>
-          <a:p>
-            <a:endParaRPr lang="en-US" dirty="0"/>
-          </a:p>
-          <a:p>
-            <a:r>
-              <a:rPr lang="en-US" dirty="0" smtClean="0"/>
-              <a:t>This would also be (I think) the first empirical confirmation of the chainsaw model predicting k.</a:t>
-            </a:r>
-            <a:endParaRPr lang="en-US" dirty="0"/>
-          </a:p>
-        </p:txBody>
-      </p:sp>
-    </p:spTree>
-    <p:extLst>
-      <p:ext uri="{BB962C8B-B14F-4D97-AF65-F5344CB8AC3E}">
-        <p14:creationId xmlns:p14="http://schemas.microsoft.com/office/powerpoint/2010/main" val="3459797115"/>
-      </p:ext>
-    </p:extLst>
-  </p:cSld>
-  <p:clrMapOvr>
-    <a:masterClrMapping/>
-  </p:clrMapOvr>
-</p:sld>
-</file>
-
-<file path=ppt/slides/slide4.xml><?xml version="1.0" encoding="utf-8"?>
-<p:sld xmlns:a="http://schemas.openxmlformats.org/drawingml/2006/main" xmlns:r="http://schemas.openxmlformats.org/officeDocument/2006/relationships" xmlns:p="http://schemas.openxmlformats.org/presentationml/2006/main">
-  <p:cSld>
-    <p:spTree>
-      <p:nvGrpSpPr>
-        <p:cNvPr id="1" name=""/>
-        <p:cNvGrpSpPr/>
-        <p:nvPr/>
-      </p:nvGrpSpPr>
-      <p:grpSpPr>
-        <a:xfrm>
-          <a:off x="0" y="0"/>
-          <a:ext cx="0" cy="0"/>
-          <a:chOff x="0" y="0"/>
-          <a:chExt cx="0" cy="0"/>
-        </a:xfrm>
-      </p:grpSpPr>
-      <p:pic>
-        <p:nvPicPr>
-          <p:cNvPr id="1026" name="Picture 2" descr="Cross Profile – Geography - Mammoth Memory Geography">
-            <a:extLst>
-              <a:ext uri="{FF2B5EF4-FFF2-40B4-BE49-F238E27FC236}">
-                <a16:creationId xmlns:a16="http://schemas.microsoft.com/office/drawing/2014/main" id="{FBAF3410-868C-4070-9F3C-26446099C372}"/>
-              </a:ext>
-            </a:extLst>
-          </p:cNvPr>
-          <p:cNvPicPr>
-            <a:picLocks noChangeAspect="1" noChangeArrowheads="1"/>
-          </p:cNvPicPr>
-          <p:nvPr/>
-        </p:nvPicPr>
-        <p:blipFill rotWithShape="1">
-          <a:blip r:embed="rId2">
-            <a:extLst>
-              <a:ext uri="{28A0092B-C50C-407E-A947-70E740481C1C}">
-                <a14:useLocalDpi xmlns:a14="http://schemas.microsoft.com/office/drawing/2010/main" val="0"/>
-              </a:ext>
-            </a:extLst>
-          </a:blip>
-          <a:srcRect l="7308" t="7813" r="8142" b="6227"/>
-          <a:stretch/>
-        </p:blipFill>
-        <p:spPr bwMode="auto">
-          <a:xfrm>
-            <a:off x="4446167" y="4110604"/>
-            <a:ext cx="7574843" cy="2567032"/>
-          </a:xfrm>
-          <a:prstGeom prst="rect">
-            <a:avLst/>
-          </a:prstGeom>
-          <a:noFill/>
-          <a:extLst>
-            <a:ext uri="{909E8E84-426E-40DD-AFC4-6F175D3DCCD1}">
-              <a14:hiddenFill xmlns:a14="http://schemas.microsoft.com/office/drawing/2010/main">
-                <a:solidFill>
-                  <a:srgbClr val="FFFFFF"/>
-                </a:solidFill>
-              </a14:hiddenFill>
-            </a:ext>
-          </a:extLst>
-        </p:spPr>
-      </p:pic>
-      <p:sp>
-        <p:nvSpPr>
-          <p:cNvPr id="55" name="Rectangle 54">
-            <a:extLst>
-              <a:ext uri="{FF2B5EF4-FFF2-40B4-BE49-F238E27FC236}">
-                <a16:creationId xmlns:a16="http://schemas.microsoft.com/office/drawing/2014/main" id="{D49EE705-C737-49DC-9B85-B9AEF770C848}"/>
-              </a:ext>
-            </a:extLst>
-          </p:cNvPr>
-          <p:cNvSpPr/>
-          <p:nvPr/>
-        </p:nvSpPr>
-        <p:spPr>
-          <a:xfrm>
-            <a:off x="5914239" y="5108896"/>
-            <a:ext cx="4513277" cy="251669"/>
-          </a:xfrm>
-          <a:prstGeom prst="rect">
-            <a:avLst/>
-          </a:prstGeom>
-          <a:solidFill>
-            <a:srgbClr val="A9591E"/>
-          </a:solidFill>
-          <a:ln>
-            <a:solidFill>
-              <a:schemeClr val="tx1"/>
-            </a:solidFill>
-          </a:ln>
-        </p:spPr>
-        <p:style>
-          <a:lnRef idx="2">
-            <a:schemeClr val="accent1">
-              <a:shade val="50000"/>
-            </a:schemeClr>
-          </a:lnRef>
-          <a:fillRef idx="1">
-            <a:schemeClr val="accent1"/>
-          </a:fillRef>
-          <a:effectRef idx="0">
-            <a:schemeClr val="accent1"/>
-          </a:effectRef>
-          <a:fontRef idx="minor">
-            <a:schemeClr val="lt1"/>
-          </a:fontRef>
-        </p:style>
-        <p:txBody>
-          <a:bodyPr rtlCol="0" anchor="ctr"/>
-          <a:lstStyle/>
-          <a:p>
-            <a:pPr algn="ctr"/>
-            <a:r>
-              <a:rPr lang="en-US" dirty="0" smtClean="0">
-                <a:solidFill>
-                  <a:schemeClr val="tx1"/>
-                </a:solidFill>
-              </a:rPr>
-              <a:t>Entire interface</a:t>
-            </a:r>
-            <a:endParaRPr lang="en-US" dirty="0">
-              <a:solidFill>
-                <a:schemeClr val="tx1"/>
-              </a:solidFill>
-            </a:endParaRPr>
-          </a:p>
-        </p:txBody>
-      </p:sp>
-      <p:pic>
-        <p:nvPicPr>
-          <p:cNvPr id="10" name="Picture 10" descr="Proper Chainsaw Techniques (for Cutting Trees, Logs &amp;amp; Stumps) | Chainsaw  Larry">
-            <a:extLst>
-              <a:ext uri="{FF2B5EF4-FFF2-40B4-BE49-F238E27FC236}">
-                <a16:creationId xmlns:a16="http://schemas.microsoft.com/office/drawing/2014/main" id="{09AC96D9-5CCE-4511-B879-63677F4A8467}"/>
-              </a:ext>
-            </a:extLst>
-          </p:cNvPr>
-          <p:cNvPicPr>
-            <a:picLocks noChangeAspect="1" noChangeArrowheads="1"/>
-          </p:cNvPicPr>
-          <p:nvPr/>
-        </p:nvPicPr>
-        <p:blipFill rotWithShape="1">
-          <a:blip r:embed="rId3">
-            <a:extLst>
-              <a:ext uri="{28A0092B-C50C-407E-A947-70E740481C1C}">
-                <a14:useLocalDpi xmlns:a14="http://schemas.microsoft.com/office/drawing/2010/main" val="0"/>
-              </a:ext>
-            </a:extLst>
-          </a:blip>
-          <a:srcRect l="2103" t="11686" b="16288"/>
-          <a:stretch/>
-        </p:blipFill>
-        <p:spPr bwMode="auto">
-          <a:xfrm>
-            <a:off x="268449" y="1905960"/>
-            <a:ext cx="4294507" cy="1743252"/>
-          </a:xfrm>
-          <a:prstGeom prst="rect">
-            <a:avLst/>
-          </a:prstGeom>
-          <a:noFill/>
-          <a:extLst>
-            <a:ext uri="{909E8E84-426E-40DD-AFC4-6F175D3DCCD1}">
-              <a14:hiddenFill xmlns:a14="http://schemas.microsoft.com/office/drawing/2010/main">
-                <a:solidFill>
-                  <a:srgbClr val="FFFFFF"/>
-                </a:solidFill>
-              </a14:hiddenFill>
-            </a:ext>
-          </a:extLst>
-        </p:spPr>
-      </p:pic>
-      <p:sp>
-        <p:nvSpPr>
-          <p:cNvPr id="2" name="Title 1">
-            <a:extLst>
-              <a:ext uri="{FF2B5EF4-FFF2-40B4-BE49-F238E27FC236}">
-                <a16:creationId xmlns:a16="http://schemas.microsoft.com/office/drawing/2014/main" id="{EFD924C7-1BEF-4A0B-AE29-CCEC68DC0E66}"/>
-              </a:ext>
-            </a:extLst>
-          </p:cNvPr>
-          <p:cNvSpPr>
-            <a:spLocks noGrp="1"/>
-          </p:cNvSpPr>
-          <p:nvPr>
-            <p:ph type="title"/>
-          </p:nvPr>
-        </p:nvSpPr>
-        <p:spPr/>
-        <p:txBody>
-          <a:bodyPr/>
-          <a:lstStyle/>
-          <a:p>
-            <a:r>
-              <a:rPr lang="en-US" dirty="0" smtClean="0"/>
-              <a:t>How I interpret the chainsaw </a:t>
-            </a:r>
-            <a:r>
-              <a:rPr lang="en-US" dirty="0"/>
-              <a:t>model</a:t>
-            </a:r>
-          </a:p>
-        </p:txBody>
-      </p:sp>
-      <p:sp>
-        <p:nvSpPr>
-          <p:cNvPr id="11" name="TextBox 10">
-            <a:extLst>
-              <a:ext uri="{FF2B5EF4-FFF2-40B4-BE49-F238E27FC236}">
-                <a16:creationId xmlns:a16="http://schemas.microsoft.com/office/drawing/2014/main" id="{7704E46D-CA3B-4EF1-9299-87A665FC7773}"/>
-              </a:ext>
-            </a:extLst>
-          </p:cNvPr>
-          <p:cNvSpPr txBox="1"/>
-          <p:nvPr/>
-        </p:nvSpPr>
-        <p:spPr>
-          <a:xfrm>
-            <a:off x="1264642" y="3957286"/>
-            <a:ext cx="1458286" cy="923330"/>
-          </a:xfrm>
-          <a:prstGeom prst="rect">
-            <a:avLst/>
-          </a:prstGeom>
-          <a:solidFill>
-            <a:srgbClr val="F4B183"/>
-          </a:solidFill>
-        </p:spPr>
-        <p:txBody>
-          <a:bodyPr wrap="square" rtlCol="0">
-            <a:spAutoFit/>
-          </a:bodyPr>
-          <a:lstStyle/>
-          <a:p>
-            <a:r>
-              <a:rPr lang="en-US" dirty="0">
-                <a:solidFill>
-                  <a:srgbClr val="7030A0"/>
-                </a:solidFill>
-              </a:rPr>
-              <a:t>Active zone of gas evasion</a:t>
-            </a:r>
-          </a:p>
-        </p:txBody>
-      </p:sp>
-      <p:sp>
-        <p:nvSpPr>
-          <p:cNvPr id="13" name="TextBox 12">
-            <a:extLst>
-              <a:ext uri="{FF2B5EF4-FFF2-40B4-BE49-F238E27FC236}">
-                <a16:creationId xmlns:a16="http://schemas.microsoft.com/office/drawing/2014/main" id="{3E139AC7-5091-4605-876B-55D8EF69DD11}"/>
-              </a:ext>
-            </a:extLst>
-          </p:cNvPr>
-          <p:cNvSpPr txBox="1"/>
-          <p:nvPr/>
-        </p:nvSpPr>
-        <p:spPr>
-          <a:xfrm>
-            <a:off x="3232560" y="1605095"/>
-            <a:ext cx="1458286" cy="369332"/>
-          </a:xfrm>
-          <a:prstGeom prst="rect">
-            <a:avLst/>
-          </a:prstGeom>
-          <a:solidFill>
-            <a:schemeClr val="accent6">
-              <a:lumMod val="60000"/>
-              <a:lumOff val="40000"/>
-            </a:schemeClr>
-          </a:solidFill>
-        </p:spPr>
-        <p:txBody>
-          <a:bodyPr wrap="square" rtlCol="0">
-            <a:spAutoFit/>
-          </a:bodyPr>
-          <a:lstStyle/>
-          <a:p>
-            <a:r>
-              <a:rPr lang="en-US" dirty="0">
-                <a:solidFill>
-                  <a:srgbClr val="7030A0"/>
-                </a:solidFill>
-              </a:rPr>
-              <a:t>Large eddies</a:t>
-            </a:r>
-          </a:p>
-        </p:txBody>
-      </p:sp>
-      <p:sp>
-        <p:nvSpPr>
-          <p:cNvPr id="14" name="TextBox 13">
-            <a:extLst>
-              <a:ext uri="{FF2B5EF4-FFF2-40B4-BE49-F238E27FC236}">
-                <a16:creationId xmlns:a16="http://schemas.microsoft.com/office/drawing/2014/main" id="{9554E590-2B84-4CD3-95B7-8678C663D6CF}"/>
-              </a:ext>
-            </a:extLst>
-          </p:cNvPr>
-          <p:cNvSpPr txBox="1"/>
-          <p:nvPr/>
-        </p:nvSpPr>
-        <p:spPr>
-          <a:xfrm>
-            <a:off x="1178656" y="1681994"/>
-            <a:ext cx="1458286" cy="369332"/>
-          </a:xfrm>
-          <a:prstGeom prst="rect">
-            <a:avLst/>
-          </a:prstGeom>
-          <a:solidFill>
-            <a:srgbClr val="FFFF00"/>
-          </a:solidFill>
-        </p:spPr>
-        <p:txBody>
-          <a:bodyPr wrap="square" rtlCol="0">
-            <a:spAutoFit/>
-          </a:bodyPr>
-          <a:lstStyle/>
-          <a:p>
-            <a:r>
-              <a:rPr lang="en-US" dirty="0">
-                <a:solidFill>
-                  <a:srgbClr val="7030A0"/>
-                </a:solidFill>
-              </a:rPr>
-              <a:t>Small eddies</a:t>
-            </a:r>
-          </a:p>
-        </p:txBody>
-      </p:sp>
       <p:cxnSp>
         <p:nvCxnSpPr>
-          <p:cNvPr id="15" name="Straight Arrow Connector 14">
-            <a:extLst>
-              <a:ext uri="{FF2B5EF4-FFF2-40B4-BE49-F238E27FC236}">
-                <a16:creationId xmlns:a16="http://schemas.microsoft.com/office/drawing/2014/main" id="{09421515-1FC1-41BF-B8F8-A86A653416E4}"/>
-              </a:ext>
-            </a:extLst>
-          </p:cNvPr>
+          <p:cNvPr id="7" name="Straight Connector 6"/>
           <p:cNvCxnSpPr/>
           <p:nvPr/>
         </p:nvCxnSpPr>
         <p:spPr>
-          <a:xfrm>
-            <a:off x="1979803" y="2097249"/>
-            <a:ext cx="151002" cy="343948"/>
+          <a:xfrm flipH="1" flipV="1">
+            <a:off x="7822276" y="3408217"/>
+            <a:ext cx="623455" cy="490453"/>
           </a:xfrm>
-          <a:prstGeom prst="straightConnector1">
+          <a:prstGeom prst="line">
             <a:avLst/>
           </a:prstGeom>
-          <a:ln w="28575">
+          <a:ln w="19050">
             <a:solidFill>
-              <a:srgbClr val="7030A0"/>
+              <a:schemeClr val="accent2">
+                <a:lumMod val="50000"/>
+              </a:schemeClr>
             </a:solidFill>
-            <a:tailEnd type="triangle"/>
           </a:ln>
         </p:spPr>
         <p:style>
@@ -9341,77 +11857,24 @@
       </p:cxnSp>
       <p:cxnSp>
         <p:nvCxnSpPr>
-          <p:cNvPr id="16" name="Straight Arrow Connector 15">
-            <a:extLst>
-              <a:ext uri="{FF2B5EF4-FFF2-40B4-BE49-F238E27FC236}">
-                <a16:creationId xmlns:a16="http://schemas.microsoft.com/office/drawing/2014/main" id="{D3EBBC6C-778D-4922-9E09-467C7B420051}"/>
-              </a:ext>
-            </a:extLst>
-          </p:cNvPr>
-          <p:cNvCxnSpPr>
-            <a:cxnSpLocks/>
-            <a:stCxn id="13" idx="2"/>
-          </p:cNvCxnSpPr>
+          <p:cNvPr id="8" name="Straight Connector 7"/>
+          <p:cNvCxnSpPr/>
           <p:nvPr/>
         </p:nvCxnSpPr>
         <p:spPr>
           <a:xfrm flipH="1">
-            <a:off x="3045205" y="1974427"/>
-            <a:ext cx="916498" cy="248656"/>
+            <a:off x="7822277" y="5527625"/>
+            <a:ext cx="623454" cy="1272185"/>
           </a:xfrm>
-          <a:prstGeom prst="straightConnector1">
+          <a:prstGeom prst="line">
             <a:avLst/>
           </a:prstGeom>
-          <a:ln w="28575">
+          <a:ln w="19050">
             <a:solidFill>
-              <a:srgbClr val="7030A0"/>
+              <a:schemeClr val="accent2">
+                <a:lumMod val="50000"/>
+              </a:schemeClr>
             </a:solidFill>
-            <a:tailEnd type="triangle"/>
-          </a:ln>
-        </p:spPr>
-        <p:style>
-          <a:lnRef idx="1">
-            <a:schemeClr val="accent1"/>
-          </a:lnRef>
-          <a:fillRef idx="0">
-            <a:schemeClr val="accent1"/>
-          </a:fillRef>
-          <a:effectRef idx="0">
-            <a:schemeClr val="accent1"/>
-          </a:effectRef>
-          <a:fontRef idx="minor">
-            <a:schemeClr val="tx1"/>
-          </a:fontRef>
-        </p:style>
-      </p:cxnSp>
-      <p:cxnSp>
-        <p:nvCxnSpPr>
-          <p:cNvPr id="17" name="Straight Arrow Connector 16">
-            <a:extLst>
-              <a:ext uri="{FF2B5EF4-FFF2-40B4-BE49-F238E27FC236}">
-                <a16:creationId xmlns:a16="http://schemas.microsoft.com/office/drawing/2014/main" id="{E460611C-47E4-45AE-ACE0-3A1839EC4DA4}"/>
-              </a:ext>
-            </a:extLst>
-          </p:cNvPr>
-          <p:cNvCxnSpPr>
-            <a:cxnSpLocks/>
-            <a:stCxn id="11" idx="0"/>
-          </p:cNvCxnSpPr>
-          <p:nvPr/>
-        </p:nvCxnSpPr>
-        <p:spPr>
-          <a:xfrm flipV="1">
-            <a:off x="1993785" y="2877423"/>
-            <a:ext cx="46489" cy="1079863"/>
-          </a:xfrm>
-          <a:prstGeom prst="straightConnector1">
-            <a:avLst/>
-          </a:prstGeom>
-          <a:ln w="28575">
-            <a:solidFill>
-              <a:srgbClr val="F4B183"/>
-            </a:solidFill>
-            <a:tailEnd type="triangle"/>
           </a:ln>
         </p:spPr>
         <p:style>
@@ -9431,30 +11894,24 @@
       </p:cxnSp>
       <p:sp>
         <p:nvSpPr>
-          <p:cNvPr id="46" name="Arrow: Down 45">
-            <a:extLst>
-              <a:ext uri="{FF2B5EF4-FFF2-40B4-BE49-F238E27FC236}">
-                <a16:creationId xmlns:a16="http://schemas.microsoft.com/office/drawing/2014/main" id="{346E705B-90DC-4526-A1B9-6A2B9DAB7C5D}"/>
-              </a:ext>
-            </a:extLst>
-          </p:cNvPr>
+          <p:cNvPr id="11" name="Rectangle 10"/>
           <p:cNvSpPr/>
           <p:nvPr/>
         </p:nvSpPr>
         <p:spPr>
-          <a:xfrm rot="10800000">
-            <a:off x="9346898" y="4633027"/>
-            <a:ext cx="215153" cy="367553"/>
+          <a:xfrm>
+            <a:off x="3810000" y="3408217"/>
+            <a:ext cx="4012276" cy="3391593"/>
           </a:xfrm>
-          <a:prstGeom prst="downArrow">
+          <a:prstGeom prst="rect">
             <a:avLst/>
           </a:prstGeom>
-          <a:solidFill>
-            <a:schemeClr val="tx1"/>
-          </a:solidFill>
-          <a:ln>
+          <a:noFill/>
+          <a:ln w="28575">
             <a:solidFill>
-              <a:schemeClr val="tx1"/>
+              <a:schemeClr val="accent2">
+                <a:lumMod val="50000"/>
+              </a:schemeClr>
             </a:solidFill>
           </a:ln>
         </p:spPr>
@@ -9485,20 +11942,14 @@
       </p:sp>
       <p:sp>
         <p:nvSpPr>
-          <p:cNvPr id="48" name="TextBox 47">
-            <a:extLst>
-              <a:ext uri="{FF2B5EF4-FFF2-40B4-BE49-F238E27FC236}">
-                <a16:creationId xmlns:a16="http://schemas.microsoft.com/office/drawing/2014/main" id="{382C325A-F4D3-4A21-A276-31CA908C11BD}"/>
-              </a:ext>
-            </a:extLst>
-          </p:cNvPr>
+          <p:cNvPr id="16" name="TextBox 15"/>
           <p:cNvSpPr txBox="1"/>
           <p:nvPr/>
         </p:nvSpPr>
         <p:spPr>
           <a:xfrm>
-            <a:off x="9538282" y="4639111"/>
-            <a:ext cx="1526798" cy="369332"/>
+            <a:off x="8445731" y="390698"/>
+            <a:ext cx="3549534" cy="1754326"/>
           </a:xfrm>
           <a:prstGeom prst="rect">
             <a:avLst/>
@@ -9512,1043 +11963,17 @@
           <a:lstStyle/>
           <a:p>
             <a:r>
-              <a:rPr lang="en-US" dirty="0"/>
-              <a:t>Gas evasion</a:t>
+              <a:rPr lang="en-US" sz="3600" b="1" dirty="0" smtClean="0"/>
+              <a:t>The four models empirically tested</a:t>
             </a:r>
-          </a:p>
-        </p:txBody>
-      </p:sp>
-      <p:cxnSp>
-        <p:nvCxnSpPr>
-          <p:cNvPr id="52" name="Straight Connector 51">
-            <a:extLst>
-              <a:ext uri="{FF2B5EF4-FFF2-40B4-BE49-F238E27FC236}">
-                <a16:creationId xmlns:a16="http://schemas.microsoft.com/office/drawing/2014/main" id="{032EE8BD-B1CB-4A04-8DDE-87C33EBC2316}"/>
-              </a:ext>
-            </a:extLst>
-          </p:cNvPr>
-          <p:cNvCxnSpPr/>
-          <p:nvPr/>
-        </p:nvCxnSpPr>
-        <p:spPr>
-          <a:xfrm flipV="1">
-            <a:off x="0" y="0"/>
-            <a:ext cx="12192000" cy="6858000"/>
-          </a:xfrm>
-          <a:prstGeom prst="line">
-            <a:avLst/>
-          </a:prstGeom>
-          <a:ln w="28575">
-            <a:solidFill>
-              <a:schemeClr val="tx1"/>
-            </a:solidFill>
-            <a:prstDash val="lgDash"/>
-          </a:ln>
-        </p:spPr>
-        <p:style>
-          <a:lnRef idx="1">
-            <a:schemeClr val="accent1"/>
-          </a:lnRef>
-          <a:fillRef idx="0">
-            <a:schemeClr val="accent1"/>
-          </a:fillRef>
-          <a:effectRef idx="0">
-            <a:schemeClr val="accent1"/>
-          </a:effectRef>
-          <a:fontRef idx="minor">
-            <a:schemeClr val="tx1"/>
-          </a:fontRef>
-        </p:style>
-      </p:cxnSp>
-      <p:sp>
-        <p:nvSpPr>
-          <p:cNvPr id="22" name="Rectangle 21">
-            <a:extLst>
-              <a:ext uri="{FF2B5EF4-FFF2-40B4-BE49-F238E27FC236}">
-                <a16:creationId xmlns:a16="http://schemas.microsoft.com/office/drawing/2014/main" id="{9BDA0D94-7527-458C-B2B4-736F81777138}"/>
-              </a:ext>
-            </a:extLst>
-          </p:cNvPr>
-          <p:cNvSpPr/>
-          <p:nvPr/>
-        </p:nvSpPr>
-        <p:spPr>
-          <a:xfrm>
-            <a:off x="9042180" y="5114981"/>
-            <a:ext cx="864067" cy="251670"/>
-          </a:xfrm>
-          <a:prstGeom prst="rect">
-            <a:avLst/>
-          </a:prstGeom>
-          <a:solidFill>
-            <a:schemeClr val="accent2">
-              <a:lumMod val="60000"/>
-              <a:lumOff val="40000"/>
-            </a:schemeClr>
-          </a:solidFill>
-          <a:ln>
-            <a:solidFill>
-              <a:schemeClr val="tx1"/>
-            </a:solidFill>
-          </a:ln>
-        </p:spPr>
-        <p:style>
-          <a:lnRef idx="2">
-            <a:schemeClr val="accent1">
-              <a:shade val="50000"/>
-            </a:schemeClr>
-          </a:lnRef>
-          <a:fillRef idx="1">
-            <a:schemeClr val="accent1"/>
-          </a:fillRef>
-          <a:effectRef idx="0">
-            <a:schemeClr val="accent1"/>
-          </a:effectRef>
-          <a:fontRef idx="minor">
-            <a:schemeClr val="lt1"/>
-          </a:fontRef>
-        </p:style>
-        <p:txBody>
-          <a:bodyPr rtlCol="0" anchor="ctr"/>
-          <a:lstStyle/>
-          <a:p>
-            <a:pPr algn="ctr"/>
-            <a:endParaRPr lang="en-US"/>
-          </a:p>
-        </p:txBody>
-      </p:sp>
-      <mc:AlternateContent xmlns:mc="http://schemas.openxmlformats.org/markup-compatibility/2006" xmlns:a14="http://schemas.microsoft.com/office/drawing/2010/main">
-        <mc:Choice Requires="a14">
-          <p:sp>
-            <p:nvSpPr>
-              <p:cNvPr id="54" name="TextBox 53">
-                <a:extLst>
-                  <a:ext uri="{FF2B5EF4-FFF2-40B4-BE49-F238E27FC236}">
-                    <a16:creationId xmlns:a16="http://schemas.microsoft.com/office/drawing/2014/main" id="{63DD99C5-A105-431F-9223-349B8DC05840}"/>
-                  </a:ext>
-                </a:extLst>
-              </p:cNvPr>
-              <p:cNvSpPr txBox="1"/>
-              <p:nvPr/>
-            </p:nvSpPr>
-            <p:spPr>
-              <a:xfrm>
-                <a:off x="8774883" y="2877423"/>
-                <a:ext cx="3171040" cy="667747"/>
-              </a:xfrm>
-              <a:prstGeom prst="rect">
-                <a:avLst/>
-              </a:prstGeom>
-              <a:noFill/>
-            </p:spPr>
-            <p:txBody>
-              <a:bodyPr wrap="square" rtlCol="0">
-                <a:spAutoFit/>
-              </a:bodyPr>
-              <a:lstStyle/>
-              <a:p>
-                <a14:m>
-                  <m:oMath xmlns:m="http://schemas.openxmlformats.org/officeDocument/2006/math">
-                    <m:sSub>
-                      <m:sSubPr>
-                        <m:ctrlPr>
-                          <a:rPr lang="en-US" b="0" i="1" smtClean="0">
-                            <a:latin typeface="Cambria Math" panose="02040503050406030204" pitchFamily="18" charset="0"/>
-                          </a:rPr>
-                        </m:ctrlPr>
-                      </m:sSubPr>
-                      <m:e>
-                        <m:r>
-                          <a:rPr lang="en-US" b="0" i="1" smtClean="0">
-                            <a:latin typeface="Cambria Math" panose="02040503050406030204" pitchFamily="18" charset="0"/>
-                          </a:rPr>
-                          <m:t>𝐴</m:t>
-                        </m:r>
-                      </m:e>
-                      <m:sub>
-                        <m:r>
-                          <a:rPr lang="en-US" b="0" i="1" smtClean="0">
-                            <a:latin typeface="Cambria Math" panose="02040503050406030204" pitchFamily="18" charset="0"/>
-                          </a:rPr>
-                          <m:t>𝑝</m:t>
-                        </m:r>
-                      </m:sub>
-                    </m:sSub>
-                    <m:r>
-                      <a:rPr lang="en-US" b="0" i="1" smtClean="0">
-                        <a:latin typeface="Cambria Math" panose="02040503050406030204" pitchFamily="18" charset="0"/>
-                      </a:rPr>
-                      <m:t>=</m:t>
-                    </m:r>
-                  </m:oMath>
-                </a14:m>
-                <a:r>
-                  <a:rPr lang="en-US" dirty="0"/>
-                  <a:t> active zone = _________</a:t>
-                </a:r>
-              </a:p>
-              <a:p>
-                <a:r>
-                  <a:rPr lang="en-US" dirty="0"/>
-                  <a:t> </a:t>
-                </a:r>
-              </a:p>
-            </p:txBody>
-          </p:sp>
-        </mc:Choice>
-        <mc:Fallback xmlns="">
-          <p:sp>
-            <p:nvSpPr>
-              <p:cNvPr id="54" name="TextBox 53">
-                <a:extLst>
-                  <a:ext uri="{FF2B5EF4-FFF2-40B4-BE49-F238E27FC236}">
-                    <a16:creationId xmlns:a16="http://schemas.microsoft.com/office/drawing/2014/main" id="{63DD99C5-A105-431F-9223-349B8DC05840}"/>
-                  </a:ext>
-                </a:extLst>
-              </p:cNvPr>
-              <p:cNvSpPr txBox="1">
-                <a:spLocks noRot="1" noChangeAspect="1" noMove="1" noResize="1" noEditPoints="1" noAdjustHandles="1" noChangeArrowheads="1" noChangeShapeType="1" noTextEdit="1"/>
-              </p:cNvSpPr>
-              <p:nvPr/>
-            </p:nvSpPr>
-            <p:spPr>
-              <a:xfrm>
-                <a:off x="8774883" y="2877423"/>
-                <a:ext cx="3171040" cy="667747"/>
-              </a:xfrm>
-              <a:prstGeom prst="rect">
-                <a:avLst/>
-              </a:prstGeom>
-              <a:blipFill>
-                <a:blip r:embed="rId4"/>
-                <a:stretch>
-                  <a:fillRect t="-3636"/>
-                </a:stretch>
-              </a:blipFill>
-            </p:spPr>
-            <p:txBody>
-              <a:bodyPr/>
-              <a:lstStyle/>
-              <a:p>
-                <a:r>
-                  <a:rPr lang="en-US">
-                    <a:noFill/>
-                  </a:rPr>
-                  <a:t> </a:t>
-                </a:r>
-              </a:p>
-            </p:txBody>
-          </p:sp>
-        </mc:Fallback>
-      </mc:AlternateContent>
-      <p:sp>
-        <p:nvSpPr>
-          <p:cNvPr id="45" name="Freeform: Shape 44">
-            <a:extLst>
-              <a:ext uri="{FF2B5EF4-FFF2-40B4-BE49-F238E27FC236}">
-                <a16:creationId xmlns:a16="http://schemas.microsoft.com/office/drawing/2014/main" id="{1BB844BC-30F4-411D-8540-D61D7E332BFE}"/>
-              </a:ext>
-            </a:extLst>
-          </p:cNvPr>
-          <p:cNvSpPr/>
-          <p:nvPr/>
-        </p:nvSpPr>
-        <p:spPr>
-          <a:xfrm>
-            <a:off x="9132733" y="5155035"/>
-            <a:ext cx="394447" cy="175814"/>
-          </a:xfrm>
-          <a:custGeom>
-            <a:avLst/>
-            <a:gdLst>
-              <a:gd name="connsiteX0" fmla="*/ 0 w 394447"/>
-              <a:gd name="connsiteY0" fmla="*/ 152400 h 175814"/>
-              <a:gd name="connsiteX1" fmla="*/ 143435 w 394447"/>
-              <a:gd name="connsiteY1" fmla="*/ 152400 h 175814"/>
-              <a:gd name="connsiteX2" fmla="*/ 188259 w 394447"/>
-              <a:gd name="connsiteY2" fmla="*/ 80682 h 175814"/>
-              <a:gd name="connsiteX3" fmla="*/ 107576 w 394447"/>
-              <a:gd name="connsiteY3" fmla="*/ 53788 h 175814"/>
-              <a:gd name="connsiteX4" fmla="*/ 89647 w 394447"/>
-              <a:gd name="connsiteY4" fmla="*/ 143435 h 175814"/>
-              <a:gd name="connsiteX5" fmla="*/ 188259 w 394447"/>
-              <a:gd name="connsiteY5" fmla="*/ 170329 h 175814"/>
-              <a:gd name="connsiteX6" fmla="*/ 304800 w 394447"/>
-              <a:gd name="connsiteY6" fmla="*/ 44823 h 175814"/>
-              <a:gd name="connsiteX7" fmla="*/ 304800 w 394447"/>
-              <a:gd name="connsiteY7" fmla="*/ 44823 h 175814"/>
-              <a:gd name="connsiteX8" fmla="*/ 394447 w 394447"/>
-              <a:gd name="connsiteY8" fmla="*/ 8965 h 175814"/>
-              <a:gd name="connsiteX9" fmla="*/ 394447 w 394447"/>
-              <a:gd name="connsiteY9" fmla="*/ 8965 h 175814"/>
-              <a:gd name="connsiteX10" fmla="*/ 394447 w 394447"/>
-              <a:gd name="connsiteY10" fmla="*/ 0 h 175814"/>
-            </a:gdLst>
-            <a:ahLst/>
-            <a:cxnLst>
-              <a:cxn ang="0">
-                <a:pos x="connsiteX0" y="connsiteY0"/>
-              </a:cxn>
-              <a:cxn ang="0">
-                <a:pos x="connsiteX1" y="connsiteY1"/>
-              </a:cxn>
-              <a:cxn ang="0">
-                <a:pos x="connsiteX2" y="connsiteY2"/>
-              </a:cxn>
-              <a:cxn ang="0">
-                <a:pos x="connsiteX3" y="connsiteY3"/>
-              </a:cxn>
-              <a:cxn ang="0">
-                <a:pos x="connsiteX4" y="connsiteY4"/>
-              </a:cxn>
-              <a:cxn ang="0">
-                <a:pos x="connsiteX5" y="connsiteY5"/>
-              </a:cxn>
-              <a:cxn ang="0">
-                <a:pos x="connsiteX6" y="connsiteY6"/>
-              </a:cxn>
-              <a:cxn ang="0">
-                <a:pos x="connsiteX7" y="connsiteY7"/>
-              </a:cxn>
-              <a:cxn ang="0">
-                <a:pos x="connsiteX8" y="connsiteY8"/>
-              </a:cxn>
-              <a:cxn ang="0">
-                <a:pos x="connsiteX9" y="connsiteY9"/>
-              </a:cxn>
-              <a:cxn ang="0">
-                <a:pos x="connsiteX10" y="connsiteY10"/>
-              </a:cxn>
-            </a:cxnLst>
-            <a:rect l="l" t="t" r="r" b="b"/>
-            <a:pathLst>
-              <a:path w="394447" h="175814">
-                <a:moveTo>
-                  <a:pt x="0" y="152400"/>
-                </a:moveTo>
-                <a:cubicBezTo>
-                  <a:pt x="56029" y="158376"/>
-                  <a:pt x="112059" y="164353"/>
-                  <a:pt x="143435" y="152400"/>
-                </a:cubicBezTo>
-                <a:cubicBezTo>
-                  <a:pt x="174812" y="140447"/>
-                  <a:pt x="194235" y="97117"/>
-                  <a:pt x="188259" y="80682"/>
-                </a:cubicBezTo>
-                <a:cubicBezTo>
-                  <a:pt x="182283" y="64247"/>
-                  <a:pt x="124011" y="43329"/>
-                  <a:pt x="107576" y="53788"/>
-                </a:cubicBezTo>
-                <a:cubicBezTo>
-                  <a:pt x="91141" y="64247"/>
-                  <a:pt x="76200" y="124011"/>
-                  <a:pt x="89647" y="143435"/>
-                </a:cubicBezTo>
-                <a:cubicBezTo>
-                  <a:pt x="103094" y="162859"/>
-                  <a:pt x="152400" y="186764"/>
-                  <a:pt x="188259" y="170329"/>
-                </a:cubicBezTo>
-                <a:cubicBezTo>
-                  <a:pt x="224118" y="153894"/>
-                  <a:pt x="304800" y="44823"/>
-                  <a:pt x="304800" y="44823"/>
-                </a:cubicBezTo>
-                <a:lnTo>
-                  <a:pt x="304800" y="44823"/>
-                </a:lnTo>
-                <a:lnTo>
-                  <a:pt x="394447" y="8965"/>
-                </a:lnTo>
-                <a:lnTo>
-                  <a:pt x="394447" y="8965"/>
-                </a:lnTo>
-                <a:lnTo>
-                  <a:pt x="394447" y="0"/>
-                </a:lnTo>
-              </a:path>
-            </a:pathLst>
-          </a:custGeom>
-          <a:noFill/>
-          <a:ln w="19050">
-            <a:solidFill>
-              <a:srgbClr val="FFFF00"/>
-            </a:solidFill>
-            <a:tailEnd type="triangle"/>
-          </a:ln>
-        </p:spPr>
-        <p:style>
-          <a:lnRef idx="2">
-            <a:schemeClr val="accent1">
-              <a:shade val="50000"/>
-            </a:schemeClr>
-          </a:lnRef>
-          <a:fillRef idx="1">
-            <a:schemeClr val="accent1"/>
-          </a:fillRef>
-          <a:effectRef idx="0">
-            <a:schemeClr val="accent1"/>
-          </a:effectRef>
-          <a:fontRef idx="minor">
-            <a:schemeClr val="lt1"/>
-          </a:fontRef>
-        </p:style>
-        <p:txBody>
-          <a:bodyPr rtlCol="0" anchor="ctr"/>
-          <a:lstStyle/>
-          <a:p>
-            <a:pPr algn="ctr"/>
-            <a:endParaRPr lang="en-US"/>
-          </a:p>
-        </p:txBody>
-      </p:sp>
-      <p:sp>
-        <p:nvSpPr>
-          <p:cNvPr id="47" name="Freeform: Shape 46">
-            <a:extLst>
-              <a:ext uri="{FF2B5EF4-FFF2-40B4-BE49-F238E27FC236}">
-                <a16:creationId xmlns:a16="http://schemas.microsoft.com/office/drawing/2014/main" id="{17C16460-21A7-4B94-997F-C25C0679C66C}"/>
-              </a:ext>
-            </a:extLst>
-          </p:cNvPr>
-          <p:cNvSpPr/>
-          <p:nvPr/>
-        </p:nvSpPr>
-        <p:spPr>
-          <a:xfrm>
-            <a:off x="9117106" y="5377343"/>
-            <a:ext cx="448235" cy="548328"/>
-          </a:xfrm>
-          <a:custGeom>
-            <a:avLst/>
-            <a:gdLst>
-              <a:gd name="connsiteX0" fmla="*/ 0 w 448235"/>
-              <a:gd name="connsiteY0" fmla="*/ 600636 h 600636"/>
-              <a:gd name="connsiteX1" fmla="*/ 295835 w 448235"/>
-              <a:gd name="connsiteY1" fmla="*/ 394447 h 600636"/>
-              <a:gd name="connsiteX2" fmla="*/ 188259 w 448235"/>
-              <a:gd name="connsiteY2" fmla="*/ 259977 h 600636"/>
-              <a:gd name="connsiteX3" fmla="*/ 80682 w 448235"/>
-              <a:gd name="connsiteY3" fmla="*/ 484094 h 600636"/>
-              <a:gd name="connsiteX4" fmla="*/ 376518 w 448235"/>
-              <a:gd name="connsiteY4" fmla="*/ 546847 h 600636"/>
-              <a:gd name="connsiteX5" fmla="*/ 430306 w 448235"/>
-              <a:gd name="connsiteY5" fmla="*/ 268941 h 600636"/>
-              <a:gd name="connsiteX6" fmla="*/ 448235 w 448235"/>
-              <a:gd name="connsiteY6" fmla="*/ 0 h 600636"/>
-            </a:gdLst>
-            <a:ahLst/>
-            <a:cxnLst>
-              <a:cxn ang="0">
-                <a:pos x="connsiteX0" y="connsiteY0"/>
-              </a:cxn>
-              <a:cxn ang="0">
-                <a:pos x="connsiteX1" y="connsiteY1"/>
-              </a:cxn>
-              <a:cxn ang="0">
-                <a:pos x="connsiteX2" y="connsiteY2"/>
-              </a:cxn>
-              <a:cxn ang="0">
-                <a:pos x="connsiteX3" y="connsiteY3"/>
-              </a:cxn>
-              <a:cxn ang="0">
-                <a:pos x="connsiteX4" y="connsiteY4"/>
-              </a:cxn>
-              <a:cxn ang="0">
-                <a:pos x="connsiteX5" y="connsiteY5"/>
-              </a:cxn>
-              <a:cxn ang="0">
-                <a:pos x="connsiteX6" y="connsiteY6"/>
-              </a:cxn>
-            </a:cxnLst>
-            <a:rect l="l" t="t" r="r" b="b"/>
-            <a:pathLst>
-              <a:path w="448235" h="600636">
-                <a:moveTo>
-                  <a:pt x="0" y="600636"/>
-                </a:moveTo>
-                <a:cubicBezTo>
-                  <a:pt x="132229" y="525929"/>
-                  <a:pt x="264459" y="451223"/>
-                  <a:pt x="295835" y="394447"/>
-                </a:cubicBezTo>
-                <a:cubicBezTo>
-                  <a:pt x="327211" y="337671"/>
-                  <a:pt x="224118" y="245036"/>
-                  <a:pt x="188259" y="259977"/>
-                </a:cubicBezTo>
-                <a:cubicBezTo>
-                  <a:pt x="152400" y="274918"/>
-                  <a:pt x="49305" y="436282"/>
-                  <a:pt x="80682" y="484094"/>
-                </a:cubicBezTo>
-                <a:cubicBezTo>
-                  <a:pt x="112059" y="531906"/>
-                  <a:pt x="318247" y="582706"/>
-                  <a:pt x="376518" y="546847"/>
-                </a:cubicBezTo>
-                <a:cubicBezTo>
-                  <a:pt x="434789" y="510988"/>
-                  <a:pt x="418353" y="360082"/>
-                  <a:pt x="430306" y="268941"/>
-                </a:cubicBezTo>
-                <a:cubicBezTo>
-                  <a:pt x="442259" y="177800"/>
-                  <a:pt x="445247" y="88900"/>
-                  <a:pt x="448235" y="0"/>
-                </a:cubicBezTo>
-              </a:path>
-            </a:pathLst>
-          </a:custGeom>
-          <a:noFill/>
-          <a:ln w="38100">
-            <a:solidFill>
-              <a:srgbClr val="A9D18E"/>
-            </a:solidFill>
-            <a:tailEnd type="triangle"/>
-          </a:ln>
-        </p:spPr>
-        <p:style>
-          <a:lnRef idx="2">
-            <a:schemeClr val="accent1">
-              <a:shade val="50000"/>
-            </a:schemeClr>
-          </a:lnRef>
-          <a:fillRef idx="1">
-            <a:schemeClr val="accent1"/>
-          </a:fillRef>
-          <a:effectRef idx="0">
-            <a:schemeClr val="accent1"/>
-          </a:effectRef>
-          <a:fontRef idx="minor">
-            <a:schemeClr val="lt1"/>
-          </a:fontRef>
-        </p:style>
-        <p:txBody>
-          <a:bodyPr rtlCol="0" anchor="ctr"/>
-          <a:lstStyle/>
-          <a:p>
-            <a:pPr algn="ctr"/>
-            <a:endParaRPr lang="en-US"/>
-          </a:p>
-        </p:txBody>
-      </p:sp>
-      <p:sp>
-        <p:nvSpPr>
-          <p:cNvPr id="57" name="Rectangle 56">
-            <a:extLst>
-              <a:ext uri="{FF2B5EF4-FFF2-40B4-BE49-F238E27FC236}">
-                <a16:creationId xmlns:a16="http://schemas.microsoft.com/office/drawing/2014/main" id="{6B71DBDA-C1E5-48BE-8089-B84B60A2605D}"/>
-              </a:ext>
-            </a:extLst>
-          </p:cNvPr>
-          <p:cNvSpPr/>
-          <p:nvPr/>
-        </p:nvSpPr>
-        <p:spPr>
-          <a:xfrm>
-            <a:off x="10746544" y="2809407"/>
-            <a:ext cx="864067" cy="251670"/>
-          </a:xfrm>
-          <a:prstGeom prst="rect">
-            <a:avLst/>
-          </a:prstGeom>
-          <a:solidFill>
-            <a:schemeClr val="accent2">
-              <a:lumMod val="60000"/>
-              <a:lumOff val="40000"/>
-            </a:schemeClr>
-          </a:solidFill>
-          <a:ln>
-            <a:solidFill>
-              <a:schemeClr val="tx1"/>
-            </a:solidFill>
-          </a:ln>
-        </p:spPr>
-        <p:style>
-          <a:lnRef idx="2">
-            <a:schemeClr val="accent1">
-              <a:shade val="50000"/>
-            </a:schemeClr>
-          </a:lnRef>
-          <a:fillRef idx="1">
-            <a:schemeClr val="accent1"/>
-          </a:fillRef>
-          <a:effectRef idx="0">
-            <a:schemeClr val="accent1"/>
-          </a:effectRef>
-          <a:fontRef idx="minor">
-            <a:schemeClr val="lt1"/>
-          </a:fontRef>
-        </p:style>
-        <p:txBody>
-          <a:bodyPr rtlCol="0" anchor="ctr"/>
-          <a:lstStyle/>
-          <a:p>
-            <a:pPr algn="ctr"/>
-            <a:endParaRPr lang="en-US"/>
-          </a:p>
-        </p:txBody>
-      </p:sp>
-      <p:sp>
-        <p:nvSpPr>
-          <p:cNvPr id="58" name="Rectangle 57">
-            <a:extLst>
-              <a:ext uri="{FF2B5EF4-FFF2-40B4-BE49-F238E27FC236}">
-                <a16:creationId xmlns:a16="http://schemas.microsoft.com/office/drawing/2014/main" id="{CC680785-AEB9-4170-AD1E-3F19B09BA14D}"/>
-              </a:ext>
-            </a:extLst>
-          </p:cNvPr>
-          <p:cNvSpPr/>
-          <p:nvPr/>
-        </p:nvSpPr>
-        <p:spPr>
-          <a:xfrm>
-            <a:off x="10763075" y="3273105"/>
-            <a:ext cx="847288" cy="251669"/>
-          </a:xfrm>
-          <a:prstGeom prst="rect">
-            <a:avLst/>
-          </a:prstGeom>
-          <a:solidFill>
-            <a:srgbClr val="A9591E"/>
-          </a:solidFill>
-          <a:ln>
-            <a:solidFill>
-              <a:schemeClr val="tx1"/>
-            </a:solidFill>
-          </a:ln>
-        </p:spPr>
-        <p:style>
-          <a:lnRef idx="2">
-            <a:schemeClr val="accent1">
-              <a:shade val="50000"/>
-            </a:schemeClr>
-          </a:lnRef>
-          <a:fillRef idx="1">
-            <a:schemeClr val="accent1"/>
-          </a:fillRef>
-          <a:effectRef idx="0">
-            <a:schemeClr val="accent1"/>
-          </a:effectRef>
-          <a:fontRef idx="minor">
-            <a:schemeClr val="lt1"/>
-          </a:fontRef>
-        </p:style>
-        <p:txBody>
-          <a:bodyPr rtlCol="0" anchor="ctr"/>
-          <a:lstStyle/>
-          <a:p>
-            <a:pPr algn="ctr"/>
-            <a:endParaRPr lang="en-US"/>
-          </a:p>
-        </p:txBody>
-      </p:sp>
-      <p:sp>
-        <p:nvSpPr>
-          <p:cNvPr id="56" name="Rectangle 55">
-            <a:extLst>
-              <a:ext uri="{FF2B5EF4-FFF2-40B4-BE49-F238E27FC236}">
-                <a16:creationId xmlns:a16="http://schemas.microsoft.com/office/drawing/2014/main" id="{9AC33DFD-40A4-49E5-B44F-1BA807005B91}"/>
-              </a:ext>
-            </a:extLst>
-          </p:cNvPr>
-          <p:cNvSpPr/>
-          <p:nvPr/>
-        </p:nvSpPr>
-        <p:spPr>
-          <a:xfrm>
-            <a:off x="7407479" y="4337108"/>
-            <a:ext cx="1442906" cy="755009"/>
-          </a:xfrm>
-          <a:prstGeom prst="rect">
-            <a:avLst/>
-          </a:prstGeom>
-          <a:solidFill>
-            <a:schemeClr val="bg1"/>
-          </a:solidFill>
-          <a:ln>
-            <a:noFill/>
-          </a:ln>
-        </p:spPr>
-        <p:style>
-          <a:lnRef idx="2">
-            <a:schemeClr val="accent1">
-              <a:shade val="50000"/>
-            </a:schemeClr>
-          </a:lnRef>
-          <a:fillRef idx="1">
-            <a:schemeClr val="accent1"/>
-          </a:fillRef>
-          <a:effectRef idx="0">
-            <a:schemeClr val="accent1"/>
-          </a:effectRef>
-          <a:fontRef idx="minor">
-            <a:schemeClr val="lt1"/>
-          </a:fontRef>
-        </p:style>
-        <p:txBody>
-          <a:bodyPr rtlCol="0" anchor="ctr"/>
-          <a:lstStyle/>
-          <a:p>
-            <a:pPr algn="ctr"/>
-            <a:endParaRPr lang="en-US"/>
-          </a:p>
-        </p:txBody>
-      </p:sp>
-      <p:sp>
-        <p:nvSpPr>
-          <p:cNvPr id="60" name="Rectangle 59">
-            <a:extLst>
-              <a:ext uri="{FF2B5EF4-FFF2-40B4-BE49-F238E27FC236}">
-                <a16:creationId xmlns:a16="http://schemas.microsoft.com/office/drawing/2014/main" id="{0D2C557A-4BB6-465B-BF48-E2CCF0F1FF1D}"/>
-              </a:ext>
-            </a:extLst>
-          </p:cNvPr>
-          <p:cNvSpPr/>
-          <p:nvPr/>
-        </p:nvSpPr>
-        <p:spPr>
-          <a:xfrm>
-            <a:off x="5327009" y="3967992"/>
-            <a:ext cx="1905699" cy="763399"/>
-          </a:xfrm>
-          <a:prstGeom prst="rect">
-            <a:avLst/>
-          </a:prstGeom>
-          <a:solidFill>
-            <a:schemeClr val="bg1"/>
-          </a:solidFill>
-          <a:ln>
-            <a:noFill/>
-          </a:ln>
-        </p:spPr>
-        <p:style>
-          <a:lnRef idx="2">
-            <a:schemeClr val="accent1">
-              <a:shade val="50000"/>
-            </a:schemeClr>
-          </a:lnRef>
-          <a:fillRef idx="1">
-            <a:schemeClr val="accent1"/>
-          </a:fillRef>
-          <a:effectRef idx="0">
-            <a:schemeClr val="accent1"/>
-          </a:effectRef>
-          <a:fontRef idx="minor">
-            <a:schemeClr val="lt1"/>
-          </a:fontRef>
-        </p:style>
-        <p:txBody>
-          <a:bodyPr rtlCol="0" anchor="ctr"/>
-          <a:lstStyle/>
-          <a:p>
-            <a:pPr algn="ctr"/>
-            <a:endParaRPr lang="en-US"/>
-          </a:p>
-        </p:txBody>
-      </p:sp>
-      <p:sp>
-        <p:nvSpPr>
-          <p:cNvPr id="59" name="TextBox 58">
-            <a:extLst>
-              <a:ext uri="{FF2B5EF4-FFF2-40B4-BE49-F238E27FC236}">
-                <a16:creationId xmlns:a16="http://schemas.microsoft.com/office/drawing/2014/main" id="{CF22C975-0FA9-4F3F-9891-D9DED725199E}"/>
-              </a:ext>
-            </a:extLst>
-          </p:cNvPr>
-          <p:cNvSpPr txBox="1"/>
-          <p:nvPr/>
-        </p:nvSpPr>
-        <p:spPr>
-          <a:xfrm>
-            <a:off x="2286351" y="2842900"/>
-            <a:ext cx="1446064" cy="646331"/>
-          </a:xfrm>
-          <a:prstGeom prst="rect">
-            <a:avLst/>
-          </a:prstGeom>
-          <a:solidFill>
-            <a:srgbClr val="A9591E"/>
-          </a:solidFill>
-        </p:spPr>
-        <p:txBody>
-          <a:bodyPr wrap="square" rtlCol="0">
-            <a:spAutoFit/>
-          </a:bodyPr>
-          <a:lstStyle/>
-          <a:p>
-            <a:r>
-              <a:rPr lang="en-US" dirty="0" smtClean="0">
-                <a:solidFill>
-                  <a:srgbClr val="7030A0"/>
-                </a:solidFill>
-              </a:rPr>
-              <a:t>Entire interface</a:t>
-            </a:r>
-            <a:endParaRPr lang="en-US" dirty="0">
-              <a:solidFill>
-                <a:srgbClr val="7030A0"/>
-              </a:solidFill>
-            </a:endParaRPr>
+            <a:endParaRPr lang="en-US" sz="3600" b="1" dirty="0"/>
           </a:p>
         </p:txBody>
       </p:sp>
     </p:spTree>
     <p:extLst>
       <p:ext uri="{BB962C8B-B14F-4D97-AF65-F5344CB8AC3E}">
-        <p14:creationId xmlns:p14="http://schemas.microsoft.com/office/powerpoint/2010/main" val="1764610376"/>
-      </p:ext>
-    </p:extLst>
-  </p:cSld>
-  <p:clrMapOvr>
-    <a:masterClrMapping/>
-  </p:clrMapOvr>
-</p:sld>
-</file>
-
-<file path=ppt/slides/slide5.xml><?xml version="1.0" encoding="utf-8"?>
-<p:sld xmlns:a="http://schemas.openxmlformats.org/drawingml/2006/main" xmlns:r="http://schemas.openxmlformats.org/officeDocument/2006/relationships" xmlns:p="http://schemas.openxmlformats.org/presentationml/2006/main">
-  <p:cSld>
-    <p:spTree>
-      <p:nvGrpSpPr>
-        <p:cNvPr id="1" name=""/>
-        <p:cNvGrpSpPr/>
-        <p:nvPr/>
-      </p:nvGrpSpPr>
-      <p:grpSpPr>
-        <a:xfrm>
-          <a:off x="0" y="0"/>
-          <a:ext cx="0" cy="0"/>
-          <a:chOff x="0" y="0"/>
-          <a:chExt cx="0" cy="0"/>
-        </a:xfrm>
-      </p:grpSpPr>
-      <p:sp>
-        <p:nvSpPr>
-          <p:cNvPr id="2" name="Title 1"/>
-          <p:cNvSpPr>
-            <a:spLocks noGrp="1"/>
-          </p:cNvSpPr>
-          <p:nvPr>
-            <p:ph type="title"/>
-          </p:nvPr>
-        </p:nvSpPr>
-        <p:spPr/>
-        <p:txBody>
-          <a:bodyPr/>
-          <a:lstStyle/>
-          <a:p>
-            <a:r>
-              <a:rPr lang="en-US" dirty="0" smtClean="0"/>
-              <a:t>Questions</a:t>
-            </a:r>
-            <a:endParaRPr lang="en-US" dirty="0"/>
-          </a:p>
-        </p:txBody>
-      </p:sp>
-      <mc:AlternateContent xmlns:mc="http://schemas.openxmlformats.org/markup-compatibility/2006">
-        <mc:Choice xmlns:a14="http://schemas.microsoft.com/office/drawing/2010/main" Requires="a14">
-          <p:sp>
-            <p:nvSpPr>
-              <p:cNvPr id="3" name="Content Placeholder 2"/>
-              <p:cNvSpPr>
-                <a:spLocks noGrp="1"/>
-              </p:cNvSpPr>
-              <p:nvPr>
-                <p:ph idx="1"/>
-              </p:nvPr>
-            </p:nvSpPr>
-            <p:spPr/>
-            <p:txBody>
-              <a:bodyPr/>
-              <a:lstStyle/>
-              <a:p>
-                <a:r>
-                  <a:rPr lang="en-US" dirty="0" smtClean="0"/>
-                  <a:t>I’m currently avoiding the other Moog &amp; </a:t>
-                </a:r>
-                <a:r>
-                  <a:rPr lang="en-US" dirty="0" err="1" smtClean="0"/>
-                  <a:t>Jirka</a:t>
-                </a:r>
-                <a:r>
-                  <a:rPr lang="en-US" dirty="0" smtClean="0"/>
-                  <a:t> (1999) model which relies on depth-scale form drag</a:t>
-                </a:r>
-              </a:p>
-              <a:p>
-                <a:pPr lvl="1"/>
-                <a14:m>
-                  <m:oMath xmlns:m="http://schemas.openxmlformats.org/officeDocument/2006/math">
-                    <m:r>
-                      <a:rPr lang="en-US" b="0" i="1" smtClean="0">
-                        <a:latin typeface="Cambria Math" panose="02040503050406030204" pitchFamily="18" charset="0"/>
-                      </a:rPr>
-                      <m:t>𝑘</m:t>
-                    </m:r>
-                    <m:r>
-                      <a:rPr lang="en-US" b="0" i="1" smtClean="0">
-                        <a:latin typeface="Cambria Math" panose="02040503050406030204" pitchFamily="18" charset="0"/>
-                        <a:ea typeface="Cambria Math" panose="02040503050406030204" pitchFamily="18" charset="0"/>
-                      </a:rPr>
-                      <m:t>∝</m:t>
-                    </m:r>
-                    <m:sSub>
-                      <m:sSubPr>
-                        <m:ctrlPr>
-                          <a:rPr lang="en-US" b="0" i="1" smtClean="0">
-                            <a:latin typeface="Cambria Math" panose="02040503050406030204" pitchFamily="18" charset="0"/>
-                            <a:ea typeface="Cambria Math" panose="02040503050406030204" pitchFamily="18" charset="0"/>
-                          </a:rPr>
-                        </m:ctrlPr>
-                      </m:sSubPr>
-                      <m:e>
-                        <m:r>
-                          <a:rPr lang="en-US" b="0" i="1" smtClean="0">
-                            <a:latin typeface="Cambria Math" panose="02040503050406030204" pitchFamily="18" charset="0"/>
-                            <a:ea typeface="Cambria Math" panose="02040503050406030204" pitchFamily="18" charset="0"/>
-                          </a:rPr>
-                          <m:t>𝜀</m:t>
-                        </m:r>
-                      </m:e>
-                      <m:sub>
-                        <m:r>
-                          <a:rPr lang="en-US" b="0" i="1" smtClean="0">
-                            <a:latin typeface="Cambria Math" panose="02040503050406030204" pitchFamily="18" charset="0"/>
-                            <a:ea typeface="Cambria Math" panose="02040503050406030204" pitchFamily="18" charset="0"/>
-                          </a:rPr>
-                          <m:t>𝐷</m:t>
-                        </m:r>
-                      </m:sub>
-                    </m:sSub>
-                  </m:oMath>
-                </a14:m>
-                <a:r>
-                  <a:rPr lang="en-US" dirty="0" smtClean="0"/>
-                  <a:t> where </a:t>
-                </a:r>
-                <a14:m>
-                  <m:oMath xmlns:m="http://schemas.openxmlformats.org/officeDocument/2006/math">
-                    <m:sSub>
-                      <m:sSubPr>
-                        <m:ctrlPr>
-                          <a:rPr lang="en-US" b="0" i="1" smtClean="0">
-                            <a:latin typeface="Cambria Math" panose="02040503050406030204" pitchFamily="18" charset="0"/>
-                            <a:ea typeface="Cambria Math" panose="02040503050406030204" pitchFamily="18" charset="0"/>
-                          </a:rPr>
-                        </m:ctrlPr>
-                      </m:sSubPr>
-                      <m:e>
-                        <m:r>
-                          <a:rPr lang="en-US" i="1" smtClean="0">
-                            <a:latin typeface="Cambria Math" panose="02040503050406030204" pitchFamily="18" charset="0"/>
-                            <a:ea typeface="Cambria Math" panose="02040503050406030204" pitchFamily="18" charset="0"/>
-                          </a:rPr>
-                          <m:t>𝜀</m:t>
-                        </m:r>
-                      </m:e>
-                      <m:sub>
-                        <m:r>
-                          <a:rPr lang="en-US" b="0" i="1" smtClean="0">
-                            <a:latin typeface="Cambria Math" panose="02040503050406030204" pitchFamily="18" charset="0"/>
-                            <a:ea typeface="Cambria Math" panose="02040503050406030204" pitchFamily="18" charset="0"/>
-                          </a:rPr>
-                          <m:t>𝐷</m:t>
-                        </m:r>
-                      </m:sub>
-                    </m:sSub>
-                    <m:r>
-                      <a:rPr lang="en-US" b="0" i="1" smtClean="0">
-                        <a:latin typeface="Cambria Math" panose="02040503050406030204" pitchFamily="18" charset="0"/>
-                        <a:ea typeface="Cambria Math" panose="02040503050406030204" pitchFamily="18" charset="0"/>
-                      </a:rPr>
-                      <m:t>=</m:t>
-                    </m:r>
-                    <m:r>
-                      <a:rPr lang="en-US" b="0" i="1" smtClean="0">
-                        <a:latin typeface="Cambria Math" panose="02040503050406030204" pitchFamily="18" charset="0"/>
-                        <a:ea typeface="Cambria Math" panose="02040503050406030204" pitchFamily="18" charset="0"/>
-                      </a:rPr>
-                      <m:t>𝑔𝑆</m:t>
-                    </m:r>
-                    <m:acc>
-                      <m:accPr>
-                        <m:chr m:val="̅"/>
-                        <m:ctrlPr>
-                          <a:rPr lang="en-US" b="0" i="1" smtClean="0">
-                            <a:latin typeface="Cambria Math" panose="02040503050406030204" pitchFamily="18" charset="0"/>
-                            <a:ea typeface="Cambria Math" panose="02040503050406030204" pitchFamily="18" charset="0"/>
-                          </a:rPr>
-                        </m:ctrlPr>
-                      </m:accPr>
-                      <m:e>
-                        <m:r>
-                          <a:rPr lang="en-US" b="0" i="1" smtClean="0">
-                            <a:latin typeface="Cambria Math" panose="02040503050406030204" pitchFamily="18" charset="0"/>
-                            <a:ea typeface="Cambria Math" panose="02040503050406030204" pitchFamily="18" charset="0"/>
-                          </a:rPr>
-                          <m:t>𝑈</m:t>
-                        </m:r>
-                      </m:e>
-                    </m:acc>
-                  </m:oMath>
-                </a14:m>
-                <a:r>
-                  <a:rPr lang="en-US" dirty="0" smtClean="0"/>
-                  <a:t> and is stream power per unit mass water</a:t>
-                </a:r>
-              </a:p>
-              <a:p>
-                <a:r>
-                  <a:rPr lang="en-US" dirty="0" smtClean="0"/>
-                  <a:t>Avoiding it for two reasons</a:t>
-                </a:r>
-                <a:endParaRPr lang="en-US" dirty="0"/>
-              </a:p>
-            </p:txBody>
-          </p:sp>
-        </mc:Choice>
-        <mc:Fallback>
-          <p:sp>
-            <p:nvSpPr>
-              <p:cNvPr id="3" name="Content Placeholder 2"/>
-              <p:cNvSpPr>
-                <a:spLocks noGrp="1" noRot="1" noChangeAspect="1" noMove="1" noResize="1" noEditPoints="1" noAdjustHandles="1" noChangeArrowheads="1" noChangeShapeType="1" noTextEdit="1"/>
-              </p:cNvSpPr>
-              <p:nvPr>
-                <p:ph idx="1"/>
-              </p:nvPr>
-            </p:nvSpPr>
-            <p:spPr>
-              <a:blipFill>
-                <a:blip r:embed="rId2"/>
-                <a:stretch>
-                  <a:fillRect l="-1043" t="-2241"/>
-                </a:stretch>
-              </a:blipFill>
-            </p:spPr>
-            <p:txBody>
-              <a:bodyPr/>
-              <a:lstStyle/>
-              <a:p>
-                <a:r>
-                  <a:rPr lang="en-US">
-                    <a:noFill/>
-                  </a:rPr>
-                  <a:t> </a:t>
-                </a:r>
-              </a:p>
-            </p:txBody>
-          </p:sp>
-        </mc:Fallback>
-      </mc:AlternateContent>
-    </p:spTree>
-    <p:extLst>
-      <p:ext uri="{BB962C8B-B14F-4D97-AF65-F5344CB8AC3E}">
-        <p14:creationId xmlns:p14="http://schemas.microsoft.com/office/powerpoint/2010/main" val="1238285968"/>
+        <p14:creationId xmlns:p14="http://schemas.microsoft.com/office/powerpoint/2010/main" val="3459797115"/>
       </p:ext>
     </p:extLst>
   </p:cSld>

--- a/docs/Zappa_notes_2.pptx
+++ b/docs/Zappa_notes_2.pptx
@@ -9,6 +9,7 @@
     <p:sldId id="274" r:id="rId3"/>
     <p:sldId id="276" r:id="rId4"/>
     <p:sldId id="275" r:id="rId5"/>
+    <p:sldId id="277" r:id="rId6"/>
   </p:sldIdLst>
   <p:sldSz cx="12192000" cy="6858000"/>
   <p:notesSz cx="6858000" cy="9144000"/>
@@ -118,7 +119,7 @@
 <file path=ppt/revisionInfo.xml><?xml version="1.0" encoding="utf-8"?>
 <p1510:revInfo xmlns:a="http://schemas.openxmlformats.org/drawingml/2006/main" xmlns:r="http://schemas.openxmlformats.org/officeDocument/2006/relationships" xmlns:p1510="http://schemas.microsoft.com/office/powerpoint/2015/10/main">
   <p1510:revLst>
-    <p1510:client id="{AF3F3D11-ADD9-485B-883B-4116CF994C98}" v="1407" dt="2021-10-04T20:23:45.101"/>
+    <p1510:client id="{AF3F3D11-ADD9-485B-883B-4116CF994C98}" v="1536" dt="2021-11-30T18:15:10.545"/>
   </p1510:revLst>
 </p1510:revInfo>
 </file>
@@ -127,8 +128,8 @@
 <pc:chgInfo xmlns:a="http://schemas.openxmlformats.org/drawingml/2006/main" xmlns:r="http://schemas.openxmlformats.org/officeDocument/2006/relationships" xmlns:ac="http://schemas.microsoft.com/office/drawing/2013/main/command" xmlns:pc="http://schemas.microsoft.com/office/powerpoint/2013/main/command">
   <pc:docChgLst>
     <pc:chgData name="Craig Brinkerhoff" userId="4ca67c74-3213-4250-9c32-077ebf257a4d" providerId="ADAL" clId="{AF3F3D11-ADD9-485B-883B-4116CF994C98}"/>
-    <pc:docChg chg="undo custSel addSld delSld modSld sldOrd">
-      <pc:chgData name="Craig Brinkerhoff" userId="4ca67c74-3213-4250-9c32-077ebf257a4d" providerId="ADAL" clId="{AF3F3D11-ADD9-485B-883B-4116CF994C98}" dt="2021-10-04T21:11:41.755" v="4870" actId="115"/>
+    <pc:docChg chg="undo redo custSel addSld delSld modSld sldOrd">
+      <pc:chgData name="Craig Brinkerhoff" userId="4ca67c74-3213-4250-9c32-077ebf257a4d" providerId="ADAL" clId="{AF3F3D11-ADD9-485B-883B-4116CF994C98}" dt="2021-11-30T18:54:18.487" v="5693" actId="14734"/>
       <pc:docMkLst>
         <pc:docMk/>
       </pc:docMkLst>
@@ -1841,14 +1842,14 @@
           </ac:spMkLst>
         </pc:spChg>
       </pc:sldChg>
-      <pc:sldChg chg="addSp modSp new mod ord">
-        <pc:chgData name="Craig Brinkerhoff" userId="4ca67c74-3213-4250-9c32-077ebf257a4d" providerId="ADAL" clId="{AF3F3D11-ADD9-485B-883B-4116CF994C98}" dt="2021-10-04T21:11:41.755" v="4870" actId="115"/>
+      <pc:sldChg chg="addSp delSp modSp new mod ord">
+        <pc:chgData name="Craig Brinkerhoff" userId="4ca67c74-3213-4250-9c32-077ebf257a4d" providerId="ADAL" clId="{AF3F3D11-ADD9-485B-883B-4116CF994C98}" dt="2021-11-30T18:12:50.418" v="5606" actId="20577"/>
         <pc:sldMkLst>
           <pc:docMk/>
           <pc:sldMk cId="3621076333" sldId="273"/>
         </pc:sldMkLst>
         <pc:spChg chg="mod">
-          <ac:chgData name="Craig Brinkerhoff" userId="4ca67c74-3213-4250-9c32-077ebf257a4d" providerId="ADAL" clId="{AF3F3D11-ADD9-485B-883B-4116CF994C98}" dt="2021-10-04T18:44:59.887" v="2625" actId="20577"/>
+          <ac:chgData name="Craig Brinkerhoff" userId="4ca67c74-3213-4250-9c32-077ebf257a4d" providerId="ADAL" clId="{AF3F3D11-ADD9-485B-883B-4116CF994C98}" dt="2021-11-30T18:10:20.303" v="5527" actId="1076"/>
           <ac:spMkLst>
             <pc:docMk/>
             <pc:sldMk cId="3621076333" sldId="273"/>
@@ -1856,11 +1857,43 @@
           </ac:spMkLst>
         </pc:spChg>
         <pc:spChg chg="mod">
-          <ac:chgData name="Craig Brinkerhoff" userId="4ca67c74-3213-4250-9c32-077ebf257a4d" providerId="ADAL" clId="{AF3F3D11-ADD9-485B-883B-4116CF994C98}" dt="2021-10-04T21:11:41.755" v="4870" actId="115"/>
+          <ac:chgData name="Craig Brinkerhoff" userId="4ca67c74-3213-4250-9c32-077ebf257a4d" providerId="ADAL" clId="{AF3F3D11-ADD9-485B-883B-4116CF994C98}" dt="2021-11-30T18:12:50.418" v="5606" actId="20577"/>
           <ac:spMkLst>
             <pc:docMk/>
             <pc:sldMk cId="3621076333" sldId="273"/>
             <ac:spMk id="3" creationId="{07BB8CE1-591F-48FB-A244-CA3E42717C31}"/>
+          </ac:spMkLst>
+        </pc:spChg>
+        <pc:spChg chg="add del mod">
+          <ac:chgData name="Craig Brinkerhoff" userId="4ca67c74-3213-4250-9c32-077ebf257a4d" providerId="ADAL" clId="{AF3F3D11-ADD9-485B-883B-4116CF994C98}" dt="2021-11-30T18:02:42.544" v="5276" actId="21"/>
+          <ac:spMkLst>
+            <pc:docMk/>
+            <pc:sldMk cId="3621076333" sldId="273"/>
+            <ac:spMk id="5" creationId="{9A130D12-0E0D-42D5-B67E-63F9DE1AD9A7}"/>
+          </ac:spMkLst>
+        </pc:spChg>
+        <pc:spChg chg="add del mod">
+          <ac:chgData name="Craig Brinkerhoff" userId="4ca67c74-3213-4250-9c32-077ebf257a4d" providerId="ADAL" clId="{AF3F3D11-ADD9-485B-883B-4116CF994C98}" dt="2021-11-30T18:02:42.544" v="5276" actId="21"/>
+          <ac:spMkLst>
+            <pc:docMk/>
+            <pc:sldMk cId="3621076333" sldId="273"/>
+            <ac:spMk id="7" creationId="{64C577ED-07AF-42CD-98B4-AE928C7DE063}"/>
+          </ac:spMkLst>
+        </pc:spChg>
+        <pc:spChg chg="add del mod">
+          <ac:chgData name="Craig Brinkerhoff" userId="4ca67c74-3213-4250-9c32-077ebf257a4d" providerId="ADAL" clId="{AF3F3D11-ADD9-485B-883B-4116CF994C98}" dt="2021-11-30T18:02:42.544" v="5276" actId="21"/>
+          <ac:spMkLst>
+            <pc:docMk/>
+            <pc:sldMk cId="3621076333" sldId="273"/>
+            <ac:spMk id="8" creationId="{568AF1B6-FC65-49CD-807F-33CD1C99065B}"/>
+          </ac:spMkLst>
+        </pc:spChg>
+        <pc:spChg chg="add del mod">
+          <ac:chgData name="Craig Brinkerhoff" userId="4ca67c74-3213-4250-9c32-077ebf257a4d" providerId="ADAL" clId="{AF3F3D11-ADD9-485B-883B-4116CF994C98}" dt="2021-11-30T18:02:42.544" v="5276" actId="21"/>
+          <ac:spMkLst>
+            <pc:docMk/>
+            <pc:sldMk cId="3621076333" sldId="273"/>
+            <ac:spMk id="9" creationId="{27CC1C15-3483-4917-B6CB-D892192CD96E}"/>
           </ac:spMkLst>
         </pc:spChg>
         <pc:picChg chg="add mod">
@@ -1872,7 +1905,7 @@
           </ac:picMkLst>
         </pc:picChg>
         <pc:cxnChg chg="add mod">
-          <ac:chgData name="Craig Brinkerhoff" userId="4ca67c74-3213-4250-9c32-077ebf257a4d" providerId="ADAL" clId="{AF3F3D11-ADD9-485B-883B-4116CF994C98}" dt="2021-10-04T19:29:11.289" v="4290" actId="14100"/>
+          <ac:chgData name="Craig Brinkerhoff" userId="4ca67c74-3213-4250-9c32-077ebf257a4d" providerId="ADAL" clId="{AF3F3D11-ADD9-485B-883B-4116CF994C98}" dt="2021-11-30T18:10:56.941" v="5529" actId="14100"/>
           <ac:cxnSpMkLst>
             <pc:docMk/>
             <pc:sldMk cId="3621076333" sldId="273"/>
@@ -1880,8 +1913,8 @@
           </ac:cxnSpMkLst>
         </pc:cxnChg>
       </pc:sldChg>
-      <pc:sldChg chg="addSp delSp modSp new mod">
-        <pc:chgData name="Craig Brinkerhoff" userId="4ca67c74-3213-4250-9c32-077ebf257a4d" providerId="ADAL" clId="{AF3F3D11-ADD9-485B-883B-4116CF994C98}" dt="2021-10-04T20:34:27.121" v="4869" actId="20577"/>
+      <pc:sldChg chg="addSp delSp modSp new mod ord">
+        <pc:chgData name="Craig Brinkerhoff" userId="4ca67c74-3213-4250-9c32-077ebf257a4d" providerId="ADAL" clId="{AF3F3D11-ADD9-485B-883B-4116CF994C98}" dt="2021-11-30T18:54:18.487" v="5693" actId="14734"/>
         <pc:sldMkLst>
           <pc:docMk/>
           <pc:sldMk cId="3491016399" sldId="274"/>
@@ -1911,7 +1944,7 @@
           </ac:graphicFrameMkLst>
         </pc:graphicFrameChg>
         <pc:graphicFrameChg chg="add mod ord modGraphic">
-          <ac:chgData name="Craig Brinkerhoff" userId="4ca67c74-3213-4250-9c32-077ebf257a4d" providerId="ADAL" clId="{AF3F3D11-ADD9-485B-883B-4116CF994C98}" dt="2021-10-04T20:34:27.121" v="4869" actId="20577"/>
+          <ac:chgData name="Craig Brinkerhoff" userId="4ca67c74-3213-4250-9c32-077ebf257a4d" providerId="ADAL" clId="{AF3F3D11-ADD9-485B-883B-4116CF994C98}" dt="2021-11-30T18:54:18.487" v="5693" actId="14734"/>
           <ac:graphicFrameMkLst>
             <pc:docMk/>
             <pc:sldMk cId="3491016399" sldId="274"/>
@@ -1919,12 +1952,393 @@
           </ac:graphicFrameMkLst>
         </pc:graphicFrameChg>
       </pc:sldChg>
-      <pc:sldChg chg="add">
-        <pc:chgData name="Craig Brinkerhoff" userId="4ca67c74-3213-4250-9c32-077ebf257a4d" providerId="ADAL" clId="{AF3F3D11-ADD9-485B-883B-4116CF994C98}" dt="2021-10-04T19:32:49.960" v="4291" actId="2890"/>
+      <pc:sldChg chg="modSp add mod">
+        <pc:chgData name="Craig Brinkerhoff" userId="4ca67c74-3213-4250-9c32-077ebf257a4d" providerId="ADAL" clId="{AF3F3D11-ADD9-485B-883B-4116CF994C98}" dt="2021-11-30T17:52:31.600" v="5161" actId="313"/>
         <pc:sldMkLst>
           <pc:docMk/>
           <pc:sldMk cId="3459797115" sldId="275"/>
         </pc:sldMkLst>
+        <pc:spChg chg="mod">
+          <ac:chgData name="Craig Brinkerhoff" userId="4ca67c74-3213-4250-9c32-077ebf257a4d" providerId="ADAL" clId="{AF3F3D11-ADD9-485B-883B-4116CF994C98}" dt="2021-11-30T17:52:31.600" v="5161" actId="313"/>
+          <ac:spMkLst>
+            <pc:docMk/>
+            <pc:sldMk cId="3459797115" sldId="275"/>
+            <ac:spMk id="16" creationId="{00000000-0000-0000-0000-000000000000}"/>
+          </ac:spMkLst>
+        </pc:spChg>
+      </pc:sldChg>
+      <pc:sldChg chg="addSp delSp modSp mod ord">
+        <pc:chgData name="Craig Brinkerhoff" userId="4ca67c74-3213-4250-9c32-077ebf257a4d" providerId="ADAL" clId="{AF3F3D11-ADD9-485B-883B-4116CF994C98}" dt="2021-11-30T18:17:53.510" v="5656" actId="20577"/>
+        <pc:sldMkLst>
+          <pc:docMk/>
+          <pc:sldMk cId="2990142423" sldId="276"/>
+        </pc:sldMkLst>
+        <pc:spChg chg="add del">
+          <ac:chgData name="Craig Brinkerhoff" userId="4ca67c74-3213-4250-9c32-077ebf257a4d" providerId="ADAL" clId="{AF3F3D11-ADD9-485B-883B-4116CF994C98}" dt="2021-11-30T18:09:24.780" v="5436" actId="478"/>
+          <ac:spMkLst>
+            <pc:docMk/>
+            <pc:sldMk cId="2990142423" sldId="276"/>
+            <ac:spMk id="2" creationId="{00000000-0000-0000-0000-000000000000}"/>
+          </ac:spMkLst>
+        </pc:spChg>
+        <pc:spChg chg="mod">
+          <ac:chgData name="Craig Brinkerhoff" userId="4ca67c74-3213-4250-9c32-077ebf257a4d" providerId="ADAL" clId="{AF3F3D11-ADD9-485B-883B-4116CF994C98}" dt="2021-11-30T18:17:45.595" v="5653" actId="20577"/>
+          <ac:spMkLst>
+            <pc:docMk/>
+            <pc:sldMk cId="2990142423" sldId="276"/>
+            <ac:spMk id="7" creationId="{00000000-0000-0000-0000-000000000000}"/>
+          </ac:spMkLst>
+        </pc:spChg>
+        <pc:spChg chg="mod">
+          <ac:chgData name="Craig Brinkerhoff" userId="4ca67c74-3213-4250-9c32-077ebf257a4d" providerId="ADAL" clId="{AF3F3D11-ADD9-485B-883B-4116CF994C98}" dt="2021-11-30T18:17:53.510" v="5656" actId="20577"/>
+          <ac:spMkLst>
+            <pc:docMk/>
+            <pc:sldMk cId="2990142423" sldId="276"/>
+            <ac:spMk id="8" creationId="{00000000-0000-0000-0000-000000000000}"/>
+          </ac:spMkLst>
+        </pc:spChg>
+        <pc:spChg chg="add del mod">
+          <ac:chgData name="Craig Brinkerhoff" userId="4ca67c74-3213-4250-9c32-077ebf257a4d" providerId="ADAL" clId="{AF3F3D11-ADD9-485B-883B-4116CF994C98}" dt="2021-11-30T18:09:24.780" v="5436" actId="478"/>
+          <ac:spMkLst>
+            <pc:docMk/>
+            <pc:sldMk cId="2990142423" sldId="276"/>
+            <ac:spMk id="14" creationId="{546B8ACA-1770-45C2-B447-905F93997937}"/>
+          </ac:spMkLst>
+        </pc:spChg>
+        <pc:spChg chg="add del mod">
+          <ac:chgData name="Craig Brinkerhoff" userId="4ca67c74-3213-4250-9c32-077ebf257a4d" providerId="ADAL" clId="{AF3F3D11-ADD9-485B-883B-4116CF994C98}" dt="2021-11-30T18:09:23.847" v="5434"/>
+          <ac:spMkLst>
+            <pc:docMk/>
+            <pc:sldMk cId="2990142423" sldId="276"/>
+            <ac:spMk id="24" creationId="{918BAD16-F381-457F-B427-EEBF55996866}"/>
+          </ac:spMkLst>
+        </pc:spChg>
+        <pc:spChg chg="add mod">
+          <ac:chgData name="Craig Brinkerhoff" userId="4ca67c74-3213-4250-9c32-077ebf257a4d" providerId="ADAL" clId="{AF3F3D11-ADD9-485B-883B-4116CF994C98}" dt="2021-11-30T18:09:34.667" v="5442" actId="1076"/>
+          <ac:spMkLst>
+            <pc:docMk/>
+            <pc:sldMk cId="2990142423" sldId="276"/>
+            <ac:spMk id="25" creationId="{82E6EC06-BCC3-4961-8649-8893543F8645}"/>
+          </ac:spMkLst>
+        </pc:spChg>
+        <pc:cxnChg chg="mod">
+          <ac:chgData name="Craig Brinkerhoff" userId="4ca67c74-3213-4250-9c32-077ebf257a4d" providerId="ADAL" clId="{AF3F3D11-ADD9-485B-883B-4116CF994C98}" dt="2021-11-30T18:17:45.595" v="5653" actId="20577"/>
+          <ac:cxnSpMkLst>
+            <pc:docMk/>
+            <pc:sldMk cId="2990142423" sldId="276"/>
+            <ac:cxnSpMk id="12" creationId="{00000000-0000-0000-0000-000000000000}"/>
+          </ac:cxnSpMkLst>
+        </pc:cxnChg>
+        <pc:cxnChg chg="mod">
+          <ac:chgData name="Craig Brinkerhoff" userId="4ca67c74-3213-4250-9c32-077ebf257a4d" providerId="ADAL" clId="{AF3F3D11-ADD9-485B-883B-4116CF994C98}" dt="2021-11-30T18:17:45.595" v="5653" actId="20577"/>
+          <ac:cxnSpMkLst>
+            <pc:docMk/>
+            <pc:sldMk cId="2990142423" sldId="276"/>
+            <ac:cxnSpMk id="13" creationId="{00000000-0000-0000-0000-000000000000}"/>
+          </ac:cxnSpMkLst>
+        </pc:cxnChg>
+        <pc:cxnChg chg="mod">
+          <ac:chgData name="Craig Brinkerhoff" userId="4ca67c74-3213-4250-9c32-077ebf257a4d" providerId="ADAL" clId="{AF3F3D11-ADD9-485B-883B-4116CF994C98}" dt="2021-11-30T18:17:53.510" v="5656" actId="20577"/>
+          <ac:cxnSpMkLst>
+            <pc:docMk/>
+            <pc:sldMk cId="2990142423" sldId="276"/>
+            <ac:cxnSpMk id="40" creationId="{00000000-0000-0000-0000-000000000000}"/>
+          </ac:cxnSpMkLst>
+        </pc:cxnChg>
+        <pc:cxnChg chg="mod">
+          <ac:chgData name="Craig Brinkerhoff" userId="4ca67c74-3213-4250-9c32-077ebf257a4d" providerId="ADAL" clId="{AF3F3D11-ADD9-485B-883B-4116CF994C98}" dt="2021-11-30T18:17:53.510" v="5656" actId="20577"/>
+          <ac:cxnSpMkLst>
+            <pc:docMk/>
+            <pc:sldMk cId="2990142423" sldId="276"/>
+            <ac:cxnSpMk id="43" creationId="{00000000-0000-0000-0000-000000000000}"/>
+          </ac:cxnSpMkLst>
+        </pc:cxnChg>
+      </pc:sldChg>
+      <pc:sldChg chg="addSp modSp new mod">
+        <pc:chgData name="Craig Brinkerhoff" userId="4ca67c74-3213-4250-9c32-077ebf257a4d" providerId="ADAL" clId="{AF3F3D11-ADD9-485B-883B-4116CF994C98}" dt="2021-11-30T18:48:12.900" v="5690" actId="1076"/>
+        <pc:sldMkLst>
+          <pc:docMk/>
+          <pc:sldMk cId="3655378827" sldId="277"/>
+        </pc:sldMkLst>
+        <pc:spChg chg="add mod">
+          <ac:chgData name="Craig Brinkerhoff" userId="4ca67c74-3213-4250-9c32-077ebf257a4d" providerId="ADAL" clId="{AF3F3D11-ADD9-485B-883B-4116CF994C98}" dt="2021-11-30T17:48:11.195" v="4962" actId="1076"/>
+          <ac:spMkLst>
+            <pc:docMk/>
+            <pc:sldMk cId="3655378827" sldId="277"/>
+            <ac:spMk id="3" creationId="{7EADABE3-BAF1-4045-B357-06A6F39560D4}"/>
+          </ac:spMkLst>
+        </pc:spChg>
+        <pc:spChg chg="add mod">
+          <ac:chgData name="Craig Brinkerhoff" userId="4ca67c74-3213-4250-9c32-077ebf257a4d" providerId="ADAL" clId="{AF3F3D11-ADD9-485B-883B-4116CF994C98}" dt="2021-11-30T17:48:11.195" v="4962" actId="1076"/>
+          <ac:spMkLst>
+            <pc:docMk/>
+            <pc:sldMk cId="3655378827" sldId="277"/>
+            <ac:spMk id="4" creationId="{7D9042C3-45D1-49C9-9B56-1E60219F107E}"/>
+          </ac:spMkLst>
+        </pc:spChg>
+        <pc:spChg chg="add mod">
+          <ac:chgData name="Craig Brinkerhoff" userId="4ca67c74-3213-4250-9c32-077ebf257a4d" providerId="ADAL" clId="{AF3F3D11-ADD9-485B-883B-4116CF994C98}" dt="2021-11-30T17:48:11.195" v="4962" actId="1076"/>
+          <ac:spMkLst>
+            <pc:docMk/>
+            <pc:sldMk cId="3655378827" sldId="277"/>
+            <ac:spMk id="5" creationId="{240487FB-F74D-4543-A27F-9953E82F6DF9}"/>
+          </ac:spMkLst>
+        </pc:spChg>
+        <pc:spChg chg="add mod">
+          <ac:chgData name="Craig Brinkerhoff" userId="4ca67c74-3213-4250-9c32-077ebf257a4d" providerId="ADAL" clId="{AF3F3D11-ADD9-485B-883B-4116CF994C98}" dt="2021-11-30T17:48:11.195" v="4962" actId="1076"/>
+          <ac:spMkLst>
+            <pc:docMk/>
+            <pc:sldMk cId="3655378827" sldId="277"/>
+            <ac:spMk id="9" creationId="{ED2D3408-D5BD-48B9-9127-D3E32598DC8F}"/>
+          </ac:spMkLst>
+        </pc:spChg>
+        <pc:spChg chg="add mod">
+          <ac:chgData name="Craig Brinkerhoff" userId="4ca67c74-3213-4250-9c32-077ebf257a4d" providerId="ADAL" clId="{AF3F3D11-ADD9-485B-883B-4116CF994C98}" dt="2021-11-30T17:49:56.590" v="4964" actId="1076"/>
+          <ac:spMkLst>
+            <pc:docMk/>
+            <pc:sldMk cId="3655378827" sldId="277"/>
+            <ac:spMk id="11" creationId="{CEB60D72-77A2-497D-A4E5-2E49D13AC162}"/>
+          </ac:spMkLst>
+        </pc:spChg>
+        <pc:spChg chg="add mod">
+          <ac:chgData name="Craig Brinkerhoff" userId="4ca67c74-3213-4250-9c32-077ebf257a4d" providerId="ADAL" clId="{AF3F3D11-ADD9-485B-883B-4116CF994C98}" dt="2021-11-30T18:48:12.900" v="5690" actId="1076"/>
+          <ac:spMkLst>
+            <pc:docMk/>
+            <pc:sldMk cId="3655378827" sldId="277"/>
+            <ac:spMk id="12" creationId="{BA61AF99-AFEE-4D24-9B33-6E8EF9F2A829}"/>
+          </ac:spMkLst>
+        </pc:spChg>
+        <pc:spChg chg="add mod">
+          <ac:chgData name="Craig Brinkerhoff" userId="4ca67c74-3213-4250-9c32-077ebf257a4d" providerId="ADAL" clId="{AF3F3D11-ADD9-485B-883B-4116CF994C98}" dt="2021-11-30T17:50:30.999" v="5037" actId="1076"/>
+          <ac:spMkLst>
+            <pc:docMk/>
+            <pc:sldMk cId="3655378827" sldId="277"/>
+            <ac:spMk id="13" creationId="{F1068341-2ED3-437B-8EC8-5E3AB2716AF3}"/>
+          </ac:spMkLst>
+        </pc:spChg>
+        <pc:picChg chg="add mod">
+          <ac:chgData name="Craig Brinkerhoff" userId="4ca67c74-3213-4250-9c32-077ebf257a4d" providerId="ADAL" clId="{AF3F3D11-ADD9-485B-883B-4116CF994C98}" dt="2021-11-30T17:48:11.195" v="4962" actId="1076"/>
+          <ac:picMkLst>
+            <pc:docMk/>
+            <pc:sldMk cId="3655378827" sldId="277"/>
+            <ac:picMk id="2" creationId="{2CEA00B1-337F-4265-80A5-9148286084C5}"/>
+          </ac:picMkLst>
+        </pc:picChg>
+        <pc:cxnChg chg="add mod">
+          <ac:chgData name="Craig Brinkerhoff" userId="4ca67c74-3213-4250-9c32-077ebf257a4d" providerId="ADAL" clId="{AF3F3D11-ADD9-485B-883B-4116CF994C98}" dt="2021-11-30T17:48:11.195" v="4962" actId="1076"/>
+          <ac:cxnSpMkLst>
+            <pc:docMk/>
+            <pc:sldMk cId="3655378827" sldId="277"/>
+            <ac:cxnSpMk id="6" creationId="{A93E73CE-8E9F-449F-A35B-AC25A1CE4AFA}"/>
+          </ac:cxnSpMkLst>
+        </pc:cxnChg>
+        <pc:cxnChg chg="add mod">
+          <ac:chgData name="Craig Brinkerhoff" userId="4ca67c74-3213-4250-9c32-077ebf257a4d" providerId="ADAL" clId="{AF3F3D11-ADD9-485B-883B-4116CF994C98}" dt="2021-11-30T17:48:11.195" v="4962" actId="1076"/>
+          <ac:cxnSpMkLst>
+            <pc:docMk/>
+            <pc:sldMk cId="3655378827" sldId="277"/>
+            <ac:cxnSpMk id="7" creationId="{26CF50B7-525A-4C83-9A5D-CC6230B20D17}"/>
+          </ac:cxnSpMkLst>
+        </pc:cxnChg>
+        <pc:cxnChg chg="add mod">
+          <ac:chgData name="Craig Brinkerhoff" userId="4ca67c74-3213-4250-9c32-077ebf257a4d" providerId="ADAL" clId="{AF3F3D11-ADD9-485B-883B-4116CF994C98}" dt="2021-11-30T17:48:11.195" v="4962" actId="1076"/>
+          <ac:cxnSpMkLst>
+            <pc:docMk/>
+            <pc:sldMk cId="3655378827" sldId="277"/>
+            <ac:cxnSpMk id="8" creationId="{4AF28C26-C44E-446C-9B42-521294EE6A6E}"/>
+          </ac:cxnSpMkLst>
+        </pc:cxnChg>
+      </pc:sldChg>
+      <pc:sldChg chg="addSp delSp modSp new add del mod">
+        <pc:chgData name="Craig Brinkerhoff" userId="4ca67c74-3213-4250-9c32-077ebf257a4d" providerId="ADAL" clId="{AF3F3D11-ADD9-485B-883B-4116CF994C98}" dt="2021-11-30T18:09:43.651" v="5445" actId="47"/>
+        <pc:sldMkLst>
+          <pc:docMk/>
+          <pc:sldMk cId="1866952352" sldId="278"/>
+        </pc:sldMkLst>
+        <pc:spChg chg="mod">
+          <ac:chgData name="Craig Brinkerhoff" userId="4ca67c74-3213-4250-9c32-077ebf257a4d" providerId="ADAL" clId="{AF3F3D11-ADD9-485B-883B-4116CF994C98}" dt="2021-11-30T18:02:37.594" v="5275" actId="20577"/>
+          <ac:spMkLst>
+            <pc:docMk/>
+            <pc:sldMk cId="1866952352" sldId="278"/>
+            <ac:spMk id="2" creationId="{2A769ED2-4CC7-4684-8C57-3D2BCF1BFF90}"/>
+          </ac:spMkLst>
+        </pc:spChg>
+        <pc:spChg chg="add mod">
+          <ac:chgData name="Craig Brinkerhoff" userId="4ca67c74-3213-4250-9c32-077ebf257a4d" providerId="ADAL" clId="{AF3F3D11-ADD9-485B-883B-4116CF994C98}" dt="2021-11-30T18:06:31.059" v="5424" actId="1076"/>
+          <ac:spMkLst>
+            <pc:docMk/>
+            <pc:sldMk cId="1866952352" sldId="278"/>
+            <ac:spMk id="3" creationId="{7AF25468-5C08-4E54-AB4E-2D8CC7576220}"/>
+          </ac:spMkLst>
+        </pc:spChg>
+        <pc:spChg chg="add mod">
+          <ac:chgData name="Craig Brinkerhoff" userId="4ca67c74-3213-4250-9c32-077ebf257a4d" providerId="ADAL" clId="{AF3F3D11-ADD9-485B-883B-4116CF994C98}" dt="2021-11-30T18:06:31.059" v="5424" actId="1076"/>
+          <ac:spMkLst>
+            <pc:docMk/>
+            <pc:sldMk cId="1866952352" sldId="278"/>
+            <ac:spMk id="4" creationId="{45275D20-0FCC-4EE2-9B44-FEBFDB3A2118}"/>
+          </ac:spMkLst>
+        </pc:spChg>
+        <pc:spChg chg="add mod">
+          <ac:chgData name="Craig Brinkerhoff" userId="4ca67c74-3213-4250-9c32-077ebf257a4d" providerId="ADAL" clId="{AF3F3D11-ADD9-485B-883B-4116CF994C98}" dt="2021-11-30T18:06:31.059" v="5424" actId="1076"/>
+          <ac:spMkLst>
+            <pc:docMk/>
+            <pc:sldMk cId="1866952352" sldId="278"/>
+            <ac:spMk id="5" creationId="{991FF2C5-5885-49EE-85DF-6BDEC9EC0209}"/>
+          </ac:spMkLst>
+        </pc:spChg>
+        <pc:spChg chg="add mod">
+          <ac:chgData name="Craig Brinkerhoff" userId="4ca67c74-3213-4250-9c32-077ebf257a4d" providerId="ADAL" clId="{AF3F3D11-ADD9-485B-883B-4116CF994C98}" dt="2021-11-30T18:06:31.059" v="5424" actId="1076"/>
+          <ac:spMkLst>
+            <pc:docMk/>
+            <pc:sldMk cId="1866952352" sldId="278"/>
+            <ac:spMk id="6" creationId="{78AD3A64-F01E-440D-95D1-50E47F96F72F}"/>
+          </ac:spMkLst>
+        </pc:spChg>
+        <pc:spChg chg="add del mod">
+          <ac:chgData name="Craig Brinkerhoff" userId="4ca67c74-3213-4250-9c32-077ebf257a4d" providerId="ADAL" clId="{AF3F3D11-ADD9-485B-883B-4116CF994C98}" dt="2021-11-30T18:03:38.788" v="5335"/>
+          <ac:spMkLst>
+            <pc:docMk/>
+            <pc:sldMk cId="1866952352" sldId="278"/>
+            <ac:spMk id="7" creationId="{8FB3736E-CF07-4B38-84E5-EDC7CDCA490A}"/>
+          </ac:spMkLst>
+        </pc:spChg>
+        <pc:spChg chg="add del mod">
+          <ac:chgData name="Craig Brinkerhoff" userId="4ca67c74-3213-4250-9c32-077ebf257a4d" providerId="ADAL" clId="{AF3F3D11-ADD9-485B-883B-4116CF994C98}" dt="2021-11-30T18:03:38.788" v="5335"/>
+          <ac:spMkLst>
+            <pc:docMk/>
+            <pc:sldMk cId="1866952352" sldId="278"/>
+            <ac:spMk id="8" creationId="{0CFB4F13-4254-4867-865D-BB64CFE2576F}"/>
+          </ac:spMkLst>
+        </pc:spChg>
+        <pc:spChg chg="add del mod">
+          <ac:chgData name="Craig Brinkerhoff" userId="4ca67c74-3213-4250-9c32-077ebf257a4d" providerId="ADAL" clId="{AF3F3D11-ADD9-485B-883B-4116CF994C98}" dt="2021-11-30T18:03:38.788" v="5335"/>
+          <ac:spMkLst>
+            <pc:docMk/>
+            <pc:sldMk cId="1866952352" sldId="278"/>
+            <ac:spMk id="9" creationId="{C80A9754-1CB4-4979-909C-67FCE8447641}"/>
+          </ac:spMkLst>
+        </pc:spChg>
+        <pc:spChg chg="add del mod">
+          <ac:chgData name="Craig Brinkerhoff" userId="4ca67c74-3213-4250-9c32-077ebf257a4d" providerId="ADAL" clId="{AF3F3D11-ADD9-485B-883B-4116CF994C98}" dt="2021-11-30T18:03:38.788" v="5335"/>
+          <ac:spMkLst>
+            <pc:docMk/>
+            <pc:sldMk cId="1866952352" sldId="278"/>
+            <ac:spMk id="10" creationId="{CA885CD8-7402-4EB5-98F3-BE94B2A84EAE}"/>
+          </ac:spMkLst>
+        </pc:spChg>
+        <pc:spChg chg="add mod">
+          <ac:chgData name="Craig Brinkerhoff" userId="4ca67c74-3213-4250-9c32-077ebf257a4d" providerId="ADAL" clId="{AF3F3D11-ADD9-485B-883B-4116CF994C98}" dt="2021-11-30T18:06:31.059" v="5424" actId="1076"/>
+          <ac:spMkLst>
+            <pc:docMk/>
+            <pc:sldMk cId="1866952352" sldId="278"/>
+            <ac:spMk id="11" creationId="{9673094F-E0A9-47BF-9B77-10D8EBE8FB1F}"/>
+          </ac:spMkLst>
+        </pc:spChg>
+        <pc:spChg chg="add mod">
+          <ac:chgData name="Craig Brinkerhoff" userId="4ca67c74-3213-4250-9c32-077ebf257a4d" providerId="ADAL" clId="{AF3F3D11-ADD9-485B-883B-4116CF994C98}" dt="2021-11-30T18:06:31.059" v="5424" actId="1076"/>
+          <ac:spMkLst>
+            <pc:docMk/>
+            <pc:sldMk cId="1866952352" sldId="278"/>
+            <ac:spMk id="12" creationId="{8A71904A-3BBD-452D-B52C-68DDBF6DD574}"/>
+          </ac:spMkLst>
+        </pc:spChg>
+        <pc:spChg chg="add mod">
+          <ac:chgData name="Craig Brinkerhoff" userId="4ca67c74-3213-4250-9c32-077ebf257a4d" providerId="ADAL" clId="{AF3F3D11-ADD9-485B-883B-4116CF994C98}" dt="2021-11-30T18:06:31.059" v="5424" actId="1076"/>
+          <ac:spMkLst>
+            <pc:docMk/>
+            <pc:sldMk cId="1866952352" sldId="278"/>
+            <ac:spMk id="13" creationId="{E0AF7D4E-EAF9-4FDE-BF79-0151E3F23741}"/>
+          </ac:spMkLst>
+        </pc:spChg>
+        <pc:spChg chg="add mod">
+          <ac:chgData name="Craig Brinkerhoff" userId="4ca67c74-3213-4250-9c32-077ebf257a4d" providerId="ADAL" clId="{AF3F3D11-ADD9-485B-883B-4116CF994C98}" dt="2021-11-30T18:06:31.059" v="5424" actId="1076"/>
+          <ac:spMkLst>
+            <pc:docMk/>
+            <pc:sldMk cId="1866952352" sldId="278"/>
+            <ac:spMk id="14" creationId="{720CB1DB-B85F-41AF-AA46-EA238B796F42}"/>
+          </ac:spMkLst>
+        </pc:spChg>
+        <pc:cxnChg chg="add mod">
+          <ac:chgData name="Craig Brinkerhoff" userId="4ca67c74-3213-4250-9c32-077ebf257a4d" providerId="ADAL" clId="{AF3F3D11-ADD9-485B-883B-4116CF994C98}" dt="2021-11-30T18:06:31.059" v="5424" actId="1076"/>
+          <ac:cxnSpMkLst>
+            <pc:docMk/>
+            <pc:sldMk cId="1866952352" sldId="278"/>
+            <ac:cxnSpMk id="16" creationId="{EFC9F848-2959-43E8-8DA4-E0D1A5F6D613}"/>
+          </ac:cxnSpMkLst>
+        </pc:cxnChg>
+        <pc:cxnChg chg="add mod">
+          <ac:chgData name="Craig Brinkerhoff" userId="4ca67c74-3213-4250-9c32-077ebf257a4d" providerId="ADAL" clId="{AF3F3D11-ADD9-485B-883B-4116CF994C98}" dt="2021-11-30T18:06:31.059" v="5424" actId="1076"/>
+          <ac:cxnSpMkLst>
+            <pc:docMk/>
+            <pc:sldMk cId="1866952352" sldId="278"/>
+            <ac:cxnSpMk id="17" creationId="{93487DA4-F14A-4001-94B3-66234079939A}"/>
+          </ac:cxnSpMkLst>
+        </pc:cxnChg>
+        <pc:cxnChg chg="add mod">
+          <ac:chgData name="Craig Brinkerhoff" userId="4ca67c74-3213-4250-9c32-077ebf257a4d" providerId="ADAL" clId="{AF3F3D11-ADD9-485B-883B-4116CF994C98}" dt="2021-11-30T18:06:31.059" v="5424" actId="1076"/>
+          <ac:cxnSpMkLst>
+            <pc:docMk/>
+            <pc:sldMk cId="1866952352" sldId="278"/>
+            <ac:cxnSpMk id="20" creationId="{C45244B7-D78A-41F6-BF34-5640C64EB8A6}"/>
+          </ac:cxnSpMkLst>
+        </pc:cxnChg>
+        <pc:cxnChg chg="add mod">
+          <ac:chgData name="Craig Brinkerhoff" userId="4ca67c74-3213-4250-9c32-077ebf257a4d" providerId="ADAL" clId="{AF3F3D11-ADD9-485B-883B-4116CF994C98}" dt="2021-11-30T18:06:31.059" v="5424" actId="1076"/>
+          <ac:cxnSpMkLst>
+            <pc:docMk/>
+            <pc:sldMk cId="1866952352" sldId="278"/>
+            <ac:cxnSpMk id="23" creationId="{F00B50F0-58E5-44B3-AC29-ABB65A6331AA}"/>
+          </ac:cxnSpMkLst>
+        </pc:cxnChg>
+        <pc:cxnChg chg="add mod">
+          <ac:chgData name="Craig Brinkerhoff" userId="4ca67c74-3213-4250-9c32-077ebf257a4d" providerId="ADAL" clId="{AF3F3D11-ADD9-485B-883B-4116CF994C98}" dt="2021-11-30T18:06:31.059" v="5424" actId="1076"/>
+          <ac:cxnSpMkLst>
+            <pc:docMk/>
+            <pc:sldMk cId="1866952352" sldId="278"/>
+            <ac:cxnSpMk id="26" creationId="{7FD63EBC-FE6B-4D2A-B53B-BA2862E40916}"/>
+          </ac:cxnSpMkLst>
+        </pc:cxnChg>
+        <pc:cxnChg chg="add mod">
+          <ac:chgData name="Craig Brinkerhoff" userId="4ca67c74-3213-4250-9c32-077ebf257a4d" providerId="ADAL" clId="{AF3F3D11-ADD9-485B-883B-4116CF994C98}" dt="2021-11-30T18:06:31.059" v="5424" actId="1076"/>
+          <ac:cxnSpMkLst>
+            <pc:docMk/>
+            <pc:sldMk cId="1866952352" sldId="278"/>
+            <ac:cxnSpMk id="29" creationId="{3E0D4403-97C1-4A4E-A6E2-E837D8D89276}"/>
+          </ac:cxnSpMkLst>
+        </pc:cxnChg>
+        <pc:cxnChg chg="add mod">
+          <ac:chgData name="Craig Brinkerhoff" userId="4ca67c74-3213-4250-9c32-077ebf257a4d" providerId="ADAL" clId="{AF3F3D11-ADD9-485B-883B-4116CF994C98}" dt="2021-11-30T18:06:31.059" v="5424" actId="1076"/>
+          <ac:cxnSpMkLst>
+            <pc:docMk/>
+            <pc:sldMk cId="1866952352" sldId="278"/>
+            <ac:cxnSpMk id="32" creationId="{3B885A86-4506-4C7C-9B1A-5011DD26FC60}"/>
+          </ac:cxnSpMkLst>
+        </pc:cxnChg>
+        <pc:cxnChg chg="add mod">
+          <ac:chgData name="Craig Brinkerhoff" userId="4ca67c74-3213-4250-9c32-077ebf257a4d" providerId="ADAL" clId="{AF3F3D11-ADD9-485B-883B-4116CF994C98}" dt="2021-11-30T18:06:31.059" v="5424" actId="1076"/>
+          <ac:cxnSpMkLst>
+            <pc:docMk/>
+            <pc:sldMk cId="1866952352" sldId="278"/>
+            <ac:cxnSpMk id="35" creationId="{C24E38A2-7A73-41E4-AD2E-1843FB9AA394}"/>
+          </ac:cxnSpMkLst>
+        </pc:cxnChg>
+        <pc:cxnChg chg="add mod">
+          <ac:chgData name="Craig Brinkerhoff" userId="4ca67c74-3213-4250-9c32-077ebf257a4d" providerId="ADAL" clId="{AF3F3D11-ADD9-485B-883B-4116CF994C98}" dt="2021-11-30T18:06:31.059" v="5424" actId="1076"/>
+          <ac:cxnSpMkLst>
+            <pc:docMk/>
+            <pc:sldMk cId="1866952352" sldId="278"/>
+            <ac:cxnSpMk id="39" creationId="{38A75ADB-1183-4EE5-8B4E-72880367E932}"/>
+          </ac:cxnSpMkLst>
+        </pc:cxnChg>
+        <pc:cxnChg chg="add mod">
+          <ac:chgData name="Craig Brinkerhoff" userId="4ca67c74-3213-4250-9c32-077ebf257a4d" providerId="ADAL" clId="{AF3F3D11-ADD9-485B-883B-4116CF994C98}" dt="2021-11-30T18:06:31.059" v="5424" actId="1076"/>
+          <ac:cxnSpMkLst>
+            <pc:docMk/>
+            <pc:sldMk cId="1866952352" sldId="278"/>
+            <ac:cxnSpMk id="42" creationId="{49F0F326-8648-48CB-8838-5862E9C433CC}"/>
+          </ac:cxnSpMkLst>
+        </pc:cxnChg>
       </pc:sldChg>
     </pc:docChg>
   </pc:docChgLst>
@@ -2898,7 +3312,7 @@
           <a:p>
             <a:fld id="{7AF9CD04-3810-4932-AF98-2D8DC1E115D4}" type="datetimeFigureOut">
               <a:rPr lang="en-US" smtClean="0"/>
-              <a:t>10/25/2021</a:t>
+              <a:t>11/30/2021</a:t>
             </a:fld>
             <a:endParaRPr lang="en-US"/>
           </a:p>
@@ -3096,7 +3510,7 @@
           <a:p>
             <a:fld id="{7AF9CD04-3810-4932-AF98-2D8DC1E115D4}" type="datetimeFigureOut">
               <a:rPr lang="en-US" smtClean="0"/>
-              <a:t>10/25/2021</a:t>
+              <a:t>11/30/2021</a:t>
             </a:fld>
             <a:endParaRPr lang="en-US"/>
           </a:p>
@@ -3304,7 +3718,7 @@
           <a:p>
             <a:fld id="{7AF9CD04-3810-4932-AF98-2D8DC1E115D4}" type="datetimeFigureOut">
               <a:rPr lang="en-US" smtClean="0"/>
-              <a:t>10/25/2021</a:t>
+              <a:t>11/30/2021</a:t>
             </a:fld>
             <a:endParaRPr lang="en-US"/>
           </a:p>
@@ -3502,7 +3916,7 @@
           <a:p>
             <a:fld id="{7AF9CD04-3810-4932-AF98-2D8DC1E115D4}" type="datetimeFigureOut">
               <a:rPr lang="en-US" smtClean="0"/>
-              <a:t>10/25/2021</a:t>
+              <a:t>11/30/2021</a:t>
             </a:fld>
             <a:endParaRPr lang="en-US"/>
           </a:p>
@@ -3777,7 +4191,7 @@
           <a:p>
             <a:fld id="{7AF9CD04-3810-4932-AF98-2D8DC1E115D4}" type="datetimeFigureOut">
               <a:rPr lang="en-US" smtClean="0"/>
-              <a:t>10/25/2021</a:t>
+              <a:t>11/30/2021</a:t>
             </a:fld>
             <a:endParaRPr lang="en-US"/>
           </a:p>
@@ -4042,7 +4456,7 @@
           <a:p>
             <a:fld id="{7AF9CD04-3810-4932-AF98-2D8DC1E115D4}" type="datetimeFigureOut">
               <a:rPr lang="en-US" smtClean="0"/>
-              <a:t>10/25/2021</a:t>
+              <a:t>11/30/2021</a:t>
             </a:fld>
             <a:endParaRPr lang="en-US"/>
           </a:p>
@@ -4454,7 +4868,7 @@
           <a:p>
             <a:fld id="{7AF9CD04-3810-4932-AF98-2D8DC1E115D4}" type="datetimeFigureOut">
               <a:rPr lang="en-US" smtClean="0"/>
-              <a:t>10/25/2021</a:t>
+              <a:t>11/30/2021</a:t>
             </a:fld>
             <a:endParaRPr lang="en-US"/>
           </a:p>
@@ -4595,7 +5009,7 @@
           <a:p>
             <a:fld id="{7AF9CD04-3810-4932-AF98-2D8DC1E115D4}" type="datetimeFigureOut">
               <a:rPr lang="en-US" smtClean="0"/>
-              <a:t>10/25/2021</a:t>
+              <a:t>11/30/2021</a:t>
             </a:fld>
             <a:endParaRPr lang="en-US"/>
           </a:p>
@@ -4708,7 +5122,7 @@
           <a:p>
             <a:fld id="{7AF9CD04-3810-4932-AF98-2D8DC1E115D4}" type="datetimeFigureOut">
               <a:rPr lang="en-US" smtClean="0"/>
-              <a:t>10/25/2021</a:t>
+              <a:t>11/30/2021</a:t>
             </a:fld>
             <a:endParaRPr lang="en-US"/>
           </a:p>
@@ -5019,7 +5433,7 @@
           <a:p>
             <a:fld id="{7AF9CD04-3810-4932-AF98-2D8DC1E115D4}" type="datetimeFigureOut">
               <a:rPr lang="en-US" smtClean="0"/>
-              <a:t>10/25/2021</a:t>
+              <a:t>11/30/2021</a:t>
             </a:fld>
             <a:endParaRPr lang="en-US"/>
           </a:p>
@@ -5307,7 +5721,7 @@
           <a:p>
             <a:fld id="{7AF9CD04-3810-4932-AF98-2D8DC1E115D4}" type="datetimeFigureOut">
               <a:rPr lang="en-US" smtClean="0"/>
-              <a:t>10/25/2021</a:t>
+              <a:t>11/30/2021</a:t>
             </a:fld>
             <a:endParaRPr lang="en-US"/>
           </a:p>
@@ -5548,7 +5962,7 @@
           <a:p>
             <a:fld id="{7AF9CD04-3810-4932-AF98-2D8DC1E115D4}" type="datetimeFigureOut">
               <a:rPr lang="en-US" smtClean="0"/>
-              <a:t>10/25/2021</a:t>
+              <a:t>11/30/2021</a:t>
             </a:fld>
             <a:endParaRPr lang="en-US"/>
           </a:p>
@@ -5981,7 +6395,12 @@
             <p:ph type="title"/>
           </p:nvPr>
         </p:nvSpPr>
-        <p:spPr/>
+        <p:spPr>
+          <a:xfrm>
+            <a:off x="838201" y="0"/>
+            <a:ext cx="10515600" cy="1325563"/>
+          </a:xfrm>
+        </p:spPr>
         <p:txBody>
           <a:bodyPr/>
           <a:lstStyle/>
@@ -6011,13 +6430,13 @@
         </p:nvSpPr>
         <p:spPr>
           <a:xfrm>
-            <a:off x="838199" y="1367406"/>
-            <a:ext cx="6784205" cy="5318620"/>
+            <a:off x="838199" y="1064441"/>
+            <a:ext cx="6784205" cy="5352571"/>
           </a:xfrm>
         </p:spPr>
         <p:txBody>
           <a:bodyPr>
-            <a:normAutofit fontScale="92500" lnSpcReduction="10000"/>
+            <a:normAutofit fontScale="92500"/>
           </a:bodyPr>
           <a:lstStyle/>
           <a:p>
@@ -6025,13 +6444,7 @@
               <a:rPr lang="en-US" sz="2800" b="0" dirty="0">
                 <a:latin typeface="Cambria Math" panose="02040503050406030204" pitchFamily="18" charset="0"/>
               </a:rPr>
-              <a:t>We want to </a:t>
-            </a:r>
-            <a:r>
-              <a:rPr lang="en-US" sz="2800" b="0" dirty="0" smtClean="0">
-                <a:latin typeface="Cambria Math" panose="02040503050406030204" pitchFamily="18" charset="0"/>
-              </a:rPr>
-              <a:t>remotely sense </a:t>
+              <a:t>We want to remotely sense </a:t>
             </a:r>
             <a:r>
               <a:rPr lang="en-US" dirty="0">
@@ -6055,25 +6468,19 @@
               <a:rPr lang="en-US" sz="2800" b="0" dirty="0">
                 <a:latin typeface="Cambria Math" panose="02040503050406030204" pitchFamily="18" charset="0"/>
               </a:rPr>
-              <a:t>in large rivers that are </a:t>
-            </a:r>
-            <a:r>
-              <a:rPr lang="en-US" sz="2800" b="0" dirty="0" smtClean="0">
-                <a:latin typeface="Cambria Math" panose="02040503050406030204" pitchFamily="18" charset="0"/>
-              </a:rPr>
-              <a:t>SWOT-observable</a:t>
+              <a:t>in large rivers that are SWOT-observable</a:t>
             </a:r>
           </a:p>
           <a:p>
             <a:pPr lvl="1"/>
             <a:r>
-              <a:rPr lang="en-US" dirty="0" smtClean="0">
+              <a:rPr lang="en-US" dirty="0">
                 <a:latin typeface="Cambria Math" panose="02040503050406030204" pitchFamily="18" charset="0"/>
               </a:rPr>
               <a:t>But first, need to choose a physical model for </a:t>
             </a:r>
             <a:r>
-              <a:rPr lang="en-US" i="1" dirty="0" smtClean="0">
+              <a:rPr lang="en-US" i="1" dirty="0">
                 <a:latin typeface="Cambria Math" panose="02040503050406030204" pitchFamily="18" charset="0"/>
               </a:rPr>
               <a:t>k</a:t>
@@ -6120,22 +6527,10 @@
           <a:p>
             <a:pPr lvl="2"/>
             <a:r>
-              <a:rPr lang="en-US" dirty="0" smtClean="0">
-                <a:latin typeface="Cambria Math" panose="02040503050406030204" pitchFamily="18" charset="0"/>
-              </a:rPr>
-              <a:t>As </a:t>
-            </a:r>
-            <a:r>
               <a:rPr lang="en-US" dirty="0">
                 <a:latin typeface="Cambria Math" panose="02040503050406030204" pitchFamily="18" charset="0"/>
               </a:rPr>
-              <a:t>we talked about last </a:t>
-            </a:r>
-            <a:r>
-              <a:rPr lang="en-US" dirty="0" smtClean="0">
-                <a:latin typeface="Cambria Math" panose="02040503050406030204" pitchFamily="18" charset="0"/>
-              </a:rPr>
-              <a:t>time</a:t>
+              <a:t>As we talked about last time</a:t>
             </a:r>
             <a:endParaRPr lang="en-US" b="0" dirty="0">
               <a:latin typeface="Cambria Math" panose="02040503050406030204" pitchFamily="18" charset="0"/>
@@ -6155,98 +6550,35 @@
               <a:rPr lang="en-US" dirty="0">
                 <a:latin typeface="Cambria Math" panose="02040503050406030204" pitchFamily="18" charset="0"/>
               </a:rPr>
-              <a:t>Simply impose the hydraulically-wide condition </a:t>
+              <a:t>Reduce k equations to base hydraulic terms</a:t>
             </a:r>
-            <a:r>
-              <a:rPr lang="en-US" dirty="0" smtClean="0">
-                <a:latin typeface="Cambria Math" panose="02040503050406030204" pitchFamily="18" charset="0"/>
-              </a:rPr>
-              <a:t>on </a:t>
-            </a:r>
+          </a:p>
+          <a:p>
+            <a:pPr lvl="1"/>
             <a:r>
               <a:rPr lang="en-US" dirty="0">
                 <a:latin typeface="Cambria Math" panose="02040503050406030204" pitchFamily="18" charset="0"/>
               </a:rPr>
-              <a:t>established </a:t>
+              <a:t>Test 4 total equations for k</a:t>
             </a:r>
-            <a:r>
-              <a:rPr lang="en-US" dirty="0" smtClean="0">
-                <a:latin typeface="Cambria Math" panose="02040503050406030204" pitchFamily="18" charset="0"/>
-              </a:rPr>
-              <a:t>models </a:t>
-            </a:r>
+          </a:p>
+          <a:p>
+            <a:pPr lvl="2"/>
             <a:r>
               <a:rPr lang="en-US" dirty="0">
                 <a:latin typeface="Cambria Math" panose="02040503050406030204" pitchFamily="18" charset="0"/>
               </a:rPr>
-              <a:t>for </a:t>
+              <a:t>2 k models</a:t>
             </a:r>
-            <a:r>
-              <a:rPr lang="en-US" i="1" dirty="0">
-                <a:latin typeface="Cambria Math" panose="02040503050406030204" pitchFamily="18" charset="0"/>
-              </a:rPr>
-              <a:t>k </a:t>
-            </a:r>
+          </a:p>
+          <a:p>
+            <a:pPr lvl="2"/>
             <a:r>
               <a:rPr lang="en-US" dirty="0">
                 <a:latin typeface="Cambria Math" panose="02040503050406030204" pitchFamily="18" charset="0"/>
               </a:rPr>
-              <a:t>and </a:t>
+              <a:t>2 turbulent dissipation rate models</a:t>
             </a:r>
-            <a:r>
-              <a:rPr lang="en-US" dirty="0" smtClean="0">
-                <a:latin typeface="Cambria Math" panose="02040503050406030204" pitchFamily="18" charset="0"/>
-              </a:rPr>
-              <a:t>test whether </a:t>
-            </a:r>
-            <a:r>
-              <a:rPr lang="en-US" dirty="0">
-                <a:latin typeface="Cambria Math" panose="02040503050406030204" pitchFamily="18" charset="0"/>
-              </a:rPr>
-              <a:t>the </a:t>
-            </a:r>
-            <a:r>
-              <a:rPr lang="en-US" dirty="0" smtClean="0">
-                <a:latin typeface="Cambria Math" panose="02040503050406030204" pitchFamily="18" charset="0"/>
-              </a:rPr>
-              <a:t>models work</a:t>
-            </a:r>
-            <a:endParaRPr lang="en-US" dirty="0">
-              <a:latin typeface="Cambria Math" panose="02040503050406030204" pitchFamily="18" charset="0"/>
-            </a:endParaRPr>
-          </a:p>
-          <a:p>
-            <a:pPr lvl="2"/>
-            <a:r>
-              <a:rPr lang="en-US" dirty="0" smtClean="0">
-                <a:latin typeface="Cambria Math" panose="02040503050406030204" pitchFamily="18" charset="0"/>
-              </a:rPr>
-              <a:t>I’ve tested four total models</a:t>
-            </a:r>
-          </a:p>
-          <a:p>
-            <a:pPr lvl="3"/>
-            <a:r>
-              <a:rPr lang="en-US" dirty="0" smtClean="0">
-                <a:latin typeface="Cambria Math" panose="02040503050406030204" pitchFamily="18" charset="0"/>
-              </a:rPr>
-              <a:t>Two </a:t>
-            </a:r>
-            <a:r>
-              <a:rPr lang="en-US" i="1" dirty="0" smtClean="0">
-                <a:latin typeface="Cambria Math" panose="02040503050406030204" pitchFamily="18" charset="0"/>
-              </a:rPr>
-              <a:t>k </a:t>
-            </a:r>
-            <a:r>
-              <a:rPr lang="en-US" dirty="0" smtClean="0">
-                <a:latin typeface="Cambria Math" panose="02040503050406030204" pitchFamily="18" charset="0"/>
-              </a:rPr>
-              <a:t>models with two dissipation parameterizations</a:t>
-            </a:r>
-            <a:endParaRPr lang="en-US" dirty="0">
-              <a:latin typeface="Cambria Math" panose="02040503050406030204" pitchFamily="18" charset="0"/>
-            </a:endParaRPr>
           </a:p>
         </p:txBody>
       </p:sp>
@@ -6313,8 +6645,8 @@
         </p:nvCxnSpPr>
         <p:spPr>
           <a:xfrm>
-            <a:off x="6101542" y="3740727"/>
-            <a:ext cx="1520863" cy="290946"/>
+            <a:off x="6409426" y="3864634"/>
+            <a:ext cx="1212979" cy="167039"/>
           </a:xfrm>
           <a:prstGeom prst="straightConnector1">
             <a:avLst/>
@@ -6368,8 +6700,8 @@
           <a:chExt cx="0" cy="0"/>
         </a:xfrm>
       </p:grpSpPr>
-      <mc:AlternateContent xmlns:mc="http://schemas.openxmlformats.org/markup-compatibility/2006" xmlns:a14="http://schemas.microsoft.com/office/drawing/2010/main">
-        <mc:Choice Requires="a14">
+      <mc:AlternateContent xmlns:mc="http://schemas.openxmlformats.org/markup-compatibility/2006">
+        <mc:Choice xmlns:a14="http://schemas.microsoft.com/office/drawing/2010/main" Requires="a14">
           <p:graphicFrame>
             <p:nvGraphicFramePr>
               <p:cNvPr id="5" name="Table 5">
@@ -6386,7 +6718,7 @@
                 <p:ph idx="1"/>
                 <p:extLst>
                   <p:ext uri="{D42A27DB-BD31-4B8C-83A1-F6EECF244321}">
-                    <p14:modId xmlns:p14="http://schemas.microsoft.com/office/powerpoint/2010/main" val="2061550684"/>
+                    <p14:modId xmlns:p14="http://schemas.microsoft.com/office/powerpoint/2010/main" val="2022085025"/>
                   </p:ext>
                 </p:extLst>
               </p:nvPr>
@@ -6402,14 +6734,14 @@
                     <a:tableStyleId>{5C22544A-7EE6-4342-B048-85BDC9FD1C3A}</a:tableStyleId>
                   </a:tblPr>
                   <a:tblGrid>
-                    <a:gridCol w="3350028">
+                    <a:gridCol w="3063701">
                       <a:extLst>
                         <a:ext uri="{9D8B030D-6E8A-4147-A177-3AD203B41FA5}">
                           <a16:colId xmlns:a16="http://schemas.microsoft.com/office/drawing/2014/main" val="2712491034"/>
                         </a:ext>
                       </a:extLst>
                     </a:gridCol>
-                    <a:gridCol w="3729162">
+                    <a:gridCol w="4015489">
                       <a:extLst>
                         <a:ext uri="{9D8B030D-6E8A-4147-A177-3AD203B41FA5}">
                           <a16:colId xmlns:a16="http://schemas.microsoft.com/office/drawing/2014/main" val="2758356651"/>
@@ -6431,18 +6763,14 @@
                         <a:lstStyle/>
                         <a:p>
                           <a:r>
-                            <a:rPr lang="en-US" sz="1600" dirty="0" smtClean="0"/>
-                            <a:t>Two physical </a:t>
+                            <a:rPr lang="en-US" sz="2000" dirty="0"/>
+                            <a:t>Two physical models for </a:t>
                           </a:r>
                           <a:r>
-                            <a:rPr lang="en-US" sz="1600" dirty="0"/>
-                            <a:t>models for </a:t>
-                          </a:r>
-                          <a:r>
-                            <a:rPr lang="en-US" sz="1600" i="1" dirty="0"/>
+                            <a:rPr lang="en-US" sz="2000" i="1" dirty="0"/>
                             <a:t>k</a:t>
                           </a:r>
-                          <a:endParaRPr lang="en-US" sz="1600" dirty="0"/>
+                          <a:endParaRPr lang="en-US" sz="2000" dirty="0"/>
                         </a:p>
                       </a:txBody>
                       <a:tcPr/>
@@ -6454,29 +6782,17 @@
                         <a:p>
                           <a:r>
                             <a:rPr lang="en-US" sz="1600" dirty="0"/>
-                            <a:t>Small-Eddy </a:t>
-                          </a:r>
-                          <a:r>
-                            <a:rPr lang="en-US" sz="1600" dirty="0" smtClean="0"/>
-                            <a:t>Model</a:t>
+                            <a:t>Small-Eddy Model</a:t>
                           </a:r>
                         </a:p>
                         <a:p>
-                          <a:r>
-                            <a:rPr lang="en-US" sz="1600" b="0" dirty="0" smtClean="0">
-                              <a:solidFill>
-                                <a:srgbClr val="C00000"/>
-                              </a:solidFill>
-                            </a:rPr>
-                            <a:t>[Lamont </a:t>
-                          </a:r>
                           <a:r>
                             <a:rPr lang="en-US" sz="1600" b="0" dirty="0">
                               <a:solidFill>
                                 <a:srgbClr val="C00000"/>
                               </a:solidFill>
                             </a:rPr>
-                            <a:t>&amp; Scott, 1970]</a:t>
+                            <a:t>[Lamont &amp; Scott, 1970]</a:t>
                           </a:r>
                         </a:p>
                       </a:txBody>
@@ -6489,29 +6805,17 @@
                         <a:p>
                           <a:r>
                             <a:rPr lang="en-US" sz="1600" dirty="0"/>
-                            <a:t>Chainsaw </a:t>
-                          </a:r>
-                          <a:r>
-                            <a:rPr lang="en-US" sz="1600" dirty="0" smtClean="0"/>
-                            <a:t>Model</a:t>
+                            <a:t>Chainsaw Model</a:t>
                           </a:r>
                         </a:p>
                         <a:p>
-                          <a:r>
-                            <a:rPr lang="en-US" sz="1600" b="0" dirty="0" smtClean="0">
-                              <a:solidFill>
-                                <a:srgbClr val="C00000"/>
-                              </a:solidFill>
-                            </a:rPr>
-                            <a:t>[Moog </a:t>
-                          </a:r>
                           <a:r>
                             <a:rPr lang="en-US" sz="1600" b="0" dirty="0">
                               <a:solidFill>
                                 <a:srgbClr val="C00000"/>
                               </a:solidFill>
                             </a:rPr>
-                            <a:t>&amp; </a:t>
+                            <a:t>[Moog &amp; </a:t>
                           </a:r>
                           <a:r>
                             <a:rPr lang="en-US" sz="1600" b="0" dirty="0" err="1">
@@ -6559,26 +6863,14 @@
                         <a:lstStyle/>
                         <a:p>
                           <a:r>
-                            <a:rPr lang="en-US" sz="1800" dirty="0" smtClean="0"/>
+                            <a:rPr lang="en-US" sz="1800" dirty="0"/>
                             <a:t>-Classic model</a:t>
                           </a:r>
                         </a:p>
                         <a:p>
                           <a:r>
-                            <a:rPr lang="en-US" sz="1800" dirty="0" smtClean="0"/>
-                            <a:t>-Described </a:t>
-                          </a:r>
-                          <a:r>
                             <a:rPr lang="en-US" sz="1800" dirty="0"/>
-                            <a:t>by the </a:t>
-                          </a:r>
-                          <a:r>
-                            <a:rPr lang="en-US" sz="1800" dirty="0" smtClean="0"/>
-                            <a:t>characteristic velocity </a:t>
-                          </a:r>
-                          <a:r>
-                            <a:rPr lang="en-US" sz="1800" dirty="0"/>
-                            <a:t>term for the smallest-scale eddies:</a:t>
+                            <a:t>-Described by the characteristic velocity term for the smallest-scale eddies:</a:t>
                           </a:r>
                           <a:r>
                             <a:rPr lang="en-US" sz="1800" baseline="0" dirty="0"/>
@@ -6650,14 +6942,14 @@
                               </m:sSup>
                             </m:oMath>
                           </a14:m>
-                          <a:endParaRPr lang="en-US" sz="1800" dirty="0" smtClean="0">
+                          <a:endParaRPr lang="en-US" sz="1800" dirty="0">
                             <a:solidFill>
                               <a:schemeClr val="tx1"/>
                             </a:solidFill>
                           </a:endParaRPr>
                         </a:p>
                         <a:p>
-                          <a:endParaRPr lang="en-US" sz="1800" dirty="0" smtClean="0">
+                          <a:endParaRPr lang="en-US" sz="1800" dirty="0">
                             <a:solidFill>
                               <a:schemeClr val="tx1"/>
                             </a:solidFill>
@@ -6665,7 +6957,7 @@
                         </a:p>
                         <a:p>
                           <a:r>
-                            <a:rPr lang="en-US" sz="1800" dirty="0" smtClean="0">
+                            <a:rPr lang="en-US" sz="1800" dirty="0">
                               <a:solidFill>
                                 <a:schemeClr val="tx1"/>
                               </a:solidFill>
@@ -6688,7 +6980,7 @@
                             </m:oMath>
                           </a14:m>
                           <a:r>
-                            <a:rPr lang="en-US" sz="1800" dirty="0" smtClean="0">
+                            <a:rPr lang="en-US" sz="1800" dirty="0">
                               <a:solidFill>
                                 <a:schemeClr val="tx1"/>
                               </a:solidFill>
@@ -6696,7 +6988,7 @@
                             <a:t>: surface dissipation</a:t>
                           </a:r>
                           <a:r>
-                            <a:rPr lang="en-US" sz="1800" baseline="0" dirty="0" smtClean="0">
+                            <a:rPr lang="en-US" sz="1800" baseline="0" dirty="0">
                               <a:solidFill>
                                 <a:schemeClr val="tx1"/>
                               </a:solidFill>
@@ -6719,18 +7011,13 @@
                             </m:oMath>
                           </a14:m>
                           <a:r>
-                            <a:rPr lang="en-US" sz="1800" dirty="0" smtClean="0">
+                            <a:rPr lang="en-US" sz="1800" dirty="0">
                               <a:solidFill>
                                 <a:schemeClr val="tx1"/>
                               </a:solidFill>
                             </a:rPr>
                             <a:t>: kinematic viscosity)</a:t>
                           </a:r>
-                          <a:endParaRPr lang="en-US" sz="1800" dirty="0">
-                            <a:solidFill>
-                              <a:schemeClr val="tx1"/>
-                            </a:solidFill>
-                          </a:endParaRPr>
                         </a:p>
                       </a:txBody>
                       <a:tcPr/>
@@ -6741,20 +7028,16 @@
                         <a:lstStyle/>
                         <a:p>
                           <a:r>
-                            <a:rPr lang="en-US" sz="1800" dirty="0" smtClean="0"/>
+                            <a:rPr lang="en-US" sz="1800" dirty="0"/>
                             <a:t>-Conceptual</a:t>
                           </a:r>
                           <a:r>
-                            <a:rPr lang="en-US" sz="1800" baseline="0" dirty="0" smtClean="0"/>
+                            <a:rPr lang="en-US" sz="1800" baseline="0" dirty="0"/>
                             <a:t> e</a:t>
                           </a:r>
                           <a:r>
-                            <a:rPr lang="en-US" sz="1800" dirty="0" smtClean="0"/>
-                            <a:t>xtension </a:t>
-                          </a:r>
-                          <a:r>
                             <a:rPr lang="en-US" sz="1800" dirty="0"/>
-                            <a:t>of the small-eddy model for small-roughness open channel flows</a:t>
+                            <a:t>xtension of the small-eddy model for small-roughness open channel flows</a:t>
                           </a:r>
                         </a:p>
                         <a:p>
@@ -6794,15 +7077,7 @@
                           </a:r>
                           <a:r>
                             <a:rPr lang="en-US" sz="1800" dirty="0"/>
-                            <a:t> </a:t>
-                          </a:r>
-                          <a:r>
-                            <a:rPr lang="en-US" sz="1800" dirty="0" smtClean="0"/>
-                            <a:t>a function of </a:t>
-                          </a:r>
-                          <a:r>
-                            <a:rPr lang="en-US" sz="1800" dirty="0"/>
-                            <a:t>depth-scale eddies</a:t>
+                            <a:t> a function of depth-scale eddies</a:t>
                           </a:r>
                         </a:p>
                       </a:txBody>
@@ -7360,15 +7635,15 @@
                             </m:oMath>
                           </a14:m>
                           <a:r>
-                            <a:rPr lang="en-US" sz="1200" dirty="0" smtClean="0"/>
+                            <a:rPr lang="en-US" sz="1200" dirty="0"/>
                             <a:t>: “fraction of interface</a:t>
                           </a:r>
                           <a:r>
-                            <a:rPr lang="en-US" sz="1200" baseline="0" dirty="0" smtClean="0"/>
-                            <a:t> within which small-eddy model holds” </a:t>
+                            <a:rPr lang="en-US" sz="1200" baseline="0" dirty="0"/>
+                            <a:t> where turbulence reaches the surface” </a:t>
                           </a:r>
                           <a:r>
-                            <a:rPr lang="en-US" sz="1200" baseline="0" dirty="0" smtClean="0">
+                            <a:rPr lang="en-US" sz="1200" baseline="0" dirty="0">
                               <a:solidFill>
                                 <a:srgbClr val="C00000"/>
                               </a:solidFill>
@@ -7376,7 +7651,7 @@
                             <a:t>[Moog &amp; </a:t>
                           </a:r>
                           <a:r>
-                            <a:rPr lang="en-US" sz="1200" baseline="0" dirty="0" err="1" smtClean="0">
+                            <a:rPr lang="en-US" sz="1200" baseline="0" dirty="0" err="1">
                               <a:solidFill>
                                 <a:srgbClr val="C00000"/>
                               </a:solidFill>
@@ -7384,7 +7659,7 @@
                             <a:t>Jirka</a:t>
                           </a:r>
                           <a:r>
-                            <a:rPr lang="en-US" sz="1200" baseline="0" dirty="0" smtClean="0">
+                            <a:rPr lang="en-US" sz="1200" baseline="0" dirty="0">
                               <a:solidFill>
                                 <a:srgbClr val="C00000"/>
                               </a:solidFill>
@@ -7410,7 +7685,7 @@
                             <a:tabLst/>
                             <a:defRPr/>
                           </a:pPr>
-                          <a:endParaRPr lang="en-US" sz="1200" b="0" dirty="0" smtClean="0">
+                          <a:endParaRPr lang="en-US" sz="1200" b="0" dirty="0">
                             <a:solidFill>
                               <a:schemeClr val="tx1"/>
                             </a:solidFill>
@@ -7435,7 +7710,7 @@
                             <a:defRPr/>
                           </a:pPr>
                           <a:r>
-                            <a:rPr lang="en-US" sz="1200" b="0" dirty="0" smtClean="0">
+                            <a:rPr lang="en-US" sz="1200" b="0" dirty="0">
                               <a:solidFill>
                                 <a:schemeClr val="tx1"/>
                               </a:solidFill>
@@ -7481,7 +7756,7 @@
                             </m:oMath>
                           </a14:m>
                           <a:r>
-                            <a:rPr lang="en-US" sz="1200" dirty="0" smtClean="0">
+                            <a:rPr lang="en-US" sz="1200" dirty="0">
                               <a:solidFill>
                                 <a:schemeClr val="tx1"/>
                               </a:solidFill>
@@ -7561,7 +7836,7 @@
                             </m:oMath>
                           </a14:m>
                           <a:r>
-                            <a:rPr lang="en-US" sz="1200" dirty="0" smtClean="0">
+                            <a:rPr lang="en-US" sz="1200" dirty="0">
                               <a:solidFill>
                                 <a:schemeClr val="tx1"/>
                               </a:solidFill>
@@ -7601,18 +7876,13 @@
                             </m:oMath>
                           </a14:m>
                           <a:r>
-                            <a:rPr lang="en-US" sz="1200" dirty="0" smtClean="0">
+                            <a:rPr lang="en-US" sz="1200" dirty="0">
                               <a:solidFill>
                                 <a:schemeClr val="tx1"/>
                               </a:solidFill>
                             </a:rPr>
                             <a:t>: mean flow depth)</a:t>
                           </a:r>
-                          <a:endParaRPr lang="en-US" sz="1200" dirty="0">
-                            <a:solidFill>
-                              <a:schemeClr val="tx1"/>
-                            </a:solidFill>
-                          </a:endParaRPr>
                         </a:p>
                       </a:txBody>
                       <a:tcPr/>
@@ -7631,15 +7901,7 @@
                         <a:p>
                           <a:r>
                             <a:rPr lang="en-US" sz="1600" b="1" dirty="0"/>
-                            <a:t>Empirical Confirmations (</a:t>
-                          </a:r>
-                          <a:r>
-                            <a:rPr lang="en-US" sz="1600" b="1" dirty="0" smtClean="0"/>
-                            <a:t>freshwater or estuaries</a:t>
-                          </a:r>
-                          <a:r>
-                            <a:rPr lang="en-US" sz="1600" b="1" dirty="0"/>
-                            <a:t>)</a:t>
+                            <a:t>Empirical Confirmations (freshwater or estuaries)</a:t>
                           </a:r>
                         </a:p>
                       </a:txBody>
@@ -7672,21 +7934,8 @@
                                 <a:srgbClr val="C00000"/>
                               </a:solidFill>
                             </a:rPr>
-                            <a:t> et al. 2008; Zappa, et al. 2007; </a:t>
+                            <a:t> et al. 2008; Zappa, et al. 2007; Zappa et al. 2003, etc.</a:t>
                           </a:r>
-                          <a:r>
-                            <a:rPr lang="en-US" sz="1200" dirty="0" smtClean="0">
-                              <a:solidFill>
-                                <a:srgbClr val="C00000"/>
-                              </a:solidFill>
-                            </a:rPr>
-                            <a:t>Zappa et al. 2003, etc.</a:t>
-                          </a:r>
-                          <a:endParaRPr lang="en-US" sz="1200" dirty="0">
-                            <a:solidFill>
-                              <a:srgbClr val="C00000"/>
-                            </a:solidFill>
-                          </a:endParaRPr>
                         </a:p>
                       </a:txBody>
                       <a:tcPr/>
@@ -7710,18 +7959,10 @@
                                 <a:srgbClr val="C00000"/>
                               </a:solidFill>
                             </a:rPr>
-                            <a:t> et al. (2013</a:t>
+                            <a:t> et al. (2013) </a:t>
                           </a:r>
                           <a:r>
-                            <a:rPr lang="en-US" sz="1200" dirty="0" smtClean="0">
-                              <a:solidFill>
-                                <a:srgbClr val="C00000"/>
-                              </a:solidFill>
-                            </a:rPr>
-                            <a:t>) </a:t>
-                          </a:r>
-                          <a:r>
-                            <a:rPr lang="en-US" sz="1200" dirty="0" smtClean="0">
+                            <a:rPr lang="en-US" sz="1200" dirty="0">
                               <a:solidFill>
                                 <a:srgbClr val="00008B"/>
                               </a:solidFill>
@@ -7729,7 +7970,7 @@
                             <a:t>[observed the large</a:t>
                           </a:r>
                           <a:r>
-                            <a:rPr lang="en-US" sz="1200" baseline="0" dirty="0" smtClean="0">
+                            <a:rPr lang="en-US" sz="1200" baseline="0" dirty="0">
                               <a:solidFill>
                                 <a:srgbClr val="00008B"/>
                               </a:solidFill>
@@ -7737,18 +7978,13 @@
                             <a:t>-eddy transport of small eddies, but stopped short of relating to k</a:t>
                           </a:r>
                           <a:r>
-                            <a:rPr lang="en-US" sz="1200" dirty="0" smtClean="0">
+                            <a:rPr lang="en-US" sz="1200" dirty="0">
                               <a:solidFill>
                                 <a:srgbClr val="00008B"/>
                               </a:solidFill>
                             </a:rPr>
                             <a:t>]</a:t>
                           </a:r>
-                          <a:endParaRPr lang="en-US" sz="1200" dirty="0">
-                            <a:solidFill>
-                              <a:srgbClr val="00008B"/>
-                            </a:solidFill>
-                          </a:endParaRPr>
                         </a:p>
                       </a:txBody>
                       <a:tcPr/>
@@ -8069,7 +8305,7 @@
                               </m:oMath>
                             </m:oMathPara>
                           </a14:m>
-                          <a:endParaRPr lang="en-US" sz="1600" b="0" dirty="0" smtClean="0"/>
+                          <a:endParaRPr lang="en-US" sz="1600" b="0" dirty="0"/>
                         </a:p>
                       </a:txBody>
                       <a:tcPr/>
@@ -8085,7 +8321,7 @@
             </a:graphic>
           </p:graphicFrame>
         </mc:Choice>
-        <mc:Fallback xmlns="">
+        <mc:Fallback>
           <p:graphicFrame>
             <p:nvGraphicFramePr>
               <p:cNvPr id="5" name="Table 5">
@@ -8102,7 +8338,7 @@
                 <p:ph idx="1"/>
                 <p:extLst>
                   <p:ext uri="{D42A27DB-BD31-4B8C-83A1-F6EECF244321}">
-                    <p14:modId xmlns:p14="http://schemas.microsoft.com/office/powerpoint/2010/main" val="2061550684"/>
+                    <p14:modId xmlns:p14="http://schemas.microsoft.com/office/powerpoint/2010/main" val="2022085025"/>
                   </p:ext>
                 </p:extLst>
               </p:nvPr>
@@ -8118,14 +8354,14 @@
                     <a:tableStyleId>{5C22544A-7EE6-4342-B048-85BDC9FD1C3A}</a:tableStyleId>
                   </a:tblPr>
                   <a:tblGrid>
-                    <a:gridCol w="3350028">
+                    <a:gridCol w="3063701">
                       <a:extLst>
                         <a:ext uri="{9D8B030D-6E8A-4147-A177-3AD203B41FA5}">
                           <a16:colId xmlns:a16="http://schemas.microsoft.com/office/drawing/2014/main" val="2712491034"/>
                         </a:ext>
                       </a:extLst>
                     </a:gridCol>
-                    <a:gridCol w="3729162">
+                    <a:gridCol w="4015489">
                       <a:extLst>
                         <a:ext uri="{9D8B030D-6E8A-4147-A177-3AD203B41FA5}">
                           <a16:colId xmlns:a16="http://schemas.microsoft.com/office/drawing/2014/main" val="2758356651"/>
@@ -8147,18 +8383,14 @@
                         <a:lstStyle/>
                         <a:p>
                           <a:r>
-                            <a:rPr lang="en-US" sz="1600" dirty="0" smtClean="0"/>
-                            <a:t>Two physical </a:t>
+                            <a:rPr lang="en-US" sz="2000" dirty="0"/>
+                            <a:t>Two physical models for </a:t>
                           </a:r>
                           <a:r>
-                            <a:rPr lang="en-US" sz="1600" dirty="0"/>
-                            <a:t>models for </a:t>
-                          </a:r>
-                          <a:r>
-                            <a:rPr lang="en-US" sz="1600" i="1" dirty="0"/>
+                            <a:rPr lang="en-US" sz="2000" i="1" dirty="0"/>
                             <a:t>k</a:t>
                           </a:r>
-                          <a:endParaRPr lang="en-US" sz="1600" dirty="0"/>
+                          <a:endParaRPr lang="en-US" sz="2000" dirty="0"/>
                         </a:p>
                       </a:txBody>
                       <a:tcPr/>
@@ -8170,29 +8402,17 @@
                         <a:p>
                           <a:r>
                             <a:rPr lang="en-US" sz="1600" dirty="0"/>
-                            <a:t>Small-Eddy </a:t>
-                          </a:r>
-                          <a:r>
-                            <a:rPr lang="en-US" sz="1600" dirty="0" smtClean="0"/>
-                            <a:t>Model</a:t>
+                            <a:t>Small-Eddy Model</a:t>
                           </a:r>
                         </a:p>
                         <a:p>
-                          <a:r>
-                            <a:rPr lang="en-US" sz="1600" b="0" dirty="0" smtClean="0">
-                              <a:solidFill>
-                                <a:srgbClr val="C00000"/>
-                              </a:solidFill>
-                            </a:rPr>
-                            <a:t>[Lamont </a:t>
-                          </a:r>
                           <a:r>
                             <a:rPr lang="en-US" sz="1600" b="0" dirty="0">
                               <a:solidFill>
                                 <a:srgbClr val="C00000"/>
                               </a:solidFill>
                             </a:rPr>
-                            <a:t>&amp; Scott, 1970]</a:t>
+                            <a:t>[Lamont &amp; Scott, 1970]</a:t>
                           </a:r>
                         </a:p>
                       </a:txBody>
@@ -8205,29 +8425,17 @@
                         <a:p>
                           <a:r>
                             <a:rPr lang="en-US" sz="1600" dirty="0"/>
-                            <a:t>Chainsaw </a:t>
-                          </a:r>
-                          <a:r>
-                            <a:rPr lang="en-US" sz="1600" dirty="0" smtClean="0"/>
-                            <a:t>Model</a:t>
+                            <a:t>Chainsaw Model</a:t>
                           </a:r>
                         </a:p>
                         <a:p>
-                          <a:r>
-                            <a:rPr lang="en-US" sz="1600" b="0" dirty="0" smtClean="0">
-                              <a:solidFill>
-                                <a:srgbClr val="C00000"/>
-                              </a:solidFill>
-                            </a:rPr>
-                            <a:t>[Moog </a:t>
-                          </a:r>
                           <a:r>
                             <a:rPr lang="en-US" sz="1600" b="0" dirty="0">
                               <a:solidFill>
                                 <a:srgbClr val="C00000"/>
                               </a:solidFill>
                             </a:rPr>
-                            <a:t>&amp; </a:t>
+                            <a:t>[Moog &amp; </a:t>
                           </a:r>
                           <a:r>
                             <a:rPr lang="en-US" sz="1600" b="0" dirty="0" err="1">
@@ -8281,7 +8489,7 @@
                         <a:blipFill>
                           <a:blip r:embed="rId2"/>
                           <a:stretch>
-                            <a:fillRect l="-90033" t="-34908" r="-130392" b="-146457"/>
+                            <a:fillRect l="-76480" t="-35696" r="-121093" b="-146457"/>
                           </a:stretch>
                         </a:blipFill>
                       </a:tcPr>
@@ -8292,20 +8500,16 @@
                         <a:lstStyle/>
                         <a:p>
                           <a:r>
-                            <a:rPr lang="en-US" sz="1800" dirty="0" smtClean="0"/>
+                            <a:rPr lang="en-US" sz="1800" dirty="0"/>
                             <a:t>-Conceptual</a:t>
                           </a:r>
                           <a:r>
-                            <a:rPr lang="en-US" sz="1800" baseline="0" dirty="0" smtClean="0"/>
+                            <a:rPr lang="en-US" sz="1800" baseline="0" dirty="0"/>
                             <a:t> e</a:t>
                           </a:r>
                           <a:r>
-                            <a:rPr lang="en-US" sz="1800" dirty="0" smtClean="0"/>
-                            <a:t>xtension </a:t>
-                          </a:r>
-                          <a:r>
                             <a:rPr lang="en-US" sz="1800" dirty="0"/>
-                            <a:t>of the small-eddy model for small-roughness open channel flows</a:t>
+                            <a:t>xtension of the small-eddy model for small-roughness open channel flows</a:t>
                           </a:r>
                         </a:p>
                         <a:p>
@@ -8345,15 +8549,7 @@
                           </a:r>
                           <a:r>
                             <a:rPr lang="en-US" sz="1800" dirty="0"/>
-                            <a:t> </a:t>
-                          </a:r>
-                          <a:r>
-                            <a:rPr lang="en-US" sz="1800" dirty="0" smtClean="0"/>
-                            <a:t>a function of </a:t>
-                          </a:r>
-                          <a:r>
-                            <a:rPr lang="en-US" sz="1800" dirty="0"/>
-                            <a:t>depth-scale eddies</a:t>
+                            <a:t> a function of depth-scale eddies</a:t>
                           </a:r>
                         </a:p>
                       </a:txBody>
@@ -8391,7 +8587,7 @@
                         <a:blipFill>
                           <a:blip r:embed="rId2"/>
                           <a:stretch>
-                            <a:fillRect l="-90033" t="-187591" r="-130392" b="-103650"/>
+                            <a:fillRect l="-76480" t="-188686" r="-121093" b="-103650"/>
                           </a:stretch>
                         </a:blipFill>
                       </a:tcPr>
@@ -8408,7 +8604,7 @@
                         <a:blipFill>
                           <a:blip r:embed="rId2"/>
                           <a:stretch>
-                            <a:fillRect l="-146474" t="-187591" r="-504" b="-103650"/>
+                            <a:fillRect l="-146474" t="-188686" r="-504" b="-103650"/>
                           </a:stretch>
                         </a:blipFill>
                       </a:tcPr>
@@ -8427,15 +8623,7 @@
                         <a:p>
                           <a:r>
                             <a:rPr lang="en-US" sz="1600" b="1" dirty="0"/>
-                            <a:t>Empirical Confirmations (</a:t>
-                          </a:r>
-                          <a:r>
-                            <a:rPr lang="en-US" sz="1600" b="1" dirty="0" smtClean="0"/>
-                            <a:t>freshwater or estuaries</a:t>
-                          </a:r>
-                          <a:r>
-                            <a:rPr lang="en-US" sz="1600" b="1" dirty="0"/>
-                            <a:t>)</a:t>
+                            <a:t>Empirical Confirmations (freshwater or estuaries)</a:t>
                           </a:r>
                         </a:p>
                       </a:txBody>
@@ -8468,21 +8656,8 @@
                                 <a:srgbClr val="C00000"/>
                               </a:solidFill>
                             </a:rPr>
-                            <a:t> et al. 2008; Zappa, et al. 2007; </a:t>
+                            <a:t> et al. 2008; Zappa, et al. 2007; Zappa et al. 2003, etc.</a:t>
                           </a:r>
-                          <a:r>
-                            <a:rPr lang="en-US" sz="1200" dirty="0" smtClean="0">
-                              <a:solidFill>
-                                <a:srgbClr val="C00000"/>
-                              </a:solidFill>
-                            </a:rPr>
-                            <a:t>Zappa et al. 2003, etc.</a:t>
-                          </a:r>
-                          <a:endParaRPr lang="en-US" sz="1200" dirty="0">
-                            <a:solidFill>
-                              <a:srgbClr val="C00000"/>
-                            </a:solidFill>
-                          </a:endParaRPr>
                         </a:p>
                       </a:txBody>
                       <a:tcPr/>
@@ -8506,18 +8681,10 @@
                                 <a:srgbClr val="C00000"/>
                               </a:solidFill>
                             </a:rPr>
-                            <a:t> et al. (2013</a:t>
+                            <a:t> et al. (2013) </a:t>
                           </a:r>
                           <a:r>
-                            <a:rPr lang="en-US" sz="1200" dirty="0" smtClean="0">
-                              <a:solidFill>
-                                <a:srgbClr val="C00000"/>
-                              </a:solidFill>
-                            </a:rPr>
-                            <a:t>) </a:t>
-                          </a:r>
-                          <a:r>
-                            <a:rPr lang="en-US" sz="1200" dirty="0" smtClean="0">
+                            <a:rPr lang="en-US" sz="1200" dirty="0">
                               <a:solidFill>
                                 <a:srgbClr val="00008B"/>
                               </a:solidFill>
@@ -8525,7 +8692,7 @@
                             <a:t>[observed the large</a:t>
                           </a:r>
                           <a:r>
-                            <a:rPr lang="en-US" sz="1200" baseline="0" dirty="0" smtClean="0">
+                            <a:rPr lang="en-US" sz="1200" baseline="0" dirty="0">
                               <a:solidFill>
                                 <a:srgbClr val="00008B"/>
                               </a:solidFill>
@@ -8533,18 +8700,13 @@
                             <a:t>-eddy transport of small eddies, but stopped short of relating to k</a:t>
                           </a:r>
                           <a:r>
-                            <a:rPr lang="en-US" sz="1200" dirty="0" smtClean="0">
+                            <a:rPr lang="en-US" sz="1200" dirty="0">
                               <a:solidFill>
                                 <a:srgbClr val="00008B"/>
                               </a:solidFill>
                             </a:rPr>
                             <a:t>]</a:t>
                           </a:r>
-                          <a:endParaRPr lang="en-US" sz="1200" dirty="0">
-                            <a:solidFill>
-                              <a:srgbClr val="00008B"/>
-                            </a:solidFill>
-                          </a:endParaRPr>
                         </a:p>
                       </a:txBody>
                       <a:tcPr/>
@@ -8581,7 +8743,7 @@
                         <a:blipFill>
                           <a:blip r:embed="rId2"/>
                           <a:stretch>
-                            <a:fillRect l="-90033" t="-716794" r="-130392" b="-1527"/>
+                            <a:fillRect l="-76480" t="-719084" r="-121093" b="-1527"/>
                           </a:stretch>
                         </a:blipFill>
                       </a:tcPr>
@@ -8598,7 +8760,7 @@
                         <a:blipFill>
                           <a:blip r:embed="rId2"/>
                           <a:stretch>
-                            <a:fillRect l="-146474" t="-716794" r="-504" b="-1527"/>
+                            <a:fillRect l="-146474" t="-719084" r="-504" b="-1527"/>
                           </a:stretch>
                         </a:blipFill>
                       </a:tcPr>
@@ -8638,10 +8800,9 @@
           <a:lstStyle/>
           <a:p>
             <a:r>
-              <a:rPr lang="en-US" u="sng" dirty="0" smtClean="0"/>
+              <a:rPr lang="en-US" u="sng" dirty="0"/>
               <a:t>These two models are then parameterized using two different dissipation equations (next slide)</a:t>
             </a:r>
-            <a:endParaRPr lang="en-US" u="sng" dirty="0"/>
           </a:p>
         </p:txBody>
       </p:sp>
@@ -8731,7 +8892,7 @@
               <a:lstStyle/>
               <a:p>
                 <a:r>
-                  <a:rPr lang="en-US" dirty="0" smtClean="0"/>
+                  <a:rPr lang="en-US" dirty="0"/>
                   <a:t>Applying two different dissipation (</a:t>
                 </a:r>
                 <a14:m>
@@ -8746,10 +8907,9 @@
                   </m:oMath>
                 </a14:m>
                 <a:r>
-                  <a:rPr lang="en-US" dirty="0" smtClean="0"/>
+                  <a:rPr lang="en-US" dirty="0"/>
                   <a:t>) parameterizations to these models</a:t>
                 </a:r>
-                <a:endParaRPr lang="en-US" dirty="0"/>
               </a:p>
             </p:txBody>
           </p:sp>
@@ -10310,98 +10470,451 @@
           </p:sp>
         </mc:Fallback>
       </mc:AlternateContent>
-      <p:sp>
-        <p:nvSpPr>
-          <p:cNvPr id="7" name="Rectangle 6"/>
-          <p:cNvSpPr/>
-          <p:nvPr/>
-        </p:nvSpPr>
-        <p:spPr>
-          <a:xfrm>
-            <a:off x="1736745" y="1958679"/>
-            <a:ext cx="2446713" cy="646331"/>
-          </a:xfrm>
-          <a:prstGeom prst="rect">
-            <a:avLst/>
-          </a:prstGeom>
-        </p:spPr>
-        <p:txBody>
-          <a:bodyPr wrap="square">
-            <a:spAutoFit/>
-          </a:bodyPr>
-          <a:lstStyle/>
-          <a:p>
-            <a:r>
-              <a:rPr lang="en-US" dirty="0"/>
-              <a:t>Small-Eddy Model</a:t>
-            </a:r>
-          </a:p>
-          <a:p>
-            <a:r>
-              <a:rPr lang="en-US" dirty="0">
-                <a:solidFill>
-                  <a:srgbClr val="C00000"/>
-                </a:solidFill>
-              </a:rPr>
-              <a:t>[Lamont &amp; Scott, 1970]</a:t>
-            </a:r>
-          </a:p>
-        </p:txBody>
-      </p:sp>
-      <p:sp>
-        <p:nvSpPr>
-          <p:cNvPr id="8" name="Rectangle 7"/>
-          <p:cNvSpPr/>
-          <p:nvPr/>
-        </p:nvSpPr>
-        <p:spPr>
-          <a:xfrm>
-            <a:off x="6946669" y="1958679"/>
-            <a:ext cx="2670787" cy="646331"/>
-          </a:xfrm>
-          <a:prstGeom prst="rect">
-            <a:avLst/>
-          </a:prstGeom>
-        </p:spPr>
-        <p:txBody>
-          <a:bodyPr wrap="square">
-            <a:spAutoFit/>
-          </a:bodyPr>
-          <a:lstStyle/>
-          <a:p>
-            <a:r>
-              <a:rPr lang="en-US" dirty="0"/>
-              <a:t>Chainsaw Model</a:t>
-            </a:r>
-          </a:p>
-          <a:p>
-            <a:r>
-              <a:rPr lang="en-US" dirty="0">
-                <a:solidFill>
-                  <a:srgbClr val="C00000"/>
-                </a:solidFill>
-              </a:rPr>
-              <a:t>[Moog &amp; </a:t>
-            </a:r>
-            <a:r>
-              <a:rPr lang="en-US" dirty="0" err="1">
-                <a:solidFill>
-                  <a:srgbClr val="C00000"/>
-                </a:solidFill>
-              </a:rPr>
-              <a:t>Jirka</a:t>
-            </a:r>
-            <a:r>
-              <a:rPr lang="en-US" dirty="0">
-                <a:solidFill>
-                  <a:srgbClr val="C00000"/>
-                </a:solidFill>
-              </a:rPr>
-              <a:t>, 1999a]</a:t>
-            </a:r>
-          </a:p>
-        </p:txBody>
-      </p:sp>
+      <mc:AlternateContent xmlns:mc="http://schemas.openxmlformats.org/markup-compatibility/2006">
+        <mc:Choice xmlns:a14="http://schemas.microsoft.com/office/drawing/2010/main" Requires="a14">
+          <p:sp>
+            <p:nvSpPr>
+              <p:cNvPr id="7" name="Rectangle 6"/>
+              <p:cNvSpPr/>
+              <p:nvPr/>
+            </p:nvSpPr>
+            <p:spPr>
+              <a:xfrm>
+                <a:off x="1736745" y="1958679"/>
+                <a:ext cx="2446713" cy="1047274"/>
+              </a:xfrm>
+              <a:prstGeom prst="rect">
+                <a:avLst/>
+              </a:prstGeom>
+            </p:spPr>
+            <p:txBody>
+              <a:bodyPr wrap="square">
+                <a:spAutoFit/>
+              </a:bodyPr>
+              <a:lstStyle/>
+              <a:p>
+                <a:r>
+                  <a:rPr lang="en-US" dirty="0"/>
+                  <a:t>Small-Eddy Model</a:t>
+                </a:r>
+              </a:p>
+              <a:p>
+                <a14:m>
+                  <m:oMathPara xmlns:m="http://schemas.openxmlformats.org/officeDocument/2006/math">
+                    <m:oMathParaPr>
+                      <m:jc m:val="centerGroup"/>
+                    </m:oMathParaPr>
+                    <m:oMath xmlns:m="http://schemas.openxmlformats.org/officeDocument/2006/math">
+                      <m:sSub>
+                        <m:sSubPr>
+                          <m:ctrlPr>
+                            <a:rPr lang="en-US" sz="1800" b="0" i="1" smtClean="0">
+                              <a:latin typeface="Cambria Math" panose="02040503050406030204" pitchFamily="18" charset="0"/>
+                            </a:rPr>
+                          </m:ctrlPr>
+                        </m:sSubPr>
+                        <m:e>
+                          <m:r>
+                            <a:rPr lang="en-US" sz="1800" b="0" i="1" smtClean="0">
+                              <a:latin typeface="Cambria Math" panose="02040503050406030204" pitchFamily="18" charset="0"/>
+                            </a:rPr>
+                            <m:t>𝑘</m:t>
+                          </m:r>
+                        </m:e>
+                        <m:sub>
+                          <m:r>
+                            <a:rPr lang="en-US" sz="1800" b="0" i="1" smtClean="0">
+                              <a:latin typeface="Cambria Math" panose="02040503050406030204" pitchFamily="18" charset="0"/>
+                            </a:rPr>
+                            <m:t>600</m:t>
+                          </m:r>
+                        </m:sub>
+                      </m:sSub>
+                      <m:r>
+                        <a:rPr lang="en-US" sz="1800" b="0" i="1" smtClean="0">
+                          <a:latin typeface="Cambria Math" panose="02040503050406030204" pitchFamily="18" charset="0"/>
+                        </a:rPr>
+                        <m:t>=</m:t>
+                      </m:r>
+                      <m:r>
+                        <a:rPr lang="en-US" sz="1800" b="0" i="1" smtClean="0">
+                          <a:latin typeface="Cambria Math" panose="02040503050406030204" pitchFamily="18" charset="0"/>
+                          <a:ea typeface="Cambria Math" panose="02040503050406030204" pitchFamily="18" charset="0"/>
+                        </a:rPr>
+                        <m:t>𝛼</m:t>
+                      </m:r>
+                      <m:sSup>
+                        <m:sSupPr>
+                          <m:ctrlPr>
+                            <a:rPr lang="en-US" sz="1800" b="0" i="1" smtClean="0">
+                              <a:latin typeface="Cambria Math" panose="02040503050406030204" pitchFamily="18" charset="0"/>
+                              <a:ea typeface="Cambria Math" panose="02040503050406030204" pitchFamily="18" charset="0"/>
+                            </a:rPr>
+                          </m:ctrlPr>
+                        </m:sSupPr>
+                        <m:e>
+                          <m:d>
+                            <m:dPr>
+                              <m:ctrlPr>
+                                <a:rPr lang="en-US" sz="1800" b="0" i="1" smtClean="0">
+                                  <a:latin typeface="Cambria Math" panose="02040503050406030204" pitchFamily="18" charset="0"/>
+                                  <a:ea typeface="Cambria Math" panose="02040503050406030204" pitchFamily="18" charset="0"/>
+                                </a:rPr>
+                              </m:ctrlPr>
+                            </m:dPr>
+                            <m:e>
+                              <m:r>
+                                <a:rPr lang="en-US" sz="1800" b="0" i="1" smtClean="0">
+                                  <a:latin typeface="Cambria Math" panose="02040503050406030204" pitchFamily="18" charset="0"/>
+                                  <a:ea typeface="Cambria Math" panose="02040503050406030204" pitchFamily="18" charset="0"/>
+                                </a:rPr>
+                                <m:t>𝜀</m:t>
+                              </m:r>
+                            </m:e>
+                          </m:d>
+                        </m:e>
+                        <m:sup>
+                          <m:f>
+                            <m:fPr>
+                              <m:ctrlPr>
+                                <a:rPr lang="en-US" sz="1800" b="0" i="1" smtClean="0">
+                                  <a:latin typeface="Cambria Math" panose="02040503050406030204" pitchFamily="18" charset="0"/>
+                                  <a:ea typeface="Cambria Math" panose="02040503050406030204" pitchFamily="18" charset="0"/>
+                                </a:rPr>
+                              </m:ctrlPr>
+                            </m:fPr>
+                            <m:num>
+                              <m:r>
+                                <a:rPr lang="en-US" sz="1800" b="0" i="1" smtClean="0">
+                                  <a:latin typeface="Cambria Math" panose="02040503050406030204" pitchFamily="18" charset="0"/>
+                                  <a:ea typeface="Cambria Math" panose="02040503050406030204" pitchFamily="18" charset="0"/>
+                                </a:rPr>
+                                <m:t>1</m:t>
+                              </m:r>
+                            </m:num>
+                            <m:den>
+                              <m:r>
+                                <a:rPr lang="en-US" sz="1800" b="0" i="1" smtClean="0">
+                                  <a:latin typeface="Cambria Math" panose="02040503050406030204" pitchFamily="18" charset="0"/>
+                                  <a:ea typeface="Cambria Math" panose="02040503050406030204" pitchFamily="18" charset="0"/>
+                                </a:rPr>
+                                <m:t>4</m:t>
+                              </m:r>
+                            </m:den>
+                          </m:f>
+                        </m:sup>
+                      </m:sSup>
+                    </m:oMath>
+                  </m:oMathPara>
+                </a14:m>
+                <a:endParaRPr lang="en-US" dirty="0"/>
+              </a:p>
+              <a:p>
+                <a:r>
+                  <a:rPr lang="en-US" dirty="0">
+                    <a:solidFill>
+                      <a:srgbClr val="C00000"/>
+                    </a:solidFill>
+                  </a:rPr>
+                  <a:t>[Lamont &amp; Scott, 1970]</a:t>
+                </a:r>
+              </a:p>
+            </p:txBody>
+          </p:sp>
+        </mc:Choice>
+        <mc:Fallback>
+          <p:sp>
+            <p:nvSpPr>
+              <p:cNvPr id="7" name="Rectangle 6"/>
+              <p:cNvSpPr>
+                <a:spLocks noRot="1" noChangeAspect="1" noMove="1" noResize="1" noEditPoints="1" noAdjustHandles="1" noChangeArrowheads="1" noChangeShapeType="1" noTextEdit="1"/>
+              </p:cNvSpPr>
+              <p:nvPr/>
+            </p:nvSpPr>
+            <p:spPr>
+              <a:xfrm>
+                <a:off x="1736745" y="1958679"/>
+                <a:ext cx="2446713" cy="1047274"/>
+              </a:xfrm>
+              <a:prstGeom prst="rect">
+                <a:avLst/>
+              </a:prstGeom>
+              <a:blipFill>
+                <a:blip r:embed="rId7"/>
+                <a:stretch>
+                  <a:fillRect l="-2244" t="-2907" b="-8140"/>
+                </a:stretch>
+              </a:blipFill>
+            </p:spPr>
+            <p:txBody>
+              <a:bodyPr/>
+              <a:lstStyle/>
+              <a:p>
+                <a:r>
+                  <a:rPr lang="en-US">
+                    <a:noFill/>
+                  </a:rPr>
+                  <a:t> </a:t>
+                </a:r>
+              </a:p>
+            </p:txBody>
+          </p:sp>
+        </mc:Fallback>
+      </mc:AlternateContent>
+      <mc:AlternateContent xmlns:mc="http://schemas.openxmlformats.org/markup-compatibility/2006">
+        <mc:Choice xmlns:a14="http://schemas.microsoft.com/office/drawing/2010/main" Requires="a14">
+          <p:sp>
+            <p:nvSpPr>
+              <p:cNvPr id="8" name="Rectangle 7"/>
+              <p:cNvSpPr/>
+              <p:nvPr/>
+            </p:nvSpPr>
+            <p:spPr>
+              <a:xfrm>
+                <a:off x="6946669" y="1958679"/>
+                <a:ext cx="2670787" cy="1156792"/>
+              </a:xfrm>
+              <a:prstGeom prst="rect">
+                <a:avLst/>
+              </a:prstGeom>
+            </p:spPr>
+            <p:txBody>
+              <a:bodyPr wrap="square">
+                <a:spAutoFit/>
+              </a:bodyPr>
+              <a:lstStyle/>
+              <a:p>
+                <a:r>
+                  <a:rPr lang="en-US" dirty="0"/>
+                  <a:t>Chainsaw Model</a:t>
+                </a:r>
+              </a:p>
+              <a:p>
+                <a14:m>
+                  <m:oMathPara xmlns:m="http://schemas.openxmlformats.org/officeDocument/2006/math">
+                    <m:oMathParaPr>
+                      <m:jc m:val="centerGroup"/>
+                    </m:oMathParaPr>
+                    <m:oMath xmlns:m="http://schemas.openxmlformats.org/officeDocument/2006/math">
+                      <m:sSub>
+                        <m:sSubPr>
+                          <m:ctrlPr>
+                            <a:rPr lang="en-US" sz="1800" b="0" i="1" smtClean="0">
+                              <a:latin typeface="Cambria Math" panose="02040503050406030204" pitchFamily="18" charset="0"/>
+                            </a:rPr>
+                          </m:ctrlPr>
+                        </m:sSubPr>
+                        <m:e>
+                          <m:r>
+                            <a:rPr lang="en-US" sz="1800" b="0" i="1" smtClean="0">
+                              <a:latin typeface="Cambria Math" panose="02040503050406030204" pitchFamily="18" charset="0"/>
+                            </a:rPr>
+                            <m:t>𝑘</m:t>
+                          </m:r>
+                        </m:e>
+                        <m:sub>
+                          <m:r>
+                            <a:rPr lang="en-US" sz="1800" b="0" i="1" smtClean="0">
+                              <a:latin typeface="Cambria Math" panose="02040503050406030204" pitchFamily="18" charset="0"/>
+                            </a:rPr>
+                            <m:t>600</m:t>
+                          </m:r>
+                        </m:sub>
+                      </m:sSub>
+                      <m:sSup>
+                        <m:sSupPr>
+                          <m:ctrlPr>
+                            <a:rPr lang="en-US" sz="1800" b="0" i="1" smtClean="0">
+                              <a:latin typeface="Cambria Math" panose="02040503050406030204" pitchFamily="18" charset="0"/>
+                            </a:rPr>
+                          </m:ctrlPr>
+                        </m:sSupPr>
+                        <m:e>
+                          <m:r>
+                            <a:rPr lang="en-US" sz="1800" b="0" i="1" smtClean="0">
+                              <a:latin typeface="Cambria Math" panose="02040503050406030204" pitchFamily="18" charset="0"/>
+                            </a:rPr>
+                            <m:t>=</m:t>
+                          </m:r>
+                          <m:r>
+                            <a:rPr lang="en-US" sz="1800" b="0" i="1" smtClean="0">
+                              <a:latin typeface="Cambria Math" panose="02040503050406030204" pitchFamily="18" charset="0"/>
+                              <a:ea typeface="Cambria Math" panose="02040503050406030204" pitchFamily="18" charset="0"/>
+                            </a:rPr>
+                            <m:t>𝛽</m:t>
+                          </m:r>
+                          <m:d>
+                            <m:dPr>
+                              <m:ctrlPr>
+                                <a:rPr lang="en-US" sz="1800" b="0" i="1" smtClean="0">
+                                  <a:latin typeface="Cambria Math" panose="02040503050406030204" pitchFamily="18" charset="0"/>
+                                </a:rPr>
+                              </m:ctrlPr>
+                            </m:dPr>
+                            <m:e>
+                              <m:r>
+                                <a:rPr lang="en-US" sz="1800" b="0" i="1" smtClean="0">
+                                  <a:latin typeface="Cambria Math" panose="02040503050406030204" pitchFamily="18" charset="0"/>
+                                  <a:ea typeface="Cambria Math" panose="02040503050406030204" pitchFamily="18" charset="0"/>
+                                </a:rPr>
+                                <m:t>𝜀</m:t>
+                              </m:r>
+                            </m:e>
+                          </m:d>
+                        </m:e>
+                        <m:sup>
+                          <m:f>
+                            <m:fPr>
+                              <m:ctrlPr>
+                                <a:rPr lang="en-US" sz="1800" b="0" i="1" smtClean="0">
+                                  <a:latin typeface="Cambria Math" panose="02040503050406030204" pitchFamily="18" charset="0"/>
+                                </a:rPr>
+                              </m:ctrlPr>
+                            </m:fPr>
+                            <m:num>
+                              <m:r>
+                                <a:rPr lang="en-US" sz="1800" b="0" i="1" smtClean="0">
+                                  <a:latin typeface="Cambria Math" panose="02040503050406030204" pitchFamily="18" charset="0"/>
+                                </a:rPr>
+                                <m:t>1</m:t>
+                              </m:r>
+                            </m:num>
+                            <m:den>
+                              <m:r>
+                                <a:rPr lang="en-US" sz="1800" b="0" i="1" smtClean="0">
+                                  <a:latin typeface="Cambria Math" panose="02040503050406030204" pitchFamily="18" charset="0"/>
+                                </a:rPr>
+                                <m:t>4</m:t>
+                              </m:r>
+                            </m:den>
+                          </m:f>
+                        </m:sup>
+                      </m:sSup>
+                      <m:sSubSup>
+                        <m:sSubSupPr>
+                          <m:ctrlPr>
+                            <a:rPr lang="en-US" sz="1800" b="0" i="1" smtClean="0">
+                              <a:latin typeface="Cambria Math" panose="02040503050406030204" pitchFamily="18" charset="0"/>
+                            </a:rPr>
+                          </m:ctrlPr>
+                        </m:sSubSupPr>
+                        <m:e>
+                          <m:r>
+                            <a:rPr lang="en-US" sz="1800" b="0" i="1" smtClean="0">
+                              <a:latin typeface="Cambria Math" panose="02040503050406030204" pitchFamily="18" charset="0"/>
+                            </a:rPr>
+                            <m:t>𝐴</m:t>
+                          </m:r>
+                        </m:e>
+                        <m:sub>
+                          <m:r>
+                            <a:rPr lang="en-US" sz="1800" b="0" i="1" smtClean="0">
+                              <a:latin typeface="Cambria Math" panose="02040503050406030204" pitchFamily="18" charset="0"/>
+                            </a:rPr>
+                            <m:t>𝑝</m:t>
+                          </m:r>
+                        </m:sub>
+                        <m:sup>
+                          <m:f>
+                            <m:fPr>
+                              <m:ctrlPr>
+                                <a:rPr lang="en-US" sz="1800" b="0" i="1" smtClean="0">
+                                  <a:latin typeface="Cambria Math" panose="02040503050406030204" pitchFamily="18" charset="0"/>
+                                </a:rPr>
+                              </m:ctrlPr>
+                            </m:fPr>
+                            <m:num>
+                              <m:r>
+                                <a:rPr lang="en-US" sz="1800" b="0" i="1" smtClean="0">
+                                  <a:latin typeface="Cambria Math" panose="02040503050406030204" pitchFamily="18" charset="0"/>
+                                </a:rPr>
+                                <m:t>3</m:t>
+                              </m:r>
+                            </m:num>
+                            <m:den>
+                              <m:r>
+                                <a:rPr lang="en-US" sz="1800" b="0" i="1" smtClean="0">
+                                  <a:latin typeface="Cambria Math" panose="02040503050406030204" pitchFamily="18" charset="0"/>
+                                </a:rPr>
+                                <m:t>4</m:t>
+                              </m:r>
+                            </m:den>
+                          </m:f>
+                        </m:sup>
+                      </m:sSubSup>
+                    </m:oMath>
+                  </m:oMathPara>
+                </a14:m>
+                <a:endParaRPr lang="en-US" dirty="0"/>
+              </a:p>
+              <a:p>
+                <a:r>
+                  <a:rPr lang="en-US" dirty="0">
+                    <a:solidFill>
+                      <a:srgbClr val="C00000"/>
+                    </a:solidFill>
+                  </a:rPr>
+                  <a:t>[Moog &amp; </a:t>
+                </a:r>
+                <a:r>
+                  <a:rPr lang="en-US" dirty="0" err="1">
+                    <a:solidFill>
+                      <a:srgbClr val="C00000"/>
+                    </a:solidFill>
+                  </a:rPr>
+                  <a:t>Jirka</a:t>
+                </a:r>
+                <a:r>
+                  <a:rPr lang="en-US" dirty="0">
+                    <a:solidFill>
+                      <a:srgbClr val="C00000"/>
+                    </a:solidFill>
+                  </a:rPr>
+                  <a:t>, 1999a]</a:t>
+                </a:r>
+              </a:p>
+            </p:txBody>
+          </p:sp>
+        </mc:Choice>
+        <mc:Fallback>
+          <p:sp>
+            <p:nvSpPr>
+              <p:cNvPr id="8" name="Rectangle 7"/>
+              <p:cNvSpPr>
+                <a:spLocks noRot="1" noChangeAspect="1" noMove="1" noResize="1" noEditPoints="1" noAdjustHandles="1" noChangeArrowheads="1" noChangeShapeType="1" noTextEdit="1"/>
+              </p:cNvSpPr>
+              <p:nvPr/>
+            </p:nvSpPr>
+            <p:spPr>
+              <a:xfrm>
+                <a:off x="6946669" y="1958679"/>
+                <a:ext cx="2670787" cy="1156792"/>
+              </a:xfrm>
+              <a:prstGeom prst="rect">
+                <a:avLst/>
+              </a:prstGeom>
+              <a:blipFill>
+                <a:blip r:embed="rId8"/>
+                <a:stretch>
+                  <a:fillRect l="-2055" t="-2632" b="-7368"/>
+                </a:stretch>
+              </a:blipFill>
+            </p:spPr>
+            <p:txBody>
+              <a:bodyPr/>
+              <a:lstStyle/>
+              <a:p>
+                <a:r>
+                  <a:rPr lang="en-US">
+                    <a:noFill/>
+                  </a:rPr>
+                  <a:t> </a:t>
+                </a:r>
+              </a:p>
+            </p:txBody>
+          </p:sp>
+        </mc:Fallback>
+      </mc:AlternateContent>
       <mc:AlternateContent xmlns:mc="http://schemas.openxmlformats.org/markup-compatibility/2006" xmlns:a14="http://schemas.microsoft.com/office/drawing/2010/main">
         <mc:Choice Requires="a14">
           <p:sp>
@@ -10542,7 +11055,7 @@
                     </m:oMath>
                   </m:oMathPara>
                 </a14:m>
-                <a:endParaRPr lang="en-US" dirty="0" smtClean="0"/>
+                <a:endParaRPr lang="en-US" dirty="0"/>
               </a:p>
               <a:p>
                 <a:r>
@@ -10629,24 +11142,19 @@
                   </m:oMath>
                 </a14:m>
                 <a:r>
-                  <a:rPr lang="en-US" sz="1400" dirty="0" smtClean="0"/>
+                  <a:rPr lang="en-US" sz="1400" dirty="0"/>
                   <a:t>)</a:t>
                 </a:r>
               </a:p>
               <a:p>
                 <a:r>
-                  <a:rPr lang="en-US" sz="1400" dirty="0" smtClean="0">
+                  <a:rPr lang="en-US" sz="1400" dirty="0">
                     <a:solidFill>
                       <a:srgbClr val="C00000"/>
                     </a:solidFill>
                   </a:rPr>
                   <a:t>Log-law-of-the-wall</a:t>
                 </a:r>
-                <a:endParaRPr lang="en-US" sz="1400" dirty="0">
-                  <a:solidFill>
-                    <a:srgbClr val="C00000"/>
-                  </a:solidFill>
-                </a:endParaRPr>
               </a:p>
             </p:txBody>
           </p:sp>
@@ -10669,7 +11177,7 @@
                 <a:avLst/>
               </a:prstGeom>
               <a:blipFill>
-                <a:blip r:embed="rId7"/>
+                <a:blip r:embed="rId9"/>
                 <a:stretch>
                   <a:fillRect l="-1141" r="-380" b="-5435"/>
                 </a:stretch>
@@ -10779,7 +11287,7 @@
                     </m:oMath>
                   </m:oMathPara>
                 </a14:m>
-                <a:endParaRPr lang="en-US" dirty="0" smtClean="0"/>
+                <a:endParaRPr lang="en-US" dirty="0"/>
               </a:p>
               <a:p>
                 <a14:m>
@@ -10800,16 +11308,12 @@
                 </a14:m>
                 <a:r>
                   <a:rPr lang="en-US" sz="1400" dirty="0"/>
-                  <a:t> = avg. flow </a:t>
-                </a:r>
-                <a:r>
-                  <a:rPr lang="en-US" sz="1400" dirty="0" smtClean="0"/>
-                  <a:t>velocity)</a:t>
+                  <a:t> = avg. flow velocity)</a:t>
                 </a:r>
               </a:p>
               <a:p>
                 <a:r>
-                  <a:rPr lang="en-US" sz="1400" dirty="0" smtClean="0">
+                  <a:rPr lang="en-US" sz="1400" dirty="0">
                     <a:solidFill>
                       <a:srgbClr val="C00000"/>
                     </a:solidFill>
@@ -10817,7 +11321,7 @@
                   <a:t>[Moog &amp; </a:t>
                 </a:r>
                 <a:r>
-                  <a:rPr lang="en-US" sz="1400" dirty="0" err="1" smtClean="0">
+                  <a:rPr lang="en-US" sz="1400" dirty="0" err="1">
                     <a:solidFill>
                       <a:srgbClr val="C00000"/>
                     </a:solidFill>
@@ -10825,18 +11329,13 @@
                   <a:t>Jirka</a:t>
                 </a:r>
                 <a:r>
-                  <a:rPr lang="en-US" sz="1400" dirty="0" smtClean="0">
+                  <a:rPr lang="en-US" sz="1400" dirty="0">
                     <a:solidFill>
                       <a:srgbClr val="C00000"/>
                     </a:solidFill>
                   </a:rPr>
                   <a:t> 1999b]</a:t>
                 </a:r>
-                <a:endParaRPr lang="en-US" sz="1400" dirty="0">
-                  <a:solidFill>
-                    <a:srgbClr val="C00000"/>
-                  </a:solidFill>
-                </a:endParaRPr>
               </a:p>
             </p:txBody>
           </p:sp>
@@ -10859,7 +11358,7 @@
                 <a:avLst/>
               </a:prstGeom>
               <a:blipFill>
-                <a:blip r:embed="rId8"/>
+                <a:blip r:embed="rId10"/>
                 <a:stretch>
                   <a:fillRect l="-980" b="-6870"/>
                 </a:stretch>
@@ -10891,8 +11390,8 @@
         </p:nvCxnSpPr>
         <p:spPr>
           <a:xfrm flipH="1">
-            <a:off x="1366738" y="2605010"/>
-            <a:ext cx="1593364" cy="1218907"/>
+            <a:off x="1366738" y="3005953"/>
+            <a:ext cx="1593364" cy="817964"/>
           </a:xfrm>
           <a:prstGeom prst="line">
             <a:avLst/>
@@ -10924,8 +11423,8 @@
         </p:nvCxnSpPr>
         <p:spPr>
           <a:xfrm>
-            <a:off x="2960102" y="2605010"/>
-            <a:ext cx="1063244" cy="1380137"/>
+            <a:off x="2960102" y="3005953"/>
+            <a:ext cx="1063244" cy="979194"/>
           </a:xfrm>
           <a:prstGeom prst="line">
             <a:avLst/>
@@ -11056,8 +11555,8 @@
         </p:nvCxnSpPr>
         <p:spPr>
           <a:xfrm flipH="1">
-            <a:off x="6885709" y="2605010"/>
-            <a:ext cx="1396354" cy="1199172"/>
+            <a:off x="6885709" y="3115471"/>
+            <a:ext cx="1396354" cy="688711"/>
           </a:xfrm>
           <a:prstGeom prst="line">
             <a:avLst/>
@@ -11089,8 +11588,8 @@
         </p:nvCxnSpPr>
         <p:spPr>
           <a:xfrm>
-            <a:off x="8282063" y="2605010"/>
-            <a:ext cx="1440345" cy="1380137"/>
+            <a:off x="8282063" y="3115471"/>
+            <a:ext cx="1440345" cy="869676"/>
           </a:xfrm>
           <a:prstGeom prst="line">
             <a:avLst/>
@@ -11141,16 +11640,8 @@
               <a:lstStyle/>
               <a:p>
                 <a:r>
-                  <a:rPr lang="en-US" dirty="0" smtClean="0"/>
-                  <a:t>		</a:t>
-                </a:r>
-                <a:r>
                   <a:rPr lang="en-US" dirty="0"/>
-                  <a:t>	</a:t>
-                </a:r>
-                <a:r>
-                  <a:rPr lang="en-US" dirty="0" smtClean="0"/>
-                  <a:t>Assume hydraulically wide channel (</a:t>
+                  <a:t>			Assume hydraulically wide channel (</a:t>
                 </a:r>
                 <a14:m>
                   <m:oMath xmlns:m="http://schemas.openxmlformats.org/officeDocument/2006/math">
@@ -11194,10 +11685,9 @@
                   </m:oMath>
                 </a14:m>
                 <a:r>
-                  <a:rPr lang="en-US" dirty="0" smtClean="0"/>
+                  <a:rPr lang="en-US" dirty="0"/>
                   <a:t>) and simply equations</a:t>
                 </a:r>
-                <a:endParaRPr lang="en-US" dirty="0"/>
               </a:p>
             </p:txBody>
           </p:sp>
@@ -11220,7 +11710,7 @@
                 <a:avLst/>
               </a:prstGeom>
               <a:blipFill>
-                <a:blip r:embed="rId9"/>
+                <a:blip r:embed="rId11"/>
                 <a:stretch>
                   <a:fillRect t="-8197" b="-24590"/>
                 </a:stretch>
@@ -11381,7 +11871,7 @@
                     </m:oMath>
                   </m:oMathPara>
                 </a14:m>
-                <a:endParaRPr lang="en-US" dirty="0" smtClean="0"/>
+                <a:endParaRPr lang="en-US" dirty="0"/>
               </a:p>
               <a:p>
                 <a:r>
@@ -11468,24 +11958,19 @@
                   </m:oMath>
                 </a14:m>
                 <a:r>
-                  <a:rPr lang="en-US" sz="1400" dirty="0" smtClean="0"/>
+                  <a:rPr lang="en-US" sz="1400" dirty="0"/>
                   <a:t>)</a:t>
                 </a:r>
               </a:p>
               <a:p>
                 <a:r>
-                  <a:rPr lang="en-US" sz="1400" dirty="0" smtClean="0">
+                  <a:rPr lang="en-US" sz="1400" dirty="0">
                     <a:solidFill>
                       <a:srgbClr val="C00000"/>
                     </a:solidFill>
                   </a:rPr>
                   <a:t>Log-law-of-the-wall</a:t>
                 </a:r>
-                <a:endParaRPr lang="en-US" sz="1400" dirty="0">
-                  <a:solidFill>
-                    <a:srgbClr val="C00000"/>
-                  </a:solidFill>
-                </a:endParaRPr>
               </a:p>
             </p:txBody>
           </p:sp>
@@ -11508,7 +11993,7 @@
                 <a:avLst/>
               </a:prstGeom>
               <a:blipFill>
-                <a:blip r:embed="rId10"/>
+                <a:blip r:embed="rId12"/>
                 <a:stretch>
                   <a:fillRect l="-1141" r="-380" b="-5435"/>
                 </a:stretch>
@@ -11618,7 +12103,7 @@
                     </m:oMath>
                   </m:oMathPara>
                 </a14:m>
-                <a:endParaRPr lang="en-US" dirty="0" smtClean="0"/>
+                <a:endParaRPr lang="en-US" dirty="0"/>
               </a:p>
               <a:p>
                 <a14:m>
@@ -11639,16 +12124,12 @@
                 </a14:m>
                 <a:r>
                   <a:rPr lang="en-US" sz="1400" dirty="0"/>
-                  <a:t> = avg. flow </a:t>
-                </a:r>
-                <a:r>
-                  <a:rPr lang="en-US" sz="1400" dirty="0" smtClean="0"/>
-                  <a:t>velocity)</a:t>
+                  <a:t> = avg. flow velocity)</a:t>
                 </a:r>
               </a:p>
               <a:p>
                 <a:r>
-                  <a:rPr lang="en-US" sz="1400" dirty="0" smtClean="0">
+                  <a:rPr lang="en-US" sz="1400" dirty="0">
                     <a:solidFill>
                       <a:srgbClr val="C00000"/>
                     </a:solidFill>
@@ -11656,7 +12137,7 @@
                   <a:t>[Moog &amp; </a:t>
                 </a:r>
                 <a:r>
-                  <a:rPr lang="en-US" sz="1400" dirty="0" err="1" smtClean="0">
+                  <a:rPr lang="en-US" sz="1400" dirty="0" err="1">
                     <a:solidFill>
                       <a:srgbClr val="C00000"/>
                     </a:solidFill>
@@ -11664,18 +12145,13 @@
                   <a:t>Jirka</a:t>
                 </a:r>
                 <a:r>
-                  <a:rPr lang="en-US" sz="1400" dirty="0" smtClean="0">
+                  <a:rPr lang="en-US" sz="1400" dirty="0">
                     <a:solidFill>
                       <a:srgbClr val="C00000"/>
                     </a:solidFill>
                   </a:rPr>
                   <a:t>, 1999b]</a:t>
                 </a:r>
-                <a:endParaRPr lang="en-US" sz="1400" dirty="0">
-                  <a:solidFill>
-                    <a:srgbClr val="C00000"/>
-                  </a:solidFill>
-                </a:endParaRPr>
               </a:p>
             </p:txBody>
           </p:sp>
@@ -11698,7 +12174,7 @@
                 <a:avLst/>
               </a:prstGeom>
               <a:blipFill>
-                <a:blip r:embed="rId11"/>
+                <a:blip r:embed="rId13"/>
                 <a:stretch>
                   <a:fillRect l="-980" b="-6870"/>
                 </a:stretch>
@@ -11719,6 +12195,55 @@
           </p:sp>
         </mc:Fallback>
       </mc:AlternateContent>
+      <p:sp>
+        <p:nvSpPr>
+          <p:cNvPr id="25" name="Rectangle 24">
+            <a:extLst>
+              <a:ext uri="{FF2B5EF4-FFF2-40B4-BE49-F238E27FC236}">
+                <a16:creationId xmlns:a16="http://schemas.microsoft.com/office/drawing/2014/main" id="{82E6EC06-BCC3-4961-8649-8893543F8645}"/>
+              </a:ext>
+            </a:extLst>
+          </p:cNvPr>
+          <p:cNvSpPr/>
+          <p:nvPr/>
+        </p:nvSpPr>
+        <p:spPr>
+          <a:xfrm>
+            <a:off x="3805259" y="6332842"/>
+            <a:ext cx="3605089" cy="369333"/>
+          </a:xfrm>
+          <a:prstGeom prst="rect">
+            <a:avLst/>
+          </a:prstGeom>
+        </p:spPr>
+        <p:style>
+          <a:lnRef idx="2">
+            <a:schemeClr val="accent1">
+              <a:shade val="50000"/>
+            </a:schemeClr>
+          </a:lnRef>
+          <a:fillRef idx="1">
+            <a:schemeClr val="accent1"/>
+          </a:fillRef>
+          <a:effectRef idx="0">
+            <a:schemeClr val="accent1"/>
+          </a:effectRef>
+          <a:fontRef idx="minor">
+            <a:schemeClr val="lt1"/>
+          </a:fontRef>
+        </p:style>
+        <p:txBody>
+          <a:bodyPr rtlCol="0" anchor="ctr"/>
+          <a:lstStyle/>
+          <a:p>
+            <a:pPr algn="ctr"/>
+            <a:r>
+              <a:rPr lang="en-US" dirty="0"/>
+              <a:t>Which works the best?</a:t>
+            </a:r>
+          </a:p>
+        </p:txBody>
+      </p:sp>
     </p:spTree>
     <p:extLst>
       <p:ext uri="{BB962C8B-B14F-4D97-AF65-F5344CB8AC3E}">
@@ -11772,7 +12297,7 @@
           <a:lstStyle/>
           <a:p>
             <a:r>
-              <a:rPr lang="en-US" sz="1600" dirty="0" smtClean="0"/>
+              <a:rPr lang="en-US" sz="1600" dirty="0"/>
               <a:t>I’ve implemented this equation within the algorithm because it appears to get the scaling dynamics most correct.</a:t>
             </a:r>
           </a:p>
@@ -11781,10 +12306,9 @@
           </a:p>
           <a:p>
             <a:r>
-              <a:rPr lang="en-US" sz="1600" dirty="0" smtClean="0"/>
+              <a:rPr lang="en-US" sz="1600" dirty="0"/>
               <a:t>(This would also be- I think- the first empirical confirmation of the chainsaw model predicting river k)</a:t>
             </a:r>
-            <a:endParaRPr lang="en-US" sz="1600" dirty="0"/>
           </a:p>
         </p:txBody>
       </p:sp>
@@ -11949,7 +12473,7 @@
         <p:spPr>
           <a:xfrm>
             <a:off x="8445731" y="390698"/>
-            <a:ext cx="3549534" cy="1754326"/>
+            <a:ext cx="3549534" cy="2862322"/>
           </a:xfrm>
           <a:prstGeom prst="rect">
             <a:avLst/>
@@ -11963,10 +12487,9 @@
           <a:lstStyle/>
           <a:p>
             <a:r>
-              <a:rPr lang="en-US" sz="3600" b="1" dirty="0" smtClean="0"/>
-              <a:t>The four models empirically tested</a:t>
+              <a:rPr lang="en-US" sz="3600" b="1" dirty="0"/>
+              <a:t>The four models empirically tested on ‘hydraulically-wide flows’</a:t>
             </a:r>
-            <a:endParaRPr lang="en-US" sz="3600" b="1" dirty="0"/>
           </a:p>
         </p:txBody>
       </p:sp>
@@ -11974,6 +12497,1092 @@
     <p:extLst>
       <p:ext uri="{BB962C8B-B14F-4D97-AF65-F5344CB8AC3E}">
         <p14:creationId xmlns:p14="http://schemas.microsoft.com/office/powerpoint/2010/main" val="3459797115"/>
+      </p:ext>
+    </p:extLst>
+  </p:cSld>
+  <p:clrMapOvr>
+    <a:masterClrMapping/>
+  </p:clrMapOvr>
+</p:sld>
+</file>
+
+<file path=ppt/slides/slide5.xml><?xml version="1.0" encoding="utf-8"?>
+<p:sld xmlns:a="http://schemas.openxmlformats.org/drawingml/2006/main" xmlns:r="http://schemas.openxmlformats.org/officeDocument/2006/relationships" xmlns:p="http://schemas.openxmlformats.org/presentationml/2006/main">
+  <p:cSld>
+    <p:spTree>
+      <p:nvGrpSpPr>
+        <p:cNvPr id="1" name=""/>
+        <p:cNvGrpSpPr/>
+        <p:nvPr/>
+      </p:nvGrpSpPr>
+      <p:grpSpPr>
+        <a:xfrm>
+          <a:off x="0" y="0"/>
+          <a:ext cx="0" cy="0"/>
+          <a:chOff x="0" y="0"/>
+          <a:chExt cx="0" cy="0"/>
+        </a:xfrm>
+      </p:grpSpPr>
+      <p:pic>
+        <p:nvPicPr>
+          <p:cNvPr id="2" name="Picture 10" descr="Proper Chainsaw Techniques (for Cutting Trees, Logs &amp;amp; Stumps) | Chainsaw  Larry">
+            <a:extLst>
+              <a:ext uri="{FF2B5EF4-FFF2-40B4-BE49-F238E27FC236}">
+                <a16:creationId xmlns:a16="http://schemas.microsoft.com/office/drawing/2014/main" id="{2CEA00B1-337F-4265-80A5-9148286084C5}"/>
+              </a:ext>
+            </a:extLst>
+          </p:cNvPr>
+          <p:cNvPicPr>
+            <a:picLocks noChangeAspect="1" noChangeArrowheads="1"/>
+          </p:cNvPicPr>
+          <p:nvPr/>
+        </p:nvPicPr>
+        <p:blipFill rotWithShape="1">
+          <a:blip r:embed="rId2">
+            <a:extLst>
+              <a:ext uri="{28A0092B-C50C-407E-A947-70E740481C1C}">
+                <a14:useLocalDpi xmlns:a14="http://schemas.microsoft.com/office/drawing/2010/main" val="0"/>
+              </a:ext>
+            </a:extLst>
+          </a:blip>
+          <a:srcRect l="2103" t="11686" b="16288"/>
+          <a:stretch/>
+        </p:blipFill>
+        <p:spPr bwMode="auto">
+          <a:xfrm>
+            <a:off x="190811" y="689636"/>
+            <a:ext cx="4294507" cy="1743252"/>
+          </a:xfrm>
+          <a:prstGeom prst="rect">
+            <a:avLst/>
+          </a:prstGeom>
+          <a:noFill/>
+          <a:extLst>
+            <a:ext uri="{909E8E84-426E-40DD-AFC4-6F175D3DCCD1}">
+              <a14:hiddenFill xmlns:a14="http://schemas.microsoft.com/office/drawing/2010/main">
+                <a:solidFill>
+                  <a:srgbClr val="FFFFFF"/>
+                </a:solidFill>
+              </a14:hiddenFill>
+            </a:ext>
+          </a:extLst>
+        </p:spPr>
+      </p:pic>
+      <p:sp>
+        <p:nvSpPr>
+          <p:cNvPr id="3" name="TextBox 2">
+            <a:extLst>
+              <a:ext uri="{FF2B5EF4-FFF2-40B4-BE49-F238E27FC236}">
+                <a16:creationId xmlns:a16="http://schemas.microsoft.com/office/drawing/2014/main" id="{7EADABE3-BAF1-4045-B357-06A6F39560D4}"/>
+              </a:ext>
+            </a:extLst>
+          </p:cNvPr>
+          <p:cNvSpPr txBox="1"/>
+          <p:nvPr/>
+        </p:nvSpPr>
+        <p:spPr>
+          <a:xfrm>
+            <a:off x="1187004" y="2740962"/>
+            <a:ext cx="1458286" cy="923330"/>
+          </a:xfrm>
+          <a:prstGeom prst="rect">
+            <a:avLst/>
+          </a:prstGeom>
+          <a:solidFill>
+            <a:srgbClr val="F4B183"/>
+          </a:solidFill>
+        </p:spPr>
+        <p:txBody>
+          <a:bodyPr wrap="square" rtlCol="0">
+            <a:spAutoFit/>
+          </a:bodyPr>
+          <a:lstStyle/>
+          <a:p>
+            <a:r>
+              <a:rPr lang="en-US" dirty="0">
+                <a:solidFill>
+                  <a:srgbClr val="7030A0"/>
+                </a:solidFill>
+              </a:rPr>
+              <a:t>Active zone of gas evasion</a:t>
+            </a:r>
+          </a:p>
+        </p:txBody>
+      </p:sp>
+      <p:sp>
+        <p:nvSpPr>
+          <p:cNvPr id="4" name="TextBox 3">
+            <a:extLst>
+              <a:ext uri="{FF2B5EF4-FFF2-40B4-BE49-F238E27FC236}">
+                <a16:creationId xmlns:a16="http://schemas.microsoft.com/office/drawing/2014/main" id="{7D9042C3-45D1-49C9-9B56-1E60219F107E}"/>
+              </a:ext>
+            </a:extLst>
+          </p:cNvPr>
+          <p:cNvSpPr txBox="1"/>
+          <p:nvPr/>
+        </p:nvSpPr>
+        <p:spPr>
+          <a:xfrm>
+            <a:off x="3154922" y="388771"/>
+            <a:ext cx="1458286" cy="369332"/>
+          </a:xfrm>
+          <a:prstGeom prst="rect">
+            <a:avLst/>
+          </a:prstGeom>
+          <a:solidFill>
+            <a:schemeClr val="accent6">
+              <a:lumMod val="60000"/>
+              <a:lumOff val="40000"/>
+            </a:schemeClr>
+          </a:solidFill>
+        </p:spPr>
+        <p:txBody>
+          <a:bodyPr wrap="square" rtlCol="0">
+            <a:spAutoFit/>
+          </a:bodyPr>
+          <a:lstStyle/>
+          <a:p>
+            <a:r>
+              <a:rPr lang="en-US" dirty="0">
+                <a:solidFill>
+                  <a:srgbClr val="7030A0"/>
+                </a:solidFill>
+              </a:rPr>
+              <a:t>Large eddies</a:t>
+            </a:r>
+          </a:p>
+        </p:txBody>
+      </p:sp>
+      <p:sp>
+        <p:nvSpPr>
+          <p:cNvPr id="5" name="TextBox 4">
+            <a:extLst>
+              <a:ext uri="{FF2B5EF4-FFF2-40B4-BE49-F238E27FC236}">
+                <a16:creationId xmlns:a16="http://schemas.microsoft.com/office/drawing/2014/main" id="{240487FB-F74D-4543-A27F-9953E82F6DF9}"/>
+              </a:ext>
+            </a:extLst>
+          </p:cNvPr>
+          <p:cNvSpPr txBox="1"/>
+          <p:nvPr/>
+        </p:nvSpPr>
+        <p:spPr>
+          <a:xfrm>
+            <a:off x="1101018" y="465670"/>
+            <a:ext cx="1458286" cy="369332"/>
+          </a:xfrm>
+          <a:prstGeom prst="rect">
+            <a:avLst/>
+          </a:prstGeom>
+          <a:solidFill>
+            <a:srgbClr val="FFFF00"/>
+          </a:solidFill>
+        </p:spPr>
+        <p:txBody>
+          <a:bodyPr wrap="square" rtlCol="0">
+            <a:spAutoFit/>
+          </a:bodyPr>
+          <a:lstStyle/>
+          <a:p>
+            <a:r>
+              <a:rPr lang="en-US" dirty="0">
+                <a:solidFill>
+                  <a:srgbClr val="7030A0"/>
+                </a:solidFill>
+              </a:rPr>
+              <a:t>Small eddies</a:t>
+            </a:r>
+          </a:p>
+        </p:txBody>
+      </p:sp>
+      <p:cxnSp>
+        <p:nvCxnSpPr>
+          <p:cNvPr id="6" name="Straight Arrow Connector 5">
+            <a:extLst>
+              <a:ext uri="{FF2B5EF4-FFF2-40B4-BE49-F238E27FC236}">
+                <a16:creationId xmlns:a16="http://schemas.microsoft.com/office/drawing/2014/main" id="{A93E73CE-8E9F-449F-A35B-AC25A1CE4AFA}"/>
+              </a:ext>
+            </a:extLst>
+          </p:cNvPr>
+          <p:cNvCxnSpPr/>
+          <p:nvPr/>
+        </p:nvCxnSpPr>
+        <p:spPr>
+          <a:xfrm>
+            <a:off x="1902165" y="880925"/>
+            <a:ext cx="151002" cy="343948"/>
+          </a:xfrm>
+          <a:prstGeom prst="straightConnector1">
+            <a:avLst/>
+          </a:prstGeom>
+          <a:ln w="28575">
+            <a:solidFill>
+              <a:srgbClr val="7030A0"/>
+            </a:solidFill>
+            <a:tailEnd type="triangle"/>
+          </a:ln>
+        </p:spPr>
+        <p:style>
+          <a:lnRef idx="1">
+            <a:schemeClr val="accent1"/>
+          </a:lnRef>
+          <a:fillRef idx="0">
+            <a:schemeClr val="accent1"/>
+          </a:fillRef>
+          <a:effectRef idx="0">
+            <a:schemeClr val="accent1"/>
+          </a:effectRef>
+          <a:fontRef idx="minor">
+            <a:schemeClr val="tx1"/>
+          </a:fontRef>
+        </p:style>
+      </p:cxnSp>
+      <p:cxnSp>
+        <p:nvCxnSpPr>
+          <p:cNvPr id="7" name="Straight Arrow Connector 6">
+            <a:extLst>
+              <a:ext uri="{FF2B5EF4-FFF2-40B4-BE49-F238E27FC236}">
+                <a16:creationId xmlns:a16="http://schemas.microsoft.com/office/drawing/2014/main" id="{26CF50B7-525A-4C83-9A5D-CC6230B20D17}"/>
+              </a:ext>
+            </a:extLst>
+          </p:cNvPr>
+          <p:cNvCxnSpPr>
+            <a:cxnSpLocks/>
+            <a:stCxn id="4" idx="2"/>
+          </p:cNvCxnSpPr>
+          <p:nvPr/>
+        </p:nvCxnSpPr>
+        <p:spPr>
+          <a:xfrm flipH="1">
+            <a:off x="2967567" y="758103"/>
+            <a:ext cx="916498" cy="248656"/>
+          </a:xfrm>
+          <a:prstGeom prst="straightConnector1">
+            <a:avLst/>
+          </a:prstGeom>
+          <a:ln w="28575">
+            <a:solidFill>
+              <a:srgbClr val="7030A0"/>
+            </a:solidFill>
+            <a:tailEnd type="triangle"/>
+          </a:ln>
+        </p:spPr>
+        <p:style>
+          <a:lnRef idx="1">
+            <a:schemeClr val="accent1"/>
+          </a:lnRef>
+          <a:fillRef idx="0">
+            <a:schemeClr val="accent1"/>
+          </a:fillRef>
+          <a:effectRef idx="0">
+            <a:schemeClr val="accent1"/>
+          </a:effectRef>
+          <a:fontRef idx="minor">
+            <a:schemeClr val="tx1"/>
+          </a:fontRef>
+        </p:style>
+      </p:cxnSp>
+      <p:cxnSp>
+        <p:nvCxnSpPr>
+          <p:cNvPr id="8" name="Straight Arrow Connector 7">
+            <a:extLst>
+              <a:ext uri="{FF2B5EF4-FFF2-40B4-BE49-F238E27FC236}">
+                <a16:creationId xmlns:a16="http://schemas.microsoft.com/office/drawing/2014/main" id="{4AF28C26-C44E-446C-9B42-521294EE6A6E}"/>
+              </a:ext>
+            </a:extLst>
+          </p:cNvPr>
+          <p:cNvCxnSpPr>
+            <a:cxnSpLocks/>
+            <a:stCxn id="3" idx="0"/>
+          </p:cNvCxnSpPr>
+          <p:nvPr/>
+        </p:nvCxnSpPr>
+        <p:spPr>
+          <a:xfrm flipV="1">
+            <a:off x="1916147" y="1661099"/>
+            <a:ext cx="46489" cy="1079863"/>
+          </a:xfrm>
+          <a:prstGeom prst="straightConnector1">
+            <a:avLst/>
+          </a:prstGeom>
+          <a:ln w="28575">
+            <a:solidFill>
+              <a:srgbClr val="F4B183"/>
+            </a:solidFill>
+            <a:tailEnd type="triangle"/>
+          </a:ln>
+        </p:spPr>
+        <p:style>
+          <a:lnRef idx="1">
+            <a:schemeClr val="accent1"/>
+          </a:lnRef>
+          <a:fillRef idx="0">
+            <a:schemeClr val="accent1"/>
+          </a:fillRef>
+          <a:effectRef idx="0">
+            <a:schemeClr val="accent1"/>
+          </a:effectRef>
+          <a:fontRef idx="minor">
+            <a:schemeClr val="tx1"/>
+          </a:fontRef>
+        </p:style>
+      </p:cxnSp>
+      <p:sp>
+        <p:nvSpPr>
+          <p:cNvPr id="9" name="TextBox 8">
+            <a:extLst>
+              <a:ext uri="{FF2B5EF4-FFF2-40B4-BE49-F238E27FC236}">
+                <a16:creationId xmlns:a16="http://schemas.microsoft.com/office/drawing/2014/main" id="{ED2D3408-D5BD-48B9-9127-D3E32598DC8F}"/>
+              </a:ext>
+            </a:extLst>
+          </p:cNvPr>
+          <p:cNvSpPr txBox="1"/>
+          <p:nvPr/>
+        </p:nvSpPr>
+        <p:spPr>
+          <a:xfrm>
+            <a:off x="2208713" y="1626576"/>
+            <a:ext cx="1446064" cy="646331"/>
+          </a:xfrm>
+          <a:prstGeom prst="rect">
+            <a:avLst/>
+          </a:prstGeom>
+          <a:solidFill>
+            <a:srgbClr val="A9591E"/>
+          </a:solidFill>
+        </p:spPr>
+        <p:txBody>
+          <a:bodyPr wrap="square" rtlCol="0">
+            <a:spAutoFit/>
+          </a:bodyPr>
+          <a:lstStyle/>
+          <a:p>
+            <a:r>
+              <a:rPr lang="en-US" dirty="0">
+                <a:solidFill>
+                  <a:srgbClr val="7030A0"/>
+                </a:solidFill>
+              </a:rPr>
+              <a:t>Entire interface</a:t>
+            </a:r>
+          </a:p>
+        </p:txBody>
+      </p:sp>
+      <mc:AlternateContent xmlns:mc="http://schemas.openxmlformats.org/markup-compatibility/2006">
+        <mc:Choice xmlns:a14="http://schemas.microsoft.com/office/drawing/2010/main" Requires="a14">
+          <p:sp>
+            <p:nvSpPr>
+              <p:cNvPr id="11" name="TextBox 10">
+                <a:extLst>
+                  <a:ext uri="{FF2B5EF4-FFF2-40B4-BE49-F238E27FC236}">
+                    <a16:creationId xmlns:a16="http://schemas.microsoft.com/office/drawing/2014/main" id="{CEB60D72-77A2-497D-A4E5-2E49D13AC162}"/>
+                  </a:ext>
+                </a:extLst>
+              </p:cNvPr>
+              <p:cNvSpPr txBox="1"/>
+              <p:nvPr/>
+            </p:nvSpPr>
+            <p:spPr>
+              <a:xfrm>
+                <a:off x="5621001" y="1052899"/>
+                <a:ext cx="6094562" cy="1241558"/>
+              </a:xfrm>
+              <a:prstGeom prst="rect">
+                <a:avLst/>
+              </a:prstGeom>
+              <a:noFill/>
+            </p:spPr>
+            <p:txBody>
+              <a:bodyPr wrap="square">
+                <a:spAutoFit/>
+              </a:bodyPr>
+              <a:lstStyle/>
+              <a:p>
+                <a:pPr marL="0" marR="0" lvl="0" indent="0" algn="l" defTabSz="914400" rtl="0" eaLnBrk="1" fontAlgn="auto" latinLnBrk="0" hangingPunct="1">
+                  <a:lnSpc>
+                    <a:spcPct val="100000"/>
+                  </a:lnSpc>
+                  <a:spcBef>
+                    <a:spcPts val="0"/>
+                  </a:spcBef>
+                  <a:spcAft>
+                    <a:spcPts val="0"/>
+                  </a:spcAft>
+                  <a:buClrTx/>
+                  <a:buSzTx/>
+                  <a:buFontTx/>
+                  <a:buNone/>
+                  <a:tabLst/>
+                  <a:defRPr/>
+                </a:pPr>
+                <a14:m>
+                  <m:oMathPara xmlns:m="http://schemas.openxmlformats.org/officeDocument/2006/math">
+                    <m:oMathParaPr>
+                      <m:jc m:val="centerGroup"/>
+                    </m:oMathParaPr>
+                    <m:oMath xmlns:m="http://schemas.openxmlformats.org/officeDocument/2006/math">
+                      <m:r>
+                        <a:rPr lang="en-US" sz="1800" b="0" i="1" smtClean="0">
+                          <a:latin typeface="Cambria Math" panose="02040503050406030204" pitchFamily="18" charset="0"/>
+                        </a:rPr>
+                        <m:t>𝑘</m:t>
+                      </m:r>
+                      <m:r>
+                        <a:rPr lang="en-US" sz="1800" b="0" i="1" smtClean="0">
+                          <a:latin typeface="Cambria Math" panose="02040503050406030204" pitchFamily="18" charset="0"/>
+                          <a:ea typeface="Cambria Math" panose="02040503050406030204" pitchFamily="18" charset="0"/>
+                        </a:rPr>
+                        <m:t>∝</m:t>
+                      </m:r>
+                      <m:r>
+                        <a:rPr lang="en-US" sz="1800" b="0" i="1" smtClean="0">
+                          <a:latin typeface="Cambria Math" panose="02040503050406030204" pitchFamily="18" charset="0"/>
+                        </a:rPr>
+                        <m:t>𝑆</m:t>
+                      </m:r>
+                      <m:sSup>
+                        <m:sSupPr>
+                          <m:ctrlPr>
+                            <a:rPr lang="en-US" sz="1800" b="0" i="1" smtClean="0">
+                              <a:latin typeface="Cambria Math" panose="02040503050406030204" pitchFamily="18" charset="0"/>
+                            </a:rPr>
+                          </m:ctrlPr>
+                        </m:sSupPr>
+                        <m:e>
+                          <m:r>
+                            <a:rPr lang="en-US" sz="1800" b="0" i="1" smtClean="0">
+                              <a:latin typeface="Cambria Math" panose="02040503050406030204" pitchFamily="18" charset="0"/>
+                            </a:rPr>
+                            <m:t>𝑐</m:t>
+                          </m:r>
+                        </m:e>
+                        <m:sup>
+                          <m:r>
+                            <a:rPr lang="en-US" sz="1800" b="0" i="1" smtClean="0">
+                              <a:latin typeface="Cambria Math" panose="02040503050406030204" pitchFamily="18" charset="0"/>
+                            </a:rPr>
+                            <m:t>−</m:t>
+                          </m:r>
+                          <m:f>
+                            <m:fPr>
+                              <m:ctrlPr>
+                                <a:rPr lang="en-US" sz="1800" b="0" i="1" smtClean="0">
+                                  <a:latin typeface="Cambria Math" panose="02040503050406030204" pitchFamily="18" charset="0"/>
+                                </a:rPr>
+                              </m:ctrlPr>
+                            </m:fPr>
+                            <m:num>
+                              <m:r>
+                                <a:rPr lang="en-US" sz="1800" b="0" i="1" smtClean="0">
+                                  <a:latin typeface="Cambria Math" panose="02040503050406030204" pitchFamily="18" charset="0"/>
+                                </a:rPr>
+                                <m:t>1</m:t>
+                              </m:r>
+                            </m:num>
+                            <m:den>
+                              <m:r>
+                                <a:rPr lang="en-US" sz="1800" b="0" i="1" smtClean="0">
+                                  <a:latin typeface="Cambria Math" panose="02040503050406030204" pitchFamily="18" charset="0"/>
+                                </a:rPr>
+                                <m:t>2</m:t>
+                              </m:r>
+                            </m:den>
+                          </m:f>
+                        </m:sup>
+                      </m:sSup>
+                      <m:sSup>
+                        <m:sSupPr>
+                          <m:ctrlPr>
+                            <a:rPr lang="en-US" sz="1800" b="0" i="1" smtClean="0">
+                              <a:latin typeface="Cambria Math" panose="02040503050406030204" pitchFamily="18" charset="0"/>
+                            </a:rPr>
+                          </m:ctrlPr>
+                        </m:sSupPr>
+                        <m:e>
+                          <m:d>
+                            <m:dPr>
+                              <m:ctrlPr>
+                                <a:rPr lang="en-US" sz="1800" b="0" i="1" smtClean="0">
+                                  <a:latin typeface="Cambria Math" panose="02040503050406030204" pitchFamily="18" charset="0"/>
+                                </a:rPr>
+                              </m:ctrlPr>
+                            </m:dPr>
+                            <m:e>
+                              <m:r>
+                                <a:rPr lang="en-US" sz="1800" b="0" i="1" smtClean="0">
+                                  <a:latin typeface="Cambria Math" panose="02040503050406030204" pitchFamily="18" charset="0"/>
+                                </a:rPr>
+                                <m:t>𝑣</m:t>
+                              </m:r>
+                              <m:r>
+                                <a:rPr lang="en-US" sz="1800" b="0" i="1" smtClean="0">
+                                  <a:latin typeface="Cambria Math" panose="02040503050406030204" pitchFamily="18" charset="0"/>
+                                  <a:ea typeface="Cambria Math" panose="02040503050406030204" pitchFamily="18" charset="0"/>
+                                </a:rPr>
+                                <m:t>𝜀</m:t>
+                              </m:r>
+                            </m:e>
+                          </m:d>
+                        </m:e>
+                        <m:sup>
+                          <m:f>
+                            <m:fPr>
+                              <m:ctrlPr>
+                                <a:rPr lang="en-US" sz="1800" b="0" i="1" smtClean="0">
+                                  <a:latin typeface="Cambria Math" panose="02040503050406030204" pitchFamily="18" charset="0"/>
+                                </a:rPr>
+                              </m:ctrlPr>
+                            </m:fPr>
+                            <m:num>
+                              <m:r>
+                                <a:rPr lang="en-US" sz="1800" b="0" i="1" smtClean="0">
+                                  <a:latin typeface="Cambria Math" panose="02040503050406030204" pitchFamily="18" charset="0"/>
+                                </a:rPr>
+                                <m:t>1</m:t>
+                              </m:r>
+                            </m:num>
+                            <m:den>
+                              <m:r>
+                                <a:rPr lang="en-US" sz="1800" b="0" i="1" smtClean="0">
+                                  <a:latin typeface="Cambria Math" panose="02040503050406030204" pitchFamily="18" charset="0"/>
+                                </a:rPr>
+                                <m:t>4</m:t>
+                              </m:r>
+                            </m:den>
+                          </m:f>
+                        </m:sup>
+                      </m:sSup>
+                      <m:sSubSup>
+                        <m:sSubSupPr>
+                          <m:ctrlPr>
+                            <a:rPr lang="en-US" sz="1800" b="0" i="1" smtClean="0">
+                              <a:latin typeface="Cambria Math" panose="02040503050406030204" pitchFamily="18" charset="0"/>
+                            </a:rPr>
+                          </m:ctrlPr>
+                        </m:sSubSupPr>
+                        <m:e>
+                          <m:r>
+                            <a:rPr lang="en-US" sz="1800" b="0" i="1" smtClean="0">
+                              <a:latin typeface="Cambria Math" panose="02040503050406030204" pitchFamily="18" charset="0"/>
+                            </a:rPr>
+                            <m:t>𝐴</m:t>
+                          </m:r>
+                        </m:e>
+                        <m:sub>
+                          <m:r>
+                            <a:rPr lang="en-US" sz="1800" b="0" i="1" smtClean="0">
+                              <a:latin typeface="Cambria Math" panose="02040503050406030204" pitchFamily="18" charset="0"/>
+                            </a:rPr>
+                            <m:t>𝑝</m:t>
+                          </m:r>
+                        </m:sub>
+                        <m:sup>
+                          <m:f>
+                            <m:fPr>
+                              <m:ctrlPr>
+                                <a:rPr lang="en-US" sz="1800" b="0" i="1" smtClean="0">
+                                  <a:latin typeface="Cambria Math" panose="02040503050406030204" pitchFamily="18" charset="0"/>
+                                </a:rPr>
+                              </m:ctrlPr>
+                            </m:fPr>
+                            <m:num>
+                              <m:r>
+                                <a:rPr lang="en-US" sz="1800" b="0" i="1" smtClean="0">
+                                  <a:latin typeface="Cambria Math" panose="02040503050406030204" pitchFamily="18" charset="0"/>
+                                </a:rPr>
+                                <m:t>3</m:t>
+                              </m:r>
+                            </m:num>
+                            <m:den>
+                              <m:r>
+                                <a:rPr lang="en-US" sz="1800" b="0" i="1" smtClean="0">
+                                  <a:latin typeface="Cambria Math" panose="02040503050406030204" pitchFamily="18" charset="0"/>
+                                </a:rPr>
+                                <m:t>4</m:t>
+                              </m:r>
+                            </m:den>
+                          </m:f>
+                        </m:sup>
+                      </m:sSubSup>
+                    </m:oMath>
+                  </m:oMathPara>
+                </a14:m>
+                <a:endParaRPr lang="en-US" sz="1800" dirty="0"/>
+              </a:p>
+              <a:p>
+                <a:pPr marL="0" marR="0" lvl="0" indent="0" algn="l" defTabSz="914400" rtl="0" eaLnBrk="1" fontAlgn="auto" latinLnBrk="0" hangingPunct="1">
+                  <a:lnSpc>
+                    <a:spcPct val="100000"/>
+                  </a:lnSpc>
+                  <a:spcBef>
+                    <a:spcPts val="0"/>
+                  </a:spcBef>
+                  <a:spcAft>
+                    <a:spcPts val="0"/>
+                  </a:spcAft>
+                  <a:buClrTx/>
+                  <a:buSzTx/>
+                  <a:buFontTx/>
+                  <a:buNone/>
+                  <a:tabLst/>
+                  <a:defRPr/>
+                </a:pPr>
+                <a14:m>
+                  <m:oMath xmlns:m="http://schemas.openxmlformats.org/officeDocument/2006/math">
+                    <m:sSub>
+                      <m:sSubPr>
+                        <m:ctrlPr>
+                          <a:rPr lang="en-US" sz="1400" b="0" i="1" smtClean="0">
+                            <a:latin typeface="Cambria Math" panose="02040503050406030204" pitchFamily="18" charset="0"/>
+                          </a:rPr>
+                        </m:ctrlPr>
+                      </m:sSubPr>
+                      <m:e>
+                        <m:r>
+                          <a:rPr lang="en-US" sz="1400" b="0" i="1" smtClean="0">
+                            <a:latin typeface="Cambria Math" panose="02040503050406030204" pitchFamily="18" charset="0"/>
+                          </a:rPr>
+                          <m:t>𝐴</m:t>
+                        </m:r>
+                      </m:e>
+                      <m:sub>
+                        <m:r>
+                          <a:rPr lang="en-US" sz="1400" b="0" i="1" smtClean="0">
+                            <a:latin typeface="Cambria Math" panose="02040503050406030204" pitchFamily="18" charset="0"/>
+                          </a:rPr>
+                          <m:t>𝑝</m:t>
+                        </m:r>
+                      </m:sub>
+                    </m:sSub>
+                    <m:r>
+                      <a:rPr lang="en-US" sz="1400" b="0" i="1" smtClean="0">
+                        <a:latin typeface="Cambria Math" panose="02040503050406030204" pitchFamily="18" charset="0"/>
+                        <a:ea typeface="Cambria Math" panose="02040503050406030204" pitchFamily="18" charset="0"/>
+                      </a:rPr>
+                      <m:t>∝</m:t>
+                    </m:r>
+                    <m:sSup>
+                      <m:sSupPr>
+                        <m:ctrlPr>
+                          <a:rPr lang="en-US" sz="1400" b="0" i="1" smtClean="0">
+                            <a:latin typeface="Cambria Math" panose="02040503050406030204" pitchFamily="18" charset="0"/>
+                            <a:ea typeface="Cambria Math" panose="02040503050406030204" pitchFamily="18" charset="0"/>
+                          </a:rPr>
+                        </m:ctrlPr>
+                      </m:sSupPr>
+                      <m:e>
+                        <m:d>
+                          <m:dPr>
+                            <m:ctrlPr>
+                              <a:rPr lang="en-US" sz="1400" b="0" i="1" smtClean="0">
+                                <a:latin typeface="Cambria Math" panose="02040503050406030204" pitchFamily="18" charset="0"/>
+                                <a:ea typeface="Cambria Math" panose="02040503050406030204" pitchFamily="18" charset="0"/>
+                              </a:rPr>
+                            </m:ctrlPr>
+                          </m:dPr>
+                          <m:e>
+                            <m:f>
+                              <m:fPr>
+                                <m:ctrlPr>
+                                  <a:rPr lang="en-US" sz="1400" b="0" i="1" smtClean="0">
+                                    <a:latin typeface="Cambria Math" panose="02040503050406030204" pitchFamily="18" charset="0"/>
+                                    <a:ea typeface="Cambria Math" panose="02040503050406030204" pitchFamily="18" charset="0"/>
+                                  </a:rPr>
+                                </m:ctrlPr>
+                              </m:fPr>
+                              <m:num>
+                                <m:sSub>
+                                  <m:sSubPr>
+                                    <m:ctrlPr>
+                                      <a:rPr lang="en-US" sz="1400" b="0" i="1" smtClean="0">
+                                        <a:latin typeface="Cambria Math" panose="02040503050406030204" pitchFamily="18" charset="0"/>
+                                        <a:ea typeface="Cambria Math" panose="02040503050406030204" pitchFamily="18" charset="0"/>
+                                      </a:rPr>
+                                    </m:ctrlPr>
+                                  </m:sSubPr>
+                                  <m:e>
+                                    <m:r>
+                                      <a:rPr lang="en-US" sz="1400" b="0" i="1" smtClean="0">
+                                        <a:latin typeface="Cambria Math" panose="02040503050406030204" pitchFamily="18" charset="0"/>
+                                        <a:ea typeface="Cambria Math" panose="02040503050406030204" pitchFamily="18" charset="0"/>
+                                      </a:rPr>
+                                      <m:t>𝑈</m:t>
+                                    </m:r>
+                                  </m:e>
+                                  <m:sub>
+                                    <m:r>
+                                      <a:rPr lang="en-US" sz="1400" b="0" i="1" smtClean="0">
+                                        <a:latin typeface="Cambria Math" panose="02040503050406030204" pitchFamily="18" charset="0"/>
+                                        <a:ea typeface="Cambria Math" panose="02040503050406030204" pitchFamily="18" charset="0"/>
+                                      </a:rPr>
+                                      <m:t>∗</m:t>
+                                    </m:r>
+                                  </m:sub>
+                                </m:sSub>
+                                <m:r>
+                                  <a:rPr lang="en-US" sz="1400" b="0" i="1" smtClean="0">
+                                    <a:latin typeface="Cambria Math" panose="02040503050406030204" pitchFamily="18" charset="0"/>
+                                    <a:ea typeface="Cambria Math" panose="02040503050406030204" pitchFamily="18" charset="0"/>
+                                  </a:rPr>
+                                  <m:t>𝐻</m:t>
+                                </m:r>
+                              </m:num>
+                              <m:den>
+                                <m:r>
+                                  <a:rPr lang="en-US" sz="1400" b="0" i="1" smtClean="0">
+                                    <a:latin typeface="Cambria Math" panose="02040503050406030204" pitchFamily="18" charset="0"/>
+                                    <a:ea typeface="Cambria Math" panose="02040503050406030204" pitchFamily="18" charset="0"/>
+                                  </a:rPr>
+                                  <m:t>𝑣</m:t>
+                                </m:r>
+                              </m:den>
+                            </m:f>
+                          </m:e>
+                        </m:d>
+                      </m:e>
+                      <m:sup>
+                        <m:f>
+                          <m:fPr>
+                            <m:ctrlPr>
+                              <a:rPr lang="en-US" sz="1400" b="0" i="1" smtClean="0">
+                                <a:latin typeface="Cambria Math" panose="02040503050406030204" pitchFamily="18" charset="0"/>
+                                <a:ea typeface="Cambria Math" panose="02040503050406030204" pitchFamily="18" charset="0"/>
+                              </a:rPr>
+                            </m:ctrlPr>
+                          </m:fPr>
+                          <m:num>
+                            <m:r>
+                              <a:rPr lang="en-US" sz="1400" b="0" i="1" smtClean="0">
+                                <a:latin typeface="Cambria Math" panose="02040503050406030204" pitchFamily="18" charset="0"/>
+                                <a:ea typeface="Cambria Math" panose="02040503050406030204" pitchFamily="18" charset="0"/>
+                              </a:rPr>
+                              <m:t>1</m:t>
+                            </m:r>
+                          </m:num>
+                          <m:den>
+                            <m:r>
+                              <a:rPr lang="en-US" sz="1400" b="0" i="1" smtClean="0">
+                                <a:latin typeface="Cambria Math" panose="02040503050406030204" pitchFamily="18" charset="0"/>
+                                <a:ea typeface="Cambria Math" panose="02040503050406030204" pitchFamily="18" charset="0"/>
+                              </a:rPr>
+                              <m:t>2</m:t>
+                            </m:r>
+                          </m:den>
+                        </m:f>
+                      </m:sup>
+                    </m:sSup>
+                  </m:oMath>
+                </a14:m>
+                <a:r>
+                  <a:rPr lang="en-US" sz="1400" dirty="0"/>
+                  <a:t>: “fraction of interface</a:t>
+                </a:r>
+                <a:r>
+                  <a:rPr lang="en-US" sz="1400" baseline="0" dirty="0"/>
+                  <a:t> within which small-eddy model holds” </a:t>
+                </a:r>
+                <a:r>
+                  <a:rPr lang="en-US" sz="1400" baseline="0" dirty="0">
+                    <a:solidFill>
+                      <a:srgbClr val="C00000"/>
+                    </a:solidFill>
+                  </a:rPr>
+                  <a:t>[Moog &amp; </a:t>
+                </a:r>
+                <a:r>
+                  <a:rPr lang="en-US" sz="1400" baseline="0" dirty="0" err="1">
+                    <a:solidFill>
+                      <a:srgbClr val="C00000"/>
+                    </a:solidFill>
+                  </a:rPr>
+                  <a:t>Jirka</a:t>
+                </a:r>
+                <a:r>
+                  <a:rPr lang="en-US" sz="1400" baseline="0" dirty="0">
+                    <a:solidFill>
+                      <a:srgbClr val="C00000"/>
+                    </a:solidFill>
+                  </a:rPr>
+                  <a:t> 1999a]</a:t>
+                </a:r>
+              </a:p>
+            </p:txBody>
+          </p:sp>
+        </mc:Choice>
+        <mc:Fallback>
+          <p:sp>
+            <p:nvSpPr>
+              <p:cNvPr id="11" name="TextBox 10">
+                <a:extLst>
+                  <a:ext uri="{FF2B5EF4-FFF2-40B4-BE49-F238E27FC236}">
+                    <a16:creationId xmlns:a16="http://schemas.microsoft.com/office/drawing/2014/main" id="{CEB60D72-77A2-497D-A4E5-2E49D13AC162}"/>
+                  </a:ext>
+                </a:extLst>
+              </p:cNvPr>
+              <p:cNvSpPr txBox="1">
+                <a:spLocks noRot="1" noChangeAspect="1" noMove="1" noResize="1" noEditPoints="1" noAdjustHandles="1" noChangeArrowheads="1" noChangeShapeType="1" noTextEdit="1"/>
+              </p:cNvSpPr>
+              <p:nvPr/>
+            </p:nvSpPr>
+            <p:spPr>
+              <a:xfrm>
+                <a:off x="5621001" y="1052899"/>
+                <a:ext cx="6094562" cy="1241558"/>
+              </a:xfrm>
+              <a:prstGeom prst="rect">
+                <a:avLst/>
+              </a:prstGeom>
+              <a:blipFill>
+                <a:blip r:embed="rId3"/>
+                <a:stretch>
+                  <a:fillRect l="-300" b="-4433"/>
+                </a:stretch>
+              </a:blipFill>
+            </p:spPr>
+            <p:txBody>
+              <a:bodyPr/>
+              <a:lstStyle/>
+              <a:p>
+                <a:r>
+                  <a:rPr lang="en-US">
+                    <a:noFill/>
+                  </a:rPr>
+                  <a:t> </a:t>
+                </a:r>
+              </a:p>
+            </p:txBody>
+          </p:sp>
+        </mc:Fallback>
+      </mc:AlternateContent>
+      <p:sp>
+        <p:nvSpPr>
+          <p:cNvPr id="12" name="TextBox 11">
+            <a:extLst>
+              <a:ext uri="{FF2B5EF4-FFF2-40B4-BE49-F238E27FC236}">
+                <a16:creationId xmlns:a16="http://schemas.microsoft.com/office/drawing/2014/main" id="{BA61AF99-AFEE-4D24-9B33-6E8EF9F2A829}"/>
+              </a:ext>
+            </a:extLst>
+          </p:cNvPr>
+          <p:cNvSpPr txBox="1"/>
+          <p:nvPr/>
+        </p:nvSpPr>
+        <p:spPr>
+          <a:xfrm>
+            <a:off x="4951563" y="3917383"/>
+            <a:ext cx="6495690" cy="646331"/>
+          </a:xfrm>
+          <a:prstGeom prst="rect">
+            <a:avLst/>
+          </a:prstGeom>
+          <a:noFill/>
+        </p:spPr>
+        <p:txBody>
+          <a:bodyPr wrap="square" rtlCol="0">
+            <a:spAutoFit/>
+          </a:bodyPr>
+          <a:lstStyle/>
+          <a:p>
+            <a:r>
+              <a:rPr lang="en-US" dirty="0"/>
+              <a:t>If smooth flow (i.e. Re* &lt; 1) </a:t>
+            </a:r>
+            <a:r>
+              <a:rPr lang="en-US" dirty="0">
+                <a:sym typeface="Wingdings" panose="05000000000000000000" pitchFamily="2" charset="2"/>
+              </a:rPr>
+              <a:t> k is decreased relative to small-eddy model</a:t>
+            </a:r>
+          </a:p>
+        </p:txBody>
+      </p:sp>
+      <mc:AlternateContent xmlns:mc="http://schemas.openxmlformats.org/markup-compatibility/2006">
+        <mc:Choice xmlns:a14="http://schemas.microsoft.com/office/drawing/2010/main" Requires="a14">
+          <p:sp>
+            <p:nvSpPr>
+              <p:cNvPr id="13" name="TextBox 12">
+                <a:extLst>
+                  <a:ext uri="{FF2B5EF4-FFF2-40B4-BE49-F238E27FC236}">
+                    <a16:creationId xmlns:a16="http://schemas.microsoft.com/office/drawing/2014/main" id="{F1068341-2ED3-437B-8EC8-5E3AB2716AF3}"/>
+                  </a:ext>
+                </a:extLst>
+              </p:cNvPr>
+              <p:cNvSpPr txBox="1"/>
+              <p:nvPr/>
+            </p:nvSpPr>
+            <p:spPr>
+              <a:xfrm>
+                <a:off x="5774120" y="3202627"/>
+                <a:ext cx="5788324" cy="506870"/>
+              </a:xfrm>
+              <a:prstGeom prst="rect">
+                <a:avLst/>
+              </a:prstGeom>
+              <a:noFill/>
+            </p:spPr>
+            <p:txBody>
+              <a:bodyPr wrap="square" rtlCol="0">
+                <a:spAutoFit/>
+              </a:bodyPr>
+              <a:lstStyle/>
+              <a:p>
+                <a14:m>
+                  <m:oMath xmlns:m="http://schemas.openxmlformats.org/officeDocument/2006/math">
+                    <m:r>
+                      <a:rPr lang="en-US" b="0" i="1" smtClean="0">
+                        <a:latin typeface="Cambria Math" panose="02040503050406030204" pitchFamily="18" charset="0"/>
+                      </a:rPr>
+                      <m:t>𝑅</m:t>
+                    </m:r>
+                    <m:sSup>
+                      <m:sSupPr>
+                        <m:ctrlPr>
+                          <a:rPr lang="en-US" b="0" i="1" smtClean="0">
+                            <a:latin typeface="Cambria Math" panose="02040503050406030204" pitchFamily="18" charset="0"/>
+                          </a:rPr>
+                        </m:ctrlPr>
+                      </m:sSupPr>
+                      <m:e>
+                        <m:r>
+                          <a:rPr lang="en-US" b="0" i="1" smtClean="0">
+                            <a:latin typeface="Cambria Math" panose="02040503050406030204" pitchFamily="18" charset="0"/>
+                          </a:rPr>
+                          <m:t>𝑒</m:t>
+                        </m:r>
+                      </m:e>
+                      <m:sup>
+                        <m:r>
+                          <a:rPr lang="en-US" b="0" i="1" smtClean="0">
+                            <a:latin typeface="Cambria Math" panose="02040503050406030204" pitchFamily="18" charset="0"/>
+                          </a:rPr>
+                          <m:t>∗</m:t>
+                        </m:r>
+                      </m:sup>
+                    </m:sSup>
+                    <m:r>
+                      <a:rPr lang="en-US" b="0" i="1" smtClean="0">
+                        <a:latin typeface="Cambria Math" panose="02040503050406030204" pitchFamily="18" charset="0"/>
+                      </a:rPr>
+                      <m:t>=</m:t>
+                    </m:r>
+                    <m:d>
+                      <m:dPr>
+                        <m:ctrlPr>
+                          <a:rPr lang="en-US" b="0" i="1" smtClean="0">
+                            <a:latin typeface="Cambria Math" panose="02040503050406030204" pitchFamily="18" charset="0"/>
+                          </a:rPr>
+                        </m:ctrlPr>
+                      </m:dPr>
+                      <m:e>
+                        <m:f>
+                          <m:fPr>
+                            <m:ctrlPr>
+                              <a:rPr lang="en-US" b="0" i="1" smtClean="0">
+                                <a:latin typeface="Cambria Math" panose="02040503050406030204" pitchFamily="18" charset="0"/>
+                              </a:rPr>
+                            </m:ctrlPr>
+                          </m:fPr>
+                          <m:num>
+                            <m:sSub>
+                              <m:sSubPr>
+                                <m:ctrlPr>
+                                  <a:rPr lang="en-US" b="0" i="1" smtClean="0">
+                                    <a:latin typeface="Cambria Math" panose="02040503050406030204" pitchFamily="18" charset="0"/>
+                                  </a:rPr>
+                                </m:ctrlPr>
+                              </m:sSubPr>
+                              <m:e>
+                                <m:r>
+                                  <a:rPr lang="en-US" b="0" i="1" smtClean="0">
+                                    <a:latin typeface="Cambria Math" panose="02040503050406030204" pitchFamily="18" charset="0"/>
+                                  </a:rPr>
+                                  <m:t>𝑈</m:t>
+                                </m:r>
+                              </m:e>
+                              <m:sub>
+                                <m:r>
+                                  <a:rPr lang="en-US" b="0" i="1" smtClean="0">
+                                    <a:latin typeface="Cambria Math" panose="02040503050406030204" pitchFamily="18" charset="0"/>
+                                  </a:rPr>
+                                  <m:t>∗</m:t>
+                                </m:r>
+                              </m:sub>
+                            </m:sSub>
+                            <m:r>
+                              <a:rPr lang="en-US" b="0" i="1" smtClean="0">
+                                <a:latin typeface="Cambria Math" panose="02040503050406030204" pitchFamily="18" charset="0"/>
+                              </a:rPr>
+                              <m:t>𝐻</m:t>
+                            </m:r>
+                          </m:num>
+                          <m:den>
+                            <m:r>
+                              <a:rPr lang="en-US" b="0" i="1" smtClean="0">
+                                <a:latin typeface="Cambria Math" panose="02040503050406030204" pitchFamily="18" charset="0"/>
+                              </a:rPr>
+                              <m:t>𝑣</m:t>
+                            </m:r>
+                          </m:den>
+                        </m:f>
+                      </m:e>
+                    </m:d>
+                  </m:oMath>
+                </a14:m>
+                <a:r>
+                  <a:rPr lang="en-US" dirty="0"/>
+                  <a:t>, ratio of shear force to viscous force</a:t>
+                </a:r>
+              </a:p>
+            </p:txBody>
+          </p:sp>
+        </mc:Choice>
+        <mc:Fallback>
+          <p:sp>
+            <p:nvSpPr>
+              <p:cNvPr id="13" name="TextBox 12">
+                <a:extLst>
+                  <a:ext uri="{FF2B5EF4-FFF2-40B4-BE49-F238E27FC236}">
+                    <a16:creationId xmlns:a16="http://schemas.microsoft.com/office/drawing/2014/main" id="{F1068341-2ED3-437B-8EC8-5E3AB2716AF3}"/>
+                  </a:ext>
+                </a:extLst>
+              </p:cNvPr>
+              <p:cNvSpPr txBox="1">
+                <a:spLocks noRot="1" noChangeAspect="1" noMove="1" noResize="1" noEditPoints="1" noAdjustHandles="1" noChangeArrowheads="1" noChangeShapeType="1" noTextEdit="1"/>
+              </p:cNvSpPr>
+              <p:nvPr/>
+            </p:nvSpPr>
+            <p:spPr>
+              <a:xfrm>
+                <a:off x="5774120" y="3202627"/>
+                <a:ext cx="5788324" cy="506870"/>
+              </a:xfrm>
+              <a:prstGeom prst="rect">
+                <a:avLst/>
+              </a:prstGeom>
+              <a:blipFill>
+                <a:blip r:embed="rId4"/>
+                <a:stretch>
+                  <a:fillRect b="-4762"/>
+                </a:stretch>
+              </a:blipFill>
+            </p:spPr>
+            <p:txBody>
+              <a:bodyPr/>
+              <a:lstStyle/>
+              <a:p>
+                <a:r>
+                  <a:rPr lang="en-US">
+                    <a:noFill/>
+                  </a:rPr>
+                  <a:t> </a:t>
+                </a:r>
+              </a:p>
+            </p:txBody>
+          </p:sp>
+        </mc:Fallback>
+      </mc:AlternateContent>
+    </p:spTree>
+    <p:extLst>
+      <p:ext uri="{BB962C8B-B14F-4D97-AF65-F5344CB8AC3E}">
+        <p14:creationId xmlns:p14="http://schemas.microsoft.com/office/powerpoint/2010/main" val="3655378827"/>
       </p:ext>
     </p:extLst>
   </p:cSld>
